--- a/00_notes_de_stage.pptx
+++ b/00_notes_de_stage.pptx
@@ -5,54 +5,56 @@
     <p:sldMasterId id="2147483648" r:id="rId1"/>
   </p:sldMasterIdLst>
   <p:notesMasterIdLst>
-    <p:notesMasterId r:id="rId47"/>
+    <p:notesMasterId r:id="rId49"/>
   </p:notesMasterIdLst>
   <p:sldIdLst>
     <p:sldId id="256" r:id="rId2"/>
     <p:sldId id="265" r:id="rId3"/>
     <p:sldId id="298" r:id="rId4"/>
     <p:sldId id="264" r:id="rId5"/>
-    <p:sldId id="275" r:id="rId6"/>
-    <p:sldId id="258" r:id="rId7"/>
-    <p:sldId id="276" r:id="rId8"/>
+    <p:sldId id="301" r:id="rId6"/>
+    <p:sldId id="275" r:id="rId7"/>
+    <p:sldId id="258" r:id="rId8"/>
     <p:sldId id="266" r:id="rId9"/>
-    <p:sldId id="259" r:id="rId10"/>
-    <p:sldId id="261" r:id="rId11"/>
-    <p:sldId id="257" r:id="rId12"/>
-    <p:sldId id="260" r:id="rId13"/>
-    <p:sldId id="262" r:id="rId14"/>
-    <p:sldId id="263" r:id="rId15"/>
-    <p:sldId id="274" r:id="rId16"/>
-    <p:sldId id="267" r:id="rId17"/>
-    <p:sldId id="268" r:id="rId18"/>
-    <p:sldId id="272" r:id="rId19"/>
-    <p:sldId id="277" r:id="rId20"/>
-    <p:sldId id="273" r:id="rId21"/>
-    <p:sldId id="278" r:id="rId22"/>
-    <p:sldId id="295" r:id="rId23"/>
-    <p:sldId id="279" r:id="rId24"/>
-    <p:sldId id="296" r:id="rId25"/>
-    <p:sldId id="297" r:id="rId26"/>
-    <p:sldId id="289" r:id="rId27"/>
-    <p:sldId id="299" r:id="rId28"/>
-    <p:sldId id="300" r:id="rId29"/>
-    <p:sldId id="280" r:id="rId30"/>
-    <p:sldId id="288" r:id="rId31"/>
-    <p:sldId id="281" r:id="rId32"/>
-    <p:sldId id="269" r:id="rId33"/>
-    <p:sldId id="270" r:id="rId34"/>
-    <p:sldId id="271" r:id="rId35"/>
-    <p:sldId id="282" r:id="rId36"/>
-    <p:sldId id="286" r:id="rId37"/>
-    <p:sldId id="287" r:id="rId38"/>
-    <p:sldId id="283" r:id="rId39"/>
-    <p:sldId id="290" r:id="rId40"/>
-    <p:sldId id="294" r:id="rId41"/>
-    <p:sldId id="284" r:id="rId42"/>
-    <p:sldId id="292" r:id="rId43"/>
-    <p:sldId id="285" r:id="rId44"/>
-    <p:sldId id="291" r:id="rId45"/>
-    <p:sldId id="293" r:id="rId46"/>
+    <p:sldId id="276" r:id="rId10"/>
+    <p:sldId id="259" r:id="rId11"/>
+    <p:sldId id="261" r:id="rId12"/>
+    <p:sldId id="257" r:id="rId13"/>
+    <p:sldId id="260" r:id="rId14"/>
+    <p:sldId id="262" r:id="rId15"/>
+    <p:sldId id="263" r:id="rId16"/>
+    <p:sldId id="274" r:id="rId17"/>
+    <p:sldId id="267" r:id="rId18"/>
+    <p:sldId id="273" r:id="rId19"/>
+    <p:sldId id="278" r:id="rId20"/>
+    <p:sldId id="295" r:id="rId21"/>
+    <p:sldId id="279" r:id="rId22"/>
+    <p:sldId id="296" r:id="rId23"/>
+    <p:sldId id="297" r:id="rId24"/>
+    <p:sldId id="289" r:id="rId25"/>
+    <p:sldId id="299" r:id="rId26"/>
+    <p:sldId id="300" r:id="rId27"/>
+    <p:sldId id="280" r:id="rId28"/>
+    <p:sldId id="302" r:id="rId29"/>
+    <p:sldId id="288" r:id="rId30"/>
+    <p:sldId id="281" r:id="rId31"/>
+    <p:sldId id="269" r:id="rId32"/>
+    <p:sldId id="270" r:id="rId33"/>
+    <p:sldId id="271" r:id="rId34"/>
+    <p:sldId id="268" r:id="rId35"/>
+    <p:sldId id="272" r:id="rId36"/>
+    <p:sldId id="277" r:id="rId37"/>
+    <p:sldId id="282" r:id="rId38"/>
+    <p:sldId id="286" r:id="rId39"/>
+    <p:sldId id="287" r:id="rId40"/>
+    <p:sldId id="283" r:id="rId41"/>
+    <p:sldId id="290" r:id="rId42"/>
+    <p:sldId id="294" r:id="rId43"/>
+    <p:sldId id="284" r:id="rId44"/>
+    <p:sldId id="292" r:id="rId45"/>
+    <p:sldId id="285" r:id="rId46"/>
+    <p:sldId id="291" r:id="rId47"/>
+    <p:sldId id="293" r:id="rId48"/>
   </p:sldIdLst>
   <p:sldSz cx="12192000" cy="6858000"/>
   <p:notesSz cx="6858000" cy="9144000"/>
@@ -162,7 +164,7 @@
 <file path=ppt/revisionInfo.xml><?xml version="1.0" encoding="utf-8"?>
 <p1510:revInfo xmlns:a="http://schemas.openxmlformats.org/drawingml/2006/main" xmlns:r="http://schemas.openxmlformats.org/officeDocument/2006/relationships" xmlns:p1510="http://schemas.microsoft.com/office/powerpoint/2015/10/main">
   <p1510:revLst>
-    <p1510:client id="{01E73667-2BEF-4007-AD34-DC26F6381063}" v="67" dt="2024-01-10T13:17:27.120"/>
+    <p1510:client id="{01E73667-2BEF-4007-AD34-DC26F6381063}" v="73" dt="2024-01-11T09:43:39.862"/>
   </p1510:revLst>
 </p1510:revInfo>
 </file>
@@ -196,7 +198,7 @@
   <pc:docChgLst>
     <pc:chgData name="Philippe Baucour" userId="5102170ae7533958" providerId="LiveId" clId="{01E73667-2BEF-4007-AD34-DC26F6381063}"/>
     <pc:docChg chg="undo custSel addSld delSld modSld sldOrd">
-      <pc:chgData name="Philippe Baucour" userId="5102170ae7533958" providerId="LiveId" clId="{01E73667-2BEF-4007-AD34-DC26F6381063}" dt="2024-01-10T13:18:13.665" v="15091" actId="20577"/>
+      <pc:chgData name="Philippe Baucour" userId="5102170ae7533958" providerId="LiveId" clId="{01E73667-2BEF-4007-AD34-DC26F6381063}" dt="2024-01-11T10:54:16.516" v="16149" actId="20577"/>
       <pc:docMkLst>
         <pc:docMk/>
       </pc:docMkLst>
@@ -278,13 +280,13 @@
         </pc:picChg>
       </pc:sldChg>
       <pc:sldChg chg="addSp modSp mod ord">
-        <pc:chgData name="Philippe Baucour" userId="5102170ae7533958" providerId="LiveId" clId="{01E73667-2BEF-4007-AD34-DC26F6381063}" dt="2024-01-08T11:07:16.022" v="13359" actId="20577"/>
+        <pc:chgData name="Philippe Baucour" userId="5102170ae7533958" providerId="LiveId" clId="{01E73667-2BEF-4007-AD34-DC26F6381063}" dt="2024-01-11T09:30:04.388" v="15318" actId="13926"/>
         <pc:sldMkLst>
           <pc:docMk/>
           <pc:sldMk cId="689231984" sldId="258"/>
         </pc:sldMkLst>
         <pc:spChg chg="mod">
-          <ac:chgData name="Philippe Baucour" userId="5102170ae7533958" providerId="LiveId" clId="{01E73667-2BEF-4007-AD34-DC26F6381063}" dt="2024-01-08T11:07:16.022" v="13359" actId="20577"/>
+          <ac:chgData name="Philippe Baucour" userId="5102170ae7533958" providerId="LiveId" clId="{01E73667-2BEF-4007-AD34-DC26F6381063}" dt="2024-01-11T09:30:04.388" v="15318" actId="13926"/>
           <ac:spMkLst>
             <pc:docMk/>
             <pc:sldMk cId="689231984" sldId="258"/>
@@ -621,7 +623,7 @@
         </pc:picChg>
       </pc:sldChg>
       <pc:sldChg chg="addSp delSp modSp add mod ord">
-        <pc:chgData name="Philippe Baucour" userId="5102170ae7533958" providerId="LiveId" clId="{01E73667-2BEF-4007-AD34-DC26F6381063}" dt="2024-01-08T11:06:22.537" v="13307" actId="20577"/>
+        <pc:chgData name="Philippe Baucour" userId="5102170ae7533958" providerId="LiveId" clId="{01E73667-2BEF-4007-AD34-DC26F6381063}" dt="2024-01-11T09:47:24.974" v="15721" actId="1036"/>
         <pc:sldMkLst>
           <pc:docMk/>
           <pc:sldMk cId="3156533495" sldId="264"/>
@@ -635,19 +637,35 @@
           </ac:spMkLst>
         </pc:spChg>
         <pc:spChg chg="mod">
-          <ac:chgData name="Philippe Baucour" userId="5102170ae7533958" providerId="LiveId" clId="{01E73667-2BEF-4007-AD34-DC26F6381063}" dt="2024-01-08T11:06:22.537" v="13307" actId="20577"/>
+          <ac:chgData name="Philippe Baucour" userId="5102170ae7533958" providerId="LiveId" clId="{01E73667-2BEF-4007-AD34-DC26F6381063}" dt="2024-01-11T09:24:31.340" v="15155" actId="20577"/>
           <ac:spMkLst>
             <pc:docMk/>
             <pc:sldMk cId="3156533495" sldId="264"/>
             <ac:spMk id="3" creationId="{0368613B-01CA-E1FE-3E04-095C6D811B55}"/>
           </ac:spMkLst>
         </pc:spChg>
-        <pc:picChg chg="add mod">
-          <ac:chgData name="Philippe Baucour" userId="5102170ae7533958" providerId="LiveId" clId="{01E73667-2BEF-4007-AD34-DC26F6381063}" dt="2023-12-12T23:16:53.625" v="4698" actId="108"/>
+        <pc:spChg chg="add del">
+          <ac:chgData name="Philippe Baucour" userId="5102170ae7533958" providerId="LiveId" clId="{01E73667-2BEF-4007-AD34-DC26F6381063}" dt="2024-01-11T09:23:35.752" v="15148" actId="478"/>
+          <ac:spMkLst>
+            <pc:docMk/>
+            <pc:sldMk cId="3156533495" sldId="264"/>
+            <ac:spMk id="8" creationId="{392CA8AE-A9A0-EAF8-03B9-880E4E4FD4AE}"/>
+          </ac:spMkLst>
+        </pc:spChg>
+        <pc:picChg chg="add del mod">
+          <ac:chgData name="Philippe Baucour" userId="5102170ae7533958" providerId="LiveId" clId="{01E73667-2BEF-4007-AD34-DC26F6381063}" dt="2024-01-11T09:20:56.263" v="15098" actId="478"/>
           <ac:picMkLst>
             <pc:docMk/>
             <pc:sldMk cId="3156533495" sldId="264"/>
             <ac:picMk id="5" creationId="{1429715C-5B6D-88D3-F04B-CDB403A4B5FA}"/>
+          </ac:picMkLst>
+        </pc:picChg>
+        <pc:picChg chg="add mod modCrop">
+          <ac:chgData name="Philippe Baucour" userId="5102170ae7533958" providerId="LiveId" clId="{01E73667-2BEF-4007-AD34-DC26F6381063}" dt="2024-01-11T09:46:58.468" v="15682" actId="732"/>
+          <ac:picMkLst>
+            <pc:docMk/>
+            <pc:sldMk cId="3156533495" sldId="264"/>
+            <ac:picMk id="6" creationId="{C4A03152-53BB-D63F-250F-F679F645CB5E}"/>
           </ac:picMkLst>
         </pc:picChg>
         <pc:picChg chg="del">
@@ -656,6 +674,14 @@
             <pc:docMk/>
             <pc:sldMk cId="3156533495" sldId="264"/>
             <ac:picMk id="7" creationId="{C0D56FAD-D56E-4113-8BDA-EE599DCD902A}"/>
+          </ac:picMkLst>
+        </pc:picChg>
+        <pc:picChg chg="add mod modCrop">
+          <ac:chgData name="Philippe Baucour" userId="5102170ae7533958" providerId="LiveId" clId="{01E73667-2BEF-4007-AD34-DC26F6381063}" dt="2024-01-11T09:47:24.974" v="15721" actId="1036"/>
+          <ac:picMkLst>
+            <pc:docMk/>
+            <pc:sldMk cId="3156533495" sldId="264"/>
+            <ac:picMk id="10" creationId="{377B57BC-949B-1AA0-5667-3559FF80642A}"/>
           </ac:picMkLst>
         </pc:picChg>
       </pc:sldChg>
@@ -852,8 +878,8 @@
           </ac:picMkLst>
         </pc:picChg>
       </pc:sldChg>
-      <pc:sldChg chg="modSp new mod">
-        <pc:chgData name="Philippe Baucour" userId="5102170ae7533958" providerId="LiveId" clId="{01E73667-2BEF-4007-AD34-DC26F6381063}" dt="2024-01-09T07:17:33.149" v="13621" actId="20577"/>
+      <pc:sldChg chg="modSp new mod ord">
+        <pc:chgData name="Philippe Baucour" userId="5102170ae7533958" providerId="LiveId" clId="{01E73667-2BEF-4007-AD34-DC26F6381063}" dt="2024-01-11T09:34:44.524" v="15379"/>
         <pc:sldMkLst>
           <pc:docMk/>
           <pc:sldMk cId="1725587933" sldId="268"/>
@@ -1221,8 +1247,8 @@
           </ac:picMkLst>
         </pc:picChg>
       </pc:sldChg>
-      <pc:sldChg chg="modSp new mod">
-        <pc:chgData name="Philippe Baucour" userId="5102170ae7533958" providerId="LiveId" clId="{01E73667-2BEF-4007-AD34-DC26F6381063}" dt="2023-12-12T09:56:23.867" v="3869" actId="20577"/>
+      <pc:sldChg chg="modSp new mod ord">
+        <pc:chgData name="Philippe Baucour" userId="5102170ae7533958" providerId="LiveId" clId="{01E73667-2BEF-4007-AD34-DC26F6381063}" dt="2024-01-11T09:34:44.524" v="15379"/>
         <pc:sldMkLst>
           <pc:docMk/>
           <pc:sldMk cId="4183092790" sldId="272"/>
@@ -1391,8 +1417,8 @@
           </ac:picMkLst>
         </pc:picChg>
       </pc:sldChg>
-      <pc:sldChg chg="addSp modSp new mod">
-        <pc:chgData name="Philippe Baucour" userId="5102170ae7533958" providerId="LiveId" clId="{01E73667-2BEF-4007-AD34-DC26F6381063}" dt="2024-01-09T07:12:07.492" v="13464" actId="782"/>
+      <pc:sldChg chg="addSp modSp new mod ord">
+        <pc:chgData name="Philippe Baucour" userId="5102170ae7533958" providerId="LiveId" clId="{01E73667-2BEF-4007-AD34-DC26F6381063}" dt="2024-01-11T09:32:06.870" v="15377"/>
         <pc:sldMkLst>
           <pc:docMk/>
           <pc:sldMk cId="2910767814" sldId="276"/>
@@ -1414,7 +1440,7 @@
           </ac:spMkLst>
         </pc:spChg>
         <pc:spChg chg="add mod">
-          <ac:chgData name="Philippe Baucour" userId="5102170ae7533958" providerId="LiveId" clId="{01E73667-2BEF-4007-AD34-DC26F6381063}" dt="2024-01-08T11:08:49.290" v="13376" actId="1076"/>
+          <ac:chgData name="Philippe Baucour" userId="5102170ae7533958" providerId="LiveId" clId="{01E73667-2BEF-4007-AD34-DC26F6381063}" dt="2024-01-11T09:31:20.935" v="15375" actId="1036"/>
           <ac:spMkLst>
             <pc:docMk/>
             <pc:sldMk cId="2910767814" sldId="276"/>
@@ -1462,8 +1488,8 @@
           </ac:picMkLst>
         </pc:picChg>
       </pc:sldChg>
-      <pc:sldChg chg="addSp delSp modSp new mod setBg">
-        <pc:chgData name="Philippe Baucour" userId="5102170ae7533958" providerId="LiveId" clId="{01E73667-2BEF-4007-AD34-DC26F6381063}" dt="2023-12-13T08:51:10.743" v="6418" actId="20577"/>
+      <pc:sldChg chg="addSp delSp modSp new mod ord setBg">
+        <pc:chgData name="Philippe Baucour" userId="5102170ae7533958" providerId="LiveId" clId="{01E73667-2BEF-4007-AD34-DC26F6381063}" dt="2024-01-11T09:34:44.524" v="15379"/>
         <pc:sldMkLst>
           <pc:docMk/>
           <pc:sldMk cId="2519583685" sldId="277"/>
@@ -1977,7 +2003,7 @@
         </pc:spChg>
       </pc:sldChg>
       <pc:sldChg chg="modSp new mod modNotesTx">
-        <pc:chgData name="Philippe Baucour" userId="5102170ae7533958" providerId="LiveId" clId="{01E73667-2BEF-4007-AD34-DC26F6381063}" dt="2023-12-15T13:57:48.877" v="10675" actId="20577"/>
+        <pc:chgData name="Philippe Baucour" userId="5102170ae7533958" providerId="LiveId" clId="{01E73667-2BEF-4007-AD34-DC26F6381063}" dt="2024-01-11T09:41:21.673" v="15440" actId="20577"/>
         <pc:sldMkLst>
           <pc:docMk/>
           <pc:sldMk cId="670108457" sldId="291"/>
@@ -1991,7 +2017,7 @@
           </ac:spMkLst>
         </pc:spChg>
         <pc:spChg chg="mod">
-          <ac:chgData name="Philippe Baucour" userId="5102170ae7533958" providerId="LiveId" clId="{01E73667-2BEF-4007-AD34-DC26F6381063}" dt="2023-12-15T13:57:48.877" v="10675" actId="20577"/>
+          <ac:chgData name="Philippe Baucour" userId="5102170ae7533958" providerId="LiveId" clId="{01E73667-2BEF-4007-AD34-DC26F6381063}" dt="2024-01-11T09:41:21.673" v="15440" actId="20577"/>
           <ac:spMkLst>
             <pc:docMk/>
             <pc:sldMk cId="670108457" sldId="291"/>
@@ -2000,7 +2026,7 @@
         </pc:spChg>
       </pc:sldChg>
       <pc:sldChg chg="modSp new mod ord">
-        <pc:chgData name="Philippe Baucour" userId="5102170ae7533958" providerId="LiveId" clId="{01E73667-2BEF-4007-AD34-DC26F6381063}" dt="2023-12-15T14:02:34.773" v="10739" actId="20577"/>
+        <pc:chgData name="Philippe Baucour" userId="5102170ae7533958" providerId="LiveId" clId="{01E73667-2BEF-4007-AD34-DC26F6381063}" dt="2024-01-11T09:40:04.637" v="15394" actId="20577"/>
         <pc:sldMkLst>
           <pc:docMk/>
           <pc:sldMk cId="2196644587" sldId="292"/>
@@ -2014,7 +2040,7 @@
           </ac:spMkLst>
         </pc:spChg>
         <pc:spChg chg="mod">
-          <ac:chgData name="Philippe Baucour" userId="5102170ae7533958" providerId="LiveId" clId="{01E73667-2BEF-4007-AD34-DC26F6381063}" dt="2023-12-15T14:02:34.773" v="10739" actId="20577"/>
+          <ac:chgData name="Philippe Baucour" userId="5102170ae7533958" providerId="LiveId" clId="{01E73667-2BEF-4007-AD34-DC26F6381063}" dt="2024-01-11T09:40:04.637" v="15394" actId="20577"/>
           <ac:spMkLst>
             <pc:docMk/>
             <pc:sldMk cId="2196644587" sldId="292"/>
@@ -2023,7 +2049,7 @@
         </pc:spChg>
       </pc:sldChg>
       <pc:sldChg chg="modSp new mod">
-        <pc:chgData name="Philippe Baucour" userId="5102170ae7533958" providerId="LiveId" clId="{01E73667-2BEF-4007-AD34-DC26F6381063}" dt="2023-12-15T13:59:20.179" v="10723" actId="20577"/>
+        <pc:chgData name="Philippe Baucour" userId="5102170ae7533958" providerId="LiveId" clId="{01E73667-2BEF-4007-AD34-DC26F6381063}" dt="2024-01-11T09:42:55.345" v="15526" actId="20577"/>
         <pc:sldMkLst>
           <pc:docMk/>
           <pc:sldMk cId="3721109662" sldId="293"/>
@@ -2037,7 +2063,7 @@
           </ac:spMkLst>
         </pc:spChg>
         <pc:spChg chg="mod">
-          <ac:chgData name="Philippe Baucour" userId="5102170ae7533958" providerId="LiveId" clId="{01E73667-2BEF-4007-AD34-DC26F6381063}" dt="2023-12-15T13:59:20.179" v="10723" actId="20577"/>
+          <ac:chgData name="Philippe Baucour" userId="5102170ae7533958" providerId="LiveId" clId="{01E73667-2BEF-4007-AD34-DC26F6381063}" dt="2024-01-11T09:42:55.345" v="15526" actId="20577"/>
           <ac:spMkLst>
             <pc:docMk/>
             <pc:sldMk cId="3721109662" sldId="293"/>
@@ -2281,7 +2307,7 @@
         </pc:picChg>
       </pc:sldChg>
       <pc:sldChg chg="modSp new mod">
-        <pc:chgData name="Philippe Baucour" userId="5102170ae7533958" providerId="LiveId" clId="{01E73667-2BEF-4007-AD34-DC26F6381063}" dt="2024-01-10T08:56:31.459" v="14970" actId="6549"/>
+        <pc:chgData name="Philippe Baucour" userId="5102170ae7533958" providerId="LiveId" clId="{01E73667-2BEF-4007-AD34-DC26F6381063}" dt="2024-01-11T09:44:55.938" v="15652" actId="20577"/>
         <pc:sldMkLst>
           <pc:docMk/>
           <pc:sldMk cId="2370785500" sldId="298"/>
@@ -2295,7 +2321,7 @@
           </ac:spMkLst>
         </pc:spChg>
         <pc:spChg chg="mod">
-          <ac:chgData name="Philippe Baucour" userId="5102170ae7533958" providerId="LiveId" clId="{01E73667-2BEF-4007-AD34-DC26F6381063}" dt="2024-01-10T08:56:31.459" v="14970" actId="6549"/>
+          <ac:chgData name="Philippe Baucour" userId="5102170ae7533958" providerId="LiveId" clId="{01E73667-2BEF-4007-AD34-DC26F6381063}" dt="2024-01-11T09:44:55.938" v="15652" actId="20577"/>
           <ac:spMkLst>
             <pc:docMk/>
             <pc:sldMk cId="2370785500" sldId="298"/>
@@ -2304,7 +2330,7 @@
         </pc:spChg>
       </pc:sldChg>
       <pc:sldChg chg="addSp delSp modSp new mod ord modClrScheme chgLayout">
-        <pc:chgData name="Philippe Baucour" userId="5102170ae7533958" providerId="LiveId" clId="{01E73667-2BEF-4007-AD34-DC26F6381063}" dt="2024-01-10T10:31:44.002" v="15080" actId="20577"/>
+        <pc:chgData name="Philippe Baucour" userId="5102170ae7533958" providerId="LiveId" clId="{01E73667-2BEF-4007-AD34-DC26F6381063}" dt="2024-01-11T09:52:42.144" v="15890" actId="27636"/>
         <pc:sldMkLst>
           <pc:docMk/>
           <pc:sldMk cId="438275379" sldId="299"/>
@@ -2326,7 +2352,7 @@
           </ac:spMkLst>
         </pc:spChg>
         <pc:spChg chg="add mod ord">
-          <ac:chgData name="Philippe Baucour" userId="5102170ae7533958" providerId="LiveId" clId="{01E73667-2BEF-4007-AD34-DC26F6381063}" dt="2024-01-10T10:31:44.002" v="15080" actId="20577"/>
+          <ac:chgData name="Philippe Baucour" userId="5102170ae7533958" providerId="LiveId" clId="{01E73667-2BEF-4007-AD34-DC26F6381063}" dt="2024-01-11T09:52:42.144" v="15890" actId="27636"/>
           <ac:spMkLst>
             <pc:docMk/>
             <pc:sldMk cId="438275379" sldId="299"/>
@@ -2388,6 +2414,76 @@
             <ac:picMk id="1027" creationId="{73C280DD-962F-E4AF-45E9-EB8BD423325D}"/>
           </ac:picMkLst>
         </pc:picChg>
+      </pc:sldChg>
+      <pc:sldChg chg="addSp modSp add mod">
+        <pc:chgData name="Philippe Baucour" userId="5102170ae7533958" providerId="LiveId" clId="{01E73667-2BEF-4007-AD34-DC26F6381063}" dt="2024-01-11T09:47:35.787" v="15736" actId="1036"/>
+        <pc:sldMkLst>
+          <pc:docMk/>
+          <pc:sldMk cId="833408160" sldId="301"/>
+        </pc:sldMkLst>
+        <pc:spChg chg="mod">
+          <ac:chgData name="Philippe Baucour" userId="5102170ae7533958" providerId="LiveId" clId="{01E73667-2BEF-4007-AD34-DC26F6381063}" dt="2024-01-11T09:29:00.180" v="15312" actId="6549"/>
+          <ac:spMkLst>
+            <pc:docMk/>
+            <pc:sldMk cId="833408160" sldId="301"/>
+            <ac:spMk id="3" creationId="{0368613B-01CA-E1FE-3E04-095C6D811B55}"/>
+          </ac:spMkLst>
+        </pc:spChg>
+        <pc:picChg chg="mod">
+          <ac:chgData name="Philippe Baucour" userId="5102170ae7533958" providerId="LiveId" clId="{01E73667-2BEF-4007-AD34-DC26F6381063}" dt="2024-01-11T09:47:35.787" v="15736" actId="1036"/>
+          <ac:picMkLst>
+            <pc:docMk/>
+            <pc:sldMk cId="833408160" sldId="301"/>
+            <ac:picMk id="5" creationId="{1429715C-5B6D-88D3-F04B-CDB403A4B5FA}"/>
+          </ac:picMkLst>
+        </pc:picChg>
+        <pc:picChg chg="add mod modCrop">
+          <ac:chgData name="Philippe Baucour" userId="5102170ae7533958" providerId="LiveId" clId="{01E73667-2BEF-4007-AD34-DC26F6381063}" dt="2024-01-11T09:28:50.854" v="15303" actId="1036"/>
+          <ac:picMkLst>
+            <pc:docMk/>
+            <pc:sldMk cId="833408160" sldId="301"/>
+            <ac:picMk id="6" creationId="{8C95C621-4F81-9A77-65A3-01A543FF86B6}"/>
+          </ac:picMkLst>
+        </pc:picChg>
+      </pc:sldChg>
+      <pc:sldChg chg="addSp delSp modSp new mod modClrScheme chgLayout">
+        <pc:chgData name="Philippe Baucour" userId="5102170ae7533958" providerId="LiveId" clId="{01E73667-2BEF-4007-AD34-DC26F6381063}" dt="2024-01-11T10:54:16.516" v="16149" actId="20577"/>
+        <pc:sldMkLst>
+          <pc:docMk/>
+          <pc:sldMk cId="3773493551" sldId="302"/>
+        </pc:sldMkLst>
+        <pc:spChg chg="del mod ord">
+          <ac:chgData name="Philippe Baucour" userId="5102170ae7533958" providerId="LiveId" clId="{01E73667-2BEF-4007-AD34-DC26F6381063}" dt="2024-01-11T10:47:29.938" v="15892" actId="700"/>
+          <ac:spMkLst>
+            <pc:docMk/>
+            <pc:sldMk cId="3773493551" sldId="302"/>
+            <ac:spMk id="2" creationId="{A158A0C8-E19D-B8EF-3FC7-3E573DA5C374}"/>
+          </ac:spMkLst>
+        </pc:spChg>
+        <pc:spChg chg="del mod ord">
+          <ac:chgData name="Philippe Baucour" userId="5102170ae7533958" providerId="LiveId" clId="{01E73667-2BEF-4007-AD34-DC26F6381063}" dt="2024-01-11T10:47:29.938" v="15892" actId="700"/>
+          <ac:spMkLst>
+            <pc:docMk/>
+            <pc:sldMk cId="3773493551" sldId="302"/>
+            <ac:spMk id="3" creationId="{B866A8D6-1780-B891-6D58-377D99042D1B}"/>
+          </ac:spMkLst>
+        </pc:spChg>
+        <pc:spChg chg="add mod ord">
+          <ac:chgData name="Philippe Baucour" userId="5102170ae7533958" providerId="LiveId" clId="{01E73667-2BEF-4007-AD34-DC26F6381063}" dt="2024-01-11T10:51:08.678" v="16077" actId="20577"/>
+          <ac:spMkLst>
+            <pc:docMk/>
+            <pc:sldMk cId="3773493551" sldId="302"/>
+            <ac:spMk id="4" creationId="{3F6C0107-D4E5-A056-BDD8-C34D624562E5}"/>
+          </ac:spMkLst>
+        </pc:spChg>
+        <pc:spChg chg="add mod ord">
+          <ac:chgData name="Philippe Baucour" userId="5102170ae7533958" providerId="LiveId" clId="{01E73667-2BEF-4007-AD34-DC26F6381063}" dt="2024-01-11T10:54:16.516" v="16149" actId="20577"/>
+          <ac:spMkLst>
+            <pc:docMk/>
+            <pc:sldMk cId="3773493551" sldId="302"/>
+            <ac:spMk id="5" creationId="{EDABDBBC-84D8-6981-BB92-1901DACA08F8}"/>
+          </ac:spMkLst>
+        </pc:spChg>
       </pc:sldChg>
     </pc:docChg>
   </pc:docChgLst>
@@ -2476,7 +2572,7 @@
           <a:p>
             <a:fld id="{4471ECC3-BD70-4F1E-B981-43613CDB8BB8}" type="datetimeFigureOut">
               <a:rPr lang="fr-FR" smtClean="0"/>
-              <a:t>10/01/2024</a:t>
+              <a:t>11/01/2024</a:t>
             </a:fld>
             <a:endParaRPr lang="fr-FR"/>
           </a:p>
@@ -2882,7 +2978,7 @@
           <a:p>
             <a:fld id="{CA52ACDA-CAD7-4952-B2DF-2528E011DCB5}" type="slidenum">
               <a:rPr lang="fr-FR" smtClean="0"/>
-              <a:t>34</a:t>
+              <a:t>33</a:t>
             </a:fld>
             <a:endParaRPr lang="fr-FR"/>
           </a:p>
@@ -3109,7 +3205,7 @@
           <a:p>
             <a:fld id="{CA52ACDA-CAD7-4952-B2DF-2528E011DCB5}" type="slidenum">
               <a:rPr lang="fr-FR" smtClean="0"/>
-              <a:t>36</a:t>
+              <a:t>38</a:t>
             </a:fld>
             <a:endParaRPr lang="fr-FR"/>
           </a:p>
@@ -3199,7 +3295,7 @@
           <a:p>
             <a:fld id="{CA52ACDA-CAD7-4952-B2DF-2528E011DCB5}" type="slidenum">
               <a:rPr lang="fr-FR" smtClean="0"/>
-              <a:t>44</a:t>
+              <a:t>46</a:t>
             </a:fld>
             <a:endParaRPr lang="fr-FR"/>
           </a:p>
@@ -3365,7 +3461,7 @@
           <a:p>
             <a:fld id="{814EAAF8-3877-4B4B-B2A5-D637106D66A3}" type="datetimeFigureOut">
               <a:rPr lang="fr-FR" smtClean="0"/>
-              <a:t>10/01/2024</a:t>
+              <a:t>11/01/2024</a:t>
             </a:fld>
             <a:endParaRPr lang="fr-FR"/>
           </a:p>
@@ -3563,7 +3659,7 @@
           <a:p>
             <a:fld id="{814EAAF8-3877-4B4B-B2A5-D637106D66A3}" type="datetimeFigureOut">
               <a:rPr lang="fr-FR" smtClean="0"/>
-              <a:t>10/01/2024</a:t>
+              <a:t>11/01/2024</a:t>
             </a:fld>
             <a:endParaRPr lang="fr-FR"/>
           </a:p>
@@ -3771,7 +3867,7 @@
           <a:p>
             <a:fld id="{814EAAF8-3877-4B4B-B2A5-D637106D66A3}" type="datetimeFigureOut">
               <a:rPr lang="fr-FR" smtClean="0"/>
-              <a:t>10/01/2024</a:t>
+              <a:t>11/01/2024</a:t>
             </a:fld>
             <a:endParaRPr lang="fr-FR"/>
           </a:p>
@@ -3969,7 +4065,7 @@
           <a:p>
             <a:fld id="{814EAAF8-3877-4B4B-B2A5-D637106D66A3}" type="datetimeFigureOut">
               <a:rPr lang="fr-FR" smtClean="0"/>
-              <a:t>10/01/2024</a:t>
+              <a:t>11/01/2024</a:t>
             </a:fld>
             <a:endParaRPr lang="fr-FR"/>
           </a:p>
@@ -4244,7 +4340,7 @@
           <a:p>
             <a:fld id="{814EAAF8-3877-4B4B-B2A5-D637106D66A3}" type="datetimeFigureOut">
               <a:rPr lang="fr-FR" smtClean="0"/>
-              <a:t>10/01/2024</a:t>
+              <a:t>11/01/2024</a:t>
             </a:fld>
             <a:endParaRPr lang="fr-FR"/>
           </a:p>
@@ -4509,7 +4605,7 @@
           <a:p>
             <a:fld id="{814EAAF8-3877-4B4B-B2A5-D637106D66A3}" type="datetimeFigureOut">
               <a:rPr lang="fr-FR" smtClean="0"/>
-              <a:t>10/01/2024</a:t>
+              <a:t>11/01/2024</a:t>
             </a:fld>
             <a:endParaRPr lang="fr-FR"/>
           </a:p>
@@ -4921,7 +5017,7 @@
           <a:p>
             <a:fld id="{814EAAF8-3877-4B4B-B2A5-D637106D66A3}" type="datetimeFigureOut">
               <a:rPr lang="fr-FR" smtClean="0"/>
-              <a:t>10/01/2024</a:t>
+              <a:t>11/01/2024</a:t>
             </a:fld>
             <a:endParaRPr lang="fr-FR"/>
           </a:p>
@@ -5062,7 +5158,7 @@
           <a:p>
             <a:fld id="{814EAAF8-3877-4B4B-B2A5-D637106D66A3}" type="datetimeFigureOut">
               <a:rPr lang="fr-FR" smtClean="0"/>
-              <a:t>10/01/2024</a:t>
+              <a:t>11/01/2024</a:t>
             </a:fld>
             <a:endParaRPr lang="fr-FR"/>
           </a:p>
@@ -5175,7 +5271,7 @@
           <a:p>
             <a:fld id="{814EAAF8-3877-4B4B-B2A5-D637106D66A3}" type="datetimeFigureOut">
               <a:rPr lang="fr-FR" smtClean="0"/>
-              <a:t>10/01/2024</a:t>
+              <a:t>11/01/2024</a:t>
             </a:fld>
             <a:endParaRPr lang="fr-FR"/>
           </a:p>
@@ -5486,7 +5582,7 @@
           <a:p>
             <a:fld id="{814EAAF8-3877-4B4B-B2A5-D637106D66A3}" type="datetimeFigureOut">
               <a:rPr lang="fr-FR" smtClean="0"/>
-              <a:t>10/01/2024</a:t>
+              <a:t>11/01/2024</a:t>
             </a:fld>
             <a:endParaRPr lang="fr-FR"/>
           </a:p>
@@ -5774,7 +5870,7 @@
           <a:p>
             <a:fld id="{814EAAF8-3877-4B4B-B2A5-D637106D66A3}" type="datetimeFigureOut">
               <a:rPr lang="fr-FR" smtClean="0"/>
-              <a:t>10/01/2024</a:t>
+              <a:t>11/01/2024</a:t>
             </a:fld>
             <a:endParaRPr lang="fr-FR"/>
           </a:p>
@@ -6015,7 +6111,7 @@
           <a:p>
             <a:fld id="{814EAAF8-3877-4B4B-B2A5-D637106D66A3}" type="datetimeFigureOut">
               <a:rPr lang="fr-FR" smtClean="0"/>
-              <a:t>10/01/2024</a:t>
+              <a:t>11/01/2024</a:t>
             </a:fld>
             <a:endParaRPr lang="fr-FR"/>
           </a:p>
@@ -6611,6 +6707,207 @@
           <p:cNvPr id="2" name="Titre 1">
             <a:extLst>
               <a:ext uri="{FF2B5EF4-FFF2-40B4-BE49-F238E27FC236}">
+                <a16:creationId xmlns:a16="http://schemas.microsoft.com/office/drawing/2014/main" id="{57FAF8DF-B492-7E69-3C14-73A53687D21F}"/>
+              </a:ext>
+            </a:extLst>
+          </p:cNvPr>
+          <p:cNvSpPr>
+            <a:spLocks noGrp="1"/>
+          </p:cNvSpPr>
+          <p:nvPr>
+            <p:ph type="title"/>
+          </p:nvPr>
+        </p:nvSpPr>
+        <p:spPr/>
+        <p:txBody>
+          <a:bodyPr/>
+          <a:lstStyle/>
+          <a:p>
+            <a:r>
+              <a:rPr lang="fr-FR" dirty="0"/>
+              <a:t>Raccourcis pour survivre…</a:t>
+            </a:r>
+          </a:p>
+        </p:txBody>
+      </p:sp>
+      <p:sp>
+        <p:nvSpPr>
+          <p:cNvPr id="3" name="Espace réservé du contenu 2">
+            <a:extLst>
+              <a:ext uri="{FF2B5EF4-FFF2-40B4-BE49-F238E27FC236}">
+                <a16:creationId xmlns:a16="http://schemas.microsoft.com/office/drawing/2014/main" id="{17B3C29C-0AB2-F08E-5548-003F6797B1FB}"/>
+              </a:ext>
+            </a:extLst>
+          </p:cNvPr>
+          <p:cNvSpPr>
+            <a:spLocks noGrp="1"/>
+          </p:cNvSpPr>
+          <p:nvPr>
+            <p:ph idx="1"/>
+          </p:nvPr>
+        </p:nvSpPr>
+        <p:spPr/>
+        <p:txBody>
+          <a:bodyPr>
+            <a:normAutofit/>
+          </a:bodyPr>
+          <a:lstStyle/>
+          <a:p>
+            <a:r>
+              <a:rPr lang="fr-FR" dirty="0"/>
+              <a:t>Essayez de ne plus toucher la souris</a:t>
+            </a:r>
+          </a:p>
+          <a:p>
+            <a:r>
+              <a:rPr lang="fr-FR" dirty="0"/>
+              <a:t>CTRL X – Supprimer une ligne</a:t>
+            </a:r>
+          </a:p>
+          <a:p>
+            <a:r>
+              <a:rPr lang="fr-FR" dirty="0"/>
+              <a:t>CTRL + SHIFT + F : cherche dans </a:t>
+            </a:r>
+            <a:r>
+              <a:rPr lang="fr-FR" dirty="0" err="1"/>
+              <a:t>workspace</a:t>
+            </a:r>
+            <a:endParaRPr lang="fr-FR" dirty="0"/>
+          </a:p>
+          <a:p>
+            <a:r>
+              <a:rPr lang="fr-FR" dirty="0"/>
+              <a:t>SHIFT + ENTER : Exécuter une cellule</a:t>
+            </a:r>
+          </a:p>
+          <a:p>
+            <a:r>
+              <a:rPr lang="fr-FR" dirty="0"/>
+              <a:t>CTRL + / : commentaire</a:t>
+            </a:r>
+          </a:p>
+          <a:p>
+            <a:endParaRPr lang="fr-FR" dirty="0"/>
+          </a:p>
+          <a:p>
+            <a:r>
+              <a:rPr lang="fr-FR" sz="1800" dirty="0">
+                <a:latin typeface="Courier New" panose="02070309020205020404" pitchFamily="49" charset="0"/>
+                <a:cs typeface="Courier New" panose="02070309020205020404" pitchFamily="49" charset="0"/>
+                <a:hlinkClick r:id="rId2"/>
+              </a:rPr>
+              <a:t>https://code.visualstudio.com/shortcuts/keyboard-shortcuts-windows.pdf</a:t>
+            </a:r>
+            <a:endParaRPr lang="fr-FR" sz="1800" dirty="0">
+              <a:latin typeface="Courier New" panose="02070309020205020404" pitchFamily="49" charset="0"/>
+              <a:cs typeface="Courier New" panose="02070309020205020404" pitchFamily="49" charset="0"/>
+            </a:endParaRPr>
+          </a:p>
+          <a:p>
+            <a:r>
+              <a:rPr lang="fr-FR" sz="1800" dirty="0">
+                <a:latin typeface="Courier New" panose="02070309020205020404" pitchFamily="49" charset="0"/>
+                <a:cs typeface="Courier New" panose="02070309020205020404" pitchFamily="49" charset="0"/>
+              </a:rPr>
+              <a:t>https://code.visualstudio.com/shortcuts/keyboard-shortcuts-linux.pdf</a:t>
+            </a:r>
+          </a:p>
+          <a:p>
+            <a:r>
+              <a:rPr lang="fr-FR" sz="1800" dirty="0">
+                <a:latin typeface="Courier New" panose="02070309020205020404" pitchFamily="49" charset="0"/>
+                <a:cs typeface="Courier New" panose="02070309020205020404" pitchFamily="49" charset="0"/>
+              </a:rPr>
+              <a:t>https://code.visualstudio.com/shortcuts/keyboard-shortcuts-macos.pdf</a:t>
+            </a:r>
+          </a:p>
+          <a:p>
+            <a:endParaRPr lang="fr-FR" sz="1800" dirty="0">
+              <a:latin typeface="Courier New" panose="02070309020205020404" pitchFamily="49" charset="0"/>
+              <a:cs typeface="Courier New" panose="02070309020205020404" pitchFamily="49" charset="0"/>
+            </a:endParaRPr>
+          </a:p>
+          <a:p>
+            <a:endParaRPr lang="fr-FR" sz="1800" dirty="0">
+              <a:latin typeface="Courier New" panose="02070309020205020404" pitchFamily="49" charset="0"/>
+              <a:cs typeface="Courier New" panose="02070309020205020404" pitchFamily="49" charset="0"/>
+            </a:endParaRPr>
+          </a:p>
+        </p:txBody>
+      </p:sp>
+      <p:pic>
+        <p:nvPicPr>
+          <p:cNvPr id="5" name="Image 4">
+            <a:extLst>
+              <a:ext uri="{FF2B5EF4-FFF2-40B4-BE49-F238E27FC236}">
+                <a16:creationId xmlns:a16="http://schemas.microsoft.com/office/drawing/2014/main" id="{21384AB3-5A35-D9E0-E76D-FDC353A29F50}"/>
+              </a:ext>
+            </a:extLst>
+          </p:cNvPr>
+          <p:cNvPicPr>
+            <a:picLocks noChangeAspect="1"/>
+          </p:cNvPicPr>
+          <p:nvPr/>
+        </p:nvPicPr>
+        <p:blipFill>
+          <a:blip r:embed="rId3"/>
+          <a:stretch>
+            <a:fillRect/>
+          </a:stretch>
+        </p:blipFill>
+        <p:spPr>
+          <a:xfrm>
+            <a:off x="7670973" y="253219"/>
+            <a:ext cx="4339562" cy="2607788"/>
+          </a:xfrm>
+          <a:prstGeom prst="rect">
+            <a:avLst/>
+          </a:prstGeom>
+          <a:effectLst>
+            <a:outerShdw blurRad="50800" dist="38100" dir="2700000" algn="tl" rotWithShape="0">
+              <a:prstClr val="black">
+                <a:alpha val="40000"/>
+              </a:prstClr>
+            </a:outerShdw>
+          </a:effectLst>
+        </p:spPr>
+      </p:pic>
+    </p:spTree>
+    <p:extLst>
+      <p:ext uri="{BB962C8B-B14F-4D97-AF65-F5344CB8AC3E}">
+        <p14:creationId xmlns:p14="http://schemas.microsoft.com/office/powerpoint/2010/main" val="3255516959"/>
+      </p:ext>
+    </p:extLst>
+  </p:cSld>
+  <p:clrMapOvr>
+    <a:masterClrMapping/>
+  </p:clrMapOvr>
+</p:sld>
+</file>
+
+<file path=ppt/slides/slide11.xml><?xml version="1.0" encoding="utf-8"?>
+<p:sld xmlns:a="http://schemas.openxmlformats.org/drawingml/2006/main" xmlns:r="http://schemas.openxmlformats.org/officeDocument/2006/relationships" xmlns:p="http://schemas.openxmlformats.org/presentationml/2006/main">
+  <p:cSld>
+    <p:spTree>
+      <p:nvGrpSpPr>
+        <p:cNvPr id="1" name=""/>
+        <p:cNvGrpSpPr/>
+        <p:nvPr/>
+      </p:nvGrpSpPr>
+      <p:grpSpPr>
+        <a:xfrm>
+          <a:off x="0" y="0"/>
+          <a:ext cx="0" cy="0"/>
+          <a:chOff x="0" y="0"/>
+          <a:chExt cx="0" cy="0"/>
+        </a:xfrm>
+      </p:grpSpPr>
+      <p:sp>
+        <p:nvSpPr>
+          <p:cNvPr id="2" name="Titre 1">
+            <a:extLst>
+              <a:ext uri="{FF2B5EF4-FFF2-40B4-BE49-F238E27FC236}">
                 <a16:creationId xmlns:a16="http://schemas.microsoft.com/office/drawing/2014/main" id="{BA1362AD-C691-E37D-D8E9-251642BF3FA0}"/>
               </a:ext>
             </a:extLst>
@@ -6906,7 +7203,7 @@
 </p:sld>
 </file>
 
-<file path=ppt/slides/slide11.xml><?xml version="1.0" encoding="utf-8"?>
+<file path=ppt/slides/slide12.xml><?xml version="1.0" encoding="utf-8"?>
 <p:sld xmlns:a="http://schemas.openxmlformats.org/drawingml/2006/main" xmlns:r="http://schemas.openxmlformats.org/officeDocument/2006/relationships" xmlns:p="http://schemas.openxmlformats.org/presentationml/2006/main">
   <p:cSld>
     <p:spTree>
@@ -7114,7 +7411,7 @@
 </p:sld>
 </file>
 
-<file path=ppt/slides/slide12.xml><?xml version="1.0" encoding="utf-8"?>
+<file path=ppt/slides/slide13.xml><?xml version="1.0" encoding="utf-8"?>
 <p:sld xmlns:a="http://schemas.openxmlformats.org/drawingml/2006/main" xmlns:r="http://schemas.openxmlformats.org/officeDocument/2006/relationships" xmlns:p="http://schemas.openxmlformats.org/presentationml/2006/main">
   <p:cSld>
     <p:spTree>
@@ -7322,7 +7619,7 @@
 </p:sld>
 </file>
 
-<file path=ppt/slides/slide13.xml><?xml version="1.0" encoding="utf-8"?>
+<file path=ppt/slides/slide14.xml><?xml version="1.0" encoding="utf-8"?>
 <p:sld xmlns:a="http://schemas.openxmlformats.org/drawingml/2006/main" xmlns:r="http://schemas.openxmlformats.org/officeDocument/2006/relationships" xmlns:p="http://schemas.openxmlformats.org/presentationml/2006/main">
   <p:cSld>
     <p:spTree>
@@ -7699,7 +7996,7 @@
 </p:sld>
 </file>
 
-<file path=ppt/slides/slide14.xml><?xml version="1.0" encoding="utf-8"?>
+<file path=ppt/slides/slide15.xml><?xml version="1.0" encoding="utf-8"?>
 <p:sld xmlns:a="http://schemas.openxmlformats.org/drawingml/2006/main" xmlns:r="http://schemas.openxmlformats.org/officeDocument/2006/relationships" xmlns:p="http://schemas.openxmlformats.org/presentationml/2006/main">
   <p:cSld>
     <p:spTree>
@@ -8191,7 +8488,7 @@
 </p:sld>
 </file>
 
-<file path=ppt/slides/slide15.xml><?xml version="1.0" encoding="utf-8"?>
+<file path=ppt/slides/slide16.xml><?xml version="1.0" encoding="utf-8"?>
 <p:sld xmlns:a="http://schemas.openxmlformats.org/drawingml/2006/main" xmlns:r="http://schemas.openxmlformats.org/officeDocument/2006/relationships" xmlns:p="http://schemas.openxmlformats.org/presentationml/2006/main">
   <p:cSld>
     <p:spTree>
@@ -8377,7 +8674,7 @@
 </p:sld>
 </file>
 
-<file path=ppt/slides/slide16.xml><?xml version="1.0" encoding="utf-8"?>
+<file path=ppt/slides/slide17.xml><?xml version="1.0" encoding="utf-8"?>
 <p:sld xmlns:a="http://schemas.openxmlformats.org/drawingml/2006/main" xmlns:r="http://schemas.openxmlformats.org/officeDocument/2006/relationships" xmlns:p="http://schemas.openxmlformats.org/presentationml/2006/main">
   <p:cSld>
     <p:spTree>
@@ -8583,392 +8880,6 @@
 </p:sld>
 </file>
 
-<file path=ppt/slides/slide17.xml><?xml version="1.0" encoding="utf-8"?>
-<p:sld xmlns:a="http://schemas.openxmlformats.org/drawingml/2006/main" xmlns:r="http://schemas.openxmlformats.org/officeDocument/2006/relationships" xmlns:p="http://schemas.openxmlformats.org/presentationml/2006/main">
-  <p:cSld>
-    <p:spTree>
-      <p:nvGrpSpPr>
-        <p:cNvPr id="1" name=""/>
-        <p:cNvGrpSpPr/>
-        <p:nvPr/>
-      </p:nvGrpSpPr>
-      <p:grpSpPr>
-        <a:xfrm>
-          <a:off x="0" y="0"/>
-          <a:ext cx="0" cy="0"/>
-          <a:chOff x="0" y="0"/>
-          <a:chExt cx="0" cy="0"/>
-        </a:xfrm>
-      </p:grpSpPr>
-      <p:sp>
-        <p:nvSpPr>
-          <p:cNvPr id="2" name="Titre 1">
-            <a:extLst>
-              <a:ext uri="{FF2B5EF4-FFF2-40B4-BE49-F238E27FC236}">
-                <a16:creationId xmlns:a16="http://schemas.microsoft.com/office/drawing/2014/main" id="{67D76BF7-5DA0-96C7-C5A3-DE9373E58BCA}"/>
-              </a:ext>
-            </a:extLst>
-          </p:cNvPr>
-          <p:cNvSpPr>
-            <a:spLocks noGrp="1"/>
-          </p:cNvSpPr>
-          <p:nvPr>
-            <p:ph type="title"/>
-          </p:nvPr>
-        </p:nvSpPr>
-        <p:spPr/>
-        <p:txBody>
-          <a:bodyPr/>
-          <a:lstStyle/>
-          <a:p>
-            <a:r>
-              <a:rPr lang="fr-FR" dirty="0"/>
-              <a:t>FAQ</a:t>
-            </a:r>
-          </a:p>
-        </p:txBody>
-      </p:sp>
-      <p:sp>
-        <p:nvSpPr>
-          <p:cNvPr id="3" name="Espace réservé du contenu 2">
-            <a:extLst>
-              <a:ext uri="{FF2B5EF4-FFF2-40B4-BE49-F238E27FC236}">
-                <a16:creationId xmlns:a16="http://schemas.microsoft.com/office/drawing/2014/main" id="{7408F3CF-1168-6251-666C-AA299171FDBD}"/>
-              </a:ext>
-            </a:extLst>
-          </p:cNvPr>
-          <p:cNvSpPr>
-            <a:spLocks noGrp="1"/>
-          </p:cNvSpPr>
-          <p:nvPr>
-            <p:ph idx="1"/>
-          </p:nvPr>
-        </p:nvSpPr>
-        <p:spPr/>
-        <p:txBody>
-          <a:bodyPr>
-            <a:normAutofit/>
-          </a:bodyPr>
-          <a:lstStyle/>
-          <a:p>
-            <a:r>
-              <a:rPr lang="fr-FR" dirty="0"/>
-              <a:t>Quand utiliser les indices vs les noms des colonnes ?</a:t>
-            </a:r>
-          </a:p>
-          <a:p>
-            <a:pPr lvl="1"/>
-            <a:r>
-              <a:rPr lang="it-IT" sz="1600" dirty="0">
-                <a:latin typeface="Courier New" panose="02070309020205020404" pitchFamily="49" charset="0"/>
-                <a:cs typeface="Courier New" panose="02070309020205020404" pitchFamily="49" charset="0"/>
-              </a:rPr>
-              <a:t>X_prime = df.iloc[:, [0,1,2]]</a:t>
-            </a:r>
-          </a:p>
-          <a:p>
-            <a:pPr lvl="1"/>
-            <a:r>
-              <a:rPr lang="en-US" sz="1600" dirty="0" err="1">
-                <a:latin typeface="Courier New" panose="02070309020205020404" pitchFamily="49" charset="0"/>
-                <a:cs typeface="Courier New" panose="02070309020205020404" pitchFamily="49" charset="0"/>
-              </a:rPr>
-              <a:t>features_list</a:t>
-            </a:r>
-            <a:r>
-              <a:rPr lang="en-US" sz="1600" dirty="0">
-                <a:latin typeface="Courier New" panose="02070309020205020404" pitchFamily="49" charset="0"/>
-                <a:cs typeface="Courier New" panose="02070309020205020404" pitchFamily="49" charset="0"/>
-              </a:rPr>
-              <a:t> = ["Country", "Age", "Salary"]</a:t>
-            </a:r>
-            <a:br>
-              <a:rPr lang="en-US" sz="1600" dirty="0">
-                <a:latin typeface="Courier New" panose="02070309020205020404" pitchFamily="49" charset="0"/>
-                <a:cs typeface="Courier New" panose="02070309020205020404" pitchFamily="49" charset="0"/>
-              </a:rPr>
-            </a:br>
-            <a:r>
-              <a:rPr lang="en-US" sz="1600" dirty="0">
-                <a:latin typeface="Courier New" panose="02070309020205020404" pitchFamily="49" charset="0"/>
-                <a:cs typeface="Courier New" panose="02070309020205020404" pitchFamily="49" charset="0"/>
-              </a:rPr>
-              <a:t>X = </a:t>
-            </a:r>
-            <a:r>
-              <a:rPr lang="en-US" sz="1600" dirty="0" err="1">
-                <a:latin typeface="Courier New" panose="02070309020205020404" pitchFamily="49" charset="0"/>
-                <a:cs typeface="Courier New" panose="02070309020205020404" pitchFamily="49" charset="0"/>
-              </a:rPr>
-              <a:t>df.loc</a:t>
-            </a:r>
-            <a:r>
-              <a:rPr lang="en-US" sz="1600" dirty="0">
-                <a:latin typeface="Courier New" panose="02070309020205020404" pitchFamily="49" charset="0"/>
-                <a:cs typeface="Courier New" panose="02070309020205020404" pitchFamily="49" charset="0"/>
-              </a:rPr>
-              <a:t>[:, </a:t>
-            </a:r>
-            <a:r>
-              <a:rPr lang="en-US" sz="1600" dirty="0" err="1">
-                <a:latin typeface="Courier New" panose="02070309020205020404" pitchFamily="49" charset="0"/>
-                <a:cs typeface="Courier New" panose="02070309020205020404" pitchFamily="49" charset="0"/>
-              </a:rPr>
-              <a:t>features_list</a:t>
-            </a:r>
-            <a:r>
-              <a:rPr lang="en-US" sz="1600" dirty="0">
-                <a:latin typeface="Courier New" panose="02070309020205020404" pitchFamily="49" charset="0"/>
-                <a:cs typeface="Courier New" panose="02070309020205020404" pitchFamily="49" charset="0"/>
-              </a:rPr>
-              <a:t>]</a:t>
-            </a:r>
-          </a:p>
-          <a:p>
-            <a:pPr lvl="1"/>
-            <a:r>
-              <a:rPr lang="en-US" dirty="0"/>
-              <a:t>Si on </a:t>
-            </a:r>
-            <a:r>
-              <a:rPr lang="en-US" dirty="0" err="1"/>
-              <a:t>supprime</a:t>
-            </a:r>
-            <a:r>
-              <a:rPr lang="en-US" dirty="0"/>
-              <a:t> </a:t>
-            </a:r>
-            <a:r>
-              <a:rPr lang="en-US" dirty="0" err="1"/>
-              <a:t>d’autres</a:t>
-            </a:r>
-            <a:r>
-              <a:rPr lang="en-US" dirty="0"/>
-              <a:t> </a:t>
-            </a:r>
-            <a:r>
-              <a:rPr lang="en-US" dirty="0" err="1"/>
-              <a:t>colonnes</a:t>
-            </a:r>
-            <a:r>
-              <a:rPr lang="en-US" dirty="0"/>
-              <a:t>, </a:t>
-            </a:r>
-            <a:r>
-              <a:rPr lang="en-US" dirty="0" err="1"/>
-              <a:t>tous</a:t>
-            </a:r>
-            <a:r>
-              <a:rPr lang="en-US" dirty="0"/>
-              <a:t> les indices </a:t>
-            </a:r>
-            <a:r>
-              <a:rPr lang="en-US" dirty="0" err="1"/>
-              <a:t>changent</a:t>
-            </a:r>
-            <a:r>
-              <a:rPr lang="en-US" dirty="0"/>
-              <a:t>. Pas facile </a:t>
-            </a:r>
-            <a:r>
-              <a:rPr lang="en-US" dirty="0" err="1"/>
-              <a:t>alors</a:t>
-            </a:r>
-            <a:r>
-              <a:rPr lang="en-US" dirty="0"/>
-              <a:t> de faire un </a:t>
-            </a:r>
-            <a:r>
-              <a:rPr lang="en-US" sz="1600" dirty="0" err="1">
-                <a:latin typeface="Courier New" panose="02070309020205020404" pitchFamily="49" charset="0"/>
-                <a:cs typeface="Courier New" panose="02070309020205020404" pitchFamily="49" charset="0"/>
-              </a:rPr>
-              <a:t>ax.scatter</a:t>
-            </a:r>
-            <a:r>
-              <a:rPr lang="en-US" sz="1600" dirty="0">
-                <a:latin typeface="Courier New" panose="02070309020205020404" pitchFamily="49" charset="0"/>
-                <a:cs typeface="Courier New" panose="02070309020205020404" pitchFamily="49" charset="0"/>
-              </a:rPr>
-              <a:t>(</a:t>
-            </a:r>
-            <a:r>
-              <a:rPr lang="en-US" sz="1600" dirty="0" err="1">
-                <a:latin typeface="Courier New" panose="02070309020205020404" pitchFamily="49" charset="0"/>
-                <a:cs typeface="Courier New" panose="02070309020205020404" pitchFamily="49" charset="0"/>
-              </a:rPr>
-              <a:t>X_test</a:t>
-            </a:r>
-            <a:r>
-              <a:rPr lang="en-US" sz="1600" dirty="0">
-                <a:latin typeface="Courier New" panose="02070309020205020404" pitchFamily="49" charset="0"/>
-                <a:cs typeface="Courier New" panose="02070309020205020404" pitchFamily="49" charset="0"/>
-              </a:rPr>
-              <a:t>[:,3], </a:t>
-            </a:r>
-            <a:r>
-              <a:rPr lang="en-US" sz="1600" dirty="0" err="1">
-                <a:latin typeface="Courier New" panose="02070309020205020404" pitchFamily="49" charset="0"/>
-                <a:cs typeface="Courier New" panose="02070309020205020404" pitchFamily="49" charset="0"/>
-              </a:rPr>
-              <a:t>y_test</a:t>
-            </a:r>
-            <a:r>
-              <a:rPr lang="en-US" sz="1600" dirty="0">
-                <a:latin typeface="Courier New" panose="02070309020205020404" pitchFamily="49" charset="0"/>
-                <a:cs typeface="Courier New" panose="02070309020205020404" pitchFamily="49" charset="0"/>
-              </a:rPr>
-              <a:t>)</a:t>
-            </a:r>
-            <a:r>
-              <a:rPr lang="en-US" dirty="0"/>
-              <a:t> </a:t>
-            </a:r>
-          </a:p>
-          <a:p>
-            <a:pPr lvl="1"/>
-            <a:r>
-              <a:rPr lang="en-US" dirty="0" err="1"/>
-              <a:t>Pensez</a:t>
-            </a:r>
-            <a:r>
-              <a:rPr lang="en-US" dirty="0"/>
-              <a:t> à la </a:t>
-            </a:r>
-            <a:r>
-              <a:rPr lang="en-US" dirty="0" err="1"/>
-              <a:t>relecture</a:t>
-            </a:r>
-            <a:r>
-              <a:rPr lang="en-US" dirty="0"/>
-              <a:t> du code dans 6 </a:t>
-            </a:r>
-            <a:r>
-              <a:rPr lang="en-US" dirty="0" err="1"/>
-              <a:t>mois</a:t>
-            </a:r>
-            <a:r>
-              <a:rPr lang="en-US" dirty="0"/>
-              <a:t>. </a:t>
-            </a:r>
-            <a:r>
-              <a:rPr lang="en-US" dirty="0" err="1"/>
-              <a:t>Qu’est-ce</a:t>
-            </a:r>
-            <a:r>
-              <a:rPr lang="en-US" dirty="0"/>
-              <a:t> qui </a:t>
-            </a:r>
-            <a:r>
-              <a:rPr lang="en-US" dirty="0" err="1"/>
-              <a:t>est</a:t>
-            </a:r>
-            <a:r>
-              <a:rPr lang="en-US" dirty="0"/>
-              <a:t> le plus facile à </a:t>
-            </a:r>
-            <a:r>
-              <a:rPr lang="en-US" dirty="0" err="1"/>
-              <a:t>relire</a:t>
-            </a:r>
-            <a:r>
-              <a:rPr lang="en-US" dirty="0"/>
-              <a:t> ?</a:t>
-            </a:r>
-          </a:p>
-          <a:p>
-            <a:r>
-              <a:rPr lang="en-US" dirty="0" err="1"/>
-              <a:t>LabelEncoder</a:t>
-            </a:r>
-            <a:r>
-              <a:rPr lang="en-US" dirty="0"/>
-              <a:t> ?</a:t>
-            </a:r>
-          </a:p>
-          <a:p>
-            <a:pPr lvl="1"/>
-            <a:r>
-              <a:rPr lang="fr-FR" sz="1600" dirty="0" err="1">
-                <a:latin typeface="Courier New" panose="02070309020205020404" pitchFamily="49" charset="0"/>
-                <a:cs typeface="Courier New" panose="02070309020205020404" pitchFamily="49" charset="0"/>
-              </a:rPr>
-              <a:t>y_train</a:t>
-            </a:r>
-            <a:r>
-              <a:rPr lang="fr-FR" sz="1600" dirty="0">
-                <a:latin typeface="Courier New" panose="02070309020205020404" pitchFamily="49" charset="0"/>
-                <a:cs typeface="Courier New" panose="02070309020205020404" pitchFamily="49" charset="0"/>
-              </a:rPr>
-              <a:t> = </a:t>
-            </a:r>
-            <a:r>
-              <a:rPr lang="fr-FR" sz="1600" dirty="0" err="1">
-                <a:latin typeface="Courier New" panose="02070309020205020404" pitchFamily="49" charset="0"/>
-                <a:cs typeface="Courier New" panose="02070309020205020404" pitchFamily="49" charset="0"/>
-              </a:rPr>
-              <a:t>labelencoder.fit_transform</a:t>
-            </a:r>
-            <a:r>
-              <a:rPr lang="fr-FR" sz="1600" dirty="0">
-                <a:latin typeface="Courier New" panose="02070309020205020404" pitchFamily="49" charset="0"/>
-                <a:cs typeface="Courier New" panose="02070309020205020404" pitchFamily="49" charset="0"/>
-              </a:rPr>
-              <a:t>(</a:t>
-            </a:r>
-            <a:r>
-              <a:rPr lang="fr-FR" sz="1600" dirty="0" err="1">
-                <a:latin typeface="Courier New" panose="02070309020205020404" pitchFamily="49" charset="0"/>
-                <a:cs typeface="Courier New" panose="02070309020205020404" pitchFamily="49" charset="0"/>
-              </a:rPr>
-              <a:t>y_train</a:t>
-            </a:r>
-            <a:r>
-              <a:rPr lang="fr-FR" sz="1600" dirty="0">
-                <a:latin typeface="Courier New" panose="02070309020205020404" pitchFamily="49" charset="0"/>
-                <a:cs typeface="Courier New" panose="02070309020205020404" pitchFamily="49" charset="0"/>
-              </a:rPr>
-              <a:t>)</a:t>
-            </a:r>
-          </a:p>
-          <a:p>
-            <a:pPr lvl="1"/>
-            <a:r>
-              <a:rPr lang="fr-FR" dirty="0"/>
-              <a:t>Uniquement sur la </a:t>
-            </a:r>
-            <a:r>
-              <a:rPr lang="fr-FR" dirty="0" err="1"/>
-              <a:t>target</a:t>
-            </a:r>
-            <a:r>
-              <a:rPr lang="fr-FR" dirty="0"/>
-              <a:t> quand celle-ci est de type </a:t>
-            </a:r>
-            <a:r>
-              <a:rPr lang="fr-FR" dirty="0" err="1"/>
-              <a:t>discrete</a:t>
-            </a:r>
-            <a:r>
-              <a:rPr lang="fr-FR" dirty="0"/>
-              <a:t> (chien, chat…) </a:t>
-            </a:r>
-          </a:p>
-        </p:txBody>
-      </p:sp>
-    </p:spTree>
-    <p:extLst>
-      <p:ext uri="{BB962C8B-B14F-4D97-AF65-F5344CB8AC3E}">
-        <p14:creationId xmlns:p14="http://schemas.microsoft.com/office/powerpoint/2010/main" val="1725587933"/>
-      </p:ext>
-    </p:extLst>
-  </p:cSld>
-  <p:clrMapOvr>
-    <a:masterClrMapping/>
-  </p:clrMapOvr>
-</p:sld>
-</file>
-
 <file path=ppt/slides/slide18.xml><?xml version="1.0" encoding="utf-8"?>
 <p:sld xmlns:a="http://schemas.openxmlformats.org/drawingml/2006/main" xmlns:r="http://schemas.openxmlformats.org/officeDocument/2006/relationships" xmlns:p="http://schemas.openxmlformats.org/presentationml/2006/main">
   <p:cSld>
@@ -8991,7 +8902,7 @@
           <p:cNvPr id="2" name="Titre 1">
             <a:extLst>
               <a:ext uri="{FF2B5EF4-FFF2-40B4-BE49-F238E27FC236}">
-                <a16:creationId xmlns:a16="http://schemas.microsoft.com/office/drawing/2014/main" id="{18E5830E-96ED-9DF4-359F-F1CBFD6C7517}"/>
+                <a16:creationId xmlns:a16="http://schemas.microsoft.com/office/drawing/2014/main" id="{49786A07-F56A-8AB6-4FAF-0B0A6CC223B2}"/>
               </a:ext>
             </a:extLst>
           </p:cNvPr>
@@ -9009,7 +8920,7 @@
           <a:p>
             <a:r>
               <a:rPr lang="fr-FR" dirty="0"/>
-              <a:t>FAQ</a:t>
+              <a:t>Mettre un slide avec conseils de codage ?</a:t>
             </a:r>
           </a:p>
         </p:txBody>
@@ -9019,7 +8930,7 @@
           <p:cNvPr id="3" name="Espace réservé du contenu 2">
             <a:extLst>
               <a:ext uri="{FF2B5EF4-FFF2-40B4-BE49-F238E27FC236}">
-                <a16:creationId xmlns:a16="http://schemas.microsoft.com/office/drawing/2014/main" id="{FB2F845B-A441-D492-A6B6-4DC959609C23}"/>
+                <a16:creationId xmlns:a16="http://schemas.microsoft.com/office/drawing/2014/main" id="{955DD105-D533-CC41-6FB5-A47C4EE8456C}"/>
               </a:ext>
             </a:extLst>
           </p:cNvPr>
@@ -9037,54 +8948,59 @@
           <a:p>
             <a:r>
               <a:rPr lang="fr-FR" dirty="0"/>
-              <a:t>Pourquoi on fait </a:t>
-            </a:r>
-            <a:r>
-              <a:rPr lang="fr-FR" dirty="0" err="1">
-                <a:latin typeface="Courier New" panose="02070309020205020404" pitchFamily="49" charset="0"/>
-                <a:cs typeface="Courier New" panose="02070309020205020404" pitchFamily="49" charset="0"/>
-              </a:rPr>
-              <a:t>featureencoder</a:t>
-            </a:r>
-            <a:r>
-              <a:rPr lang="fr-FR" dirty="0"/>
-              <a:t> sur </a:t>
+              <a:t>Colle les messages d’erreur dans Google</a:t>
+            </a:r>
+          </a:p>
+          <a:p>
+            <a:r>
+              <a:rPr lang="fr-FR" dirty="0"/>
+              <a:t>Google et Stack </a:t>
             </a:r>
             <a:r>
               <a:rPr lang="fr-FR" dirty="0" err="1"/>
-              <a:t>X_train</a:t>
-            </a:r>
-            <a:r>
-              <a:rPr lang="fr-FR" dirty="0"/>
-              <a:t> puis sur </a:t>
-            </a:r>
-            <a:r>
-              <a:rPr lang="fr-FR" dirty="0" err="1"/>
-              <a:t>X_test</a:t>
-            </a:r>
-            <a:r>
-              <a:rPr lang="fr-FR" dirty="0"/>
-              <a:t> et pas sur X tout entier avant de splitter?</a:t>
+              <a:t>Overflow</a:t>
+            </a:r>
+            <a:r>
+              <a:rPr lang="fr-FR" dirty="0"/>
+              <a:t> sont tes meilleurs amis</a:t>
+            </a:r>
+          </a:p>
+          <a:p>
+            <a:r>
+              <a:rPr lang="fr-FR" dirty="0"/>
+              <a:t>Fais tes recherches sur Google en Anglais </a:t>
+            </a:r>
+          </a:p>
+          <a:p>
+            <a:r>
+              <a:rPr lang="fr-FR" dirty="0"/>
+              <a:t>Copie colle des codes d’exemples</a:t>
+            </a:r>
+          </a:p>
+          <a:p>
+            <a:r>
+              <a:rPr lang="fr-FR" dirty="0"/>
+              <a:t>Au début évite les docs officielles, inspire-toi d’exemples</a:t>
             </a:r>
           </a:p>
           <a:p>
             <a:pPr lvl="1"/>
             <a:r>
               <a:rPr lang="fr-FR" dirty="0"/>
-              <a:t>Si on remplace une valeur manquante par la moyenne on utilise la moyenne de toute la colonne et pas la moyenne de </a:t>
-            </a:r>
-            <a:r>
-              <a:rPr lang="fr-FR" dirty="0" err="1"/>
-              <a:t>X_train</a:t>
-            </a:r>
-            <a:r>
-              <a:rPr lang="fr-FR" dirty="0"/>
-              <a:t> ou de </a:t>
-            </a:r>
-            <a:r>
-              <a:rPr lang="fr-FR" dirty="0" err="1"/>
-              <a:t>X_test</a:t>
-            </a:r>
+              <a:t>Après tu liras la doc sur tel ou tel paramètre</a:t>
+            </a:r>
+          </a:p>
+          <a:p>
+            <a:r>
+              <a:rPr lang="fr-FR" dirty="0"/>
+              <a:t>Au début ne perd pas trop de temps sur la "beauté" des graphes</a:t>
+            </a:r>
+          </a:p>
+          <a:p>
+            <a:pPr lvl="1"/>
+            <a:endParaRPr lang="fr-FR" dirty="0"/>
+          </a:p>
+          <a:p>
             <a:endParaRPr lang="fr-FR" dirty="0"/>
           </a:p>
         </p:txBody>
@@ -9092,7 +9008,7 @@
     </p:spTree>
     <p:extLst>
       <p:ext uri="{BB962C8B-B14F-4D97-AF65-F5344CB8AC3E}">
-        <p14:creationId xmlns:p14="http://schemas.microsoft.com/office/powerpoint/2010/main" val="4183092790"/>
+        <p14:creationId xmlns:p14="http://schemas.microsoft.com/office/powerpoint/2010/main" val="937257522"/>
       </p:ext>
     </p:extLst>
   </p:cSld>
@@ -9105,11 +9021,6 @@
 <file path=ppt/slides/slide19.xml><?xml version="1.0" encoding="utf-8"?>
 <p:sld xmlns:a="http://schemas.openxmlformats.org/drawingml/2006/main" xmlns:r="http://schemas.openxmlformats.org/officeDocument/2006/relationships" xmlns:p="http://schemas.openxmlformats.org/presentationml/2006/main">
   <p:cSld>
-    <p:bg>
-      <p:bgRef idx="1001">
-        <a:schemeClr val="bg1"/>
-      </p:bgRef>
-    </p:bg>
     <p:spTree>
       <p:nvGrpSpPr>
         <p:cNvPr id="1" name=""/>
@@ -9129,7 +9040,7 @@
           <p:cNvPr id="2" name="Titre 1">
             <a:extLst>
               <a:ext uri="{FF2B5EF4-FFF2-40B4-BE49-F238E27FC236}">
-                <a16:creationId xmlns:a16="http://schemas.microsoft.com/office/drawing/2014/main" id="{562C079C-6E96-0857-BE99-02DF37710FFB}"/>
+                <a16:creationId xmlns:a16="http://schemas.microsoft.com/office/drawing/2014/main" id="{D548B3B8-AA2B-E46F-CADD-6002D7B8BEF4}"/>
               </a:ext>
             </a:extLst>
           </p:cNvPr>
@@ -9147,17 +9058,17 @@
           <a:p>
             <a:r>
               <a:rPr lang="fr-FR" dirty="0"/>
-              <a:t>FAQ</a:t>
-            </a:r>
-          </a:p>
-        </p:txBody>
-      </p:sp>
-      <p:sp>
-        <p:nvSpPr>
-          <p:cNvPr id="3" name="Espace réservé du contenu 2">
-            <a:extLst>
-              <a:ext uri="{FF2B5EF4-FFF2-40B4-BE49-F238E27FC236}">
-                <a16:creationId xmlns:a16="http://schemas.microsoft.com/office/drawing/2014/main" id="{6519D101-60A4-12D3-B281-12119D7EE5BD}"/>
+              <a:t>Jour 1 - Tableau</a:t>
+            </a:r>
+          </a:p>
+        </p:txBody>
+      </p:sp>
+      <p:sp>
+        <p:nvSpPr>
+          <p:cNvPr id="4" name="Espace réservé du texte 3">
+            <a:extLst>
+              <a:ext uri="{FF2B5EF4-FFF2-40B4-BE49-F238E27FC236}">
+                <a16:creationId xmlns:a16="http://schemas.microsoft.com/office/drawing/2014/main" id="{81A68E82-848C-2C4D-A4A9-00C7466E12FF}"/>
               </a:ext>
             </a:extLst>
           </p:cNvPr>
@@ -9165,7 +9076,7 @@
             <a:spLocks noGrp="1"/>
           </p:cNvSpPr>
           <p:nvPr>
-            <p:ph idx="1"/>
+            <p:ph type="body" idx="1"/>
           </p:nvPr>
         </p:nvSpPr>
         <p:spPr/>
@@ -9173,98 +9084,19 @@
           <a:bodyPr/>
           <a:lstStyle/>
           <a:p>
-            <a:r>
-              <a:rPr lang="fr-FR" dirty="0"/>
-              <a:t>Comment m'y retrouver dans les modèles à utiliser?</a:t>
-            </a:r>
-          </a:p>
-          <a:p>
-            <a:r>
-              <a:rPr lang="fr-FR" sz="1800" dirty="0">
-                <a:latin typeface="Courier New" panose="02070309020205020404" pitchFamily="49" charset="0"/>
-                <a:cs typeface="Courier New" panose="02070309020205020404" pitchFamily="49" charset="0"/>
-                <a:hlinkClick r:id="rId3"/>
-              </a:rPr>
-              <a:t>https://scikit-learn.org/stable/tutorial/machine_learning_map/index.html</a:t>
-            </a:r>
-            <a:endParaRPr lang="fr-FR" sz="1800" dirty="0">
-              <a:latin typeface="Courier New" panose="02070309020205020404" pitchFamily="49" charset="0"/>
-              <a:cs typeface="Courier New" panose="02070309020205020404" pitchFamily="49" charset="0"/>
-            </a:endParaRPr>
-          </a:p>
-          <a:p>
-            <a:endParaRPr lang="fr-FR" sz="1800" dirty="0">
-              <a:latin typeface="Courier New" panose="02070309020205020404" pitchFamily="49" charset="0"/>
-              <a:cs typeface="Courier New" panose="02070309020205020404" pitchFamily="49" charset="0"/>
-            </a:endParaRPr>
-          </a:p>
-          <a:p>
-            <a:endParaRPr lang="fr-FR" dirty="0"/>
-          </a:p>
-        </p:txBody>
-      </p:sp>
-      <p:pic>
-        <p:nvPicPr>
-          <p:cNvPr id="1028" name="Picture 4" descr="Move mouse over image">
-            <a:extLst>
-              <a:ext uri="{FF2B5EF4-FFF2-40B4-BE49-F238E27FC236}">
-                <a16:creationId xmlns:a16="http://schemas.microsoft.com/office/drawing/2014/main" id="{E774A131-0297-2494-0815-744E00773C04}"/>
-              </a:ext>
-            </a:extLst>
-          </p:cNvPr>
-          <p:cNvPicPr>
-            <a:picLocks noChangeAspect="1" noChangeArrowheads="1"/>
-          </p:cNvPicPr>
-          <p:nvPr/>
-        </p:nvPicPr>
-        <p:blipFill>
-          <a:blip r:embed="rId4">
-            <a:extLst>
-              <a:ext uri="{28A0092B-C50C-407E-A947-70E740481C1C}">
-                <a14:useLocalDpi xmlns:a14="http://schemas.microsoft.com/office/drawing/2010/main" val="0"/>
-              </a:ext>
-            </a:extLst>
-          </a:blip>
-          <a:srcRect/>
-          <a:stretch>
-            <a:fillRect/>
-          </a:stretch>
-        </p:blipFill>
-        <p:spPr bwMode="auto">
-          <a:xfrm>
-            <a:off x="2924822" y="2836966"/>
-            <a:ext cx="6188295" cy="3858196"/>
-          </a:xfrm>
-          <a:prstGeom prst="rect">
-            <a:avLst/>
-          </a:prstGeom>
-          <a:effectLst>
-            <a:outerShdw blurRad="50800" dist="38100" dir="2700000" algn="tl" rotWithShape="0">
-              <a:prstClr val="black">
-                <a:alpha val="40000"/>
-              </a:prstClr>
-            </a:outerShdw>
-          </a:effectLst>
-          <a:extLst>
-            <a:ext uri="{909E8E84-426E-40DD-AFC4-6F175D3DCCD1}">
-              <a14:hiddenFill xmlns:a14="http://schemas.microsoft.com/office/drawing/2010/main">
-                <a:solidFill>
-                  <a:srgbClr val="FFFFFF"/>
-                </a:solidFill>
-              </a14:hiddenFill>
-            </a:ext>
-          </a:extLst>
-        </p:spPr>
-      </p:pic>
+            <a:endParaRPr lang="fr-FR"/>
+          </a:p>
+        </p:txBody>
+      </p:sp>
     </p:spTree>
     <p:extLst>
       <p:ext uri="{BB962C8B-B14F-4D97-AF65-F5344CB8AC3E}">
-        <p14:creationId xmlns:p14="http://schemas.microsoft.com/office/powerpoint/2010/main" val="2519583685"/>
+        <p14:creationId xmlns:p14="http://schemas.microsoft.com/office/powerpoint/2010/main" val="425804634"/>
       </p:ext>
     </p:extLst>
   </p:cSld>
   <p:clrMapOvr>
-    <a:overrideClrMapping bg1="lt1" tx1="dk1" bg2="lt2" tx2="dk2" accent1="accent1" accent2="accent2" accent3="accent3" accent4="accent4" accent5="accent5" accent6="accent6" hlink="hlink" folHlink="folHlink"/>
+    <a:masterClrMapping/>
   </p:clrMapOvr>
 </p:sld>
 </file>
@@ -9624,10 +9456,10 @@
       </p:grpSpPr>
       <p:sp>
         <p:nvSpPr>
-          <p:cNvPr id="2" name="Titre 1">
-            <a:extLst>
-              <a:ext uri="{FF2B5EF4-FFF2-40B4-BE49-F238E27FC236}">
-                <a16:creationId xmlns:a16="http://schemas.microsoft.com/office/drawing/2014/main" id="{49786A07-F56A-8AB6-4FAF-0B0A6CC223B2}"/>
+          <p:cNvPr id="4" name="Titre 3">
+            <a:extLst>
+              <a:ext uri="{FF2B5EF4-FFF2-40B4-BE49-F238E27FC236}">
+                <a16:creationId xmlns:a16="http://schemas.microsoft.com/office/drawing/2014/main" id="{CF820DCE-B486-6635-A546-A74023058AA5}"/>
               </a:ext>
             </a:extLst>
           </p:cNvPr>
@@ -9643,19 +9475,16 @@
           <a:bodyPr/>
           <a:lstStyle/>
           <a:p>
-            <a:r>
-              <a:rPr lang="fr-FR" dirty="0"/>
-              <a:t>Mettre un slide avec conseils de codage ?</a:t>
-            </a:r>
-          </a:p>
-        </p:txBody>
-      </p:sp>
-      <p:sp>
-        <p:nvSpPr>
-          <p:cNvPr id="3" name="Espace réservé du contenu 2">
-            <a:extLst>
-              <a:ext uri="{FF2B5EF4-FFF2-40B4-BE49-F238E27FC236}">
-                <a16:creationId xmlns:a16="http://schemas.microsoft.com/office/drawing/2014/main" id="{955DD105-D533-CC41-6FB5-A47C4EE8456C}"/>
+            <a:endParaRPr lang="fr-FR"/>
+          </a:p>
+        </p:txBody>
+      </p:sp>
+      <p:sp>
+        <p:nvSpPr>
+          <p:cNvPr id="5" name="Espace réservé du contenu 4">
+            <a:extLst>
+              <a:ext uri="{FF2B5EF4-FFF2-40B4-BE49-F238E27FC236}">
+                <a16:creationId xmlns:a16="http://schemas.microsoft.com/office/drawing/2014/main" id="{BBDF796B-F46B-A56C-2321-E9455F4B442F}"/>
               </a:ext>
             </a:extLst>
           </p:cNvPr>
@@ -9673,67 +9502,51 @@
           <a:p>
             <a:r>
               <a:rPr lang="fr-FR" dirty="0"/>
-              <a:t>Colle les messages d’erreur dans Google</a:t>
-            </a:r>
-          </a:p>
-          <a:p>
-            <a:r>
-              <a:rPr lang="fr-FR" dirty="0"/>
-              <a:t>Google et Stack </a:t>
-            </a:r>
-            <a:r>
-              <a:rPr lang="fr-FR" dirty="0" err="1"/>
-              <a:t>Overflow</a:t>
-            </a:r>
-            <a:r>
-              <a:rPr lang="fr-FR" dirty="0"/>
-              <a:t> sont tes meilleurs amis</a:t>
-            </a:r>
-          </a:p>
-          <a:p>
-            <a:r>
-              <a:rPr lang="fr-FR" dirty="0"/>
-              <a:t>Fais tes recherches sur Google en Anglais </a:t>
-            </a:r>
-          </a:p>
-          <a:p>
-            <a:r>
-              <a:rPr lang="fr-FR" dirty="0"/>
-              <a:t>Copie colle des codes d’exemples</a:t>
-            </a:r>
-          </a:p>
-          <a:p>
-            <a:r>
-              <a:rPr lang="fr-FR" dirty="0"/>
-              <a:t>Au début évite les docs officielles, inspire-toi d’exemples</a:t>
-            </a:r>
-          </a:p>
-          <a:p>
-            <a:pPr lvl="1"/>
-            <a:r>
-              <a:rPr lang="fr-FR" dirty="0"/>
-              <a:t>Après tu liras la doc sur tel ou tel paramètre</a:t>
-            </a:r>
-          </a:p>
-          <a:p>
-            <a:r>
-              <a:rPr lang="fr-FR" dirty="0"/>
-              <a:t>Au début ne perd pas trop de temps sur la "beauté" des graphes</a:t>
-            </a:r>
-          </a:p>
-          <a:p>
-            <a:pPr lvl="1"/>
-            <a:endParaRPr lang="fr-FR" dirty="0"/>
-          </a:p>
-          <a:p>
-            <a:endParaRPr lang="fr-FR" dirty="0"/>
+              <a:t>€ sur les axes</a:t>
+            </a:r>
+          </a:p>
+          <a:p>
+            <a:r>
+              <a:rPr lang="fr-FR" dirty="0"/>
+              <a:t>Pas possible d'avoir plus de 2 courbes sur un graphe</a:t>
+            </a:r>
+          </a:p>
+          <a:p>
+            <a:r>
+              <a:rPr lang="fr-FR" dirty="0"/>
+              <a:t>Penser à filtrer les données</a:t>
+            </a:r>
+          </a:p>
+          <a:p>
+            <a:r>
+              <a:rPr lang="fr-FR" dirty="0"/>
+              <a:t>Revenu par district en couleur</a:t>
+            </a:r>
+          </a:p>
+          <a:p>
+            <a:r>
+              <a:rPr lang="fr-FR" dirty="0"/>
+              <a:t>Latitude et longitude en dimension</a:t>
+            </a:r>
+          </a:p>
+          <a:p>
+            <a:r>
+              <a:rPr lang="fr-FR" dirty="0"/>
+              <a:t>Variable calculée</a:t>
+            </a:r>
+          </a:p>
+          <a:p>
+            <a:r>
+              <a:rPr lang="fr-FR" dirty="0"/>
+              <a:t>Mode présentation</a:t>
+            </a:r>
           </a:p>
         </p:txBody>
       </p:sp>
     </p:spTree>
     <p:extLst>
       <p:ext uri="{BB962C8B-B14F-4D97-AF65-F5344CB8AC3E}">
-        <p14:creationId xmlns:p14="http://schemas.microsoft.com/office/powerpoint/2010/main" val="937257522"/>
+        <p14:creationId xmlns:p14="http://schemas.microsoft.com/office/powerpoint/2010/main" val="1627712614"/>
       </p:ext>
     </p:extLst>
   </p:cSld>
@@ -9765,208 +9578,6 @@
           <p:cNvPr id="2" name="Titre 1">
             <a:extLst>
               <a:ext uri="{FF2B5EF4-FFF2-40B4-BE49-F238E27FC236}">
-                <a16:creationId xmlns:a16="http://schemas.microsoft.com/office/drawing/2014/main" id="{D548B3B8-AA2B-E46F-CADD-6002D7B8BEF4}"/>
-              </a:ext>
-            </a:extLst>
-          </p:cNvPr>
-          <p:cNvSpPr>
-            <a:spLocks noGrp="1"/>
-          </p:cNvSpPr>
-          <p:nvPr>
-            <p:ph type="title"/>
-          </p:nvPr>
-        </p:nvSpPr>
-        <p:spPr/>
-        <p:txBody>
-          <a:bodyPr/>
-          <a:lstStyle/>
-          <a:p>
-            <a:r>
-              <a:rPr lang="fr-FR" dirty="0"/>
-              <a:t>Jour 1 - Tableau</a:t>
-            </a:r>
-          </a:p>
-        </p:txBody>
-      </p:sp>
-      <p:sp>
-        <p:nvSpPr>
-          <p:cNvPr id="4" name="Espace réservé du texte 3">
-            <a:extLst>
-              <a:ext uri="{FF2B5EF4-FFF2-40B4-BE49-F238E27FC236}">
-                <a16:creationId xmlns:a16="http://schemas.microsoft.com/office/drawing/2014/main" id="{81A68E82-848C-2C4D-A4A9-00C7466E12FF}"/>
-              </a:ext>
-            </a:extLst>
-          </p:cNvPr>
-          <p:cNvSpPr>
-            <a:spLocks noGrp="1"/>
-          </p:cNvSpPr>
-          <p:nvPr>
-            <p:ph type="body" idx="1"/>
-          </p:nvPr>
-        </p:nvSpPr>
-        <p:spPr/>
-        <p:txBody>
-          <a:bodyPr/>
-          <a:lstStyle/>
-          <a:p>
-            <a:endParaRPr lang="fr-FR"/>
-          </a:p>
-        </p:txBody>
-      </p:sp>
-    </p:spTree>
-    <p:extLst>
-      <p:ext uri="{BB962C8B-B14F-4D97-AF65-F5344CB8AC3E}">
-        <p14:creationId xmlns:p14="http://schemas.microsoft.com/office/powerpoint/2010/main" val="425804634"/>
-      </p:ext>
-    </p:extLst>
-  </p:cSld>
-  <p:clrMapOvr>
-    <a:masterClrMapping/>
-  </p:clrMapOvr>
-</p:sld>
-</file>
-
-<file path=ppt/slides/slide22.xml><?xml version="1.0" encoding="utf-8"?>
-<p:sld xmlns:a="http://schemas.openxmlformats.org/drawingml/2006/main" xmlns:r="http://schemas.openxmlformats.org/officeDocument/2006/relationships" xmlns:p="http://schemas.openxmlformats.org/presentationml/2006/main">
-  <p:cSld>
-    <p:spTree>
-      <p:nvGrpSpPr>
-        <p:cNvPr id="1" name=""/>
-        <p:cNvGrpSpPr/>
-        <p:nvPr/>
-      </p:nvGrpSpPr>
-      <p:grpSpPr>
-        <a:xfrm>
-          <a:off x="0" y="0"/>
-          <a:ext cx="0" cy="0"/>
-          <a:chOff x="0" y="0"/>
-          <a:chExt cx="0" cy="0"/>
-        </a:xfrm>
-      </p:grpSpPr>
-      <p:sp>
-        <p:nvSpPr>
-          <p:cNvPr id="4" name="Titre 3">
-            <a:extLst>
-              <a:ext uri="{FF2B5EF4-FFF2-40B4-BE49-F238E27FC236}">
-                <a16:creationId xmlns:a16="http://schemas.microsoft.com/office/drawing/2014/main" id="{CF820DCE-B486-6635-A546-A74023058AA5}"/>
-              </a:ext>
-            </a:extLst>
-          </p:cNvPr>
-          <p:cNvSpPr>
-            <a:spLocks noGrp="1"/>
-          </p:cNvSpPr>
-          <p:nvPr>
-            <p:ph type="title"/>
-          </p:nvPr>
-        </p:nvSpPr>
-        <p:spPr/>
-        <p:txBody>
-          <a:bodyPr/>
-          <a:lstStyle/>
-          <a:p>
-            <a:endParaRPr lang="fr-FR"/>
-          </a:p>
-        </p:txBody>
-      </p:sp>
-      <p:sp>
-        <p:nvSpPr>
-          <p:cNvPr id="5" name="Espace réservé du contenu 4">
-            <a:extLst>
-              <a:ext uri="{FF2B5EF4-FFF2-40B4-BE49-F238E27FC236}">
-                <a16:creationId xmlns:a16="http://schemas.microsoft.com/office/drawing/2014/main" id="{BBDF796B-F46B-A56C-2321-E9455F4B442F}"/>
-              </a:ext>
-            </a:extLst>
-          </p:cNvPr>
-          <p:cNvSpPr>
-            <a:spLocks noGrp="1"/>
-          </p:cNvSpPr>
-          <p:nvPr>
-            <p:ph idx="1"/>
-          </p:nvPr>
-        </p:nvSpPr>
-        <p:spPr/>
-        <p:txBody>
-          <a:bodyPr/>
-          <a:lstStyle/>
-          <a:p>
-            <a:r>
-              <a:rPr lang="fr-FR" dirty="0"/>
-              <a:t>€ sur les axes</a:t>
-            </a:r>
-          </a:p>
-          <a:p>
-            <a:r>
-              <a:rPr lang="fr-FR" dirty="0"/>
-              <a:t>Pas possible d'avoir plus de 2 courbes sur un graphe</a:t>
-            </a:r>
-          </a:p>
-          <a:p>
-            <a:r>
-              <a:rPr lang="fr-FR" dirty="0"/>
-              <a:t>Penser à filtrer les données</a:t>
-            </a:r>
-          </a:p>
-          <a:p>
-            <a:r>
-              <a:rPr lang="fr-FR" dirty="0"/>
-              <a:t>Revenu par district en couleur</a:t>
-            </a:r>
-          </a:p>
-          <a:p>
-            <a:r>
-              <a:rPr lang="fr-FR" dirty="0"/>
-              <a:t>Latitude et longitude en dimension</a:t>
-            </a:r>
-          </a:p>
-          <a:p>
-            <a:r>
-              <a:rPr lang="fr-FR" dirty="0"/>
-              <a:t>Variable calculée</a:t>
-            </a:r>
-          </a:p>
-          <a:p>
-            <a:r>
-              <a:rPr lang="fr-FR" dirty="0"/>
-              <a:t>Mode présentation</a:t>
-            </a:r>
-          </a:p>
-        </p:txBody>
-      </p:sp>
-    </p:spTree>
-    <p:extLst>
-      <p:ext uri="{BB962C8B-B14F-4D97-AF65-F5344CB8AC3E}">
-        <p14:creationId xmlns:p14="http://schemas.microsoft.com/office/powerpoint/2010/main" val="1627712614"/>
-      </p:ext>
-    </p:extLst>
-  </p:cSld>
-  <p:clrMapOvr>
-    <a:masterClrMapping/>
-  </p:clrMapOvr>
-</p:sld>
-</file>
-
-<file path=ppt/slides/slide23.xml><?xml version="1.0" encoding="utf-8"?>
-<p:sld xmlns:a="http://schemas.openxmlformats.org/drawingml/2006/main" xmlns:r="http://schemas.openxmlformats.org/officeDocument/2006/relationships" xmlns:p="http://schemas.openxmlformats.org/presentationml/2006/main">
-  <p:cSld>
-    <p:spTree>
-      <p:nvGrpSpPr>
-        <p:cNvPr id="1" name=""/>
-        <p:cNvGrpSpPr/>
-        <p:nvPr/>
-      </p:nvGrpSpPr>
-      <p:grpSpPr>
-        <a:xfrm>
-          <a:off x="0" y="0"/>
-          <a:ext cx="0" cy="0"/>
-          <a:chOff x="0" y="0"/>
-          <a:chExt cx="0" cy="0"/>
-        </a:xfrm>
-      </p:grpSpPr>
-      <p:sp>
-        <p:nvSpPr>
-          <p:cNvPr id="2" name="Titre 1">
-            <a:extLst>
-              <a:ext uri="{FF2B5EF4-FFF2-40B4-BE49-F238E27FC236}">
                 <a16:creationId xmlns:a16="http://schemas.microsoft.com/office/drawing/2014/main" id="{94C22D3A-9A18-A841-5FB7-CF7D24711D4C}"/>
               </a:ext>
             </a:extLst>
@@ -10028,7 +9639,7 @@
 </p:sld>
 </file>
 
-<file path=ppt/slides/slide24.xml><?xml version="1.0" encoding="utf-8"?>
+<file path=ppt/slides/slide22.xml><?xml version="1.0" encoding="utf-8"?>
 <p:sld xmlns:a="http://schemas.openxmlformats.org/drawingml/2006/main" xmlns:r="http://schemas.openxmlformats.org/officeDocument/2006/relationships" xmlns:p="http://schemas.openxmlformats.org/presentationml/2006/main">
   <p:cSld>
     <p:spTree>
@@ -10703,7 +10314,7 @@
 </p:sld>
 </file>
 
-<file path=ppt/slides/slide25.xml><?xml version="1.0" encoding="utf-8"?>
+<file path=ppt/slides/slide23.xml><?xml version="1.0" encoding="utf-8"?>
 <p:sld xmlns:a="http://schemas.openxmlformats.org/drawingml/2006/main" xmlns:r="http://schemas.openxmlformats.org/officeDocument/2006/relationships" xmlns:p="http://schemas.openxmlformats.org/presentationml/2006/main">
   <p:cSld>
     <p:spTree>
@@ -11541,7 +11152,7 @@
 </p:sld>
 </file>
 
-<file path=ppt/slides/slide26.xml><?xml version="1.0" encoding="utf-8"?>
+<file path=ppt/slides/slide24.xml><?xml version="1.0" encoding="utf-8"?>
 <p:sld xmlns:a="http://schemas.openxmlformats.org/drawingml/2006/main" xmlns:r="http://schemas.openxmlformats.org/officeDocument/2006/relationships" xmlns:p="http://schemas.openxmlformats.org/presentationml/2006/main">
   <p:cSld>
     <p:spTree>
@@ -11624,7 +11235,7 @@
 </p:sld>
 </file>
 
-<file path=ppt/slides/slide27.xml><?xml version="1.0" encoding="utf-8"?>
+<file path=ppt/slides/slide25.xml><?xml version="1.0" encoding="utf-8"?>
 <p:sld xmlns:a="http://schemas.openxmlformats.org/drawingml/2006/main" xmlns:r="http://schemas.openxmlformats.org/officeDocument/2006/relationships" xmlns:p="http://schemas.openxmlformats.org/presentationml/2006/main">
   <p:cSld>
     <p:spTree>
@@ -11687,13 +11298,19 @@
         </p:nvSpPr>
         <p:spPr/>
         <p:txBody>
-          <a:bodyPr/>
+          <a:bodyPr>
+            <a:normAutofit fontScale="77500" lnSpcReduction="20000"/>
+          </a:bodyPr>
           <a:lstStyle/>
           <a:p>
             <a:r>
               <a:rPr lang="fr-FR" dirty="0"/>
               <a:t>À garder en tête</a:t>
             </a:r>
+            <a:br>
+              <a:rPr lang="fr-FR" dirty="0"/>
+            </a:br>
+            <a:endParaRPr lang="fr-FR" dirty="0"/>
           </a:p>
           <a:p>
             <a:pPr marL="457200" lvl="1" indent="0">
@@ -11703,35 +11320,35 @@
               <a:buNone/>
             </a:pPr>
             <a:r>
-              <a:rPr lang="fr-FR" sz="1400" dirty="0">
+              <a:rPr lang="fr-FR" sz="1700" dirty="0">
                 <a:effectLst/>
                 <a:latin typeface="Courier New" panose="02070309020205020404" pitchFamily="49" charset="0"/>
               </a:rPr>
               <a:t>SELECT DISTINCT </a:t>
             </a:r>
             <a:r>
-              <a:rPr lang="fr-FR" sz="1400" dirty="0" err="1">
+              <a:rPr lang="fr-FR" sz="1700" dirty="0" err="1">
                 <a:effectLst/>
                 <a:latin typeface="Courier New" panose="02070309020205020404" pitchFamily="49" charset="0"/>
               </a:rPr>
               <a:t>column</a:t>
             </a:r>
             <a:r>
-              <a:rPr lang="fr-FR" sz="1400" dirty="0">
+              <a:rPr lang="fr-FR" sz="1700" dirty="0">
                 <a:effectLst/>
                 <a:latin typeface="Courier New" panose="02070309020205020404" pitchFamily="49" charset="0"/>
               </a:rPr>
               <a:t>, AGG_FUNC(</a:t>
             </a:r>
             <a:r>
-              <a:rPr lang="fr-FR" sz="1400" dirty="0" err="1">
+              <a:rPr lang="fr-FR" sz="1700" dirty="0" err="1">
                 <a:effectLst/>
                 <a:latin typeface="Courier New" panose="02070309020205020404" pitchFamily="49" charset="0"/>
               </a:rPr>
               <a:t>column_or_expression</a:t>
             </a:r>
             <a:r>
-              <a:rPr lang="fr-FR" sz="1400" dirty="0">
+              <a:rPr lang="fr-FR" sz="1700" dirty="0">
                 <a:effectLst/>
                 <a:latin typeface="Courier New" panose="02070309020205020404" pitchFamily="49" charset="0"/>
               </a:rPr>
@@ -11746,20 +11363,20 @@
               <a:buNone/>
             </a:pPr>
             <a:r>
-              <a:rPr lang="fr-FR" sz="1400" dirty="0">
+              <a:rPr lang="fr-FR" sz="1700" dirty="0">
                 <a:effectLst/>
                 <a:latin typeface="Courier New" panose="02070309020205020404" pitchFamily="49" charset="0"/>
               </a:rPr>
               <a:t>FROM </a:t>
             </a:r>
             <a:r>
-              <a:rPr lang="fr-FR" sz="1400" dirty="0" err="1">
+              <a:rPr lang="fr-FR" sz="1700" dirty="0" err="1">
                 <a:effectLst/>
                 <a:latin typeface="Courier New" panose="02070309020205020404" pitchFamily="49" charset="0"/>
               </a:rPr>
               <a:t>mytable</a:t>
             </a:r>
-            <a:endParaRPr lang="fr-FR" sz="1400" dirty="0">
+            <a:endParaRPr lang="fr-FR" sz="1700" dirty="0">
               <a:effectLst/>
               <a:latin typeface="Courier New" panose="02070309020205020404" pitchFamily="49" charset="0"/>
             </a:endParaRPr>
@@ -11772,20 +11389,20 @@
               <a:buNone/>
             </a:pPr>
             <a:r>
-              <a:rPr lang="fr-FR" sz="1400" dirty="0">
+              <a:rPr lang="fr-FR" sz="1700" dirty="0">
                 <a:effectLst/>
                 <a:latin typeface="Courier New" panose="02070309020205020404" pitchFamily="49" charset="0"/>
               </a:rPr>
               <a:t>JOIN </a:t>
             </a:r>
             <a:r>
-              <a:rPr lang="fr-FR" sz="1400" dirty="0" err="1">
+              <a:rPr lang="fr-FR" sz="1700" dirty="0" err="1">
                 <a:effectLst/>
                 <a:latin typeface="Courier New" panose="02070309020205020404" pitchFamily="49" charset="0"/>
               </a:rPr>
               <a:t>another_table</a:t>
             </a:r>
-            <a:endParaRPr lang="fr-FR" sz="1400" dirty="0">
+            <a:endParaRPr lang="fr-FR" sz="1700" dirty="0">
               <a:effectLst/>
               <a:latin typeface="Courier New" panose="02070309020205020404" pitchFamily="49" charset="0"/>
             </a:endParaRPr>
@@ -11798,34 +11415,34 @@
               <a:buNone/>
             </a:pPr>
             <a:r>
-              <a:rPr lang="fr-FR" sz="1400" dirty="0">
+              <a:rPr lang="fr-FR" sz="1700" dirty="0">
                 <a:effectLst/>
                 <a:latin typeface="Courier New" panose="02070309020205020404" pitchFamily="49" charset="0"/>
               </a:rPr>
               <a:t>ON </a:t>
             </a:r>
             <a:r>
-              <a:rPr lang="fr-FR" sz="1400" dirty="0" err="1">
+              <a:rPr lang="fr-FR" sz="1700" dirty="0" err="1">
                 <a:effectLst/>
                 <a:latin typeface="Courier New" panose="02070309020205020404" pitchFamily="49" charset="0"/>
               </a:rPr>
               <a:t>mytable.column</a:t>
             </a:r>
             <a:r>
-              <a:rPr lang="fr-FR" sz="1400" dirty="0">
+              <a:rPr lang="fr-FR" sz="1700" dirty="0">
                 <a:effectLst/>
                 <a:latin typeface="Courier New" panose="02070309020205020404" pitchFamily="49" charset="0"/>
               </a:rPr>
               <a:t> = </a:t>
             </a:r>
             <a:r>
-              <a:rPr lang="fr-FR" sz="1400" dirty="0" err="1">
+              <a:rPr lang="fr-FR" sz="1700" dirty="0" err="1">
                 <a:effectLst/>
                 <a:latin typeface="Courier New" panose="02070309020205020404" pitchFamily="49" charset="0"/>
               </a:rPr>
               <a:t>another_table.column</a:t>
             </a:r>
-            <a:endParaRPr lang="fr-FR" sz="1400" dirty="0">
+            <a:endParaRPr lang="fr-FR" sz="1700" dirty="0">
               <a:effectLst/>
               <a:latin typeface="Courier New" panose="02070309020205020404" pitchFamily="49" charset="0"/>
             </a:endParaRPr>
@@ -11838,20 +11455,20 @@
               <a:buNone/>
             </a:pPr>
             <a:r>
-              <a:rPr lang="fr-FR" sz="1400" dirty="0">
+              <a:rPr lang="fr-FR" sz="1700" dirty="0">
                 <a:effectLst/>
                 <a:latin typeface="Courier New" panose="02070309020205020404" pitchFamily="49" charset="0"/>
               </a:rPr>
               <a:t>WHERE </a:t>
             </a:r>
             <a:r>
-              <a:rPr lang="fr-FR" sz="1400" dirty="0" err="1">
+              <a:rPr lang="fr-FR" sz="1700" dirty="0" err="1">
                 <a:effectLst/>
                 <a:latin typeface="Courier New" panose="02070309020205020404" pitchFamily="49" charset="0"/>
               </a:rPr>
               <a:t>constraint_expression</a:t>
             </a:r>
-            <a:endParaRPr lang="fr-FR" sz="1400" dirty="0">
+            <a:endParaRPr lang="fr-FR" sz="1700" dirty="0">
               <a:effectLst/>
               <a:latin typeface="Courier New" panose="02070309020205020404" pitchFamily="49" charset="0"/>
             </a:endParaRPr>
@@ -11864,20 +11481,20 @@
               <a:buNone/>
             </a:pPr>
             <a:r>
-              <a:rPr lang="fr-FR" sz="1400" dirty="0">
+              <a:rPr lang="fr-FR" sz="1700" dirty="0">
                 <a:effectLst/>
                 <a:latin typeface="Courier New" panose="02070309020205020404" pitchFamily="49" charset="0"/>
               </a:rPr>
               <a:t>GROUP BY </a:t>
             </a:r>
             <a:r>
-              <a:rPr lang="fr-FR" sz="1400" dirty="0" err="1">
+              <a:rPr lang="fr-FR" sz="1700" dirty="0" err="1">
                 <a:effectLst/>
                 <a:latin typeface="Courier New" panose="02070309020205020404" pitchFamily="49" charset="0"/>
               </a:rPr>
               <a:t>column</a:t>
             </a:r>
-            <a:endParaRPr lang="fr-FR" sz="1400" dirty="0">
+            <a:endParaRPr lang="fr-FR" sz="1700" dirty="0">
               <a:effectLst/>
               <a:latin typeface="Courier New" panose="02070309020205020404" pitchFamily="49" charset="0"/>
             </a:endParaRPr>
@@ -11890,20 +11507,20 @@
               <a:buNone/>
             </a:pPr>
             <a:r>
-              <a:rPr lang="fr-FR" sz="1400" dirty="0">
+              <a:rPr lang="fr-FR" sz="1700" dirty="0">
                 <a:effectLst/>
                 <a:latin typeface="Courier New" panose="02070309020205020404" pitchFamily="49" charset="0"/>
               </a:rPr>
               <a:t>HAVING </a:t>
             </a:r>
             <a:r>
-              <a:rPr lang="fr-FR" sz="1400" dirty="0" err="1">
+              <a:rPr lang="fr-FR" sz="1700" dirty="0" err="1">
                 <a:effectLst/>
                 <a:latin typeface="Courier New" panose="02070309020205020404" pitchFamily="49" charset="0"/>
               </a:rPr>
               <a:t>constraint_expression</a:t>
             </a:r>
-            <a:endParaRPr lang="fr-FR" sz="1400" dirty="0">
+            <a:endParaRPr lang="fr-FR" sz="1700" dirty="0">
               <a:effectLst/>
               <a:latin typeface="Courier New" panose="02070309020205020404" pitchFamily="49" charset="0"/>
             </a:endParaRPr>
@@ -11916,21 +11533,21 @@
               <a:buNone/>
             </a:pPr>
             <a:r>
-              <a:rPr lang="fr-FR" sz="1400" dirty="0">
+              <a:rPr lang="fr-FR" sz="1700" dirty="0">
                 <a:effectLst/>
                 <a:latin typeface="Courier New" panose="02070309020205020404" pitchFamily="49" charset="0"/>
               </a:rPr>
               <a:t>ORDER BY </a:t>
             </a:r>
             <a:r>
-              <a:rPr lang="fr-FR" sz="1400" dirty="0" err="1">
+              <a:rPr lang="fr-FR" sz="1700" dirty="0" err="1">
                 <a:effectLst/>
                 <a:latin typeface="Courier New" panose="02070309020205020404" pitchFamily="49" charset="0"/>
               </a:rPr>
               <a:t>column</a:t>
             </a:r>
             <a:r>
-              <a:rPr lang="fr-FR" sz="1400" dirty="0">
+              <a:rPr lang="fr-FR" sz="1700" dirty="0">
                 <a:effectLst/>
                 <a:latin typeface="Courier New" panose="02070309020205020404" pitchFamily="49" charset="0"/>
               </a:rPr>
@@ -11945,7 +11562,7 @@
               <a:buNone/>
             </a:pPr>
             <a:r>
-              <a:rPr lang="fr-FR" sz="1400" dirty="0">
+              <a:rPr lang="fr-FR" sz="1700" dirty="0">
                 <a:effectLst/>
                 <a:latin typeface="Courier New" panose="02070309020205020404" pitchFamily="49" charset="0"/>
               </a:rPr>
@@ -11969,6 +11586,39 @@
             <a:r>
               <a:rPr lang="fr-FR" dirty="0"/>
               <a:t>Pour continuer à faire des tests, exos…</a:t>
+            </a:r>
+          </a:p>
+          <a:p>
+            <a:pPr marL="457200" lvl="1" indent="0">
+              <a:buNone/>
+            </a:pPr>
+            <a:endParaRPr lang="fr-FR" dirty="0"/>
+          </a:p>
+          <a:p>
+            <a:r>
+              <a:rPr lang="fr-FR" dirty="0"/>
+              <a:t>À la fin du stage, sur Google Cloud, pense à </a:t>
+            </a:r>
+          </a:p>
+          <a:p>
+            <a:pPr lvl="1"/>
+            <a:r>
+              <a:rPr lang="fr-FR" dirty="0"/>
+              <a:t>éteindre tes machines virtuelles</a:t>
+            </a:r>
+          </a:p>
+          <a:p>
+            <a:pPr lvl="1"/>
+            <a:r>
+              <a:rPr lang="fr-FR" dirty="0"/>
+              <a:t>couper les API plus utilisées </a:t>
+            </a:r>
+          </a:p>
+          <a:p>
+            <a:pPr lvl="1"/>
+            <a:r>
+              <a:rPr lang="fr-FR" dirty="0"/>
+              <a:t>etc.	</a:t>
             </a:r>
           </a:p>
           <a:p>
@@ -11998,7 +11648,7 @@
 </p:sld>
 </file>
 
-<file path=ppt/slides/slide28.xml><?xml version="1.0" encoding="utf-8"?>
+<file path=ppt/slides/slide26.xml><?xml version="1.0" encoding="utf-8"?>
 <p:sld xmlns:a="http://schemas.openxmlformats.org/drawingml/2006/main" xmlns:r="http://schemas.openxmlformats.org/officeDocument/2006/relationships" xmlns:p="http://schemas.openxmlformats.org/presentationml/2006/main">
   <p:cSld>
     <p:bg>
@@ -12221,6 +11871,468 @@
 </p:sld>
 </file>
 
+<file path=ppt/slides/slide27.xml><?xml version="1.0" encoding="utf-8"?>
+<p:sld xmlns:a="http://schemas.openxmlformats.org/drawingml/2006/main" xmlns:r="http://schemas.openxmlformats.org/officeDocument/2006/relationships" xmlns:p="http://schemas.openxmlformats.org/presentationml/2006/main">
+  <p:cSld>
+    <p:spTree>
+      <p:nvGrpSpPr>
+        <p:cNvPr id="1" name=""/>
+        <p:cNvGrpSpPr/>
+        <p:nvPr/>
+      </p:nvGrpSpPr>
+      <p:grpSpPr>
+        <a:xfrm>
+          <a:off x="0" y="0"/>
+          <a:ext cx="0" cy="0"/>
+          <a:chOff x="0" y="0"/>
+          <a:chExt cx="0" cy="0"/>
+        </a:xfrm>
+      </p:grpSpPr>
+      <p:sp>
+        <p:nvSpPr>
+          <p:cNvPr id="2" name="Titre 1">
+            <a:extLst>
+              <a:ext uri="{FF2B5EF4-FFF2-40B4-BE49-F238E27FC236}">
+                <a16:creationId xmlns:a16="http://schemas.microsoft.com/office/drawing/2014/main" id="{4327B0F6-1A5B-4847-7A58-20233A61F46E}"/>
+              </a:ext>
+            </a:extLst>
+          </p:cNvPr>
+          <p:cNvSpPr>
+            <a:spLocks noGrp="1"/>
+          </p:cNvSpPr>
+          <p:nvPr>
+            <p:ph type="title"/>
+          </p:nvPr>
+        </p:nvSpPr>
+        <p:spPr/>
+        <p:txBody>
+          <a:bodyPr/>
+          <a:lstStyle/>
+          <a:p>
+            <a:r>
+              <a:rPr lang="fr-FR" dirty="0"/>
+              <a:t>Jour 4 - Python</a:t>
+            </a:r>
+          </a:p>
+        </p:txBody>
+      </p:sp>
+      <p:sp>
+        <p:nvSpPr>
+          <p:cNvPr id="4" name="Espace réservé du texte 3">
+            <a:extLst>
+              <a:ext uri="{FF2B5EF4-FFF2-40B4-BE49-F238E27FC236}">
+                <a16:creationId xmlns:a16="http://schemas.microsoft.com/office/drawing/2014/main" id="{C1EA2EEB-7222-2FBA-8E04-DC483D6F5D21}"/>
+              </a:ext>
+            </a:extLst>
+          </p:cNvPr>
+          <p:cNvSpPr>
+            <a:spLocks noGrp="1"/>
+          </p:cNvSpPr>
+          <p:nvPr>
+            <p:ph type="body" idx="1"/>
+          </p:nvPr>
+        </p:nvSpPr>
+        <p:spPr/>
+        <p:txBody>
+          <a:bodyPr/>
+          <a:lstStyle/>
+          <a:p>
+            <a:endParaRPr lang="fr-FR"/>
+          </a:p>
+        </p:txBody>
+      </p:sp>
+    </p:spTree>
+    <p:extLst>
+      <p:ext uri="{BB962C8B-B14F-4D97-AF65-F5344CB8AC3E}">
+        <p14:creationId xmlns:p14="http://schemas.microsoft.com/office/powerpoint/2010/main" val="2840825790"/>
+      </p:ext>
+    </p:extLst>
+  </p:cSld>
+  <p:clrMapOvr>
+    <a:masterClrMapping/>
+  </p:clrMapOvr>
+</p:sld>
+</file>
+
+<file path=ppt/slides/slide28.xml><?xml version="1.0" encoding="utf-8"?>
+<p:sld xmlns:a="http://schemas.openxmlformats.org/drawingml/2006/main" xmlns:r="http://schemas.openxmlformats.org/officeDocument/2006/relationships" xmlns:p="http://schemas.openxmlformats.org/presentationml/2006/main">
+  <p:cSld>
+    <p:spTree>
+      <p:nvGrpSpPr>
+        <p:cNvPr id="1" name=""/>
+        <p:cNvGrpSpPr/>
+        <p:nvPr/>
+      </p:nvGrpSpPr>
+      <p:grpSpPr>
+        <a:xfrm>
+          <a:off x="0" y="0"/>
+          <a:ext cx="0" cy="0"/>
+          <a:chOff x="0" y="0"/>
+          <a:chExt cx="0" cy="0"/>
+        </a:xfrm>
+      </p:grpSpPr>
+      <p:sp>
+        <p:nvSpPr>
+          <p:cNvPr id="4" name="Titre 3">
+            <a:extLst>
+              <a:ext uri="{FF2B5EF4-FFF2-40B4-BE49-F238E27FC236}">
+                <a16:creationId xmlns:a16="http://schemas.microsoft.com/office/drawing/2014/main" id="{3F6C0107-D4E5-A056-BDD8-C34D624562E5}"/>
+              </a:ext>
+            </a:extLst>
+          </p:cNvPr>
+          <p:cNvSpPr>
+            <a:spLocks noGrp="1"/>
+          </p:cNvSpPr>
+          <p:nvPr>
+            <p:ph type="title"/>
+          </p:nvPr>
+        </p:nvSpPr>
+        <p:spPr/>
+        <p:txBody>
+          <a:bodyPr/>
+          <a:lstStyle/>
+          <a:p>
+            <a:r>
+              <a:rPr lang="fr-FR" dirty="0"/>
+              <a:t>Pandas</a:t>
+            </a:r>
+          </a:p>
+        </p:txBody>
+      </p:sp>
+      <p:sp>
+        <p:nvSpPr>
+          <p:cNvPr id="5" name="Espace réservé du contenu 4">
+            <a:extLst>
+              <a:ext uri="{FF2B5EF4-FFF2-40B4-BE49-F238E27FC236}">
+                <a16:creationId xmlns:a16="http://schemas.microsoft.com/office/drawing/2014/main" id="{EDABDBBC-84D8-6981-BB92-1901DACA08F8}"/>
+              </a:ext>
+            </a:extLst>
+          </p:cNvPr>
+          <p:cNvSpPr>
+            <a:spLocks noGrp="1"/>
+          </p:cNvSpPr>
+          <p:nvPr>
+            <p:ph idx="1"/>
+          </p:nvPr>
+        </p:nvSpPr>
+        <p:spPr/>
+        <p:txBody>
+          <a:bodyPr>
+            <a:normAutofit fontScale="92500" lnSpcReduction="10000"/>
+          </a:bodyPr>
+          <a:lstStyle/>
+          <a:p>
+            <a:pPr marL="0" indent="0">
+              <a:buNone/>
+            </a:pPr>
+            <a:r>
+              <a:rPr lang="fr-FR" sz="2000" dirty="0">
+                <a:latin typeface="Courier New" panose="02070309020205020404" pitchFamily="49" charset="0"/>
+                <a:cs typeface="Courier New" panose="02070309020205020404" pitchFamily="49" charset="0"/>
+              </a:rPr>
+              <a:t>Les </a:t>
+            </a:r>
+            <a:r>
+              <a:rPr lang="fr-FR" sz="2000" dirty="0" err="1">
+                <a:latin typeface="Courier New" panose="02070309020205020404" pitchFamily="49" charset="0"/>
+                <a:cs typeface="Courier New" panose="02070309020205020404" pitchFamily="49" charset="0"/>
+              </a:rPr>
+              <a:t>Series</a:t>
+            </a:r>
+            <a:r>
+              <a:rPr lang="fr-FR" sz="2000" dirty="0">
+                <a:latin typeface="Courier New" panose="02070309020205020404" pitchFamily="49" charset="0"/>
+                <a:cs typeface="Courier New" panose="02070309020205020404" pitchFamily="49" charset="0"/>
+              </a:rPr>
+              <a:t> et </a:t>
+            </a:r>
+            <a:r>
+              <a:rPr lang="fr-FR" sz="2000" dirty="0" err="1">
+                <a:latin typeface="Courier New" panose="02070309020205020404" pitchFamily="49" charset="0"/>
+                <a:cs typeface="Courier New" panose="02070309020205020404" pitchFamily="49" charset="0"/>
+              </a:rPr>
+              <a:t>Dataframe</a:t>
+            </a:r>
+            <a:r>
+              <a:rPr lang="fr-FR" sz="2000" dirty="0">
+                <a:latin typeface="Courier New" panose="02070309020205020404" pitchFamily="49" charset="0"/>
+                <a:cs typeface="Courier New" panose="02070309020205020404" pitchFamily="49" charset="0"/>
+              </a:rPr>
+              <a:t> sont des dictionnaires</a:t>
+            </a:r>
+          </a:p>
+          <a:p>
+            <a:pPr marL="0" indent="0">
+              <a:buNone/>
+            </a:pPr>
+            <a:endParaRPr lang="fr-FR" sz="2000" dirty="0">
+              <a:latin typeface="Courier New" panose="02070309020205020404" pitchFamily="49" charset="0"/>
+              <a:cs typeface="Courier New" panose="02070309020205020404" pitchFamily="49" charset="0"/>
+            </a:endParaRPr>
+          </a:p>
+          <a:p>
+            <a:pPr marL="0" indent="0">
+              <a:buNone/>
+            </a:pPr>
+            <a:r>
+              <a:rPr lang="fr-FR" sz="2000" dirty="0" err="1">
+                <a:latin typeface="Courier New" panose="02070309020205020404" pitchFamily="49" charset="0"/>
+                <a:cs typeface="Courier New" panose="02070309020205020404" pitchFamily="49" charset="0"/>
+              </a:rPr>
+              <a:t>Series</a:t>
+            </a:r>
+            <a:r>
+              <a:rPr lang="fr-FR" sz="2000" dirty="0">
+                <a:latin typeface="Courier New" panose="02070309020205020404" pitchFamily="49" charset="0"/>
+                <a:cs typeface="Courier New" panose="02070309020205020404" pitchFamily="49" charset="0"/>
+              </a:rPr>
+              <a:t> : une valeur par entrée =&gt; une colonne</a:t>
+            </a:r>
+          </a:p>
+          <a:p>
+            <a:pPr marL="0" indent="0">
+              <a:buNone/>
+              <a:tabLst>
+                <a:tab pos="358775" algn="l"/>
+              </a:tabLst>
+            </a:pPr>
+            <a:r>
+              <a:rPr lang="fr-FR" sz="2000" dirty="0">
+                <a:latin typeface="Courier New" panose="02070309020205020404" pitchFamily="49" charset="0"/>
+                <a:cs typeface="Courier New" panose="02070309020205020404" pitchFamily="49" charset="0"/>
+              </a:rPr>
+              <a:t>	</a:t>
+            </a:r>
+            <a:r>
+              <a:rPr lang="en-US" sz="2000" dirty="0">
+                <a:latin typeface="Courier New" panose="02070309020205020404" pitchFamily="49" charset="0"/>
+                <a:cs typeface="Courier New" panose="02070309020205020404" pitchFamily="49" charset="0"/>
+              </a:rPr>
+              <a:t>calories = {"day1": 1420, "day2": 1380, "day3": 1390}</a:t>
+            </a:r>
+          </a:p>
+          <a:p>
+            <a:pPr marL="0" indent="0">
+              <a:buNone/>
+              <a:tabLst>
+                <a:tab pos="358775" algn="l"/>
+              </a:tabLst>
+            </a:pPr>
+            <a:r>
+              <a:rPr lang="en-US" sz="2000" dirty="0">
+                <a:latin typeface="Courier New" panose="02070309020205020404" pitchFamily="49" charset="0"/>
+                <a:cs typeface="Courier New" panose="02070309020205020404" pitchFamily="49" charset="0"/>
+              </a:rPr>
+              <a:t>	</a:t>
+            </a:r>
+            <a:r>
+              <a:rPr lang="en-US" sz="2000" dirty="0" err="1">
+                <a:latin typeface="Courier New" panose="02070309020205020404" pitchFamily="49" charset="0"/>
+                <a:cs typeface="Courier New" panose="02070309020205020404" pitchFamily="49" charset="0"/>
+              </a:rPr>
+              <a:t>my_serie</a:t>
+            </a:r>
+            <a:r>
+              <a:rPr lang="en-US" sz="2000" dirty="0">
+                <a:latin typeface="Courier New" panose="02070309020205020404" pitchFamily="49" charset="0"/>
+                <a:cs typeface="Courier New" panose="02070309020205020404" pitchFamily="49" charset="0"/>
+              </a:rPr>
+              <a:t> = </a:t>
+            </a:r>
+            <a:r>
+              <a:rPr lang="en-US" sz="2000" dirty="0" err="1">
+                <a:latin typeface="Courier New" panose="02070309020205020404" pitchFamily="49" charset="0"/>
+                <a:cs typeface="Courier New" panose="02070309020205020404" pitchFamily="49" charset="0"/>
+              </a:rPr>
+              <a:t>pd.Serie</a:t>
+            </a:r>
+            <a:r>
+              <a:rPr lang="en-US" sz="2000" dirty="0" err="1">
+                <a:highlight>
+                  <a:srgbClr val="FFFF00"/>
+                </a:highlight>
+                <a:latin typeface="Courier New" panose="02070309020205020404" pitchFamily="49" charset="0"/>
+                <a:cs typeface="Courier New" panose="02070309020205020404" pitchFamily="49" charset="0"/>
+              </a:rPr>
+              <a:t>s</a:t>
+            </a:r>
+            <a:r>
+              <a:rPr lang="en-US" sz="2000" dirty="0">
+                <a:latin typeface="Courier New" panose="02070309020205020404" pitchFamily="49" charset="0"/>
+                <a:cs typeface="Courier New" panose="02070309020205020404" pitchFamily="49" charset="0"/>
+              </a:rPr>
+              <a:t>(calories)</a:t>
+            </a:r>
+            <a:endParaRPr lang="fr-FR" sz="2000" dirty="0">
+              <a:latin typeface="Courier New" panose="02070309020205020404" pitchFamily="49" charset="0"/>
+              <a:cs typeface="Courier New" panose="02070309020205020404" pitchFamily="49" charset="0"/>
+            </a:endParaRPr>
+          </a:p>
+          <a:p>
+            <a:pPr marL="0" indent="0">
+              <a:buNone/>
+            </a:pPr>
+            <a:endParaRPr lang="fr-FR" sz="2000" dirty="0">
+              <a:latin typeface="Courier New" panose="02070309020205020404" pitchFamily="49" charset="0"/>
+              <a:cs typeface="Courier New" panose="02070309020205020404" pitchFamily="49" charset="0"/>
+            </a:endParaRPr>
+          </a:p>
+          <a:p>
+            <a:pPr marL="0" indent="0">
+              <a:buNone/>
+            </a:pPr>
+            <a:r>
+              <a:rPr lang="fr-FR" sz="2000" dirty="0" err="1">
+                <a:latin typeface="Courier New" panose="02070309020205020404" pitchFamily="49" charset="0"/>
+                <a:cs typeface="Courier New" panose="02070309020205020404" pitchFamily="49" charset="0"/>
+              </a:rPr>
+              <a:t>Dataframe</a:t>
+            </a:r>
+            <a:r>
+              <a:rPr lang="fr-FR" sz="2000" dirty="0">
+                <a:latin typeface="Courier New" panose="02070309020205020404" pitchFamily="49" charset="0"/>
+                <a:cs typeface="Courier New" panose="02070309020205020404" pitchFamily="49" charset="0"/>
+              </a:rPr>
+              <a:t> : une ou plusieurs </a:t>
+            </a:r>
+            <a:r>
+              <a:rPr lang="fr-FR" sz="2000" dirty="0" err="1">
+                <a:latin typeface="Courier New" panose="02070309020205020404" pitchFamily="49" charset="0"/>
+                <a:cs typeface="Courier New" panose="02070309020205020404" pitchFamily="49" charset="0"/>
+              </a:rPr>
+              <a:t>valeures</a:t>
+            </a:r>
+            <a:r>
+              <a:rPr lang="fr-FR" sz="2000" dirty="0">
+                <a:latin typeface="Courier New" panose="02070309020205020404" pitchFamily="49" charset="0"/>
+                <a:cs typeface="Courier New" panose="02070309020205020404" pitchFamily="49" charset="0"/>
+              </a:rPr>
+              <a:t> par entrée =&gt; </a:t>
+            </a:r>
+            <a:r>
+              <a:rPr lang="fr-FR" sz="2000">
+                <a:latin typeface="Courier New" panose="02070309020205020404" pitchFamily="49" charset="0"/>
+                <a:cs typeface="Courier New" panose="02070309020205020404" pitchFamily="49" charset="0"/>
+              </a:rPr>
+              <a:t>une matrice</a:t>
+            </a:r>
+            <a:endParaRPr lang="fr-FR" sz="2000" dirty="0">
+              <a:latin typeface="Courier New" panose="02070309020205020404" pitchFamily="49" charset="0"/>
+              <a:cs typeface="Courier New" panose="02070309020205020404" pitchFamily="49" charset="0"/>
+            </a:endParaRPr>
+          </a:p>
+          <a:p>
+            <a:pPr marL="0" indent="0">
+              <a:buNone/>
+              <a:tabLst>
+                <a:tab pos="358775" algn="l"/>
+              </a:tabLst>
+            </a:pPr>
+            <a:r>
+              <a:rPr lang="fr-FR" sz="2000" dirty="0">
+                <a:latin typeface="Courier New" panose="02070309020205020404" pitchFamily="49" charset="0"/>
+                <a:cs typeface="Courier New" panose="02070309020205020404" pitchFamily="49" charset="0"/>
+              </a:rPr>
+              <a:t>	data = {</a:t>
+            </a:r>
+          </a:p>
+          <a:p>
+            <a:pPr marL="0" indent="0">
+              <a:buNone/>
+            </a:pPr>
+            <a:r>
+              <a:rPr lang="fr-FR" sz="2000" dirty="0">
+                <a:latin typeface="Courier New" panose="02070309020205020404" pitchFamily="49" charset="0"/>
+                <a:cs typeface="Courier New" panose="02070309020205020404" pitchFamily="49" charset="0"/>
+              </a:rPr>
+              <a:t>  	"calories": [420, 380, 390],</a:t>
+            </a:r>
+          </a:p>
+          <a:p>
+            <a:pPr marL="0" indent="0">
+              <a:buNone/>
+            </a:pPr>
+            <a:r>
+              <a:rPr lang="fr-FR" sz="2000" dirty="0">
+                <a:latin typeface="Courier New" panose="02070309020205020404" pitchFamily="49" charset="0"/>
+                <a:cs typeface="Courier New" panose="02070309020205020404" pitchFamily="49" charset="0"/>
+              </a:rPr>
+              <a:t>  	"duration": [50, 40, 45]</a:t>
+            </a:r>
+          </a:p>
+          <a:p>
+            <a:pPr marL="0" indent="0">
+              <a:buNone/>
+              <a:tabLst>
+                <a:tab pos="358775" algn="l"/>
+              </a:tabLst>
+            </a:pPr>
+            <a:r>
+              <a:rPr lang="fr-FR" sz="2000" dirty="0">
+                <a:latin typeface="Courier New" panose="02070309020205020404" pitchFamily="49" charset="0"/>
+                <a:cs typeface="Courier New" panose="02070309020205020404" pitchFamily="49" charset="0"/>
+              </a:rPr>
+              <a:t>	}</a:t>
+            </a:r>
+          </a:p>
+          <a:p>
+            <a:pPr marL="0" indent="0">
+              <a:buNone/>
+              <a:tabLst>
+                <a:tab pos="358775" algn="l"/>
+              </a:tabLst>
+            </a:pPr>
+            <a:r>
+              <a:rPr lang="fr-FR" sz="2000" dirty="0">
+                <a:latin typeface="Courier New" panose="02070309020205020404" pitchFamily="49" charset="0"/>
+                <a:cs typeface="Courier New" panose="02070309020205020404" pitchFamily="49" charset="0"/>
+              </a:rPr>
+              <a:t>	</a:t>
+            </a:r>
+            <a:r>
+              <a:rPr lang="fr-FR" sz="2000" dirty="0" err="1">
+                <a:latin typeface="Courier New" panose="02070309020205020404" pitchFamily="49" charset="0"/>
+                <a:cs typeface="Courier New" panose="02070309020205020404" pitchFamily="49" charset="0"/>
+              </a:rPr>
+              <a:t>my_dataframe</a:t>
+            </a:r>
+            <a:r>
+              <a:rPr lang="fr-FR" sz="2000" dirty="0">
+                <a:latin typeface="Courier New" panose="02070309020205020404" pitchFamily="49" charset="0"/>
+                <a:cs typeface="Courier New" panose="02070309020205020404" pitchFamily="49" charset="0"/>
+              </a:rPr>
+              <a:t> = </a:t>
+            </a:r>
+            <a:r>
+              <a:rPr lang="fr-FR" sz="2000" dirty="0" err="1">
+                <a:latin typeface="Courier New" panose="02070309020205020404" pitchFamily="49" charset="0"/>
+                <a:cs typeface="Courier New" panose="02070309020205020404" pitchFamily="49" charset="0"/>
+              </a:rPr>
+              <a:t>pd.DataFrame</a:t>
+            </a:r>
+            <a:r>
+              <a:rPr lang="fr-FR" sz="2000" dirty="0">
+                <a:latin typeface="Courier New" panose="02070309020205020404" pitchFamily="49" charset="0"/>
+                <a:cs typeface="Courier New" panose="02070309020205020404" pitchFamily="49" charset="0"/>
+              </a:rPr>
+              <a:t>(data) </a:t>
+            </a:r>
+          </a:p>
+        </p:txBody>
+      </p:sp>
+    </p:spTree>
+    <p:extLst>
+      <p:ext uri="{BB962C8B-B14F-4D97-AF65-F5344CB8AC3E}">
+        <p14:creationId xmlns:p14="http://schemas.microsoft.com/office/powerpoint/2010/main" val="3773493551"/>
+      </p:ext>
+    </p:extLst>
+  </p:cSld>
+  <p:clrMapOvr>
+    <a:masterClrMapping/>
+  </p:clrMapOvr>
+</p:sld>
+</file>
+
 <file path=ppt/slides/slide29.xml><?xml version="1.0" encoding="utf-8"?>
 <p:sld xmlns:a="http://schemas.openxmlformats.org/drawingml/2006/main" xmlns:r="http://schemas.openxmlformats.org/officeDocument/2006/relationships" xmlns:p="http://schemas.openxmlformats.org/presentationml/2006/main">
   <p:cSld>
@@ -12261,7 +12373,7 @@
           <a:p>
             <a:r>
               <a:rPr lang="fr-FR" dirty="0"/>
-              <a:t>Jour 4 - Python</a:t>
+              <a:t>Jour 5 - Python</a:t>
             </a:r>
           </a:p>
         </p:txBody>
@@ -12294,7 +12406,7 @@
     </p:spTree>
     <p:extLst>
       <p:ext uri="{BB962C8B-B14F-4D97-AF65-F5344CB8AC3E}">
-        <p14:creationId xmlns:p14="http://schemas.microsoft.com/office/powerpoint/2010/main" val="2840825790"/>
+        <p14:creationId xmlns:p14="http://schemas.microsoft.com/office/powerpoint/2010/main" val="520502856"/>
       </p:ext>
     </p:extLst>
   </p:cSld>
@@ -12367,7 +12479,9 @@
         </p:nvSpPr>
         <p:spPr/>
         <p:txBody>
-          <a:bodyPr/>
+          <a:bodyPr>
+            <a:normAutofit/>
+          </a:bodyPr>
           <a:lstStyle/>
           <a:p>
             <a:r>
@@ -12407,6 +12521,29 @@
               <a:t>https://www.w3schools.com/</a:t>
             </a:r>
             <a:endParaRPr lang="fr-FR" dirty="0"/>
+          </a:p>
+          <a:p>
+            <a:pPr lvl="1"/>
+            <a:r>
+              <a:rPr lang="fr-FR" dirty="0"/>
+              <a:t>Facile à lire sur téléphone</a:t>
+            </a:r>
+          </a:p>
+          <a:p>
+            <a:endParaRPr lang="fr-FR" dirty="0"/>
+          </a:p>
+          <a:p>
+            <a:r>
+              <a:rPr lang="fr-FR" dirty="0"/>
+              <a:t>Gardez JULIE sur l'accueil de votre téléphone</a:t>
+            </a:r>
+          </a:p>
+          <a:p>
+            <a:pPr lvl="1"/>
+            <a:r>
+              <a:rPr lang="fr-FR" dirty="0"/>
+              <a:t>Facile à lire et à relire</a:t>
+            </a:r>
           </a:p>
           <a:p>
             <a:endParaRPr lang="fr-FR" dirty="0"/>
@@ -12451,89 +12588,6 @@
           <p:cNvPr id="2" name="Titre 1">
             <a:extLst>
               <a:ext uri="{FF2B5EF4-FFF2-40B4-BE49-F238E27FC236}">
-                <a16:creationId xmlns:a16="http://schemas.microsoft.com/office/drawing/2014/main" id="{4327B0F6-1A5B-4847-7A58-20233A61F46E}"/>
-              </a:ext>
-            </a:extLst>
-          </p:cNvPr>
-          <p:cNvSpPr>
-            <a:spLocks noGrp="1"/>
-          </p:cNvSpPr>
-          <p:nvPr>
-            <p:ph type="title"/>
-          </p:nvPr>
-        </p:nvSpPr>
-        <p:spPr/>
-        <p:txBody>
-          <a:bodyPr/>
-          <a:lstStyle/>
-          <a:p>
-            <a:r>
-              <a:rPr lang="fr-FR" dirty="0"/>
-              <a:t>Jour 5 - Python</a:t>
-            </a:r>
-          </a:p>
-        </p:txBody>
-      </p:sp>
-      <p:sp>
-        <p:nvSpPr>
-          <p:cNvPr id="4" name="Espace réservé du texte 3">
-            <a:extLst>
-              <a:ext uri="{FF2B5EF4-FFF2-40B4-BE49-F238E27FC236}">
-                <a16:creationId xmlns:a16="http://schemas.microsoft.com/office/drawing/2014/main" id="{C1EA2EEB-7222-2FBA-8E04-DC483D6F5D21}"/>
-              </a:ext>
-            </a:extLst>
-          </p:cNvPr>
-          <p:cNvSpPr>
-            <a:spLocks noGrp="1"/>
-          </p:cNvSpPr>
-          <p:nvPr>
-            <p:ph type="body" idx="1"/>
-          </p:nvPr>
-        </p:nvSpPr>
-        <p:spPr/>
-        <p:txBody>
-          <a:bodyPr/>
-          <a:lstStyle/>
-          <a:p>
-            <a:endParaRPr lang="fr-FR"/>
-          </a:p>
-        </p:txBody>
-      </p:sp>
-    </p:spTree>
-    <p:extLst>
-      <p:ext uri="{BB962C8B-B14F-4D97-AF65-F5344CB8AC3E}">
-        <p14:creationId xmlns:p14="http://schemas.microsoft.com/office/powerpoint/2010/main" val="520502856"/>
-      </p:ext>
-    </p:extLst>
-  </p:cSld>
-  <p:clrMapOvr>
-    <a:masterClrMapping/>
-  </p:clrMapOvr>
-</p:sld>
-</file>
-
-<file path=ppt/slides/slide31.xml><?xml version="1.0" encoding="utf-8"?>
-<p:sld xmlns:a="http://schemas.openxmlformats.org/drawingml/2006/main" xmlns:r="http://schemas.openxmlformats.org/officeDocument/2006/relationships" xmlns:p="http://schemas.openxmlformats.org/presentationml/2006/main">
-  <p:cSld>
-    <p:spTree>
-      <p:nvGrpSpPr>
-        <p:cNvPr id="1" name=""/>
-        <p:cNvGrpSpPr/>
-        <p:nvPr/>
-      </p:nvGrpSpPr>
-      <p:grpSpPr>
-        <a:xfrm>
-          <a:off x="0" y="0"/>
-          <a:ext cx="0" cy="0"/>
-          <a:chOff x="0" y="0"/>
-          <a:chExt cx="0" cy="0"/>
-        </a:xfrm>
-      </p:grpSpPr>
-      <p:sp>
-        <p:nvSpPr>
-          <p:cNvPr id="2" name="Titre 1">
-            <a:extLst>
-              <a:ext uri="{FF2B5EF4-FFF2-40B4-BE49-F238E27FC236}">
                 <a16:creationId xmlns:a16="http://schemas.microsoft.com/office/drawing/2014/main" id="{0BCFD69C-E24C-9E0B-E968-C0BE366E6AE4}"/>
               </a:ext>
             </a:extLst>
@@ -12595,7 +12649,7 @@
 </p:sld>
 </file>
 
-<file path=ppt/slides/slide32.xml><?xml version="1.0" encoding="utf-8"?>
+<file path=ppt/slides/slide31.xml><?xml version="1.0" encoding="utf-8"?>
 <p:sld xmlns:a="http://schemas.openxmlformats.org/drawingml/2006/main" xmlns:r="http://schemas.openxmlformats.org/officeDocument/2006/relationships" xmlns:p="http://schemas.openxmlformats.org/presentationml/2006/main">
   <p:cSld>
     <p:spTree>
@@ -13021,7 +13075,7 @@
 </p:sld>
 </file>
 
-<file path=ppt/slides/slide33.xml><?xml version="1.0" encoding="utf-8"?>
+<file path=ppt/slides/slide32.xml><?xml version="1.0" encoding="utf-8"?>
 <p:sld xmlns:a="http://schemas.openxmlformats.org/drawingml/2006/main" xmlns:r="http://schemas.openxmlformats.org/officeDocument/2006/relationships" xmlns:p="http://schemas.openxmlformats.org/presentationml/2006/main">
   <p:cSld>
     <p:spTree>
@@ -14631,7 +14685,7 @@
 </p:sld>
 </file>
 
-<file path=ppt/slides/slide34.xml><?xml version="1.0" encoding="utf-8"?>
+<file path=ppt/slides/slide33.xml><?xml version="1.0" encoding="utf-8"?>
 <p:sld xmlns:a="http://schemas.openxmlformats.org/drawingml/2006/main" xmlns:r="http://schemas.openxmlformats.org/officeDocument/2006/relationships" xmlns:p="http://schemas.openxmlformats.org/presentationml/2006/main">
   <p:cSld>
     <p:spTree>
@@ -14875,6 +14929,392 @@
     <p:extLst>
       <p:ext uri="{BB962C8B-B14F-4D97-AF65-F5344CB8AC3E}">
         <p14:creationId xmlns:p14="http://schemas.microsoft.com/office/powerpoint/2010/main" val="2053994929"/>
+      </p:ext>
+    </p:extLst>
+  </p:cSld>
+  <p:clrMapOvr>
+    <a:masterClrMapping/>
+  </p:clrMapOvr>
+</p:sld>
+</file>
+
+<file path=ppt/slides/slide34.xml><?xml version="1.0" encoding="utf-8"?>
+<p:sld xmlns:a="http://schemas.openxmlformats.org/drawingml/2006/main" xmlns:r="http://schemas.openxmlformats.org/officeDocument/2006/relationships" xmlns:p="http://schemas.openxmlformats.org/presentationml/2006/main">
+  <p:cSld>
+    <p:spTree>
+      <p:nvGrpSpPr>
+        <p:cNvPr id="1" name=""/>
+        <p:cNvGrpSpPr/>
+        <p:nvPr/>
+      </p:nvGrpSpPr>
+      <p:grpSpPr>
+        <a:xfrm>
+          <a:off x="0" y="0"/>
+          <a:ext cx="0" cy="0"/>
+          <a:chOff x="0" y="0"/>
+          <a:chExt cx="0" cy="0"/>
+        </a:xfrm>
+      </p:grpSpPr>
+      <p:sp>
+        <p:nvSpPr>
+          <p:cNvPr id="2" name="Titre 1">
+            <a:extLst>
+              <a:ext uri="{FF2B5EF4-FFF2-40B4-BE49-F238E27FC236}">
+                <a16:creationId xmlns:a16="http://schemas.microsoft.com/office/drawing/2014/main" id="{67D76BF7-5DA0-96C7-C5A3-DE9373E58BCA}"/>
+              </a:ext>
+            </a:extLst>
+          </p:cNvPr>
+          <p:cNvSpPr>
+            <a:spLocks noGrp="1"/>
+          </p:cNvSpPr>
+          <p:nvPr>
+            <p:ph type="title"/>
+          </p:nvPr>
+        </p:nvSpPr>
+        <p:spPr/>
+        <p:txBody>
+          <a:bodyPr/>
+          <a:lstStyle/>
+          <a:p>
+            <a:r>
+              <a:rPr lang="fr-FR" dirty="0"/>
+              <a:t>FAQ</a:t>
+            </a:r>
+          </a:p>
+        </p:txBody>
+      </p:sp>
+      <p:sp>
+        <p:nvSpPr>
+          <p:cNvPr id="3" name="Espace réservé du contenu 2">
+            <a:extLst>
+              <a:ext uri="{FF2B5EF4-FFF2-40B4-BE49-F238E27FC236}">
+                <a16:creationId xmlns:a16="http://schemas.microsoft.com/office/drawing/2014/main" id="{7408F3CF-1168-6251-666C-AA299171FDBD}"/>
+              </a:ext>
+            </a:extLst>
+          </p:cNvPr>
+          <p:cNvSpPr>
+            <a:spLocks noGrp="1"/>
+          </p:cNvSpPr>
+          <p:nvPr>
+            <p:ph idx="1"/>
+          </p:nvPr>
+        </p:nvSpPr>
+        <p:spPr/>
+        <p:txBody>
+          <a:bodyPr>
+            <a:normAutofit/>
+          </a:bodyPr>
+          <a:lstStyle/>
+          <a:p>
+            <a:r>
+              <a:rPr lang="fr-FR" dirty="0"/>
+              <a:t>Quand utiliser les indices vs les noms des colonnes ?</a:t>
+            </a:r>
+          </a:p>
+          <a:p>
+            <a:pPr lvl="1"/>
+            <a:r>
+              <a:rPr lang="it-IT" sz="1600" dirty="0">
+                <a:latin typeface="Courier New" panose="02070309020205020404" pitchFamily="49" charset="0"/>
+                <a:cs typeface="Courier New" panose="02070309020205020404" pitchFamily="49" charset="0"/>
+              </a:rPr>
+              <a:t>X_prime = df.iloc[:, [0,1,2]]</a:t>
+            </a:r>
+          </a:p>
+          <a:p>
+            <a:pPr lvl="1"/>
+            <a:r>
+              <a:rPr lang="en-US" sz="1600" dirty="0" err="1">
+                <a:latin typeface="Courier New" panose="02070309020205020404" pitchFamily="49" charset="0"/>
+                <a:cs typeface="Courier New" panose="02070309020205020404" pitchFamily="49" charset="0"/>
+              </a:rPr>
+              <a:t>features_list</a:t>
+            </a:r>
+            <a:r>
+              <a:rPr lang="en-US" sz="1600" dirty="0">
+                <a:latin typeface="Courier New" panose="02070309020205020404" pitchFamily="49" charset="0"/>
+                <a:cs typeface="Courier New" panose="02070309020205020404" pitchFamily="49" charset="0"/>
+              </a:rPr>
+              <a:t> = ["Country", "Age", "Salary"]</a:t>
+            </a:r>
+            <a:br>
+              <a:rPr lang="en-US" sz="1600" dirty="0">
+                <a:latin typeface="Courier New" panose="02070309020205020404" pitchFamily="49" charset="0"/>
+                <a:cs typeface="Courier New" panose="02070309020205020404" pitchFamily="49" charset="0"/>
+              </a:rPr>
+            </a:br>
+            <a:r>
+              <a:rPr lang="en-US" sz="1600" dirty="0">
+                <a:latin typeface="Courier New" panose="02070309020205020404" pitchFamily="49" charset="0"/>
+                <a:cs typeface="Courier New" panose="02070309020205020404" pitchFamily="49" charset="0"/>
+              </a:rPr>
+              <a:t>X = </a:t>
+            </a:r>
+            <a:r>
+              <a:rPr lang="en-US" sz="1600" dirty="0" err="1">
+                <a:latin typeface="Courier New" panose="02070309020205020404" pitchFamily="49" charset="0"/>
+                <a:cs typeface="Courier New" panose="02070309020205020404" pitchFamily="49" charset="0"/>
+              </a:rPr>
+              <a:t>df.loc</a:t>
+            </a:r>
+            <a:r>
+              <a:rPr lang="en-US" sz="1600" dirty="0">
+                <a:latin typeface="Courier New" panose="02070309020205020404" pitchFamily="49" charset="0"/>
+                <a:cs typeface="Courier New" panose="02070309020205020404" pitchFamily="49" charset="0"/>
+              </a:rPr>
+              <a:t>[:, </a:t>
+            </a:r>
+            <a:r>
+              <a:rPr lang="en-US" sz="1600" dirty="0" err="1">
+                <a:latin typeface="Courier New" panose="02070309020205020404" pitchFamily="49" charset="0"/>
+                <a:cs typeface="Courier New" panose="02070309020205020404" pitchFamily="49" charset="0"/>
+              </a:rPr>
+              <a:t>features_list</a:t>
+            </a:r>
+            <a:r>
+              <a:rPr lang="en-US" sz="1600" dirty="0">
+                <a:latin typeface="Courier New" panose="02070309020205020404" pitchFamily="49" charset="0"/>
+                <a:cs typeface="Courier New" panose="02070309020205020404" pitchFamily="49" charset="0"/>
+              </a:rPr>
+              <a:t>]</a:t>
+            </a:r>
+          </a:p>
+          <a:p>
+            <a:pPr lvl="1"/>
+            <a:r>
+              <a:rPr lang="en-US" dirty="0"/>
+              <a:t>Si on </a:t>
+            </a:r>
+            <a:r>
+              <a:rPr lang="en-US" dirty="0" err="1"/>
+              <a:t>supprime</a:t>
+            </a:r>
+            <a:r>
+              <a:rPr lang="en-US" dirty="0"/>
+              <a:t> </a:t>
+            </a:r>
+            <a:r>
+              <a:rPr lang="en-US" dirty="0" err="1"/>
+              <a:t>d’autres</a:t>
+            </a:r>
+            <a:r>
+              <a:rPr lang="en-US" dirty="0"/>
+              <a:t> </a:t>
+            </a:r>
+            <a:r>
+              <a:rPr lang="en-US" dirty="0" err="1"/>
+              <a:t>colonnes</a:t>
+            </a:r>
+            <a:r>
+              <a:rPr lang="en-US" dirty="0"/>
+              <a:t>, </a:t>
+            </a:r>
+            <a:r>
+              <a:rPr lang="en-US" dirty="0" err="1"/>
+              <a:t>tous</a:t>
+            </a:r>
+            <a:r>
+              <a:rPr lang="en-US" dirty="0"/>
+              <a:t> les indices </a:t>
+            </a:r>
+            <a:r>
+              <a:rPr lang="en-US" dirty="0" err="1"/>
+              <a:t>changent</a:t>
+            </a:r>
+            <a:r>
+              <a:rPr lang="en-US" dirty="0"/>
+              <a:t>. Pas facile </a:t>
+            </a:r>
+            <a:r>
+              <a:rPr lang="en-US" dirty="0" err="1"/>
+              <a:t>alors</a:t>
+            </a:r>
+            <a:r>
+              <a:rPr lang="en-US" dirty="0"/>
+              <a:t> de faire un </a:t>
+            </a:r>
+            <a:r>
+              <a:rPr lang="en-US" sz="1600" dirty="0" err="1">
+                <a:latin typeface="Courier New" panose="02070309020205020404" pitchFamily="49" charset="0"/>
+                <a:cs typeface="Courier New" panose="02070309020205020404" pitchFamily="49" charset="0"/>
+              </a:rPr>
+              <a:t>ax.scatter</a:t>
+            </a:r>
+            <a:r>
+              <a:rPr lang="en-US" sz="1600" dirty="0">
+                <a:latin typeface="Courier New" panose="02070309020205020404" pitchFamily="49" charset="0"/>
+                <a:cs typeface="Courier New" panose="02070309020205020404" pitchFamily="49" charset="0"/>
+              </a:rPr>
+              <a:t>(</a:t>
+            </a:r>
+            <a:r>
+              <a:rPr lang="en-US" sz="1600" dirty="0" err="1">
+                <a:latin typeface="Courier New" panose="02070309020205020404" pitchFamily="49" charset="0"/>
+                <a:cs typeface="Courier New" panose="02070309020205020404" pitchFamily="49" charset="0"/>
+              </a:rPr>
+              <a:t>X_test</a:t>
+            </a:r>
+            <a:r>
+              <a:rPr lang="en-US" sz="1600" dirty="0">
+                <a:latin typeface="Courier New" panose="02070309020205020404" pitchFamily="49" charset="0"/>
+                <a:cs typeface="Courier New" panose="02070309020205020404" pitchFamily="49" charset="0"/>
+              </a:rPr>
+              <a:t>[:,3], </a:t>
+            </a:r>
+            <a:r>
+              <a:rPr lang="en-US" sz="1600" dirty="0" err="1">
+                <a:latin typeface="Courier New" panose="02070309020205020404" pitchFamily="49" charset="0"/>
+                <a:cs typeface="Courier New" panose="02070309020205020404" pitchFamily="49" charset="0"/>
+              </a:rPr>
+              <a:t>y_test</a:t>
+            </a:r>
+            <a:r>
+              <a:rPr lang="en-US" sz="1600" dirty="0">
+                <a:latin typeface="Courier New" panose="02070309020205020404" pitchFamily="49" charset="0"/>
+                <a:cs typeface="Courier New" panose="02070309020205020404" pitchFamily="49" charset="0"/>
+              </a:rPr>
+              <a:t>)</a:t>
+            </a:r>
+            <a:r>
+              <a:rPr lang="en-US" dirty="0"/>
+              <a:t> </a:t>
+            </a:r>
+          </a:p>
+          <a:p>
+            <a:pPr lvl="1"/>
+            <a:r>
+              <a:rPr lang="en-US" dirty="0" err="1"/>
+              <a:t>Pensez</a:t>
+            </a:r>
+            <a:r>
+              <a:rPr lang="en-US" dirty="0"/>
+              <a:t> à la </a:t>
+            </a:r>
+            <a:r>
+              <a:rPr lang="en-US" dirty="0" err="1"/>
+              <a:t>relecture</a:t>
+            </a:r>
+            <a:r>
+              <a:rPr lang="en-US" dirty="0"/>
+              <a:t> du code dans 6 </a:t>
+            </a:r>
+            <a:r>
+              <a:rPr lang="en-US" dirty="0" err="1"/>
+              <a:t>mois</a:t>
+            </a:r>
+            <a:r>
+              <a:rPr lang="en-US" dirty="0"/>
+              <a:t>. </a:t>
+            </a:r>
+            <a:r>
+              <a:rPr lang="en-US" dirty="0" err="1"/>
+              <a:t>Qu’est-ce</a:t>
+            </a:r>
+            <a:r>
+              <a:rPr lang="en-US" dirty="0"/>
+              <a:t> qui </a:t>
+            </a:r>
+            <a:r>
+              <a:rPr lang="en-US" dirty="0" err="1"/>
+              <a:t>est</a:t>
+            </a:r>
+            <a:r>
+              <a:rPr lang="en-US" dirty="0"/>
+              <a:t> le plus facile à </a:t>
+            </a:r>
+            <a:r>
+              <a:rPr lang="en-US" dirty="0" err="1"/>
+              <a:t>relire</a:t>
+            </a:r>
+            <a:r>
+              <a:rPr lang="en-US" dirty="0"/>
+              <a:t> ?</a:t>
+            </a:r>
+          </a:p>
+          <a:p>
+            <a:r>
+              <a:rPr lang="en-US" dirty="0" err="1"/>
+              <a:t>LabelEncoder</a:t>
+            </a:r>
+            <a:r>
+              <a:rPr lang="en-US" dirty="0"/>
+              <a:t> ?</a:t>
+            </a:r>
+          </a:p>
+          <a:p>
+            <a:pPr lvl="1"/>
+            <a:r>
+              <a:rPr lang="fr-FR" sz="1600" dirty="0" err="1">
+                <a:latin typeface="Courier New" panose="02070309020205020404" pitchFamily="49" charset="0"/>
+                <a:cs typeface="Courier New" panose="02070309020205020404" pitchFamily="49" charset="0"/>
+              </a:rPr>
+              <a:t>y_train</a:t>
+            </a:r>
+            <a:r>
+              <a:rPr lang="fr-FR" sz="1600" dirty="0">
+                <a:latin typeface="Courier New" panose="02070309020205020404" pitchFamily="49" charset="0"/>
+                <a:cs typeface="Courier New" panose="02070309020205020404" pitchFamily="49" charset="0"/>
+              </a:rPr>
+              <a:t> = </a:t>
+            </a:r>
+            <a:r>
+              <a:rPr lang="fr-FR" sz="1600" dirty="0" err="1">
+                <a:latin typeface="Courier New" panose="02070309020205020404" pitchFamily="49" charset="0"/>
+                <a:cs typeface="Courier New" panose="02070309020205020404" pitchFamily="49" charset="0"/>
+              </a:rPr>
+              <a:t>labelencoder.fit_transform</a:t>
+            </a:r>
+            <a:r>
+              <a:rPr lang="fr-FR" sz="1600" dirty="0">
+                <a:latin typeface="Courier New" panose="02070309020205020404" pitchFamily="49" charset="0"/>
+                <a:cs typeface="Courier New" panose="02070309020205020404" pitchFamily="49" charset="0"/>
+              </a:rPr>
+              <a:t>(</a:t>
+            </a:r>
+            <a:r>
+              <a:rPr lang="fr-FR" sz="1600" dirty="0" err="1">
+                <a:latin typeface="Courier New" panose="02070309020205020404" pitchFamily="49" charset="0"/>
+                <a:cs typeface="Courier New" panose="02070309020205020404" pitchFamily="49" charset="0"/>
+              </a:rPr>
+              <a:t>y_train</a:t>
+            </a:r>
+            <a:r>
+              <a:rPr lang="fr-FR" sz="1600" dirty="0">
+                <a:latin typeface="Courier New" panose="02070309020205020404" pitchFamily="49" charset="0"/>
+                <a:cs typeface="Courier New" panose="02070309020205020404" pitchFamily="49" charset="0"/>
+              </a:rPr>
+              <a:t>)</a:t>
+            </a:r>
+          </a:p>
+          <a:p>
+            <a:pPr lvl="1"/>
+            <a:r>
+              <a:rPr lang="fr-FR" dirty="0"/>
+              <a:t>Uniquement sur la </a:t>
+            </a:r>
+            <a:r>
+              <a:rPr lang="fr-FR" dirty="0" err="1"/>
+              <a:t>target</a:t>
+            </a:r>
+            <a:r>
+              <a:rPr lang="fr-FR" dirty="0"/>
+              <a:t> quand celle-ci est de type </a:t>
+            </a:r>
+            <a:r>
+              <a:rPr lang="fr-FR" dirty="0" err="1"/>
+              <a:t>discrete</a:t>
+            </a:r>
+            <a:r>
+              <a:rPr lang="fr-FR" dirty="0"/>
+              <a:t> (chien, chat…) </a:t>
+            </a:r>
+          </a:p>
+        </p:txBody>
+      </p:sp>
+    </p:spTree>
+    <p:extLst>
+      <p:ext uri="{BB962C8B-B14F-4D97-AF65-F5344CB8AC3E}">
+        <p14:creationId xmlns:p14="http://schemas.microsoft.com/office/powerpoint/2010/main" val="1725587933"/>
       </p:ext>
     </p:extLst>
   </p:cSld>
@@ -14906,6 +15346,306 @@
           <p:cNvPr id="2" name="Titre 1">
             <a:extLst>
               <a:ext uri="{FF2B5EF4-FFF2-40B4-BE49-F238E27FC236}">
+                <a16:creationId xmlns:a16="http://schemas.microsoft.com/office/drawing/2014/main" id="{18E5830E-96ED-9DF4-359F-F1CBFD6C7517}"/>
+              </a:ext>
+            </a:extLst>
+          </p:cNvPr>
+          <p:cNvSpPr>
+            <a:spLocks noGrp="1"/>
+          </p:cNvSpPr>
+          <p:nvPr>
+            <p:ph type="title"/>
+          </p:nvPr>
+        </p:nvSpPr>
+        <p:spPr/>
+        <p:txBody>
+          <a:bodyPr/>
+          <a:lstStyle/>
+          <a:p>
+            <a:r>
+              <a:rPr lang="fr-FR" dirty="0"/>
+              <a:t>FAQ</a:t>
+            </a:r>
+          </a:p>
+        </p:txBody>
+      </p:sp>
+      <p:sp>
+        <p:nvSpPr>
+          <p:cNvPr id="3" name="Espace réservé du contenu 2">
+            <a:extLst>
+              <a:ext uri="{FF2B5EF4-FFF2-40B4-BE49-F238E27FC236}">
+                <a16:creationId xmlns:a16="http://schemas.microsoft.com/office/drawing/2014/main" id="{FB2F845B-A441-D492-A6B6-4DC959609C23}"/>
+              </a:ext>
+            </a:extLst>
+          </p:cNvPr>
+          <p:cNvSpPr>
+            <a:spLocks noGrp="1"/>
+          </p:cNvSpPr>
+          <p:nvPr>
+            <p:ph idx="1"/>
+          </p:nvPr>
+        </p:nvSpPr>
+        <p:spPr/>
+        <p:txBody>
+          <a:bodyPr/>
+          <a:lstStyle/>
+          <a:p>
+            <a:r>
+              <a:rPr lang="fr-FR" dirty="0"/>
+              <a:t>Pourquoi on fait </a:t>
+            </a:r>
+            <a:r>
+              <a:rPr lang="fr-FR" dirty="0" err="1">
+                <a:latin typeface="Courier New" panose="02070309020205020404" pitchFamily="49" charset="0"/>
+                <a:cs typeface="Courier New" panose="02070309020205020404" pitchFamily="49" charset="0"/>
+              </a:rPr>
+              <a:t>featureencoder</a:t>
+            </a:r>
+            <a:r>
+              <a:rPr lang="fr-FR" dirty="0"/>
+              <a:t> sur </a:t>
+            </a:r>
+            <a:r>
+              <a:rPr lang="fr-FR" dirty="0" err="1"/>
+              <a:t>X_train</a:t>
+            </a:r>
+            <a:r>
+              <a:rPr lang="fr-FR" dirty="0"/>
+              <a:t> puis sur </a:t>
+            </a:r>
+            <a:r>
+              <a:rPr lang="fr-FR" dirty="0" err="1"/>
+              <a:t>X_test</a:t>
+            </a:r>
+            <a:r>
+              <a:rPr lang="fr-FR" dirty="0"/>
+              <a:t> et pas sur X tout entier avant de splitter?</a:t>
+            </a:r>
+          </a:p>
+          <a:p>
+            <a:pPr lvl="1"/>
+            <a:r>
+              <a:rPr lang="fr-FR" dirty="0"/>
+              <a:t>Si on remplace une valeur manquante par la moyenne on utilise la moyenne de toute la colonne et pas la moyenne de </a:t>
+            </a:r>
+            <a:r>
+              <a:rPr lang="fr-FR" dirty="0" err="1"/>
+              <a:t>X_train</a:t>
+            </a:r>
+            <a:r>
+              <a:rPr lang="fr-FR" dirty="0"/>
+              <a:t> ou de </a:t>
+            </a:r>
+            <a:r>
+              <a:rPr lang="fr-FR" dirty="0" err="1"/>
+              <a:t>X_test</a:t>
+            </a:r>
+            <a:endParaRPr lang="fr-FR" dirty="0"/>
+          </a:p>
+        </p:txBody>
+      </p:sp>
+    </p:spTree>
+    <p:extLst>
+      <p:ext uri="{BB962C8B-B14F-4D97-AF65-F5344CB8AC3E}">
+        <p14:creationId xmlns:p14="http://schemas.microsoft.com/office/powerpoint/2010/main" val="4183092790"/>
+      </p:ext>
+    </p:extLst>
+  </p:cSld>
+  <p:clrMapOvr>
+    <a:masterClrMapping/>
+  </p:clrMapOvr>
+</p:sld>
+</file>
+
+<file path=ppt/slides/slide36.xml><?xml version="1.0" encoding="utf-8"?>
+<p:sld xmlns:a="http://schemas.openxmlformats.org/drawingml/2006/main" xmlns:r="http://schemas.openxmlformats.org/officeDocument/2006/relationships" xmlns:p="http://schemas.openxmlformats.org/presentationml/2006/main">
+  <p:cSld>
+    <p:bg>
+      <p:bgRef idx="1001">
+        <a:schemeClr val="bg1"/>
+      </p:bgRef>
+    </p:bg>
+    <p:spTree>
+      <p:nvGrpSpPr>
+        <p:cNvPr id="1" name=""/>
+        <p:cNvGrpSpPr/>
+        <p:nvPr/>
+      </p:nvGrpSpPr>
+      <p:grpSpPr>
+        <a:xfrm>
+          <a:off x="0" y="0"/>
+          <a:ext cx="0" cy="0"/>
+          <a:chOff x="0" y="0"/>
+          <a:chExt cx="0" cy="0"/>
+        </a:xfrm>
+      </p:grpSpPr>
+      <p:sp>
+        <p:nvSpPr>
+          <p:cNvPr id="2" name="Titre 1">
+            <a:extLst>
+              <a:ext uri="{FF2B5EF4-FFF2-40B4-BE49-F238E27FC236}">
+                <a16:creationId xmlns:a16="http://schemas.microsoft.com/office/drawing/2014/main" id="{562C079C-6E96-0857-BE99-02DF37710FFB}"/>
+              </a:ext>
+            </a:extLst>
+          </p:cNvPr>
+          <p:cNvSpPr>
+            <a:spLocks noGrp="1"/>
+          </p:cNvSpPr>
+          <p:nvPr>
+            <p:ph type="title"/>
+          </p:nvPr>
+        </p:nvSpPr>
+        <p:spPr/>
+        <p:txBody>
+          <a:bodyPr/>
+          <a:lstStyle/>
+          <a:p>
+            <a:r>
+              <a:rPr lang="fr-FR" dirty="0"/>
+              <a:t>FAQ</a:t>
+            </a:r>
+          </a:p>
+        </p:txBody>
+      </p:sp>
+      <p:sp>
+        <p:nvSpPr>
+          <p:cNvPr id="3" name="Espace réservé du contenu 2">
+            <a:extLst>
+              <a:ext uri="{FF2B5EF4-FFF2-40B4-BE49-F238E27FC236}">
+                <a16:creationId xmlns:a16="http://schemas.microsoft.com/office/drawing/2014/main" id="{6519D101-60A4-12D3-B281-12119D7EE5BD}"/>
+              </a:ext>
+            </a:extLst>
+          </p:cNvPr>
+          <p:cNvSpPr>
+            <a:spLocks noGrp="1"/>
+          </p:cNvSpPr>
+          <p:nvPr>
+            <p:ph idx="1"/>
+          </p:nvPr>
+        </p:nvSpPr>
+        <p:spPr/>
+        <p:txBody>
+          <a:bodyPr/>
+          <a:lstStyle/>
+          <a:p>
+            <a:r>
+              <a:rPr lang="fr-FR" dirty="0"/>
+              <a:t>Comment m'y retrouver dans les modèles à utiliser?</a:t>
+            </a:r>
+          </a:p>
+          <a:p>
+            <a:r>
+              <a:rPr lang="fr-FR" sz="1800" dirty="0">
+                <a:latin typeface="Courier New" panose="02070309020205020404" pitchFamily="49" charset="0"/>
+                <a:cs typeface="Courier New" panose="02070309020205020404" pitchFamily="49" charset="0"/>
+                <a:hlinkClick r:id="rId3"/>
+              </a:rPr>
+              <a:t>https://scikit-learn.org/stable/tutorial/machine_learning_map/index.html</a:t>
+            </a:r>
+            <a:endParaRPr lang="fr-FR" sz="1800" dirty="0">
+              <a:latin typeface="Courier New" panose="02070309020205020404" pitchFamily="49" charset="0"/>
+              <a:cs typeface="Courier New" panose="02070309020205020404" pitchFamily="49" charset="0"/>
+            </a:endParaRPr>
+          </a:p>
+          <a:p>
+            <a:endParaRPr lang="fr-FR" sz="1800" dirty="0">
+              <a:latin typeface="Courier New" panose="02070309020205020404" pitchFamily="49" charset="0"/>
+              <a:cs typeface="Courier New" panose="02070309020205020404" pitchFamily="49" charset="0"/>
+            </a:endParaRPr>
+          </a:p>
+          <a:p>
+            <a:endParaRPr lang="fr-FR" dirty="0"/>
+          </a:p>
+        </p:txBody>
+      </p:sp>
+      <p:pic>
+        <p:nvPicPr>
+          <p:cNvPr id="1028" name="Picture 4" descr="Move mouse over image">
+            <a:extLst>
+              <a:ext uri="{FF2B5EF4-FFF2-40B4-BE49-F238E27FC236}">
+                <a16:creationId xmlns:a16="http://schemas.microsoft.com/office/drawing/2014/main" id="{E774A131-0297-2494-0815-744E00773C04}"/>
+              </a:ext>
+            </a:extLst>
+          </p:cNvPr>
+          <p:cNvPicPr>
+            <a:picLocks noChangeAspect="1" noChangeArrowheads="1"/>
+          </p:cNvPicPr>
+          <p:nvPr/>
+        </p:nvPicPr>
+        <p:blipFill>
+          <a:blip r:embed="rId4">
+            <a:extLst>
+              <a:ext uri="{28A0092B-C50C-407E-A947-70E740481C1C}">
+                <a14:useLocalDpi xmlns:a14="http://schemas.microsoft.com/office/drawing/2010/main" val="0"/>
+              </a:ext>
+            </a:extLst>
+          </a:blip>
+          <a:srcRect/>
+          <a:stretch>
+            <a:fillRect/>
+          </a:stretch>
+        </p:blipFill>
+        <p:spPr bwMode="auto">
+          <a:xfrm>
+            <a:off x="2924822" y="2836966"/>
+            <a:ext cx="6188295" cy="3858196"/>
+          </a:xfrm>
+          <a:prstGeom prst="rect">
+            <a:avLst/>
+          </a:prstGeom>
+          <a:effectLst>
+            <a:outerShdw blurRad="50800" dist="38100" dir="2700000" algn="tl" rotWithShape="0">
+              <a:prstClr val="black">
+                <a:alpha val="40000"/>
+              </a:prstClr>
+            </a:outerShdw>
+          </a:effectLst>
+          <a:extLst>
+            <a:ext uri="{909E8E84-426E-40DD-AFC4-6F175D3DCCD1}">
+              <a14:hiddenFill xmlns:a14="http://schemas.microsoft.com/office/drawing/2010/main">
+                <a:solidFill>
+                  <a:srgbClr val="FFFFFF"/>
+                </a:solidFill>
+              </a14:hiddenFill>
+            </a:ext>
+          </a:extLst>
+        </p:spPr>
+      </p:pic>
+    </p:spTree>
+    <p:extLst>
+      <p:ext uri="{BB962C8B-B14F-4D97-AF65-F5344CB8AC3E}">
+        <p14:creationId xmlns:p14="http://schemas.microsoft.com/office/powerpoint/2010/main" val="2519583685"/>
+      </p:ext>
+    </p:extLst>
+  </p:cSld>
+  <p:clrMapOvr>
+    <a:overrideClrMapping bg1="lt1" tx1="dk1" bg2="lt2" tx2="dk2" accent1="accent1" accent2="accent2" accent3="accent3" accent4="accent4" accent5="accent5" accent6="accent6" hlink="hlink" folHlink="folHlink"/>
+  </p:clrMapOvr>
+</p:sld>
+</file>
+
+<file path=ppt/slides/slide37.xml><?xml version="1.0" encoding="utf-8"?>
+<p:sld xmlns:a="http://schemas.openxmlformats.org/drawingml/2006/main" xmlns:r="http://schemas.openxmlformats.org/officeDocument/2006/relationships" xmlns:p="http://schemas.openxmlformats.org/presentationml/2006/main">
+  <p:cSld>
+    <p:spTree>
+      <p:nvGrpSpPr>
+        <p:cNvPr id="1" name=""/>
+        <p:cNvGrpSpPr/>
+        <p:nvPr/>
+      </p:nvGrpSpPr>
+      <p:grpSpPr>
+        <a:xfrm>
+          <a:off x="0" y="0"/>
+          <a:ext cx="0" cy="0"/>
+          <a:chOff x="0" y="0"/>
+          <a:chExt cx="0" cy="0"/>
+        </a:xfrm>
+      </p:grpSpPr>
+      <p:sp>
+        <p:nvSpPr>
+          <p:cNvPr id="2" name="Titre 1">
+            <a:extLst>
+              <a:ext uri="{FF2B5EF4-FFF2-40B4-BE49-F238E27FC236}">
                 <a16:creationId xmlns:a16="http://schemas.microsoft.com/office/drawing/2014/main" id="{97BC7E4F-90AC-4202-74B9-10B2FB34171C}"/>
               </a:ext>
             </a:extLst>
@@ -14967,7 +15707,7 @@
 </p:sld>
 </file>
 
-<file path=ppt/slides/slide36.xml><?xml version="1.0" encoding="utf-8"?>
+<file path=ppt/slides/slide38.xml><?xml version="1.0" encoding="utf-8"?>
 <p:sld xmlns:a="http://schemas.openxmlformats.org/drawingml/2006/main" xmlns:r="http://schemas.openxmlformats.org/officeDocument/2006/relationships" xmlns:p="http://schemas.openxmlformats.org/presentationml/2006/main">
   <p:cSld>
     <p:spTree>
@@ -15655,532 +16395,6 @@
 </p:sld>
 </file>
 
-<file path=ppt/slides/slide37.xml><?xml version="1.0" encoding="utf-8"?>
-<p:sld xmlns:a="http://schemas.openxmlformats.org/drawingml/2006/main" xmlns:r="http://schemas.openxmlformats.org/officeDocument/2006/relationships" xmlns:p="http://schemas.openxmlformats.org/presentationml/2006/main">
-  <p:cSld>
-    <p:spTree>
-      <p:nvGrpSpPr>
-        <p:cNvPr id="1" name=""/>
-        <p:cNvGrpSpPr/>
-        <p:nvPr/>
-      </p:nvGrpSpPr>
-      <p:grpSpPr>
-        <a:xfrm>
-          <a:off x="0" y="0"/>
-          <a:ext cx="0" cy="0"/>
-          <a:chOff x="0" y="0"/>
-          <a:chExt cx="0" cy="0"/>
-        </a:xfrm>
-      </p:grpSpPr>
-      <p:sp>
-        <p:nvSpPr>
-          <p:cNvPr id="2" name="Titre 1">
-            <a:extLst>
-              <a:ext uri="{FF2B5EF4-FFF2-40B4-BE49-F238E27FC236}">
-                <a16:creationId xmlns:a16="http://schemas.microsoft.com/office/drawing/2014/main" id="{77EAEFC5-77FE-9822-72C3-62FB2337FE34}"/>
-              </a:ext>
-            </a:extLst>
-          </p:cNvPr>
-          <p:cNvSpPr>
-            <a:spLocks noGrp="1"/>
-          </p:cNvSpPr>
-          <p:nvPr>
-            <p:ph type="title"/>
-          </p:nvPr>
-        </p:nvSpPr>
-        <p:spPr/>
-        <p:txBody>
-          <a:bodyPr/>
-          <a:lstStyle/>
-          <a:p>
-            <a:endParaRPr lang="fr-FR"/>
-          </a:p>
-        </p:txBody>
-      </p:sp>
-      <p:sp>
-        <p:nvSpPr>
-          <p:cNvPr id="3" name="Espace réservé du contenu 2">
-            <a:extLst>
-              <a:ext uri="{FF2B5EF4-FFF2-40B4-BE49-F238E27FC236}">
-                <a16:creationId xmlns:a16="http://schemas.microsoft.com/office/drawing/2014/main" id="{F27994BF-B3DE-D405-1556-56C36862DB7A}"/>
-              </a:ext>
-            </a:extLst>
-          </p:cNvPr>
-          <p:cNvSpPr>
-            <a:spLocks noGrp="1"/>
-          </p:cNvSpPr>
-          <p:nvPr>
-            <p:ph idx="1"/>
-          </p:nvPr>
-        </p:nvSpPr>
-        <p:spPr/>
-        <p:txBody>
-          <a:bodyPr/>
-          <a:lstStyle/>
-          <a:p>
-            <a:pPr marL="0" marR="0" indent="0">
-              <a:spcBef>
-                <a:spcPts val="0"/>
-              </a:spcBef>
-              <a:spcAft>
-                <a:spcPts val="0"/>
-              </a:spcAft>
-              <a:buNone/>
-            </a:pPr>
-            <a:r>
-              <a:rPr lang="fr-FR" sz="1800" dirty="0">
-                <a:effectLst/>
-                <a:latin typeface="Courier New" panose="02070309020205020404" pitchFamily="49" charset="0"/>
-              </a:rPr>
-              <a:t>Fraude carte bancaire</a:t>
-            </a:r>
-          </a:p>
-          <a:p>
-            <a:pPr marL="457200" lvl="1">
-              <a:spcBef>
-                <a:spcPts val="0"/>
-              </a:spcBef>
-            </a:pPr>
-            <a:r>
-              <a:rPr lang="fr-FR" sz="1400" dirty="0">
-                <a:effectLst/>
-                <a:latin typeface="Courier New" panose="02070309020205020404" pitchFamily="49" charset="0"/>
-              </a:rPr>
-              <a:t>On ne veut pas manquer une fausse carte</a:t>
-            </a:r>
-          </a:p>
-          <a:p>
-            <a:pPr marL="457200" lvl="1">
-              <a:spcBef>
-                <a:spcPts val="0"/>
-              </a:spcBef>
-            </a:pPr>
-            <a:r>
-              <a:rPr lang="fr-FR" sz="1400" dirty="0">
-                <a:effectLst/>
-                <a:latin typeface="Courier New" panose="02070309020205020404" pitchFamily="49" charset="0"/>
-              </a:rPr>
-              <a:t>Donc on veut un Faux </a:t>
-            </a:r>
-            <a:r>
-              <a:rPr lang="fr-FR" sz="1400" dirty="0" err="1">
-                <a:effectLst/>
-                <a:latin typeface="Courier New" panose="02070309020205020404" pitchFamily="49" charset="0"/>
-              </a:rPr>
-              <a:t>Negatif</a:t>
-            </a:r>
-            <a:r>
-              <a:rPr lang="fr-FR" sz="1400" dirty="0">
-                <a:effectLst/>
-                <a:latin typeface="Courier New" panose="02070309020205020404" pitchFamily="49" charset="0"/>
-              </a:rPr>
-              <a:t> bas</a:t>
-            </a:r>
-          </a:p>
-          <a:p>
-            <a:pPr marL="457200" lvl="1">
-              <a:spcBef>
-                <a:spcPts val="0"/>
-              </a:spcBef>
-            </a:pPr>
-            <a:r>
-              <a:rPr lang="fr-FR" sz="1400" dirty="0" err="1">
-                <a:effectLst/>
-                <a:latin typeface="Courier New" panose="02070309020205020404" pitchFamily="49" charset="0"/>
-              </a:rPr>
-              <a:t>Recall</a:t>
-            </a:r>
-            <a:r>
-              <a:rPr lang="fr-FR" sz="1400" dirty="0">
-                <a:effectLst/>
-                <a:latin typeface="Courier New" panose="02070309020205020404" pitchFamily="49" charset="0"/>
-              </a:rPr>
-              <a:t>    doit être proche de 1</a:t>
-            </a:r>
-          </a:p>
-          <a:p>
-            <a:pPr marL="457200" lvl="1">
-              <a:spcBef>
-                <a:spcPts val="0"/>
-              </a:spcBef>
-            </a:pPr>
-            <a:r>
-              <a:rPr lang="fr-FR" sz="1400" dirty="0" err="1">
-                <a:effectLst/>
-                <a:latin typeface="Courier New" panose="02070309020205020404" pitchFamily="49" charset="0"/>
-              </a:rPr>
-              <a:t>Precision</a:t>
-            </a:r>
-            <a:r>
-              <a:rPr lang="fr-FR" sz="1400" dirty="0">
-                <a:effectLst/>
-                <a:latin typeface="Courier New" panose="02070309020205020404" pitchFamily="49" charset="0"/>
-              </a:rPr>
-              <a:t> peut être moyen </a:t>
-            </a:r>
-          </a:p>
-          <a:p>
-            <a:pPr marL="0" marR="0" indent="0">
-              <a:spcBef>
-                <a:spcPts val="0"/>
-              </a:spcBef>
-              <a:spcAft>
-                <a:spcPts val="0"/>
-              </a:spcAft>
-              <a:buNone/>
-            </a:pPr>
-            <a:r>
-              <a:rPr lang="fr-FR" sz="1800" dirty="0">
-                <a:effectLst/>
-                <a:latin typeface="Courier New" panose="02070309020205020404" pitchFamily="49" charset="0"/>
-              </a:rPr>
-              <a:t> </a:t>
-            </a:r>
-          </a:p>
-          <a:p>
-            <a:pPr marL="0" marR="0" indent="0">
-              <a:spcBef>
-                <a:spcPts val="0"/>
-              </a:spcBef>
-              <a:spcAft>
-                <a:spcPts val="0"/>
-              </a:spcAft>
-              <a:buNone/>
-            </a:pPr>
-            <a:endParaRPr lang="fr-FR" sz="1800" dirty="0">
-              <a:effectLst/>
-              <a:latin typeface="Courier New" panose="02070309020205020404" pitchFamily="49" charset="0"/>
-            </a:endParaRPr>
-          </a:p>
-          <a:p>
-            <a:pPr marL="0" marR="0" indent="0">
-              <a:spcBef>
-                <a:spcPts val="0"/>
-              </a:spcBef>
-              <a:spcAft>
-                <a:spcPts val="0"/>
-              </a:spcAft>
-              <a:buNone/>
-            </a:pPr>
-            <a:endParaRPr lang="fr-FR" sz="1800" dirty="0">
-              <a:latin typeface="Courier New" panose="02070309020205020404" pitchFamily="49" charset="0"/>
-            </a:endParaRPr>
-          </a:p>
-          <a:p>
-            <a:pPr marL="0" marR="0" indent="0">
-              <a:spcBef>
-                <a:spcPts val="0"/>
-              </a:spcBef>
-              <a:spcAft>
-                <a:spcPts val="0"/>
-              </a:spcAft>
-              <a:buNone/>
-            </a:pPr>
-            <a:endParaRPr lang="fr-FR" sz="1800" dirty="0">
-              <a:effectLst/>
-              <a:latin typeface="Courier New" panose="02070309020205020404" pitchFamily="49" charset="0"/>
-            </a:endParaRPr>
-          </a:p>
-          <a:p>
-            <a:pPr marL="0" marR="0" indent="0">
-              <a:spcBef>
-                <a:spcPts val="0"/>
-              </a:spcBef>
-              <a:spcAft>
-                <a:spcPts val="0"/>
-              </a:spcAft>
-              <a:buNone/>
-            </a:pPr>
-            <a:r>
-              <a:rPr lang="fr-FR" sz="1800" dirty="0">
-                <a:effectLst/>
-                <a:latin typeface="Courier New" panose="02070309020205020404" pitchFamily="49" charset="0"/>
-              </a:rPr>
-              <a:t>Spam</a:t>
-            </a:r>
-          </a:p>
-          <a:p>
-            <a:pPr marL="457200" lvl="1">
-              <a:spcBef>
-                <a:spcPts val="0"/>
-              </a:spcBef>
-            </a:pPr>
-            <a:r>
-              <a:rPr lang="fr-FR" sz="1400" dirty="0">
-                <a:effectLst/>
-                <a:latin typeface="Courier New" panose="02070309020205020404" pitchFamily="49" charset="0"/>
-              </a:rPr>
-              <a:t>On ne veut pas de vrai mail classé en spam</a:t>
-            </a:r>
-          </a:p>
-          <a:p>
-            <a:pPr marL="457200" lvl="1">
-              <a:spcBef>
-                <a:spcPts val="0"/>
-              </a:spcBef>
-            </a:pPr>
-            <a:r>
-              <a:rPr lang="fr-FR" sz="1400" dirty="0">
-                <a:effectLst/>
-                <a:latin typeface="Courier New" panose="02070309020205020404" pitchFamily="49" charset="0"/>
-              </a:rPr>
-              <a:t>Donc on veut un Faux Positif bas</a:t>
-            </a:r>
-          </a:p>
-          <a:p>
-            <a:pPr marL="457200" lvl="1">
-              <a:spcBef>
-                <a:spcPts val="0"/>
-              </a:spcBef>
-            </a:pPr>
-            <a:r>
-              <a:rPr lang="fr-FR" sz="1400" dirty="0" err="1">
-                <a:effectLst/>
-                <a:latin typeface="Courier New" panose="02070309020205020404" pitchFamily="49" charset="0"/>
-              </a:rPr>
-              <a:t>Recall</a:t>
-            </a:r>
-            <a:r>
-              <a:rPr lang="fr-FR" sz="1400" dirty="0">
-                <a:effectLst/>
-                <a:latin typeface="Courier New" panose="02070309020205020404" pitchFamily="49" charset="0"/>
-              </a:rPr>
-              <a:t>    peut être moyen</a:t>
-            </a:r>
-          </a:p>
-          <a:p>
-            <a:pPr marL="457200" lvl="1">
-              <a:spcBef>
-                <a:spcPts val="0"/>
-              </a:spcBef>
-            </a:pPr>
-            <a:r>
-              <a:rPr lang="fr-FR" sz="1400" dirty="0" err="1">
-                <a:effectLst/>
-                <a:latin typeface="Courier New" panose="02070309020205020404" pitchFamily="49" charset="0"/>
-              </a:rPr>
-              <a:t>Precision</a:t>
-            </a:r>
-            <a:r>
-              <a:rPr lang="fr-FR" sz="1400" dirty="0">
-                <a:effectLst/>
-                <a:latin typeface="Courier New" panose="02070309020205020404" pitchFamily="49" charset="0"/>
-              </a:rPr>
-              <a:t> doit être proche de 1 </a:t>
-            </a:r>
-          </a:p>
-          <a:p>
-            <a:endParaRPr lang="fr-FR" dirty="0"/>
-          </a:p>
-        </p:txBody>
-      </p:sp>
-      <p:sp>
-        <p:nvSpPr>
-          <p:cNvPr id="4" name="ZoneTexte 3">
-            <a:extLst>
-              <a:ext uri="{FF2B5EF4-FFF2-40B4-BE49-F238E27FC236}">
-                <a16:creationId xmlns:a16="http://schemas.microsoft.com/office/drawing/2014/main" id="{BC769971-6696-B68B-7A7E-C22BD1307536}"/>
-              </a:ext>
-            </a:extLst>
-          </p:cNvPr>
-          <p:cNvSpPr txBox="1"/>
-          <p:nvPr/>
-        </p:nvSpPr>
-        <p:spPr>
-          <a:xfrm>
-            <a:off x="5104356" y="4606447"/>
-            <a:ext cx="1563248" cy="646331"/>
-          </a:xfrm>
-          <a:prstGeom prst="rect">
-            <a:avLst/>
-          </a:prstGeom>
-          <a:noFill/>
-        </p:spPr>
-        <p:txBody>
-          <a:bodyPr wrap="none" rtlCol="0">
-            <a:spAutoFit/>
-          </a:bodyPr>
-          <a:lstStyle/>
-          <a:p>
-            <a:pPr algn="ctr"/>
-            <a:r>
-              <a:rPr lang="fr-FR" sz="1800" dirty="0" err="1">
-                <a:effectLst/>
-                <a:latin typeface="Courier New" panose="02070309020205020404" pitchFamily="49" charset="0"/>
-              </a:rPr>
-              <a:t>Precision</a:t>
-            </a:r>
-            <a:endParaRPr lang="fr-FR" sz="1800" dirty="0">
-              <a:effectLst/>
-              <a:latin typeface="Courier New" panose="02070309020205020404" pitchFamily="49" charset="0"/>
-            </a:endParaRPr>
-          </a:p>
-          <a:p>
-            <a:pPr algn="ctr"/>
-            <a:r>
-              <a:rPr lang="fr-FR" sz="1800" dirty="0">
-                <a:effectLst/>
-                <a:latin typeface="Courier New" panose="02070309020205020404" pitchFamily="49" charset="0"/>
-              </a:rPr>
-              <a:t>TP/(TP+FP)</a:t>
-            </a:r>
-            <a:endParaRPr lang="fr-FR" dirty="0"/>
-          </a:p>
-        </p:txBody>
-      </p:sp>
-      <p:sp>
-        <p:nvSpPr>
-          <p:cNvPr id="5" name="ZoneTexte 4">
-            <a:extLst>
-              <a:ext uri="{FF2B5EF4-FFF2-40B4-BE49-F238E27FC236}">
-                <a16:creationId xmlns:a16="http://schemas.microsoft.com/office/drawing/2014/main" id="{6722959C-02DD-0821-1CC0-81C189230146}"/>
-              </a:ext>
-            </a:extLst>
-          </p:cNvPr>
-          <p:cNvSpPr txBox="1"/>
-          <p:nvPr/>
-        </p:nvSpPr>
-        <p:spPr>
-          <a:xfrm>
-            <a:off x="5404982" y="2458426"/>
-            <a:ext cx="1563248" cy="646331"/>
-          </a:xfrm>
-          <a:prstGeom prst="rect">
-            <a:avLst/>
-          </a:prstGeom>
-          <a:noFill/>
-        </p:spPr>
-        <p:txBody>
-          <a:bodyPr wrap="none" rtlCol="0">
-            <a:spAutoFit/>
-          </a:bodyPr>
-          <a:lstStyle/>
-          <a:p>
-            <a:pPr algn="ctr"/>
-            <a:r>
-              <a:rPr lang="fr-FR" sz="1800" dirty="0" err="1">
-                <a:effectLst/>
-                <a:latin typeface="Courier New" panose="02070309020205020404" pitchFamily="49" charset="0"/>
-              </a:rPr>
-              <a:t>Recall</a:t>
-            </a:r>
-            <a:r>
-              <a:rPr lang="fr-FR" sz="1800" dirty="0">
-                <a:effectLst/>
-                <a:latin typeface="Courier New" panose="02070309020205020404" pitchFamily="49" charset="0"/>
-              </a:rPr>
-              <a:t> </a:t>
-            </a:r>
-          </a:p>
-          <a:p>
-            <a:pPr algn="ctr"/>
-            <a:r>
-              <a:rPr lang="fr-FR" sz="1800" dirty="0">
-                <a:effectLst/>
-                <a:latin typeface="Courier New" panose="02070309020205020404" pitchFamily="49" charset="0"/>
-              </a:rPr>
-              <a:t>TP/(TP+FN)</a:t>
-            </a:r>
-            <a:endParaRPr lang="fr-FR" dirty="0"/>
-          </a:p>
-        </p:txBody>
-      </p:sp>
-    </p:spTree>
-    <p:extLst>
-      <p:ext uri="{BB962C8B-B14F-4D97-AF65-F5344CB8AC3E}">
-        <p14:creationId xmlns:p14="http://schemas.microsoft.com/office/powerpoint/2010/main" val="2203231843"/>
-      </p:ext>
-    </p:extLst>
-  </p:cSld>
-  <p:clrMapOvr>
-    <a:masterClrMapping/>
-  </p:clrMapOvr>
-</p:sld>
-</file>
-
-<file path=ppt/slides/slide38.xml><?xml version="1.0" encoding="utf-8"?>
-<p:sld xmlns:a="http://schemas.openxmlformats.org/drawingml/2006/main" xmlns:r="http://schemas.openxmlformats.org/officeDocument/2006/relationships" xmlns:p="http://schemas.openxmlformats.org/presentationml/2006/main">
-  <p:cSld>
-    <p:spTree>
-      <p:nvGrpSpPr>
-        <p:cNvPr id="1" name=""/>
-        <p:cNvGrpSpPr/>
-        <p:nvPr/>
-      </p:nvGrpSpPr>
-      <p:grpSpPr>
-        <a:xfrm>
-          <a:off x="0" y="0"/>
-          <a:ext cx="0" cy="0"/>
-          <a:chOff x="0" y="0"/>
-          <a:chExt cx="0" cy="0"/>
-        </a:xfrm>
-      </p:grpSpPr>
-      <p:sp>
-        <p:nvSpPr>
-          <p:cNvPr id="2" name="Titre 1">
-            <a:extLst>
-              <a:ext uri="{FF2B5EF4-FFF2-40B4-BE49-F238E27FC236}">
-                <a16:creationId xmlns:a16="http://schemas.microsoft.com/office/drawing/2014/main" id="{FA6243E6-E350-4836-3E9F-D3814475FD2C}"/>
-              </a:ext>
-            </a:extLst>
-          </p:cNvPr>
-          <p:cNvSpPr>
-            <a:spLocks noGrp="1"/>
-          </p:cNvSpPr>
-          <p:nvPr>
-            <p:ph type="title"/>
-          </p:nvPr>
-        </p:nvSpPr>
-        <p:spPr/>
-        <p:txBody>
-          <a:bodyPr/>
-          <a:lstStyle/>
-          <a:p>
-            <a:r>
-              <a:rPr lang="fr-FR" dirty="0"/>
-              <a:t>Jour 8 - Projet</a:t>
-            </a:r>
-          </a:p>
-        </p:txBody>
-      </p:sp>
-      <p:sp>
-        <p:nvSpPr>
-          <p:cNvPr id="4" name="Espace réservé du texte 3">
-            <a:extLst>
-              <a:ext uri="{FF2B5EF4-FFF2-40B4-BE49-F238E27FC236}">
-                <a16:creationId xmlns:a16="http://schemas.microsoft.com/office/drawing/2014/main" id="{D15B72BF-F68A-0242-113B-2926D9E09185}"/>
-              </a:ext>
-            </a:extLst>
-          </p:cNvPr>
-          <p:cNvSpPr>
-            <a:spLocks noGrp="1"/>
-          </p:cNvSpPr>
-          <p:nvPr>
-            <p:ph type="body" idx="1"/>
-          </p:nvPr>
-        </p:nvSpPr>
-        <p:spPr/>
-        <p:txBody>
-          <a:bodyPr/>
-          <a:lstStyle/>
-          <a:p>
-            <a:endParaRPr lang="fr-FR"/>
-          </a:p>
-        </p:txBody>
-      </p:sp>
-    </p:spTree>
-    <p:extLst>
-      <p:ext uri="{BB962C8B-B14F-4D97-AF65-F5344CB8AC3E}">
-        <p14:creationId xmlns:p14="http://schemas.microsoft.com/office/powerpoint/2010/main" val="3791528499"/>
-      </p:ext>
-    </p:extLst>
-  </p:cSld>
-  <p:clrMapOvr>
-    <a:masterClrMapping/>
-  </p:clrMapOvr>
-</p:sld>
-</file>
-
 <file path=ppt/slides/slide39.xml><?xml version="1.0" encoding="utf-8"?>
 <p:sld xmlns:a="http://schemas.openxmlformats.org/drawingml/2006/main" xmlns:r="http://schemas.openxmlformats.org/officeDocument/2006/relationships" xmlns:p="http://schemas.openxmlformats.org/presentationml/2006/main">
   <p:cSld>
@@ -16200,10 +16414,10 @@
       </p:grpSpPr>
       <p:sp>
         <p:nvSpPr>
-          <p:cNvPr id="4" name="Titre 3">
-            <a:extLst>
-              <a:ext uri="{FF2B5EF4-FFF2-40B4-BE49-F238E27FC236}">
-                <a16:creationId xmlns:a16="http://schemas.microsoft.com/office/drawing/2014/main" id="{E0EF6534-E2A9-B8D6-2479-C32AFD155124}"/>
+          <p:cNvPr id="2" name="Titre 1">
+            <a:extLst>
+              <a:ext uri="{FF2B5EF4-FFF2-40B4-BE49-F238E27FC236}">
+                <a16:creationId xmlns:a16="http://schemas.microsoft.com/office/drawing/2014/main" id="{77EAEFC5-77FE-9822-72C3-62FB2337FE34}"/>
               </a:ext>
             </a:extLst>
           </p:cNvPr>
@@ -16219,19 +16433,16 @@
           <a:bodyPr/>
           <a:lstStyle/>
           <a:p>
-            <a:r>
-              <a:rPr lang="fr-FR" dirty="0"/>
-              <a:t>Rétro planning</a:t>
-            </a:r>
-          </a:p>
-        </p:txBody>
-      </p:sp>
-      <p:sp>
-        <p:nvSpPr>
-          <p:cNvPr id="5" name="Espace réservé du contenu 4">
-            <a:extLst>
-              <a:ext uri="{FF2B5EF4-FFF2-40B4-BE49-F238E27FC236}">
-                <a16:creationId xmlns:a16="http://schemas.microsoft.com/office/drawing/2014/main" id="{E7243C4C-A2DA-48C8-744A-8AB1E7248236}"/>
+            <a:endParaRPr lang="fr-FR"/>
+          </a:p>
+        </p:txBody>
+      </p:sp>
+      <p:sp>
+        <p:nvSpPr>
+          <p:cNvPr id="3" name="Espace réservé du contenu 2">
+            <a:extLst>
+              <a:ext uri="{FF2B5EF4-FFF2-40B4-BE49-F238E27FC236}">
+                <a16:creationId xmlns:a16="http://schemas.microsoft.com/office/drawing/2014/main" id="{F27994BF-B3DE-D405-1556-56C36862DB7A}"/>
               </a:ext>
             </a:extLst>
           </p:cNvPr>
@@ -16244,61 +16455,380 @@
         </p:nvSpPr>
         <p:spPr/>
         <p:txBody>
-          <a:bodyPr>
-            <a:normAutofit/>
+          <a:bodyPr/>
+          <a:lstStyle/>
+          <a:p>
+            <a:pPr marL="0" marR="0" indent="0">
+              <a:spcBef>
+                <a:spcPts val="0"/>
+              </a:spcBef>
+              <a:spcAft>
+                <a:spcPts val="0"/>
+              </a:spcAft>
+              <a:buNone/>
+            </a:pPr>
+            <a:r>
+              <a:rPr lang="fr-FR" sz="1800" dirty="0">
+                <a:effectLst/>
+                <a:latin typeface="Courier New" panose="02070309020205020404" pitchFamily="49" charset="0"/>
+              </a:rPr>
+              <a:t>Fraude carte bancaire</a:t>
+            </a:r>
+          </a:p>
+          <a:p>
+            <a:pPr marL="457200" lvl="1">
+              <a:spcBef>
+                <a:spcPts val="0"/>
+              </a:spcBef>
+            </a:pPr>
+            <a:r>
+              <a:rPr lang="fr-FR" sz="1400" dirty="0">
+                <a:effectLst/>
+                <a:latin typeface="Courier New" panose="02070309020205020404" pitchFamily="49" charset="0"/>
+              </a:rPr>
+              <a:t>On ne veut pas manquer une fausse carte</a:t>
+            </a:r>
+          </a:p>
+          <a:p>
+            <a:pPr marL="457200" lvl="1">
+              <a:spcBef>
+                <a:spcPts val="0"/>
+              </a:spcBef>
+            </a:pPr>
+            <a:r>
+              <a:rPr lang="fr-FR" sz="1400" dirty="0">
+                <a:effectLst/>
+                <a:latin typeface="Courier New" panose="02070309020205020404" pitchFamily="49" charset="0"/>
+              </a:rPr>
+              <a:t>Donc on veut un Faux </a:t>
+            </a:r>
+            <a:r>
+              <a:rPr lang="fr-FR" sz="1400" dirty="0" err="1">
+                <a:effectLst/>
+                <a:latin typeface="Courier New" panose="02070309020205020404" pitchFamily="49" charset="0"/>
+              </a:rPr>
+              <a:t>Negatif</a:t>
+            </a:r>
+            <a:r>
+              <a:rPr lang="fr-FR" sz="1400" dirty="0">
+                <a:effectLst/>
+                <a:latin typeface="Courier New" panose="02070309020205020404" pitchFamily="49" charset="0"/>
+              </a:rPr>
+              <a:t> bas</a:t>
+            </a:r>
+          </a:p>
+          <a:p>
+            <a:pPr marL="457200" lvl="1">
+              <a:spcBef>
+                <a:spcPts val="0"/>
+              </a:spcBef>
+            </a:pPr>
+            <a:r>
+              <a:rPr lang="fr-FR" sz="1400" dirty="0" err="1">
+                <a:effectLst/>
+                <a:latin typeface="Courier New" panose="02070309020205020404" pitchFamily="49" charset="0"/>
+              </a:rPr>
+              <a:t>Recall</a:t>
+            </a:r>
+            <a:r>
+              <a:rPr lang="fr-FR" sz="1400" dirty="0">
+                <a:effectLst/>
+                <a:latin typeface="Courier New" panose="02070309020205020404" pitchFamily="49" charset="0"/>
+              </a:rPr>
+              <a:t>    doit être proche de 1</a:t>
+            </a:r>
+          </a:p>
+          <a:p>
+            <a:pPr marL="457200" lvl="1">
+              <a:spcBef>
+                <a:spcPts val="0"/>
+              </a:spcBef>
+            </a:pPr>
+            <a:r>
+              <a:rPr lang="fr-FR" sz="1400" dirty="0" err="1">
+                <a:effectLst/>
+                <a:latin typeface="Courier New" panose="02070309020205020404" pitchFamily="49" charset="0"/>
+              </a:rPr>
+              <a:t>Precision</a:t>
+            </a:r>
+            <a:r>
+              <a:rPr lang="fr-FR" sz="1400" dirty="0">
+                <a:effectLst/>
+                <a:latin typeface="Courier New" panose="02070309020205020404" pitchFamily="49" charset="0"/>
+              </a:rPr>
+              <a:t> peut être moyen </a:t>
+            </a:r>
+          </a:p>
+          <a:p>
+            <a:pPr marL="0" marR="0" indent="0">
+              <a:spcBef>
+                <a:spcPts val="0"/>
+              </a:spcBef>
+              <a:spcAft>
+                <a:spcPts val="0"/>
+              </a:spcAft>
+              <a:buNone/>
+            </a:pPr>
+            <a:r>
+              <a:rPr lang="fr-FR" sz="1800" dirty="0">
+                <a:effectLst/>
+                <a:latin typeface="Courier New" panose="02070309020205020404" pitchFamily="49" charset="0"/>
+              </a:rPr>
+              <a:t> </a:t>
+            </a:r>
+          </a:p>
+          <a:p>
+            <a:pPr marL="0" marR="0" indent="0">
+              <a:spcBef>
+                <a:spcPts val="0"/>
+              </a:spcBef>
+              <a:spcAft>
+                <a:spcPts val="0"/>
+              </a:spcAft>
+              <a:buNone/>
+            </a:pPr>
+            <a:endParaRPr lang="fr-FR" sz="1800" dirty="0">
+              <a:effectLst/>
+              <a:latin typeface="Courier New" panose="02070309020205020404" pitchFamily="49" charset="0"/>
+            </a:endParaRPr>
+          </a:p>
+          <a:p>
+            <a:pPr marL="0" marR="0" indent="0">
+              <a:spcBef>
+                <a:spcPts val="0"/>
+              </a:spcBef>
+              <a:spcAft>
+                <a:spcPts val="0"/>
+              </a:spcAft>
+              <a:buNone/>
+            </a:pPr>
+            <a:endParaRPr lang="fr-FR" sz="1800" dirty="0">
+              <a:latin typeface="Courier New" panose="02070309020205020404" pitchFamily="49" charset="0"/>
+            </a:endParaRPr>
+          </a:p>
+          <a:p>
+            <a:pPr marL="0" marR="0" indent="0">
+              <a:spcBef>
+                <a:spcPts val="0"/>
+              </a:spcBef>
+              <a:spcAft>
+                <a:spcPts val="0"/>
+              </a:spcAft>
+              <a:buNone/>
+            </a:pPr>
+            <a:endParaRPr lang="fr-FR" sz="1800" dirty="0">
+              <a:effectLst/>
+              <a:latin typeface="Courier New" panose="02070309020205020404" pitchFamily="49" charset="0"/>
+            </a:endParaRPr>
+          </a:p>
+          <a:p>
+            <a:pPr marL="0" marR="0" indent="0">
+              <a:spcBef>
+                <a:spcPts val="0"/>
+              </a:spcBef>
+              <a:spcAft>
+                <a:spcPts val="0"/>
+              </a:spcAft>
+              <a:buNone/>
+            </a:pPr>
+            <a:r>
+              <a:rPr lang="fr-FR" sz="1800" dirty="0">
+                <a:effectLst/>
+                <a:latin typeface="Courier New" panose="02070309020205020404" pitchFamily="49" charset="0"/>
+              </a:rPr>
+              <a:t>Spam</a:t>
+            </a:r>
+          </a:p>
+          <a:p>
+            <a:pPr marL="457200" lvl="1">
+              <a:spcBef>
+                <a:spcPts val="0"/>
+              </a:spcBef>
+            </a:pPr>
+            <a:r>
+              <a:rPr lang="fr-FR" sz="1400" dirty="0">
+                <a:effectLst/>
+                <a:latin typeface="Courier New" panose="02070309020205020404" pitchFamily="49" charset="0"/>
+              </a:rPr>
+              <a:t>On ne veut pas de vrai mail classé en spam</a:t>
+            </a:r>
+          </a:p>
+          <a:p>
+            <a:pPr marL="457200" lvl="1">
+              <a:spcBef>
+                <a:spcPts val="0"/>
+              </a:spcBef>
+            </a:pPr>
+            <a:r>
+              <a:rPr lang="fr-FR" sz="1400" dirty="0">
+                <a:effectLst/>
+                <a:latin typeface="Courier New" panose="02070309020205020404" pitchFamily="49" charset="0"/>
+              </a:rPr>
+              <a:t>Donc on veut un Faux Positif bas</a:t>
+            </a:r>
+          </a:p>
+          <a:p>
+            <a:pPr marL="457200" lvl="1">
+              <a:spcBef>
+                <a:spcPts val="0"/>
+              </a:spcBef>
+            </a:pPr>
+            <a:r>
+              <a:rPr lang="fr-FR" sz="1400" dirty="0" err="1">
+                <a:effectLst/>
+                <a:latin typeface="Courier New" panose="02070309020205020404" pitchFamily="49" charset="0"/>
+              </a:rPr>
+              <a:t>Recall</a:t>
+            </a:r>
+            <a:r>
+              <a:rPr lang="fr-FR" sz="1400" dirty="0">
+                <a:effectLst/>
+                <a:latin typeface="Courier New" panose="02070309020205020404" pitchFamily="49" charset="0"/>
+              </a:rPr>
+              <a:t>    peut être moyen</a:t>
+            </a:r>
+          </a:p>
+          <a:p>
+            <a:pPr marL="457200" lvl="1">
+              <a:spcBef>
+                <a:spcPts val="0"/>
+              </a:spcBef>
+            </a:pPr>
+            <a:r>
+              <a:rPr lang="fr-FR" sz="1400" dirty="0" err="1">
+                <a:effectLst/>
+                <a:latin typeface="Courier New" panose="02070309020205020404" pitchFamily="49" charset="0"/>
+              </a:rPr>
+              <a:t>Precision</a:t>
+            </a:r>
+            <a:r>
+              <a:rPr lang="fr-FR" sz="1400" dirty="0">
+                <a:effectLst/>
+                <a:latin typeface="Courier New" panose="02070309020205020404" pitchFamily="49" charset="0"/>
+              </a:rPr>
+              <a:t> doit être proche de 1 </a:t>
+            </a:r>
+          </a:p>
+          <a:p>
+            <a:endParaRPr lang="fr-FR" dirty="0"/>
+          </a:p>
+        </p:txBody>
+      </p:sp>
+      <p:sp>
+        <p:nvSpPr>
+          <p:cNvPr id="4" name="ZoneTexte 3">
+            <a:extLst>
+              <a:ext uri="{FF2B5EF4-FFF2-40B4-BE49-F238E27FC236}">
+                <a16:creationId xmlns:a16="http://schemas.microsoft.com/office/drawing/2014/main" id="{BC769971-6696-B68B-7A7E-C22BD1307536}"/>
+              </a:ext>
+            </a:extLst>
+          </p:cNvPr>
+          <p:cNvSpPr txBox="1"/>
+          <p:nvPr/>
+        </p:nvSpPr>
+        <p:spPr>
+          <a:xfrm>
+            <a:off x="5104356" y="4606447"/>
+            <a:ext cx="1563248" cy="646331"/>
+          </a:xfrm>
+          <a:prstGeom prst="rect">
+            <a:avLst/>
+          </a:prstGeom>
+          <a:noFill/>
+        </p:spPr>
+        <p:txBody>
+          <a:bodyPr wrap="none" rtlCol="0">
+            <a:spAutoFit/>
           </a:bodyPr>
           <a:lstStyle/>
           <a:p>
-            <a:r>
-              <a:rPr lang="fr-FR" dirty="0"/>
-              <a:t>Présentations Vendredi après-midi</a:t>
-            </a:r>
-          </a:p>
-          <a:p>
-            <a:r>
-              <a:rPr lang="fr-FR" dirty="0"/>
-              <a:t>=&gt; Répétitions Vendredi entre 12 et 14H</a:t>
-            </a:r>
-          </a:p>
-          <a:p>
-            <a:r>
-              <a:rPr lang="fr-FR" dirty="0"/>
-              <a:t>=&gt; Slides terminés, relus etc. à 12H</a:t>
-            </a:r>
-          </a:p>
-          <a:p>
-            <a:r>
-              <a:rPr lang="fr-FR" dirty="0"/>
-              <a:t>=&gt; Jeudi soir tous les graphes, scores, conclusions sont sortis</a:t>
-            </a:r>
-          </a:p>
-          <a:p>
-            <a:pPr lvl="1"/>
-            <a:r>
-              <a:rPr lang="fr-FR" dirty="0"/>
-              <a:t>Vendredi matin on pourra sortir 1 ou 2 trucs mais pas beaucoup plus</a:t>
-            </a:r>
-          </a:p>
-          <a:p>
-            <a:r>
-              <a:rPr lang="fr-FR" dirty="0"/>
-              <a:t>=&gt; Cherchez des </a:t>
-            </a:r>
-            <a:r>
-              <a:rPr lang="fr-FR" dirty="0" err="1"/>
-              <a:t>datasets</a:t>
-            </a:r>
-            <a:r>
-              <a:rPr lang="fr-FR" dirty="0"/>
-              <a:t> et des idées de sujet le week-end précédent</a:t>
-            </a:r>
+            <a:pPr algn="ctr"/>
+            <a:r>
+              <a:rPr lang="fr-FR" sz="1800" dirty="0" err="1">
+                <a:effectLst/>
+                <a:latin typeface="Courier New" panose="02070309020205020404" pitchFamily="49" charset="0"/>
+              </a:rPr>
+              <a:t>Precision</a:t>
+            </a:r>
+            <a:endParaRPr lang="fr-FR" sz="1800" dirty="0">
+              <a:effectLst/>
+              <a:latin typeface="Courier New" panose="02070309020205020404" pitchFamily="49" charset="0"/>
+            </a:endParaRPr>
+          </a:p>
+          <a:p>
+            <a:pPr algn="ctr"/>
+            <a:r>
+              <a:rPr lang="fr-FR" sz="1800" dirty="0">
+                <a:effectLst/>
+                <a:latin typeface="Courier New" panose="02070309020205020404" pitchFamily="49" charset="0"/>
+              </a:rPr>
+              <a:t>TP/(TP+FP)</a:t>
+            </a:r>
+            <a:endParaRPr lang="fr-FR" dirty="0"/>
+          </a:p>
+        </p:txBody>
+      </p:sp>
+      <p:sp>
+        <p:nvSpPr>
+          <p:cNvPr id="5" name="ZoneTexte 4">
+            <a:extLst>
+              <a:ext uri="{FF2B5EF4-FFF2-40B4-BE49-F238E27FC236}">
+                <a16:creationId xmlns:a16="http://schemas.microsoft.com/office/drawing/2014/main" id="{6722959C-02DD-0821-1CC0-81C189230146}"/>
+              </a:ext>
+            </a:extLst>
+          </p:cNvPr>
+          <p:cNvSpPr txBox="1"/>
+          <p:nvPr/>
+        </p:nvSpPr>
+        <p:spPr>
+          <a:xfrm>
+            <a:off x="5404982" y="2458426"/>
+            <a:ext cx="1563248" cy="646331"/>
+          </a:xfrm>
+          <a:prstGeom prst="rect">
+            <a:avLst/>
+          </a:prstGeom>
+          <a:noFill/>
+        </p:spPr>
+        <p:txBody>
+          <a:bodyPr wrap="none" rtlCol="0">
+            <a:spAutoFit/>
+          </a:bodyPr>
+          <a:lstStyle/>
+          <a:p>
+            <a:pPr algn="ctr"/>
+            <a:r>
+              <a:rPr lang="fr-FR" sz="1800" dirty="0" err="1">
+                <a:effectLst/>
+                <a:latin typeface="Courier New" panose="02070309020205020404" pitchFamily="49" charset="0"/>
+              </a:rPr>
+              <a:t>Recall</a:t>
+            </a:r>
+            <a:r>
+              <a:rPr lang="fr-FR" sz="1800" dirty="0">
+                <a:effectLst/>
+                <a:latin typeface="Courier New" panose="02070309020205020404" pitchFamily="49" charset="0"/>
+              </a:rPr>
+              <a:t> </a:t>
+            </a:r>
+          </a:p>
+          <a:p>
+            <a:pPr algn="ctr"/>
+            <a:r>
+              <a:rPr lang="fr-FR" sz="1800" dirty="0">
+                <a:effectLst/>
+                <a:latin typeface="Courier New" panose="02070309020205020404" pitchFamily="49" charset="0"/>
+              </a:rPr>
+              <a:t>TP/(TP+FN)</a:t>
+            </a:r>
+            <a:endParaRPr lang="fr-FR" dirty="0"/>
           </a:p>
         </p:txBody>
       </p:sp>
     </p:spTree>
     <p:extLst>
       <p:ext uri="{BB962C8B-B14F-4D97-AF65-F5344CB8AC3E}">
-        <p14:creationId xmlns:p14="http://schemas.microsoft.com/office/powerpoint/2010/main" val="2196411414"/>
+        <p14:creationId xmlns:p14="http://schemas.microsoft.com/office/powerpoint/2010/main" val="2203231843"/>
       </p:ext>
     </p:extLst>
   </p:cSld>
@@ -16372,85 +16902,65 @@
         <p:spPr/>
         <p:txBody>
           <a:bodyPr>
-            <a:normAutofit fontScale="92500" lnSpcReduction="10000"/>
+            <a:normAutofit/>
           </a:bodyPr>
           <a:lstStyle/>
           <a:p>
             <a:r>
-              <a:rPr lang="fr-FR" dirty="0"/>
-              <a:t>Machine Learning avec </a:t>
-            </a:r>
-            <a:r>
-              <a:rPr lang="fr-FR" dirty="0" err="1"/>
-              <a:t>Scikit-Learn</a:t>
-            </a:r>
-            <a:endParaRPr lang="fr-FR" dirty="0"/>
+              <a:rPr lang="en-US" dirty="0"/>
+              <a:t>Learning SQL</a:t>
+            </a:r>
           </a:p>
           <a:p>
             <a:pPr lvl="1"/>
             <a:r>
-              <a:rPr lang="fr-FR" sz="1600" dirty="0">
+              <a:rPr lang="en-US" sz="1600" dirty="0">
+                <a:latin typeface="Courier New" panose="02070309020205020404" pitchFamily="49" charset="0"/>
+                <a:cs typeface="Courier New" panose="02070309020205020404" pitchFamily="49" charset="0"/>
+              </a:rPr>
+              <a:t>3eme Edition, 2020</a:t>
+            </a:r>
+          </a:p>
+          <a:p>
+            <a:pPr lvl="1"/>
+            <a:r>
+              <a:rPr lang="en-US" sz="1600" dirty="0">
+                <a:latin typeface="Courier New" panose="02070309020205020404" pitchFamily="49" charset="0"/>
+                <a:cs typeface="Courier New" panose="02070309020205020404" pitchFamily="49" charset="0"/>
+                <a:hlinkClick r:id="rId2"/>
+              </a:rPr>
+              <a:t>https://amzn.eu/d/bZNvCO0</a:t>
+            </a:r>
+            <a:endParaRPr lang="en-US" sz="1600" dirty="0">
+              <a:latin typeface="Courier New" panose="02070309020205020404" pitchFamily="49" charset="0"/>
+              <a:cs typeface="Courier New" panose="02070309020205020404" pitchFamily="49" charset="0"/>
+            </a:endParaRPr>
+          </a:p>
+          <a:p>
+            <a:pPr lvl="1"/>
+            <a:endParaRPr lang="en-US" dirty="0"/>
+          </a:p>
+          <a:p>
+            <a:endParaRPr lang="en-US" dirty="0"/>
+          </a:p>
+          <a:p>
+            <a:r>
+              <a:rPr lang="en-US" dirty="0"/>
+              <a:t>Python Crash Course</a:t>
+            </a:r>
+          </a:p>
+          <a:p>
+            <a:pPr lvl="1"/>
+            <a:r>
+              <a:rPr lang="en-US" sz="1600" dirty="0">
                 <a:solidFill>
                   <a:srgbClr val="0F1111"/>
                 </a:solidFill>
                 <a:latin typeface="Courier New" panose="02070309020205020404" pitchFamily="49" charset="0"/>
                 <a:cs typeface="Courier New" panose="02070309020205020404" pitchFamily="49" charset="0"/>
               </a:rPr>
-              <a:t>3eme édition, 2023, pas trop gros</a:t>
-            </a:r>
-          </a:p>
-          <a:p>
-            <a:pPr lvl="1"/>
-            <a:r>
-              <a:rPr lang="fr-FR" sz="1600" dirty="0">
-                <a:solidFill>
-                  <a:srgbClr val="0F1111"/>
-                </a:solidFill>
-                <a:latin typeface="Courier New" panose="02070309020205020404" pitchFamily="49" charset="0"/>
-                <a:cs typeface="Courier New" panose="02070309020205020404" pitchFamily="49" charset="0"/>
-              </a:rPr>
-              <a:t>À lire plusieurs fois. Exemples python</a:t>
-            </a:r>
-            <a:endParaRPr lang="fr-FR" sz="1600" i="0" dirty="0">
-              <a:solidFill>
-                <a:srgbClr val="0F1111"/>
-              </a:solidFill>
-              <a:effectLst/>
-              <a:latin typeface="Courier New" panose="02070309020205020404" pitchFamily="49" charset="0"/>
-              <a:cs typeface="Courier New" panose="02070309020205020404" pitchFamily="49" charset="0"/>
-              <a:hlinkClick r:id="rId2"/>
-            </a:endParaRPr>
-          </a:p>
-          <a:p>
-            <a:pPr lvl="1"/>
-            <a:r>
-              <a:rPr lang="fr-FR" sz="1600" i="0" dirty="0">
-                <a:solidFill>
-                  <a:srgbClr val="0F1111"/>
-                </a:solidFill>
-                <a:effectLst/>
-                <a:latin typeface="Courier New" panose="02070309020205020404" pitchFamily="49" charset="0"/>
-                <a:cs typeface="Courier New" panose="02070309020205020404" pitchFamily="49" charset="0"/>
-                <a:hlinkClick r:id="rId2"/>
-              </a:rPr>
-              <a:t>https://amzn.eu/d/fpRxUfZ</a:t>
-            </a:r>
-            <a:endParaRPr lang="fr-FR" b="1" i="0" dirty="0">
-              <a:solidFill>
-                <a:srgbClr val="0F1111"/>
-              </a:solidFill>
-              <a:effectLst/>
-              <a:latin typeface="Amazon Ember"/>
-            </a:endParaRPr>
-          </a:p>
-          <a:p>
-            <a:r>
-              <a:rPr lang="en-US" dirty="0"/>
-              <a:t>The Hundred-Page Machine Learning Book</a:t>
-            </a:r>
-          </a:p>
-          <a:p>
-            <a:pPr lvl="1"/>
+              <a:t>3eme Edition, 2023, 1.5 M </a:t>
+            </a:r>
             <a:r>
               <a:rPr lang="en-US" sz="1600" dirty="0" err="1">
                 <a:solidFill>
@@ -16459,60 +16969,7 @@
                 <a:latin typeface="Courier New" panose="02070309020205020404" pitchFamily="49" charset="0"/>
                 <a:cs typeface="Courier New" panose="02070309020205020404" pitchFamily="49" charset="0"/>
               </a:rPr>
-              <a:t>Existe</a:t>
-            </a:r>
-            <a:r>
-              <a:rPr lang="en-US" sz="1600" dirty="0">
-                <a:solidFill>
-                  <a:srgbClr val="0F1111"/>
-                </a:solidFill>
-                <a:latin typeface="Courier New" panose="02070309020205020404" pitchFamily="49" charset="0"/>
-                <a:cs typeface="Courier New" panose="02070309020205020404" pitchFamily="49" charset="0"/>
-              </a:rPr>
-              <a:t> </a:t>
-            </a:r>
-            <a:r>
-              <a:rPr lang="en-US" sz="1600" dirty="0" err="1">
-                <a:solidFill>
-                  <a:srgbClr val="0F1111"/>
-                </a:solidFill>
-                <a:latin typeface="Courier New" panose="02070309020205020404" pitchFamily="49" charset="0"/>
-                <a:cs typeface="Courier New" panose="02070309020205020404" pitchFamily="49" charset="0"/>
-              </a:rPr>
-              <a:t>en</a:t>
-            </a:r>
-            <a:r>
-              <a:rPr lang="en-US" sz="1600" dirty="0">
-                <a:solidFill>
-                  <a:srgbClr val="0F1111"/>
-                </a:solidFill>
-                <a:latin typeface="Courier New" panose="02070309020205020404" pitchFamily="49" charset="0"/>
-                <a:cs typeface="Courier New" panose="02070309020205020404" pitchFamily="49" charset="0"/>
-              </a:rPr>
-              <a:t> FR, 150 pages</a:t>
-            </a:r>
-          </a:p>
-          <a:p>
-            <a:pPr lvl="1"/>
-            <a:r>
-              <a:rPr lang="en-US" sz="1600" dirty="0">
-                <a:solidFill>
-                  <a:srgbClr val="0F1111"/>
-                </a:solidFill>
-                <a:latin typeface="Courier New" panose="02070309020205020404" pitchFamily="49" charset="0"/>
-                <a:cs typeface="Courier New" panose="02070309020205020404" pitchFamily="49" charset="0"/>
-              </a:rPr>
-              <a:t>Pas de Python, plus de </a:t>
-            </a:r>
-            <a:r>
-              <a:rPr lang="en-US" sz="1600" dirty="0" err="1">
-                <a:solidFill>
-                  <a:srgbClr val="0F1111"/>
-                </a:solidFill>
-                <a:latin typeface="Courier New" panose="02070309020205020404" pitchFamily="49" charset="0"/>
-                <a:cs typeface="Courier New" panose="02070309020205020404" pitchFamily="49" charset="0"/>
-              </a:rPr>
-              <a:t>maths</a:t>
+              <a:t>d’exemplaires</a:t>
             </a:r>
             <a:endParaRPr lang="en-US" sz="1600" dirty="0">
               <a:solidFill>
@@ -16531,177 +16988,11 @@
                 </a:solidFill>
                 <a:latin typeface="Courier New" panose="02070309020205020404" pitchFamily="49" charset="0"/>
                 <a:cs typeface="Courier New" panose="02070309020205020404" pitchFamily="49" charset="0"/>
-                <a:hlinkClick r:id="rId3">
-                  <a:extLst>
-                    <a:ext uri="{A12FA001-AC4F-418D-AE19-62706E023703}">
-                      <ahyp:hlinkClr xmlns:ahyp="http://schemas.microsoft.com/office/drawing/2018/hyperlinkcolor" val="tx"/>
-                    </a:ext>
-                  </a:extLst>
-                </a:hlinkClick>
-              </a:rPr>
-              <a:t>https://amzn.eu/d/gVoCrWt</a:t>
+                <a:hlinkClick r:id="rId3"/>
+              </a:rPr>
+              <a:t>https://amzn.eu/d/3DLax8n</a:t>
             </a:r>
             <a:endParaRPr lang="en-US" sz="1600" dirty="0">
-              <a:solidFill>
-                <a:srgbClr val="0F1111"/>
-              </a:solidFill>
-              <a:latin typeface="Courier New" panose="02070309020205020404" pitchFamily="49" charset="0"/>
-              <a:cs typeface="Courier New" panose="02070309020205020404" pitchFamily="49" charset="0"/>
-            </a:endParaRPr>
-          </a:p>
-          <a:p>
-            <a:r>
-              <a:rPr lang="en-US" dirty="0"/>
-              <a:t>Python Crash Course</a:t>
-            </a:r>
-          </a:p>
-          <a:p>
-            <a:pPr lvl="1"/>
-            <a:r>
-              <a:rPr lang="en-US" sz="1600" dirty="0">
-                <a:solidFill>
-                  <a:srgbClr val="0F1111"/>
-                </a:solidFill>
-                <a:latin typeface="Courier New" panose="02070309020205020404" pitchFamily="49" charset="0"/>
-                <a:cs typeface="Courier New" panose="02070309020205020404" pitchFamily="49" charset="0"/>
-              </a:rPr>
-              <a:t>3eme Edition, 2023, 1.5 M </a:t>
-            </a:r>
-            <a:r>
-              <a:rPr lang="en-US" sz="1600" dirty="0" err="1">
-                <a:solidFill>
-                  <a:srgbClr val="0F1111"/>
-                </a:solidFill>
-                <a:latin typeface="Courier New" panose="02070309020205020404" pitchFamily="49" charset="0"/>
-                <a:cs typeface="Courier New" panose="02070309020205020404" pitchFamily="49" charset="0"/>
-              </a:rPr>
-              <a:t>d’exemplaires</a:t>
-            </a:r>
-            <a:endParaRPr lang="en-US" sz="1600" dirty="0">
-              <a:solidFill>
-                <a:srgbClr val="0F1111"/>
-              </a:solidFill>
-              <a:latin typeface="Courier New" panose="02070309020205020404" pitchFamily="49" charset="0"/>
-              <a:cs typeface="Courier New" panose="02070309020205020404" pitchFamily="49" charset="0"/>
-            </a:endParaRPr>
-          </a:p>
-          <a:p>
-            <a:pPr lvl="1"/>
-            <a:r>
-              <a:rPr lang="en-US" sz="1600" dirty="0">
-                <a:solidFill>
-                  <a:srgbClr val="0F1111"/>
-                </a:solidFill>
-                <a:latin typeface="Courier New" panose="02070309020205020404" pitchFamily="49" charset="0"/>
-                <a:cs typeface="Courier New" panose="02070309020205020404" pitchFamily="49" charset="0"/>
-                <a:hlinkClick r:id="rId4"/>
-              </a:rPr>
-              <a:t>https://amzn.eu/d/3DLax8n</a:t>
-            </a:r>
-            <a:endParaRPr lang="en-US" sz="1600" dirty="0">
-              <a:solidFill>
-                <a:srgbClr val="0F1111"/>
-              </a:solidFill>
-              <a:latin typeface="Courier New" panose="02070309020205020404" pitchFamily="49" charset="0"/>
-              <a:cs typeface="Courier New" panose="02070309020205020404" pitchFamily="49" charset="0"/>
-            </a:endParaRPr>
-          </a:p>
-          <a:p>
-            <a:r>
-              <a:rPr lang="en-US" dirty="0"/>
-              <a:t>Hands-on Machine Learning With Scikit-learn, </a:t>
-            </a:r>
-            <a:r>
-              <a:rPr lang="en-US" dirty="0" err="1"/>
-              <a:t>Keras</a:t>
-            </a:r>
-            <a:r>
-              <a:rPr lang="en-US" dirty="0"/>
-              <a:t>, and </a:t>
-            </a:r>
-            <a:r>
-              <a:rPr lang="en-US" dirty="0" err="1"/>
-              <a:t>Tensorflow</a:t>
-            </a:r>
-            <a:endParaRPr lang="en-US" dirty="0"/>
-          </a:p>
-          <a:p>
-            <a:pPr lvl="1"/>
-            <a:r>
-              <a:rPr lang="en-US" sz="1600" dirty="0" err="1">
-                <a:solidFill>
-                  <a:srgbClr val="0F1111"/>
-                </a:solidFill>
-                <a:latin typeface="Courier New" panose="02070309020205020404" pitchFamily="49" charset="0"/>
-                <a:cs typeface="Courier New" panose="02070309020205020404" pitchFamily="49" charset="0"/>
-              </a:rPr>
-              <a:t>Coûte</a:t>
-            </a:r>
-            <a:r>
-              <a:rPr lang="en-US" sz="1600" dirty="0">
-                <a:solidFill>
-                  <a:srgbClr val="0F1111"/>
-                </a:solidFill>
-                <a:latin typeface="Courier New" panose="02070309020205020404" pitchFamily="49" charset="0"/>
-                <a:cs typeface="Courier New" panose="02070309020205020404" pitchFamily="49" charset="0"/>
-              </a:rPr>
-              <a:t> </a:t>
-            </a:r>
-            <a:r>
-              <a:rPr lang="en-US" sz="1600" dirty="0" err="1">
-                <a:solidFill>
-                  <a:srgbClr val="0F1111"/>
-                </a:solidFill>
-                <a:latin typeface="Courier New" panose="02070309020205020404" pitchFamily="49" charset="0"/>
-                <a:cs typeface="Courier New" panose="02070309020205020404" pitchFamily="49" charset="0"/>
-              </a:rPr>
-              <a:t>une</a:t>
-            </a:r>
-            <a:r>
-              <a:rPr lang="en-US" sz="1600" dirty="0">
-                <a:solidFill>
-                  <a:srgbClr val="0F1111"/>
-                </a:solidFill>
-                <a:latin typeface="Courier New" panose="02070309020205020404" pitchFamily="49" charset="0"/>
-                <a:cs typeface="Courier New" panose="02070309020205020404" pitchFamily="49" charset="0"/>
-              </a:rPr>
-              <a:t> </a:t>
-            </a:r>
-            <a:r>
-              <a:rPr lang="en-US" sz="1600" dirty="0" err="1">
-                <a:solidFill>
-                  <a:srgbClr val="0F1111"/>
-                </a:solidFill>
-                <a:latin typeface="Courier New" panose="02070309020205020404" pitchFamily="49" charset="0"/>
-                <a:cs typeface="Courier New" panose="02070309020205020404" pitchFamily="49" charset="0"/>
-              </a:rPr>
-              <a:t>blinde</a:t>
-            </a:r>
-            <a:r>
-              <a:rPr lang="en-US" sz="1600" dirty="0">
-                <a:solidFill>
-                  <a:srgbClr val="0F1111"/>
-                </a:solidFill>
-                <a:latin typeface="Courier New" panose="02070309020205020404" pitchFamily="49" charset="0"/>
-                <a:cs typeface="Courier New" panose="02070309020205020404" pitchFamily="49" charset="0"/>
-              </a:rPr>
-              <a:t>, un pavé, 3eme edition, 2022</a:t>
-            </a:r>
-          </a:p>
-          <a:p>
-            <a:pPr lvl="1"/>
-            <a:r>
-              <a:rPr lang="en-US" sz="1600" dirty="0">
-                <a:solidFill>
-                  <a:srgbClr val="0F1111"/>
-                </a:solidFill>
-                <a:latin typeface="Courier New" panose="02070309020205020404" pitchFamily="49" charset="0"/>
-                <a:cs typeface="Courier New" panose="02070309020205020404" pitchFamily="49" charset="0"/>
-                <a:hlinkClick r:id="rId5"/>
-              </a:rPr>
-              <a:t>https://amzn.eu/d/egtdtcd</a:t>
-            </a:r>
-            <a:endParaRPr lang="en-US" sz="2000" dirty="0">
               <a:solidFill>
                 <a:srgbClr val="0F1111"/>
               </a:solidFill>
@@ -16751,10 +17042,10 @@
       </p:sp>
       <p:pic>
         <p:nvPicPr>
-          <p:cNvPr id="5" name="Image 4">
-            <a:extLst>
-              <a:ext uri="{FF2B5EF4-FFF2-40B4-BE49-F238E27FC236}">
-                <a16:creationId xmlns:a16="http://schemas.microsoft.com/office/drawing/2014/main" id="{1429715C-5B6D-88D3-F04B-CDB403A4B5FA}"/>
+          <p:cNvPr id="6" name="Image 5">
+            <a:extLst>
+              <a:ext uri="{FF2B5EF4-FFF2-40B4-BE49-F238E27FC236}">
+                <a16:creationId xmlns:a16="http://schemas.microsoft.com/office/drawing/2014/main" id="{C4A03152-53BB-D63F-250F-F679F645CB5E}"/>
               </a:ext>
             </a:extLst>
           </p:cNvPr>
@@ -16763,16 +17054,51 @@
           </p:cNvPicPr>
           <p:nvPr/>
         </p:nvPicPr>
-        <p:blipFill>
-          <a:blip r:embed="rId6"/>
-          <a:stretch>
-            <a:fillRect/>
-          </a:stretch>
+        <p:blipFill rotWithShape="1">
+          <a:blip r:embed="rId4"/>
+          <a:srcRect l="2693" t="1613" r="2382"/>
+          <a:stretch/>
         </p:blipFill>
         <p:spPr>
           <a:xfrm>
-            <a:off x="9718766" y="365124"/>
-            <a:ext cx="2190348" cy="2803849"/>
+            <a:off x="9542145" y="271170"/>
+            <a:ext cx="2257425" cy="3125775"/>
+          </a:xfrm>
+          <a:prstGeom prst="rect">
+            <a:avLst/>
+          </a:prstGeom>
+          <a:effectLst>
+            <a:outerShdw blurRad="50800" dist="38100" dir="2700000" algn="tl" rotWithShape="0">
+              <a:prstClr val="black">
+                <a:alpha val="40000"/>
+              </a:prstClr>
+            </a:outerShdw>
+          </a:effectLst>
+        </p:spPr>
+      </p:pic>
+      <p:pic>
+        <p:nvPicPr>
+          <p:cNvPr id="10" name="Image 9">
+            <a:extLst>
+              <a:ext uri="{FF2B5EF4-FFF2-40B4-BE49-F238E27FC236}">
+                <a16:creationId xmlns:a16="http://schemas.microsoft.com/office/drawing/2014/main" id="{377B57BC-949B-1AA0-5667-3559FF80642A}"/>
+              </a:ext>
+            </a:extLst>
+          </p:cNvPr>
+          <p:cNvPicPr>
+            <a:picLocks noChangeAspect="1"/>
+          </p:cNvPicPr>
+          <p:nvPr/>
+        </p:nvPicPr>
+        <p:blipFill rotWithShape="1">
+          <a:blip r:embed="rId5"/>
+          <a:srcRect l="1595" t="1567" r="2474" b="1143"/>
+          <a:stretch/>
+        </p:blipFill>
+        <p:spPr>
+          <a:xfrm>
+            <a:off x="9540916" y="3609975"/>
+            <a:ext cx="2258653" cy="2982060"/>
           </a:xfrm>
           <a:prstGeom prst="rect">
             <a:avLst/>
@@ -16821,7 +17147,7 @@
           <p:cNvPr id="2" name="Titre 1">
             <a:extLst>
               <a:ext uri="{FF2B5EF4-FFF2-40B4-BE49-F238E27FC236}">
-                <a16:creationId xmlns:a16="http://schemas.microsoft.com/office/drawing/2014/main" id="{91D577C0-85A9-8612-8D5E-F221D19DDEA3}"/>
+                <a16:creationId xmlns:a16="http://schemas.microsoft.com/office/drawing/2014/main" id="{FA6243E6-E350-4836-3E9F-D3814475FD2C}"/>
               </a:ext>
             </a:extLst>
           </p:cNvPr>
@@ -16839,17 +17165,17 @@
           <a:p>
             <a:r>
               <a:rPr lang="fr-FR" dirty="0"/>
-              <a:t>Conduite du projet</a:t>
-            </a:r>
-          </a:p>
-        </p:txBody>
-      </p:sp>
-      <p:sp>
-        <p:nvSpPr>
-          <p:cNvPr id="3" name="Espace réservé du contenu 2">
-            <a:extLst>
-              <a:ext uri="{FF2B5EF4-FFF2-40B4-BE49-F238E27FC236}">
-                <a16:creationId xmlns:a16="http://schemas.microsoft.com/office/drawing/2014/main" id="{EB0FC026-327D-475F-13A4-A3A9BB6066E7}"/>
+              <a:t>Jour 8 - Projet</a:t>
+            </a:r>
+          </a:p>
+        </p:txBody>
+      </p:sp>
+      <p:sp>
+        <p:nvSpPr>
+          <p:cNvPr id="4" name="Espace réservé du texte 3">
+            <a:extLst>
+              <a:ext uri="{FF2B5EF4-FFF2-40B4-BE49-F238E27FC236}">
+                <a16:creationId xmlns:a16="http://schemas.microsoft.com/office/drawing/2014/main" id="{D15B72BF-F68A-0242-113B-2926D9E09185}"/>
               </a:ext>
             </a:extLst>
           </p:cNvPr>
@@ -16857,124 +17183,22 @@
             <a:spLocks noGrp="1"/>
           </p:cNvSpPr>
           <p:nvPr>
-            <p:ph idx="1"/>
+            <p:ph type="body" idx="1"/>
           </p:nvPr>
         </p:nvSpPr>
         <p:spPr/>
         <p:txBody>
-          <a:bodyPr>
-            <a:normAutofit fontScale="92500"/>
-          </a:bodyPr>
+          <a:bodyPr/>
           <a:lstStyle/>
           <a:p>
-            <a:r>
-              <a:rPr lang="fr-FR" dirty="0"/>
-              <a:t>Ce n'est pas un concours, c'est une validation des acquis</a:t>
-            </a:r>
-          </a:p>
-          <a:p>
-            <a:pPr lvl="1"/>
-            <a:r>
-              <a:rPr lang="fr-FR" dirty="0"/>
-              <a:t>Montrez que vous savez appliquer ce que vous avez appris</a:t>
-            </a:r>
-          </a:p>
-          <a:p>
-            <a:pPr lvl="1"/>
-            <a:r>
-              <a:rPr lang="fr-FR" dirty="0"/>
-              <a:t>Vous êtes là pour prouver, pas pour trouver</a:t>
-            </a:r>
-          </a:p>
-          <a:p>
-            <a:r>
-              <a:rPr lang="fr-FR" dirty="0" err="1"/>
-              <a:t>Dataset</a:t>
-            </a:r>
-            <a:endParaRPr lang="fr-FR" dirty="0"/>
-          </a:p>
-          <a:p>
-            <a:pPr lvl="1"/>
-            <a:r>
-              <a:rPr lang="fr-FR" dirty="0"/>
-              <a:t>Il vaut mieux un excellent </a:t>
-            </a:r>
-            <a:r>
-              <a:rPr lang="fr-FR" dirty="0" err="1"/>
-              <a:t>dataset</a:t>
-            </a:r>
-            <a:r>
-              <a:rPr lang="fr-FR" dirty="0"/>
-              <a:t> sur un sujet "moyen"</a:t>
-            </a:r>
-          </a:p>
-          <a:p>
-            <a:pPr lvl="1"/>
-            <a:r>
-              <a:rPr lang="fr-FR" dirty="0"/>
-              <a:t>Plutôt qu'un "formidable" sujet mais aucune donnée à traiter</a:t>
-            </a:r>
-          </a:p>
-          <a:p>
-            <a:pPr lvl="1"/>
-            <a:r>
-              <a:rPr lang="fr-FR" dirty="0"/>
-              <a:t>Garbage in =&gt; Garbage Out</a:t>
-            </a:r>
-          </a:p>
-          <a:p>
-            <a:r>
-              <a:rPr lang="fr-FR" dirty="0" err="1"/>
-              <a:t>Dataset</a:t>
-            </a:r>
-            <a:endParaRPr lang="fr-FR" dirty="0"/>
-          </a:p>
-          <a:p>
-            <a:pPr lvl="1"/>
-            <a:r>
-              <a:rPr lang="fr-FR" dirty="0"/>
-              <a:t>Vous allez passer 2/3 du temps sur les </a:t>
-            </a:r>
-            <a:r>
-              <a:rPr lang="fr-FR" dirty="0" err="1"/>
-              <a:t>datasets</a:t>
-            </a:r>
-            <a:r>
-              <a:rPr lang="fr-FR" dirty="0"/>
-              <a:t>, l'EDA</a:t>
-            </a:r>
-          </a:p>
-          <a:p>
-            <a:pPr lvl="1"/>
-            <a:r>
-              <a:rPr lang="fr-FR" dirty="0"/>
-              <a:t>Faire tourner des modèles c'est facile et rapide</a:t>
-            </a:r>
-          </a:p>
-          <a:p>
-            <a:pPr lvl="1"/>
-            <a:r>
-              <a:rPr lang="fr-FR" dirty="0"/>
-              <a:t>Si les données sont trop pourries changez de </a:t>
-            </a:r>
-            <a:r>
-              <a:rPr lang="fr-FR" dirty="0" err="1"/>
-              <a:t>dataset</a:t>
-            </a:r>
-            <a:r>
-              <a:rPr lang="fr-FR" dirty="0"/>
-              <a:t> . Quitte à changer de sujet</a:t>
-            </a:r>
-          </a:p>
-          <a:p>
-            <a:endParaRPr lang="fr-FR" dirty="0"/>
+            <a:endParaRPr lang="fr-FR"/>
           </a:p>
         </p:txBody>
       </p:sp>
     </p:spTree>
     <p:extLst>
       <p:ext uri="{BB962C8B-B14F-4D97-AF65-F5344CB8AC3E}">
-        <p14:creationId xmlns:p14="http://schemas.microsoft.com/office/powerpoint/2010/main" val="2540323896"/>
+        <p14:creationId xmlns:p14="http://schemas.microsoft.com/office/powerpoint/2010/main" val="3791528499"/>
       </p:ext>
     </p:extLst>
   </p:cSld>
@@ -17003,10 +17227,10 @@
       </p:grpSpPr>
       <p:sp>
         <p:nvSpPr>
-          <p:cNvPr id="2" name="Titre 1">
-            <a:extLst>
-              <a:ext uri="{FF2B5EF4-FFF2-40B4-BE49-F238E27FC236}">
-                <a16:creationId xmlns:a16="http://schemas.microsoft.com/office/drawing/2014/main" id="{FA6243E6-E350-4836-3E9F-D3814475FD2C}"/>
+          <p:cNvPr id="4" name="Titre 3">
+            <a:extLst>
+              <a:ext uri="{FF2B5EF4-FFF2-40B4-BE49-F238E27FC236}">
+                <a16:creationId xmlns:a16="http://schemas.microsoft.com/office/drawing/2014/main" id="{E0EF6534-E2A9-B8D6-2479-C32AFD155124}"/>
               </a:ext>
             </a:extLst>
           </p:cNvPr>
@@ -17024,17 +17248,17 @@
           <a:p>
             <a:r>
               <a:rPr lang="fr-FR" dirty="0"/>
-              <a:t>Jour 9 - Projet</a:t>
-            </a:r>
-          </a:p>
-        </p:txBody>
-      </p:sp>
-      <p:sp>
-        <p:nvSpPr>
-          <p:cNvPr id="4" name="Espace réservé du texte 3">
-            <a:extLst>
-              <a:ext uri="{FF2B5EF4-FFF2-40B4-BE49-F238E27FC236}">
-                <a16:creationId xmlns:a16="http://schemas.microsoft.com/office/drawing/2014/main" id="{24E22D90-D352-DD92-3A88-32EB8E2D63FA}"/>
+              <a:t>Rétro planning</a:t>
+            </a:r>
+          </a:p>
+        </p:txBody>
+      </p:sp>
+      <p:sp>
+        <p:nvSpPr>
+          <p:cNvPr id="5" name="Espace réservé du contenu 4">
+            <a:extLst>
+              <a:ext uri="{FF2B5EF4-FFF2-40B4-BE49-F238E27FC236}">
+                <a16:creationId xmlns:a16="http://schemas.microsoft.com/office/drawing/2014/main" id="{E7243C4C-A2DA-48C8-744A-8AB1E7248236}"/>
               </a:ext>
             </a:extLst>
           </p:cNvPr>
@@ -17042,22 +17266,66 @@
             <a:spLocks noGrp="1"/>
           </p:cNvSpPr>
           <p:nvPr>
-            <p:ph type="body" idx="1"/>
+            <p:ph idx="1"/>
           </p:nvPr>
         </p:nvSpPr>
         <p:spPr/>
         <p:txBody>
-          <a:bodyPr/>
+          <a:bodyPr>
+            <a:normAutofit/>
+          </a:bodyPr>
           <a:lstStyle/>
           <a:p>
-            <a:endParaRPr lang="fr-FR"/>
+            <a:r>
+              <a:rPr lang="fr-FR" dirty="0"/>
+              <a:t>Présentations Vendredi après-midi</a:t>
+            </a:r>
+          </a:p>
+          <a:p>
+            <a:r>
+              <a:rPr lang="fr-FR" dirty="0"/>
+              <a:t>=&gt; Répétitions Vendredi entre 12 et 14H</a:t>
+            </a:r>
+          </a:p>
+          <a:p>
+            <a:r>
+              <a:rPr lang="fr-FR" dirty="0"/>
+              <a:t>=&gt; Slides terminés, relus etc. à 12H</a:t>
+            </a:r>
+          </a:p>
+          <a:p>
+            <a:r>
+              <a:rPr lang="fr-FR" dirty="0"/>
+              <a:t>=&gt; Jeudi soir tous les graphes, scores, conclusions sont sortis</a:t>
+            </a:r>
+          </a:p>
+          <a:p>
+            <a:pPr lvl="1"/>
+            <a:r>
+              <a:rPr lang="fr-FR" dirty="0"/>
+              <a:t>Vendredi matin on pourra sortir 1 ou 2 trucs mais pas beaucoup plus</a:t>
+            </a:r>
+          </a:p>
+          <a:p>
+            <a:r>
+              <a:rPr lang="fr-FR" dirty="0"/>
+              <a:t>=&gt; Cherchez des </a:t>
+            </a:r>
+            <a:r>
+              <a:rPr lang="fr-FR" dirty="0" err="1"/>
+              <a:t>datasets</a:t>
+            </a:r>
+            <a:r>
+              <a:rPr lang="fr-FR" dirty="0"/>
+              <a:t> et des idées de sujet le week-end précédent</a:t>
+            </a:r>
           </a:p>
         </p:txBody>
       </p:sp>
     </p:spTree>
     <p:extLst>
       <p:ext uri="{BB962C8B-B14F-4D97-AF65-F5344CB8AC3E}">
-        <p14:creationId xmlns:p14="http://schemas.microsoft.com/office/powerpoint/2010/main" val="80189523"/>
+        <p14:creationId xmlns:p14="http://schemas.microsoft.com/office/powerpoint/2010/main" val="2196411414"/>
       </p:ext>
     </p:extLst>
   </p:cSld>
@@ -17089,7 +17357,7 @@
           <p:cNvPr id="2" name="Titre 1">
             <a:extLst>
               <a:ext uri="{FF2B5EF4-FFF2-40B4-BE49-F238E27FC236}">
-                <a16:creationId xmlns:a16="http://schemas.microsoft.com/office/drawing/2014/main" id="{43027863-5F12-C0FC-41B6-6A37F08C783C}"/>
+                <a16:creationId xmlns:a16="http://schemas.microsoft.com/office/drawing/2014/main" id="{91D577C0-85A9-8612-8D5E-F221D19DDEA3}"/>
               </a:ext>
             </a:extLst>
           </p:cNvPr>
@@ -17107,7 +17375,7 @@
           <a:p>
             <a:r>
               <a:rPr lang="fr-FR" dirty="0"/>
-              <a:t>Analyse</a:t>
+              <a:t>Conduite du projet</a:t>
             </a:r>
           </a:p>
         </p:txBody>
@@ -17117,7 +17385,7 @@
           <p:cNvPr id="3" name="Espace réservé du contenu 2">
             <a:extLst>
               <a:ext uri="{FF2B5EF4-FFF2-40B4-BE49-F238E27FC236}">
-                <a16:creationId xmlns:a16="http://schemas.microsoft.com/office/drawing/2014/main" id="{7343D8EC-44D1-AF04-E6CC-7986F8B14507}"/>
+                <a16:creationId xmlns:a16="http://schemas.microsoft.com/office/drawing/2014/main" id="{EB0FC026-327D-475F-13A4-A3A9BB6066E7}"/>
               </a:ext>
             </a:extLst>
           </p:cNvPr>
@@ -17131,93 +17399,107 @@
         <p:spPr/>
         <p:txBody>
           <a:bodyPr>
-            <a:normAutofit/>
+            <a:normAutofit fontScale="92500"/>
           </a:bodyPr>
           <a:lstStyle/>
           <a:p>
             <a:r>
               <a:rPr lang="fr-FR" dirty="0"/>
-              <a:t>C'est quoi votre </a:t>
-            </a:r>
+              <a:t>Ce n'est pas un concours, c'est une validation des acquis</a:t>
+            </a:r>
+          </a:p>
+          <a:p>
+            <a:pPr lvl="1"/>
+            <a:r>
+              <a:rPr lang="fr-FR" dirty="0"/>
+              <a:t>Montrez que vous savez appliquer ce que vous avez appris</a:t>
+            </a:r>
+          </a:p>
+          <a:p>
+            <a:pPr lvl="1"/>
+            <a:r>
+              <a:rPr lang="fr-FR" dirty="0"/>
+              <a:t>Vous êtes là pour prouver, pas pour trouver</a:t>
+            </a:r>
+          </a:p>
+          <a:p>
             <a:r>
               <a:rPr lang="fr-FR" dirty="0" err="1"/>
-              <a:t>target</a:t>
-            </a:r>
-            <a:r>
-              <a:rPr lang="fr-FR" dirty="0"/>
-              <a:t> ?</a:t>
-            </a:r>
+              <a:t>Dataset</a:t>
+            </a:r>
+            <a:endParaRPr lang="fr-FR" dirty="0"/>
           </a:p>
           <a:p>
             <a:pPr lvl="1"/>
             <a:r>
               <a:rPr lang="fr-FR" dirty="0"/>
-              <a:t>Donc les autres ce sont les </a:t>
+              <a:t>Il vaut mieux un excellent </a:t>
             </a:r>
             <a:r>
               <a:rPr lang="fr-FR" dirty="0" err="1"/>
-              <a:t>features</a:t>
+              <a:t>dataset</a:t>
+            </a:r>
+            <a:r>
+              <a:rPr lang="fr-FR" dirty="0"/>
+              <a:t> sur un sujet "moyen"</a:t>
+            </a:r>
+          </a:p>
+          <a:p>
+            <a:pPr lvl="1"/>
+            <a:r>
+              <a:rPr lang="fr-FR" dirty="0"/>
+              <a:t>Plutôt qu'un "formidable" sujet mais aucune donnée à traiter</a:t>
+            </a:r>
+          </a:p>
+          <a:p>
+            <a:pPr lvl="1"/>
+            <a:r>
+              <a:rPr lang="fr-FR" dirty="0"/>
+              <a:t>Garbage in =&gt; Garbage Out</a:t>
+            </a:r>
+          </a:p>
+          <a:p>
+            <a:r>
+              <a:rPr lang="fr-FR" dirty="0" err="1"/>
+              <a:t>Dataset</a:t>
             </a:r>
             <a:endParaRPr lang="fr-FR" dirty="0"/>
           </a:p>
           <a:p>
-            <a:r>
-              <a:rPr lang="fr-FR" dirty="0"/>
-              <a:t>C'est de la régression ou du classement?</a:t>
-            </a:r>
-          </a:p>
-          <a:p>
-            <a:r>
-              <a:rPr lang="fr-FR" dirty="0"/>
-              <a:t>Passez du temps sur l'EDA</a:t>
-            </a:r>
-          </a:p>
-          <a:p>
             <a:pPr lvl="1"/>
             <a:r>
               <a:rPr lang="fr-FR" dirty="0"/>
-              <a:t>Revoyez l'exemple Titanic</a:t>
+              <a:t>Vous allez passer 2/3 du temps sur les </a:t>
+            </a:r>
+            <a:r>
+              <a:rPr lang="fr-FR" dirty="0" err="1"/>
+              <a:t>datasets</a:t>
+            </a:r>
+            <a:r>
+              <a:rPr lang="fr-FR" dirty="0"/>
+              <a:t>, l'EDA</a:t>
             </a:r>
           </a:p>
           <a:p>
             <a:pPr lvl="1"/>
             <a:r>
               <a:rPr lang="fr-FR" dirty="0"/>
-              <a:t>Affichez la </a:t>
+              <a:t>Faire tourner des modèles c'est facile et rapide</a:t>
+            </a:r>
+          </a:p>
+          <a:p>
+            <a:pPr lvl="1"/>
+            <a:r>
+              <a:rPr lang="fr-FR" dirty="0"/>
+              <a:t>Si les données sont trop pourries changez de </a:t>
             </a:r>
             <a:r>
               <a:rPr lang="fr-FR" dirty="0" err="1"/>
-              <a:t>target</a:t>
-            </a:r>
-            <a:r>
-              <a:rPr lang="fr-FR" dirty="0"/>
-              <a:t> en fonction de tout, appropriez-vous les données</a:t>
-            </a:r>
-          </a:p>
-          <a:p>
-            <a:r>
-              <a:rPr lang="fr-FR" dirty="0"/>
-              <a:t>Analysez, critiquez les scores</a:t>
-            </a:r>
-          </a:p>
-          <a:p>
-            <a:r>
-              <a:rPr lang="fr-FR" dirty="0"/>
-              <a:t>Y a-t-il d'autres modèles, en plus de ceux vus en cours, à tester ?</a:t>
-            </a:r>
-          </a:p>
-          <a:p>
-            <a:r>
-              <a:rPr lang="fr-FR" dirty="0"/>
-              <a:t>Y a-t-il des </a:t>
-            </a:r>
-            <a:r>
-              <a:rPr lang="fr-FR" dirty="0" err="1"/>
-              <a:t>scorings</a:t>
-            </a:r>
-            <a:r>
-              <a:rPr lang="fr-FR" dirty="0"/>
-              <a:t>, pas vu en cours, utilisables ?</a:t>
+              <a:t>dataset</a:t>
+            </a:r>
+            <a:r>
+              <a:rPr lang="fr-FR" dirty="0"/>
+              <a:t> . Quitte à changer de sujet</a:t>
             </a:r>
           </a:p>
           <a:p>
@@ -17228,7 +17510,7 @@
     </p:spTree>
     <p:extLst>
       <p:ext uri="{BB962C8B-B14F-4D97-AF65-F5344CB8AC3E}">
-        <p14:creationId xmlns:p14="http://schemas.microsoft.com/office/powerpoint/2010/main" val="2196644587"/>
+        <p14:creationId xmlns:p14="http://schemas.microsoft.com/office/powerpoint/2010/main" val="2540323896"/>
       </p:ext>
     </p:extLst>
   </p:cSld>
@@ -17277,12 +17559,8 @@
           <a:lstStyle/>
           <a:p>
             <a:r>
-              <a:rPr lang="fr-FR"/>
-              <a:t>Jour 10 </a:t>
-            </a:r>
-            <a:r>
-              <a:rPr lang="fr-FR" dirty="0"/>
-              <a:t>- Présentations</a:t>
+              <a:rPr lang="fr-FR" dirty="0"/>
+              <a:t>Jour 9 - Projet</a:t>
             </a:r>
           </a:p>
         </p:txBody>
@@ -17292,7 +17570,7 @@
           <p:cNvPr id="4" name="Espace réservé du texte 3">
             <a:extLst>
               <a:ext uri="{FF2B5EF4-FFF2-40B4-BE49-F238E27FC236}">
-                <a16:creationId xmlns:a16="http://schemas.microsoft.com/office/drawing/2014/main" id="{3D678D7E-8072-8B66-6EB7-C0CECFAF9EAE}"/>
+                <a16:creationId xmlns:a16="http://schemas.microsoft.com/office/drawing/2014/main" id="{24E22D90-D352-DD92-3A88-32EB8E2D63FA}"/>
               </a:ext>
             </a:extLst>
           </p:cNvPr>
@@ -17315,7 +17593,7 @@
     </p:spTree>
     <p:extLst>
       <p:ext uri="{BB962C8B-B14F-4D97-AF65-F5344CB8AC3E}">
-        <p14:creationId xmlns:p14="http://schemas.microsoft.com/office/powerpoint/2010/main" val="1230004352"/>
+        <p14:creationId xmlns:p14="http://schemas.microsoft.com/office/powerpoint/2010/main" val="80189523"/>
       </p:ext>
     </p:extLst>
   </p:cSld>
@@ -17347,7 +17625,7 @@
           <p:cNvPr id="2" name="Titre 1">
             <a:extLst>
               <a:ext uri="{FF2B5EF4-FFF2-40B4-BE49-F238E27FC236}">
-                <a16:creationId xmlns:a16="http://schemas.microsoft.com/office/drawing/2014/main" id="{370F5FAD-9F53-AAE9-AB90-BF22980F842C}"/>
+                <a16:creationId xmlns:a16="http://schemas.microsoft.com/office/drawing/2014/main" id="{43027863-5F12-C0FC-41B6-6A37F08C783C}"/>
               </a:ext>
             </a:extLst>
           </p:cNvPr>
@@ -17365,7 +17643,7 @@
           <a:p>
             <a:r>
               <a:rPr lang="fr-FR" dirty="0"/>
-              <a:t>Présentation</a:t>
+              <a:t>Analyse</a:t>
             </a:r>
           </a:p>
         </p:txBody>
@@ -17375,7 +17653,7 @@
           <p:cNvPr id="3" name="Espace réservé du contenu 2">
             <a:extLst>
               <a:ext uri="{FF2B5EF4-FFF2-40B4-BE49-F238E27FC236}">
-                <a16:creationId xmlns:a16="http://schemas.microsoft.com/office/drawing/2014/main" id="{913331AE-0180-6BC1-67DA-C0635E1BC504}"/>
+                <a16:creationId xmlns:a16="http://schemas.microsoft.com/office/drawing/2014/main" id="{7343D8EC-44D1-AF04-E6CC-7986F8B14507}"/>
               </a:ext>
             </a:extLst>
           </p:cNvPr>
@@ -17386,12 +17664,7 @@
             <p:ph idx="1"/>
           </p:nvPr>
         </p:nvSpPr>
-        <p:spPr>
-          <a:xfrm>
-            <a:off x="838200" y="1825625"/>
-            <a:ext cx="10595708" cy="4351338"/>
-          </a:xfrm>
-        </p:spPr>
+        <p:spPr/>
         <p:txBody>
           <a:bodyPr>
             <a:normAutofit/>
@@ -17400,60 +17673,106 @@
           <a:p>
             <a:r>
               <a:rPr lang="fr-FR" dirty="0"/>
-              <a:t>10' + 5' de questions</a:t>
-            </a:r>
-          </a:p>
-          <a:p>
-            <a:r>
-              <a:rPr lang="fr-FR" dirty="0"/>
-              <a:t>=&gt; 5-6 slides</a:t>
-            </a:r>
-          </a:p>
-          <a:p>
-            <a:r>
-              <a:rPr lang="fr-FR" dirty="0"/>
-              <a:t>Pensez au slide qui va rester à l'écran pendant les Q&amp;A</a:t>
+              <a:t>C'est quoi votre </a:t>
+            </a:r>
+            <a:r>
+              <a:rPr lang="fr-FR" dirty="0" err="1"/>
+              <a:t>target</a:t>
+            </a:r>
+            <a:r>
+              <a:rPr lang="fr-FR" dirty="0"/>
+              <a:t> ?</a:t>
             </a:r>
           </a:p>
           <a:p>
             <a:pPr lvl="1"/>
             <a:r>
               <a:rPr lang="fr-FR" dirty="0"/>
-              <a:t>Vous passez quoi comme message ?</a:t>
-            </a:r>
-          </a:p>
-          <a:p>
-            <a:r>
-              <a:rPr lang="fr-FR" dirty="0"/>
-              <a:t>Imaginez que vous présentez à vos parents</a:t>
+              <a:t>Donc les autres ce sont les </a:t>
+            </a:r>
+            <a:r>
+              <a:rPr lang="fr-FR" dirty="0" err="1"/>
+              <a:t>features</a:t>
+            </a:r>
+            <a:endParaRPr lang="fr-FR" dirty="0"/>
+          </a:p>
+          <a:p>
+            <a:r>
+              <a:rPr lang="fr-FR" dirty="0"/>
+              <a:t>C'est de la régression ou du classement?</a:t>
+            </a:r>
+          </a:p>
+          <a:p>
+            <a:r>
+              <a:rPr lang="fr-FR" dirty="0"/>
+              <a:t>Passez du temps sur l'EDA</a:t>
             </a:r>
           </a:p>
           <a:p>
             <a:pPr lvl="1"/>
             <a:r>
               <a:rPr lang="fr-FR" dirty="0"/>
-              <a:t>Assurez-vous que l'auditoire vous suit</a:t>
+              <a:t>Revoyez l'exemple Titanic</a:t>
             </a:r>
           </a:p>
           <a:p>
             <a:pPr lvl="1"/>
             <a:r>
               <a:rPr lang="fr-FR" dirty="0"/>
-              <a:t>Pas (trop) de technique, des images, des dessins des conclusions simples</a:t>
-            </a:r>
-          </a:p>
-          <a:p>
-            <a:r>
-              <a:rPr lang="fr-FR" dirty="0"/>
-              <a:t>Pas trop de texte (5 phrases max, 5 mots par phrase max)</a:t>
-            </a:r>
+              <a:t>Affichez la </a:t>
+            </a:r>
+            <a:r>
+              <a:rPr lang="fr-FR" dirty="0" err="1"/>
+              <a:t>target</a:t>
+            </a:r>
+            <a:r>
+              <a:rPr lang="fr-FR" dirty="0"/>
+              <a:t> en fonction des </a:t>
+            </a:r>
+            <a:r>
+              <a:rPr lang="fr-FR" dirty="0" err="1"/>
+              <a:t>features</a:t>
+            </a:r>
+            <a:r>
+              <a:rPr lang="fr-FR" dirty="0"/>
+              <a:t>, appropriez-vous les données</a:t>
+            </a:r>
+          </a:p>
+          <a:p>
+            <a:r>
+              <a:rPr lang="fr-FR" dirty="0"/>
+              <a:t>Analysez, critiquez les scores</a:t>
+            </a:r>
+          </a:p>
+          <a:p>
+            <a:r>
+              <a:rPr lang="fr-FR" dirty="0"/>
+              <a:t>Y a-t-il d'autres modèles, en plus de ceux vus en cours, à tester ?</a:t>
+            </a:r>
+          </a:p>
+          <a:p>
+            <a:r>
+              <a:rPr lang="fr-FR" dirty="0"/>
+              <a:t>Y a-t-il des </a:t>
+            </a:r>
+            <a:r>
+              <a:rPr lang="fr-FR" dirty="0" err="1"/>
+              <a:t>scorings</a:t>
+            </a:r>
+            <a:r>
+              <a:rPr lang="fr-FR" dirty="0"/>
+              <a:t>, pas vu en cours, utilisables ?</a:t>
+            </a:r>
+          </a:p>
+          <a:p>
+            <a:endParaRPr lang="fr-FR" dirty="0"/>
           </a:p>
         </p:txBody>
       </p:sp>
     </p:spTree>
     <p:extLst>
       <p:ext uri="{BB962C8B-B14F-4D97-AF65-F5344CB8AC3E}">
-        <p14:creationId xmlns:p14="http://schemas.microsoft.com/office/powerpoint/2010/main" val="670108457"/>
+        <p14:creationId xmlns:p14="http://schemas.microsoft.com/office/powerpoint/2010/main" val="2196644587"/>
       </p:ext>
     </p:extLst>
   </p:cSld>
@@ -17485,7 +17804,7 @@
           <p:cNvPr id="2" name="Titre 1">
             <a:extLst>
               <a:ext uri="{FF2B5EF4-FFF2-40B4-BE49-F238E27FC236}">
-                <a16:creationId xmlns:a16="http://schemas.microsoft.com/office/drawing/2014/main" id="{6F0D182C-1E5D-ED58-7153-E1A941AD5452}"/>
+                <a16:creationId xmlns:a16="http://schemas.microsoft.com/office/drawing/2014/main" id="{FA6243E6-E350-4836-3E9F-D3814475FD2C}"/>
               </a:ext>
             </a:extLst>
           </p:cNvPr>
@@ -17502,8 +17821,95 @@
           <a:lstStyle/>
           <a:p>
             <a:r>
-              <a:rPr lang="fr-FR" dirty="0"/>
-              <a:t>Répétitions</a:t>
+              <a:rPr lang="fr-FR"/>
+              <a:t>Jour 10 </a:t>
+            </a:r>
+            <a:r>
+              <a:rPr lang="fr-FR" dirty="0"/>
+              <a:t>- Présentations</a:t>
+            </a:r>
+          </a:p>
+        </p:txBody>
+      </p:sp>
+      <p:sp>
+        <p:nvSpPr>
+          <p:cNvPr id="4" name="Espace réservé du texte 3">
+            <a:extLst>
+              <a:ext uri="{FF2B5EF4-FFF2-40B4-BE49-F238E27FC236}">
+                <a16:creationId xmlns:a16="http://schemas.microsoft.com/office/drawing/2014/main" id="{3D678D7E-8072-8B66-6EB7-C0CECFAF9EAE}"/>
+              </a:ext>
+            </a:extLst>
+          </p:cNvPr>
+          <p:cNvSpPr>
+            <a:spLocks noGrp="1"/>
+          </p:cNvSpPr>
+          <p:nvPr>
+            <p:ph type="body" idx="1"/>
+          </p:nvPr>
+        </p:nvSpPr>
+        <p:spPr/>
+        <p:txBody>
+          <a:bodyPr/>
+          <a:lstStyle/>
+          <a:p>
+            <a:endParaRPr lang="fr-FR"/>
+          </a:p>
+        </p:txBody>
+      </p:sp>
+    </p:spTree>
+    <p:extLst>
+      <p:ext uri="{BB962C8B-B14F-4D97-AF65-F5344CB8AC3E}">
+        <p14:creationId xmlns:p14="http://schemas.microsoft.com/office/powerpoint/2010/main" val="1230004352"/>
+      </p:ext>
+    </p:extLst>
+  </p:cSld>
+  <p:clrMapOvr>
+    <a:masterClrMapping/>
+  </p:clrMapOvr>
+</p:sld>
+</file>
+
+<file path=ppt/slides/slide46.xml><?xml version="1.0" encoding="utf-8"?>
+<p:sld xmlns:a="http://schemas.openxmlformats.org/drawingml/2006/main" xmlns:r="http://schemas.openxmlformats.org/officeDocument/2006/relationships" xmlns:p="http://schemas.openxmlformats.org/presentationml/2006/main">
+  <p:cSld>
+    <p:spTree>
+      <p:nvGrpSpPr>
+        <p:cNvPr id="1" name=""/>
+        <p:cNvGrpSpPr/>
+        <p:nvPr/>
+      </p:nvGrpSpPr>
+      <p:grpSpPr>
+        <a:xfrm>
+          <a:off x="0" y="0"/>
+          <a:ext cx="0" cy="0"/>
+          <a:chOff x="0" y="0"/>
+          <a:chExt cx="0" cy="0"/>
+        </a:xfrm>
+      </p:grpSpPr>
+      <p:sp>
+        <p:nvSpPr>
+          <p:cNvPr id="2" name="Titre 1">
+            <a:extLst>
+              <a:ext uri="{FF2B5EF4-FFF2-40B4-BE49-F238E27FC236}">
+                <a16:creationId xmlns:a16="http://schemas.microsoft.com/office/drawing/2014/main" id="{370F5FAD-9F53-AAE9-AB90-BF22980F842C}"/>
+              </a:ext>
+            </a:extLst>
+          </p:cNvPr>
+          <p:cNvSpPr>
+            <a:spLocks noGrp="1"/>
+          </p:cNvSpPr>
+          <p:nvPr>
+            <p:ph type="title"/>
+          </p:nvPr>
+        </p:nvSpPr>
+        <p:spPr/>
+        <p:txBody>
+          <a:bodyPr/>
+          <a:lstStyle/>
+          <a:p>
+            <a:r>
+              <a:rPr lang="fr-FR" dirty="0"/>
+              <a:t>Présentation</a:t>
             </a:r>
           </a:p>
         </p:txBody>
@@ -17513,7 +17919,7 @@
           <p:cNvPr id="3" name="Espace réservé du contenu 2">
             <a:extLst>
               <a:ext uri="{FF2B5EF4-FFF2-40B4-BE49-F238E27FC236}">
-                <a16:creationId xmlns:a16="http://schemas.microsoft.com/office/drawing/2014/main" id="{C6C930C7-903E-CFFA-C59E-99506DCC3630}"/>
+                <a16:creationId xmlns:a16="http://schemas.microsoft.com/office/drawing/2014/main" id="{913331AE-0180-6BC1-67DA-C0635E1BC504}"/>
               </a:ext>
             </a:extLst>
           </p:cNvPr>
@@ -17524,6 +17930,130 @@
             <p:ph idx="1"/>
           </p:nvPr>
         </p:nvSpPr>
+        <p:spPr>
+          <a:xfrm>
+            <a:off x="838200" y="1825625"/>
+            <a:ext cx="10595708" cy="4351338"/>
+          </a:xfrm>
+        </p:spPr>
+        <p:txBody>
+          <a:bodyPr>
+            <a:normAutofit lnSpcReduction="10000"/>
+          </a:bodyPr>
+          <a:lstStyle/>
+          <a:p>
+            <a:r>
+              <a:rPr lang="fr-FR" dirty="0"/>
+              <a:t>10' + 5' de questions</a:t>
+            </a:r>
+          </a:p>
+          <a:p>
+            <a:r>
+              <a:rPr lang="fr-FR" dirty="0"/>
+              <a:t>=&gt; 5-6 slides</a:t>
+            </a:r>
+          </a:p>
+          <a:p>
+            <a:r>
+              <a:rPr lang="fr-FR" dirty="0"/>
+              <a:t>Pensez au slide qui va rester à l'écran pendant les Q&amp;A</a:t>
+            </a:r>
+          </a:p>
+          <a:p>
+            <a:pPr lvl="1"/>
+            <a:r>
+              <a:rPr lang="fr-FR" dirty="0"/>
+              <a:t>Vous passez quoi comme message pendant ce temps?</a:t>
+            </a:r>
+          </a:p>
+          <a:p>
+            <a:r>
+              <a:rPr lang="fr-FR" dirty="0"/>
+              <a:t>Imaginez que vous présentez à vos parents</a:t>
+            </a:r>
+          </a:p>
+          <a:p>
+            <a:pPr lvl="1"/>
+            <a:r>
+              <a:rPr lang="fr-FR" dirty="0"/>
+              <a:t>Assurez-vous que l'auditoire vous suit</a:t>
+            </a:r>
+          </a:p>
+          <a:p>
+            <a:pPr lvl="1"/>
+            <a:r>
+              <a:rPr lang="fr-FR" dirty="0"/>
+              <a:t>Pas (trop) de technique, des images, des dessins des conclusions simples</a:t>
+            </a:r>
+          </a:p>
+          <a:p>
+            <a:r>
+              <a:rPr lang="fr-FR" dirty="0"/>
+              <a:t>Pas trop de texte sur les slides</a:t>
+            </a:r>
+          </a:p>
+          <a:p>
+            <a:pPr lvl="1"/>
+            <a:r>
+              <a:rPr lang="fr-FR" dirty="0"/>
+              <a:t>5 phrases max</a:t>
+            </a:r>
+          </a:p>
+          <a:p>
+            <a:pPr lvl="1"/>
+            <a:r>
+              <a:rPr lang="fr-FR" dirty="0"/>
+              <a:t>5 mots par phrase</a:t>
+            </a:r>
+          </a:p>
+        </p:txBody>
+      </p:sp>
+    </p:spTree>
+    <p:extLst>
+      <p:ext uri="{BB962C8B-B14F-4D97-AF65-F5344CB8AC3E}">
+        <p14:creationId xmlns:p14="http://schemas.microsoft.com/office/powerpoint/2010/main" val="670108457"/>
+      </p:ext>
+    </p:extLst>
+  </p:cSld>
+  <p:clrMapOvr>
+    <a:masterClrMapping/>
+  </p:clrMapOvr>
+</p:sld>
+</file>
+
+<file path=ppt/slides/slide47.xml><?xml version="1.0" encoding="utf-8"?>
+<p:sld xmlns:a="http://schemas.openxmlformats.org/drawingml/2006/main" xmlns:r="http://schemas.openxmlformats.org/officeDocument/2006/relationships" xmlns:p="http://schemas.openxmlformats.org/presentationml/2006/main">
+  <p:cSld>
+    <p:spTree>
+      <p:nvGrpSpPr>
+        <p:cNvPr id="1" name=""/>
+        <p:cNvGrpSpPr/>
+        <p:nvPr/>
+      </p:nvGrpSpPr>
+      <p:grpSpPr>
+        <a:xfrm>
+          <a:off x="0" y="0"/>
+          <a:ext cx="0" cy="0"/>
+          <a:chOff x="0" y="0"/>
+          <a:chExt cx="0" cy="0"/>
+        </a:xfrm>
+      </p:grpSpPr>
+      <p:sp>
+        <p:nvSpPr>
+          <p:cNvPr id="2" name="Titre 1">
+            <a:extLst>
+              <a:ext uri="{FF2B5EF4-FFF2-40B4-BE49-F238E27FC236}">
+                <a16:creationId xmlns:a16="http://schemas.microsoft.com/office/drawing/2014/main" id="{6F0D182C-1E5D-ED58-7153-E1A941AD5452}"/>
+              </a:ext>
+            </a:extLst>
+          </p:cNvPr>
+          <p:cNvSpPr>
+            <a:spLocks noGrp="1"/>
+          </p:cNvSpPr>
+          <p:nvPr>
+            <p:ph type="title"/>
+          </p:nvPr>
+        </p:nvSpPr>
         <p:spPr/>
         <p:txBody>
           <a:bodyPr/>
@@ -17531,6 +18061,36 @@
           <a:p>
             <a:r>
               <a:rPr lang="fr-FR" dirty="0"/>
+              <a:t>Répétitions</a:t>
+            </a:r>
+          </a:p>
+        </p:txBody>
+      </p:sp>
+      <p:sp>
+        <p:nvSpPr>
+          <p:cNvPr id="3" name="Espace réservé du contenu 2">
+            <a:extLst>
+              <a:ext uri="{FF2B5EF4-FFF2-40B4-BE49-F238E27FC236}">
+                <a16:creationId xmlns:a16="http://schemas.microsoft.com/office/drawing/2014/main" id="{C6C930C7-903E-CFFA-C59E-99506DCC3630}"/>
+              </a:ext>
+            </a:extLst>
+          </p:cNvPr>
+          <p:cNvSpPr>
+            <a:spLocks noGrp="1"/>
+          </p:cNvSpPr>
+          <p:nvPr>
+            <p:ph idx="1"/>
+          </p:nvPr>
+        </p:nvSpPr>
+        <p:spPr/>
+        <p:txBody>
+          <a:bodyPr>
+            <a:normAutofit lnSpcReduction="10000"/>
+          </a:bodyPr>
+          <a:lstStyle/>
+          <a:p>
+            <a:r>
+              <a:rPr lang="fr-FR" dirty="0"/>
               <a:t>La répétition se fait debout devant un écran…</a:t>
             </a:r>
           </a:p>
@@ -17584,6 +18144,13 @@
             <a:r>
               <a:rPr lang="fr-FR" dirty="0"/>
               <a:t>Simplifiez, simplifiez, simplifiez</a:t>
+            </a:r>
+          </a:p>
+          <a:p>
+            <a:pPr lvl="1"/>
+            <a:r>
+              <a:rPr lang="fr-FR" dirty="0"/>
+              <a:t>Les infographies c'est comme les blagues, si il faut expliquer c'est raté</a:t>
             </a:r>
           </a:p>
           <a:p>
@@ -17605,6 +18172,458 @@
 </file>
 
 <file path=ppt/slides/slide5.xml><?xml version="1.0" encoding="utf-8"?>
+<p:sld xmlns:a="http://schemas.openxmlformats.org/drawingml/2006/main" xmlns:r="http://schemas.openxmlformats.org/officeDocument/2006/relationships" xmlns:p="http://schemas.openxmlformats.org/presentationml/2006/main">
+  <p:cSld>
+    <p:spTree>
+      <p:nvGrpSpPr>
+        <p:cNvPr id="1" name=""/>
+        <p:cNvGrpSpPr/>
+        <p:nvPr/>
+      </p:nvGrpSpPr>
+      <p:grpSpPr>
+        <a:xfrm>
+          <a:off x="0" y="0"/>
+          <a:ext cx="0" cy="0"/>
+          <a:chOff x="0" y="0"/>
+          <a:chExt cx="0" cy="0"/>
+        </a:xfrm>
+      </p:grpSpPr>
+      <p:sp>
+        <p:nvSpPr>
+          <p:cNvPr id="2" name="Titre 1">
+            <a:extLst>
+              <a:ext uri="{FF2B5EF4-FFF2-40B4-BE49-F238E27FC236}">
+                <a16:creationId xmlns:a16="http://schemas.microsoft.com/office/drawing/2014/main" id="{CB11E713-3A4E-AE0D-ED70-58E101A227A0}"/>
+              </a:ext>
+            </a:extLst>
+          </p:cNvPr>
+          <p:cNvSpPr>
+            <a:spLocks noGrp="1"/>
+          </p:cNvSpPr>
+          <p:nvPr>
+            <p:ph type="title"/>
+          </p:nvPr>
+        </p:nvSpPr>
+        <p:spPr/>
+        <p:txBody>
+          <a:bodyPr/>
+          <a:lstStyle/>
+          <a:p>
+            <a:r>
+              <a:rPr lang="fr-FR" dirty="0"/>
+              <a:t>Bouquins utiles</a:t>
+            </a:r>
+          </a:p>
+        </p:txBody>
+      </p:sp>
+      <p:sp>
+        <p:nvSpPr>
+          <p:cNvPr id="3" name="Espace réservé du contenu 2">
+            <a:extLst>
+              <a:ext uri="{FF2B5EF4-FFF2-40B4-BE49-F238E27FC236}">
+                <a16:creationId xmlns:a16="http://schemas.microsoft.com/office/drawing/2014/main" id="{0368613B-01CA-E1FE-3E04-095C6D811B55}"/>
+              </a:ext>
+            </a:extLst>
+          </p:cNvPr>
+          <p:cNvSpPr>
+            <a:spLocks noGrp="1"/>
+          </p:cNvSpPr>
+          <p:nvPr>
+            <p:ph idx="1"/>
+          </p:nvPr>
+        </p:nvSpPr>
+        <p:spPr/>
+        <p:txBody>
+          <a:bodyPr>
+            <a:normAutofit fontScale="92500" lnSpcReduction="10000"/>
+          </a:bodyPr>
+          <a:lstStyle/>
+          <a:p>
+            <a:r>
+              <a:rPr lang="fr-FR" dirty="0"/>
+              <a:t>Machine Learning avec </a:t>
+            </a:r>
+            <a:r>
+              <a:rPr lang="fr-FR" dirty="0" err="1"/>
+              <a:t>Scikit-Learn</a:t>
+            </a:r>
+            <a:endParaRPr lang="fr-FR" dirty="0"/>
+          </a:p>
+          <a:p>
+            <a:pPr lvl="1"/>
+            <a:r>
+              <a:rPr lang="fr-FR" sz="1600" dirty="0">
+                <a:solidFill>
+                  <a:srgbClr val="0F1111"/>
+                </a:solidFill>
+                <a:latin typeface="Courier New" panose="02070309020205020404" pitchFamily="49" charset="0"/>
+                <a:cs typeface="Courier New" panose="02070309020205020404" pitchFamily="49" charset="0"/>
+              </a:rPr>
+              <a:t>3eme édition, 2023, pas trop gros</a:t>
+            </a:r>
+          </a:p>
+          <a:p>
+            <a:pPr lvl="1"/>
+            <a:r>
+              <a:rPr lang="fr-FR" sz="1600" dirty="0">
+                <a:solidFill>
+                  <a:srgbClr val="0F1111"/>
+                </a:solidFill>
+                <a:latin typeface="Courier New" panose="02070309020205020404" pitchFamily="49" charset="0"/>
+                <a:cs typeface="Courier New" panose="02070309020205020404" pitchFamily="49" charset="0"/>
+              </a:rPr>
+              <a:t>À lire plusieurs fois. Exemples python</a:t>
+            </a:r>
+            <a:endParaRPr lang="fr-FR" sz="1600" i="0" dirty="0">
+              <a:solidFill>
+                <a:srgbClr val="0F1111"/>
+              </a:solidFill>
+              <a:effectLst/>
+              <a:latin typeface="Courier New" panose="02070309020205020404" pitchFamily="49" charset="0"/>
+              <a:cs typeface="Courier New" panose="02070309020205020404" pitchFamily="49" charset="0"/>
+              <a:hlinkClick r:id="rId2"/>
+            </a:endParaRPr>
+          </a:p>
+          <a:p>
+            <a:pPr lvl="1"/>
+            <a:r>
+              <a:rPr lang="fr-FR" sz="1600" i="0" dirty="0">
+                <a:solidFill>
+                  <a:srgbClr val="0F1111"/>
+                </a:solidFill>
+                <a:effectLst/>
+                <a:latin typeface="Courier New" panose="02070309020205020404" pitchFamily="49" charset="0"/>
+                <a:cs typeface="Courier New" panose="02070309020205020404" pitchFamily="49" charset="0"/>
+                <a:hlinkClick r:id="rId2"/>
+              </a:rPr>
+              <a:t>https://amzn.eu/d/fpRxUfZ</a:t>
+            </a:r>
+            <a:endParaRPr lang="fr-FR" sz="1600" i="0" dirty="0">
+              <a:solidFill>
+                <a:srgbClr val="0F1111"/>
+              </a:solidFill>
+              <a:effectLst/>
+              <a:latin typeface="Courier New" panose="02070309020205020404" pitchFamily="49" charset="0"/>
+              <a:cs typeface="Courier New" panose="02070309020205020404" pitchFamily="49" charset="0"/>
+            </a:endParaRPr>
+          </a:p>
+          <a:p>
+            <a:pPr lvl="1"/>
+            <a:endParaRPr lang="fr-FR" b="1" i="0" dirty="0">
+              <a:solidFill>
+                <a:srgbClr val="0F1111"/>
+              </a:solidFill>
+              <a:effectLst/>
+              <a:latin typeface="Amazon Ember"/>
+            </a:endParaRPr>
+          </a:p>
+          <a:p>
+            <a:r>
+              <a:rPr lang="en-US" dirty="0"/>
+              <a:t>The Hundred-Page Machine Learning Book</a:t>
+            </a:r>
+          </a:p>
+          <a:p>
+            <a:pPr lvl="1"/>
+            <a:r>
+              <a:rPr lang="en-US" sz="1600" dirty="0" err="1">
+                <a:solidFill>
+                  <a:srgbClr val="0F1111"/>
+                </a:solidFill>
+                <a:latin typeface="Courier New" panose="02070309020205020404" pitchFamily="49" charset="0"/>
+                <a:cs typeface="Courier New" panose="02070309020205020404" pitchFamily="49" charset="0"/>
+              </a:rPr>
+              <a:t>Existe</a:t>
+            </a:r>
+            <a:r>
+              <a:rPr lang="en-US" sz="1600" dirty="0">
+                <a:solidFill>
+                  <a:srgbClr val="0F1111"/>
+                </a:solidFill>
+                <a:latin typeface="Courier New" panose="02070309020205020404" pitchFamily="49" charset="0"/>
+                <a:cs typeface="Courier New" panose="02070309020205020404" pitchFamily="49" charset="0"/>
+              </a:rPr>
+              <a:t> </a:t>
+            </a:r>
+            <a:r>
+              <a:rPr lang="en-US" sz="1600" dirty="0" err="1">
+                <a:solidFill>
+                  <a:srgbClr val="0F1111"/>
+                </a:solidFill>
+                <a:latin typeface="Courier New" panose="02070309020205020404" pitchFamily="49" charset="0"/>
+                <a:cs typeface="Courier New" panose="02070309020205020404" pitchFamily="49" charset="0"/>
+              </a:rPr>
+              <a:t>en</a:t>
+            </a:r>
+            <a:r>
+              <a:rPr lang="en-US" sz="1600" dirty="0">
+                <a:solidFill>
+                  <a:srgbClr val="0F1111"/>
+                </a:solidFill>
+                <a:latin typeface="Courier New" panose="02070309020205020404" pitchFamily="49" charset="0"/>
+                <a:cs typeface="Courier New" panose="02070309020205020404" pitchFamily="49" charset="0"/>
+              </a:rPr>
+              <a:t> FR, 150 pages</a:t>
+            </a:r>
+          </a:p>
+          <a:p>
+            <a:pPr lvl="1"/>
+            <a:r>
+              <a:rPr lang="en-US" sz="1600" dirty="0">
+                <a:solidFill>
+                  <a:srgbClr val="0F1111"/>
+                </a:solidFill>
+                <a:latin typeface="Courier New" panose="02070309020205020404" pitchFamily="49" charset="0"/>
+                <a:cs typeface="Courier New" panose="02070309020205020404" pitchFamily="49" charset="0"/>
+              </a:rPr>
+              <a:t>Pas de Python, plus de </a:t>
+            </a:r>
+            <a:r>
+              <a:rPr lang="en-US" sz="1600" dirty="0" err="1">
+                <a:solidFill>
+                  <a:srgbClr val="0F1111"/>
+                </a:solidFill>
+                <a:latin typeface="Courier New" panose="02070309020205020404" pitchFamily="49" charset="0"/>
+                <a:cs typeface="Courier New" panose="02070309020205020404" pitchFamily="49" charset="0"/>
+              </a:rPr>
+              <a:t>maths</a:t>
+            </a:r>
+            <a:endParaRPr lang="en-US" sz="1600" dirty="0">
+              <a:solidFill>
+                <a:srgbClr val="0F1111"/>
+              </a:solidFill>
+              <a:latin typeface="Courier New" panose="02070309020205020404" pitchFamily="49" charset="0"/>
+              <a:cs typeface="Courier New" panose="02070309020205020404" pitchFamily="49" charset="0"/>
+            </a:endParaRPr>
+          </a:p>
+          <a:p>
+            <a:pPr lvl="1"/>
+            <a:r>
+              <a:rPr lang="en-US" sz="1600" dirty="0">
+                <a:solidFill>
+                  <a:srgbClr val="0F1111"/>
+                </a:solidFill>
+                <a:latin typeface="Courier New" panose="02070309020205020404" pitchFamily="49" charset="0"/>
+                <a:cs typeface="Courier New" panose="02070309020205020404" pitchFamily="49" charset="0"/>
+                <a:hlinkClick r:id="rId3"/>
+              </a:rPr>
+              <a:t>https://amzn.eu/d/bxXbete</a:t>
+            </a:r>
+            <a:endParaRPr lang="en-US" sz="1600" dirty="0">
+              <a:solidFill>
+                <a:srgbClr val="0F1111"/>
+              </a:solidFill>
+              <a:latin typeface="Courier New" panose="02070309020205020404" pitchFamily="49" charset="0"/>
+              <a:cs typeface="Courier New" panose="02070309020205020404" pitchFamily="49" charset="0"/>
+            </a:endParaRPr>
+          </a:p>
+          <a:p>
+            <a:pPr lvl="1"/>
+            <a:endParaRPr lang="en-US" sz="1600" dirty="0">
+              <a:solidFill>
+                <a:srgbClr val="0F1111"/>
+              </a:solidFill>
+              <a:latin typeface="Courier New" panose="02070309020205020404" pitchFamily="49" charset="0"/>
+              <a:cs typeface="Courier New" panose="02070309020205020404" pitchFamily="49" charset="0"/>
+            </a:endParaRPr>
+          </a:p>
+          <a:p>
+            <a:r>
+              <a:rPr lang="en-US" dirty="0"/>
+              <a:t>Hands-on Machine Learning With Scikit-learn, </a:t>
+            </a:r>
+            <a:r>
+              <a:rPr lang="en-US" dirty="0" err="1"/>
+              <a:t>Keras</a:t>
+            </a:r>
+            <a:r>
+              <a:rPr lang="en-US" dirty="0"/>
+              <a:t>, </a:t>
+            </a:r>
+            <a:br>
+              <a:rPr lang="en-US" dirty="0"/>
+            </a:br>
+            <a:r>
+              <a:rPr lang="en-US" dirty="0"/>
+              <a:t>and </a:t>
+            </a:r>
+            <a:r>
+              <a:rPr lang="en-US" dirty="0" err="1"/>
+              <a:t>Tensorflow</a:t>
+            </a:r>
+            <a:endParaRPr lang="en-US" dirty="0"/>
+          </a:p>
+          <a:p>
+            <a:pPr lvl="1"/>
+            <a:r>
+              <a:rPr lang="en-US" sz="1600" dirty="0" err="1">
+                <a:solidFill>
+                  <a:srgbClr val="0F1111"/>
+                </a:solidFill>
+                <a:latin typeface="Courier New" panose="02070309020205020404" pitchFamily="49" charset="0"/>
+                <a:cs typeface="Courier New" panose="02070309020205020404" pitchFamily="49" charset="0"/>
+              </a:rPr>
+              <a:t>Coûte</a:t>
+            </a:r>
+            <a:r>
+              <a:rPr lang="en-US" sz="1600" dirty="0">
+                <a:solidFill>
+                  <a:srgbClr val="0F1111"/>
+                </a:solidFill>
+                <a:latin typeface="Courier New" panose="02070309020205020404" pitchFamily="49" charset="0"/>
+                <a:cs typeface="Courier New" panose="02070309020205020404" pitchFamily="49" charset="0"/>
+              </a:rPr>
+              <a:t> un bras, un pavé, 3eme edition, 2022</a:t>
+            </a:r>
+          </a:p>
+          <a:p>
+            <a:pPr lvl="1"/>
+            <a:r>
+              <a:rPr lang="en-US" sz="1600" dirty="0">
+                <a:solidFill>
+                  <a:srgbClr val="0F1111"/>
+                </a:solidFill>
+                <a:latin typeface="Courier New" panose="02070309020205020404" pitchFamily="49" charset="0"/>
+                <a:cs typeface="Courier New" panose="02070309020205020404" pitchFamily="49" charset="0"/>
+                <a:hlinkClick r:id="rId4"/>
+              </a:rPr>
+              <a:t>https://amzn.eu/d/egtdtcd</a:t>
+            </a:r>
+            <a:endParaRPr lang="en-US" sz="2000" dirty="0">
+              <a:solidFill>
+                <a:srgbClr val="0F1111"/>
+              </a:solidFill>
+              <a:latin typeface="Courier New" panose="02070309020205020404" pitchFamily="49" charset="0"/>
+              <a:cs typeface="Courier New" panose="02070309020205020404" pitchFamily="49" charset="0"/>
+            </a:endParaRPr>
+          </a:p>
+          <a:p>
+            <a:pPr lvl="1"/>
+            <a:endParaRPr lang="en-US" sz="1600" dirty="0">
+              <a:solidFill>
+                <a:srgbClr val="0F1111"/>
+              </a:solidFill>
+              <a:latin typeface="Courier New" panose="02070309020205020404" pitchFamily="49" charset="0"/>
+              <a:cs typeface="Courier New" panose="02070309020205020404" pitchFamily="49" charset="0"/>
+            </a:endParaRPr>
+          </a:p>
+          <a:p>
+            <a:pPr lvl="1"/>
+            <a:endParaRPr lang="en-US" sz="1600" dirty="0">
+              <a:solidFill>
+                <a:srgbClr val="0F1111"/>
+              </a:solidFill>
+              <a:latin typeface="Courier New" panose="02070309020205020404" pitchFamily="49" charset="0"/>
+              <a:cs typeface="Courier New" panose="02070309020205020404" pitchFamily="49" charset="0"/>
+            </a:endParaRPr>
+          </a:p>
+          <a:p>
+            <a:pPr lvl="1"/>
+            <a:endParaRPr lang="en-US" dirty="0"/>
+          </a:p>
+          <a:p>
+            <a:pPr lvl="1"/>
+            <a:endParaRPr lang="fr-FR" dirty="0"/>
+          </a:p>
+          <a:p>
+            <a:pPr lvl="1"/>
+            <a:endParaRPr lang="fr-FR" b="1" i="0" dirty="0">
+              <a:solidFill>
+                <a:srgbClr val="0F1111"/>
+              </a:solidFill>
+              <a:effectLst/>
+              <a:latin typeface="Amazon Ember"/>
+            </a:endParaRPr>
+          </a:p>
+        </p:txBody>
+      </p:sp>
+      <p:pic>
+        <p:nvPicPr>
+          <p:cNvPr id="5" name="Image 4">
+            <a:extLst>
+              <a:ext uri="{FF2B5EF4-FFF2-40B4-BE49-F238E27FC236}">
+                <a16:creationId xmlns:a16="http://schemas.microsoft.com/office/drawing/2014/main" id="{1429715C-5B6D-88D3-F04B-CDB403A4B5FA}"/>
+              </a:ext>
+            </a:extLst>
+          </p:cNvPr>
+          <p:cNvPicPr>
+            <a:picLocks noChangeAspect="1"/>
+          </p:cNvPicPr>
+          <p:nvPr/>
+        </p:nvPicPr>
+        <p:blipFill>
+          <a:blip r:embed="rId5"/>
+          <a:stretch>
+            <a:fillRect/>
+          </a:stretch>
+        </p:blipFill>
+        <p:spPr>
+          <a:xfrm>
+            <a:off x="9718766" y="677544"/>
+            <a:ext cx="2190348" cy="2803849"/>
+          </a:xfrm>
+          <a:prstGeom prst="rect">
+            <a:avLst/>
+          </a:prstGeom>
+          <a:effectLst>
+            <a:outerShdw blurRad="50800" dist="38100" dir="2700000" algn="tl" rotWithShape="0">
+              <a:prstClr val="black">
+                <a:alpha val="40000"/>
+              </a:prstClr>
+            </a:outerShdw>
+          </a:effectLst>
+        </p:spPr>
+      </p:pic>
+      <p:pic>
+        <p:nvPicPr>
+          <p:cNvPr id="6" name="Image 5">
+            <a:extLst>
+              <a:ext uri="{FF2B5EF4-FFF2-40B4-BE49-F238E27FC236}">
+                <a16:creationId xmlns:a16="http://schemas.microsoft.com/office/drawing/2014/main" id="{8C95C621-4F81-9A77-65A3-01A543FF86B6}"/>
+              </a:ext>
+            </a:extLst>
+          </p:cNvPr>
+          <p:cNvPicPr>
+            <a:picLocks noChangeAspect="1"/>
+          </p:cNvPicPr>
+          <p:nvPr/>
+        </p:nvPicPr>
+        <p:blipFill rotWithShape="1">
+          <a:blip r:embed="rId6"/>
+          <a:srcRect l="2071" t="1900" r="1866" b="1653"/>
+          <a:stretch/>
+        </p:blipFill>
+        <p:spPr>
+          <a:xfrm>
+            <a:off x="9718765" y="3840046"/>
+            <a:ext cx="2190349" cy="2701290"/>
+          </a:xfrm>
+          <a:prstGeom prst="rect">
+            <a:avLst/>
+          </a:prstGeom>
+          <a:effectLst>
+            <a:outerShdw blurRad="50800" dist="38100" dir="2700000" algn="tl" rotWithShape="0">
+              <a:prstClr val="black">
+                <a:alpha val="40000"/>
+              </a:prstClr>
+            </a:outerShdw>
+          </a:effectLst>
+        </p:spPr>
+      </p:pic>
+    </p:spTree>
+    <p:extLst>
+      <p:ext uri="{BB962C8B-B14F-4D97-AF65-F5344CB8AC3E}">
+        <p14:creationId xmlns:p14="http://schemas.microsoft.com/office/powerpoint/2010/main" val="833408160"/>
+      </p:ext>
+    </p:extLst>
+  </p:cSld>
+  <p:clrMapOvr>
+    <a:masterClrMapping/>
+  </p:clrMapOvr>
+</p:sld>
+</file>
+
+<file path=ppt/slides/slide6.xml><?xml version="1.0" encoding="utf-8"?>
 <p:sld xmlns:a="http://schemas.openxmlformats.org/drawingml/2006/main" xmlns:r="http://schemas.openxmlformats.org/officeDocument/2006/relationships" xmlns:p="http://schemas.openxmlformats.org/presentationml/2006/main">
   <p:cSld>
     <p:bg>
@@ -17958,7 +18977,7 @@
 </p:sld>
 </file>
 
-<file path=ppt/slides/slide6.xml><?xml version="1.0" encoding="utf-8"?>
+<file path=ppt/slides/slide7.xml><?xml version="1.0" encoding="utf-8"?>
 <p:sld xmlns:a="http://schemas.openxmlformats.org/drawingml/2006/main" xmlns:r="http://schemas.openxmlformats.org/officeDocument/2006/relationships" xmlns:p="http://schemas.openxmlformats.org/presentationml/2006/main">
   <p:cSld>
     <p:spTree>
@@ -18030,8 +19049,12 @@
           <a:lstStyle/>
           <a:p>
             <a:r>
-              <a:rPr lang="fr-FR" dirty="0"/>
-              <a:t>TRES IMPORTANT</a:t>
+              <a:rPr lang="fr-FR" dirty="0">
+                <a:highlight>
+                  <a:srgbClr val="FFFF00"/>
+                </a:highlight>
+              </a:rPr>
+              <a:t>IMPORTANT</a:t>
             </a:r>
           </a:p>
           <a:p>
@@ -18191,7 +19214,217 @@
 </p:sld>
 </file>
 
-<file path=ppt/slides/slide7.xml><?xml version="1.0" encoding="utf-8"?>
+<file path=ppt/slides/slide8.xml><?xml version="1.0" encoding="utf-8"?>
+<p:sld xmlns:a="http://schemas.openxmlformats.org/drawingml/2006/main" xmlns:r="http://schemas.openxmlformats.org/officeDocument/2006/relationships" xmlns:p="http://schemas.openxmlformats.org/presentationml/2006/main">
+  <p:cSld>
+    <p:spTree>
+      <p:nvGrpSpPr>
+        <p:cNvPr id="1" name=""/>
+        <p:cNvGrpSpPr/>
+        <p:nvPr/>
+      </p:nvGrpSpPr>
+      <p:grpSpPr>
+        <a:xfrm>
+          <a:off x="0" y="0"/>
+          <a:ext cx="0" cy="0"/>
+          <a:chOff x="0" y="0"/>
+          <a:chExt cx="0" cy="0"/>
+        </a:xfrm>
+      </p:grpSpPr>
+      <p:sp>
+        <p:nvSpPr>
+          <p:cNvPr id="2" name="Titre 1">
+            <a:extLst>
+              <a:ext uri="{FF2B5EF4-FFF2-40B4-BE49-F238E27FC236}">
+                <a16:creationId xmlns:a16="http://schemas.microsoft.com/office/drawing/2014/main" id="{000A01CE-4985-BCA3-BCEA-70C1DB99B30A}"/>
+              </a:ext>
+            </a:extLst>
+          </p:cNvPr>
+          <p:cNvSpPr>
+            <a:spLocks noGrp="1"/>
+          </p:cNvSpPr>
+          <p:nvPr>
+            <p:ph type="title"/>
+          </p:nvPr>
+        </p:nvSpPr>
+        <p:spPr/>
+        <p:txBody>
+          <a:bodyPr/>
+          <a:lstStyle/>
+          <a:p>
+            <a:r>
+              <a:rPr lang="fr-FR" dirty="0"/>
+              <a:t>Organisez vos répertoires</a:t>
+            </a:r>
+          </a:p>
+        </p:txBody>
+      </p:sp>
+      <p:sp>
+        <p:nvSpPr>
+          <p:cNvPr id="3" name="Espace réservé du contenu 2">
+            <a:extLst>
+              <a:ext uri="{FF2B5EF4-FFF2-40B4-BE49-F238E27FC236}">
+                <a16:creationId xmlns:a16="http://schemas.microsoft.com/office/drawing/2014/main" id="{B1EBC4A6-DA85-DE35-AD40-7CD987A23FB0}"/>
+              </a:ext>
+            </a:extLst>
+          </p:cNvPr>
+          <p:cNvSpPr>
+            <a:spLocks noGrp="1"/>
+          </p:cNvSpPr>
+          <p:nvPr>
+            <p:ph idx="1"/>
+          </p:nvPr>
+        </p:nvSpPr>
+        <p:spPr/>
+        <p:txBody>
+          <a:bodyPr>
+            <a:normAutofit fontScale="92500" lnSpcReduction="10000"/>
+          </a:bodyPr>
+          <a:lstStyle/>
+          <a:p>
+            <a:r>
+              <a:rPr lang="fr-FR" dirty="0"/>
+              <a:t>Un ou plusieurs fichiers csv, xlsx… dans un sous-répertoire</a:t>
+            </a:r>
+          </a:p>
+          <a:p>
+            <a:r>
+              <a:rPr lang="fr-FR" dirty="0"/>
+              <a:t>Vos notebooks au-dessus ou dans un autre répertoire</a:t>
+            </a:r>
+          </a:p>
+          <a:p>
+            <a:r>
+              <a:rPr lang="fr-FR" dirty="0"/>
+              <a:t>Vous devez être capables de déplacer l’arborescence sans problème</a:t>
+            </a:r>
+          </a:p>
+          <a:p>
+            <a:endParaRPr lang="fr-FR" dirty="0"/>
+          </a:p>
+          <a:p>
+            <a:r>
+              <a:rPr lang="fr-FR" sz="2000" dirty="0" err="1">
+                <a:latin typeface="Courier New" panose="02070309020205020404" pitchFamily="49" charset="0"/>
+                <a:cs typeface="Courier New" panose="02070309020205020404" pitchFamily="49" charset="0"/>
+              </a:rPr>
+              <a:t>formation_jedha</a:t>
+            </a:r>
+            <a:endParaRPr lang="fr-FR" sz="2000" dirty="0">
+              <a:latin typeface="Courier New" panose="02070309020205020404" pitchFamily="49" charset="0"/>
+              <a:cs typeface="Courier New" panose="02070309020205020404" pitchFamily="49" charset="0"/>
+            </a:endParaRPr>
+          </a:p>
+          <a:p>
+            <a:pPr lvl="1"/>
+            <a:r>
+              <a:rPr lang="fr-FR" sz="1800" dirty="0">
+                <a:latin typeface="Courier New" panose="02070309020205020404" pitchFamily="49" charset="0"/>
+                <a:cs typeface="Courier New" panose="02070309020205020404" pitchFamily="49" charset="0"/>
+              </a:rPr>
+              <a:t>ressources</a:t>
+            </a:r>
+          </a:p>
+          <a:p>
+            <a:pPr lvl="2"/>
+            <a:r>
+              <a:rPr lang="fr-FR" sz="1400" dirty="0">
+                <a:latin typeface="Courier New" panose="02070309020205020404" pitchFamily="49" charset="0"/>
+                <a:cs typeface="Courier New" panose="02070309020205020404" pitchFamily="49" charset="0"/>
+              </a:rPr>
+              <a:t>fichier.pdf</a:t>
+            </a:r>
+          </a:p>
+          <a:p>
+            <a:pPr lvl="2"/>
+            <a:r>
+              <a:rPr lang="fr-FR" sz="1600" dirty="0">
+                <a:latin typeface="Courier New" panose="02070309020205020404" pitchFamily="49" charset="0"/>
+                <a:cs typeface="Courier New" panose="02070309020205020404" pitchFamily="49" charset="0"/>
+              </a:rPr>
+              <a:t>feuille1.csv</a:t>
+            </a:r>
+          </a:p>
+          <a:p>
+            <a:pPr lvl="2"/>
+            <a:r>
+              <a:rPr lang="fr-FR" sz="1600" dirty="0">
+                <a:latin typeface="Courier New" panose="02070309020205020404" pitchFamily="49" charset="0"/>
+                <a:cs typeface="Courier New" panose="02070309020205020404" pitchFamily="49" charset="0"/>
+              </a:rPr>
+              <a:t>feuille2.xlsx</a:t>
+            </a:r>
+          </a:p>
+          <a:p>
+            <a:pPr lvl="2"/>
+            <a:r>
+              <a:rPr lang="fr-FR" sz="1600" dirty="0">
+                <a:latin typeface="Courier New" panose="02070309020205020404" pitchFamily="49" charset="0"/>
+                <a:cs typeface="Courier New" panose="02070309020205020404" pitchFamily="49" charset="0"/>
+              </a:rPr>
+              <a:t>images</a:t>
+            </a:r>
+          </a:p>
+          <a:p>
+            <a:pPr lvl="3"/>
+            <a:r>
+              <a:rPr lang="fr-FR" sz="1400" dirty="0">
+                <a:latin typeface="Courier New" panose="02070309020205020404" pitchFamily="49" charset="0"/>
+                <a:cs typeface="Courier New" panose="02070309020205020404" pitchFamily="49" charset="0"/>
+              </a:rPr>
+              <a:t>image1.png</a:t>
+            </a:r>
+          </a:p>
+          <a:p>
+            <a:pPr lvl="3"/>
+            <a:r>
+              <a:rPr lang="fr-FR" sz="1400" dirty="0">
+                <a:latin typeface="Courier New" panose="02070309020205020404" pitchFamily="49" charset="0"/>
+                <a:cs typeface="Courier New" panose="02070309020205020404" pitchFamily="49" charset="0"/>
+              </a:rPr>
+              <a:t>image2.png</a:t>
+            </a:r>
+          </a:p>
+          <a:p>
+            <a:pPr lvl="1"/>
+            <a:r>
+              <a:rPr lang="fr-FR" sz="1800" dirty="0">
+                <a:latin typeface="Courier New" panose="02070309020205020404" pitchFamily="49" charset="0"/>
+                <a:cs typeface="Courier New" panose="02070309020205020404" pitchFamily="49" charset="0"/>
+              </a:rPr>
+              <a:t>notebook1</a:t>
+            </a:r>
+          </a:p>
+          <a:p>
+            <a:pPr lvl="1"/>
+            <a:r>
+              <a:rPr lang="fr-FR" sz="1800" dirty="0">
+                <a:latin typeface="Courier New" panose="02070309020205020404" pitchFamily="49" charset="0"/>
+                <a:cs typeface="Courier New" panose="02070309020205020404" pitchFamily="49" charset="0"/>
+              </a:rPr>
+              <a:t>notebook2</a:t>
+            </a:r>
+            <a:endParaRPr lang="fr-FR" dirty="0">
+              <a:latin typeface="Courier New" panose="02070309020205020404" pitchFamily="49" charset="0"/>
+              <a:cs typeface="Courier New" panose="02070309020205020404" pitchFamily="49" charset="0"/>
+            </a:endParaRPr>
+          </a:p>
+        </p:txBody>
+      </p:sp>
+    </p:spTree>
+    <p:extLst>
+      <p:ext uri="{BB962C8B-B14F-4D97-AF65-F5344CB8AC3E}">
+        <p14:creationId xmlns:p14="http://schemas.microsoft.com/office/powerpoint/2010/main" val="2233040392"/>
+      </p:ext>
+    </p:extLst>
+  </p:cSld>
+  <p:clrMapOvr>
+    <a:masterClrMapping/>
+  </p:clrMapOvr>
+</p:sld>
+</file>
+
+<file path=ppt/slides/slide9.xml><?xml version="1.0" encoding="utf-8"?>
 <p:sld xmlns:a="http://schemas.openxmlformats.org/drawingml/2006/main" xmlns:r="http://schemas.openxmlformats.org/officeDocument/2006/relationships" xmlns:p="http://schemas.openxmlformats.org/presentationml/2006/main">
   <p:cSld>
     <p:spTree>
@@ -18400,9 +19633,9 @@
           <p:nvPr/>
         </p:nvSpPr>
         <p:spPr>
-          <a:xfrm rot="19975394">
-            <a:off x="9137482" y="1999509"/>
-            <a:ext cx="926253" cy="673768"/>
+          <a:xfrm rot="1392306">
+            <a:off x="8223737" y="1288855"/>
+            <a:ext cx="1804825" cy="673768"/>
           </a:xfrm>
           <a:prstGeom prst="rightArrow">
             <a:avLst/>
@@ -18547,417 +19780,6 @@
     <p:extLst>
       <p:ext uri="{BB962C8B-B14F-4D97-AF65-F5344CB8AC3E}">
         <p14:creationId xmlns:p14="http://schemas.microsoft.com/office/powerpoint/2010/main" val="2910767814"/>
-      </p:ext>
-    </p:extLst>
-  </p:cSld>
-  <p:clrMapOvr>
-    <a:masterClrMapping/>
-  </p:clrMapOvr>
-</p:sld>
-</file>
-
-<file path=ppt/slides/slide8.xml><?xml version="1.0" encoding="utf-8"?>
-<p:sld xmlns:a="http://schemas.openxmlformats.org/drawingml/2006/main" xmlns:r="http://schemas.openxmlformats.org/officeDocument/2006/relationships" xmlns:p="http://schemas.openxmlformats.org/presentationml/2006/main">
-  <p:cSld>
-    <p:spTree>
-      <p:nvGrpSpPr>
-        <p:cNvPr id="1" name=""/>
-        <p:cNvGrpSpPr/>
-        <p:nvPr/>
-      </p:nvGrpSpPr>
-      <p:grpSpPr>
-        <a:xfrm>
-          <a:off x="0" y="0"/>
-          <a:ext cx="0" cy="0"/>
-          <a:chOff x="0" y="0"/>
-          <a:chExt cx="0" cy="0"/>
-        </a:xfrm>
-      </p:grpSpPr>
-      <p:sp>
-        <p:nvSpPr>
-          <p:cNvPr id="2" name="Titre 1">
-            <a:extLst>
-              <a:ext uri="{FF2B5EF4-FFF2-40B4-BE49-F238E27FC236}">
-                <a16:creationId xmlns:a16="http://schemas.microsoft.com/office/drawing/2014/main" id="{000A01CE-4985-BCA3-BCEA-70C1DB99B30A}"/>
-              </a:ext>
-            </a:extLst>
-          </p:cNvPr>
-          <p:cNvSpPr>
-            <a:spLocks noGrp="1"/>
-          </p:cNvSpPr>
-          <p:nvPr>
-            <p:ph type="title"/>
-          </p:nvPr>
-        </p:nvSpPr>
-        <p:spPr/>
-        <p:txBody>
-          <a:bodyPr/>
-          <a:lstStyle/>
-          <a:p>
-            <a:r>
-              <a:rPr lang="fr-FR" dirty="0"/>
-              <a:t>Organisez vos répertoires</a:t>
-            </a:r>
-          </a:p>
-        </p:txBody>
-      </p:sp>
-      <p:sp>
-        <p:nvSpPr>
-          <p:cNvPr id="3" name="Espace réservé du contenu 2">
-            <a:extLst>
-              <a:ext uri="{FF2B5EF4-FFF2-40B4-BE49-F238E27FC236}">
-                <a16:creationId xmlns:a16="http://schemas.microsoft.com/office/drawing/2014/main" id="{B1EBC4A6-DA85-DE35-AD40-7CD987A23FB0}"/>
-              </a:ext>
-            </a:extLst>
-          </p:cNvPr>
-          <p:cNvSpPr>
-            <a:spLocks noGrp="1"/>
-          </p:cNvSpPr>
-          <p:nvPr>
-            <p:ph idx="1"/>
-          </p:nvPr>
-        </p:nvSpPr>
-        <p:spPr/>
-        <p:txBody>
-          <a:bodyPr>
-            <a:normAutofit fontScale="92500" lnSpcReduction="10000"/>
-          </a:bodyPr>
-          <a:lstStyle/>
-          <a:p>
-            <a:r>
-              <a:rPr lang="fr-FR" dirty="0"/>
-              <a:t>Un ou plusieurs fichiers csv, xlsx… dans un sous-répertoire</a:t>
-            </a:r>
-          </a:p>
-          <a:p>
-            <a:r>
-              <a:rPr lang="fr-FR" dirty="0"/>
-              <a:t>Vos notebooks au-dessus ou dans un autre répertoire</a:t>
-            </a:r>
-          </a:p>
-          <a:p>
-            <a:r>
-              <a:rPr lang="fr-FR" dirty="0"/>
-              <a:t>Vous devez être capables de déplacer l’arborescence sans problème</a:t>
-            </a:r>
-          </a:p>
-          <a:p>
-            <a:endParaRPr lang="fr-FR" dirty="0"/>
-          </a:p>
-          <a:p>
-            <a:r>
-              <a:rPr lang="fr-FR" sz="2000" dirty="0" err="1">
-                <a:latin typeface="Courier New" panose="02070309020205020404" pitchFamily="49" charset="0"/>
-                <a:cs typeface="Courier New" panose="02070309020205020404" pitchFamily="49" charset="0"/>
-              </a:rPr>
-              <a:t>formation_jedha</a:t>
-            </a:r>
-            <a:endParaRPr lang="fr-FR" sz="2000" dirty="0">
-              <a:latin typeface="Courier New" panose="02070309020205020404" pitchFamily="49" charset="0"/>
-              <a:cs typeface="Courier New" panose="02070309020205020404" pitchFamily="49" charset="0"/>
-            </a:endParaRPr>
-          </a:p>
-          <a:p>
-            <a:pPr lvl="1"/>
-            <a:r>
-              <a:rPr lang="fr-FR" sz="1800" dirty="0">
-                <a:latin typeface="Courier New" panose="02070309020205020404" pitchFamily="49" charset="0"/>
-                <a:cs typeface="Courier New" panose="02070309020205020404" pitchFamily="49" charset="0"/>
-              </a:rPr>
-              <a:t>ressources</a:t>
-            </a:r>
-          </a:p>
-          <a:p>
-            <a:pPr lvl="2"/>
-            <a:r>
-              <a:rPr lang="fr-FR" sz="1400" dirty="0">
-                <a:latin typeface="Courier New" panose="02070309020205020404" pitchFamily="49" charset="0"/>
-                <a:cs typeface="Courier New" panose="02070309020205020404" pitchFamily="49" charset="0"/>
-              </a:rPr>
-              <a:t>fichier.pdf</a:t>
-            </a:r>
-          </a:p>
-          <a:p>
-            <a:pPr lvl="2"/>
-            <a:r>
-              <a:rPr lang="fr-FR" sz="1600" dirty="0">
-                <a:latin typeface="Courier New" panose="02070309020205020404" pitchFamily="49" charset="0"/>
-                <a:cs typeface="Courier New" panose="02070309020205020404" pitchFamily="49" charset="0"/>
-              </a:rPr>
-              <a:t>feuille1.csv</a:t>
-            </a:r>
-          </a:p>
-          <a:p>
-            <a:pPr lvl="2"/>
-            <a:r>
-              <a:rPr lang="fr-FR" sz="1600" dirty="0">
-                <a:latin typeface="Courier New" panose="02070309020205020404" pitchFamily="49" charset="0"/>
-                <a:cs typeface="Courier New" panose="02070309020205020404" pitchFamily="49" charset="0"/>
-              </a:rPr>
-              <a:t>feuille2.xlsx</a:t>
-            </a:r>
-          </a:p>
-          <a:p>
-            <a:pPr lvl="2"/>
-            <a:r>
-              <a:rPr lang="fr-FR" sz="1600" dirty="0">
-                <a:latin typeface="Courier New" panose="02070309020205020404" pitchFamily="49" charset="0"/>
-                <a:cs typeface="Courier New" panose="02070309020205020404" pitchFamily="49" charset="0"/>
-              </a:rPr>
-              <a:t>images</a:t>
-            </a:r>
-          </a:p>
-          <a:p>
-            <a:pPr lvl="3"/>
-            <a:r>
-              <a:rPr lang="fr-FR" sz="1400" dirty="0">
-                <a:latin typeface="Courier New" panose="02070309020205020404" pitchFamily="49" charset="0"/>
-                <a:cs typeface="Courier New" panose="02070309020205020404" pitchFamily="49" charset="0"/>
-              </a:rPr>
-              <a:t>image1.png</a:t>
-            </a:r>
-          </a:p>
-          <a:p>
-            <a:pPr lvl="3"/>
-            <a:r>
-              <a:rPr lang="fr-FR" sz="1400" dirty="0">
-                <a:latin typeface="Courier New" panose="02070309020205020404" pitchFamily="49" charset="0"/>
-                <a:cs typeface="Courier New" panose="02070309020205020404" pitchFamily="49" charset="0"/>
-              </a:rPr>
-              <a:t>image2.png</a:t>
-            </a:r>
-          </a:p>
-          <a:p>
-            <a:pPr lvl="1"/>
-            <a:r>
-              <a:rPr lang="fr-FR" sz="1800" dirty="0">
-                <a:latin typeface="Courier New" panose="02070309020205020404" pitchFamily="49" charset="0"/>
-                <a:cs typeface="Courier New" panose="02070309020205020404" pitchFamily="49" charset="0"/>
-              </a:rPr>
-              <a:t>notebook1</a:t>
-            </a:r>
-          </a:p>
-          <a:p>
-            <a:pPr lvl="1"/>
-            <a:r>
-              <a:rPr lang="fr-FR" sz="1800" dirty="0">
-                <a:latin typeface="Courier New" panose="02070309020205020404" pitchFamily="49" charset="0"/>
-                <a:cs typeface="Courier New" panose="02070309020205020404" pitchFamily="49" charset="0"/>
-              </a:rPr>
-              <a:t>notebook2</a:t>
-            </a:r>
-            <a:endParaRPr lang="fr-FR" dirty="0">
-              <a:latin typeface="Courier New" panose="02070309020205020404" pitchFamily="49" charset="0"/>
-              <a:cs typeface="Courier New" panose="02070309020205020404" pitchFamily="49" charset="0"/>
-            </a:endParaRPr>
-          </a:p>
-        </p:txBody>
-      </p:sp>
-    </p:spTree>
-    <p:extLst>
-      <p:ext uri="{BB962C8B-B14F-4D97-AF65-F5344CB8AC3E}">
-        <p14:creationId xmlns:p14="http://schemas.microsoft.com/office/powerpoint/2010/main" val="2233040392"/>
-      </p:ext>
-    </p:extLst>
-  </p:cSld>
-  <p:clrMapOvr>
-    <a:masterClrMapping/>
-  </p:clrMapOvr>
-</p:sld>
-</file>
-
-<file path=ppt/slides/slide9.xml><?xml version="1.0" encoding="utf-8"?>
-<p:sld xmlns:a="http://schemas.openxmlformats.org/drawingml/2006/main" xmlns:r="http://schemas.openxmlformats.org/officeDocument/2006/relationships" xmlns:p="http://schemas.openxmlformats.org/presentationml/2006/main">
-  <p:cSld>
-    <p:spTree>
-      <p:nvGrpSpPr>
-        <p:cNvPr id="1" name=""/>
-        <p:cNvGrpSpPr/>
-        <p:nvPr/>
-      </p:nvGrpSpPr>
-      <p:grpSpPr>
-        <a:xfrm>
-          <a:off x="0" y="0"/>
-          <a:ext cx="0" cy="0"/>
-          <a:chOff x="0" y="0"/>
-          <a:chExt cx="0" cy="0"/>
-        </a:xfrm>
-      </p:grpSpPr>
-      <p:sp>
-        <p:nvSpPr>
-          <p:cNvPr id="2" name="Titre 1">
-            <a:extLst>
-              <a:ext uri="{FF2B5EF4-FFF2-40B4-BE49-F238E27FC236}">
-                <a16:creationId xmlns:a16="http://schemas.microsoft.com/office/drawing/2014/main" id="{57FAF8DF-B492-7E69-3C14-73A53687D21F}"/>
-              </a:ext>
-            </a:extLst>
-          </p:cNvPr>
-          <p:cNvSpPr>
-            <a:spLocks noGrp="1"/>
-          </p:cNvSpPr>
-          <p:nvPr>
-            <p:ph type="title"/>
-          </p:nvPr>
-        </p:nvSpPr>
-        <p:spPr/>
-        <p:txBody>
-          <a:bodyPr/>
-          <a:lstStyle/>
-          <a:p>
-            <a:r>
-              <a:rPr lang="fr-FR" dirty="0"/>
-              <a:t>Raccourcis pour survivre…</a:t>
-            </a:r>
-          </a:p>
-        </p:txBody>
-      </p:sp>
-      <p:sp>
-        <p:nvSpPr>
-          <p:cNvPr id="3" name="Espace réservé du contenu 2">
-            <a:extLst>
-              <a:ext uri="{FF2B5EF4-FFF2-40B4-BE49-F238E27FC236}">
-                <a16:creationId xmlns:a16="http://schemas.microsoft.com/office/drawing/2014/main" id="{17B3C29C-0AB2-F08E-5548-003F6797B1FB}"/>
-              </a:ext>
-            </a:extLst>
-          </p:cNvPr>
-          <p:cNvSpPr>
-            <a:spLocks noGrp="1"/>
-          </p:cNvSpPr>
-          <p:nvPr>
-            <p:ph idx="1"/>
-          </p:nvPr>
-        </p:nvSpPr>
-        <p:spPr/>
-        <p:txBody>
-          <a:bodyPr>
-            <a:normAutofit/>
-          </a:bodyPr>
-          <a:lstStyle/>
-          <a:p>
-            <a:r>
-              <a:rPr lang="fr-FR" dirty="0"/>
-              <a:t>Essayez de ne plus toucher la souris</a:t>
-            </a:r>
-          </a:p>
-          <a:p>
-            <a:r>
-              <a:rPr lang="fr-FR" dirty="0"/>
-              <a:t>CTRL X – Supprimer une ligne</a:t>
-            </a:r>
-          </a:p>
-          <a:p>
-            <a:r>
-              <a:rPr lang="fr-FR" dirty="0"/>
-              <a:t>CTRL + SHIFT + F : cherche dans </a:t>
-            </a:r>
-            <a:r>
-              <a:rPr lang="fr-FR" dirty="0" err="1"/>
-              <a:t>workspace</a:t>
-            </a:r>
-            <a:endParaRPr lang="fr-FR" dirty="0"/>
-          </a:p>
-          <a:p>
-            <a:r>
-              <a:rPr lang="fr-FR" dirty="0"/>
-              <a:t>SHIFT + ENTER : Exécuter une cellule</a:t>
-            </a:r>
-          </a:p>
-          <a:p>
-            <a:r>
-              <a:rPr lang="fr-FR" dirty="0"/>
-              <a:t>CTRL + / : commentaire</a:t>
-            </a:r>
-          </a:p>
-          <a:p>
-            <a:endParaRPr lang="fr-FR" dirty="0"/>
-          </a:p>
-          <a:p>
-            <a:r>
-              <a:rPr lang="fr-FR" sz="1800" dirty="0">
-                <a:latin typeface="Courier New" panose="02070309020205020404" pitchFamily="49" charset="0"/>
-                <a:cs typeface="Courier New" panose="02070309020205020404" pitchFamily="49" charset="0"/>
-                <a:hlinkClick r:id="rId2"/>
-              </a:rPr>
-              <a:t>https://code.visualstudio.com/shortcuts/keyboard-shortcuts-windows.pdf</a:t>
-            </a:r>
-            <a:endParaRPr lang="fr-FR" sz="1800" dirty="0">
-              <a:latin typeface="Courier New" panose="02070309020205020404" pitchFamily="49" charset="0"/>
-              <a:cs typeface="Courier New" panose="02070309020205020404" pitchFamily="49" charset="0"/>
-            </a:endParaRPr>
-          </a:p>
-          <a:p>
-            <a:r>
-              <a:rPr lang="fr-FR" sz="1800" dirty="0">
-                <a:latin typeface="Courier New" panose="02070309020205020404" pitchFamily="49" charset="0"/>
-                <a:cs typeface="Courier New" panose="02070309020205020404" pitchFamily="49" charset="0"/>
-              </a:rPr>
-              <a:t>https://code.visualstudio.com/shortcuts/keyboard-shortcuts-linux.pdf</a:t>
-            </a:r>
-          </a:p>
-          <a:p>
-            <a:r>
-              <a:rPr lang="fr-FR" sz="1800" dirty="0">
-                <a:latin typeface="Courier New" panose="02070309020205020404" pitchFamily="49" charset="0"/>
-                <a:cs typeface="Courier New" panose="02070309020205020404" pitchFamily="49" charset="0"/>
-              </a:rPr>
-              <a:t>https://code.visualstudio.com/shortcuts/keyboard-shortcuts-macos.pdf</a:t>
-            </a:r>
-          </a:p>
-          <a:p>
-            <a:endParaRPr lang="fr-FR" sz="1800" dirty="0">
-              <a:latin typeface="Courier New" panose="02070309020205020404" pitchFamily="49" charset="0"/>
-              <a:cs typeface="Courier New" panose="02070309020205020404" pitchFamily="49" charset="0"/>
-            </a:endParaRPr>
-          </a:p>
-          <a:p>
-            <a:endParaRPr lang="fr-FR" sz="1800" dirty="0">
-              <a:latin typeface="Courier New" panose="02070309020205020404" pitchFamily="49" charset="0"/>
-              <a:cs typeface="Courier New" panose="02070309020205020404" pitchFamily="49" charset="0"/>
-            </a:endParaRPr>
-          </a:p>
-        </p:txBody>
-      </p:sp>
-      <p:pic>
-        <p:nvPicPr>
-          <p:cNvPr id="5" name="Image 4">
-            <a:extLst>
-              <a:ext uri="{FF2B5EF4-FFF2-40B4-BE49-F238E27FC236}">
-                <a16:creationId xmlns:a16="http://schemas.microsoft.com/office/drawing/2014/main" id="{21384AB3-5A35-D9E0-E76D-FDC353A29F50}"/>
-              </a:ext>
-            </a:extLst>
-          </p:cNvPr>
-          <p:cNvPicPr>
-            <a:picLocks noChangeAspect="1"/>
-          </p:cNvPicPr>
-          <p:nvPr/>
-        </p:nvPicPr>
-        <p:blipFill>
-          <a:blip r:embed="rId3"/>
-          <a:stretch>
-            <a:fillRect/>
-          </a:stretch>
-        </p:blipFill>
-        <p:spPr>
-          <a:xfrm>
-            <a:off x="7670973" y="253219"/>
-            <a:ext cx="4339562" cy="2607788"/>
-          </a:xfrm>
-          <a:prstGeom prst="rect">
-            <a:avLst/>
-          </a:prstGeom>
-          <a:effectLst>
-            <a:outerShdw blurRad="50800" dist="38100" dir="2700000" algn="tl" rotWithShape="0">
-              <a:prstClr val="black">
-                <a:alpha val="40000"/>
-              </a:prstClr>
-            </a:outerShdw>
-          </a:effectLst>
-        </p:spPr>
-      </p:pic>
-    </p:spTree>
-    <p:extLst>
-      <p:ext uri="{BB962C8B-B14F-4D97-AF65-F5344CB8AC3E}">
-        <p14:creationId xmlns:p14="http://schemas.microsoft.com/office/powerpoint/2010/main" val="3255516959"/>
       </p:ext>
     </p:extLst>
   </p:cSld>

--- a/00_notes_de_stage.pptx
+++ b/00_notes_de_stage.pptx
@@ -5,7 +5,7 @@
     <p:sldMasterId id="2147483648" r:id="rId1"/>
   </p:sldMasterIdLst>
   <p:notesMasterIdLst>
-    <p:notesMasterId r:id="rId49"/>
+    <p:notesMasterId r:id="rId53"/>
   </p:notesMasterIdLst>
   <p:sldIdLst>
     <p:sldId id="256" r:id="rId2"/>
@@ -24,37 +24,41 @@
     <p:sldId id="262" r:id="rId15"/>
     <p:sldId id="263" r:id="rId16"/>
     <p:sldId id="274" r:id="rId17"/>
-    <p:sldId id="267" r:id="rId18"/>
-    <p:sldId id="273" r:id="rId19"/>
-    <p:sldId id="278" r:id="rId20"/>
-    <p:sldId id="295" r:id="rId21"/>
-    <p:sldId id="279" r:id="rId22"/>
-    <p:sldId id="296" r:id="rId23"/>
-    <p:sldId id="297" r:id="rId24"/>
-    <p:sldId id="289" r:id="rId25"/>
-    <p:sldId id="299" r:id="rId26"/>
-    <p:sldId id="300" r:id="rId27"/>
-    <p:sldId id="280" r:id="rId28"/>
-    <p:sldId id="302" r:id="rId29"/>
-    <p:sldId id="288" r:id="rId30"/>
-    <p:sldId id="281" r:id="rId31"/>
-    <p:sldId id="269" r:id="rId32"/>
-    <p:sldId id="270" r:id="rId33"/>
-    <p:sldId id="271" r:id="rId34"/>
-    <p:sldId id="268" r:id="rId35"/>
-    <p:sldId id="272" r:id="rId36"/>
-    <p:sldId id="277" r:id="rId37"/>
-    <p:sldId id="282" r:id="rId38"/>
-    <p:sldId id="286" r:id="rId39"/>
-    <p:sldId id="287" r:id="rId40"/>
-    <p:sldId id="283" r:id="rId41"/>
-    <p:sldId id="290" r:id="rId42"/>
-    <p:sldId id="294" r:id="rId43"/>
-    <p:sldId id="284" r:id="rId44"/>
-    <p:sldId id="292" r:id="rId45"/>
-    <p:sldId id="285" r:id="rId46"/>
-    <p:sldId id="291" r:id="rId47"/>
-    <p:sldId id="293" r:id="rId48"/>
+    <p:sldId id="306" r:id="rId18"/>
+    <p:sldId id="267" r:id="rId19"/>
+    <p:sldId id="273" r:id="rId20"/>
+    <p:sldId id="278" r:id="rId21"/>
+    <p:sldId id="295" r:id="rId22"/>
+    <p:sldId id="279" r:id="rId23"/>
+    <p:sldId id="296" r:id="rId24"/>
+    <p:sldId id="297" r:id="rId25"/>
+    <p:sldId id="289" r:id="rId26"/>
+    <p:sldId id="299" r:id="rId27"/>
+    <p:sldId id="300" r:id="rId28"/>
+    <p:sldId id="280" r:id="rId29"/>
+    <p:sldId id="302" r:id="rId30"/>
+    <p:sldId id="288" r:id="rId31"/>
+    <p:sldId id="303" r:id="rId32"/>
+    <p:sldId id="304" r:id="rId33"/>
+    <p:sldId id="305" r:id="rId34"/>
+    <p:sldId id="281" r:id="rId35"/>
+    <p:sldId id="269" r:id="rId36"/>
+    <p:sldId id="270" r:id="rId37"/>
+    <p:sldId id="271" r:id="rId38"/>
+    <p:sldId id="268" r:id="rId39"/>
+    <p:sldId id="272" r:id="rId40"/>
+    <p:sldId id="277" r:id="rId41"/>
+    <p:sldId id="282" r:id="rId42"/>
+    <p:sldId id="286" r:id="rId43"/>
+    <p:sldId id="287" r:id="rId44"/>
+    <p:sldId id="283" r:id="rId45"/>
+    <p:sldId id="290" r:id="rId46"/>
+    <p:sldId id="294" r:id="rId47"/>
+    <p:sldId id="284" r:id="rId48"/>
+    <p:sldId id="292" r:id="rId49"/>
+    <p:sldId id="285" r:id="rId50"/>
+    <p:sldId id="291" r:id="rId51"/>
+    <p:sldId id="293" r:id="rId52"/>
   </p:sldIdLst>
   <p:sldSz cx="12192000" cy="6858000"/>
   <p:notesSz cx="6858000" cy="9144000"/>
@@ -164,7 +168,7 @@
 <file path=ppt/revisionInfo.xml><?xml version="1.0" encoding="utf-8"?>
 <p1510:revInfo xmlns:a="http://schemas.openxmlformats.org/drawingml/2006/main" xmlns:r="http://schemas.openxmlformats.org/officeDocument/2006/relationships" xmlns:p1510="http://schemas.microsoft.com/office/powerpoint/2015/10/main">
   <p1510:revLst>
-    <p1510:client id="{01E73667-2BEF-4007-AD34-DC26F6381063}" v="73" dt="2024-01-11T09:43:39.862"/>
+    <p1510:client id="{01E73667-2BEF-4007-AD34-DC26F6381063}" v="130" dt="2024-01-12T09:21:50.847"/>
   </p1510:revLst>
 </p1510:revInfo>
 </file>
@@ -198,7 +202,7 @@
   <pc:docChgLst>
     <pc:chgData name="Philippe Baucour" userId="5102170ae7533958" providerId="LiveId" clId="{01E73667-2BEF-4007-AD34-DC26F6381063}"/>
     <pc:docChg chg="undo custSel addSld delSld modSld sldOrd">
-      <pc:chgData name="Philippe Baucour" userId="5102170ae7533958" providerId="LiveId" clId="{01E73667-2BEF-4007-AD34-DC26F6381063}" dt="2024-01-11T10:54:16.516" v="16149" actId="20577"/>
+      <pc:chgData name="Philippe Baucour" userId="5102170ae7533958" providerId="LiveId" clId="{01E73667-2BEF-4007-AD34-DC26F6381063}" dt="2024-01-12T09:25:36.533" v="17890" actId="20577"/>
       <pc:docMkLst>
         <pc:docMk/>
       </pc:docMkLst>
@@ -2095,7 +2099,7 @@
         </pc:spChg>
       </pc:sldChg>
       <pc:sldChg chg="addSp delSp modSp new mod modClrScheme chgLayout">
-        <pc:chgData name="Philippe Baucour" userId="5102170ae7533958" providerId="LiveId" clId="{01E73667-2BEF-4007-AD34-DC26F6381063}" dt="2024-01-09T07:23:25.490" v="13852" actId="20577"/>
+        <pc:chgData name="Philippe Baucour" userId="5102170ae7533958" providerId="LiveId" clId="{01E73667-2BEF-4007-AD34-DC26F6381063}" dt="2024-01-12T08:22:04.748" v="16174" actId="20577"/>
         <pc:sldMkLst>
           <pc:docMk/>
           <pc:sldMk cId="1627712614" sldId="295"/>
@@ -2117,7 +2121,7 @@
           </ac:spMkLst>
         </pc:spChg>
         <pc:spChg chg="add mod ord">
-          <ac:chgData name="Philippe Baucour" userId="5102170ae7533958" providerId="LiveId" clId="{01E73667-2BEF-4007-AD34-DC26F6381063}" dt="2024-01-09T07:18:40.903" v="13623" actId="700"/>
+          <ac:chgData name="Philippe Baucour" userId="5102170ae7533958" providerId="LiveId" clId="{01E73667-2BEF-4007-AD34-DC26F6381063}" dt="2024-01-12T08:22:04.748" v="16174" actId="20577"/>
           <ac:spMkLst>
             <pc:docMk/>
             <pc:sldMk cId="1627712614" sldId="295"/>
@@ -2330,7 +2334,7 @@
         </pc:spChg>
       </pc:sldChg>
       <pc:sldChg chg="addSp delSp modSp new mod ord modClrScheme chgLayout">
-        <pc:chgData name="Philippe Baucour" userId="5102170ae7533958" providerId="LiveId" clId="{01E73667-2BEF-4007-AD34-DC26F6381063}" dt="2024-01-11T09:52:42.144" v="15890" actId="27636"/>
+        <pc:chgData name="Philippe Baucour" userId="5102170ae7533958" providerId="LiveId" clId="{01E73667-2BEF-4007-AD34-DC26F6381063}" dt="2024-01-12T08:23:21.383" v="16272" actId="20577"/>
         <pc:sldMkLst>
           <pc:docMk/>
           <pc:sldMk cId="438275379" sldId="299"/>
@@ -2344,7 +2348,7 @@
           </ac:spMkLst>
         </pc:spChg>
         <pc:spChg chg="add mod ord">
-          <ac:chgData name="Philippe Baucour" userId="5102170ae7533958" providerId="LiveId" clId="{01E73667-2BEF-4007-AD34-DC26F6381063}" dt="2024-01-10T10:31:15.606" v="15036" actId="20577"/>
+          <ac:chgData name="Philippe Baucour" userId="5102170ae7533958" providerId="LiveId" clId="{01E73667-2BEF-4007-AD34-DC26F6381063}" dt="2024-01-12T08:22:24.907" v="16175"/>
           <ac:spMkLst>
             <pc:docMk/>
             <pc:sldMk cId="438275379" sldId="299"/>
@@ -2352,7 +2356,7 @@
           </ac:spMkLst>
         </pc:spChg>
         <pc:spChg chg="add mod ord">
-          <ac:chgData name="Philippe Baucour" userId="5102170ae7533958" providerId="LiveId" clId="{01E73667-2BEF-4007-AD34-DC26F6381063}" dt="2024-01-11T09:52:42.144" v="15890" actId="27636"/>
+          <ac:chgData name="Philippe Baucour" userId="5102170ae7533958" providerId="LiveId" clId="{01E73667-2BEF-4007-AD34-DC26F6381063}" dt="2024-01-12T08:23:21.383" v="16272" actId="20577"/>
           <ac:spMkLst>
             <pc:docMk/>
             <pc:sldMk cId="438275379" sldId="299"/>
@@ -2447,7 +2451,7 @@
         </pc:picChg>
       </pc:sldChg>
       <pc:sldChg chg="addSp delSp modSp new mod modClrScheme chgLayout">
-        <pc:chgData name="Philippe Baucour" userId="5102170ae7533958" providerId="LiveId" clId="{01E73667-2BEF-4007-AD34-DC26F6381063}" dt="2024-01-11T10:54:16.516" v="16149" actId="20577"/>
+        <pc:chgData name="Philippe Baucour" userId="5102170ae7533958" providerId="LiveId" clId="{01E73667-2BEF-4007-AD34-DC26F6381063}" dt="2024-01-12T09:24:39.415" v="17862" actId="20577"/>
         <pc:sldMkLst>
           <pc:docMk/>
           <pc:sldMk cId="3773493551" sldId="302"/>
@@ -2477,13 +2481,169 @@
           </ac:spMkLst>
         </pc:spChg>
         <pc:spChg chg="add mod ord">
-          <ac:chgData name="Philippe Baucour" userId="5102170ae7533958" providerId="LiveId" clId="{01E73667-2BEF-4007-AD34-DC26F6381063}" dt="2024-01-11T10:54:16.516" v="16149" actId="20577"/>
+          <ac:chgData name="Philippe Baucour" userId="5102170ae7533958" providerId="LiveId" clId="{01E73667-2BEF-4007-AD34-DC26F6381063}" dt="2024-01-12T09:24:39.415" v="17862" actId="20577"/>
           <ac:spMkLst>
             <pc:docMk/>
             <pc:sldMk cId="3773493551" sldId="302"/>
             <ac:spMk id="5" creationId="{EDABDBBC-84D8-6981-BB92-1901DACA08F8}"/>
           </ac:spMkLst>
         </pc:spChg>
+      </pc:sldChg>
+      <pc:sldChg chg="addSp delSp modSp new mod modClrScheme chgLayout">
+        <pc:chgData name="Philippe Baucour" userId="5102170ae7533958" providerId="LiveId" clId="{01E73667-2BEF-4007-AD34-DC26F6381063}" dt="2024-01-12T09:25:14.140" v="17884" actId="20577"/>
+        <pc:sldMkLst>
+          <pc:docMk/>
+          <pc:sldMk cId="2065511848" sldId="303"/>
+        </pc:sldMkLst>
+        <pc:spChg chg="del mod ord">
+          <ac:chgData name="Philippe Baucour" userId="5102170ae7533958" providerId="LiveId" clId="{01E73667-2BEF-4007-AD34-DC26F6381063}" dt="2024-01-12T08:24:05.444" v="16274" actId="700"/>
+          <ac:spMkLst>
+            <pc:docMk/>
+            <pc:sldMk cId="2065511848" sldId="303"/>
+            <ac:spMk id="2" creationId="{F1F3868C-8AA4-7EA6-BBCA-E84D98FAEFD6}"/>
+          </ac:spMkLst>
+        </pc:spChg>
+        <pc:spChg chg="del mod ord">
+          <ac:chgData name="Philippe Baucour" userId="5102170ae7533958" providerId="LiveId" clId="{01E73667-2BEF-4007-AD34-DC26F6381063}" dt="2024-01-12T08:24:05.444" v="16274" actId="700"/>
+          <ac:spMkLst>
+            <pc:docMk/>
+            <pc:sldMk cId="2065511848" sldId="303"/>
+            <ac:spMk id="3" creationId="{9B421E2D-8634-D57F-F0A3-A583FB703CD7}"/>
+          </ac:spMkLst>
+        </pc:spChg>
+        <pc:spChg chg="add mod ord">
+          <ac:chgData name="Philippe Baucour" userId="5102170ae7533958" providerId="LiveId" clId="{01E73667-2BEF-4007-AD34-DC26F6381063}" dt="2024-01-12T09:25:14.140" v="17884" actId="20577"/>
+          <ac:spMkLst>
+            <pc:docMk/>
+            <pc:sldMk cId="2065511848" sldId="303"/>
+            <ac:spMk id="4" creationId="{9FC0D694-C02A-47C0-357F-3D7E72E80DC3}"/>
+          </ac:spMkLst>
+        </pc:spChg>
+        <pc:spChg chg="add mod ord">
+          <ac:chgData name="Philippe Baucour" userId="5102170ae7533958" providerId="LiveId" clId="{01E73667-2BEF-4007-AD34-DC26F6381063}" dt="2024-01-12T09:04:54.117" v="17472" actId="6549"/>
+          <ac:spMkLst>
+            <pc:docMk/>
+            <pc:sldMk cId="2065511848" sldId="303"/>
+            <ac:spMk id="5" creationId="{E9EB0753-9474-9916-B07E-A47E8EEE9AAD}"/>
+          </ac:spMkLst>
+        </pc:spChg>
+        <pc:picChg chg="add mod">
+          <ac:chgData name="Philippe Baucour" userId="5102170ae7533958" providerId="LiveId" clId="{01E73667-2BEF-4007-AD34-DC26F6381063}" dt="2024-01-12T08:42:39.688" v="16808" actId="1036"/>
+          <ac:picMkLst>
+            <pc:docMk/>
+            <pc:sldMk cId="2065511848" sldId="303"/>
+            <ac:picMk id="1026" creationId="{24B90A9D-8D80-48A0-853A-783B83A90CF9}"/>
+          </ac:picMkLst>
+        </pc:picChg>
+      </pc:sldChg>
+      <pc:sldChg chg="addSp modSp new mod">
+        <pc:chgData name="Philippe Baucour" userId="5102170ae7533958" providerId="LiveId" clId="{01E73667-2BEF-4007-AD34-DC26F6381063}" dt="2024-01-12T09:25:36.533" v="17890" actId="20577"/>
+        <pc:sldMkLst>
+          <pc:docMk/>
+          <pc:sldMk cId="1602892343" sldId="304"/>
+        </pc:sldMkLst>
+        <pc:spChg chg="mod">
+          <ac:chgData name="Philippe Baucour" userId="5102170ae7533958" providerId="LiveId" clId="{01E73667-2BEF-4007-AD34-DC26F6381063}" dt="2024-01-12T08:38:40.381" v="16728"/>
+          <ac:spMkLst>
+            <pc:docMk/>
+            <pc:sldMk cId="1602892343" sldId="304"/>
+            <ac:spMk id="2" creationId="{89F61955-3F6B-42F7-9003-D2A1BBF3C1E0}"/>
+          </ac:spMkLst>
+        </pc:spChg>
+        <pc:spChg chg="mod">
+          <ac:chgData name="Philippe Baucour" userId="5102170ae7533958" providerId="LiveId" clId="{01E73667-2BEF-4007-AD34-DC26F6381063}" dt="2024-01-12T09:25:36.533" v="17890" actId="20577"/>
+          <ac:spMkLst>
+            <pc:docMk/>
+            <pc:sldMk cId="1602892343" sldId="304"/>
+            <ac:spMk id="3" creationId="{047FB6BA-FC7D-FC20-CDF0-AD8DA4B6DD94}"/>
+          </ac:spMkLst>
+        </pc:spChg>
+        <pc:picChg chg="add mod">
+          <ac:chgData name="Philippe Baucour" userId="5102170ae7533958" providerId="LiveId" clId="{01E73667-2BEF-4007-AD34-DC26F6381063}" dt="2024-01-12T09:03:26.065" v="17408" actId="1035"/>
+          <ac:picMkLst>
+            <pc:docMk/>
+            <pc:sldMk cId="1602892343" sldId="304"/>
+            <ac:picMk id="2050" creationId="{A905A0C6-5BE7-B902-DEC4-2F666E31DB84}"/>
+          </ac:picMkLst>
+        </pc:picChg>
+      </pc:sldChg>
+      <pc:sldChg chg="modSp new mod">
+        <pc:chgData name="Philippe Baucour" userId="5102170ae7533958" providerId="LiveId" clId="{01E73667-2BEF-4007-AD34-DC26F6381063}" dt="2024-01-12T09:13:10.803" v="17552" actId="20577"/>
+        <pc:sldMkLst>
+          <pc:docMk/>
+          <pc:sldMk cId="767757607" sldId="305"/>
+        </pc:sldMkLst>
+        <pc:spChg chg="mod">
+          <ac:chgData name="Philippe Baucour" userId="5102170ae7533958" providerId="LiveId" clId="{01E73667-2BEF-4007-AD34-DC26F6381063}" dt="2024-01-12T08:38:44.302" v="16729"/>
+          <ac:spMkLst>
+            <pc:docMk/>
+            <pc:sldMk cId="767757607" sldId="305"/>
+            <ac:spMk id="2" creationId="{F50148BC-43F6-3071-8E19-50992E6CCC80}"/>
+          </ac:spMkLst>
+        </pc:spChg>
+        <pc:spChg chg="mod">
+          <ac:chgData name="Philippe Baucour" userId="5102170ae7533958" providerId="LiveId" clId="{01E73667-2BEF-4007-AD34-DC26F6381063}" dt="2024-01-12T09:13:10.803" v="17552" actId="20577"/>
+          <ac:spMkLst>
+            <pc:docMk/>
+            <pc:sldMk cId="767757607" sldId="305"/>
+            <ac:spMk id="3" creationId="{46B230AA-D644-3586-CE26-DF4993D74410}"/>
+          </ac:spMkLst>
+        </pc:spChg>
+      </pc:sldChg>
+      <pc:sldChg chg="addSp modSp new mod">
+        <pc:chgData name="Philippe Baucour" userId="5102170ae7533958" providerId="LiveId" clId="{01E73667-2BEF-4007-AD34-DC26F6381063}" dt="2024-01-12T09:22:18.076" v="17817" actId="1076"/>
+        <pc:sldMkLst>
+          <pc:docMk/>
+          <pc:sldMk cId="1644484357" sldId="306"/>
+        </pc:sldMkLst>
+        <pc:spChg chg="mod">
+          <ac:chgData name="Philippe Baucour" userId="5102170ae7533958" providerId="LiveId" clId="{01E73667-2BEF-4007-AD34-DC26F6381063}" dt="2024-01-12T09:15:07.001" v="17592" actId="20577"/>
+          <ac:spMkLst>
+            <pc:docMk/>
+            <pc:sldMk cId="1644484357" sldId="306"/>
+            <ac:spMk id="2" creationId="{52949CBE-6BA1-1A0F-9CC1-A5F936FC1949}"/>
+          </ac:spMkLst>
+        </pc:spChg>
+        <pc:spChg chg="mod">
+          <ac:chgData name="Philippe Baucour" userId="5102170ae7533958" providerId="LiveId" clId="{01E73667-2BEF-4007-AD34-DC26F6381063}" dt="2024-01-12T09:20:46.507" v="17804" actId="20577"/>
+          <ac:spMkLst>
+            <pc:docMk/>
+            <pc:sldMk cId="1644484357" sldId="306"/>
+            <ac:spMk id="3" creationId="{59B02738-295D-004C-9759-C7B2435C24D1}"/>
+          </ac:spMkLst>
+        </pc:spChg>
+        <pc:spChg chg="add mod">
+          <ac:chgData name="Philippe Baucour" userId="5102170ae7533958" providerId="LiveId" clId="{01E73667-2BEF-4007-AD34-DC26F6381063}" dt="2024-01-12T09:21:33.819" v="17812" actId="1036"/>
+          <ac:spMkLst>
+            <pc:docMk/>
+            <pc:sldMk cId="1644484357" sldId="306"/>
+            <ac:spMk id="8" creationId="{025D7C71-1006-11C2-C37B-32A2AE71935D}"/>
+          </ac:spMkLst>
+        </pc:spChg>
+        <pc:spChg chg="add mod">
+          <ac:chgData name="Philippe Baucour" userId="5102170ae7533958" providerId="LiveId" clId="{01E73667-2BEF-4007-AD34-DC26F6381063}" dt="2024-01-12T09:22:18.076" v="17817" actId="1076"/>
+          <ac:spMkLst>
+            <pc:docMk/>
+            <pc:sldMk cId="1644484357" sldId="306"/>
+            <ac:spMk id="9" creationId="{479F5340-6AF4-9F33-B546-9A6D9C93A281}"/>
+          </ac:spMkLst>
+        </pc:spChg>
+        <pc:picChg chg="add mod">
+          <ac:chgData name="Philippe Baucour" userId="5102170ae7533958" providerId="LiveId" clId="{01E73667-2BEF-4007-AD34-DC26F6381063}" dt="2024-01-12T09:17:52.451" v="17661" actId="1038"/>
+          <ac:picMkLst>
+            <pc:docMk/>
+            <pc:sldMk cId="1644484357" sldId="306"/>
+            <ac:picMk id="5" creationId="{8E52791B-4455-DE9D-8C64-54248DFD1EC1}"/>
+          </ac:picMkLst>
+        </pc:picChg>
+        <pc:picChg chg="add mod">
+          <ac:chgData name="Philippe Baucour" userId="5102170ae7533958" providerId="LiveId" clId="{01E73667-2BEF-4007-AD34-DC26F6381063}" dt="2024-01-12T09:21:07.788" v="17805" actId="14100"/>
+          <ac:picMkLst>
+            <pc:docMk/>
+            <pc:sldMk cId="1644484357" sldId="306"/>
+            <ac:picMk id="7" creationId="{D68EE20C-8DE7-2A02-13EC-EC15B6F141F8}"/>
+          </ac:picMkLst>
+        </pc:picChg>
       </pc:sldChg>
     </pc:docChg>
   </pc:docChgLst>
@@ -2572,7 +2732,7 @@
           <a:p>
             <a:fld id="{4471ECC3-BD70-4F1E-B981-43613CDB8BB8}" type="datetimeFigureOut">
               <a:rPr lang="fr-FR" smtClean="0"/>
-              <a:t>11/01/2024</a:t>
+              <a:t>12/01/2024</a:t>
             </a:fld>
             <a:endParaRPr lang="fr-FR"/>
           </a:p>
@@ -2978,7 +3138,7 @@
           <a:p>
             <a:fld id="{CA52ACDA-CAD7-4952-B2DF-2528E011DCB5}" type="slidenum">
               <a:rPr lang="fr-FR" smtClean="0"/>
-              <a:t>33</a:t>
+              <a:t>37</a:t>
             </a:fld>
             <a:endParaRPr lang="fr-FR"/>
           </a:p>
@@ -3205,7 +3365,7 @@
           <a:p>
             <a:fld id="{CA52ACDA-CAD7-4952-B2DF-2528E011DCB5}" type="slidenum">
               <a:rPr lang="fr-FR" smtClean="0"/>
-              <a:t>38</a:t>
+              <a:t>42</a:t>
             </a:fld>
             <a:endParaRPr lang="fr-FR"/>
           </a:p>
@@ -3295,7 +3455,7 @@
           <a:p>
             <a:fld id="{CA52ACDA-CAD7-4952-B2DF-2528E011DCB5}" type="slidenum">
               <a:rPr lang="fr-FR" smtClean="0"/>
-              <a:t>46</a:t>
+              <a:t>50</a:t>
             </a:fld>
             <a:endParaRPr lang="fr-FR"/>
           </a:p>
@@ -3461,7 +3621,7 @@
           <a:p>
             <a:fld id="{814EAAF8-3877-4B4B-B2A5-D637106D66A3}" type="datetimeFigureOut">
               <a:rPr lang="fr-FR" smtClean="0"/>
-              <a:t>11/01/2024</a:t>
+              <a:t>12/01/2024</a:t>
             </a:fld>
             <a:endParaRPr lang="fr-FR"/>
           </a:p>
@@ -3659,7 +3819,7 @@
           <a:p>
             <a:fld id="{814EAAF8-3877-4B4B-B2A5-D637106D66A3}" type="datetimeFigureOut">
               <a:rPr lang="fr-FR" smtClean="0"/>
-              <a:t>11/01/2024</a:t>
+              <a:t>12/01/2024</a:t>
             </a:fld>
             <a:endParaRPr lang="fr-FR"/>
           </a:p>
@@ -3867,7 +4027,7 @@
           <a:p>
             <a:fld id="{814EAAF8-3877-4B4B-B2A5-D637106D66A3}" type="datetimeFigureOut">
               <a:rPr lang="fr-FR" smtClean="0"/>
-              <a:t>11/01/2024</a:t>
+              <a:t>12/01/2024</a:t>
             </a:fld>
             <a:endParaRPr lang="fr-FR"/>
           </a:p>
@@ -4065,7 +4225,7 @@
           <a:p>
             <a:fld id="{814EAAF8-3877-4B4B-B2A5-D637106D66A3}" type="datetimeFigureOut">
               <a:rPr lang="fr-FR" smtClean="0"/>
-              <a:t>11/01/2024</a:t>
+              <a:t>12/01/2024</a:t>
             </a:fld>
             <a:endParaRPr lang="fr-FR"/>
           </a:p>
@@ -4340,7 +4500,7 @@
           <a:p>
             <a:fld id="{814EAAF8-3877-4B4B-B2A5-D637106D66A3}" type="datetimeFigureOut">
               <a:rPr lang="fr-FR" smtClean="0"/>
-              <a:t>11/01/2024</a:t>
+              <a:t>12/01/2024</a:t>
             </a:fld>
             <a:endParaRPr lang="fr-FR"/>
           </a:p>
@@ -4605,7 +4765,7 @@
           <a:p>
             <a:fld id="{814EAAF8-3877-4B4B-B2A5-D637106D66A3}" type="datetimeFigureOut">
               <a:rPr lang="fr-FR" smtClean="0"/>
-              <a:t>11/01/2024</a:t>
+              <a:t>12/01/2024</a:t>
             </a:fld>
             <a:endParaRPr lang="fr-FR"/>
           </a:p>
@@ -5017,7 +5177,7 @@
           <a:p>
             <a:fld id="{814EAAF8-3877-4B4B-B2A5-D637106D66A3}" type="datetimeFigureOut">
               <a:rPr lang="fr-FR" smtClean="0"/>
-              <a:t>11/01/2024</a:t>
+              <a:t>12/01/2024</a:t>
             </a:fld>
             <a:endParaRPr lang="fr-FR"/>
           </a:p>
@@ -5158,7 +5318,7 @@
           <a:p>
             <a:fld id="{814EAAF8-3877-4B4B-B2A5-D637106D66A3}" type="datetimeFigureOut">
               <a:rPr lang="fr-FR" smtClean="0"/>
-              <a:t>11/01/2024</a:t>
+              <a:t>12/01/2024</a:t>
             </a:fld>
             <a:endParaRPr lang="fr-FR"/>
           </a:p>
@@ -5271,7 +5431,7 @@
           <a:p>
             <a:fld id="{814EAAF8-3877-4B4B-B2A5-D637106D66A3}" type="datetimeFigureOut">
               <a:rPr lang="fr-FR" smtClean="0"/>
-              <a:t>11/01/2024</a:t>
+              <a:t>12/01/2024</a:t>
             </a:fld>
             <a:endParaRPr lang="fr-FR"/>
           </a:p>
@@ -5582,7 +5742,7 @@
           <a:p>
             <a:fld id="{814EAAF8-3877-4B4B-B2A5-D637106D66A3}" type="datetimeFigureOut">
               <a:rPr lang="fr-FR" smtClean="0"/>
-              <a:t>11/01/2024</a:t>
+              <a:t>12/01/2024</a:t>
             </a:fld>
             <a:endParaRPr lang="fr-FR"/>
           </a:p>
@@ -5870,7 +6030,7 @@
           <a:p>
             <a:fld id="{814EAAF8-3877-4B4B-B2A5-D637106D66A3}" type="datetimeFigureOut">
               <a:rPr lang="fr-FR" smtClean="0"/>
-              <a:t>11/01/2024</a:t>
+              <a:t>12/01/2024</a:t>
             </a:fld>
             <a:endParaRPr lang="fr-FR"/>
           </a:p>
@@ -6111,7 +6271,7 @@
           <a:p>
             <a:fld id="{814EAAF8-3877-4B4B-B2A5-D637106D66A3}" type="datetimeFigureOut">
               <a:rPr lang="fr-FR" smtClean="0"/>
-              <a:t>11/01/2024</a:t>
+              <a:t>12/01/2024</a:t>
             </a:fld>
             <a:endParaRPr lang="fr-FR"/>
           </a:p>
@@ -8696,6 +8856,322 @@
           <p:cNvPr id="2" name="Titre 1">
             <a:extLst>
               <a:ext uri="{FF2B5EF4-FFF2-40B4-BE49-F238E27FC236}">
+                <a16:creationId xmlns:a16="http://schemas.microsoft.com/office/drawing/2014/main" id="{52949CBE-6BA1-1A0F-9CC1-A5F936FC1949}"/>
+              </a:ext>
+            </a:extLst>
+          </p:cNvPr>
+          <p:cNvSpPr>
+            <a:spLocks noGrp="1"/>
+          </p:cNvSpPr>
+          <p:nvPr>
+            <p:ph type="title"/>
+          </p:nvPr>
+        </p:nvSpPr>
+        <p:spPr/>
+        <p:txBody>
+          <a:bodyPr/>
+          <a:lstStyle/>
+          <a:p>
+            <a:r>
+              <a:rPr lang="fr-FR" dirty="0"/>
+              <a:t>Fonts avec ligature dans VSCode</a:t>
+            </a:r>
+          </a:p>
+        </p:txBody>
+      </p:sp>
+      <p:sp>
+        <p:nvSpPr>
+          <p:cNvPr id="3" name="Espace réservé du contenu 2">
+            <a:extLst>
+              <a:ext uri="{FF2B5EF4-FFF2-40B4-BE49-F238E27FC236}">
+                <a16:creationId xmlns:a16="http://schemas.microsoft.com/office/drawing/2014/main" id="{59B02738-295D-004C-9759-C7B2435C24D1}"/>
+              </a:ext>
+            </a:extLst>
+          </p:cNvPr>
+          <p:cNvSpPr>
+            <a:spLocks noGrp="1"/>
+          </p:cNvSpPr>
+          <p:nvPr>
+            <p:ph idx="1"/>
+          </p:nvPr>
+        </p:nvSpPr>
+        <p:spPr/>
+        <p:txBody>
+          <a:bodyPr/>
+          <a:lstStyle/>
+          <a:p>
+            <a:r>
+              <a:rPr lang="fr-FR" dirty="0"/>
+              <a:t>Installer la police </a:t>
+            </a:r>
+            <a:r>
+              <a:rPr lang="fr-FR" dirty="0" err="1"/>
+              <a:t>JetBrains</a:t>
+            </a:r>
+            <a:r>
+              <a:rPr lang="fr-FR" dirty="0"/>
+              <a:t> Mono</a:t>
+            </a:r>
+          </a:p>
+          <a:p>
+            <a:r>
+              <a:rPr lang="fr-FR" dirty="0">
+                <a:hlinkClick r:id="rId2"/>
+              </a:rPr>
+              <a:t>https://www.jetbrains.com/fr-fr/lp/mono/</a:t>
+            </a:r>
+            <a:endParaRPr lang="fr-FR" dirty="0"/>
+          </a:p>
+          <a:p>
+            <a:endParaRPr lang="fr-FR" dirty="0"/>
+          </a:p>
+          <a:p>
+            <a:r>
+              <a:rPr lang="fr-FR" dirty="0"/>
+              <a:t>Dans VSCode CTRL + , pour afficher les settings</a:t>
+            </a:r>
+          </a:p>
+          <a:p>
+            <a:r>
+              <a:rPr lang="fr-FR" dirty="0"/>
+              <a:t>Taper 'font'</a:t>
+            </a:r>
+          </a:p>
+          <a:p>
+            <a:r>
+              <a:rPr lang="fr-FR" dirty="0"/>
+              <a:t>Dans Editor Font Family</a:t>
+            </a:r>
+          </a:p>
+          <a:p>
+            <a:r>
+              <a:rPr lang="fr-FR" dirty="0"/>
+              <a:t>Saisir '</a:t>
+            </a:r>
+            <a:r>
+              <a:rPr lang="fr-FR" dirty="0" err="1"/>
+              <a:t>JetBrains</a:t>
+            </a:r>
+            <a:r>
+              <a:rPr lang="fr-FR" dirty="0"/>
+              <a:t> Mono'</a:t>
+            </a:r>
+          </a:p>
+          <a:p>
+            <a:endParaRPr lang="fr-FR" dirty="0"/>
+          </a:p>
+          <a:p>
+            <a:endParaRPr lang="fr-FR" dirty="0"/>
+          </a:p>
+        </p:txBody>
+      </p:sp>
+      <p:pic>
+        <p:nvPicPr>
+          <p:cNvPr id="5" name="Image 4">
+            <a:extLst>
+              <a:ext uri="{FF2B5EF4-FFF2-40B4-BE49-F238E27FC236}">
+                <a16:creationId xmlns:a16="http://schemas.microsoft.com/office/drawing/2014/main" id="{8E52791B-4455-DE9D-8C64-54248DFD1EC1}"/>
+              </a:ext>
+            </a:extLst>
+          </p:cNvPr>
+          <p:cNvPicPr>
+            <a:picLocks noChangeAspect="1"/>
+          </p:cNvPicPr>
+          <p:nvPr/>
+        </p:nvPicPr>
+        <p:blipFill>
+          <a:blip r:embed="rId3"/>
+          <a:stretch>
+            <a:fillRect/>
+          </a:stretch>
+        </p:blipFill>
+        <p:spPr>
+          <a:xfrm>
+            <a:off x="5871028" y="3935727"/>
+            <a:ext cx="6048829" cy="2624075"/>
+          </a:xfrm>
+          <a:prstGeom prst="rect">
+            <a:avLst/>
+          </a:prstGeom>
+          <a:effectLst>
+            <a:outerShdw blurRad="50800" dist="38100" dir="2700000" algn="tl" rotWithShape="0">
+              <a:prstClr val="black">
+                <a:alpha val="40000"/>
+              </a:prstClr>
+            </a:outerShdw>
+          </a:effectLst>
+        </p:spPr>
+      </p:pic>
+      <p:pic>
+        <p:nvPicPr>
+          <p:cNvPr id="7" name="Image 6">
+            <a:extLst>
+              <a:ext uri="{FF2B5EF4-FFF2-40B4-BE49-F238E27FC236}">
+                <a16:creationId xmlns:a16="http://schemas.microsoft.com/office/drawing/2014/main" id="{D68EE20C-8DE7-2A02-13EC-EC15B6F141F8}"/>
+              </a:ext>
+            </a:extLst>
+          </p:cNvPr>
+          <p:cNvPicPr>
+            <a:picLocks noChangeAspect="1"/>
+          </p:cNvPicPr>
+          <p:nvPr/>
+        </p:nvPicPr>
+        <p:blipFill>
+          <a:blip r:embed="rId4"/>
+          <a:stretch>
+            <a:fillRect/>
+          </a:stretch>
+        </p:blipFill>
+        <p:spPr>
+          <a:xfrm>
+            <a:off x="8221982" y="1306286"/>
+            <a:ext cx="3697875" cy="2337283"/>
+          </a:xfrm>
+          <a:prstGeom prst="rect">
+            <a:avLst/>
+          </a:prstGeom>
+          <a:effectLst>
+            <a:outerShdw blurRad="50800" dist="38100" dir="2700000" algn="tl" rotWithShape="0">
+              <a:prstClr val="black">
+                <a:alpha val="40000"/>
+              </a:prstClr>
+            </a:outerShdw>
+          </a:effectLst>
+        </p:spPr>
+      </p:pic>
+      <p:sp>
+        <p:nvSpPr>
+          <p:cNvPr id="8" name="Flèche : droite 7">
+            <a:extLst>
+              <a:ext uri="{FF2B5EF4-FFF2-40B4-BE49-F238E27FC236}">
+                <a16:creationId xmlns:a16="http://schemas.microsoft.com/office/drawing/2014/main" id="{025D7C71-1006-11C2-C37B-32A2AE71935D}"/>
+              </a:ext>
+            </a:extLst>
+          </p:cNvPr>
+          <p:cNvSpPr/>
+          <p:nvPr/>
+        </p:nvSpPr>
+        <p:spPr>
+          <a:xfrm rot="21095470">
+            <a:off x="6136696" y="6093061"/>
+            <a:ext cx="1594185" cy="673768"/>
+          </a:xfrm>
+          <a:prstGeom prst="rightArrow">
+            <a:avLst/>
+          </a:prstGeom>
+          <a:solidFill>
+            <a:srgbClr val="C00000"/>
+          </a:solidFill>
+        </p:spPr>
+        <p:style>
+          <a:lnRef idx="2">
+            <a:schemeClr val="accent1">
+              <a:shade val="15000"/>
+            </a:schemeClr>
+          </a:lnRef>
+          <a:fillRef idx="1">
+            <a:schemeClr val="accent1"/>
+          </a:fillRef>
+          <a:effectRef idx="0">
+            <a:schemeClr val="accent1"/>
+          </a:effectRef>
+          <a:fontRef idx="minor">
+            <a:schemeClr val="lt1"/>
+          </a:fontRef>
+        </p:style>
+        <p:txBody>
+          <a:bodyPr rtlCol="0" anchor="ctr"/>
+          <a:lstStyle/>
+          <a:p>
+            <a:pPr algn="ctr"/>
+            <a:endParaRPr lang="fr-FR"/>
+          </a:p>
+        </p:txBody>
+      </p:sp>
+      <p:sp>
+        <p:nvSpPr>
+          <p:cNvPr id="9" name="Flèche : droite 8">
+            <a:extLst>
+              <a:ext uri="{FF2B5EF4-FFF2-40B4-BE49-F238E27FC236}">
+                <a16:creationId xmlns:a16="http://schemas.microsoft.com/office/drawing/2014/main" id="{479F5340-6AF4-9F33-B546-9A6D9C93A281}"/>
+              </a:ext>
+            </a:extLst>
+          </p:cNvPr>
+          <p:cNvSpPr/>
+          <p:nvPr/>
+        </p:nvSpPr>
+        <p:spPr>
+          <a:xfrm rot="7163570">
+            <a:off x="9402410" y="1488741"/>
+            <a:ext cx="1594185" cy="673768"/>
+          </a:xfrm>
+          <a:prstGeom prst="rightArrow">
+            <a:avLst/>
+          </a:prstGeom>
+          <a:solidFill>
+            <a:srgbClr val="C00000"/>
+          </a:solidFill>
+        </p:spPr>
+        <p:style>
+          <a:lnRef idx="2">
+            <a:schemeClr val="accent1">
+              <a:shade val="15000"/>
+            </a:schemeClr>
+          </a:lnRef>
+          <a:fillRef idx="1">
+            <a:schemeClr val="accent1"/>
+          </a:fillRef>
+          <a:effectRef idx="0">
+            <a:schemeClr val="accent1"/>
+          </a:effectRef>
+          <a:fontRef idx="minor">
+            <a:schemeClr val="lt1"/>
+          </a:fontRef>
+        </p:style>
+        <p:txBody>
+          <a:bodyPr rtlCol="0" anchor="ctr"/>
+          <a:lstStyle/>
+          <a:p>
+            <a:pPr algn="ctr"/>
+            <a:endParaRPr lang="fr-FR"/>
+          </a:p>
+        </p:txBody>
+      </p:sp>
+    </p:spTree>
+    <p:extLst>
+      <p:ext uri="{BB962C8B-B14F-4D97-AF65-F5344CB8AC3E}">
+        <p14:creationId xmlns:p14="http://schemas.microsoft.com/office/powerpoint/2010/main" val="1644484357"/>
+      </p:ext>
+    </p:extLst>
+  </p:cSld>
+  <p:clrMapOvr>
+    <a:masterClrMapping/>
+  </p:clrMapOvr>
+</p:sld>
+</file>
+
+<file path=ppt/slides/slide18.xml><?xml version="1.0" encoding="utf-8"?>
+<p:sld xmlns:a="http://schemas.openxmlformats.org/drawingml/2006/main" xmlns:r="http://schemas.openxmlformats.org/officeDocument/2006/relationships" xmlns:p="http://schemas.openxmlformats.org/presentationml/2006/main">
+  <p:cSld>
+    <p:spTree>
+      <p:nvGrpSpPr>
+        <p:cNvPr id="1" name=""/>
+        <p:cNvGrpSpPr/>
+        <p:nvPr/>
+      </p:nvGrpSpPr>
+      <p:grpSpPr>
+        <a:xfrm>
+          <a:off x="0" y="0"/>
+          <a:ext cx="0" cy="0"/>
+          <a:chOff x="0" y="0"/>
+          <a:chExt cx="0" cy="0"/>
+        </a:xfrm>
+      </p:grpSpPr>
+      <p:sp>
+        <p:nvSpPr>
+          <p:cNvPr id="2" name="Titre 1">
+            <a:extLst>
+              <a:ext uri="{FF2B5EF4-FFF2-40B4-BE49-F238E27FC236}">
                 <a16:creationId xmlns:a16="http://schemas.microsoft.com/office/drawing/2014/main" id="{B564475B-885C-4243-574B-FE3291F2D2D2}"/>
               </a:ext>
             </a:extLst>
@@ -8880,144 +9356,6 @@
 </p:sld>
 </file>
 
-<file path=ppt/slides/slide18.xml><?xml version="1.0" encoding="utf-8"?>
-<p:sld xmlns:a="http://schemas.openxmlformats.org/drawingml/2006/main" xmlns:r="http://schemas.openxmlformats.org/officeDocument/2006/relationships" xmlns:p="http://schemas.openxmlformats.org/presentationml/2006/main">
-  <p:cSld>
-    <p:spTree>
-      <p:nvGrpSpPr>
-        <p:cNvPr id="1" name=""/>
-        <p:cNvGrpSpPr/>
-        <p:nvPr/>
-      </p:nvGrpSpPr>
-      <p:grpSpPr>
-        <a:xfrm>
-          <a:off x="0" y="0"/>
-          <a:ext cx="0" cy="0"/>
-          <a:chOff x="0" y="0"/>
-          <a:chExt cx="0" cy="0"/>
-        </a:xfrm>
-      </p:grpSpPr>
-      <p:sp>
-        <p:nvSpPr>
-          <p:cNvPr id="2" name="Titre 1">
-            <a:extLst>
-              <a:ext uri="{FF2B5EF4-FFF2-40B4-BE49-F238E27FC236}">
-                <a16:creationId xmlns:a16="http://schemas.microsoft.com/office/drawing/2014/main" id="{49786A07-F56A-8AB6-4FAF-0B0A6CC223B2}"/>
-              </a:ext>
-            </a:extLst>
-          </p:cNvPr>
-          <p:cNvSpPr>
-            <a:spLocks noGrp="1"/>
-          </p:cNvSpPr>
-          <p:nvPr>
-            <p:ph type="title"/>
-          </p:nvPr>
-        </p:nvSpPr>
-        <p:spPr/>
-        <p:txBody>
-          <a:bodyPr/>
-          <a:lstStyle/>
-          <a:p>
-            <a:r>
-              <a:rPr lang="fr-FR" dirty="0"/>
-              <a:t>Mettre un slide avec conseils de codage ?</a:t>
-            </a:r>
-          </a:p>
-        </p:txBody>
-      </p:sp>
-      <p:sp>
-        <p:nvSpPr>
-          <p:cNvPr id="3" name="Espace réservé du contenu 2">
-            <a:extLst>
-              <a:ext uri="{FF2B5EF4-FFF2-40B4-BE49-F238E27FC236}">
-                <a16:creationId xmlns:a16="http://schemas.microsoft.com/office/drawing/2014/main" id="{955DD105-D533-CC41-6FB5-A47C4EE8456C}"/>
-              </a:ext>
-            </a:extLst>
-          </p:cNvPr>
-          <p:cNvSpPr>
-            <a:spLocks noGrp="1"/>
-          </p:cNvSpPr>
-          <p:nvPr>
-            <p:ph idx="1"/>
-          </p:nvPr>
-        </p:nvSpPr>
-        <p:spPr/>
-        <p:txBody>
-          <a:bodyPr/>
-          <a:lstStyle/>
-          <a:p>
-            <a:r>
-              <a:rPr lang="fr-FR" dirty="0"/>
-              <a:t>Colle les messages d’erreur dans Google</a:t>
-            </a:r>
-          </a:p>
-          <a:p>
-            <a:r>
-              <a:rPr lang="fr-FR" dirty="0"/>
-              <a:t>Google et Stack </a:t>
-            </a:r>
-            <a:r>
-              <a:rPr lang="fr-FR" dirty="0" err="1"/>
-              <a:t>Overflow</a:t>
-            </a:r>
-            <a:r>
-              <a:rPr lang="fr-FR" dirty="0"/>
-              <a:t> sont tes meilleurs amis</a:t>
-            </a:r>
-          </a:p>
-          <a:p>
-            <a:r>
-              <a:rPr lang="fr-FR" dirty="0"/>
-              <a:t>Fais tes recherches sur Google en Anglais </a:t>
-            </a:r>
-          </a:p>
-          <a:p>
-            <a:r>
-              <a:rPr lang="fr-FR" dirty="0"/>
-              <a:t>Copie colle des codes d’exemples</a:t>
-            </a:r>
-          </a:p>
-          <a:p>
-            <a:r>
-              <a:rPr lang="fr-FR" dirty="0"/>
-              <a:t>Au début évite les docs officielles, inspire-toi d’exemples</a:t>
-            </a:r>
-          </a:p>
-          <a:p>
-            <a:pPr lvl="1"/>
-            <a:r>
-              <a:rPr lang="fr-FR" dirty="0"/>
-              <a:t>Après tu liras la doc sur tel ou tel paramètre</a:t>
-            </a:r>
-          </a:p>
-          <a:p>
-            <a:r>
-              <a:rPr lang="fr-FR" dirty="0"/>
-              <a:t>Au début ne perd pas trop de temps sur la "beauté" des graphes</a:t>
-            </a:r>
-          </a:p>
-          <a:p>
-            <a:pPr lvl="1"/>
-            <a:endParaRPr lang="fr-FR" dirty="0"/>
-          </a:p>
-          <a:p>
-            <a:endParaRPr lang="fr-FR" dirty="0"/>
-          </a:p>
-        </p:txBody>
-      </p:sp>
-    </p:spTree>
-    <p:extLst>
-      <p:ext uri="{BB962C8B-B14F-4D97-AF65-F5344CB8AC3E}">
-        <p14:creationId xmlns:p14="http://schemas.microsoft.com/office/powerpoint/2010/main" val="937257522"/>
-      </p:ext>
-    </p:extLst>
-  </p:cSld>
-  <p:clrMapOvr>
-    <a:masterClrMapping/>
-  </p:clrMapOvr>
-</p:sld>
-</file>
-
 <file path=ppt/slides/slide19.xml><?xml version="1.0" encoding="utf-8"?>
 <p:sld xmlns:a="http://schemas.openxmlformats.org/drawingml/2006/main" xmlns:r="http://schemas.openxmlformats.org/officeDocument/2006/relationships" xmlns:p="http://schemas.openxmlformats.org/presentationml/2006/main">
   <p:cSld>
@@ -9040,7 +9378,7 @@
           <p:cNvPr id="2" name="Titre 1">
             <a:extLst>
               <a:ext uri="{FF2B5EF4-FFF2-40B4-BE49-F238E27FC236}">
-                <a16:creationId xmlns:a16="http://schemas.microsoft.com/office/drawing/2014/main" id="{D548B3B8-AA2B-E46F-CADD-6002D7B8BEF4}"/>
+                <a16:creationId xmlns:a16="http://schemas.microsoft.com/office/drawing/2014/main" id="{49786A07-F56A-8AB6-4FAF-0B0A6CC223B2}"/>
               </a:ext>
             </a:extLst>
           </p:cNvPr>
@@ -9058,17 +9396,17 @@
           <a:p>
             <a:r>
               <a:rPr lang="fr-FR" dirty="0"/>
-              <a:t>Jour 1 - Tableau</a:t>
-            </a:r>
-          </a:p>
-        </p:txBody>
-      </p:sp>
-      <p:sp>
-        <p:nvSpPr>
-          <p:cNvPr id="4" name="Espace réservé du texte 3">
-            <a:extLst>
-              <a:ext uri="{FF2B5EF4-FFF2-40B4-BE49-F238E27FC236}">
-                <a16:creationId xmlns:a16="http://schemas.microsoft.com/office/drawing/2014/main" id="{81A68E82-848C-2C4D-A4A9-00C7466E12FF}"/>
+              <a:t>Mettre un slide avec conseils de codage ?</a:t>
+            </a:r>
+          </a:p>
+        </p:txBody>
+      </p:sp>
+      <p:sp>
+        <p:nvSpPr>
+          <p:cNvPr id="3" name="Espace réservé du contenu 2">
+            <a:extLst>
+              <a:ext uri="{FF2B5EF4-FFF2-40B4-BE49-F238E27FC236}">
+                <a16:creationId xmlns:a16="http://schemas.microsoft.com/office/drawing/2014/main" id="{955DD105-D533-CC41-6FB5-A47C4EE8456C}"/>
               </a:ext>
             </a:extLst>
           </p:cNvPr>
@@ -9076,7 +9414,7 @@
             <a:spLocks noGrp="1"/>
           </p:cNvSpPr>
           <p:nvPr>
-            <p:ph type="body" idx="1"/>
+            <p:ph idx="1"/>
           </p:nvPr>
         </p:nvSpPr>
         <p:spPr/>
@@ -9084,14 +9422,69 @@
           <a:bodyPr/>
           <a:lstStyle/>
           <a:p>
-            <a:endParaRPr lang="fr-FR"/>
+            <a:r>
+              <a:rPr lang="fr-FR" dirty="0"/>
+              <a:t>Colle les messages d’erreur dans Google</a:t>
+            </a:r>
+          </a:p>
+          <a:p>
+            <a:r>
+              <a:rPr lang="fr-FR" dirty="0"/>
+              <a:t>Google et Stack </a:t>
+            </a:r>
+            <a:r>
+              <a:rPr lang="fr-FR" dirty="0" err="1"/>
+              <a:t>Overflow</a:t>
+            </a:r>
+            <a:r>
+              <a:rPr lang="fr-FR" dirty="0"/>
+              <a:t> sont tes meilleurs amis</a:t>
+            </a:r>
+          </a:p>
+          <a:p>
+            <a:r>
+              <a:rPr lang="fr-FR" dirty="0"/>
+              <a:t>Fais tes recherches sur Google en Anglais </a:t>
+            </a:r>
+          </a:p>
+          <a:p>
+            <a:r>
+              <a:rPr lang="fr-FR" dirty="0"/>
+              <a:t>Copie colle des codes d’exemples</a:t>
+            </a:r>
+          </a:p>
+          <a:p>
+            <a:r>
+              <a:rPr lang="fr-FR" dirty="0"/>
+              <a:t>Au début évite les docs officielles, inspire-toi d’exemples</a:t>
+            </a:r>
+          </a:p>
+          <a:p>
+            <a:pPr lvl="1"/>
+            <a:r>
+              <a:rPr lang="fr-FR" dirty="0"/>
+              <a:t>Après tu liras la doc sur tel ou tel paramètre</a:t>
+            </a:r>
+          </a:p>
+          <a:p>
+            <a:r>
+              <a:rPr lang="fr-FR" dirty="0"/>
+              <a:t>Au début ne perd pas trop de temps sur la "beauté" des graphes</a:t>
+            </a:r>
+          </a:p>
+          <a:p>
+            <a:pPr lvl="1"/>
+            <a:endParaRPr lang="fr-FR" dirty="0"/>
+          </a:p>
+          <a:p>
+            <a:endParaRPr lang="fr-FR" dirty="0"/>
           </a:p>
         </p:txBody>
       </p:sp>
     </p:spTree>
     <p:extLst>
       <p:ext uri="{BB962C8B-B14F-4D97-AF65-F5344CB8AC3E}">
-        <p14:creationId xmlns:p14="http://schemas.microsoft.com/office/powerpoint/2010/main" val="425804634"/>
+        <p14:creationId xmlns:p14="http://schemas.microsoft.com/office/powerpoint/2010/main" val="937257522"/>
       </p:ext>
     </p:extLst>
   </p:cSld>
@@ -9456,10 +9849,10 @@
       </p:grpSpPr>
       <p:sp>
         <p:nvSpPr>
-          <p:cNvPr id="4" name="Titre 3">
-            <a:extLst>
-              <a:ext uri="{FF2B5EF4-FFF2-40B4-BE49-F238E27FC236}">
-                <a16:creationId xmlns:a16="http://schemas.microsoft.com/office/drawing/2014/main" id="{CF820DCE-B486-6635-A546-A74023058AA5}"/>
+          <p:cNvPr id="2" name="Titre 1">
+            <a:extLst>
+              <a:ext uri="{FF2B5EF4-FFF2-40B4-BE49-F238E27FC236}">
+                <a16:creationId xmlns:a16="http://schemas.microsoft.com/office/drawing/2014/main" id="{D548B3B8-AA2B-E46F-CADD-6002D7B8BEF4}"/>
               </a:ext>
             </a:extLst>
           </p:cNvPr>
@@ -9475,16 +9868,19 @@
           <a:bodyPr/>
           <a:lstStyle/>
           <a:p>
-            <a:endParaRPr lang="fr-FR"/>
-          </a:p>
-        </p:txBody>
-      </p:sp>
-      <p:sp>
-        <p:nvSpPr>
-          <p:cNvPr id="5" name="Espace réservé du contenu 4">
-            <a:extLst>
-              <a:ext uri="{FF2B5EF4-FFF2-40B4-BE49-F238E27FC236}">
-                <a16:creationId xmlns:a16="http://schemas.microsoft.com/office/drawing/2014/main" id="{BBDF796B-F46B-A56C-2321-E9455F4B442F}"/>
+            <a:r>
+              <a:rPr lang="fr-FR" dirty="0"/>
+              <a:t>Jour 1 - Tableau</a:t>
+            </a:r>
+          </a:p>
+        </p:txBody>
+      </p:sp>
+      <p:sp>
+        <p:nvSpPr>
+          <p:cNvPr id="4" name="Espace réservé du texte 3">
+            <a:extLst>
+              <a:ext uri="{FF2B5EF4-FFF2-40B4-BE49-F238E27FC236}">
+                <a16:creationId xmlns:a16="http://schemas.microsoft.com/office/drawing/2014/main" id="{81A68E82-848C-2C4D-A4A9-00C7466E12FF}"/>
               </a:ext>
             </a:extLst>
           </p:cNvPr>
@@ -9492,7 +9888,7 @@
             <a:spLocks noGrp="1"/>
           </p:cNvSpPr>
           <p:nvPr>
-            <p:ph idx="1"/>
+            <p:ph type="body" idx="1"/>
           </p:nvPr>
         </p:nvSpPr>
         <p:spPr/>
@@ -9500,53 +9896,14 @@
           <a:bodyPr/>
           <a:lstStyle/>
           <a:p>
-            <a:r>
-              <a:rPr lang="fr-FR" dirty="0"/>
-              <a:t>€ sur les axes</a:t>
-            </a:r>
-          </a:p>
-          <a:p>
-            <a:r>
-              <a:rPr lang="fr-FR" dirty="0"/>
-              <a:t>Pas possible d'avoir plus de 2 courbes sur un graphe</a:t>
-            </a:r>
-          </a:p>
-          <a:p>
-            <a:r>
-              <a:rPr lang="fr-FR" dirty="0"/>
-              <a:t>Penser à filtrer les données</a:t>
-            </a:r>
-          </a:p>
-          <a:p>
-            <a:r>
-              <a:rPr lang="fr-FR" dirty="0"/>
-              <a:t>Revenu par district en couleur</a:t>
-            </a:r>
-          </a:p>
-          <a:p>
-            <a:r>
-              <a:rPr lang="fr-FR" dirty="0"/>
-              <a:t>Latitude et longitude en dimension</a:t>
-            </a:r>
-          </a:p>
-          <a:p>
-            <a:r>
-              <a:rPr lang="fr-FR" dirty="0"/>
-              <a:t>Variable calculée</a:t>
-            </a:r>
-          </a:p>
-          <a:p>
-            <a:r>
-              <a:rPr lang="fr-FR" dirty="0"/>
-              <a:t>Mode présentation</a:t>
-            </a:r>
+            <a:endParaRPr lang="fr-FR"/>
           </a:p>
         </p:txBody>
       </p:sp>
     </p:spTree>
     <p:extLst>
       <p:ext uri="{BB962C8B-B14F-4D97-AF65-F5344CB8AC3E}">
-        <p14:creationId xmlns:p14="http://schemas.microsoft.com/office/powerpoint/2010/main" val="1627712614"/>
+        <p14:creationId xmlns:p14="http://schemas.microsoft.com/office/powerpoint/2010/main" val="425804634"/>
       </p:ext>
     </p:extLst>
   </p:cSld>
@@ -9575,6 +9932,128 @@
       </p:grpSpPr>
       <p:sp>
         <p:nvSpPr>
+          <p:cNvPr id="4" name="Titre 3">
+            <a:extLst>
+              <a:ext uri="{FF2B5EF4-FFF2-40B4-BE49-F238E27FC236}">
+                <a16:creationId xmlns:a16="http://schemas.microsoft.com/office/drawing/2014/main" id="{CF820DCE-B486-6635-A546-A74023058AA5}"/>
+              </a:ext>
+            </a:extLst>
+          </p:cNvPr>
+          <p:cNvSpPr>
+            <a:spLocks noGrp="1"/>
+          </p:cNvSpPr>
+          <p:nvPr>
+            <p:ph type="title"/>
+          </p:nvPr>
+        </p:nvSpPr>
+        <p:spPr/>
+        <p:txBody>
+          <a:bodyPr/>
+          <a:lstStyle/>
+          <a:p>
+            <a:r>
+              <a:rPr lang="fr-FR" dirty="0"/>
+              <a:t>Notes &amp; remarques en vrac</a:t>
+            </a:r>
+          </a:p>
+        </p:txBody>
+      </p:sp>
+      <p:sp>
+        <p:nvSpPr>
+          <p:cNvPr id="5" name="Espace réservé du contenu 4">
+            <a:extLst>
+              <a:ext uri="{FF2B5EF4-FFF2-40B4-BE49-F238E27FC236}">
+                <a16:creationId xmlns:a16="http://schemas.microsoft.com/office/drawing/2014/main" id="{BBDF796B-F46B-A56C-2321-E9455F4B442F}"/>
+              </a:ext>
+            </a:extLst>
+          </p:cNvPr>
+          <p:cNvSpPr>
+            <a:spLocks noGrp="1"/>
+          </p:cNvSpPr>
+          <p:nvPr>
+            <p:ph idx="1"/>
+          </p:nvPr>
+        </p:nvSpPr>
+        <p:spPr/>
+        <p:txBody>
+          <a:bodyPr/>
+          <a:lstStyle/>
+          <a:p>
+            <a:r>
+              <a:rPr lang="fr-FR" dirty="0"/>
+              <a:t>€ sur les axes</a:t>
+            </a:r>
+          </a:p>
+          <a:p>
+            <a:r>
+              <a:rPr lang="fr-FR" dirty="0"/>
+              <a:t>Pas possible d'avoir plus de 2 courbes sur un graphe</a:t>
+            </a:r>
+          </a:p>
+          <a:p>
+            <a:r>
+              <a:rPr lang="fr-FR" dirty="0"/>
+              <a:t>Penser à filtrer les données</a:t>
+            </a:r>
+          </a:p>
+          <a:p>
+            <a:r>
+              <a:rPr lang="fr-FR" dirty="0"/>
+              <a:t>Revenu par district en couleur</a:t>
+            </a:r>
+          </a:p>
+          <a:p>
+            <a:r>
+              <a:rPr lang="fr-FR" dirty="0"/>
+              <a:t>Latitude et longitude en dimension</a:t>
+            </a:r>
+          </a:p>
+          <a:p>
+            <a:r>
+              <a:rPr lang="fr-FR" dirty="0"/>
+              <a:t>Variable calculée</a:t>
+            </a:r>
+          </a:p>
+          <a:p>
+            <a:r>
+              <a:rPr lang="fr-FR" dirty="0"/>
+              <a:t>Mode présentation</a:t>
+            </a:r>
+          </a:p>
+        </p:txBody>
+      </p:sp>
+    </p:spTree>
+    <p:extLst>
+      <p:ext uri="{BB962C8B-B14F-4D97-AF65-F5344CB8AC3E}">
+        <p14:creationId xmlns:p14="http://schemas.microsoft.com/office/powerpoint/2010/main" val="1627712614"/>
+      </p:ext>
+    </p:extLst>
+  </p:cSld>
+  <p:clrMapOvr>
+    <a:masterClrMapping/>
+  </p:clrMapOvr>
+</p:sld>
+</file>
+
+<file path=ppt/slides/slide22.xml><?xml version="1.0" encoding="utf-8"?>
+<p:sld xmlns:a="http://schemas.openxmlformats.org/drawingml/2006/main" xmlns:r="http://schemas.openxmlformats.org/officeDocument/2006/relationships" xmlns:p="http://schemas.openxmlformats.org/presentationml/2006/main">
+  <p:cSld>
+    <p:spTree>
+      <p:nvGrpSpPr>
+        <p:cNvPr id="1" name=""/>
+        <p:cNvGrpSpPr/>
+        <p:nvPr/>
+      </p:nvGrpSpPr>
+      <p:grpSpPr>
+        <a:xfrm>
+          <a:off x="0" y="0"/>
+          <a:ext cx="0" cy="0"/>
+          <a:chOff x="0" y="0"/>
+          <a:chExt cx="0" cy="0"/>
+        </a:xfrm>
+      </p:grpSpPr>
+      <p:sp>
+        <p:nvSpPr>
           <p:cNvPr id="2" name="Titre 1">
             <a:extLst>
               <a:ext uri="{FF2B5EF4-FFF2-40B4-BE49-F238E27FC236}">
@@ -9639,7 +10118,7 @@
 </p:sld>
 </file>
 
-<file path=ppt/slides/slide22.xml><?xml version="1.0" encoding="utf-8"?>
+<file path=ppt/slides/slide23.xml><?xml version="1.0" encoding="utf-8"?>
 <p:sld xmlns:a="http://schemas.openxmlformats.org/drawingml/2006/main" xmlns:r="http://schemas.openxmlformats.org/officeDocument/2006/relationships" xmlns:p="http://schemas.openxmlformats.org/presentationml/2006/main">
   <p:cSld>
     <p:spTree>
@@ -10314,7 +10793,7 @@
 </p:sld>
 </file>
 
-<file path=ppt/slides/slide23.xml><?xml version="1.0" encoding="utf-8"?>
+<file path=ppt/slides/slide24.xml><?xml version="1.0" encoding="utf-8"?>
 <p:sld xmlns:a="http://schemas.openxmlformats.org/drawingml/2006/main" xmlns:r="http://schemas.openxmlformats.org/officeDocument/2006/relationships" xmlns:p="http://schemas.openxmlformats.org/presentationml/2006/main">
   <p:cSld>
     <p:spTree>
@@ -11152,89 +11631,6 @@
 </p:sld>
 </file>
 
-<file path=ppt/slides/slide24.xml><?xml version="1.0" encoding="utf-8"?>
-<p:sld xmlns:a="http://schemas.openxmlformats.org/drawingml/2006/main" xmlns:r="http://schemas.openxmlformats.org/officeDocument/2006/relationships" xmlns:p="http://schemas.openxmlformats.org/presentationml/2006/main">
-  <p:cSld>
-    <p:spTree>
-      <p:nvGrpSpPr>
-        <p:cNvPr id="1" name=""/>
-        <p:cNvGrpSpPr/>
-        <p:nvPr/>
-      </p:nvGrpSpPr>
-      <p:grpSpPr>
-        <a:xfrm>
-          <a:off x="0" y="0"/>
-          <a:ext cx="0" cy="0"/>
-          <a:chOff x="0" y="0"/>
-          <a:chExt cx="0" cy="0"/>
-        </a:xfrm>
-      </p:grpSpPr>
-      <p:sp>
-        <p:nvSpPr>
-          <p:cNvPr id="2" name="Titre 1">
-            <a:extLst>
-              <a:ext uri="{FF2B5EF4-FFF2-40B4-BE49-F238E27FC236}">
-                <a16:creationId xmlns:a16="http://schemas.microsoft.com/office/drawing/2014/main" id="{4327B0F6-1A5B-4847-7A58-20233A61F46E}"/>
-              </a:ext>
-            </a:extLst>
-          </p:cNvPr>
-          <p:cNvSpPr>
-            <a:spLocks noGrp="1"/>
-          </p:cNvSpPr>
-          <p:nvPr>
-            <p:ph type="title"/>
-          </p:nvPr>
-        </p:nvSpPr>
-        <p:spPr/>
-        <p:txBody>
-          <a:bodyPr/>
-          <a:lstStyle/>
-          <a:p>
-            <a:r>
-              <a:rPr lang="fr-FR" dirty="0"/>
-              <a:t>Jour 3 - SQL</a:t>
-            </a:r>
-          </a:p>
-        </p:txBody>
-      </p:sp>
-      <p:sp>
-        <p:nvSpPr>
-          <p:cNvPr id="4" name="Espace réservé du texte 3">
-            <a:extLst>
-              <a:ext uri="{FF2B5EF4-FFF2-40B4-BE49-F238E27FC236}">
-                <a16:creationId xmlns:a16="http://schemas.microsoft.com/office/drawing/2014/main" id="{C1EA2EEB-7222-2FBA-8E04-DC483D6F5D21}"/>
-              </a:ext>
-            </a:extLst>
-          </p:cNvPr>
-          <p:cNvSpPr>
-            <a:spLocks noGrp="1"/>
-          </p:cNvSpPr>
-          <p:nvPr>
-            <p:ph type="body" idx="1"/>
-          </p:nvPr>
-        </p:nvSpPr>
-        <p:spPr/>
-        <p:txBody>
-          <a:bodyPr/>
-          <a:lstStyle/>
-          <a:p>
-            <a:endParaRPr lang="fr-FR"/>
-          </a:p>
-        </p:txBody>
-      </p:sp>
-    </p:spTree>
-    <p:extLst>
-      <p:ext uri="{BB962C8B-B14F-4D97-AF65-F5344CB8AC3E}">
-        <p14:creationId xmlns:p14="http://schemas.microsoft.com/office/powerpoint/2010/main" val="4127487384"/>
-      </p:ext>
-    </p:extLst>
-  </p:cSld>
-  <p:clrMapOvr>
-    <a:masterClrMapping/>
-  </p:clrMapOvr>
-</p:sld>
-</file>
-
 <file path=ppt/slides/slide25.xml><?xml version="1.0" encoding="utf-8"?>
 <p:sld xmlns:a="http://schemas.openxmlformats.org/drawingml/2006/main" xmlns:r="http://schemas.openxmlformats.org/officeDocument/2006/relationships" xmlns:p="http://schemas.openxmlformats.org/presentationml/2006/main">
   <p:cSld>
@@ -11254,10 +11650,10 @@
       </p:grpSpPr>
       <p:sp>
         <p:nvSpPr>
-          <p:cNvPr id="3" name="Titre 2">
-            <a:extLst>
-              <a:ext uri="{FF2B5EF4-FFF2-40B4-BE49-F238E27FC236}">
-                <a16:creationId xmlns:a16="http://schemas.microsoft.com/office/drawing/2014/main" id="{7C043CBF-E3F5-E424-F25A-D629FF716683}"/>
+          <p:cNvPr id="2" name="Titre 1">
+            <a:extLst>
+              <a:ext uri="{FF2B5EF4-FFF2-40B4-BE49-F238E27FC236}">
+                <a16:creationId xmlns:a16="http://schemas.microsoft.com/office/drawing/2014/main" id="{4327B0F6-1A5B-4847-7A58-20233A61F46E}"/>
               </a:ext>
             </a:extLst>
           </p:cNvPr>
@@ -11275,7 +11671,90 @@
           <a:p>
             <a:r>
               <a:rPr lang="fr-FR" dirty="0"/>
-              <a:t>Notes</a:t>
+              <a:t>Jour 3 - SQL</a:t>
+            </a:r>
+          </a:p>
+        </p:txBody>
+      </p:sp>
+      <p:sp>
+        <p:nvSpPr>
+          <p:cNvPr id="4" name="Espace réservé du texte 3">
+            <a:extLst>
+              <a:ext uri="{FF2B5EF4-FFF2-40B4-BE49-F238E27FC236}">
+                <a16:creationId xmlns:a16="http://schemas.microsoft.com/office/drawing/2014/main" id="{C1EA2EEB-7222-2FBA-8E04-DC483D6F5D21}"/>
+              </a:ext>
+            </a:extLst>
+          </p:cNvPr>
+          <p:cNvSpPr>
+            <a:spLocks noGrp="1"/>
+          </p:cNvSpPr>
+          <p:nvPr>
+            <p:ph type="body" idx="1"/>
+          </p:nvPr>
+        </p:nvSpPr>
+        <p:spPr/>
+        <p:txBody>
+          <a:bodyPr/>
+          <a:lstStyle/>
+          <a:p>
+            <a:endParaRPr lang="fr-FR"/>
+          </a:p>
+        </p:txBody>
+      </p:sp>
+    </p:spTree>
+    <p:extLst>
+      <p:ext uri="{BB962C8B-B14F-4D97-AF65-F5344CB8AC3E}">
+        <p14:creationId xmlns:p14="http://schemas.microsoft.com/office/powerpoint/2010/main" val="4127487384"/>
+      </p:ext>
+    </p:extLst>
+  </p:cSld>
+  <p:clrMapOvr>
+    <a:masterClrMapping/>
+  </p:clrMapOvr>
+</p:sld>
+</file>
+
+<file path=ppt/slides/slide26.xml><?xml version="1.0" encoding="utf-8"?>
+<p:sld xmlns:a="http://schemas.openxmlformats.org/drawingml/2006/main" xmlns:r="http://schemas.openxmlformats.org/officeDocument/2006/relationships" xmlns:p="http://schemas.openxmlformats.org/presentationml/2006/main">
+  <p:cSld>
+    <p:spTree>
+      <p:nvGrpSpPr>
+        <p:cNvPr id="1" name=""/>
+        <p:cNvGrpSpPr/>
+        <p:nvPr/>
+      </p:nvGrpSpPr>
+      <p:grpSpPr>
+        <a:xfrm>
+          <a:off x="0" y="0"/>
+          <a:ext cx="0" cy="0"/>
+          <a:chOff x="0" y="0"/>
+          <a:chExt cx="0" cy="0"/>
+        </a:xfrm>
+      </p:grpSpPr>
+      <p:sp>
+        <p:nvSpPr>
+          <p:cNvPr id="3" name="Titre 2">
+            <a:extLst>
+              <a:ext uri="{FF2B5EF4-FFF2-40B4-BE49-F238E27FC236}">
+                <a16:creationId xmlns:a16="http://schemas.microsoft.com/office/drawing/2014/main" id="{7C043CBF-E3F5-E424-F25A-D629FF716683}"/>
+              </a:ext>
+            </a:extLst>
+          </p:cNvPr>
+          <p:cNvSpPr>
+            <a:spLocks noGrp="1"/>
+          </p:cNvSpPr>
+          <p:nvPr>
+            <p:ph type="title"/>
+          </p:nvPr>
+        </p:nvSpPr>
+        <p:spPr/>
+        <p:txBody>
+          <a:bodyPr/>
+          <a:lstStyle/>
+          <a:p>
+            <a:r>
+              <a:rPr lang="fr-FR" dirty="0"/>
+              <a:t>Notes &amp; remarques en vrac</a:t>
             </a:r>
           </a:p>
         </p:txBody>
@@ -11299,7 +11778,7 @@
         <p:spPr/>
         <p:txBody>
           <a:bodyPr>
-            <a:normAutofit fontScale="77500" lnSpcReduction="20000"/>
+            <a:normAutofit fontScale="70000" lnSpcReduction="20000"/>
           </a:bodyPr>
           <a:lstStyle/>
           <a:p>
@@ -11597,7 +12076,14 @@
           <a:p>
             <a:r>
               <a:rPr lang="fr-FR" dirty="0"/>
-              <a:t>À la fin du stage, sur Google Cloud, pense à </a:t>
+              <a:t>À la fin du stage, sur Google Cloud, faut penser à </a:t>
+            </a:r>
+          </a:p>
+          <a:p>
+            <a:pPr lvl="1"/>
+            <a:r>
+              <a:rPr lang="fr-FR" dirty="0"/>
+              <a:t>Vérifier la consommation durant le WE (quand normalement y avait pas d'activité)</a:t>
             </a:r>
           </a:p>
           <a:p>
@@ -11648,7 +12134,7 @@
 </p:sld>
 </file>
 
-<file path=ppt/slides/slide26.xml><?xml version="1.0" encoding="utf-8"?>
+<file path=ppt/slides/slide27.xml><?xml version="1.0" encoding="utf-8"?>
 <p:sld xmlns:a="http://schemas.openxmlformats.org/drawingml/2006/main" xmlns:r="http://schemas.openxmlformats.org/officeDocument/2006/relationships" xmlns:p="http://schemas.openxmlformats.org/presentationml/2006/main">
   <p:cSld>
     <p:bg>
@@ -11871,89 +12357,6 @@
 </p:sld>
 </file>
 
-<file path=ppt/slides/slide27.xml><?xml version="1.0" encoding="utf-8"?>
-<p:sld xmlns:a="http://schemas.openxmlformats.org/drawingml/2006/main" xmlns:r="http://schemas.openxmlformats.org/officeDocument/2006/relationships" xmlns:p="http://schemas.openxmlformats.org/presentationml/2006/main">
-  <p:cSld>
-    <p:spTree>
-      <p:nvGrpSpPr>
-        <p:cNvPr id="1" name=""/>
-        <p:cNvGrpSpPr/>
-        <p:nvPr/>
-      </p:nvGrpSpPr>
-      <p:grpSpPr>
-        <a:xfrm>
-          <a:off x="0" y="0"/>
-          <a:ext cx="0" cy="0"/>
-          <a:chOff x="0" y="0"/>
-          <a:chExt cx="0" cy="0"/>
-        </a:xfrm>
-      </p:grpSpPr>
-      <p:sp>
-        <p:nvSpPr>
-          <p:cNvPr id="2" name="Titre 1">
-            <a:extLst>
-              <a:ext uri="{FF2B5EF4-FFF2-40B4-BE49-F238E27FC236}">
-                <a16:creationId xmlns:a16="http://schemas.microsoft.com/office/drawing/2014/main" id="{4327B0F6-1A5B-4847-7A58-20233A61F46E}"/>
-              </a:ext>
-            </a:extLst>
-          </p:cNvPr>
-          <p:cNvSpPr>
-            <a:spLocks noGrp="1"/>
-          </p:cNvSpPr>
-          <p:nvPr>
-            <p:ph type="title"/>
-          </p:nvPr>
-        </p:nvSpPr>
-        <p:spPr/>
-        <p:txBody>
-          <a:bodyPr/>
-          <a:lstStyle/>
-          <a:p>
-            <a:r>
-              <a:rPr lang="fr-FR" dirty="0"/>
-              <a:t>Jour 4 - Python</a:t>
-            </a:r>
-          </a:p>
-        </p:txBody>
-      </p:sp>
-      <p:sp>
-        <p:nvSpPr>
-          <p:cNvPr id="4" name="Espace réservé du texte 3">
-            <a:extLst>
-              <a:ext uri="{FF2B5EF4-FFF2-40B4-BE49-F238E27FC236}">
-                <a16:creationId xmlns:a16="http://schemas.microsoft.com/office/drawing/2014/main" id="{C1EA2EEB-7222-2FBA-8E04-DC483D6F5D21}"/>
-              </a:ext>
-            </a:extLst>
-          </p:cNvPr>
-          <p:cNvSpPr>
-            <a:spLocks noGrp="1"/>
-          </p:cNvSpPr>
-          <p:nvPr>
-            <p:ph type="body" idx="1"/>
-          </p:nvPr>
-        </p:nvSpPr>
-        <p:spPr/>
-        <p:txBody>
-          <a:bodyPr/>
-          <a:lstStyle/>
-          <a:p>
-            <a:endParaRPr lang="fr-FR"/>
-          </a:p>
-        </p:txBody>
-      </p:sp>
-    </p:spTree>
-    <p:extLst>
-      <p:ext uri="{BB962C8B-B14F-4D97-AF65-F5344CB8AC3E}">
-        <p14:creationId xmlns:p14="http://schemas.microsoft.com/office/powerpoint/2010/main" val="2840825790"/>
-      </p:ext>
-    </p:extLst>
-  </p:cSld>
-  <p:clrMapOvr>
-    <a:masterClrMapping/>
-  </p:clrMapOvr>
-</p:sld>
-</file>
-
 <file path=ppt/slides/slide28.xml><?xml version="1.0" encoding="utf-8"?>
 <p:sld xmlns:a="http://schemas.openxmlformats.org/drawingml/2006/main" xmlns:r="http://schemas.openxmlformats.org/officeDocument/2006/relationships" xmlns:p="http://schemas.openxmlformats.org/presentationml/2006/main">
   <p:cSld>
@@ -11973,10 +12376,10 @@
       </p:grpSpPr>
       <p:sp>
         <p:nvSpPr>
-          <p:cNvPr id="4" name="Titre 3">
-            <a:extLst>
-              <a:ext uri="{FF2B5EF4-FFF2-40B4-BE49-F238E27FC236}">
-                <a16:creationId xmlns:a16="http://schemas.microsoft.com/office/drawing/2014/main" id="{3F6C0107-D4E5-A056-BDD8-C34D624562E5}"/>
+          <p:cNvPr id="2" name="Titre 1">
+            <a:extLst>
+              <a:ext uri="{FF2B5EF4-FFF2-40B4-BE49-F238E27FC236}">
+                <a16:creationId xmlns:a16="http://schemas.microsoft.com/office/drawing/2014/main" id="{4327B0F6-1A5B-4847-7A58-20233A61F46E}"/>
               </a:ext>
             </a:extLst>
           </p:cNvPr>
@@ -11994,17 +12397,17 @@
           <a:p>
             <a:r>
               <a:rPr lang="fr-FR" dirty="0"/>
-              <a:t>Pandas</a:t>
-            </a:r>
-          </a:p>
-        </p:txBody>
-      </p:sp>
-      <p:sp>
-        <p:nvSpPr>
-          <p:cNvPr id="5" name="Espace réservé du contenu 4">
-            <a:extLst>
-              <a:ext uri="{FF2B5EF4-FFF2-40B4-BE49-F238E27FC236}">
-                <a16:creationId xmlns:a16="http://schemas.microsoft.com/office/drawing/2014/main" id="{EDABDBBC-84D8-6981-BB92-1901DACA08F8}"/>
+              <a:t>Jour 4 - Python</a:t>
+            </a:r>
+          </a:p>
+        </p:txBody>
+      </p:sp>
+      <p:sp>
+        <p:nvSpPr>
+          <p:cNvPr id="4" name="Espace réservé du texte 3">
+            <a:extLst>
+              <a:ext uri="{FF2B5EF4-FFF2-40B4-BE49-F238E27FC236}">
+                <a16:creationId xmlns:a16="http://schemas.microsoft.com/office/drawing/2014/main" id="{C1EA2EEB-7222-2FBA-8E04-DC483D6F5D21}"/>
               </a:ext>
             </a:extLst>
           </p:cNvPr>
@@ -12012,318 +12415,22 @@
             <a:spLocks noGrp="1"/>
           </p:cNvSpPr>
           <p:nvPr>
-            <p:ph idx="1"/>
+            <p:ph type="body" idx="1"/>
           </p:nvPr>
         </p:nvSpPr>
         <p:spPr/>
         <p:txBody>
-          <a:bodyPr>
-            <a:normAutofit fontScale="92500" lnSpcReduction="10000"/>
-          </a:bodyPr>
+          <a:bodyPr/>
           <a:lstStyle/>
           <a:p>
-            <a:pPr marL="0" indent="0">
-              <a:buNone/>
-            </a:pPr>
-            <a:r>
-              <a:rPr lang="fr-FR" sz="2000" dirty="0">
-                <a:latin typeface="Courier New" panose="02070309020205020404" pitchFamily="49" charset="0"/>
-                <a:cs typeface="Courier New" panose="02070309020205020404" pitchFamily="49" charset="0"/>
-              </a:rPr>
-              <a:t>Les </a:t>
-            </a:r>
-            <a:r>
-              <a:rPr lang="fr-FR" sz="2000" dirty="0" err="1">
-                <a:latin typeface="Courier New" panose="02070309020205020404" pitchFamily="49" charset="0"/>
-                <a:cs typeface="Courier New" panose="02070309020205020404" pitchFamily="49" charset="0"/>
-              </a:rPr>
-              <a:t>Series</a:t>
-            </a:r>
-            <a:r>
-              <a:rPr lang="fr-FR" sz="2000" dirty="0">
-                <a:latin typeface="Courier New" panose="02070309020205020404" pitchFamily="49" charset="0"/>
-                <a:cs typeface="Courier New" panose="02070309020205020404" pitchFamily="49" charset="0"/>
-              </a:rPr>
-              <a:t> et </a:t>
-            </a:r>
-            <a:r>
-              <a:rPr lang="fr-FR" sz="2000" dirty="0" err="1">
-                <a:latin typeface="Courier New" panose="02070309020205020404" pitchFamily="49" charset="0"/>
-                <a:cs typeface="Courier New" panose="02070309020205020404" pitchFamily="49" charset="0"/>
-              </a:rPr>
-              <a:t>Dataframe</a:t>
-            </a:r>
-            <a:r>
-              <a:rPr lang="fr-FR" sz="2000" dirty="0">
-                <a:latin typeface="Courier New" panose="02070309020205020404" pitchFamily="49" charset="0"/>
-                <a:cs typeface="Courier New" panose="02070309020205020404" pitchFamily="49" charset="0"/>
-              </a:rPr>
-              <a:t> sont des dictionnaires</a:t>
-            </a:r>
-          </a:p>
-          <a:p>
-            <a:pPr marL="0" indent="0">
-              <a:buNone/>
-            </a:pPr>
-            <a:endParaRPr lang="fr-FR" sz="2000" dirty="0">
-              <a:latin typeface="Courier New" panose="02070309020205020404" pitchFamily="49" charset="0"/>
-              <a:cs typeface="Courier New" panose="02070309020205020404" pitchFamily="49" charset="0"/>
-            </a:endParaRPr>
-          </a:p>
-          <a:p>
-            <a:pPr marL="0" indent="0">
-              <a:buNone/>
-            </a:pPr>
-            <a:r>
-              <a:rPr lang="fr-FR" sz="2000" dirty="0" err="1">
-                <a:latin typeface="Courier New" panose="02070309020205020404" pitchFamily="49" charset="0"/>
-                <a:cs typeface="Courier New" panose="02070309020205020404" pitchFamily="49" charset="0"/>
-              </a:rPr>
-              <a:t>Series</a:t>
-            </a:r>
-            <a:r>
-              <a:rPr lang="fr-FR" sz="2000" dirty="0">
-                <a:latin typeface="Courier New" panose="02070309020205020404" pitchFamily="49" charset="0"/>
-                <a:cs typeface="Courier New" panose="02070309020205020404" pitchFamily="49" charset="0"/>
-              </a:rPr>
-              <a:t> : une valeur par entrée =&gt; une colonne</a:t>
-            </a:r>
-          </a:p>
-          <a:p>
-            <a:pPr marL="0" indent="0">
-              <a:buNone/>
-              <a:tabLst>
-                <a:tab pos="358775" algn="l"/>
-              </a:tabLst>
-            </a:pPr>
-            <a:r>
-              <a:rPr lang="fr-FR" sz="2000" dirty="0">
-                <a:latin typeface="Courier New" panose="02070309020205020404" pitchFamily="49" charset="0"/>
-                <a:cs typeface="Courier New" panose="02070309020205020404" pitchFamily="49" charset="0"/>
-              </a:rPr>
-              <a:t>	</a:t>
-            </a:r>
-            <a:r>
-              <a:rPr lang="en-US" sz="2000" dirty="0">
-                <a:latin typeface="Courier New" panose="02070309020205020404" pitchFamily="49" charset="0"/>
-                <a:cs typeface="Courier New" panose="02070309020205020404" pitchFamily="49" charset="0"/>
-              </a:rPr>
-              <a:t>calories = {"day1": 1420, "day2": 1380, "day3": 1390}</a:t>
-            </a:r>
-          </a:p>
-          <a:p>
-            <a:pPr marL="0" indent="0">
-              <a:buNone/>
-              <a:tabLst>
-                <a:tab pos="358775" algn="l"/>
-              </a:tabLst>
-            </a:pPr>
-            <a:r>
-              <a:rPr lang="en-US" sz="2000" dirty="0">
-                <a:latin typeface="Courier New" panose="02070309020205020404" pitchFamily="49" charset="0"/>
-                <a:cs typeface="Courier New" panose="02070309020205020404" pitchFamily="49" charset="0"/>
-              </a:rPr>
-              <a:t>	</a:t>
-            </a:r>
-            <a:r>
-              <a:rPr lang="en-US" sz="2000" dirty="0" err="1">
-                <a:latin typeface="Courier New" panose="02070309020205020404" pitchFamily="49" charset="0"/>
-                <a:cs typeface="Courier New" panose="02070309020205020404" pitchFamily="49" charset="0"/>
-              </a:rPr>
-              <a:t>my_serie</a:t>
-            </a:r>
-            <a:r>
-              <a:rPr lang="en-US" sz="2000" dirty="0">
-                <a:latin typeface="Courier New" panose="02070309020205020404" pitchFamily="49" charset="0"/>
-                <a:cs typeface="Courier New" panose="02070309020205020404" pitchFamily="49" charset="0"/>
-              </a:rPr>
-              <a:t> = </a:t>
-            </a:r>
-            <a:r>
-              <a:rPr lang="en-US" sz="2000" dirty="0" err="1">
-                <a:latin typeface="Courier New" panose="02070309020205020404" pitchFamily="49" charset="0"/>
-                <a:cs typeface="Courier New" panose="02070309020205020404" pitchFamily="49" charset="0"/>
-              </a:rPr>
-              <a:t>pd.Serie</a:t>
-            </a:r>
-            <a:r>
-              <a:rPr lang="en-US" sz="2000" dirty="0" err="1">
-                <a:highlight>
-                  <a:srgbClr val="FFFF00"/>
-                </a:highlight>
-                <a:latin typeface="Courier New" panose="02070309020205020404" pitchFamily="49" charset="0"/>
-                <a:cs typeface="Courier New" panose="02070309020205020404" pitchFamily="49" charset="0"/>
-              </a:rPr>
-              <a:t>s</a:t>
-            </a:r>
-            <a:r>
-              <a:rPr lang="en-US" sz="2000" dirty="0">
-                <a:latin typeface="Courier New" panose="02070309020205020404" pitchFamily="49" charset="0"/>
-                <a:cs typeface="Courier New" panose="02070309020205020404" pitchFamily="49" charset="0"/>
-              </a:rPr>
-              <a:t>(calories)</a:t>
-            </a:r>
-            <a:endParaRPr lang="fr-FR" sz="2000" dirty="0">
-              <a:latin typeface="Courier New" panose="02070309020205020404" pitchFamily="49" charset="0"/>
-              <a:cs typeface="Courier New" panose="02070309020205020404" pitchFamily="49" charset="0"/>
-            </a:endParaRPr>
-          </a:p>
-          <a:p>
-            <a:pPr marL="0" indent="0">
-              <a:buNone/>
-            </a:pPr>
-            <a:endParaRPr lang="fr-FR" sz="2000" dirty="0">
-              <a:latin typeface="Courier New" panose="02070309020205020404" pitchFamily="49" charset="0"/>
-              <a:cs typeface="Courier New" panose="02070309020205020404" pitchFamily="49" charset="0"/>
-            </a:endParaRPr>
-          </a:p>
-          <a:p>
-            <a:pPr marL="0" indent="0">
-              <a:buNone/>
-            </a:pPr>
-            <a:r>
-              <a:rPr lang="fr-FR" sz="2000" dirty="0" err="1">
-                <a:latin typeface="Courier New" panose="02070309020205020404" pitchFamily="49" charset="0"/>
-                <a:cs typeface="Courier New" panose="02070309020205020404" pitchFamily="49" charset="0"/>
-              </a:rPr>
-              <a:t>Dataframe</a:t>
-            </a:r>
-            <a:r>
-              <a:rPr lang="fr-FR" sz="2000" dirty="0">
-                <a:latin typeface="Courier New" panose="02070309020205020404" pitchFamily="49" charset="0"/>
-                <a:cs typeface="Courier New" panose="02070309020205020404" pitchFamily="49" charset="0"/>
-              </a:rPr>
-              <a:t> : une ou plusieurs </a:t>
-            </a:r>
-            <a:r>
-              <a:rPr lang="fr-FR" sz="2000" dirty="0" err="1">
-                <a:latin typeface="Courier New" panose="02070309020205020404" pitchFamily="49" charset="0"/>
-                <a:cs typeface="Courier New" panose="02070309020205020404" pitchFamily="49" charset="0"/>
-              </a:rPr>
-              <a:t>valeures</a:t>
-            </a:r>
-            <a:r>
-              <a:rPr lang="fr-FR" sz="2000" dirty="0">
-                <a:latin typeface="Courier New" panose="02070309020205020404" pitchFamily="49" charset="0"/>
-                <a:cs typeface="Courier New" panose="02070309020205020404" pitchFamily="49" charset="0"/>
-              </a:rPr>
-              <a:t> par entrée =&gt; </a:t>
-            </a:r>
-            <a:r>
-              <a:rPr lang="fr-FR" sz="2000">
-                <a:latin typeface="Courier New" panose="02070309020205020404" pitchFamily="49" charset="0"/>
-                <a:cs typeface="Courier New" panose="02070309020205020404" pitchFamily="49" charset="0"/>
-              </a:rPr>
-              <a:t>une matrice</a:t>
-            </a:r>
-            <a:endParaRPr lang="fr-FR" sz="2000" dirty="0">
-              <a:latin typeface="Courier New" panose="02070309020205020404" pitchFamily="49" charset="0"/>
-              <a:cs typeface="Courier New" panose="02070309020205020404" pitchFamily="49" charset="0"/>
-            </a:endParaRPr>
-          </a:p>
-          <a:p>
-            <a:pPr marL="0" indent="0">
-              <a:buNone/>
-              <a:tabLst>
-                <a:tab pos="358775" algn="l"/>
-              </a:tabLst>
-            </a:pPr>
-            <a:r>
-              <a:rPr lang="fr-FR" sz="2000" dirty="0">
-                <a:latin typeface="Courier New" panose="02070309020205020404" pitchFamily="49" charset="0"/>
-                <a:cs typeface="Courier New" panose="02070309020205020404" pitchFamily="49" charset="0"/>
-              </a:rPr>
-              <a:t>	data = {</a:t>
-            </a:r>
-          </a:p>
-          <a:p>
-            <a:pPr marL="0" indent="0">
-              <a:buNone/>
-            </a:pPr>
-            <a:r>
-              <a:rPr lang="fr-FR" sz="2000" dirty="0">
-                <a:latin typeface="Courier New" panose="02070309020205020404" pitchFamily="49" charset="0"/>
-                <a:cs typeface="Courier New" panose="02070309020205020404" pitchFamily="49" charset="0"/>
-              </a:rPr>
-              <a:t>  	"calories": [420, 380, 390],</a:t>
-            </a:r>
-          </a:p>
-          <a:p>
-            <a:pPr marL="0" indent="0">
-              <a:buNone/>
-            </a:pPr>
-            <a:r>
-              <a:rPr lang="fr-FR" sz="2000" dirty="0">
-                <a:latin typeface="Courier New" panose="02070309020205020404" pitchFamily="49" charset="0"/>
-                <a:cs typeface="Courier New" panose="02070309020205020404" pitchFamily="49" charset="0"/>
-              </a:rPr>
-              <a:t>  	"duration": [50, 40, 45]</a:t>
-            </a:r>
-          </a:p>
-          <a:p>
-            <a:pPr marL="0" indent="0">
-              <a:buNone/>
-              <a:tabLst>
-                <a:tab pos="358775" algn="l"/>
-              </a:tabLst>
-            </a:pPr>
-            <a:r>
-              <a:rPr lang="fr-FR" sz="2000" dirty="0">
-                <a:latin typeface="Courier New" panose="02070309020205020404" pitchFamily="49" charset="0"/>
-                <a:cs typeface="Courier New" panose="02070309020205020404" pitchFamily="49" charset="0"/>
-              </a:rPr>
-              <a:t>	}</a:t>
-            </a:r>
-          </a:p>
-          <a:p>
-            <a:pPr marL="0" indent="0">
-              <a:buNone/>
-              <a:tabLst>
-                <a:tab pos="358775" algn="l"/>
-              </a:tabLst>
-            </a:pPr>
-            <a:r>
-              <a:rPr lang="fr-FR" sz="2000" dirty="0">
-                <a:latin typeface="Courier New" panose="02070309020205020404" pitchFamily="49" charset="0"/>
-                <a:cs typeface="Courier New" panose="02070309020205020404" pitchFamily="49" charset="0"/>
-              </a:rPr>
-              <a:t>	</a:t>
-            </a:r>
-            <a:r>
-              <a:rPr lang="fr-FR" sz="2000" dirty="0" err="1">
-                <a:latin typeface="Courier New" panose="02070309020205020404" pitchFamily="49" charset="0"/>
-                <a:cs typeface="Courier New" panose="02070309020205020404" pitchFamily="49" charset="0"/>
-              </a:rPr>
-              <a:t>my_dataframe</a:t>
-            </a:r>
-            <a:r>
-              <a:rPr lang="fr-FR" sz="2000" dirty="0">
-                <a:latin typeface="Courier New" panose="02070309020205020404" pitchFamily="49" charset="0"/>
-                <a:cs typeface="Courier New" panose="02070309020205020404" pitchFamily="49" charset="0"/>
-              </a:rPr>
-              <a:t> = </a:t>
-            </a:r>
-            <a:r>
-              <a:rPr lang="fr-FR" sz="2000" dirty="0" err="1">
-                <a:latin typeface="Courier New" panose="02070309020205020404" pitchFamily="49" charset="0"/>
-                <a:cs typeface="Courier New" panose="02070309020205020404" pitchFamily="49" charset="0"/>
-              </a:rPr>
-              <a:t>pd.DataFrame</a:t>
-            </a:r>
-            <a:r>
-              <a:rPr lang="fr-FR" sz="2000" dirty="0">
-                <a:latin typeface="Courier New" panose="02070309020205020404" pitchFamily="49" charset="0"/>
-                <a:cs typeface="Courier New" panose="02070309020205020404" pitchFamily="49" charset="0"/>
-              </a:rPr>
-              <a:t>(data) </a:t>
-            </a:r>
+            <a:endParaRPr lang="fr-FR"/>
           </a:p>
         </p:txBody>
       </p:sp>
     </p:spTree>
     <p:extLst>
       <p:ext uri="{BB962C8B-B14F-4D97-AF65-F5344CB8AC3E}">
-        <p14:creationId xmlns:p14="http://schemas.microsoft.com/office/powerpoint/2010/main" val="3773493551"/>
+        <p14:creationId xmlns:p14="http://schemas.microsoft.com/office/powerpoint/2010/main" val="2840825790"/>
       </p:ext>
     </p:extLst>
   </p:cSld>
@@ -12352,10 +12459,10 @@
       </p:grpSpPr>
       <p:sp>
         <p:nvSpPr>
-          <p:cNvPr id="2" name="Titre 1">
-            <a:extLst>
-              <a:ext uri="{FF2B5EF4-FFF2-40B4-BE49-F238E27FC236}">
-                <a16:creationId xmlns:a16="http://schemas.microsoft.com/office/drawing/2014/main" id="{4327B0F6-1A5B-4847-7A58-20233A61F46E}"/>
+          <p:cNvPr id="4" name="Titre 3">
+            <a:extLst>
+              <a:ext uri="{FF2B5EF4-FFF2-40B4-BE49-F238E27FC236}">
+                <a16:creationId xmlns:a16="http://schemas.microsoft.com/office/drawing/2014/main" id="{3F6C0107-D4E5-A056-BDD8-C34D624562E5}"/>
               </a:ext>
             </a:extLst>
           </p:cNvPr>
@@ -12373,17 +12480,17 @@
           <a:p>
             <a:r>
               <a:rPr lang="fr-FR" dirty="0"/>
-              <a:t>Jour 5 - Python</a:t>
-            </a:r>
-          </a:p>
-        </p:txBody>
-      </p:sp>
-      <p:sp>
-        <p:nvSpPr>
-          <p:cNvPr id="4" name="Espace réservé du texte 3">
-            <a:extLst>
-              <a:ext uri="{FF2B5EF4-FFF2-40B4-BE49-F238E27FC236}">
-                <a16:creationId xmlns:a16="http://schemas.microsoft.com/office/drawing/2014/main" id="{C1EA2EEB-7222-2FBA-8E04-DC483D6F5D21}"/>
+              <a:t>Pandas</a:t>
+            </a:r>
+          </a:p>
+        </p:txBody>
+      </p:sp>
+      <p:sp>
+        <p:nvSpPr>
+          <p:cNvPr id="5" name="Espace réservé du contenu 4">
+            <a:extLst>
+              <a:ext uri="{FF2B5EF4-FFF2-40B4-BE49-F238E27FC236}">
+                <a16:creationId xmlns:a16="http://schemas.microsoft.com/office/drawing/2014/main" id="{EDABDBBC-84D8-6981-BB92-1901DACA08F8}"/>
               </a:ext>
             </a:extLst>
           </p:cNvPr>
@@ -12391,22 +12498,293 @@
             <a:spLocks noGrp="1"/>
           </p:cNvSpPr>
           <p:nvPr>
-            <p:ph type="body" idx="1"/>
+            <p:ph idx="1"/>
           </p:nvPr>
         </p:nvSpPr>
         <p:spPr/>
         <p:txBody>
-          <a:bodyPr/>
+          <a:bodyPr>
+            <a:normAutofit fontScale="92500" lnSpcReduction="10000"/>
+          </a:bodyPr>
           <a:lstStyle/>
           <a:p>
-            <a:endParaRPr lang="fr-FR"/>
+            <a:pPr marL="0" indent="0">
+              <a:buNone/>
+            </a:pPr>
+            <a:r>
+              <a:rPr lang="fr-FR" sz="2000" dirty="0">
+                <a:latin typeface="Courier New" panose="02070309020205020404" pitchFamily="49" charset="0"/>
+                <a:cs typeface="Courier New" panose="02070309020205020404" pitchFamily="49" charset="0"/>
+              </a:rPr>
+              <a:t>Les </a:t>
+            </a:r>
+            <a:r>
+              <a:rPr lang="fr-FR" sz="2000" dirty="0" err="1">
+                <a:latin typeface="Courier New" panose="02070309020205020404" pitchFamily="49" charset="0"/>
+                <a:cs typeface="Courier New" panose="02070309020205020404" pitchFamily="49" charset="0"/>
+              </a:rPr>
+              <a:t>Series</a:t>
+            </a:r>
+            <a:r>
+              <a:rPr lang="fr-FR" sz="2000" dirty="0">
+                <a:latin typeface="Courier New" panose="02070309020205020404" pitchFamily="49" charset="0"/>
+                <a:cs typeface="Courier New" panose="02070309020205020404" pitchFamily="49" charset="0"/>
+              </a:rPr>
+              <a:t> et les </a:t>
+            </a:r>
+            <a:r>
+              <a:rPr lang="fr-FR" sz="2000" dirty="0" err="1">
+                <a:latin typeface="Courier New" panose="02070309020205020404" pitchFamily="49" charset="0"/>
+                <a:cs typeface="Courier New" panose="02070309020205020404" pitchFamily="49" charset="0"/>
+              </a:rPr>
+              <a:t>Dataframe</a:t>
+            </a:r>
+            <a:r>
+              <a:rPr lang="fr-FR" sz="2000" dirty="0">
+                <a:latin typeface="Courier New" panose="02070309020205020404" pitchFamily="49" charset="0"/>
+                <a:cs typeface="Courier New" panose="02070309020205020404" pitchFamily="49" charset="0"/>
+              </a:rPr>
+              <a:t> sont des dictionnaires</a:t>
+            </a:r>
+          </a:p>
+          <a:p>
+            <a:pPr marL="0" indent="0">
+              <a:buNone/>
+            </a:pPr>
+            <a:endParaRPr lang="fr-FR" sz="2000" dirty="0">
+              <a:latin typeface="Courier New" panose="02070309020205020404" pitchFamily="49" charset="0"/>
+              <a:cs typeface="Courier New" panose="02070309020205020404" pitchFamily="49" charset="0"/>
+            </a:endParaRPr>
+          </a:p>
+          <a:p>
+            <a:pPr marL="0" indent="0">
+              <a:buNone/>
+            </a:pPr>
+            <a:r>
+              <a:rPr lang="fr-FR" sz="2000" dirty="0" err="1">
+                <a:latin typeface="Courier New" panose="02070309020205020404" pitchFamily="49" charset="0"/>
+                <a:cs typeface="Courier New" panose="02070309020205020404" pitchFamily="49" charset="0"/>
+              </a:rPr>
+              <a:t>Series</a:t>
+            </a:r>
+            <a:r>
+              <a:rPr lang="fr-FR" sz="2000" dirty="0">
+                <a:latin typeface="Courier New" panose="02070309020205020404" pitchFamily="49" charset="0"/>
+                <a:cs typeface="Courier New" panose="02070309020205020404" pitchFamily="49" charset="0"/>
+              </a:rPr>
+              <a:t> : une valeur par entrée =&gt; une colonne</a:t>
+            </a:r>
+          </a:p>
+          <a:p>
+            <a:pPr marL="0" indent="0">
+              <a:buNone/>
+              <a:tabLst>
+                <a:tab pos="358775" algn="l"/>
+              </a:tabLst>
+            </a:pPr>
+            <a:r>
+              <a:rPr lang="fr-FR" sz="2000" dirty="0">
+                <a:latin typeface="Courier New" panose="02070309020205020404" pitchFamily="49" charset="0"/>
+                <a:cs typeface="Courier New" panose="02070309020205020404" pitchFamily="49" charset="0"/>
+              </a:rPr>
+              <a:t>	</a:t>
+            </a:r>
+            <a:r>
+              <a:rPr lang="en-US" sz="2000" dirty="0">
+                <a:latin typeface="Courier New" panose="02070309020205020404" pitchFamily="49" charset="0"/>
+                <a:cs typeface="Courier New" panose="02070309020205020404" pitchFamily="49" charset="0"/>
+              </a:rPr>
+              <a:t>calories = {"day1": 1420, "day2": 1380, "day3": 1390}</a:t>
+            </a:r>
+          </a:p>
+          <a:p>
+            <a:pPr marL="0" indent="0">
+              <a:buNone/>
+              <a:tabLst>
+                <a:tab pos="358775" algn="l"/>
+              </a:tabLst>
+            </a:pPr>
+            <a:r>
+              <a:rPr lang="en-US" sz="2000" dirty="0">
+                <a:latin typeface="Courier New" panose="02070309020205020404" pitchFamily="49" charset="0"/>
+                <a:cs typeface="Courier New" panose="02070309020205020404" pitchFamily="49" charset="0"/>
+              </a:rPr>
+              <a:t>	</a:t>
+            </a:r>
+            <a:r>
+              <a:rPr lang="en-US" sz="2000" dirty="0" err="1">
+                <a:latin typeface="Courier New" panose="02070309020205020404" pitchFamily="49" charset="0"/>
+                <a:cs typeface="Courier New" panose="02070309020205020404" pitchFamily="49" charset="0"/>
+              </a:rPr>
+              <a:t>my_serie</a:t>
+            </a:r>
+            <a:r>
+              <a:rPr lang="en-US" sz="2000" dirty="0">
+                <a:latin typeface="Courier New" panose="02070309020205020404" pitchFamily="49" charset="0"/>
+                <a:cs typeface="Courier New" panose="02070309020205020404" pitchFamily="49" charset="0"/>
+              </a:rPr>
+              <a:t> = </a:t>
+            </a:r>
+            <a:r>
+              <a:rPr lang="en-US" sz="2000" dirty="0" err="1">
+                <a:latin typeface="Courier New" panose="02070309020205020404" pitchFamily="49" charset="0"/>
+                <a:cs typeface="Courier New" panose="02070309020205020404" pitchFamily="49" charset="0"/>
+              </a:rPr>
+              <a:t>pd.Serie</a:t>
+            </a:r>
+            <a:r>
+              <a:rPr lang="en-US" sz="2000" dirty="0" err="1">
+                <a:highlight>
+                  <a:srgbClr val="00FF00"/>
+                </a:highlight>
+                <a:latin typeface="Courier New" panose="02070309020205020404" pitchFamily="49" charset="0"/>
+                <a:cs typeface="Courier New" panose="02070309020205020404" pitchFamily="49" charset="0"/>
+              </a:rPr>
+              <a:t>s</a:t>
+            </a:r>
+            <a:r>
+              <a:rPr lang="en-US" sz="2000" dirty="0">
+                <a:latin typeface="Courier New" panose="02070309020205020404" pitchFamily="49" charset="0"/>
+                <a:cs typeface="Courier New" panose="02070309020205020404" pitchFamily="49" charset="0"/>
+              </a:rPr>
+              <a:t>(calories)</a:t>
+            </a:r>
+            <a:endParaRPr lang="fr-FR" sz="2000" dirty="0">
+              <a:latin typeface="Courier New" panose="02070309020205020404" pitchFamily="49" charset="0"/>
+              <a:cs typeface="Courier New" panose="02070309020205020404" pitchFamily="49" charset="0"/>
+            </a:endParaRPr>
+          </a:p>
+          <a:p>
+            <a:pPr marL="0" indent="0">
+              <a:buNone/>
+            </a:pPr>
+            <a:endParaRPr lang="fr-FR" sz="2000" dirty="0">
+              <a:latin typeface="Courier New" panose="02070309020205020404" pitchFamily="49" charset="0"/>
+              <a:cs typeface="Courier New" panose="02070309020205020404" pitchFamily="49" charset="0"/>
+            </a:endParaRPr>
+          </a:p>
+          <a:p>
+            <a:pPr marL="0" indent="0">
+              <a:buNone/>
+            </a:pPr>
+            <a:r>
+              <a:rPr lang="fr-FR" sz="2000" dirty="0" err="1">
+                <a:latin typeface="Courier New" panose="02070309020205020404" pitchFamily="49" charset="0"/>
+                <a:cs typeface="Courier New" panose="02070309020205020404" pitchFamily="49" charset="0"/>
+              </a:rPr>
+              <a:t>Dataframe</a:t>
+            </a:r>
+            <a:r>
+              <a:rPr lang="fr-FR" sz="2000" dirty="0">
+                <a:latin typeface="Courier New" panose="02070309020205020404" pitchFamily="49" charset="0"/>
+                <a:cs typeface="Courier New" panose="02070309020205020404" pitchFamily="49" charset="0"/>
+              </a:rPr>
+              <a:t> : une ou plusieurs valeurs par entrée =&gt; une matrice</a:t>
+            </a:r>
+          </a:p>
+          <a:p>
+            <a:pPr marL="0" indent="0">
+              <a:buNone/>
+              <a:tabLst>
+                <a:tab pos="358775" algn="l"/>
+              </a:tabLst>
+            </a:pPr>
+            <a:r>
+              <a:rPr lang="fr-FR" sz="2000" dirty="0">
+                <a:latin typeface="Courier New" panose="02070309020205020404" pitchFamily="49" charset="0"/>
+                <a:cs typeface="Courier New" panose="02070309020205020404" pitchFamily="49" charset="0"/>
+              </a:rPr>
+              <a:t>	data = {</a:t>
+            </a:r>
+          </a:p>
+          <a:p>
+            <a:pPr marL="0" indent="0">
+              <a:buNone/>
+            </a:pPr>
+            <a:r>
+              <a:rPr lang="fr-FR" sz="2000" dirty="0">
+                <a:latin typeface="Courier New" panose="02070309020205020404" pitchFamily="49" charset="0"/>
+                <a:cs typeface="Courier New" panose="02070309020205020404" pitchFamily="49" charset="0"/>
+              </a:rPr>
+              <a:t>  	"calories": [420, 380, 390],    # chaque entrée est une colonne</a:t>
+            </a:r>
+          </a:p>
+          <a:p>
+            <a:pPr marL="0" indent="0">
+              <a:buNone/>
+            </a:pPr>
+            <a:r>
+              <a:rPr lang="fr-FR" sz="2000" dirty="0">
+                <a:latin typeface="Courier New" panose="02070309020205020404" pitchFamily="49" charset="0"/>
+                <a:cs typeface="Courier New" panose="02070309020205020404" pitchFamily="49" charset="0"/>
+              </a:rPr>
+              <a:t>  	"duration": [50, 40, 45]</a:t>
+            </a:r>
+          </a:p>
+          <a:p>
+            <a:pPr marL="0" indent="0">
+              <a:buNone/>
+              <a:tabLst>
+                <a:tab pos="358775" algn="l"/>
+              </a:tabLst>
+            </a:pPr>
+            <a:r>
+              <a:rPr lang="fr-FR" sz="2000" dirty="0">
+                <a:latin typeface="Courier New" panose="02070309020205020404" pitchFamily="49" charset="0"/>
+                <a:cs typeface="Courier New" panose="02070309020205020404" pitchFamily="49" charset="0"/>
+              </a:rPr>
+              <a:t>	}</a:t>
+            </a:r>
+          </a:p>
+          <a:p>
+            <a:pPr marL="0" indent="0">
+              <a:buNone/>
+              <a:tabLst>
+                <a:tab pos="358775" algn="l"/>
+              </a:tabLst>
+            </a:pPr>
+            <a:r>
+              <a:rPr lang="fr-FR" sz="2000" dirty="0">
+                <a:latin typeface="Courier New" panose="02070309020205020404" pitchFamily="49" charset="0"/>
+                <a:cs typeface="Courier New" panose="02070309020205020404" pitchFamily="49" charset="0"/>
+              </a:rPr>
+              <a:t>	</a:t>
+            </a:r>
+            <a:r>
+              <a:rPr lang="fr-FR" sz="2000" dirty="0" err="1">
+                <a:latin typeface="Courier New" panose="02070309020205020404" pitchFamily="49" charset="0"/>
+                <a:cs typeface="Courier New" panose="02070309020205020404" pitchFamily="49" charset="0"/>
+              </a:rPr>
+              <a:t>my_dataframe</a:t>
+            </a:r>
+            <a:r>
+              <a:rPr lang="fr-FR" sz="2000" dirty="0">
+                <a:latin typeface="Courier New" panose="02070309020205020404" pitchFamily="49" charset="0"/>
+                <a:cs typeface="Courier New" panose="02070309020205020404" pitchFamily="49" charset="0"/>
+              </a:rPr>
+              <a:t> = </a:t>
+            </a:r>
+            <a:r>
+              <a:rPr lang="fr-FR" sz="2000" dirty="0" err="1">
+                <a:latin typeface="Courier New" panose="02070309020205020404" pitchFamily="49" charset="0"/>
+                <a:cs typeface="Courier New" panose="02070309020205020404" pitchFamily="49" charset="0"/>
+              </a:rPr>
+              <a:t>pd.DataFrame</a:t>
+            </a:r>
+            <a:r>
+              <a:rPr lang="fr-FR" sz="2000" dirty="0">
+                <a:latin typeface="Courier New" panose="02070309020205020404" pitchFamily="49" charset="0"/>
+                <a:cs typeface="Courier New" panose="02070309020205020404" pitchFamily="49" charset="0"/>
+              </a:rPr>
+              <a:t>(data) </a:t>
+            </a:r>
           </a:p>
         </p:txBody>
       </p:sp>
     </p:spTree>
     <p:extLst>
       <p:ext uri="{BB962C8B-B14F-4D97-AF65-F5344CB8AC3E}">
-        <p14:creationId xmlns:p14="http://schemas.microsoft.com/office/powerpoint/2010/main" val="520502856"/>
+        <p14:creationId xmlns:p14="http://schemas.microsoft.com/office/powerpoint/2010/main" val="3773493551"/>
       </p:ext>
     </p:extLst>
   </p:cSld>
@@ -12588,6 +12966,1838 @@
           <p:cNvPr id="2" name="Titre 1">
             <a:extLst>
               <a:ext uri="{FF2B5EF4-FFF2-40B4-BE49-F238E27FC236}">
+                <a16:creationId xmlns:a16="http://schemas.microsoft.com/office/drawing/2014/main" id="{4327B0F6-1A5B-4847-7A58-20233A61F46E}"/>
+              </a:ext>
+            </a:extLst>
+          </p:cNvPr>
+          <p:cNvSpPr>
+            <a:spLocks noGrp="1"/>
+          </p:cNvSpPr>
+          <p:nvPr>
+            <p:ph type="title"/>
+          </p:nvPr>
+        </p:nvSpPr>
+        <p:spPr/>
+        <p:txBody>
+          <a:bodyPr/>
+          <a:lstStyle/>
+          <a:p>
+            <a:r>
+              <a:rPr lang="fr-FR" dirty="0"/>
+              <a:t>Jour 5 - Python</a:t>
+            </a:r>
+          </a:p>
+        </p:txBody>
+      </p:sp>
+      <p:sp>
+        <p:nvSpPr>
+          <p:cNvPr id="4" name="Espace réservé du texte 3">
+            <a:extLst>
+              <a:ext uri="{FF2B5EF4-FFF2-40B4-BE49-F238E27FC236}">
+                <a16:creationId xmlns:a16="http://schemas.microsoft.com/office/drawing/2014/main" id="{C1EA2EEB-7222-2FBA-8E04-DC483D6F5D21}"/>
+              </a:ext>
+            </a:extLst>
+          </p:cNvPr>
+          <p:cNvSpPr>
+            <a:spLocks noGrp="1"/>
+          </p:cNvSpPr>
+          <p:nvPr>
+            <p:ph type="body" idx="1"/>
+          </p:nvPr>
+        </p:nvSpPr>
+        <p:spPr/>
+        <p:txBody>
+          <a:bodyPr/>
+          <a:lstStyle/>
+          <a:p>
+            <a:endParaRPr lang="fr-FR"/>
+          </a:p>
+        </p:txBody>
+      </p:sp>
+    </p:spTree>
+    <p:extLst>
+      <p:ext uri="{BB962C8B-B14F-4D97-AF65-F5344CB8AC3E}">
+        <p14:creationId xmlns:p14="http://schemas.microsoft.com/office/powerpoint/2010/main" val="520502856"/>
+      </p:ext>
+    </p:extLst>
+  </p:cSld>
+  <p:clrMapOvr>
+    <a:masterClrMapping/>
+  </p:clrMapOvr>
+</p:sld>
+</file>
+
+<file path=ppt/slides/slide31.xml><?xml version="1.0" encoding="utf-8"?>
+<p:sld xmlns:a="http://schemas.openxmlformats.org/drawingml/2006/main" xmlns:r="http://schemas.openxmlformats.org/officeDocument/2006/relationships" xmlns:p="http://schemas.openxmlformats.org/presentationml/2006/main">
+  <p:cSld>
+    <p:spTree>
+      <p:nvGrpSpPr>
+        <p:cNvPr id="1" name=""/>
+        <p:cNvGrpSpPr/>
+        <p:nvPr/>
+      </p:nvGrpSpPr>
+      <p:grpSpPr>
+        <a:xfrm>
+          <a:off x="0" y="0"/>
+          <a:ext cx="0" cy="0"/>
+          <a:chOff x="0" y="0"/>
+          <a:chExt cx="0" cy="0"/>
+        </a:xfrm>
+      </p:grpSpPr>
+      <p:sp>
+        <p:nvSpPr>
+          <p:cNvPr id="4" name="Titre 3">
+            <a:extLst>
+              <a:ext uri="{FF2B5EF4-FFF2-40B4-BE49-F238E27FC236}">
+                <a16:creationId xmlns:a16="http://schemas.microsoft.com/office/drawing/2014/main" id="{9FC0D694-C02A-47C0-357F-3D7E72E80DC3}"/>
+              </a:ext>
+            </a:extLst>
+          </p:cNvPr>
+          <p:cNvSpPr>
+            <a:spLocks noGrp="1"/>
+          </p:cNvSpPr>
+          <p:nvPr>
+            <p:ph type="title"/>
+          </p:nvPr>
+        </p:nvSpPr>
+        <p:spPr/>
+        <p:txBody>
+          <a:bodyPr/>
+          <a:lstStyle/>
+          <a:p>
+            <a:r>
+              <a:rPr lang="fr-FR" dirty="0"/>
+              <a:t>Cas pratique AB Test – Application Web</a:t>
+            </a:r>
+          </a:p>
+        </p:txBody>
+      </p:sp>
+      <p:sp>
+        <p:nvSpPr>
+          <p:cNvPr id="5" name="Espace réservé du contenu 4">
+            <a:extLst>
+              <a:ext uri="{FF2B5EF4-FFF2-40B4-BE49-F238E27FC236}">
+                <a16:creationId xmlns:a16="http://schemas.microsoft.com/office/drawing/2014/main" id="{E9EB0753-9474-9916-B07E-A47E8EEE9AAD}"/>
+              </a:ext>
+            </a:extLst>
+          </p:cNvPr>
+          <p:cNvSpPr>
+            <a:spLocks noGrp="1"/>
+          </p:cNvSpPr>
+          <p:nvPr>
+            <p:ph idx="1"/>
+          </p:nvPr>
+        </p:nvSpPr>
+        <p:spPr/>
+        <p:txBody>
+          <a:bodyPr>
+            <a:normAutofit/>
+          </a:bodyPr>
+          <a:lstStyle/>
+          <a:p>
+            <a:pPr marL="0" marR="0" indent="0">
+              <a:spcBef>
+                <a:spcPts val="0"/>
+              </a:spcBef>
+              <a:spcAft>
+                <a:spcPts val="0"/>
+              </a:spcAft>
+              <a:buNone/>
+            </a:pPr>
+            <a:r>
+              <a:rPr lang="fr-FR" sz="1400" dirty="0">
+                <a:effectLst/>
+                <a:latin typeface="Courier New" panose="02070309020205020404" pitchFamily="49" charset="0"/>
+              </a:rPr>
+              <a:t>En moyenne les gens passent 300 sec sur la page</a:t>
+            </a:r>
+          </a:p>
+          <a:p>
+            <a:pPr marL="0" marR="0" indent="0">
+              <a:spcBef>
+                <a:spcPts val="0"/>
+              </a:spcBef>
+              <a:spcAft>
+                <a:spcPts val="0"/>
+              </a:spcAft>
+              <a:buNone/>
+            </a:pPr>
+            <a:r>
+              <a:rPr lang="fr-FR" sz="1400" dirty="0">
+                <a:effectLst/>
+                <a:latin typeface="Courier New" panose="02070309020205020404" pitchFamily="49" charset="0"/>
+              </a:rPr>
+              <a:t>Sigma de 50</a:t>
+            </a:r>
+          </a:p>
+          <a:p>
+            <a:pPr marL="0" marR="0" indent="0">
+              <a:spcBef>
+                <a:spcPts val="0"/>
+              </a:spcBef>
+              <a:spcAft>
+                <a:spcPts val="0"/>
+              </a:spcAft>
+              <a:buNone/>
+            </a:pPr>
+            <a:r>
+              <a:rPr lang="fr-FR" sz="1400" dirty="0">
+                <a:effectLst/>
+                <a:latin typeface="Courier New" panose="02070309020205020404" pitchFamily="49" charset="0"/>
+              </a:rPr>
+              <a:t>Je pense que si </a:t>
+            </a:r>
+            <a:r>
+              <a:rPr lang="fr-FR" sz="1400" b="1" dirty="0" err="1">
+                <a:solidFill>
+                  <a:schemeClr val="bg1"/>
+                </a:solidFill>
+                <a:highlight>
+                  <a:srgbClr val="000000"/>
+                </a:highlight>
+                <a:latin typeface="Courier New" panose="02070309020205020404" pitchFamily="49" charset="0"/>
+              </a:rPr>
+              <a:t>D</a:t>
+            </a:r>
+            <a:r>
+              <a:rPr lang="fr-FR" sz="1400" b="1" dirty="0" err="1">
+                <a:solidFill>
+                  <a:schemeClr val="bg1"/>
+                </a:solidFill>
+                <a:effectLst/>
+                <a:highlight>
+                  <a:srgbClr val="000000"/>
+                </a:highlight>
+                <a:latin typeface="Courier New" panose="02070309020205020404" pitchFamily="49" charset="0"/>
+              </a:rPr>
+              <a:t>ark</a:t>
+            </a:r>
+            <a:r>
+              <a:rPr lang="fr-FR" sz="1400" b="1" dirty="0">
+                <a:solidFill>
+                  <a:schemeClr val="bg1"/>
+                </a:solidFill>
+                <a:effectLst/>
+                <a:highlight>
+                  <a:srgbClr val="000000"/>
+                </a:highlight>
+                <a:latin typeface="Courier New" panose="02070309020205020404" pitchFamily="49" charset="0"/>
+              </a:rPr>
+              <a:t> mode</a:t>
+            </a:r>
+            <a:r>
+              <a:rPr lang="fr-FR" sz="1400" dirty="0">
+                <a:effectLst/>
+                <a:latin typeface="Courier New" panose="02070309020205020404" pitchFamily="49" charset="0"/>
+              </a:rPr>
+              <a:t> alors les gens passent plus de temps (c'est mon hypothèse)</a:t>
+            </a:r>
+          </a:p>
+          <a:p>
+            <a:pPr marL="0" marR="0" indent="0">
+              <a:spcBef>
+                <a:spcPts val="0"/>
+              </a:spcBef>
+              <a:spcAft>
+                <a:spcPts val="0"/>
+              </a:spcAft>
+              <a:buNone/>
+            </a:pPr>
+            <a:endParaRPr lang="fr-FR" sz="1400" dirty="0">
+              <a:latin typeface="Courier New" panose="02070309020205020404" pitchFamily="49" charset="0"/>
+            </a:endParaRPr>
+          </a:p>
+          <a:p>
+            <a:pPr marL="0" marR="0" indent="0">
+              <a:spcBef>
+                <a:spcPts val="0"/>
+              </a:spcBef>
+              <a:spcAft>
+                <a:spcPts val="0"/>
+              </a:spcAft>
+              <a:buNone/>
+            </a:pPr>
+            <a:endParaRPr lang="fr-FR" sz="1400" dirty="0">
+              <a:latin typeface="Courier New" panose="02070309020205020404" pitchFamily="49" charset="0"/>
+            </a:endParaRPr>
+          </a:p>
+          <a:p>
+            <a:pPr marL="0" marR="0" indent="0">
+              <a:spcBef>
+                <a:spcPts val="0"/>
+              </a:spcBef>
+              <a:spcAft>
+                <a:spcPts val="0"/>
+              </a:spcAft>
+              <a:buNone/>
+            </a:pPr>
+            <a:endParaRPr lang="fr-FR" sz="1400" dirty="0">
+              <a:effectLst/>
+              <a:latin typeface="Courier New" panose="02070309020205020404" pitchFamily="49" charset="0"/>
+            </a:endParaRPr>
+          </a:p>
+          <a:p>
+            <a:pPr marL="0" marR="0" indent="0">
+              <a:spcBef>
+                <a:spcPts val="0"/>
+              </a:spcBef>
+              <a:spcAft>
+                <a:spcPts val="0"/>
+              </a:spcAft>
+              <a:buNone/>
+            </a:pPr>
+            <a:r>
+              <a:rPr lang="fr-FR" sz="1400" dirty="0">
+                <a:effectLst/>
+                <a:latin typeface="Courier New" panose="02070309020205020404" pitchFamily="49" charset="0"/>
+              </a:rPr>
+              <a:t>On modifie l'application</a:t>
+            </a:r>
+          </a:p>
+          <a:p>
+            <a:pPr marL="0" marR="0" indent="0">
+              <a:spcBef>
+                <a:spcPts val="0"/>
+              </a:spcBef>
+              <a:spcAft>
+                <a:spcPts val="0"/>
+              </a:spcAft>
+              <a:buNone/>
+            </a:pPr>
+            <a:r>
+              <a:rPr lang="fr-FR" sz="1400" dirty="0">
+                <a:effectLst/>
+                <a:latin typeface="Courier New" panose="02070309020205020404" pitchFamily="49" charset="0"/>
+              </a:rPr>
+              <a:t>Groupes de contrôle et groupe de test</a:t>
+            </a:r>
+          </a:p>
+          <a:p>
+            <a:pPr marL="0" marR="0" indent="0">
+              <a:spcBef>
+                <a:spcPts val="0"/>
+              </a:spcBef>
+              <a:spcAft>
+                <a:spcPts val="0"/>
+              </a:spcAft>
+              <a:buNone/>
+            </a:pPr>
+            <a:r>
+              <a:rPr lang="fr-FR" sz="1400" dirty="0">
+                <a:effectLst/>
+                <a:latin typeface="Courier New" panose="02070309020205020404" pitchFamily="49" charset="0"/>
+              </a:rPr>
+              <a:t>On prend 100 personnes à qui on donne le </a:t>
+            </a:r>
+            <a:r>
+              <a:rPr lang="fr-FR" sz="1400" b="1" dirty="0" err="1">
+                <a:solidFill>
+                  <a:schemeClr val="bg1"/>
+                </a:solidFill>
+                <a:highlight>
+                  <a:srgbClr val="000000"/>
+                </a:highlight>
+                <a:latin typeface="Courier New" panose="02070309020205020404" pitchFamily="49" charset="0"/>
+              </a:rPr>
+              <a:t>D</a:t>
+            </a:r>
+            <a:r>
+              <a:rPr lang="fr-FR" sz="1400" b="1" dirty="0" err="1">
+                <a:solidFill>
+                  <a:schemeClr val="bg1"/>
+                </a:solidFill>
+                <a:effectLst/>
+                <a:highlight>
+                  <a:srgbClr val="000000"/>
+                </a:highlight>
+                <a:latin typeface="Courier New" panose="02070309020205020404" pitchFamily="49" charset="0"/>
+              </a:rPr>
+              <a:t>ark</a:t>
+            </a:r>
+            <a:r>
+              <a:rPr lang="fr-FR" sz="1400" b="1" dirty="0">
+                <a:solidFill>
+                  <a:schemeClr val="bg1"/>
+                </a:solidFill>
+                <a:effectLst/>
+                <a:highlight>
+                  <a:srgbClr val="000000"/>
+                </a:highlight>
+                <a:latin typeface="Courier New" panose="02070309020205020404" pitchFamily="49" charset="0"/>
+              </a:rPr>
+              <a:t> mode</a:t>
+            </a:r>
+            <a:endParaRPr lang="fr-FR" sz="1400" dirty="0">
+              <a:effectLst/>
+              <a:latin typeface="Courier New" panose="02070309020205020404" pitchFamily="49" charset="0"/>
+            </a:endParaRPr>
+          </a:p>
+          <a:p>
+            <a:pPr marL="0" marR="0" indent="0">
+              <a:spcBef>
+                <a:spcPts val="0"/>
+              </a:spcBef>
+              <a:spcAft>
+                <a:spcPts val="0"/>
+              </a:spcAft>
+              <a:buNone/>
+            </a:pPr>
+            <a:r>
+              <a:rPr lang="fr-FR" sz="1400" dirty="0">
+                <a:effectLst/>
+                <a:latin typeface="Courier New" panose="02070309020205020404" pitchFamily="49" charset="0"/>
+              </a:rPr>
+              <a:t>900 autres ont l'appli classique</a:t>
+            </a:r>
+          </a:p>
+          <a:p>
+            <a:pPr marL="0" marR="0" indent="0">
+              <a:spcBef>
+                <a:spcPts val="0"/>
+              </a:spcBef>
+              <a:spcAft>
+                <a:spcPts val="0"/>
+              </a:spcAft>
+              <a:buNone/>
+            </a:pPr>
+            <a:r>
+              <a:rPr lang="fr-FR" sz="1400" dirty="0">
+                <a:effectLst/>
+                <a:latin typeface="Courier New" panose="02070309020205020404" pitchFamily="49" charset="0"/>
+              </a:rPr>
+              <a:t>Moyenne échantillon = 310 sec</a:t>
+            </a:r>
+          </a:p>
+          <a:p>
+            <a:pPr marL="0" marR="0" indent="0">
+              <a:spcBef>
+                <a:spcPts val="0"/>
+              </a:spcBef>
+              <a:spcAft>
+                <a:spcPts val="0"/>
+              </a:spcAft>
+              <a:buNone/>
+            </a:pPr>
+            <a:endParaRPr lang="fr-FR" sz="1400" dirty="0">
+              <a:effectLst/>
+              <a:latin typeface="Courier New" panose="02070309020205020404" pitchFamily="49" charset="0"/>
+            </a:endParaRPr>
+          </a:p>
+          <a:p>
+            <a:pPr marL="0" marR="0" indent="0">
+              <a:spcBef>
+                <a:spcPts val="0"/>
+              </a:spcBef>
+              <a:spcAft>
+                <a:spcPts val="0"/>
+              </a:spcAft>
+              <a:buNone/>
+            </a:pPr>
+            <a:endParaRPr lang="fr-FR" sz="1400" dirty="0">
+              <a:latin typeface="Courier New" panose="02070309020205020404" pitchFamily="49" charset="0"/>
+            </a:endParaRPr>
+          </a:p>
+          <a:p>
+            <a:pPr marL="0" marR="0" indent="0">
+              <a:spcBef>
+                <a:spcPts val="0"/>
+              </a:spcBef>
+              <a:spcAft>
+                <a:spcPts val="0"/>
+              </a:spcAft>
+              <a:buNone/>
+            </a:pPr>
+            <a:endParaRPr lang="fr-FR" sz="1400" dirty="0">
+              <a:effectLst/>
+              <a:latin typeface="Courier New" panose="02070309020205020404" pitchFamily="49" charset="0"/>
+            </a:endParaRPr>
+          </a:p>
+          <a:p>
+            <a:pPr marL="0" marR="0" indent="0">
+              <a:spcBef>
+                <a:spcPts val="0"/>
+              </a:spcBef>
+              <a:spcAft>
+                <a:spcPts val="0"/>
+              </a:spcAft>
+              <a:buNone/>
+            </a:pPr>
+            <a:r>
+              <a:rPr lang="fr-FR" sz="1400" b="1" dirty="0">
+                <a:highlight>
+                  <a:srgbClr val="00FF00"/>
+                </a:highlight>
+                <a:latin typeface="Courier New" panose="02070309020205020404" pitchFamily="49" charset="0"/>
+              </a:rPr>
+              <a:t>QUESTION :</a:t>
+            </a:r>
+            <a:r>
+              <a:rPr lang="fr-FR" sz="1400" dirty="0">
+                <a:latin typeface="Courier New" panose="02070309020205020404" pitchFamily="49" charset="0"/>
+              </a:rPr>
+              <a:t> </a:t>
+            </a:r>
+            <a:r>
+              <a:rPr lang="fr-FR" sz="1400" dirty="0">
+                <a:effectLst/>
+                <a:latin typeface="Courier New" panose="02070309020205020404" pitchFamily="49" charset="0"/>
+              </a:rPr>
+              <a:t>Est-ce significatif ?</a:t>
+            </a:r>
+          </a:p>
+          <a:p>
+            <a:pPr marL="0" marR="0" indent="0">
+              <a:spcBef>
+                <a:spcPts val="0"/>
+              </a:spcBef>
+              <a:spcAft>
+                <a:spcPts val="0"/>
+              </a:spcAft>
+              <a:buNone/>
+            </a:pPr>
+            <a:r>
+              <a:rPr lang="fr-FR" sz="1400" dirty="0">
+                <a:latin typeface="Courier New" panose="02070309020205020404" pitchFamily="49" charset="0"/>
+              </a:rPr>
+              <a:t>On souhaite être sûr de la réponse à 95%</a:t>
+            </a:r>
+            <a:endParaRPr lang="fr-FR" sz="1400" dirty="0">
+              <a:effectLst/>
+              <a:latin typeface="Courier New" panose="02070309020205020404" pitchFamily="49" charset="0"/>
+            </a:endParaRPr>
+          </a:p>
+        </p:txBody>
+      </p:sp>
+      <p:pic>
+        <p:nvPicPr>
+          <p:cNvPr id="1026" name="Picture 2" descr="Star Wars The Black Series, Casque électronique Premium Dark Vador, Obi-Wan  Kenobi, Article de Cosplay, dès 14 Ans : Amazon.fr: Jeux et Jouets">
+            <a:extLst>
+              <a:ext uri="{FF2B5EF4-FFF2-40B4-BE49-F238E27FC236}">
+                <a16:creationId xmlns:a16="http://schemas.microsoft.com/office/drawing/2014/main" id="{24B90A9D-8D80-48A0-853A-783B83A90CF9}"/>
+              </a:ext>
+            </a:extLst>
+          </p:cNvPr>
+          <p:cNvPicPr>
+            <a:picLocks noChangeAspect="1" noChangeArrowheads="1"/>
+          </p:cNvPicPr>
+          <p:nvPr/>
+        </p:nvPicPr>
+        <p:blipFill>
+          <a:blip r:embed="rId2">
+            <a:extLst>
+              <a:ext uri="{28A0092B-C50C-407E-A947-70E740481C1C}">
+                <a14:useLocalDpi xmlns:a14="http://schemas.microsoft.com/office/drawing/2010/main" val="0"/>
+              </a:ext>
+            </a:extLst>
+          </a:blip>
+          <a:srcRect/>
+          <a:stretch>
+            <a:fillRect/>
+          </a:stretch>
+        </p:blipFill>
+        <p:spPr bwMode="auto">
+          <a:xfrm>
+            <a:off x="8247526" y="2738690"/>
+            <a:ext cx="3794788" cy="3960735"/>
+          </a:xfrm>
+          <a:prstGeom prst="rect">
+            <a:avLst/>
+          </a:prstGeom>
+          <a:noFill/>
+          <a:extLst>
+            <a:ext uri="{909E8E84-426E-40DD-AFC4-6F175D3DCCD1}">
+              <a14:hiddenFill xmlns:a14="http://schemas.microsoft.com/office/drawing/2010/main">
+                <a:solidFill>
+                  <a:srgbClr val="FFFFFF"/>
+                </a:solidFill>
+              </a14:hiddenFill>
+            </a:ext>
+          </a:extLst>
+        </p:spPr>
+      </p:pic>
+    </p:spTree>
+    <p:extLst>
+      <p:ext uri="{BB962C8B-B14F-4D97-AF65-F5344CB8AC3E}">
+        <p14:creationId xmlns:p14="http://schemas.microsoft.com/office/powerpoint/2010/main" val="2065511848"/>
+      </p:ext>
+    </p:extLst>
+  </p:cSld>
+  <p:clrMapOvr>
+    <a:masterClrMapping/>
+  </p:clrMapOvr>
+</p:sld>
+</file>
+
+<file path=ppt/slides/slide32.xml><?xml version="1.0" encoding="utf-8"?>
+<p:sld xmlns:a="http://schemas.openxmlformats.org/drawingml/2006/main" xmlns:r="http://schemas.openxmlformats.org/officeDocument/2006/relationships" xmlns:p="http://schemas.openxmlformats.org/presentationml/2006/main">
+  <p:cSld>
+    <p:spTree>
+      <p:nvGrpSpPr>
+        <p:cNvPr id="1" name=""/>
+        <p:cNvGrpSpPr/>
+        <p:nvPr/>
+      </p:nvGrpSpPr>
+      <p:grpSpPr>
+        <a:xfrm>
+          <a:off x="0" y="0"/>
+          <a:ext cx="0" cy="0"/>
+          <a:chOff x="0" y="0"/>
+          <a:chExt cx="0" cy="0"/>
+        </a:xfrm>
+      </p:grpSpPr>
+      <p:sp>
+        <p:nvSpPr>
+          <p:cNvPr id="2" name="Titre 1">
+            <a:extLst>
+              <a:ext uri="{FF2B5EF4-FFF2-40B4-BE49-F238E27FC236}">
+                <a16:creationId xmlns:a16="http://schemas.microsoft.com/office/drawing/2014/main" id="{89F61955-3F6B-42F7-9003-D2A1BBF3C1E0}"/>
+              </a:ext>
+            </a:extLst>
+          </p:cNvPr>
+          <p:cNvSpPr>
+            <a:spLocks noGrp="1"/>
+          </p:cNvSpPr>
+          <p:nvPr>
+            <p:ph type="title"/>
+          </p:nvPr>
+        </p:nvSpPr>
+        <p:spPr/>
+        <p:txBody>
+          <a:bodyPr/>
+          <a:lstStyle/>
+          <a:p>
+            <a:r>
+              <a:rPr lang="fr-FR" dirty="0"/>
+              <a:t>Cas pratique</a:t>
+            </a:r>
+          </a:p>
+        </p:txBody>
+      </p:sp>
+      <p:sp>
+        <p:nvSpPr>
+          <p:cNvPr id="3" name="Espace réservé du contenu 2">
+            <a:extLst>
+              <a:ext uri="{FF2B5EF4-FFF2-40B4-BE49-F238E27FC236}">
+                <a16:creationId xmlns:a16="http://schemas.microsoft.com/office/drawing/2014/main" id="{047FB6BA-FC7D-FC20-CDF0-AD8DA4B6DD94}"/>
+              </a:ext>
+            </a:extLst>
+          </p:cNvPr>
+          <p:cNvSpPr>
+            <a:spLocks noGrp="1"/>
+          </p:cNvSpPr>
+          <p:nvPr>
+            <p:ph idx="1"/>
+          </p:nvPr>
+        </p:nvSpPr>
+        <p:spPr/>
+        <p:txBody>
+          <a:bodyPr>
+            <a:normAutofit/>
+          </a:bodyPr>
+          <a:lstStyle/>
+          <a:p>
+            <a:pPr marL="0" indent="0" rtl="0" fontAlgn="ctr">
+              <a:spcBef>
+                <a:spcPts val="0"/>
+              </a:spcBef>
+              <a:spcAft>
+                <a:spcPts val="0"/>
+              </a:spcAft>
+              <a:buNone/>
+            </a:pPr>
+            <a:r>
+              <a:rPr lang="fr-FR" sz="1400" b="1" dirty="0">
+                <a:effectLst/>
+                <a:latin typeface="Courier New" panose="02070309020205020404" pitchFamily="49" charset="0"/>
+              </a:rPr>
+              <a:t>On commence par déterminer H1</a:t>
+            </a:r>
+          </a:p>
+          <a:p>
+            <a:pPr fontAlgn="ctr">
+              <a:spcBef>
+                <a:spcPts val="0"/>
+              </a:spcBef>
+            </a:pPr>
+            <a:r>
+              <a:rPr lang="fr-FR" sz="1400" dirty="0">
+                <a:effectLst/>
+                <a:latin typeface="Courier New" panose="02070309020205020404" pitchFamily="49" charset="0"/>
+              </a:rPr>
+              <a:t>On détermine H1 (plus facile de commencer par H1) : ça sert</a:t>
+            </a:r>
+          </a:p>
+          <a:p>
+            <a:pPr fontAlgn="ctr">
+              <a:spcBef>
+                <a:spcPts val="0"/>
+              </a:spcBef>
+            </a:pPr>
+            <a:r>
+              <a:rPr lang="fr-FR" sz="1400" dirty="0">
+                <a:effectLst/>
+                <a:latin typeface="Courier New" panose="02070309020205020404" pitchFamily="49" charset="0"/>
+              </a:rPr>
+              <a:t>On détermine H0 (le contraire de H1)              : ça sert à rien</a:t>
+            </a:r>
+          </a:p>
+          <a:p>
+            <a:pPr marL="0" indent="0" rtl="0" fontAlgn="ctr">
+              <a:spcBef>
+                <a:spcPts val="0"/>
+              </a:spcBef>
+              <a:spcAft>
+                <a:spcPts val="0"/>
+              </a:spcAft>
+              <a:buNone/>
+            </a:pPr>
+            <a:endParaRPr lang="fr-FR" sz="1400" dirty="0">
+              <a:effectLst/>
+              <a:latin typeface="Courier New" panose="02070309020205020404" pitchFamily="49" charset="0"/>
+            </a:endParaRPr>
+          </a:p>
+          <a:p>
+            <a:pPr marL="0" indent="0" rtl="0" fontAlgn="ctr">
+              <a:spcBef>
+                <a:spcPts val="0"/>
+              </a:spcBef>
+              <a:spcAft>
+                <a:spcPts val="0"/>
+              </a:spcAft>
+              <a:buNone/>
+            </a:pPr>
+            <a:endParaRPr lang="fr-FR" sz="1400" dirty="0">
+              <a:effectLst/>
+              <a:latin typeface="Courier New" panose="02070309020205020404" pitchFamily="49" charset="0"/>
+            </a:endParaRPr>
+          </a:p>
+          <a:p>
+            <a:pPr marL="0" indent="0" rtl="0" fontAlgn="ctr">
+              <a:spcBef>
+                <a:spcPts val="0"/>
+              </a:spcBef>
+              <a:spcAft>
+                <a:spcPts val="0"/>
+              </a:spcAft>
+              <a:buNone/>
+            </a:pPr>
+            <a:endParaRPr lang="fr-FR" sz="1400" dirty="0">
+              <a:latin typeface="Courier New" panose="02070309020205020404" pitchFamily="49" charset="0"/>
+            </a:endParaRPr>
+          </a:p>
+          <a:p>
+            <a:pPr marL="0" indent="0" rtl="0" fontAlgn="ctr">
+              <a:spcBef>
+                <a:spcPts val="0"/>
+              </a:spcBef>
+              <a:spcAft>
+                <a:spcPts val="0"/>
+              </a:spcAft>
+              <a:buNone/>
+            </a:pPr>
+            <a:endParaRPr lang="fr-FR" sz="1400" dirty="0">
+              <a:effectLst/>
+              <a:latin typeface="Courier New" panose="02070309020205020404" pitchFamily="49" charset="0"/>
+            </a:endParaRPr>
+          </a:p>
+          <a:p>
+            <a:pPr marL="0" indent="0" rtl="0" fontAlgn="ctr">
+              <a:spcBef>
+                <a:spcPts val="0"/>
+              </a:spcBef>
+              <a:spcAft>
+                <a:spcPts val="0"/>
+              </a:spcAft>
+              <a:buNone/>
+            </a:pPr>
+            <a:r>
+              <a:rPr lang="fr-FR" sz="1400" b="1" dirty="0">
+                <a:effectLst/>
+                <a:latin typeface="Courier New" panose="02070309020205020404" pitchFamily="49" charset="0"/>
+              </a:rPr>
+              <a:t>Remarque :</a:t>
+            </a:r>
+          </a:p>
+          <a:p>
+            <a:pPr fontAlgn="ctr">
+              <a:spcBef>
+                <a:spcPts val="0"/>
+              </a:spcBef>
+            </a:pPr>
+            <a:r>
+              <a:rPr lang="fr-FR" sz="1400" dirty="0">
+                <a:highlight>
+                  <a:srgbClr val="FFFF00"/>
+                </a:highlight>
+                <a:latin typeface="Courier New" panose="02070309020205020404" pitchFamily="49" charset="0"/>
+              </a:rPr>
+              <a:t>On ne peut uniquement prouver que quelque chose est faux</a:t>
+            </a:r>
+            <a:r>
+              <a:rPr lang="fr-FR" sz="1400" dirty="0">
+                <a:latin typeface="Courier New" panose="02070309020205020404" pitchFamily="49" charset="0"/>
+              </a:rPr>
+              <a:t> </a:t>
+            </a:r>
+          </a:p>
+          <a:p>
+            <a:pPr fontAlgn="ctr">
+              <a:spcBef>
+                <a:spcPts val="0"/>
+              </a:spcBef>
+            </a:pPr>
+            <a:r>
+              <a:rPr lang="fr-FR" sz="1400" dirty="0">
+                <a:latin typeface="Courier New" panose="02070309020205020404" pitchFamily="49" charset="0"/>
+              </a:rPr>
+              <a:t>On ne peut pas prouver que quelque chose est vrai</a:t>
+            </a:r>
+          </a:p>
+          <a:p>
+            <a:pPr fontAlgn="ctr">
+              <a:spcBef>
+                <a:spcPts val="0"/>
+              </a:spcBef>
+            </a:pPr>
+            <a:endParaRPr lang="fr-FR" sz="1400" dirty="0">
+              <a:latin typeface="Courier New" panose="02070309020205020404" pitchFamily="49" charset="0"/>
+            </a:endParaRPr>
+          </a:p>
+          <a:p>
+            <a:pPr marL="0" indent="0" fontAlgn="ctr">
+              <a:spcBef>
+                <a:spcPts val="0"/>
+              </a:spcBef>
+              <a:buNone/>
+            </a:pPr>
+            <a:r>
+              <a:rPr lang="fr-FR" sz="1400" dirty="0">
+                <a:latin typeface="Courier New" panose="02070309020205020404" pitchFamily="49" charset="0"/>
+              </a:rPr>
+              <a:t>La théorie de la gravitation de Newton était vraie jusqu'à ce que</a:t>
+            </a:r>
+            <a:br>
+              <a:rPr lang="fr-FR" sz="1400" dirty="0">
+                <a:latin typeface="Courier New" panose="02070309020205020404" pitchFamily="49" charset="0"/>
+              </a:rPr>
+            </a:br>
+            <a:r>
+              <a:rPr lang="fr-FR" sz="1400" dirty="0">
+                <a:latin typeface="Courier New" panose="02070309020205020404" pitchFamily="49" charset="0"/>
+              </a:rPr>
+              <a:t>Einstein prouve qu'elle était incomplète (fausse)</a:t>
+            </a:r>
+          </a:p>
+          <a:p>
+            <a:pPr marL="0" indent="0" rtl="0" fontAlgn="ctr">
+              <a:spcBef>
+                <a:spcPts val="0"/>
+              </a:spcBef>
+              <a:spcAft>
+                <a:spcPts val="0"/>
+              </a:spcAft>
+              <a:buNone/>
+            </a:pPr>
+            <a:endParaRPr lang="fr-FR" sz="1400" dirty="0">
+              <a:effectLst/>
+              <a:latin typeface="Courier New" panose="02070309020205020404" pitchFamily="49" charset="0"/>
+            </a:endParaRPr>
+          </a:p>
+          <a:p>
+            <a:pPr marL="0" indent="0" rtl="0" fontAlgn="ctr">
+              <a:spcBef>
+                <a:spcPts val="0"/>
+              </a:spcBef>
+              <a:spcAft>
+                <a:spcPts val="0"/>
+              </a:spcAft>
+              <a:buNone/>
+            </a:pPr>
+            <a:endParaRPr lang="fr-FR" sz="1400" dirty="0">
+              <a:effectLst/>
+              <a:latin typeface="Courier New" panose="02070309020205020404" pitchFamily="49" charset="0"/>
+            </a:endParaRPr>
+          </a:p>
+          <a:p>
+            <a:pPr marL="0" indent="0" rtl="0" fontAlgn="ctr">
+              <a:spcBef>
+                <a:spcPts val="0"/>
+              </a:spcBef>
+              <a:spcAft>
+                <a:spcPts val="0"/>
+              </a:spcAft>
+              <a:buNone/>
+            </a:pPr>
+            <a:endParaRPr lang="fr-FR" sz="1400" dirty="0">
+              <a:latin typeface="Courier New" panose="02070309020205020404" pitchFamily="49" charset="0"/>
+            </a:endParaRPr>
+          </a:p>
+          <a:p>
+            <a:pPr marL="0" indent="0" rtl="0" fontAlgn="ctr">
+              <a:spcBef>
+                <a:spcPts val="0"/>
+              </a:spcBef>
+              <a:spcAft>
+                <a:spcPts val="0"/>
+              </a:spcAft>
+              <a:buNone/>
+            </a:pPr>
+            <a:endParaRPr lang="fr-FR" sz="1400" dirty="0">
+              <a:effectLst/>
+              <a:latin typeface="Courier New" panose="02070309020205020404" pitchFamily="49" charset="0"/>
+            </a:endParaRPr>
+          </a:p>
+          <a:p>
+            <a:pPr marL="0" indent="0" rtl="0" fontAlgn="ctr">
+              <a:spcBef>
+                <a:spcPts val="0"/>
+              </a:spcBef>
+              <a:spcAft>
+                <a:spcPts val="0"/>
+              </a:spcAft>
+              <a:buNone/>
+            </a:pPr>
+            <a:r>
+              <a:rPr lang="fr-FR" sz="1400" b="1">
+                <a:latin typeface="Courier New" panose="02070309020205020404" pitchFamily="49" charset="0"/>
+              </a:rPr>
+              <a:t>S</a:t>
+            </a:r>
+            <a:r>
+              <a:rPr lang="fr-FR" sz="1400" b="1">
+                <a:effectLst/>
+                <a:latin typeface="Courier New" panose="02070309020205020404" pitchFamily="49" charset="0"/>
+              </a:rPr>
+              <a:t>i</a:t>
+            </a:r>
+            <a:r>
+              <a:rPr lang="fr-FR" sz="1400">
+                <a:effectLst/>
+                <a:latin typeface="Courier New" panose="02070309020205020404" pitchFamily="49" charset="0"/>
+              </a:rPr>
+              <a:t>    le </a:t>
+            </a:r>
+            <a:r>
+              <a:rPr lang="fr-FR" sz="1400" dirty="0">
+                <a:effectLst/>
+                <a:latin typeface="Courier New" panose="02070309020205020404" pitchFamily="49" charset="0"/>
+              </a:rPr>
+              <a:t>contraire de mon hypothèse est faux </a:t>
+            </a:r>
+            <a:br>
+              <a:rPr lang="fr-FR" sz="1400" dirty="0">
+                <a:effectLst/>
+                <a:latin typeface="Courier New" panose="02070309020205020404" pitchFamily="49" charset="0"/>
+              </a:rPr>
+            </a:br>
+            <a:r>
+              <a:rPr lang="fr-FR" sz="1400" b="1" dirty="0">
+                <a:effectLst/>
+                <a:latin typeface="Courier New" panose="02070309020205020404" pitchFamily="49" charset="0"/>
+              </a:rPr>
+              <a:t>alors</a:t>
+            </a:r>
+            <a:r>
+              <a:rPr lang="fr-FR" sz="1400" dirty="0">
+                <a:effectLst/>
+                <a:latin typeface="Courier New" panose="02070309020205020404" pitchFamily="49" charset="0"/>
+              </a:rPr>
+              <a:t> mon hypothèse est vraie</a:t>
+            </a:r>
+          </a:p>
+          <a:p>
+            <a:pPr marL="0" indent="0">
+              <a:buNone/>
+            </a:pPr>
+            <a:endParaRPr lang="fr-FR" sz="1400" dirty="0"/>
+          </a:p>
+        </p:txBody>
+      </p:sp>
+      <p:pic>
+        <p:nvPicPr>
+          <p:cNvPr id="2050" name="Picture 2" descr="Cerveau Humain Imágenes y Fotos - 123RF">
+            <a:extLst>
+              <a:ext uri="{FF2B5EF4-FFF2-40B4-BE49-F238E27FC236}">
+                <a16:creationId xmlns:a16="http://schemas.microsoft.com/office/drawing/2014/main" id="{A905A0C6-5BE7-B902-DEC4-2F666E31DB84}"/>
+              </a:ext>
+            </a:extLst>
+          </p:cNvPr>
+          <p:cNvPicPr>
+            <a:picLocks noChangeAspect="1" noChangeArrowheads="1"/>
+          </p:cNvPicPr>
+          <p:nvPr/>
+        </p:nvPicPr>
+        <p:blipFill rotWithShape="1">
+          <a:blip r:embed="rId2">
+            <a:extLst>
+              <a:ext uri="{28A0092B-C50C-407E-A947-70E740481C1C}">
+                <a14:useLocalDpi xmlns:a14="http://schemas.microsoft.com/office/drawing/2010/main" val="0"/>
+              </a:ext>
+            </a:extLst>
+          </a:blip>
+          <a:srcRect l="13475" r="15415"/>
+          <a:stretch/>
+        </p:blipFill>
+        <p:spPr bwMode="auto">
+          <a:xfrm>
+            <a:off x="8913749" y="4513946"/>
+            <a:ext cx="1529279" cy="1433699"/>
+          </a:xfrm>
+          <a:prstGeom prst="rect">
+            <a:avLst/>
+          </a:prstGeom>
+          <a:noFill/>
+          <a:effectLst>
+            <a:outerShdw blurRad="50800" dist="38100" dir="2700000" algn="tl" rotWithShape="0">
+              <a:prstClr val="black">
+                <a:alpha val="40000"/>
+              </a:prstClr>
+            </a:outerShdw>
+          </a:effectLst>
+          <a:extLst>
+            <a:ext uri="{909E8E84-426E-40DD-AFC4-6F175D3DCCD1}">
+              <a14:hiddenFill xmlns:a14="http://schemas.microsoft.com/office/drawing/2010/main">
+                <a:solidFill>
+                  <a:srgbClr val="FFFFFF"/>
+                </a:solidFill>
+              </a14:hiddenFill>
+            </a:ext>
+          </a:extLst>
+        </p:spPr>
+      </p:pic>
+    </p:spTree>
+    <p:extLst>
+      <p:ext uri="{BB962C8B-B14F-4D97-AF65-F5344CB8AC3E}">
+        <p14:creationId xmlns:p14="http://schemas.microsoft.com/office/powerpoint/2010/main" val="1602892343"/>
+      </p:ext>
+    </p:extLst>
+  </p:cSld>
+  <p:clrMapOvr>
+    <a:masterClrMapping/>
+  </p:clrMapOvr>
+</p:sld>
+</file>
+
+<file path=ppt/slides/slide33.xml><?xml version="1.0" encoding="utf-8"?>
+<p:sld xmlns:a="http://schemas.openxmlformats.org/drawingml/2006/main" xmlns:r="http://schemas.openxmlformats.org/officeDocument/2006/relationships" xmlns:p="http://schemas.openxmlformats.org/presentationml/2006/main">
+  <p:cSld>
+    <p:spTree>
+      <p:nvGrpSpPr>
+        <p:cNvPr id="1" name=""/>
+        <p:cNvGrpSpPr/>
+        <p:nvPr/>
+      </p:nvGrpSpPr>
+      <p:grpSpPr>
+        <a:xfrm>
+          <a:off x="0" y="0"/>
+          <a:ext cx="0" cy="0"/>
+          <a:chOff x="0" y="0"/>
+          <a:chExt cx="0" cy="0"/>
+        </a:xfrm>
+      </p:grpSpPr>
+      <p:sp>
+        <p:nvSpPr>
+          <p:cNvPr id="2" name="Titre 1">
+            <a:extLst>
+              <a:ext uri="{FF2B5EF4-FFF2-40B4-BE49-F238E27FC236}">
+                <a16:creationId xmlns:a16="http://schemas.microsoft.com/office/drawing/2014/main" id="{F50148BC-43F6-3071-8E19-50992E6CCC80}"/>
+              </a:ext>
+            </a:extLst>
+          </p:cNvPr>
+          <p:cNvSpPr>
+            <a:spLocks noGrp="1"/>
+          </p:cNvSpPr>
+          <p:nvPr>
+            <p:ph type="title"/>
+          </p:nvPr>
+        </p:nvSpPr>
+        <p:spPr/>
+        <p:txBody>
+          <a:bodyPr/>
+          <a:lstStyle/>
+          <a:p>
+            <a:r>
+              <a:rPr lang="fr-FR" dirty="0"/>
+              <a:t>Cas pratique</a:t>
+            </a:r>
+          </a:p>
+        </p:txBody>
+      </p:sp>
+      <p:sp>
+        <p:nvSpPr>
+          <p:cNvPr id="3" name="Espace réservé du contenu 2">
+            <a:extLst>
+              <a:ext uri="{FF2B5EF4-FFF2-40B4-BE49-F238E27FC236}">
+                <a16:creationId xmlns:a16="http://schemas.microsoft.com/office/drawing/2014/main" id="{46B230AA-D644-3586-CE26-DF4993D74410}"/>
+              </a:ext>
+            </a:extLst>
+          </p:cNvPr>
+          <p:cNvSpPr>
+            <a:spLocks noGrp="1"/>
+          </p:cNvSpPr>
+          <p:nvPr>
+            <p:ph idx="1"/>
+          </p:nvPr>
+        </p:nvSpPr>
+        <p:spPr>
+          <a:xfrm>
+            <a:off x="838200" y="1589314"/>
+            <a:ext cx="10515600" cy="5079999"/>
+          </a:xfrm>
+        </p:spPr>
+        <p:txBody>
+          <a:bodyPr>
+            <a:noAutofit/>
+          </a:bodyPr>
+          <a:lstStyle/>
+          <a:p>
+            <a:pPr marL="0" marR="0" indent="0">
+              <a:spcBef>
+                <a:spcPts val="0"/>
+              </a:spcBef>
+              <a:spcAft>
+                <a:spcPts val="0"/>
+              </a:spcAft>
+              <a:buNone/>
+            </a:pPr>
+            <a:r>
+              <a:rPr lang="fr-FR" sz="1400" dirty="0">
+                <a:effectLst/>
+                <a:latin typeface="Courier New" panose="02070309020205020404" pitchFamily="49" charset="0"/>
+              </a:rPr>
+              <a:t>1: </a:t>
+            </a:r>
+            <a:r>
+              <a:rPr lang="fr-FR" sz="1400" dirty="0" err="1">
+                <a:effectLst/>
+                <a:latin typeface="Courier New" panose="02070309020205020404" pitchFamily="49" charset="0"/>
+              </a:rPr>
+              <a:t>Define</a:t>
+            </a:r>
+            <a:r>
+              <a:rPr lang="fr-FR" sz="1400" dirty="0">
+                <a:effectLst/>
+                <a:latin typeface="Courier New" panose="02070309020205020404" pitchFamily="49" charset="0"/>
+              </a:rPr>
+              <a:t> H1 et H0</a:t>
+            </a:r>
+          </a:p>
+          <a:p>
+            <a:pPr marL="114300" marR="0" indent="0">
+              <a:spcBef>
+                <a:spcPts val="0"/>
+              </a:spcBef>
+              <a:spcAft>
+                <a:spcPts val="0"/>
+              </a:spcAft>
+              <a:buNone/>
+            </a:pPr>
+            <a:r>
+              <a:rPr lang="fr-FR" sz="1400" dirty="0">
+                <a:effectLst/>
+                <a:latin typeface="Courier New" panose="02070309020205020404" pitchFamily="49" charset="0"/>
+              </a:rPr>
+              <a:t>H1 = Ça a un impact</a:t>
+            </a:r>
+          </a:p>
+          <a:p>
+            <a:pPr marL="114300" marR="0" indent="0">
+              <a:spcBef>
+                <a:spcPts val="0"/>
+              </a:spcBef>
+              <a:spcAft>
+                <a:spcPts val="0"/>
+              </a:spcAft>
+              <a:buNone/>
+            </a:pPr>
+            <a:r>
+              <a:rPr lang="fr-FR" sz="1400" dirty="0">
+                <a:effectLst/>
+                <a:latin typeface="Courier New" panose="02070309020205020404" pitchFamily="49" charset="0"/>
+              </a:rPr>
+              <a:t>H0 = Ça n'a pas d'impact</a:t>
+            </a:r>
+          </a:p>
+          <a:p>
+            <a:pPr marL="0" marR="0" indent="0">
+              <a:spcBef>
+                <a:spcPts val="0"/>
+              </a:spcBef>
+              <a:spcAft>
+                <a:spcPts val="0"/>
+              </a:spcAft>
+              <a:buNone/>
+            </a:pPr>
+            <a:endParaRPr lang="fr-FR" sz="1400" dirty="0">
+              <a:effectLst/>
+              <a:latin typeface="Courier New" panose="02070309020205020404" pitchFamily="49" charset="0"/>
+            </a:endParaRPr>
+          </a:p>
+          <a:p>
+            <a:pPr marL="0" marR="0" indent="0">
+              <a:spcBef>
+                <a:spcPts val="0"/>
+              </a:spcBef>
+              <a:spcAft>
+                <a:spcPts val="0"/>
+              </a:spcAft>
+              <a:buNone/>
+            </a:pPr>
+            <a:r>
+              <a:rPr lang="fr-FR" sz="1400" dirty="0">
+                <a:effectLst/>
+                <a:latin typeface="Courier New" panose="02070309020205020404" pitchFamily="49" charset="0"/>
+              </a:rPr>
+              <a:t>2: </a:t>
+            </a:r>
+            <a:r>
+              <a:rPr lang="fr-FR" sz="1400" dirty="0" err="1">
+                <a:effectLst/>
+                <a:latin typeface="Courier New" panose="02070309020205020404" pitchFamily="49" charset="0"/>
+              </a:rPr>
+              <a:t>Define</a:t>
+            </a:r>
+            <a:r>
+              <a:rPr lang="fr-FR" sz="1400" dirty="0">
+                <a:effectLst/>
+                <a:latin typeface="Courier New" panose="02070309020205020404" pitchFamily="49" charset="0"/>
+              </a:rPr>
+              <a:t> a confidence </a:t>
+            </a:r>
+            <a:r>
+              <a:rPr lang="fr-FR" sz="1400" dirty="0" err="1">
+                <a:effectLst/>
+                <a:latin typeface="Courier New" panose="02070309020205020404" pitchFamily="49" charset="0"/>
+              </a:rPr>
+              <a:t>level</a:t>
+            </a:r>
+            <a:r>
+              <a:rPr lang="fr-FR" sz="1400" dirty="0">
+                <a:effectLst/>
+                <a:latin typeface="Courier New" panose="02070309020205020404" pitchFamily="49" charset="0"/>
+              </a:rPr>
+              <a:t> α </a:t>
+            </a:r>
+          </a:p>
+          <a:p>
+            <a:pPr marL="114300" marR="0" indent="0">
+              <a:spcBef>
+                <a:spcPts val="0"/>
+              </a:spcBef>
+              <a:spcAft>
+                <a:spcPts val="0"/>
+              </a:spcAft>
+              <a:buNone/>
+            </a:pPr>
+            <a:r>
+              <a:rPr lang="fr-FR" sz="1400" dirty="0">
+                <a:effectLst/>
+                <a:latin typeface="Courier New" panose="02070309020205020404" pitchFamily="49" charset="0"/>
+              </a:rPr>
+              <a:t>alpha = 5%</a:t>
+            </a:r>
+          </a:p>
+          <a:p>
+            <a:pPr marL="0" marR="0" indent="0">
+              <a:spcBef>
+                <a:spcPts val="0"/>
+              </a:spcBef>
+              <a:spcAft>
+                <a:spcPts val="0"/>
+              </a:spcAft>
+              <a:buNone/>
+            </a:pPr>
+            <a:endParaRPr lang="fr-FR" sz="1400" dirty="0">
+              <a:effectLst/>
+              <a:latin typeface="Courier New" panose="02070309020205020404" pitchFamily="49" charset="0"/>
+            </a:endParaRPr>
+          </a:p>
+          <a:p>
+            <a:pPr marL="0" marR="0" indent="0">
+              <a:spcBef>
+                <a:spcPts val="0"/>
+              </a:spcBef>
+              <a:spcAft>
+                <a:spcPts val="0"/>
+              </a:spcAft>
+              <a:buNone/>
+            </a:pPr>
+            <a:r>
+              <a:rPr lang="fr-FR" sz="1400" dirty="0">
+                <a:effectLst/>
+                <a:latin typeface="Courier New" panose="02070309020205020404" pitchFamily="49" charset="0"/>
+              </a:rPr>
+              <a:t>3: </a:t>
+            </a:r>
+            <a:r>
+              <a:rPr lang="fr-FR" sz="1400" dirty="0" err="1">
+                <a:effectLst/>
+                <a:latin typeface="Courier New" panose="02070309020205020404" pitchFamily="49" charset="0"/>
+              </a:rPr>
+              <a:t>Calculate</a:t>
+            </a:r>
+            <a:r>
+              <a:rPr lang="fr-FR" sz="1400" dirty="0">
+                <a:effectLst/>
+                <a:latin typeface="Courier New" panose="02070309020205020404" pitchFamily="49" charset="0"/>
+              </a:rPr>
+              <a:t> Z-Score</a:t>
+            </a:r>
+          </a:p>
+          <a:p>
+            <a:pPr marL="114300" marR="0" indent="0">
+              <a:spcBef>
+                <a:spcPts val="0"/>
+              </a:spcBef>
+              <a:spcAft>
+                <a:spcPts val="0"/>
+              </a:spcAft>
+              <a:buNone/>
+            </a:pPr>
+            <a:r>
+              <a:rPr lang="fr-FR" sz="1400" dirty="0">
+                <a:effectLst/>
+                <a:latin typeface="Courier New" panose="02070309020205020404" pitchFamily="49" charset="0"/>
+              </a:rPr>
+              <a:t>Z = (310-300)/(50/100^.5)         # Z = 2</a:t>
+            </a:r>
+          </a:p>
+          <a:p>
+            <a:pPr marL="0" marR="0" indent="0">
+              <a:spcBef>
+                <a:spcPts val="0"/>
+              </a:spcBef>
+              <a:spcAft>
+                <a:spcPts val="0"/>
+              </a:spcAft>
+              <a:buNone/>
+            </a:pPr>
+            <a:endParaRPr lang="fr-FR" sz="1400" dirty="0">
+              <a:effectLst/>
+              <a:latin typeface="Courier New" panose="02070309020205020404" pitchFamily="49" charset="0"/>
+            </a:endParaRPr>
+          </a:p>
+          <a:p>
+            <a:pPr marL="0" marR="0" indent="0">
+              <a:spcBef>
+                <a:spcPts val="0"/>
+              </a:spcBef>
+              <a:spcAft>
+                <a:spcPts val="0"/>
+              </a:spcAft>
+              <a:buNone/>
+            </a:pPr>
+            <a:r>
+              <a:rPr lang="fr-FR" sz="1400" dirty="0">
+                <a:effectLst/>
+                <a:latin typeface="Courier New" panose="02070309020205020404" pitchFamily="49" charset="0"/>
+              </a:rPr>
+              <a:t>4: Calculer la p-value</a:t>
+            </a:r>
+          </a:p>
+          <a:p>
+            <a:pPr marL="114300" marR="0" indent="0">
+              <a:spcBef>
+                <a:spcPts val="0"/>
+              </a:spcBef>
+              <a:spcAft>
+                <a:spcPts val="0"/>
+              </a:spcAft>
+              <a:buNone/>
+            </a:pPr>
+            <a:r>
+              <a:rPr lang="fr-FR" sz="1400" dirty="0" err="1">
+                <a:effectLst/>
+                <a:latin typeface="Courier New" panose="02070309020205020404" pitchFamily="49" charset="0"/>
+              </a:rPr>
+              <a:t>from</a:t>
+            </a:r>
+            <a:r>
+              <a:rPr lang="fr-FR" sz="1400" dirty="0">
+                <a:effectLst/>
+                <a:latin typeface="Courier New" panose="02070309020205020404" pitchFamily="49" charset="0"/>
+              </a:rPr>
+              <a:t> </a:t>
+            </a:r>
+            <a:r>
+              <a:rPr lang="fr-FR" sz="1400" dirty="0" err="1">
+                <a:effectLst/>
+                <a:latin typeface="Courier New" panose="02070309020205020404" pitchFamily="49" charset="0"/>
+              </a:rPr>
+              <a:t>scipy.stats</a:t>
+            </a:r>
+            <a:r>
+              <a:rPr lang="fr-FR" sz="1400" dirty="0">
+                <a:effectLst/>
+                <a:latin typeface="Courier New" panose="02070309020205020404" pitchFamily="49" charset="0"/>
+              </a:rPr>
+              <a:t> import </a:t>
+            </a:r>
+            <a:r>
+              <a:rPr lang="fr-FR" sz="1400" dirty="0" err="1">
+                <a:effectLst/>
+                <a:latin typeface="Courier New" panose="02070309020205020404" pitchFamily="49" charset="0"/>
+              </a:rPr>
+              <a:t>norm</a:t>
+            </a:r>
+            <a:endParaRPr lang="fr-FR" sz="1400" dirty="0">
+              <a:effectLst/>
+              <a:latin typeface="Courier New" panose="02070309020205020404" pitchFamily="49" charset="0"/>
+            </a:endParaRPr>
+          </a:p>
+          <a:p>
+            <a:pPr marL="114300" marR="0" indent="0">
+              <a:spcBef>
+                <a:spcPts val="0"/>
+              </a:spcBef>
+              <a:spcAft>
+                <a:spcPts val="0"/>
+              </a:spcAft>
+              <a:buNone/>
+            </a:pPr>
+            <a:r>
+              <a:rPr lang="fr-FR" sz="1400" dirty="0">
+                <a:effectLst/>
+                <a:latin typeface="Courier New" panose="02070309020205020404" pitchFamily="49" charset="0"/>
+              </a:rPr>
+              <a:t>X = </a:t>
+            </a:r>
+            <a:r>
+              <a:rPr lang="fr-FR" sz="1400" dirty="0" err="1">
+                <a:effectLst/>
+                <a:latin typeface="Courier New" panose="02070309020205020404" pitchFamily="49" charset="0"/>
+              </a:rPr>
+              <a:t>norm</a:t>
+            </a:r>
+            <a:r>
+              <a:rPr lang="fr-FR" sz="1400" dirty="0">
+                <a:effectLst/>
+                <a:latin typeface="Courier New" panose="02070309020205020404" pitchFamily="49" charset="0"/>
+              </a:rPr>
+              <a:t>(300, 50/100**.5)</a:t>
+            </a:r>
+          </a:p>
+          <a:p>
+            <a:pPr marL="114300" marR="0" indent="0">
+              <a:spcBef>
+                <a:spcPts val="0"/>
+              </a:spcBef>
+              <a:spcAft>
+                <a:spcPts val="0"/>
+              </a:spcAft>
+              <a:buNone/>
+            </a:pPr>
+            <a:r>
+              <a:rPr lang="fr-FR" sz="1400" dirty="0" err="1">
+                <a:effectLst/>
+                <a:latin typeface="Courier New" panose="02070309020205020404" pitchFamily="49" charset="0"/>
+              </a:rPr>
+              <a:t>p_value</a:t>
+            </a:r>
+            <a:r>
+              <a:rPr lang="fr-FR" sz="1400" dirty="0">
+                <a:effectLst/>
+                <a:latin typeface="Courier New" panose="02070309020205020404" pitchFamily="49" charset="0"/>
+              </a:rPr>
+              <a:t> = </a:t>
+            </a:r>
+            <a:r>
+              <a:rPr lang="fr-FR" sz="1400" b="1" dirty="0">
+                <a:solidFill>
+                  <a:srgbClr val="C00000"/>
+                </a:solidFill>
+                <a:effectLst/>
+                <a:latin typeface="Courier New" panose="02070309020205020404" pitchFamily="49" charset="0"/>
+              </a:rPr>
+              <a:t>1- </a:t>
+            </a:r>
+            <a:r>
+              <a:rPr lang="fr-FR" sz="1400" b="1" dirty="0" err="1">
+                <a:solidFill>
+                  <a:srgbClr val="C00000"/>
+                </a:solidFill>
+                <a:effectLst/>
+                <a:latin typeface="Courier New" panose="02070309020205020404" pitchFamily="49" charset="0"/>
+              </a:rPr>
+              <a:t>X.cdf</a:t>
+            </a:r>
+            <a:r>
+              <a:rPr lang="fr-FR" sz="1400" b="1" dirty="0">
+                <a:solidFill>
+                  <a:srgbClr val="C00000"/>
+                </a:solidFill>
+                <a:effectLst/>
+                <a:latin typeface="Courier New" panose="02070309020205020404" pitchFamily="49" charset="0"/>
+              </a:rPr>
+              <a:t>(310)</a:t>
+            </a:r>
+            <a:r>
+              <a:rPr lang="fr-FR" sz="1400" dirty="0">
+                <a:effectLst/>
+                <a:latin typeface="Courier New" panose="02070309020205020404" pitchFamily="49" charset="0"/>
+              </a:rPr>
+              <a:t>           # Cumulative Distribution </a:t>
+            </a:r>
+            <a:r>
+              <a:rPr lang="fr-FR" sz="1400" dirty="0" err="1">
+                <a:effectLst/>
+                <a:latin typeface="Courier New" panose="02070309020205020404" pitchFamily="49" charset="0"/>
+              </a:rPr>
+              <a:t>Function</a:t>
+            </a:r>
+            <a:r>
+              <a:rPr lang="fr-FR" sz="1400" dirty="0">
+                <a:effectLst/>
+                <a:latin typeface="Courier New" panose="02070309020205020404" pitchFamily="49" charset="0"/>
+              </a:rPr>
+              <a:t> (CDF)</a:t>
+            </a:r>
+          </a:p>
+          <a:p>
+            <a:pPr marL="114300" marR="0" indent="0">
+              <a:spcBef>
+                <a:spcPts val="0"/>
+              </a:spcBef>
+              <a:spcAft>
+                <a:spcPts val="0"/>
+              </a:spcAft>
+              <a:buNone/>
+            </a:pPr>
+            <a:r>
+              <a:rPr lang="fr-FR" sz="1400" dirty="0">
+                <a:effectLst/>
+                <a:latin typeface="Courier New" panose="02070309020205020404" pitchFamily="49" charset="0"/>
+              </a:rPr>
+              <a:t>round(</a:t>
+            </a:r>
+            <a:r>
+              <a:rPr lang="fr-FR" sz="1400" dirty="0" err="1">
+                <a:effectLst/>
+                <a:latin typeface="Courier New" panose="02070309020205020404" pitchFamily="49" charset="0"/>
+              </a:rPr>
+              <a:t>p_value</a:t>
+            </a:r>
+            <a:r>
+              <a:rPr lang="fr-FR" sz="1400" dirty="0">
+                <a:effectLst/>
+                <a:latin typeface="Courier New" panose="02070309020205020404" pitchFamily="49" charset="0"/>
+              </a:rPr>
+              <a:t>, 2)                 # p = 0.02</a:t>
+            </a:r>
+          </a:p>
+          <a:p>
+            <a:pPr marL="0" marR="0" indent="0">
+              <a:spcBef>
+                <a:spcPts val="0"/>
+              </a:spcBef>
+              <a:spcAft>
+                <a:spcPts val="0"/>
+              </a:spcAft>
+              <a:buNone/>
+            </a:pPr>
+            <a:endParaRPr lang="fr-FR" sz="1400" dirty="0">
+              <a:effectLst/>
+              <a:latin typeface="Courier New" panose="02070309020205020404" pitchFamily="49" charset="0"/>
+            </a:endParaRPr>
+          </a:p>
+          <a:p>
+            <a:pPr marL="0" marR="0" indent="0">
+              <a:spcBef>
+                <a:spcPts val="0"/>
+              </a:spcBef>
+              <a:spcAft>
+                <a:spcPts val="0"/>
+              </a:spcAft>
+              <a:buNone/>
+            </a:pPr>
+            <a:r>
+              <a:rPr lang="fr-FR" sz="1400" dirty="0">
+                <a:effectLst/>
+                <a:latin typeface="Courier New" panose="02070309020205020404" pitchFamily="49" charset="0"/>
+              </a:rPr>
+              <a:t>5: Comparer p et alpha</a:t>
+            </a:r>
+          </a:p>
+          <a:p>
+            <a:pPr marL="0" indent="0" rtl="0" fontAlgn="ctr">
+              <a:spcBef>
+                <a:spcPts val="0"/>
+              </a:spcBef>
+              <a:spcAft>
+                <a:spcPts val="0"/>
+              </a:spcAft>
+              <a:buNone/>
+            </a:pPr>
+            <a:r>
+              <a:rPr lang="fr-FR" sz="1400" dirty="0">
+                <a:effectLst/>
+                <a:latin typeface="Courier New" panose="02070309020205020404" pitchFamily="49" charset="0"/>
+              </a:rPr>
+              <a:t> Si p &lt;  alpha  on peut     rejeter H0 (Le </a:t>
+            </a:r>
+            <a:r>
+              <a:rPr lang="fr-FR" sz="1400" dirty="0" err="1">
+                <a:effectLst/>
+                <a:latin typeface="Courier New" panose="02070309020205020404" pitchFamily="49" charset="0"/>
+              </a:rPr>
+              <a:t>dark</a:t>
+            </a:r>
+            <a:r>
+              <a:rPr lang="fr-FR" sz="1400" dirty="0">
+                <a:effectLst/>
+                <a:latin typeface="Courier New" panose="02070309020205020404" pitchFamily="49" charset="0"/>
+              </a:rPr>
+              <a:t> mode sert)</a:t>
+            </a:r>
+          </a:p>
+          <a:p>
+            <a:pPr marL="0" indent="0" rtl="0" fontAlgn="ctr">
+              <a:spcBef>
+                <a:spcPts val="0"/>
+              </a:spcBef>
+              <a:spcAft>
+                <a:spcPts val="0"/>
+              </a:spcAft>
+              <a:buNone/>
+            </a:pPr>
+            <a:r>
+              <a:rPr lang="fr-FR" sz="1400" dirty="0">
+                <a:effectLst/>
+                <a:latin typeface="Courier New" panose="02070309020205020404" pitchFamily="49" charset="0"/>
+              </a:rPr>
+              <a:t> Si p &gt;= alpha  on peut pas rejeter H0</a:t>
+            </a:r>
+          </a:p>
+          <a:p>
+            <a:pPr marL="0" marR="0" indent="0">
+              <a:spcBef>
+                <a:spcPts val="0"/>
+              </a:spcBef>
+              <a:spcAft>
+                <a:spcPts val="0"/>
+              </a:spcAft>
+              <a:buNone/>
+            </a:pPr>
+            <a:endParaRPr lang="fr-FR" sz="1400" dirty="0">
+              <a:effectLst/>
+              <a:latin typeface="Courier New" panose="02070309020205020404" pitchFamily="49" charset="0"/>
+            </a:endParaRPr>
+          </a:p>
+          <a:p>
+            <a:pPr marL="0" marR="0" indent="0">
+              <a:spcBef>
+                <a:spcPts val="0"/>
+              </a:spcBef>
+              <a:spcAft>
+                <a:spcPts val="0"/>
+              </a:spcAft>
+              <a:buNone/>
+            </a:pPr>
+            <a:r>
+              <a:rPr lang="fr-FR" sz="1400" dirty="0">
+                <a:effectLst/>
+                <a:latin typeface="Courier New" panose="02070309020205020404" pitchFamily="49" charset="0"/>
+              </a:rPr>
+              <a:t>6 : Conclure (ou pas)</a:t>
+            </a:r>
+          </a:p>
+          <a:p>
+            <a:pPr marL="0" indent="0" rtl="0" fontAlgn="ctr">
+              <a:spcBef>
+                <a:spcPts val="0"/>
+              </a:spcBef>
+              <a:spcAft>
+                <a:spcPts val="0"/>
+              </a:spcAft>
+              <a:buNone/>
+            </a:pPr>
+            <a:r>
+              <a:rPr lang="fr-FR" sz="1400" dirty="0">
+                <a:effectLst/>
+                <a:latin typeface="Courier New" panose="02070309020205020404" pitchFamily="49" charset="0"/>
+              </a:rPr>
+              <a:t> Ici p &lt; alpha</a:t>
+            </a:r>
+          </a:p>
+          <a:p>
+            <a:pPr marL="0" indent="0" rtl="0" fontAlgn="ctr">
+              <a:spcBef>
+                <a:spcPts val="0"/>
+              </a:spcBef>
+              <a:spcAft>
+                <a:spcPts val="0"/>
+              </a:spcAft>
+              <a:buNone/>
+            </a:pPr>
+            <a:r>
+              <a:rPr lang="fr-FR" sz="1400" dirty="0">
+                <a:latin typeface="Courier New" panose="02070309020205020404" pitchFamily="49" charset="0"/>
+              </a:rPr>
+              <a:t> On peut rejeter H0</a:t>
+            </a:r>
+          </a:p>
+          <a:p>
+            <a:pPr marL="0" indent="0" rtl="0" fontAlgn="ctr">
+              <a:spcBef>
+                <a:spcPts val="0"/>
+              </a:spcBef>
+              <a:spcAft>
+                <a:spcPts val="0"/>
+              </a:spcAft>
+              <a:buNone/>
+            </a:pPr>
+            <a:r>
+              <a:rPr lang="fr-FR" sz="1400" dirty="0">
+                <a:latin typeface="Courier New" panose="02070309020205020404" pitchFamily="49" charset="0"/>
+              </a:rPr>
+              <a:t> Donc l</a:t>
+            </a:r>
+            <a:r>
+              <a:rPr lang="fr-FR" sz="1400" dirty="0">
+                <a:effectLst/>
+                <a:latin typeface="Courier New" panose="02070309020205020404" pitchFamily="49" charset="0"/>
+              </a:rPr>
+              <a:t>e </a:t>
+            </a:r>
+            <a:r>
+              <a:rPr lang="fr-FR" sz="1400" b="1" dirty="0" err="1">
+                <a:solidFill>
+                  <a:schemeClr val="bg1"/>
+                </a:solidFill>
+                <a:highlight>
+                  <a:srgbClr val="000000"/>
+                </a:highlight>
+                <a:latin typeface="Courier New" panose="02070309020205020404" pitchFamily="49" charset="0"/>
+              </a:rPr>
+              <a:t>D</a:t>
+            </a:r>
+            <a:r>
+              <a:rPr lang="fr-FR" sz="1400" b="1" dirty="0" err="1">
+                <a:solidFill>
+                  <a:schemeClr val="bg1"/>
+                </a:solidFill>
+                <a:effectLst/>
+                <a:highlight>
+                  <a:srgbClr val="000000"/>
+                </a:highlight>
+                <a:latin typeface="Courier New" panose="02070309020205020404" pitchFamily="49" charset="0"/>
+              </a:rPr>
+              <a:t>ark</a:t>
+            </a:r>
+            <a:r>
+              <a:rPr lang="fr-FR" sz="1400" b="1" dirty="0">
+                <a:solidFill>
+                  <a:schemeClr val="bg1"/>
+                </a:solidFill>
+                <a:effectLst/>
+                <a:highlight>
+                  <a:srgbClr val="000000"/>
+                </a:highlight>
+                <a:latin typeface="Courier New" panose="02070309020205020404" pitchFamily="49" charset="0"/>
+              </a:rPr>
+              <a:t> mode</a:t>
+            </a:r>
+            <a:r>
+              <a:rPr lang="fr-FR" sz="1400" dirty="0">
+                <a:effectLst/>
+                <a:latin typeface="Courier New" panose="02070309020205020404" pitchFamily="49" charset="0"/>
+              </a:rPr>
+              <a:t> a un impact</a:t>
+            </a:r>
+          </a:p>
+          <a:p>
+            <a:pPr marL="0" indent="0" rtl="0" fontAlgn="ctr">
+              <a:spcBef>
+                <a:spcPts val="0"/>
+              </a:spcBef>
+              <a:spcAft>
+                <a:spcPts val="0"/>
+              </a:spcAft>
+              <a:buNone/>
+            </a:pPr>
+            <a:endParaRPr lang="fr-FR" sz="1400" dirty="0">
+              <a:effectLst/>
+              <a:latin typeface="Courier New" panose="02070309020205020404" pitchFamily="49" charset="0"/>
+            </a:endParaRPr>
+          </a:p>
+          <a:p>
+            <a:pPr marL="0" indent="0" rtl="0" fontAlgn="ctr">
+              <a:spcBef>
+                <a:spcPts val="0"/>
+              </a:spcBef>
+              <a:spcAft>
+                <a:spcPts val="0"/>
+              </a:spcAft>
+              <a:buNone/>
+              <a:tabLst>
+                <a:tab pos="1344613" algn="l"/>
+              </a:tabLst>
+            </a:pPr>
+            <a:r>
+              <a:rPr lang="fr-FR" sz="1400" dirty="0">
+                <a:effectLst/>
+                <a:latin typeface="Courier New" panose="02070309020205020404" pitchFamily="49" charset="0"/>
+              </a:rPr>
+              <a:t> </a:t>
+            </a:r>
+            <a:r>
+              <a:rPr lang="fr-FR" sz="1400" b="1" dirty="0">
+                <a:solidFill>
+                  <a:schemeClr val="bg1"/>
+                </a:solidFill>
+                <a:effectLst/>
+                <a:highlight>
+                  <a:srgbClr val="FF0000"/>
+                </a:highlight>
+                <a:latin typeface="Courier New" panose="02070309020205020404" pitchFamily="49" charset="0"/>
+              </a:rPr>
+              <a:t>Z!</a:t>
+            </a:r>
+            <a:r>
+              <a:rPr lang="fr-FR" sz="1400" dirty="0">
+                <a:effectLst/>
+                <a:latin typeface="Courier New" panose="02070309020205020404" pitchFamily="49" charset="0"/>
+              </a:rPr>
+              <a:t> Si p &gt;= alpha alors on ne peut PAS conclure</a:t>
+            </a:r>
+          </a:p>
+        </p:txBody>
+      </p:sp>
+    </p:spTree>
+    <p:extLst>
+      <p:ext uri="{BB962C8B-B14F-4D97-AF65-F5344CB8AC3E}">
+        <p14:creationId xmlns:p14="http://schemas.microsoft.com/office/powerpoint/2010/main" val="767757607"/>
+      </p:ext>
+    </p:extLst>
+  </p:cSld>
+  <p:clrMapOvr>
+    <a:masterClrMapping/>
+  </p:clrMapOvr>
+</p:sld>
+</file>
+
+<file path=ppt/slides/slide34.xml><?xml version="1.0" encoding="utf-8"?>
+<p:sld xmlns:a="http://schemas.openxmlformats.org/drawingml/2006/main" xmlns:r="http://schemas.openxmlformats.org/officeDocument/2006/relationships" xmlns:p="http://schemas.openxmlformats.org/presentationml/2006/main">
+  <p:cSld>
+    <p:spTree>
+      <p:nvGrpSpPr>
+        <p:cNvPr id="1" name=""/>
+        <p:cNvGrpSpPr/>
+        <p:nvPr/>
+      </p:nvGrpSpPr>
+      <p:grpSpPr>
+        <a:xfrm>
+          <a:off x="0" y="0"/>
+          <a:ext cx="0" cy="0"/>
+          <a:chOff x="0" y="0"/>
+          <a:chExt cx="0" cy="0"/>
+        </a:xfrm>
+      </p:grpSpPr>
+      <p:sp>
+        <p:nvSpPr>
+          <p:cNvPr id="2" name="Titre 1">
+            <a:extLst>
+              <a:ext uri="{FF2B5EF4-FFF2-40B4-BE49-F238E27FC236}">
                 <a16:creationId xmlns:a16="http://schemas.microsoft.com/office/drawing/2014/main" id="{0BCFD69C-E24C-9E0B-E968-C0BE366E6AE4}"/>
               </a:ext>
             </a:extLst>
@@ -12649,7 +14859,7 @@
 </p:sld>
 </file>
 
-<file path=ppt/slides/slide31.xml><?xml version="1.0" encoding="utf-8"?>
+<file path=ppt/slides/slide35.xml><?xml version="1.0" encoding="utf-8"?>
 <p:sld xmlns:a="http://schemas.openxmlformats.org/drawingml/2006/main" xmlns:r="http://schemas.openxmlformats.org/officeDocument/2006/relationships" xmlns:p="http://schemas.openxmlformats.org/presentationml/2006/main">
   <p:cSld>
     <p:spTree>
@@ -13075,7 +15285,7 @@
 </p:sld>
 </file>
 
-<file path=ppt/slides/slide32.xml><?xml version="1.0" encoding="utf-8"?>
+<file path=ppt/slides/slide36.xml><?xml version="1.0" encoding="utf-8"?>
 <p:sld xmlns:a="http://schemas.openxmlformats.org/drawingml/2006/main" xmlns:r="http://schemas.openxmlformats.org/officeDocument/2006/relationships" xmlns:p="http://schemas.openxmlformats.org/presentationml/2006/main">
   <p:cSld>
     <p:spTree>
@@ -14685,7 +16895,7 @@
 </p:sld>
 </file>
 
-<file path=ppt/slides/slide33.xml><?xml version="1.0" encoding="utf-8"?>
+<file path=ppt/slides/slide37.xml><?xml version="1.0" encoding="utf-8"?>
 <p:sld xmlns:a="http://schemas.openxmlformats.org/drawingml/2006/main" xmlns:r="http://schemas.openxmlformats.org/officeDocument/2006/relationships" xmlns:p="http://schemas.openxmlformats.org/presentationml/2006/main">
   <p:cSld>
     <p:spTree>
@@ -14938,7 +17148,7 @@
 </p:sld>
 </file>
 
-<file path=ppt/slides/slide34.xml><?xml version="1.0" encoding="utf-8"?>
+<file path=ppt/slides/slide38.xml><?xml version="1.0" encoding="utf-8"?>
 <p:sld xmlns:a="http://schemas.openxmlformats.org/drawingml/2006/main" xmlns:r="http://schemas.openxmlformats.org/officeDocument/2006/relationships" xmlns:p="http://schemas.openxmlformats.org/presentationml/2006/main">
   <p:cSld>
     <p:spTree>
@@ -15324,7 +17534,7 @@
 </p:sld>
 </file>
 
-<file path=ppt/slides/slide35.xml><?xml version="1.0" encoding="utf-8"?>
+<file path=ppt/slides/slide39.xml><?xml version="1.0" encoding="utf-8"?>
 <p:sld xmlns:a="http://schemas.openxmlformats.org/drawingml/2006/main" xmlns:r="http://schemas.openxmlformats.org/officeDocument/2006/relationships" xmlns:p="http://schemas.openxmlformats.org/presentationml/2006/main">
   <p:cSld>
     <p:spTree>
@@ -15457,7 +17667,294 @@
 </p:sld>
 </file>
 
-<file path=ppt/slides/slide36.xml><?xml version="1.0" encoding="utf-8"?>
+<file path=ppt/slides/slide4.xml><?xml version="1.0" encoding="utf-8"?>
+<p:sld xmlns:a="http://schemas.openxmlformats.org/drawingml/2006/main" xmlns:r="http://schemas.openxmlformats.org/officeDocument/2006/relationships" xmlns:p="http://schemas.openxmlformats.org/presentationml/2006/main">
+  <p:cSld>
+    <p:spTree>
+      <p:nvGrpSpPr>
+        <p:cNvPr id="1" name=""/>
+        <p:cNvGrpSpPr/>
+        <p:nvPr/>
+      </p:nvGrpSpPr>
+      <p:grpSpPr>
+        <a:xfrm>
+          <a:off x="0" y="0"/>
+          <a:ext cx="0" cy="0"/>
+          <a:chOff x="0" y="0"/>
+          <a:chExt cx="0" cy="0"/>
+        </a:xfrm>
+      </p:grpSpPr>
+      <p:sp>
+        <p:nvSpPr>
+          <p:cNvPr id="2" name="Titre 1">
+            <a:extLst>
+              <a:ext uri="{FF2B5EF4-FFF2-40B4-BE49-F238E27FC236}">
+                <a16:creationId xmlns:a16="http://schemas.microsoft.com/office/drawing/2014/main" id="{CB11E713-3A4E-AE0D-ED70-58E101A227A0}"/>
+              </a:ext>
+            </a:extLst>
+          </p:cNvPr>
+          <p:cNvSpPr>
+            <a:spLocks noGrp="1"/>
+          </p:cNvSpPr>
+          <p:nvPr>
+            <p:ph type="title"/>
+          </p:nvPr>
+        </p:nvSpPr>
+        <p:spPr/>
+        <p:txBody>
+          <a:bodyPr/>
+          <a:lstStyle/>
+          <a:p>
+            <a:r>
+              <a:rPr lang="fr-FR" dirty="0"/>
+              <a:t>Bouquins utiles</a:t>
+            </a:r>
+          </a:p>
+        </p:txBody>
+      </p:sp>
+      <p:sp>
+        <p:nvSpPr>
+          <p:cNvPr id="3" name="Espace réservé du contenu 2">
+            <a:extLst>
+              <a:ext uri="{FF2B5EF4-FFF2-40B4-BE49-F238E27FC236}">
+                <a16:creationId xmlns:a16="http://schemas.microsoft.com/office/drawing/2014/main" id="{0368613B-01CA-E1FE-3E04-095C6D811B55}"/>
+              </a:ext>
+            </a:extLst>
+          </p:cNvPr>
+          <p:cNvSpPr>
+            <a:spLocks noGrp="1"/>
+          </p:cNvSpPr>
+          <p:nvPr>
+            <p:ph idx="1"/>
+          </p:nvPr>
+        </p:nvSpPr>
+        <p:spPr/>
+        <p:txBody>
+          <a:bodyPr>
+            <a:normAutofit/>
+          </a:bodyPr>
+          <a:lstStyle/>
+          <a:p>
+            <a:r>
+              <a:rPr lang="en-US" dirty="0"/>
+              <a:t>Learning SQL</a:t>
+            </a:r>
+          </a:p>
+          <a:p>
+            <a:pPr lvl="1"/>
+            <a:r>
+              <a:rPr lang="en-US" sz="1600" dirty="0">
+                <a:latin typeface="Courier New" panose="02070309020205020404" pitchFamily="49" charset="0"/>
+                <a:cs typeface="Courier New" panose="02070309020205020404" pitchFamily="49" charset="0"/>
+              </a:rPr>
+              <a:t>3eme Edition, 2020</a:t>
+            </a:r>
+          </a:p>
+          <a:p>
+            <a:pPr lvl="1"/>
+            <a:r>
+              <a:rPr lang="en-US" sz="1600" dirty="0">
+                <a:latin typeface="Courier New" panose="02070309020205020404" pitchFamily="49" charset="0"/>
+                <a:cs typeface="Courier New" panose="02070309020205020404" pitchFamily="49" charset="0"/>
+                <a:hlinkClick r:id="rId2"/>
+              </a:rPr>
+              <a:t>https://amzn.eu/d/bZNvCO0</a:t>
+            </a:r>
+            <a:endParaRPr lang="en-US" sz="1600" dirty="0">
+              <a:latin typeface="Courier New" panose="02070309020205020404" pitchFamily="49" charset="0"/>
+              <a:cs typeface="Courier New" panose="02070309020205020404" pitchFamily="49" charset="0"/>
+            </a:endParaRPr>
+          </a:p>
+          <a:p>
+            <a:pPr lvl="1"/>
+            <a:endParaRPr lang="en-US" dirty="0"/>
+          </a:p>
+          <a:p>
+            <a:endParaRPr lang="en-US" dirty="0"/>
+          </a:p>
+          <a:p>
+            <a:r>
+              <a:rPr lang="en-US" dirty="0"/>
+              <a:t>Python Crash Course</a:t>
+            </a:r>
+          </a:p>
+          <a:p>
+            <a:pPr lvl="1"/>
+            <a:r>
+              <a:rPr lang="en-US" sz="1600" dirty="0">
+                <a:solidFill>
+                  <a:srgbClr val="0F1111"/>
+                </a:solidFill>
+                <a:latin typeface="Courier New" panose="02070309020205020404" pitchFamily="49" charset="0"/>
+                <a:cs typeface="Courier New" panose="02070309020205020404" pitchFamily="49" charset="0"/>
+              </a:rPr>
+              <a:t>3eme Edition, 2023, 1.5 M </a:t>
+            </a:r>
+            <a:r>
+              <a:rPr lang="en-US" sz="1600" dirty="0" err="1">
+                <a:solidFill>
+                  <a:srgbClr val="0F1111"/>
+                </a:solidFill>
+                <a:latin typeface="Courier New" panose="02070309020205020404" pitchFamily="49" charset="0"/>
+                <a:cs typeface="Courier New" panose="02070309020205020404" pitchFamily="49" charset="0"/>
+              </a:rPr>
+              <a:t>d’exemplaires</a:t>
+            </a:r>
+            <a:endParaRPr lang="en-US" sz="1600" dirty="0">
+              <a:solidFill>
+                <a:srgbClr val="0F1111"/>
+              </a:solidFill>
+              <a:latin typeface="Courier New" panose="02070309020205020404" pitchFamily="49" charset="0"/>
+              <a:cs typeface="Courier New" panose="02070309020205020404" pitchFamily="49" charset="0"/>
+            </a:endParaRPr>
+          </a:p>
+          <a:p>
+            <a:pPr lvl="1"/>
+            <a:r>
+              <a:rPr lang="en-US" sz="1600" dirty="0">
+                <a:solidFill>
+                  <a:srgbClr val="0F1111"/>
+                </a:solidFill>
+                <a:latin typeface="Courier New" panose="02070309020205020404" pitchFamily="49" charset="0"/>
+                <a:cs typeface="Courier New" panose="02070309020205020404" pitchFamily="49" charset="0"/>
+                <a:hlinkClick r:id="rId3"/>
+              </a:rPr>
+              <a:t>https://amzn.eu/d/3DLax8n</a:t>
+            </a:r>
+            <a:endParaRPr lang="en-US" sz="1600" dirty="0">
+              <a:solidFill>
+                <a:srgbClr val="0F1111"/>
+              </a:solidFill>
+              <a:latin typeface="Courier New" panose="02070309020205020404" pitchFamily="49" charset="0"/>
+              <a:cs typeface="Courier New" panose="02070309020205020404" pitchFamily="49" charset="0"/>
+            </a:endParaRPr>
+          </a:p>
+          <a:p>
+            <a:pPr lvl="1"/>
+            <a:endParaRPr lang="en-US" sz="1600" dirty="0">
+              <a:solidFill>
+                <a:srgbClr val="0F1111"/>
+              </a:solidFill>
+              <a:latin typeface="Courier New" panose="02070309020205020404" pitchFamily="49" charset="0"/>
+              <a:cs typeface="Courier New" panose="02070309020205020404" pitchFamily="49" charset="0"/>
+            </a:endParaRPr>
+          </a:p>
+          <a:p>
+            <a:pPr lvl="1"/>
+            <a:endParaRPr lang="en-US" sz="1600" dirty="0">
+              <a:solidFill>
+                <a:srgbClr val="0F1111"/>
+              </a:solidFill>
+              <a:latin typeface="Courier New" panose="02070309020205020404" pitchFamily="49" charset="0"/>
+              <a:cs typeface="Courier New" panose="02070309020205020404" pitchFamily="49" charset="0"/>
+            </a:endParaRPr>
+          </a:p>
+          <a:p>
+            <a:pPr lvl="1"/>
+            <a:endParaRPr lang="en-US" dirty="0"/>
+          </a:p>
+          <a:p>
+            <a:pPr lvl="1"/>
+            <a:endParaRPr lang="fr-FR" dirty="0"/>
+          </a:p>
+          <a:p>
+            <a:pPr lvl="1"/>
+            <a:endParaRPr lang="fr-FR" b="1" i="0" dirty="0">
+              <a:solidFill>
+                <a:srgbClr val="0F1111"/>
+              </a:solidFill>
+              <a:effectLst/>
+              <a:latin typeface="Amazon Ember"/>
+            </a:endParaRPr>
+          </a:p>
+        </p:txBody>
+      </p:sp>
+      <p:pic>
+        <p:nvPicPr>
+          <p:cNvPr id="6" name="Image 5">
+            <a:extLst>
+              <a:ext uri="{FF2B5EF4-FFF2-40B4-BE49-F238E27FC236}">
+                <a16:creationId xmlns:a16="http://schemas.microsoft.com/office/drawing/2014/main" id="{C4A03152-53BB-D63F-250F-F679F645CB5E}"/>
+              </a:ext>
+            </a:extLst>
+          </p:cNvPr>
+          <p:cNvPicPr>
+            <a:picLocks noChangeAspect="1"/>
+          </p:cNvPicPr>
+          <p:nvPr/>
+        </p:nvPicPr>
+        <p:blipFill rotWithShape="1">
+          <a:blip r:embed="rId4"/>
+          <a:srcRect l="2693" t="1613" r="2382"/>
+          <a:stretch/>
+        </p:blipFill>
+        <p:spPr>
+          <a:xfrm>
+            <a:off x="9542145" y="271170"/>
+            <a:ext cx="2257425" cy="3125775"/>
+          </a:xfrm>
+          <a:prstGeom prst="rect">
+            <a:avLst/>
+          </a:prstGeom>
+          <a:effectLst>
+            <a:outerShdw blurRad="50800" dist="38100" dir="2700000" algn="tl" rotWithShape="0">
+              <a:prstClr val="black">
+                <a:alpha val="40000"/>
+              </a:prstClr>
+            </a:outerShdw>
+          </a:effectLst>
+        </p:spPr>
+      </p:pic>
+      <p:pic>
+        <p:nvPicPr>
+          <p:cNvPr id="10" name="Image 9">
+            <a:extLst>
+              <a:ext uri="{FF2B5EF4-FFF2-40B4-BE49-F238E27FC236}">
+                <a16:creationId xmlns:a16="http://schemas.microsoft.com/office/drawing/2014/main" id="{377B57BC-949B-1AA0-5667-3559FF80642A}"/>
+              </a:ext>
+            </a:extLst>
+          </p:cNvPr>
+          <p:cNvPicPr>
+            <a:picLocks noChangeAspect="1"/>
+          </p:cNvPicPr>
+          <p:nvPr/>
+        </p:nvPicPr>
+        <p:blipFill rotWithShape="1">
+          <a:blip r:embed="rId5"/>
+          <a:srcRect l="1595" t="1567" r="2474" b="1143"/>
+          <a:stretch/>
+        </p:blipFill>
+        <p:spPr>
+          <a:xfrm>
+            <a:off x="9540916" y="3609975"/>
+            <a:ext cx="2258653" cy="2982060"/>
+          </a:xfrm>
+          <a:prstGeom prst="rect">
+            <a:avLst/>
+          </a:prstGeom>
+          <a:effectLst>
+            <a:outerShdw blurRad="50800" dist="38100" dir="2700000" algn="tl" rotWithShape="0">
+              <a:prstClr val="black">
+                <a:alpha val="40000"/>
+              </a:prstClr>
+            </a:outerShdw>
+          </a:effectLst>
+        </p:spPr>
+      </p:pic>
+    </p:spTree>
+    <p:extLst>
+      <p:ext uri="{BB962C8B-B14F-4D97-AF65-F5344CB8AC3E}">
+        <p14:creationId xmlns:p14="http://schemas.microsoft.com/office/powerpoint/2010/main" val="3156533495"/>
+      </p:ext>
+    </p:extLst>
+  </p:cSld>
+  <p:clrMapOvr>
+    <a:masterClrMapping/>
+  </p:clrMapOvr>
+</p:sld>
+</file>
+
+<file path=ppt/slides/slide40.xml><?xml version="1.0" encoding="utf-8"?>
 <p:sld xmlns:a="http://schemas.openxmlformats.org/drawingml/2006/main" xmlns:r="http://schemas.openxmlformats.org/officeDocument/2006/relationships" xmlns:p="http://schemas.openxmlformats.org/presentationml/2006/main">
   <p:cSld>
     <p:bg>
@@ -15624,7 +18121,7 @@
 </p:sld>
 </file>
 
-<file path=ppt/slides/slide37.xml><?xml version="1.0" encoding="utf-8"?>
+<file path=ppt/slides/slide41.xml><?xml version="1.0" encoding="utf-8"?>
 <p:sld xmlns:a="http://schemas.openxmlformats.org/drawingml/2006/main" xmlns:r="http://schemas.openxmlformats.org/officeDocument/2006/relationships" xmlns:p="http://schemas.openxmlformats.org/presentationml/2006/main">
   <p:cSld>
     <p:spTree>
@@ -15707,7 +18204,7 @@
 </p:sld>
 </file>
 
-<file path=ppt/slides/slide38.xml><?xml version="1.0" encoding="utf-8"?>
+<file path=ppt/slides/slide42.xml><?xml version="1.0" encoding="utf-8"?>
 <p:sld xmlns:a="http://schemas.openxmlformats.org/drawingml/2006/main" xmlns:r="http://schemas.openxmlformats.org/officeDocument/2006/relationships" xmlns:p="http://schemas.openxmlformats.org/presentationml/2006/main">
   <p:cSld>
     <p:spTree>
@@ -16395,1131 +18892,6 @@
 </p:sld>
 </file>
 
-<file path=ppt/slides/slide39.xml><?xml version="1.0" encoding="utf-8"?>
-<p:sld xmlns:a="http://schemas.openxmlformats.org/drawingml/2006/main" xmlns:r="http://schemas.openxmlformats.org/officeDocument/2006/relationships" xmlns:p="http://schemas.openxmlformats.org/presentationml/2006/main">
-  <p:cSld>
-    <p:spTree>
-      <p:nvGrpSpPr>
-        <p:cNvPr id="1" name=""/>
-        <p:cNvGrpSpPr/>
-        <p:nvPr/>
-      </p:nvGrpSpPr>
-      <p:grpSpPr>
-        <a:xfrm>
-          <a:off x="0" y="0"/>
-          <a:ext cx="0" cy="0"/>
-          <a:chOff x="0" y="0"/>
-          <a:chExt cx="0" cy="0"/>
-        </a:xfrm>
-      </p:grpSpPr>
-      <p:sp>
-        <p:nvSpPr>
-          <p:cNvPr id="2" name="Titre 1">
-            <a:extLst>
-              <a:ext uri="{FF2B5EF4-FFF2-40B4-BE49-F238E27FC236}">
-                <a16:creationId xmlns:a16="http://schemas.microsoft.com/office/drawing/2014/main" id="{77EAEFC5-77FE-9822-72C3-62FB2337FE34}"/>
-              </a:ext>
-            </a:extLst>
-          </p:cNvPr>
-          <p:cNvSpPr>
-            <a:spLocks noGrp="1"/>
-          </p:cNvSpPr>
-          <p:nvPr>
-            <p:ph type="title"/>
-          </p:nvPr>
-        </p:nvSpPr>
-        <p:spPr/>
-        <p:txBody>
-          <a:bodyPr/>
-          <a:lstStyle/>
-          <a:p>
-            <a:endParaRPr lang="fr-FR"/>
-          </a:p>
-        </p:txBody>
-      </p:sp>
-      <p:sp>
-        <p:nvSpPr>
-          <p:cNvPr id="3" name="Espace réservé du contenu 2">
-            <a:extLst>
-              <a:ext uri="{FF2B5EF4-FFF2-40B4-BE49-F238E27FC236}">
-                <a16:creationId xmlns:a16="http://schemas.microsoft.com/office/drawing/2014/main" id="{F27994BF-B3DE-D405-1556-56C36862DB7A}"/>
-              </a:ext>
-            </a:extLst>
-          </p:cNvPr>
-          <p:cNvSpPr>
-            <a:spLocks noGrp="1"/>
-          </p:cNvSpPr>
-          <p:nvPr>
-            <p:ph idx="1"/>
-          </p:nvPr>
-        </p:nvSpPr>
-        <p:spPr/>
-        <p:txBody>
-          <a:bodyPr/>
-          <a:lstStyle/>
-          <a:p>
-            <a:pPr marL="0" marR="0" indent="0">
-              <a:spcBef>
-                <a:spcPts val="0"/>
-              </a:spcBef>
-              <a:spcAft>
-                <a:spcPts val="0"/>
-              </a:spcAft>
-              <a:buNone/>
-            </a:pPr>
-            <a:r>
-              <a:rPr lang="fr-FR" sz="1800" dirty="0">
-                <a:effectLst/>
-                <a:latin typeface="Courier New" panose="02070309020205020404" pitchFamily="49" charset="0"/>
-              </a:rPr>
-              <a:t>Fraude carte bancaire</a:t>
-            </a:r>
-          </a:p>
-          <a:p>
-            <a:pPr marL="457200" lvl="1">
-              <a:spcBef>
-                <a:spcPts val="0"/>
-              </a:spcBef>
-            </a:pPr>
-            <a:r>
-              <a:rPr lang="fr-FR" sz="1400" dirty="0">
-                <a:effectLst/>
-                <a:latin typeface="Courier New" panose="02070309020205020404" pitchFamily="49" charset="0"/>
-              </a:rPr>
-              <a:t>On ne veut pas manquer une fausse carte</a:t>
-            </a:r>
-          </a:p>
-          <a:p>
-            <a:pPr marL="457200" lvl="1">
-              <a:spcBef>
-                <a:spcPts val="0"/>
-              </a:spcBef>
-            </a:pPr>
-            <a:r>
-              <a:rPr lang="fr-FR" sz="1400" dirty="0">
-                <a:effectLst/>
-                <a:latin typeface="Courier New" panose="02070309020205020404" pitchFamily="49" charset="0"/>
-              </a:rPr>
-              <a:t>Donc on veut un Faux </a:t>
-            </a:r>
-            <a:r>
-              <a:rPr lang="fr-FR" sz="1400" dirty="0" err="1">
-                <a:effectLst/>
-                <a:latin typeface="Courier New" panose="02070309020205020404" pitchFamily="49" charset="0"/>
-              </a:rPr>
-              <a:t>Negatif</a:t>
-            </a:r>
-            <a:r>
-              <a:rPr lang="fr-FR" sz="1400" dirty="0">
-                <a:effectLst/>
-                <a:latin typeface="Courier New" panose="02070309020205020404" pitchFamily="49" charset="0"/>
-              </a:rPr>
-              <a:t> bas</a:t>
-            </a:r>
-          </a:p>
-          <a:p>
-            <a:pPr marL="457200" lvl="1">
-              <a:spcBef>
-                <a:spcPts val="0"/>
-              </a:spcBef>
-            </a:pPr>
-            <a:r>
-              <a:rPr lang="fr-FR" sz="1400" dirty="0" err="1">
-                <a:effectLst/>
-                <a:latin typeface="Courier New" panose="02070309020205020404" pitchFamily="49" charset="0"/>
-              </a:rPr>
-              <a:t>Recall</a:t>
-            </a:r>
-            <a:r>
-              <a:rPr lang="fr-FR" sz="1400" dirty="0">
-                <a:effectLst/>
-                <a:latin typeface="Courier New" panose="02070309020205020404" pitchFamily="49" charset="0"/>
-              </a:rPr>
-              <a:t>    doit être proche de 1</a:t>
-            </a:r>
-          </a:p>
-          <a:p>
-            <a:pPr marL="457200" lvl="1">
-              <a:spcBef>
-                <a:spcPts val="0"/>
-              </a:spcBef>
-            </a:pPr>
-            <a:r>
-              <a:rPr lang="fr-FR" sz="1400" dirty="0" err="1">
-                <a:effectLst/>
-                <a:latin typeface="Courier New" panose="02070309020205020404" pitchFamily="49" charset="0"/>
-              </a:rPr>
-              <a:t>Precision</a:t>
-            </a:r>
-            <a:r>
-              <a:rPr lang="fr-FR" sz="1400" dirty="0">
-                <a:effectLst/>
-                <a:latin typeface="Courier New" panose="02070309020205020404" pitchFamily="49" charset="0"/>
-              </a:rPr>
-              <a:t> peut être moyen </a:t>
-            </a:r>
-          </a:p>
-          <a:p>
-            <a:pPr marL="0" marR="0" indent="0">
-              <a:spcBef>
-                <a:spcPts val="0"/>
-              </a:spcBef>
-              <a:spcAft>
-                <a:spcPts val="0"/>
-              </a:spcAft>
-              <a:buNone/>
-            </a:pPr>
-            <a:r>
-              <a:rPr lang="fr-FR" sz="1800" dirty="0">
-                <a:effectLst/>
-                <a:latin typeface="Courier New" panose="02070309020205020404" pitchFamily="49" charset="0"/>
-              </a:rPr>
-              <a:t> </a:t>
-            </a:r>
-          </a:p>
-          <a:p>
-            <a:pPr marL="0" marR="0" indent="0">
-              <a:spcBef>
-                <a:spcPts val="0"/>
-              </a:spcBef>
-              <a:spcAft>
-                <a:spcPts val="0"/>
-              </a:spcAft>
-              <a:buNone/>
-            </a:pPr>
-            <a:endParaRPr lang="fr-FR" sz="1800" dirty="0">
-              <a:effectLst/>
-              <a:latin typeface="Courier New" panose="02070309020205020404" pitchFamily="49" charset="0"/>
-            </a:endParaRPr>
-          </a:p>
-          <a:p>
-            <a:pPr marL="0" marR="0" indent="0">
-              <a:spcBef>
-                <a:spcPts val="0"/>
-              </a:spcBef>
-              <a:spcAft>
-                <a:spcPts val="0"/>
-              </a:spcAft>
-              <a:buNone/>
-            </a:pPr>
-            <a:endParaRPr lang="fr-FR" sz="1800" dirty="0">
-              <a:latin typeface="Courier New" panose="02070309020205020404" pitchFamily="49" charset="0"/>
-            </a:endParaRPr>
-          </a:p>
-          <a:p>
-            <a:pPr marL="0" marR="0" indent="0">
-              <a:spcBef>
-                <a:spcPts val="0"/>
-              </a:spcBef>
-              <a:spcAft>
-                <a:spcPts val="0"/>
-              </a:spcAft>
-              <a:buNone/>
-            </a:pPr>
-            <a:endParaRPr lang="fr-FR" sz="1800" dirty="0">
-              <a:effectLst/>
-              <a:latin typeface="Courier New" panose="02070309020205020404" pitchFamily="49" charset="0"/>
-            </a:endParaRPr>
-          </a:p>
-          <a:p>
-            <a:pPr marL="0" marR="0" indent="0">
-              <a:spcBef>
-                <a:spcPts val="0"/>
-              </a:spcBef>
-              <a:spcAft>
-                <a:spcPts val="0"/>
-              </a:spcAft>
-              <a:buNone/>
-            </a:pPr>
-            <a:r>
-              <a:rPr lang="fr-FR" sz="1800" dirty="0">
-                <a:effectLst/>
-                <a:latin typeface="Courier New" panose="02070309020205020404" pitchFamily="49" charset="0"/>
-              </a:rPr>
-              <a:t>Spam</a:t>
-            </a:r>
-          </a:p>
-          <a:p>
-            <a:pPr marL="457200" lvl="1">
-              <a:spcBef>
-                <a:spcPts val="0"/>
-              </a:spcBef>
-            </a:pPr>
-            <a:r>
-              <a:rPr lang="fr-FR" sz="1400" dirty="0">
-                <a:effectLst/>
-                <a:latin typeface="Courier New" panose="02070309020205020404" pitchFamily="49" charset="0"/>
-              </a:rPr>
-              <a:t>On ne veut pas de vrai mail classé en spam</a:t>
-            </a:r>
-          </a:p>
-          <a:p>
-            <a:pPr marL="457200" lvl="1">
-              <a:spcBef>
-                <a:spcPts val="0"/>
-              </a:spcBef>
-            </a:pPr>
-            <a:r>
-              <a:rPr lang="fr-FR" sz="1400" dirty="0">
-                <a:effectLst/>
-                <a:latin typeface="Courier New" panose="02070309020205020404" pitchFamily="49" charset="0"/>
-              </a:rPr>
-              <a:t>Donc on veut un Faux Positif bas</a:t>
-            </a:r>
-          </a:p>
-          <a:p>
-            <a:pPr marL="457200" lvl="1">
-              <a:spcBef>
-                <a:spcPts val="0"/>
-              </a:spcBef>
-            </a:pPr>
-            <a:r>
-              <a:rPr lang="fr-FR" sz="1400" dirty="0" err="1">
-                <a:effectLst/>
-                <a:latin typeface="Courier New" panose="02070309020205020404" pitchFamily="49" charset="0"/>
-              </a:rPr>
-              <a:t>Recall</a:t>
-            </a:r>
-            <a:r>
-              <a:rPr lang="fr-FR" sz="1400" dirty="0">
-                <a:effectLst/>
-                <a:latin typeface="Courier New" panose="02070309020205020404" pitchFamily="49" charset="0"/>
-              </a:rPr>
-              <a:t>    peut être moyen</a:t>
-            </a:r>
-          </a:p>
-          <a:p>
-            <a:pPr marL="457200" lvl="1">
-              <a:spcBef>
-                <a:spcPts val="0"/>
-              </a:spcBef>
-            </a:pPr>
-            <a:r>
-              <a:rPr lang="fr-FR" sz="1400" dirty="0" err="1">
-                <a:effectLst/>
-                <a:latin typeface="Courier New" panose="02070309020205020404" pitchFamily="49" charset="0"/>
-              </a:rPr>
-              <a:t>Precision</a:t>
-            </a:r>
-            <a:r>
-              <a:rPr lang="fr-FR" sz="1400" dirty="0">
-                <a:effectLst/>
-                <a:latin typeface="Courier New" panose="02070309020205020404" pitchFamily="49" charset="0"/>
-              </a:rPr>
-              <a:t> doit être proche de 1 </a:t>
-            </a:r>
-          </a:p>
-          <a:p>
-            <a:endParaRPr lang="fr-FR" dirty="0"/>
-          </a:p>
-        </p:txBody>
-      </p:sp>
-      <p:sp>
-        <p:nvSpPr>
-          <p:cNvPr id="4" name="ZoneTexte 3">
-            <a:extLst>
-              <a:ext uri="{FF2B5EF4-FFF2-40B4-BE49-F238E27FC236}">
-                <a16:creationId xmlns:a16="http://schemas.microsoft.com/office/drawing/2014/main" id="{BC769971-6696-B68B-7A7E-C22BD1307536}"/>
-              </a:ext>
-            </a:extLst>
-          </p:cNvPr>
-          <p:cNvSpPr txBox="1"/>
-          <p:nvPr/>
-        </p:nvSpPr>
-        <p:spPr>
-          <a:xfrm>
-            <a:off x="5104356" y="4606447"/>
-            <a:ext cx="1563248" cy="646331"/>
-          </a:xfrm>
-          <a:prstGeom prst="rect">
-            <a:avLst/>
-          </a:prstGeom>
-          <a:noFill/>
-        </p:spPr>
-        <p:txBody>
-          <a:bodyPr wrap="none" rtlCol="0">
-            <a:spAutoFit/>
-          </a:bodyPr>
-          <a:lstStyle/>
-          <a:p>
-            <a:pPr algn="ctr"/>
-            <a:r>
-              <a:rPr lang="fr-FR" sz="1800" dirty="0" err="1">
-                <a:effectLst/>
-                <a:latin typeface="Courier New" panose="02070309020205020404" pitchFamily="49" charset="0"/>
-              </a:rPr>
-              <a:t>Precision</a:t>
-            </a:r>
-            <a:endParaRPr lang="fr-FR" sz="1800" dirty="0">
-              <a:effectLst/>
-              <a:latin typeface="Courier New" panose="02070309020205020404" pitchFamily="49" charset="0"/>
-            </a:endParaRPr>
-          </a:p>
-          <a:p>
-            <a:pPr algn="ctr"/>
-            <a:r>
-              <a:rPr lang="fr-FR" sz="1800" dirty="0">
-                <a:effectLst/>
-                <a:latin typeface="Courier New" panose="02070309020205020404" pitchFamily="49" charset="0"/>
-              </a:rPr>
-              <a:t>TP/(TP+FP)</a:t>
-            </a:r>
-            <a:endParaRPr lang="fr-FR" dirty="0"/>
-          </a:p>
-        </p:txBody>
-      </p:sp>
-      <p:sp>
-        <p:nvSpPr>
-          <p:cNvPr id="5" name="ZoneTexte 4">
-            <a:extLst>
-              <a:ext uri="{FF2B5EF4-FFF2-40B4-BE49-F238E27FC236}">
-                <a16:creationId xmlns:a16="http://schemas.microsoft.com/office/drawing/2014/main" id="{6722959C-02DD-0821-1CC0-81C189230146}"/>
-              </a:ext>
-            </a:extLst>
-          </p:cNvPr>
-          <p:cNvSpPr txBox="1"/>
-          <p:nvPr/>
-        </p:nvSpPr>
-        <p:spPr>
-          <a:xfrm>
-            <a:off x="5404982" y="2458426"/>
-            <a:ext cx="1563248" cy="646331"/>
-          </a:xfrm>
-          <a:prstGeom prst="rect">
-            <a:avLst/>
-          </a:prstGeom>
-          <a:noFill/>
-        </p:spPr>
-        <p:txBody>
-          <a:bodyPr wrap="none" rtlCol="0">
-            <a:spAutoFit/>
-          </a:bodyPr>
-          <a:lstStyle/>
-          <a:p>
-            <a:pPr algn="ctr"/>
-            <a:r>
-              <a:rPr lang="fr-FR" sz="1800" dirty="0" err="1">
-                <a:effectLst/>
-                <a:latin typeface="Courier New" panose="02070309020205020404" pitchFamily="49" charset="0"/>
-              </a:rPr>
-              <a:t>Recall</a:t>
-            </a:r>
-            <a:r>
-              <a:rPr lang="fr-FR" sz="1800" dirty="0">
-                <a:effectLst/>
-                <a:latin typeface="Courier New" panose="02070309020205020404" pitchFamily="49" charset="0"/>
-              </a:rPr>
-              <a:t> </a:t>
-            </a:r>
-          </a:p>
-          <a:p>
-            <a:pPr algn="ctr"/>
-            <a:r>
-              <a:rPr lang="fr-FR" sz="1800" dirty="0">
-                <a:effectLst/>
-                <a:latin typeface="Courier New" panose="02070309020205020404" pitchFamily="49" charset="0"/>
-              </a:rPr>
-              <a:t>TP/(TP+FN)</a:t>
-            </a:r>
-            <a:endParaRPr lang="fr-FR" dirty="0"/>
-          </a:p>
-        </p:txBody>
-      </p:sp>
-    </p:spTree>
-    <p:extLst>
-      <p:ext uri="{BB962C8B-B14F-4D97-AF65-F5344CB8AC3E}">
-        <p14:creationId xmlns:p14="http://schemas.microsoft.com/office/powerpoint/2010/main" val="2203231843"/>
-      </p:ext>
-    </p:extLst>
-  </p:cSld>
-  <p:clrMapOvr>
-    <a:masterClrMapping/>
-  </p:clrMapOvr>
-</p:sld>
-</file>
-
-<file path=ppt/slides/slide4.xml><?xml version="1.0" encoding="utf-8"?>
-<p:sld xmlns:a="http://schemas.openxmlformats.org/drawingml/2006/main" xmlns:r="http://schemas.openxmlformats.org/officeDocument/2006/relationships" xmlns:p="http://schemas.openxmlformats.org/presentationml/2006/main">
-  <p:cSld>
-    <p:spTree>
-      <p:nvGrpSpPr>
-        <p:cNvPr id="1" name=""/>
-        <p:cNvGrpSpPr/>
-        <p:nvPr/>
-      </p:nvGrpSpPr>
-      <p:grpSpPr>
-        <a:xfrm>
-          <a:off x="0" y="0"/>
-          <a:ext cx="0" cy="0"/>
-          <a:chOff x="0" y="0"/>
-          <a:chExt cx="0" cy="0"/>
-        </a:xfrm>
-      </p:grpSpPr>
-      <p:sp>
-        <p:nvSpPr>
-          <p:cNvPr id="2" name="Titre 1">
-            <a:extLst>
-              <a:ext uri="{FF2B5EF4-FFF2-40B4-BE49-F238E27FC236}">
-                <a16:creationId xmlns:a16="http://schemas.microsoft.com/office/drawing/2014/main" id="{CB11E713-3A4E-AE0D-ED70-58E101A227A0}"/>
-              </a:ext>
-            </a:extLst>
-          </p:cNvPr>
-          <p:cNvSpPr>
-            <a:spLocks noGrp="1"/>
-          </p:cNvSpPr>
-          <p:nvPr>
-            <p:ph type="title"/>
-          </p:nvPr>
-        </p:nvSpPr>
-        <p:spPr/>
-        <p:txBody>
-          <a:bodyPr/>
-          <a:lstStyle/>
-          <a:p>
-            <a:r>
-              <a:rPr lang="fr-FR" dirty="0"/>
-              <a:t>Bouquins utiles</a:t>
-            </a:r>
-          </a:p>
-        </p:txBody>
-      </p:sp>
-      <p:sp>
-        <p:nvSpPr>
-          <p:cNvPr id="3" name="Espace réservé du contenu 2">
-            <a:extLst>
-              <a:ext uri="{FF2B5EF4-FFF2-40B4-BE49-F238E27FC236}">
-                <a16:creationId xmlns:a16="http://schemas.microsoft.com/office/drawing/2014/main" id="{0368613B-01CA-E1FE-3E04-095C6D811B55}"/>
-              </a:ext>
-            </a:extLst>
-          </p:cNvPr>
-          <p:cNvSpPr>
-            <a:spLocks noGrp="1"/>
-          </p:cNvSpPr>
-          <p:nvPr>
-            <p:ph idx="1"/>
-          </p:nvPr>
-        </p:nvSpPr>
-        <p:spPr/>
-        <p:txBody>
-          <a:bodyPr>
-            <a:normAutofit/>
-          </a:bodyPr>
-          <a:lstStyle/>
-          <a:p>
-            <a:r>
-              <a:rPr lang="en-US" dirty="0"/>
-              <a:t>Learning SQL</a:t>
-            </a:r>
-          </a:p>
-          <a:p>
-            <a:pPr lvl="1"/>
-            <a:r>
-              <a:rPr lang="en-US" sz="1600" dirty="0">
-                <a:latin typeface="Courier New" panose="02070309020205020404" pitchFamily="49" charset="0"/>
-                <a:cs typeface="Courier New" panose="02070309020205020404" pitchFamily="49" charset="0"/>
-              </a:rPr>
-              <a:t>3eme Edition, 2020</a:t>
-            </a:r>
-          </a:p>
-          <a:p>
-            <a:pPr lvl="1"/>
-            <a:r>
-              <a:rPr lang="en-US" sz="1600" dirty="0">
-                <a:latin typeface="Courier New" panose="02070309020205020404" pitchFamily="49" charset="0"/>
-                <a:cs typeface="Courier New" panose="02070309020205020404" pitchFamily="49" charset="0"/>
-                <a:hlinkClick r:id="rId2"/>
-              </a:rPr>
-              <a:t>https://amzn.eu/d/bZNvCO0</a:t>
-            </a:r>
-            <a:endParaRPr lang="en-US" sz="1600" dirty="0">
-              <a:latin typeface="Courier New" panose="02070309020205020404" pitchFamily="49" charset="0"/>
-              <a:cs typeface="Courier New" panose="02070309020205020404" pitchFamily="49" charset="0"/>
-            </a:endParaRPr>
-          </a:p>
-          <a:p>
-            <a:pPr lvl="1"/>
-            <a:endParaRPr lang="en-US" dirty="0"/>
-          </a:p>
-          <a:p>
-            <a:endParaRPr lang="en-US" dirty="0"/>
-          </a:p>
-          <a:p>
-            <a:r>
-              <a:rPr lang="en-US" dirty="0"/>
-              <a:t>Python Crash Course</a:t>
-            </a:r>
-          </a:p>
-          <a:p>
-            <a:pPr lvl="1"/>
-            <a:r>
-              <a:rPr lang="en-US" sz="1600" dirty="0">
-                <a:solidFill>
-                  <a:srgbClr val="0F1111"/>
-                </a:solidFill>
-                <a:latin typeface="Courier New" panose="02070309020205020404" pitchFamily="49" charset="0"/>
-                <a:cs typeface="Courier New" panose="02070309020205020404" pitchFamily="49" charset="0"/>
-              </a:rPr>
-              <a:t>3eme Edition, 2023, 1.5 M </a:t>
-            </a:r>
-            <a:r>
-              <a:rPr lang="en-US" sz="1600" dirty="0" err="1">
-                <a:solidFill>
-                  <a:srgbClr val="0F1111"/>
-                </a:solidFill>
-                <a:latin typeface="Courier New" panose="02070309020205020404" pitchFamily="49" charset="0"/>
-                <a:cs typeface="Courier New" panose="02070309020205020404" pitchFamily="49" charset="0"/>
-              </a:rPr>
-              <a:t>d’exemplaires</a:t>
-            </a:r>
-            <a:endParaRPr lang="en-US" sz="1600" dirty="0">
-              <a:solidFill>
-                <a:srgbClr val="0F1111"/>
-              </a:solidFill>
-              <a:latin typeface="Courier New" panose="02070309020205020404" pitchFamily="49" charset="0"/>
-              <a:cs typeface="Courier New" panose="02070309020205020404" pitchFamily="49" charset="0"/>
-            </a:endParaRPr>
-          </a:p>
-          <a:p>
-            <a:pPr lvl="1"/>
-            <a:r>
-              <a:rPr lang="en-US" sz="1600" dirty="0">
-                <a:solidFill>
-                  <a:srgbClr val="0F1111"/>
-                </a:solidFill>
-                <a:latin typeface="Courier New" panose="02070309020205020404" pitchFamily="49" charset="0"/>
-                <a:cs typeface="Courier New" panose="02070309020205020404" pitchFamily="49" charset="0"/>
-                <a:hlinkClick r:id="rId3"/>
-              </a:rPr>
-              <a:t>https://amzn.eu/d/3DLax8n</a:t>
-            </a:r>
-            <a:endParaRPr lang="en-US" sz="1600" dirty="0">
-              <a:solidFill>
-                <a:srgbClr val="0F1111"/>
-              </a:solidFill>
-              <a:latin typeface="Courier New" panose="02070309020205020404" pitchFamily="49" charset="0"/>
-              <a:cs typeface="Courier New" panose="02070309020205020404" pitchFamily="49" charset="0"/>
-            </a:endParaRPr>
-          </a:p>
-          <a:p>
-            <a:pPr lvl="1"/>
-            <a:endParaRPr lang="en-US" sz="1600" dirty="0">
-              <a:solidFill>
-                <a:srgbClr val="0F1111"/>
-              </a:solidFill>
-              <a:latin typeface="Courier New" panose="02070309020205020404" pitchFamily="49" charset="0"/>
-              <a:cs typeface="Courier New" panose="02070309020205020404" pitchFamily="49" charset="0"/>
-            </a:endParaRPr>
-          </a:p>
-          <a:p>
-            <a:pPr lvl="1"/>
-            <a:endParaRPr lang="en-US" sz="1600" dirty="0">
-              <a:solidFill>
-                <a:srgbClr val="0F1111"/>
-              </a:solidFill>
-              <a:latin typeface="Courier New" panose="02070309020205020404" pitchFamily="49" charset="0"/>
-              <a:cs typeface="Courier New" panose="02070309020205020404" pitchFamily="49" charset="0"/>
-            </a:endParaRPr>
-          </a:p>
-          <a:p>
-            <a:pPr lvl="1"/>
-            <a:endParaRPr lang="en-US" dirty="0"/>
-          </a:p>
-          <a:p>
-            <a:pPr lvl="1"/>
-            <a:endParaRPr lang="fr-FR" dirty="0"/>
-          </a:p>
-          <a:p>
-            <a:pPr lvl="1"/>
-            <a:endParaRPr lang="fr-FR" b="1" i="0" dirty="0">
-              <a:solidFill>
-                <a:srgbClr val="0F1111"/>
-              </a:solidFill>
-              <a:effectLst/>
-              <a:latin typeface="Amazon Ember"/>
-            </a:endParaRPr>
-          </a:p>
-        </p:txBody>
-      </p:sp>
-      <p:pic>
-        <p:nvPicPr>
-          <p:cNvPr id="6" name="Image 5">
-            <a:extLst>
-              <a:ext uri="{FF2B5EF4-FFF2-40B4-BE49-F238E27FC236}">
-                <a16:creationId xmlns:a16="http://schemas.microsoft.com/office/drawing/2014/main" id="{C4A03152-53BB-D63F-250F-F679F645CB5E}"/>
-              </a:ext>
-            </a:extLst>
-          </p:cNvPr>
-          <p:cNvPicPr>
-            <a:picLocks noChangeAspect="1"/>
-          </p:cNvPicPr>
-          <p:nvPr/>
-        </p:nvPicPr>
-        <p:blipFill rotWithShape="1">
-          <a:blip r:embed="rId4"/>
-          <a:srcRect l="2693" t="1613" r="2382"/>
-          <a:stretch/>
-        </p:blipFill>
-        <p:spPr>
-          <a:xfrm>
-            <a:off x="9542145" y="271170"/>
-            <a:ext cx="2257425" cy="3125775"/>
-          </a:xfrm>
-          <a:prstGeom prst="rect">
-            <a:avLst/>
-          </a:prstGeom>
-          <a:effectLst>
-            <a:outerShdw blurRad="50800" dist="38100" dir="2700000" algn="tl" rotWithShape="0">
-              <a:prstClr val="black">
-                <a:alpha val="40000"/>
-              </a:prstClr>
-            </a:outerShdw>
-          </a:effectLst>
-        </p:spPr>
-      </p:pic>
-      <p:pic>
-        <p:nvPicPr>
-          <p:cNvPr id="10" name="Image 9">
-            <a:extLst>
-              <a:ext uri="{FF2B5EF4-FFF2-40B4-BE49-F238E27FC236}">
-                <a16:creationId xmlns:a16="http://schemas.microsoft.com/office/drawing/2014/main" id="{377B57BC-949B-1AA0-5667-3559FF80642A}"/>
-              </a:ext>
-            </a:extLst>
-          </p:cNvPr>
-          <p:cNvPicPr>
-            <a:picLocks noChangeAspect="1"/>
-          </p:cNvPicPr>
-          <p:nvPr/>
-        </p:nvPicPr>
-        <p:blipFill rotWithShape="1">
-          <a:blip r:embed="rId5"/>
-          <a:srcRect l="1595" t="1567" r="2474" b="1143"/>
-          <a:stretch/>
-        </p:blipFill>
-        <p:spPr>
-          <a:xfrm>
-            <a:off x="9540916" y="3609975"/>
-            <a:ext cx="2258653" cy="2982060"/>
-          </a:xfrm>
-          <a:prstGeom prst="rect">
-            <a:avLst/>
-          </a:prstGeom>
-          <a:effectLst>
-            <a:outerShdw blurRad="50800" dist="38100" dir="2700000" algn="tl" rotWithShape="0">
-              <a:prstClr val="black">
-                <a:alpha val="40000"/>
-              </a:prstClr>
-            </a:outerShdw>
-          </a:effectLst>
-        </p:spPr>
-      </p:pic>
-    </p:spTree>
-    <p:extLst>
-      <p:ext uri="{BB962C8B-B14F-4D97-AF65-F5344CB8AC3E}">
-        <p14:creationId xmlns:p14="http://schemas.microsoft.com/office/powerpoint/2010/main" val="3156533495"/>
-      </p:ext>
-    </p:extLst>
-  </p:cSld>
-  <p:clrMapOvr>
-    <a:masterClrMapping/>
-  </p:clrMapOvr>
-</p:sld>
-</file>
-
-<file path=ppt/slides/slide40.xml><?xml version="1.0" encoding="utf-8"?>
-<p:sld xmlns:a="http://schemas.openxmlformats.org/drawingml/2006/main" xmlns:r="http://schemas.openxmlformats.org/officeDocument/2006/relationships" xmlns:p="http://schemas.openxmlformats.org/presentationml/2006/main">
-  <p:cSld>
-    <p:spTree>
-      <p:nvGrpSpPr>
-        <p:cNvPr id="1" name=""/>
-        <p:cNvGrpSpPr/>
-        <p:nvPr/>
-      </p:nvGrpSpPr>
-      <p:grpSpPr>
-        <a:xfrm>
-          <a:off x="0" y="0"/>
-          <a:ext cx="0" cy="0"/>
-          <a:chOff x="0" y="0"/>
-          <a:chExt cx="0" cy="0"/>
-        </a:xfrm>
-      </p:grpSpPr>
-      <p:sp>
-        <p:nvSpPr>
-          <p:cNvPr id="2" name="Titre 1">
-            <a:extLst>
-              <a:ext uri="{FF2B5EF4-FFF2-40B4-BE49-F238E27FC236}">
-                <a16:creationId xmlns:a16="http://schemas.microsoft.com/office/drawing/2014/main" id="{FA6243E6-E350-4836-3E9F-D3814475FD2C}"/>
-              </a:ext>
-            </a:extLst>
-          </p:cNvPr>
-          <p:cNvSpPr>
-            <a:spLocks noGrp="1"/>
-          </p:cNvSpPr>
-          <p:nvPr>
-            <p:ph type="title"/>
-          </p:nvPr>
-        </p:nvSpPr>
-        <p:spPr/>
-        <p:txBody>
-          <a:bodyPr/>
-          <a:lstStyle/>
-          <a:p>
-            <a:r>
-              <a:rPr lang="fr-FR" dirty="0"/>
-              <a:t>Jour 8 - Projet</a:t>
-            </a:r>
-          </a:p>
-        </p:txBody>
-      </p:sp>
-      <p:sp>
-        <p:nvSpPr>
-          <p:cNvPr id="4" name="Espace réservé du texte 3">
-            <a:extLst>
-              <a:ext uri="{FF2B5EF4-FFF2-40B4-BE49-F238E27FC236}">
-                <a16:creationId xmlns:a16="http://schemas.microsoft.com/office/drawing/2014/main" id="{D15B72BF-F68A-0242-113B-2926D9E09185}"/>
-              </a:ext>
-            </a:extLst>
-          </p:cNvPr>
-          <p:cNvSpPr>
-            <a:spLocks noGrp="1"/>
-          </p:cNvSpPr>
-          <p:nvPr>
-            <p:ph type="body" idx="1"/>
-          </p:nvPr>
-        </p:nvSpPr>
-        <p:spPr/>
-        <p:txBody>
-          <a:bodyPr/>
-          <a:lstStyle/>
-          <a:p>
-            <a:endParaRPr lang="fr-FR"/>
-          </a:p>
-        </p:txBody>
-      </p:sp>
-    </p:spTree>
-    <p:extLst>
-      <p:ext uri="{BB962C8B-B14F-4D97-AF65-F5344CB8AC3E}">
-        <p14:creationId xmlns:p14="http://schemas.microsoft.com/office/powerpoint/2010/main" val="3791528499"/>
-      </p:ext>
-    </p:extLst>
-  </p:cSld>
-  <p:clrMapOvr>
-    <a:masterClrMapping/>
-  </p:clrMapOvr>
-</p:sld>
-</file>
-
-<file path=ppt/slides/slide41.xml><?xml version="1.0" encoding="utf-8"?>
-<p:sld xmlns:a="http://schemas.openxmlformats.org/drawingml/2006/main" xmlns:r="http://schemas.openxmlformats.org/officeDocument/2006/relationships" xmlns:p="http://schemas.openxmlformats.org/presentationml/2006/main">
-  <p:cSld>
-    <p:spTree>
-      <p:nvGrpSpPr>
-        <p:cNvPr id="1" name=""/>
-        <p:cNvGrpSpPr/>
-        <p:nvPr/>
-      </p:nvGrpSpPr>
-      <p:grpSpPr>
-        <a:xfrm>
-          <a:off x="0" y="0"/>
-          <a:ext cx="0" cy="0"/>
-          <a:chOff x="0" y="0"/>
-          <a:chExt cx="0" cy="0"/>
-        </a:xfrm>
-      </p:grpSpPr>
-      <p:sp>
-        <p:nvSpPr>
-          <p:cNvPr id="4" name="Titre 3">
-            <a:extLst>
-              <a:ext uri="{FF2B5EF4-FFF2-40B4-BE49-F238E27FC236}">
-                <a16:creationId xmlns:a16="http://schemas.microsoft.com/office/drawing/2014/main" id="{E0EF6534-E2A9-B8D6-2479-C32AFD155124}"/>
-              </a:ext>
-            </a:extLst>
-          </p:cNvPr>
-          <p:cNvSpPr>
-            <a:spLocks noGrp="1"/>
-          </p:cNvSpPr>
-          <p:nvPr>
-            <p:ph type="title"/>
-          </p:nvPr>
-        </p:nvSpPr>
-        <p:spPr/>
-        <p:txBody>
-          <a:bodyPr/>
-          <a:lstStyle/>
-          <a:p>
-            <a:r>
-              <a:rPr lang="fr-FR" dirty="0"/>
-              <a:t>Rétro planning</a:t>
-            </a:r>
-          </a:p>
-        </p:txBody>
-      </p:sp>
-      <p:sp>
-        <p:nvSpPr>
-          <p:cNvPr id="5" name="Espace réservé du contenu 4">
-            <a:extLst>
-              <a:ext uri="{FF2B5EF4-FFF2-40B4-BE49-F238E27FC236}">
-                <a16:creationId xmlns:a16="http://schemas.microsoft.com/office/drawing/2014/main" id="{E7243C4C-A2DA-48C8-744A-8AB1E7248236}"/>
-              </a:ext>
-            </a:extLst>
-          </p:cNvPr>
-          <p:cNvSpPr>
-            <a:spLocks noGrp="1"/>
-          </p:cNvSpPr>
-          <p:nvPr>
-            <p:ph idx="1"/>
-          </p:nvPr>
-        </p:nvSpPr>
-        <p:spPr/>
-        <p:txBody>
-          <a:bodyPr>
-            <a:normAutofit/>
-          </a:bodyPr>
-          <a:lstStyle/>
-          <a:p>
-            <a:r>
-              <a:rPr lang="fr-FR" dirty="0"/>
-              <a:t>Présentations Vendredi après-midi</a:t>
-            </a:r>
-          </a:p>
-          <a:p>
-            <a:r>
-              <a:rPr lang="fr-FR" dirty="0"/>
-              <a:t>=&gt; Répétitions Vendredi entre 12 et 14H</a:t>
-            </a:r>
-          </a:p>
-          <a:p>
-            <a:r>
-              <a:rPr lang="fr-FR" dirty="0"/>
-              <a:t>=&gt; Slides terminés, relus etc. à 12H</a:t>
-            </a:r>
-          </a:p>
-          <a:p>
-            <a:r>
-              <a:rPr lang="fr-FR" dirty="0"/>
-              <a:t>=&gt; Jeudi soir tous les graphes, scores, conclusions sont sortis</a:t>
-            </a:r>
-          </a:p>
-          <a:p>
-            <a:pPr lvl="1"/>
-            <a:r>
-              <a:rPr lang="fr-FR" dirty="0"/>
-              <a:t>Vendredi matin on pourra sortir 1 ou 2 trucs mais pas beaucoup plus</a:t>
-            </a:r>
-          </a:p>
-          <a:p>
-            <a:r>
-              <a:rPr lang="fr-FR" dirty="0"/>
-              <a:t>=&gt; Cherchez des </a:t>
-            </a:r>
-            <a:r>
-              <a:rPr lang="fr-FR" dirty="0" err="1"/>
-              <a:t>datasets</a:t>
-            </a:r>
-            <a:r>
-              <a:rPr lang="fr-FR" dirty="0"/>
-              <a:t> et des idées de sujet le week-end précédent</a:t>
-            </a:r>
-          </a:p>
-        </p:txBody>
-      </p:sp>
-    </p:spTree>
-    <p:extLst>
-      <p:ext uri="{BB962C8B-B14F-4D97-AF65-F5344CB8AC3E}">
-        <p14:creationId xmlns:p14="http://schemas.microsoft.com/office/powerpoint/2010/main" val="2196411414"/>
-      </p:ext>
-    </p:extLst>
-  </p:cSld>
-  <p:clrMapOvr>
-    <a:masterClrMapping/>
-  </p:clrMapOvr>
-</p:sld>
-</file>
-
-<file path=ppt/slides/slide42.xml><?xml version="1.0" encoding="utf-8"?>
-<p:sld xmlns:a="http://schemas.openxmlformats.org/drawingml/2006/main" xmlns:r="http://schemas.openxmlformats.org/officeDocument/2006/relationships" xmlns:p="http://schemas.openxmlformats.org/presentationml/2006/main">
-  <p:cSld>
-    <p:spTree>
-      <p:nvGrpSpPr>
-        <p:cNvPr id="1" name=""/>
-        <p:cNvGrpSpPr/>
-        <p:nvPr/>
-      </p:nvGrpSpPr>
-      <p:grpSpPr>
-        <a:xfrm>
-          <a:off x="0" y="0"/>
-          <a:ext cx="0" cy="0"/>
-          <a:chOff x="0" y="0"/>
-          <a:chExt cx="0" cy="0"/>
-        </a:xfrm>
-      </p:grpSpPr>
-      <p:sp>
-        <p:nvSpPr>
-          <p:cNvPr id="2" name="Titre 1">
-            <a:extLst>
-              <a:ext uri="{FF2B5EF4-FFF2-40B4-BE49-F238E27FC236}">
-                <a16:creationId xmlns:a16="http://schemas.microsoft.com/office/drawing/2014/main" id="{91D577C0-85A9-8612-8D5E-F221D19DDEA3}"/>
-              </a:ext>
-            </a:extLst>
-          </p:cNvPr>
-          <p:cNvSpPr>
-            <a:spLocks noGrp="1"/>
-          </p:cNvSpPr>
-          <p:nvPr>
-            <p:ph type="title"/>
-          </p:nvPr>
-        </p:nvSpPr>
-        <p:spPr/>
-        <p:txBody>
-          <a:bodyPr/>
-          <a:lstStyle/>
-          <a:p>
-            <a:r>
-              <a:rPr lang="fr-FR" dirty="0"/>
-              <a:t>Conduite du projet</a:t>
-            </a:r>
-          </a:p>
-        </p:txBody>
-      </p:sp>
-      <p:sp>
-        <p:nvSpPr>
-          <p:cNvPr id="3" name="Espace réservé du contenu 2">
-            <a:extLst>
-              <a:ext uri="{FF2B5EF4-FFF2-40B4-BE49-F238E27FC236}">
-                <a16:creationId xmlns:a16="http://schemas.microsoft.com/office/drawing/2014/main" id="{EB0FC026-327D-475F-13A4-A3A9BB6066E7}"/>
-              </a:ext>
-            </a:extLst>
-          </p:cNvPr>
-          <p:cNvSpPr>
-            <a:spLocks noGrp="1"/>
-          </p:cNvSpPr>
-          <p:nvPr>
-            <p:ph idx="1"/>
-          </p:nvPr>
-        </p:nvSpPr>
-        <p:spPr/>
-        <p:txBody>
-          <a:bodyPr>
-            <a:normAutofit fontScale="92500"/>
-          </a:bodyPr>
-          <a:lstStyle/>
-          <a:p>
-            <a:r>
-              <a:rPr lang="fr-FR" dirty="0"/>
-              <a:t>Ce n'est pas un concours, c'est une validation des acquis</a:t>
-            </a:r>
-          </a:p>
-          <a:p>
-            <a:pPr lvl="1"/>
-            <a:r>
-              <a:rPr lang="fr-FR" dirty="0"/>
-              <a:t>Montrez que vous savez appliquer ce que vous avez appris</a:t>
-            </a:r>
-          </a:p>
-          <a:p>
-            <a:pPr lvl="1"/>
-            <a:r>
-              <a:rPr lang="fr-FR" dirty="0"/>
-              <a:t>Vous êtes là pour prouver, pas pour trouver</a:t>
-            </a:r>
-          </a:p>
-          <a:p>
-            <a:r>
-              <a:rPr lang="fr-FR" dirty="0" err="1"/>
-              <a:t>Dataset</a:t>
-            </a:r>
-            <a:endParaRPr lang="fr-FR" dirty="0"/>
-          </a:p>
-          <a:p>
-            <a:pPr lvl="1"/>
-            <a:r>
-              <a:rPr lang="fr-FR" dirty="0"/>
-              <a:t>Il vaut mieux un excellent </a:t>
-            </a:r>
-            <a:r>
-              <a:rPr lang="fr-FR" dirty="0" err="1"/>
-              <a:t>dataset</a:t>
-            </a:r>
-            <a:r>
-              <a:rPr lang="fr-FR" dirty="0"/>
-              <a:t> sur un sujet "moyen"</a:t>
-            </a:r>
-          </a:p>
-          <a:p>
-            <a:pPr lvl="1"/>
-            <a:r>
-              <a:rPr lang="fr-FR" dirty="0"/>
-              <a:t>Plutôt qu'un "formidable" sujet mais aucune donnée à traiter</a:t>
-            </a:r>
-          </a:p>
-          <a:p>
-            <a:pPr lvl="1"/>
-            <a:r>
-              <a:rPr lang="fr-FR" dirty="0"/>
-              <a:t>Garbage in =&gt; Garbage Out</a:t>
-            </a:r>
-          </a:p>
-          <a:p>
-            <a:r>
-              <a:rPr lang="fr-FR" dirty="0" err="1"/>
-              <a:t>Dataset</a:t>
-            </a:r>
-            <a:endParaRPr lang="fr-FR" dirty="0"/>
-          </a:p>
-          <a:p>
-            <a:pPr lvl="1"/>
-            <a:r>
-              <a:rPr lang="fr-FR" dirty="0"/>
-              <a:t>Vous allez passer 2/3 du temps sur les </a:t>
-            </a:r>
-            <a:r>
-              <a:rPr lang="fr-FR" dirty="0" err="1"/>
-              <a:t>datasets</a:t>
-            </a:r>
-            <a:r>
-              <a:rPr lang="fr-FR" dirty="0"/>
-              <a:t>, l'EDA</a:t>
-            </a:r>
-          </a:p>
-          <a:p>
-            <a:pPr lvl="1"/>
-            <a:r>
-              <a:rPr lang="fr-FR" dirty="0"/>
-              <a:t>Faire tourner des modèles c'est facile et rapide</a:t>
-            </a:r>
-          </a:p>
-          <a:p>
-            <a:pPr lvl="1"/>
-            <a:r>
-              <a:rPr lang="fr-FR" dirty="0"/>
-              <a:t>Si les données sont trop pourries changez de </a:t>
-            </a:r>
-            <a:r>
-              <a:rPr lang="fr-FR" dirty="0" err="1"/>
-              <a:t>dataset</a:t>
-            </a:r>
-            <a:r>
-              <a:rPr lang="fr-FR" dirty="0"/>
-              <a:t> . Quitte à changer de sujet</a:t>
-            </a:r>
-          </a:p>
-          <a:p>
-            <a:endParaRPr lang="fr-FR" dirty="0"/>
-          </a:p>
-        </p:txBody>
-      </p:sp>
-    </p:spTree>
-    <p:extLst>
-      <p:ext uri="{BB962C8B-B14F-4D97-AF65-F5344CB8AC3E}">
-        <p14:creationId xmlns:p14="http://schemas.microsoft.com/office/powerpoint/2010/main" val="2540323896"/>
-      </p:ext>
-    </p:extLst>
-  </p:cSld>
-  <p:clrMapOvr>
-    <a:masterClrMapping/>
-  </p:clrMapOvr>
-</p:sld>
-</file>
-
 <file path=ppt/slides/slide43.xml><?xml version="1.0" encoding="utf-8"?>
 <p:sld xmlns:a="http://schemas.openxmlformats.org/drawingml/2006/main" xmlns:r="http://schemas.openxmlformats.org/officeDocument/2006/relationships" xmlns:p="http://schemas.openxmlformats.org/presentationml/2006/main">
   <p:cSld>
@@ -17542,7 +18914,7 @@
           <p:cNvPr id="2" name="Titre 1">
             <a:extLst>
               <a:ext uri="{FF2B5EF4-FFF2-40B4-BE49-F238E27FC236}">
-                <a16:creationId xmlns:a16="http://schemas.microsoft.com/office/drawing/2014/main" id="{FA6243E6-E350-4836-3E9F-D3814475FD2C}"/>
+                <a16:creationId xmlns:a16="http://schemas.microsoft.com/office/drawing/2014/main" id="{77EAEFC5-77FE-9822-72C3-62FB2337FE34}"/>
               </a:ext>
             </a:extLst>
           </p:cNvPr>
@@ -17558,19 +18930,16 @@
           <a:bodyPr/>
           <a:lstStyle/>
           <a:p>
-            <a:r>
-              <a:rPr lang="fr-FR" dirty="0"/>
-              <a:t>Jour 9 - Projet</a:t>
-            </a:r>
-          </a:p>
-        </p:txBody>
-      </p:sp>
-      <p:sp>
-        <p:nvSpPr>
-          <p:cNvPr id="4" name="Espace réservé du texte 3">
-            <a:extLst>
-              <a:ext uri="{FF2B5EF4-FFF2-40B4-BE49-F238E27FC236}">
-                <a16:creationId xmlns:a16="http://schemas.microsoft.com/office/drawing/2014/main" id="{24E22D90-D352-DD92-3A88-32EB8E2D63FA}"/>
+            <a:endParaRPr lang="fr-FR"/>
+          </a:p>
+        </p:txBody>
+      </p:sp>
+      <p:sp>
+        <p:nvSpPr>
+          <p:cNvPr id="3" name="Espace réservé du contenu 2">
+            <a:extLst>
+              <a:ext uri="{FF2B5EF4-FFF2-40B4-BE49-F238E27FC236}">
+                <a16:creationId xmlns:a16="http://schemas.microsoft.com/office/drawing/2014/main" id="{F27994BF-B3DE-D405-1556-56C36862DB7A}"/>
               </a:ext>
             </a:extLst>
           </p:cNvPr>
@@ -17578,7 +18947,7 @@
             <a:spLocks noGrp="1"/>
           </p:cNvSpPr>
           <p:nvPr>
-            <p:ph type="body" idx="1"/>
+            <p:ph idx="1"/>
           </p:nvPr>
         </p:nvSpPr>
         <p:spPr/>
@@ -17586,14 +18955,377 @@
           <a:bodyPr/>
           <a:lstStyle/>
           <a:p>
-            <a:endParaRPr lang="fr-FR"/>
+            <a:pPr marL="0" marR="0" indent="0">
+              <a:spcBef>
+                <a:spcPts val="0"/>
+              </a:spcBef>
+              <a:spcAft>
+                <a:spcPts val="0"/>
+              </a:spcAft>
+              <a:buNone/>
+            </a:pPr>
+            <a:r>
+              <a:rPr lang="fr-FR" sz="1800" dirty="0">
+                <a:effectLst/>
+                <a:latin typeface="Courier New" panose="02070309020205020404" pitchFamily="49" charset="0"/>
+              </a:rPr>
+              <a:t>Fraude carte bancaire</a:t>
+            </a:r>
+          </a:p>
+          <a:p>
+            <a:pPr marL="457200" lvl="1">
+              <a:spcBef>
+                <a:spcPts val="0"/>
+              </a:spcBef>
+            </a:pPr>
+            <a:r>
+              <a:rPr lang="fr-FR" sz="1400" dirty="0">
+                <a:effectLst/>
+                <a:latin typeface="Courier New" panose="02070309020205020404" pitchFamily="49" charset="0"/>
+              </a:rPr>
+              <a:t>On ne veut pas manquer une fausse carte</a:t>
+            </a:r>
+          </a:p>
+          <a:p>
+            <a:pPr marL="457200" lvl="1">
+              <a:spcBef>
+                <a:spcPts val="0"/>
+              </a:spcBef>
+            </a:pPr>
+            <a:r>
+              <a:rPr lang="fr-FR" sz="1400" dirty="0">
+                <a:effectLst/>
+                <a:latin typeface="Courier New" panose="02070309020205020404" pitchFamily="49" charset="0"/>
+              </a:rPr>
+              <a:t>Donc on veut un Faux </a:t>
+            </a:r>
+            <a:r>
+              <a:rPr lang="fr-FR" sz="1400" dirty="0" err="1">
+                <a:effectLst/>
+                <a:latin typeface="Courier New" panose="02070309020205020404" pitchFamily="49" charset="0"/>
+              </a:rPr>
+              <a:t>Negatif</a:t>
+            </a:r>
+            <a:r>
+              <a:rPr lang="fr-FR" sz="1400" dirty="0">
+                <a:effectLst/>
+                <a:latin typeface="Courier New" panose="02070309020205020404" pitchFamily="49" charset="0"/>
+              </a:rPr>
+              <a:t> bas</a:t>
+            </a:r>
+          </a:p>
+          <a:p>
+            <a:pPr marL="457200" lvl="1">
+              <a:spcBef>
+                <a:spcPts val="0"/>
+              </a:spcBef>
+            </a:pPr>
+            <a:r>
+              <a:rPr lang="fr-FR" sz="1400" dirty="0" err="1">
+                <a:effectLst/>
+                <a:latin typeface="Courier New" panose="02070309020205020404" pitchFamily="49" charset="0"/>
+              </a:rPr>
+              <a:t>Recall</a:t>
+            </a:r>
+            <a:r>
+              <a:rPr lang="fr-FR" sz="1400" dirty="0">
+                <a:effectLst/>
+                <a:latin typeface="Courier New" panose="02070309020205020404" pitchFamily="49" charset="0"/>
+              </a:rPr>
+              <a:t>    doit être proche de 1</a:t>
+            </a:r>
+          </a:p>
+          <a:p>
+            <a:pPr marL="457200" lvl="1">
+              <a:spcBef>
+                <a:spcPts val="0"/>
+              </a:spcBef>
+            </a:pPr>
+            <a:r>
+              <a:rPr lang="fr-FR" sz="1400" dirty="0" err="1">
+                <a:effectLst/>
+                <a:latin typeface="Courier New" panose="02070309020205020404" pitchFamily="49" charset="0"/>
+              </a:rPr>
+              <a:t>Precision</a:t>
+            </a:r>
+            <a:r>
+              <a:rPr lang="fr-FR" sz="1400" dirty="0">
+                <a:effectLst/>
+                <a:latin typeface="Courier New" panose="02070309020205020404" pitchFamily="49" charset="0"/>
+              </a:rPr>
+              <a:t> peut être moyen </a:t>
+            </a:r>
+          </a:p>
+          <a:p>
+            <a:pPr marL="0" marR="0" indent="0">
+              <a:spcBef>
+                <a:spcPts val="0"/>
+              </a:spcBef>
+              <a:spcAft>
+                <a:spcPts val="0"/>
+              </a:spcAft>
+              <a:buNone/>
+            </a:pPr>
+            <a:r>
+              <a:rPr lang="fr-FR" sz="1800" dirty="0">
+                <a:effectLst/>
+                <a:latin typeface="Courier New" panose="02070309020205020404" pitchFamily="49" charset="0"/>
+              </a:rPr>
+              <a:t> </a:t>
+            </a:r>
+          </a:p>
+          <a:p>
+            <a:pPr marL="0" marR="0" indent="0">
+              <a:spcBef>
+                <a:spcPts val="0"/>
+              </a:spcBef>
+              <a:spcAft>
+                <a:spcPts val="0"/>
+              </a:spcAft>
+              <a:buNone/>
+            </a:pPr>
+            <a:endParaRPr lang="fr-FR" sz="1800" dirty="0">
+              <a:effectLst/>
+              <a:latin typeface="Courier New" panose="02070309020205020404" pitchFamily="49" charset="0"/>
+            </a:endParaRPr>
+          </a:p>
+          <a:p>
+            <a:pPr marL="0" marR="0" indent="0">
+              <a:spcBef>
+                <a:spcPts val="0"/>
+              </a:spcBef>
+              <a:spcAft>
+                <a:spcPts val="0"/>
+              </a:spcAft>
+              <a:buNone/>
+            </a:pPr>
+            <a:endParaRPr lang="fr-FR" sz="1800" dirty="0">
+              <a:latin typeface="Courier New" panose="02070309020205020404" pitchFamily="49" charset="0"/>
+            </a:endParaRPr>
+          </a:p>
+          <a:p>
+            <a:pPr marL="0" marR="0" indent="0">
+              <a:spcBef>
+                <a:spcPts val="0"/>
+              </a:spcBef>
+              <a:spcAft>
+                <a:spcPts val="0"/>
+              </a:spcAft>
+              <a:buNone/>
+            </a:pPr>
+            <a:endParaRPr lang="fr-FR" sz="1800" dirty="0">
+              <a:effectLst/>
+              <a:latin typeface="Courier New" panose="02070309020205020404" pitchFamily="49" charset="0"/>
+            </a:endParaRPr>
+          </a:p>
+          <a:p>
+            <a:pPr marL="0" marR="0" indent="0">
+              <a:spcBef>
+                <a:spcPts val="0"/>
+              </a:spcBef>
+              <a:spcAft>
+                <a:spcPts val="0"/>
+              </a:spcAft>
+              <a:buNone/>
+            </a:pPr>
+            <a:r>
+              <a:rPr lang="fr-FR" sz="1800" dirty="0">
+                <a:effectLst/>
+                <a:latin typeface="Courier New" panose="02070309020205020404" pitchFamily="49" charset="0"/>
+              </a:rPr>
+              <a:t>Spam</a:t>
+            </a:r>
+          </a:p>
+          <a:p>
+            <a:pPr marL="457200" lvl="1">
+              <a:spcBef>
+                <a:spcPts val="0"/>
+              </a:spcBef>
+            </a:pPr>
+            <a:r>
+              <a:rPr lang="fr-FR" sz="1400" dirty="0">
+                <a:effectLst/>
+                <a:latin typeface="Courier New" panose="02070309020205020404" pitchFamily="49" charset="0"/>
+              </a:rPr>
+              <a:t>On ne veut pas de vrai mail classé en spam</a:t>
+            </a:r>
+          </a:p>
+          <a:p>
+            <a:pPr marL="457200" lvl="1">
+              <a:spcBef>
+                <a:spcPts val="0"/>
+              </a:spcBef>
+            </a:pPr>
+            <a:r>
+              <a:rPr lang="fr-FR" sz="1400" dirty="0">
+                <a:effectLst/>
+                <a:latin typeface="Courier New" panose="02070309020205020404" pitchFamily="49" charset="0"/>
+              </a:rPr>
+              <a:t>Donc on veut un Faux Positif bas</a:t>
+            </a:r>
+          </a:p>
+          <a:p>
+            <a:pPr marL="457200" lvl="1">
+              <a:spcBef>
+                <a:spcPts val="0"/>
+              </a:spcBef>
+            </a:pPr>
+            <a:r>
+              <a:rPr lang="fr-FR" sz="1400" dirty="0" err="1">
+                <a:effectLst/>
+                <a:latin typeface="Courier New" panose="02070309020205020404" pitchFamily="49" charset="0"/>
+              </a:rPr>
+              <a:t>Recall</a:t>
+            </a:r>
+            <a:r>
+              <a:rPr lang="fr-FR" sz="1400" dirty="0">
+                <a:effectLst/>
+                <a:latin typeface="Courier New" panose="02070309020205020404" pitchFamily="49" charset="0"/>
+              </a:rPr>
+              <a:t>    peut être moyen</a:t>
+            </a:r>
+          </a:p>
+          <a:p>
+            <a:pPr marL="457200" lvl="1">
+              <a:spcBef>
+                <a:spcPts val="0"/>
+              </a:spcBef>
+            </a:pPr>
+            <a:r>
+              <a:rPr lang="fr-FR" sz="1400" dirty="0" err="1">
+                <a:effectLst/>
+                <a:latin typeface="Courier New" panose="02070309020205020404" pitchFamily="49" charset="0"/>
+              </a:rPr>
+              <a:t>Precision</a:t>
+            </a:r>
+            <a:r>
+              <a:rPr lang="fr-FR" sz="1400" dirty="0">
+                <a:effectLst/>
+                <a:latin typeface="Courier New" panose="02070309020205020404" pitchFamily="49" charset="0"/>
+              </a:rPr>
+              <a:t> doit être proche de 1 </a:t>
+            </a:r>
+          </a:p>
+          <a:p>
+            <a:endParaRPr lang="fr-FR" dirty="0"/>
+          </a:p>
+        </p:txBody>
+      </p:sp>
+      <p:sp>
+        <p:nvSpPr>
+          <p:cNvPr id="4" name="ZoneTexte 3">
+            <a:extLst>
+              <a:ext uri="{FF2B5EF4-FFF2-40B4-BE49-F238E27FC236}">
+                <a16:creationId xmlns:a16="http://schemas.microsoft.com/office/drawing/2014/main" id="{BC769971-6696-B68B-7A7E-C22BD1307536}"/>
+              </a:ext>
+            </a:extLst>
+          </p:cNvPr>
+          <p:cNvSpPr txBox="1"/>
+          <p:nvPr/>
+        </p:nvSpPr>
+        <p:spPr>
+          <a:xfrm>
+            <a:off x="5104356" y="4606447"/>
+            <a:ext cx="1563248" cy="646331"/>
+          </a:xfrm>
+          <a:prstGeom prst="rect">
+            <a:avLst/>
+          </a:prstGeom>
+          <a:noFill/>
+        </p:spPr>
+        <p:txBody>
+          <a:bodyPr wrap="none" rtlCol="0">
+            <a:spAutoFit/>
+          </a:bodyPr>
+          <a:lstStyle/>
+          <a:p>
+            <a:pPr algn="ctr"/>
+            <a:r>
+              <a:rPr lang="fr-FR" sz="1800" dirty="0" err="1">
+                <a:effectLst/>
+                <a:latin typeface="Courier New" panose="02070309020205020404" pitchFamily="49" charset="0"/>
+              </a:rPr>
+              <a:t>Precision</a:t>
+            </a:r>
+            <a:endParaRPr lang="fr-FR" sz="1800" dirty="0">
+              <a:effectLst/>
+              <a:latin typeface="Courier New" panose="02070309020205020404" pitchFamily="49" charset="0"/>
+            </a:endParaRPr>
+          </a:p>
+          <a:p>
+            <a:pPr algn="ctr"/>
+            <a:r>
+              <a:rPr lang="fr-FR" sz="1800" dirty="0">
+                <a:effectLst/>
+                <a:latin typeface="Courier New" panose="02070309020205020404" pitchFamily="49" charset="0"/>
+              </a:rPr>
+              <a:t>TP/(TP+FP)</a:t>
+            </a:r>
+            <a:endParaRPr lang="fr-FR" dirty="0"/>
+          </a:p>
+        </p:txBody>
+      </p:sp>
+      <p:sp>
+        <p:nvSpPr>
+          <p:cNvPr id="5" name="ZoneTexte 4">
+            <a:extLst>
+              <a:ext uri="{FF2B5EF4-FFF2-40B4-BE49-F238E27FC236}">
+                <a16:creationId xmlns:a16="http://schemas.microsoft.com/office/drawing/2014/main" id="{6722959C-02DD-0821-1CC0-81C189230146}"/>
+              </a:ext>
+            </a:extLst>
+          </p:cNvPr>
+          <p:cNvSpPr txBox="1"/>
+          <p:nvPr/>
+        </p:nvSpPr>
+        <p:spPr>
+          <a:xfrm>
+            <a:off x="5404982" y="2458426"/>
+            <a:ext cx="1563248" cy="646331"/>
+          </a:xfrm>
+          <a:prstGeom prst="rect">
+            <a:avLst/>
+          </a:prstGeom>
+          <a:noFill/>
+        </p:spPr>
+        <p:txBody>
+          <a:bodyPr wrap="none" rtlCol="0">
+            <a:spAutoFit/>
+          </a:bodyPr>
+          <a:lstStyle/>
+          <a:p>
+            <a:pPr algn="ctr"/>
+            <a:r>
+              <a:rPr lang="fr-FR" sz="1800" dirty="0" err="1">
+                <a:effectLst/>
+                <a:latin typeface="Courier New" panose="02070309020205020404" pitchFamily="49" charset="0"/>
+              </a:rPr>
+              <a:t>Recall</a:t>
+            </a:r>
+            <a:r>
+              <a:rPr lang="fr-FR" sz="1800" dirty="0">
+                <a:effectLst/>
+                <a:latin typeface="Courier New" panose="02070309020205020404" pitchFamily="49" charset="0"/>
+              </a:rPr>
+              <a:t> </a:t>
+            </a:r>
+          </a:p>
+          <a:p>
+            <a:pPr algn="ctr"/>
+            <a:r>
+              <a:rPr lang="fr-FR" sz="1800" dirty="0">
+                <a:effectLst/>
+                <a:latin typeface="Courier New" panose="02070309020205020404" pitchFamily="49" charset="0"/>
+              </a:rPr>
+              <a:t>TP/(TP+FN)</a:t>
+            </a:r>
+            <a:endParaRPr lang="fr-FR" dirty="0"/>
           </a:p>
         </p:txBody>
       </p:sp>
     </p:spTree>
     <p:extLst>
       <p:ext uri="{BB962C8B-B14F-4D97-AF65-F5344CB8AC3E}">
-        <p14:creationId xmlns:p14="http://schemas.microsoft.com/office/powerpoint/2010/main" val="80189523"/>
+        <p14:creationId xmlns:p14="http://schemas.microsoft.com/office/powerpoint/2010/main" val="2203231843"/>
       </p:ext>
     </p:extLst>
   </p:cSld>
@@ -17625,7 +19357,7 @@
           <p:cNvPr id="2" name="Titre 1">
             <a:extLst>
               <a:ext uri="{FF2B5EF4-FFF2-40B4-BE49-F238E27FC236}">
-                <a16:creationId xmlns:a16="http://schemas.microsoft.com/office/drawing/2014/main" id="{43027863-5F12-C0FC-41B6-6A37F08C783C}"/>
+                <a16:creationId xmlns:a16="http://schemas.microsoft.com/office/drawing/2014/main" id="{FA6243E6-E350-4836-3E9F-D3814475FD2C}"/>
               </a:ext>
             </a:extLst>
           </p:cNvPr>
@@ -17643,17 +19375,17 @@
           <a:p>
             <a:r>
               <a:rPr lang="fr-FR" dirty="0"/>
-              <a:t>Analyse</a:t>
-            </a:r>
-          </a:p>
-        </p:txBody>
-      </p:sp>
-      <p:sp>
-        <p:nvSpPr>
-          <p:cNvPr id="3" name="Espace réservé du contenu 2">
-            <a:extLst>
-              <a:ext uri="{FF2B5EF4-FFF2-40B4-BE49-F238E27FC236}">
-                <a16:creationId xmlns:a16="http://schemas.microsoft.com/office/drawing/2014/main" id="{7343D8EC-44D1-AF04-E6CC-7986F8B14507}"/>
+              <a:t>Jour 8 - Projet</a:t>
+            </a:r>
+          </a:p>
+        </p:txBody>
+      </p:sp>
+      <p:sp>
+        <p:nvSpPr>
+          <p:cNvPr id="4" name="Espace réservé du texte 3">
+            <a:extLst>
+              <a:ext uri="{FF2B5EF4-FFF2-40B4-BE49-F238E27FC236}">
+                <a16:creationId xmlns:a16="http://schemas.microsoft.com/office/drawing/2014/main" id="{D15B72BF-F68A-0242-113B-2926D9E09185}"/>
               </a:ext>
             </a:extLst>
           </p:cNvPr>
@@ -17661,118 +19393,22 @@
             <a:spLocks noGrp="1"/>
           </p:cNvSpPr>
           <p:nvPr>
-            <p:ph idx="1"/>
+            <p:ph type="body" idx="1"/>
           </p:nvPr>
         </p:nvSpPr>
         <p:spPr/>
         <p:txBody>
-          <a:bodyPr>
-            <a:normAutofit/>
-          </a:bodyPr>
+          <a:bodyPr/>
           <a:lstStyle/>
           <a:p>
-            <a:r>
-              <a:rPr lang="fr-FR" dirty="0"/>
-              <a:t>C'est quoi votre </a:t>
-            </a:r>
-            <a:r>
-              <a:rPr lang="fr-FR" dirty="0" err="1"/>
-              <a:t>target</a:t>
-            </a:r>
-            <a:r>
-              <a:rPr lang="fr-FR" dirty="0"/>
-              <a:t> ?</a:t>
-            </a:r>
-          </a:p>
-          <a:p>
-            <a:pPr lvl="1"/>
-            <a:r>
-              <a:rPr lang="fr-FR" dirty="0"/>
-              <a:t>Donc les autres ce sont les </a:t>
-            </a:r>
-            <a:r>
-              <a:rPr lang="fr-FR" dirty="0" err="1"/>
-              <a:t>features</a:t>
-            </a:r>
-            <a:endParaRPr lang="fr-FR" dirty="0"/>
-          </a:p>
-          <a:p>
-            <a:r>
-              <a:rPr lang="fr-FR" dirty="0"/>
-              <a:t>C'est de la régression ou du classement?</a:t>
-            </a:r>
-          </a:p>
-          <a:p>
-            <a:r>
-              <a:rPr lang="fr-FR" dirty="0"/>
-              <a:t>Passez du temps sur l'EDA</a:t>
-            </a:r>
-          </a:p>
-          <a:p>
-            <a:pPr lvl="1"/>
-            <a:r>
-              <a:rPr lang="fr-FR" dirty="0"/>
-              <a:t>Revoyez l'exemple Titanic</a:t>
-            </a:r>
-          </a:p>
-          <a:p>
-            <a:pPr lvl="1"/>
-            <a:r>
-              <a:rPr lang="fr-FR" dirty="0"/>
-              <a:t>Affichez la </a:t>
-            </a:r>
-            <a:r>
-              <a:rPr lang="fr-FR" dirty="0" err="1"/>
-              <a:t>target</a:t>
-            </a:r>
-            <a:r>
-              <a:rPr lang="fr-FR" dirty="0"/>
-              <a:t> en fonction des </a:t>
-            </a:r>
-            <a:r>
-              <a:rPr lang="fr-FR" dirty="0" err="1"/>
-              <a:t>features</a:t>
-            </a:r>
-            <a:r>
-              <a:rPr lang="fr-FR" dirty="0"/>
-              <a:t>, appropriez-vous les données</a:t>
-            </a:r>
-          </a:p>
-          <a:p>
-            <a:r>
-              <a:rPr lang="fr-FR" dirty="0"/>
-              <a:t>Analysez, critiquez les scores</a:t>
-            </a:r>
-          </a:p>
-          <a:p>
-            <a:r>
-              <a:rPr lang="fr-FR" dirty="0"/>
-              <a:t>Y a-t-il d'autres modèles, en plus de ceux vus en cours, à tester ?</a:t>
-            </a:r>
-          </a:p>
-          <a:p>
-            <a:r>
-              <a:rPr lang="fr-FR" dirty="0"/>
-              <a:t>Y a-t-il des </a:t>
-            </a:r>
-            <a:r>
-              <a:rPr lang="fr-FR" dirty="0" err="1"/>
-              <a:t>scorings</a:t>
-            </a:r>
-            <a:r>
-              <a:rPr lang="fr-FR" dirty="0"/>
-              <a:t>, pas vu en cours, utilisables ?</a:t>
-            </a:r>
-          </a:p>
-          <a:p>
-            <a:endParaRPr lang="fr-FR" dirty="0"/>
+            <a:endParaRPr lang="fr-FR"/>
           </a:p>
         </p:txBody>
       </p:sp>
     </p:spTree>
     <p:extLst>
       <p:ext uri="{BB962C8B-B14F-4D97-AF65-F5344CB8AC3E}">
-        <p14:creationId xmlns:p14="http://schemas.microsoft.com/office/powerpoint/2010/main" val="2196644587"/>
+        <p14:creationId xmlns:p14="http://schemas.microsoft.com/office/powerpoint/2010/main" val="3791528499"/>
       </p:ext>
     </p:extLst>
   </p:cSld>
@@ -17801,10 +19437,10 @@
       </p:grpSpPr>
       <p:sp>
         <p:nvSpPr>
-          <p:cNvPr id="2" name="Titre 1">
-            <a:extLst>
-              <a:ext uri="{FF2B5EF4-FFF2-40B4-BE49-F238E27FC236}">
-                <a16:creationId xmlns:a16="http://schemas.microsoft.com/office/drawing/2014/main" id="{FA6243E6-E350-4836-3E9F-D3814475FD2C}"/>
+          <p:cNvPr id="4" name="Titre 3">
+            <a:extLst>
+              <a:ext uri="{FF2B5EF4-FFF2-40B4-BE49-F238E27FC236}">
+                <a16:creationId xmlns:a16="http://schemas.microsoft.com/office/drawing/2014/main" id="{E0EF6534-E2A9-B8D6-2479-C32AFD155124}"/>
               </a:ext>
             </a:extLst>
           </p:cNvPr>
@@ -17821,22 +19457,18 @@
           <a:lstStyle/>
           <a:p>
             <a:r>
-              <a:rPr lang="fr-FR"/>
-              <a:t>Jour 10 </a:t>
-            </a:r>
-            <a:r>
-              <a:rPr lang="fr-FR" dirty="0"/>
-              <a:t>- Présentations</a:t>
-            </a:r>
-          </a:p>
-        </p:txBody>
-      </p:sp>
-      <p:sp>
-        <p:nvSpPr>
-          <p:cNvPr id="4" name="Espace réservé du texte 3">
-            <a:extLst>
-              <a:ext uri="{FF2B5EF4-FFF2-40B4-BE49-F238E27FC236}">
-                <a16:creationId xmlns:a16="http://schemas.microsoft.com/office/drawing/2014/main" id="{3D678D7E-8072-8B66-6EB7-C0CECFAF9EAE}"/>
+              <a:rPr lang="fr-FR" dirty="0"/>
+              <a:t>Rétro planning</a:t>
+            </a:r>
+          </a:p>
+        </p:txBody>
+      </p:sp>
+      <p:sp>
+        <p:nvSpPr>
+          <p:cNvPr id="5" name="Espace réservé du contenu 4">
+            <a:extLst>
+              <a:ext uri="{FF2B5EF4-FFF2-40B4-BE49-F238E27FC236}">
+                <a16:creationId xmlns:a16="http://schemas.microsoft.com/office/drawing/2014/main" id="{E7243C4C-A2DA-48C8-744A-8AB1E7248236}"/>
               </a:ext>
             </a:extLst>
           </p:cNvPr>
@@ -17844,22 +19476,66 @@
             <a:spLocks noGrp="1"/>
           </p:cNvSpPr>
           <p:nvPr>
-            <p:ph type="body" idx="1"/>
+            <p:ph idx="1"/>
           </p:nvPr>
         </p:nvSpPr>
         <p:spPr/>
         <p:txBody>
-          <a:bodyPr/>
+          <a:bodyPr>
+            <a:normAutofit/>
+          </a:bodyPr>
           <a:lstStyle/>
           <a:p>
-            <a:endParaRPr lang="fr-FR"/>
+            <a:r>
+              <a:rPr lang="fr-FR" dirty="0"/>
+              <a:t>Présentations Vendredi après-midi</a:t>
+            </a:r>
+          </a:p>
+          <a:p>
+            <a:r>
+              <a:rPr lang="fr-FR" dirty="0"/>
+              <a:t>=&gt; Répétitions Vendredi entre 12 et 14H</a:t>
+            </a:r>
+          </a:p>
+          <a:p>
+            <a:r>
+              <a:rPr lang="fr-FR" dirty="0"/>
+              <a:t>=&gt; Slides terminés, relus etc. à 12H</a:t>
+            </a:r>
+          </a:p>
+          <a:p>
+            <a:r>
+              <a:rPr lang="fr-FR" dirty="0"/>
+              <a:t>=&gt; Jeudi soir tous les graphes, scores, conclusions sont sortis</a:t>
+            </a:r>
+          </a:p>
+          <a:p>
+            <a:pPr lvl="1"/>
+            <a:r>
+              <a:rPr lang="fr-FR" dirty="0"/>
+              <a:t>Vendredi matin on pourra sortir 1 ou 2 trucs mais pas beaucoup plus</a:t>
+            </a:r>
+          </a:p>
+          <a:p>
+            <a:r>
+              <a:rPr lang="fr-FR" dirty="0"/>
+              <a:t>=&gt; Cherchez des </a:t>
+            </a:r>
+            <a:r>
+              <a:rPr lang="fr-FR" dirty="0" err="1"/>
+              <a:t>datasets</a:t>
+            </a:r>
+            <a:r>
+              <a:rPr lang="fr-FR" dirty="0"/>
+              <a:t> et des idées de sujet le week-end précédent</a:t>
+            </a:r>
           </a:p>
         </p:txBody>
       </p:sp>
     </p:spTree>
     <p:extLst>
       <p:ext uri="{BB962C8B-B14F-4D97-AF65-F5344CB8AC3E}">
-        <p14:creationId xmlns:p14="http://schemas.microsoft.com/office/powerpoint/2010/main" val="1230004352"/>
+        <p14:creationId xmlns:p14="http://schemas.microsoft.com/office/powerpoint/2010/main" val="2196411414"/>
       </p:ext>
     </p:extLst>
   </p:cSld>
@@ -17891,7 +19567,7 @@
           <p:cNvPr id="2" name="Titre 1">
             <a:extLst>
               <a:ext uri="{FF2B5EF4-FFF2-40B4-BE49-F238E27FC236}">
-                <a16:creationId xmlns:a16="http://schemas.microsoft.com/office/drawing/2014/main" id="{370F5FAD-9F53-AAE9-AB90-BF22980F842C}"/>
+                <a16:creationId xmlns:a16="http://schemas.microsoft.com/office/drawing/2014/main" id="{91D577C0-85A9-8612-8D5E-F221D19DDEA3}"/>
               </a:ext>
             </a:extLst>
           </p:cNvPr>
@@ -17909,7 +19585,7 @@
           <a:p>
             <a:r>
               <a:rPr lang="fr-FR" dirty="0"/>
-              <a:t>Présentation</a:t>
+              <a:t>Conduite du projet</a:t>
             </a:r>
           </a:p>
         </p:txBody>
@@ -17919,7 +19595,7 @@
           <p:cNvPr id="3" name="Espace réservé du contenu 2">
             <a:extLst>
               <a:ext uri="{FF2B5EF4-FFF2-40B4-BE49-F238E27FC236}">
-                <a16:creationId xmlns:a16="http://schemas.microsoft.com/office/drawing/2014/main" id="{913331AE-0180-6BC1-67DA-C0635E1BC504}"/>
+                <a16:creationId xmlns:a16="http://schemas.microsoft.com/office/drawing/2014/main" id="{EB0FC026-327D-475F-13A4-A3A9BB6066E7}"/>
               </a:ext>
             </a:extLst>
           </p:cNvPr>
@@ -17930,88 +19606,121 @@
             <p:ph idx="1"/>
           </p:nvPr>
         </p:nvSpPr>
-        <p:spPr>
-          <a:xfrm>
-            <a:off x="838200" y="1825625"/>
-            <a:ext cx="10595708" cy="4351338"/>
-          </a:xfrm>
-        </p:spPr>
+        <p:spPr/>
         <p:txBody>
           <a:bodyPr>
-            <a:normAutofit lnSpcReduction="10000"/>
+            <a:normAutofit fontScale="92500"/>
           </a:bodyPr>
           <a:lstStyle/>
           <a:p>
             <a:r>
               <a:rPr lang="fr-FR" dirty="0"/>
-              <a:t>10' + 5' de questions</a:t>
-            </a:r>
-          </a:p>
-          <a:p>
-            <a:r>
-              <a:rPr lang="fr-FR" dirty="0"/>
-              <a:t>=&gt; 5-6 slides</a:t>
-            </a:r>
-          </a:p>
-          <a:p>
-            <a:r>
-              <a:rPr lang="fr-FR" dirty="0"/>
-              <a:t>Pensez au slide qui va rester à l'écran pendant les Q&amp;A</a:t>
+              <a:t>Ce n'est pas un concours, c'est une validation des acquis</a:t>
             </a:r>
           </a:p>
           <a:p>
             <a:pPr lvl="1"/>
             <a:r>
               <a:rPr lang="fr-FR" dirty="0"/>
-              <a:t>Vous passez quoi comme message pendant ce temps?</a:t>
-            </a:r>
-          </a:p>
-          <a:p>
-            <a:r>
-              <a:rPr lang="fr-FR" dirty="0"/>
-              <a:t>Imaginez que vous présentez à vos parents</a:t>
+              <a:t>Montrez que vous savez appliquer ce que vous avez appris</a:t>
             </a:r>
           </a:p>
           <a:p>
             <a:pPr lvl="1"/>
             <a:r>
               <a:rPr lang="fr-FR" dirty="0"/>
-              <a:t>Assurez-vous que l'auditoire vous suit</a:t>
-            </a:r>
+              <a:t>Vous êtes là pour prouver, pas pour trouver</a:t>
+            </a:r>
+          </a:p>
+          <a:p>
+            <a:r>
+              <a:rPr lang="fr-FR" dirty="0" err="1"/>
+              <a:t>Dataset</a:t>
+            </a:r>
+            <a:endParaRPr lang="fr-FR" dirty="0"/>
           </a:p>
           <a:p>
             <a:pPr lvl="1"/>
             <a:r>
               <a:rPr lang="fr-FR" dirty="0"/>
-              <a:t>Pas (trop) de technique, des images, des dessins des conclusions simples</a:t>
-            </a:r>
-          </a:p>
-          <a:p>
-            <a:r>
-              <a:rPr lang="fr-FR" dirty="0"/>
-              <a:t>Pas trop de texte sur les slides</a:t>
+              <a:t>Il vaut mieux un excellent </a:t>
+            </a:r>
+            <a:r>
+              <a:rPr lang="fr-FR" dirty="0" err="1"/>
+              <a:t>dataset</a:t>
+            </a:r>
+            <a:r>
+              <a:rPr lang="fr-FR" dirty="0"/>
+              <a:t> sur un sujet "moyen"</a:t>
             </a:r>
           </a:p>
           <a:p>
             <a:pPr lvl="1"/>
             <a:r>
               <a:rPr lang="fr-FR" dirty="0"/>
-              <a:t>5 phrases max</a:t>
+              <a:t>Plutôt qu'un "formidable" sujet mais aucune donnée à traiter</a:t>
             </a:r>
           </a:p>
           <a:p>
             <a:pPr lvl="1"/>
             <a:r>
               <a:rPr lang="fr-FR" dirty="0"/>
-              <a:t>5 mots par phrase</a:t>
-            </a:r>
+              <a:t>Garbage in =&gt; Garbage Out</a:t>
+            </a:r>
+          </a:p>
+          <a:p>
+            <a:r>
+              <a:rPr lang="fr-FR" dirty="0" err="1"/>
+              <a:t>Dataset</a:t>
+            </a:r>
+            <a:endParaRPr lang="fr-FR" dirty="0"/>
+          </a:p>
+          <a:p>
+            <a:pPr lvl="1"/>
+            <a:r>
+              <a:rPr lang="fr-FR" dirty="0"/>
+              <a:t>Vous allez passer 2/3 du temps sur les </a:t>
+            </a:r>
+            <a:r>
+              <a:rPr lang="fr-FR" dirty="0" err="1"/>
+              <a:t>datasets</a:t>
+            </a:r>
+            <a:r>
+              <a:rPr lang="fr-FR" dirty="0"/>
+              <a:t>, l'EDA</a:t>
+            </a:r>
+          </a:p>
+          <a:p>
+            <a:pPr lvl="1"/>
+            <a:r>
+              <a:rPr lang="fr-FR" dirty="0"/>
+              <a:t>Faire tourner des modèles c'est facile et rapide</a:t>
+            </a:r>
+          </a:p>
+          <a:p>
+            <a:pPr lvl="1"/>
+            <a:r>
+              <a:rPr lang="fr-FR" dirty="0"/>
+              <a:t>Si les données sont trop pourries changez de </a:t>
+            </a:r>
+            <a:r>
+              <a:rPr lang="fr-FR" dirty="0" err="1"/>
+              <a:t>dataset</a:t>
+            </a:r>
+            <a:r>
+              <a:rPr lang="fr-FR" dirty="0"/>
+              <a:t> . Quitte à changer de sujet</a:t>
+            </a:r>
+          </a:p>
+          <a:p>
+            <a:endParaRPr lang="fr-FR" dirty="0"/>
           </a:p>
         </p:txBody>
       </p:sp>
     </p:spTree>
     <p:extLst>
       <p:ext uri="{BB962C8B-B14F-4D97-AF65-F5344CB8AC3E}">
-        <p14:creationId xmlns:p14="http://schemas.microsoft.com/office/powerpoint/2010/main" val="670108457"/>
+        <p14:creationId xmlns:p14="http://schemas.microsoft.com/office/powerpoint/2010/main" val="2540323896"/>
       </p:ext>
     </p:extLst>
   </p:cSld>
@@ -18043,7 +19752,7 @@
           <p:cNvPr id="2" name="Titre 1">
             <a:extLst>
               <a:ext uri="{FF2B5EF4-FFF2-40B4-BE49-F238E27FC236}">
-                <a16:creationId xmlns:a16="http://schemas.microsoft.com/office/drawing/2014/main" id="{6F0D182C-1E5D-ED58-7153-E1A941AD5452}"/>
+                <a16:creationId xmlns:a16="http://schemas.microsoft.com/office/drawing/2014/main" id="{FA6243E6-E350-4836-3E9F-D3814475FD2C}"/>
               </a:ext>
             </a:extLst>
           </p:cNvPr>
@@ -18061,7 +19770,90 @@
           <a:p>
             <a:r>
               <a:rPr lang="fr-FR" dirty="0"/>
-              <a:t>Répétitions</a:t>
+              <a:t>Jour 9 - Projet</a:t>
+            </a:r>
+          </a:p>
+        </p:txBody>
+      </p:sp>
+      <p:sp>
+        <p:nvSpPr>
+          <p:cNvPr id="4" name="Espace réservé du texte 3">
+            <a:extLst>
+              <a:ext uri="{FF2B5EF4-FFF2-40B4-BE49-F238E27FC236}">
+                <a16:creationId xmlns:a16="http://schemas.microsoft.com/office/drawing/2014/main" id="{24E22D90-D352-DD92-3A88-32EB8E2D63FA}"/>
+              </a:ext>
+            </a:extLst>
+          </p:cNvPr>
+          <p:cNvSpPr>
+            <a:spLocks noGrp="1"/>
+          </p:cNvSpPr>
+          <p:nvPr>
+            <p:ph type="body" idx="1"/>
+          </p:nvPr>
+        </p:nvSpPr>
+        <p:spPr/>
+        <p:txBody>
+          <a:bodyPr/>
+          <a:lstStyle/>
+          <a:p>
+            <a:endParaRPr lang="fr-FR"/>
+          </a:p>
+        </p:txBody>
+      </p:sp>
+    </p:spTree>
+    <p:extLst>
+      <p:ext uri="{BB962C8B-B14F-4D97-AF65-F5344CB8AC3E}">
+        <p14:creationId xmlns:p14="http://schemas.microsoft.com/office/powerpoint/2010/main" val="80189523"/>
+      </p:ext>
+    </p:extLst>
+  </p:cSld>
+  <p:clrMapOvr>
+    <a:masterClrMapping/>
+  </p:clrMapOvr>
+</p:sld>
+</file>
+
+<file path=ppt/slides/slide48.xml><?xml version="1.0" encoding="utf-8"?>
+<p:sld xmlns:a="http://schemas.openxmlformats.org/drawingml/2006/main" xmlns:r="http://schemas.openxmlformats.org/officeDocument/2006/relationships" xmlns:p="http://schemas.openxmlformats.org/presentationml/2006/main">
+  <p:cSld>
+    <p:spTree>
+      <p:nvGrpSpPr>
+        <p:cNvPr id="1" name=""/>
+        <p:cNvGrpSpPr/>
+        <p:nvPr/>
+      </p:nvGrpSpPr>
+      <p:grpSpPr>
+        <a:xfrm>
+          <a:off x="0" y="0"/>
+          <a:ext cx="0" cy="0"/>
+          <a:chOff x="0" y="0"/>
+          <a:chExt cx="0" cy="0"/>
+        </a:xfrm>
+      </p:grpSpPr>
+      <p:sp>
+        <p:nvSpPr>
+          <p:cNvPr id="2" name="Titre 1">
+            <a:extLst>
+              <a:ext uri="{FF2B5EF4-FFF2-40B4-BE49-F238E27FC236}">
+                <a16:creationId xmlns:a16="http://schemas.microsoft.com/office/drawing/2014/main" id="{43027863-5F12-C0FC-41B6-6A37F08C783C}"/>
+              </a:ext>
+            </a:extLst>
+          </p:cNvPr>
+          <p:cNvSpPr>
+            <a:spLocks noGrp="1"/>
+          </p:cNvSpPr>
+          <p:nvPr>
+            <p:ph type="title"/>
+          </p:nvPr>
+        </p:nvSpPr>
+        <p:spPr/>
+        <p:txBody>
+          <a:bodyPr/>
+          <a:lstStyle/>
+          <a:p>
+            <a:r>
+              <a:rPr lang="fr-FR" dirty="0"/>
+              <a:t>Analyse</a:t>
             </a:r>
           </a:p>
         </p:txBody>
@@ -18071,7 +19863,7 @@
           <p:cNvPr id="3" name="Espace réservé du contenu 2">
             <a:extLst>
               <a:ext uri="{FF2B5EF4-FFF2-40B4-BE49-F238E27FC236}">
-                <a16:creationId xmlns:a16="http://schemas.microsoft.com/office/drawing/2014/main" id="{C6C930C7-903E-CFFA-C59E-99506DCC3630}"/>
+                <a16:creationId xmlns:a16="http://schemas.microsoft.com/office/drawing/2014/main" id="{7343D8EC-44D1-AF04-E6CC-7986F8B14507}"/>
               </a:ext>
             </a:extLst>
           </p:cNvPr>
@@ -18085,72 +19877,101 @@
         <p:spPr/>
         <p:txBody>
           <a:bodyPr>
-            <a:normAutofit lnSpcReduction="10000"/>
+            <a:normAutofit/>
           </a:bodyPr>
           <a:lstStyle/>
           <a:p>
             <a:r>
               <a:rPr lang="fr-FR" dirty="0"/>
-              <a:t>La répétition se fait debout devant un écran…</a:t>
-            </a:r>
-          </a:p>
-          <a:p>
-            <a:r>
-              <a:rPr lang="fr-FR" dirty="0"/>
-              <a:t>Chaque membre doit parler</a:t>
-            </a:r>
-          </a:p>
-          <a:p>
-            <a:r>
-              <a:rPr lang="fr-FR" dirty="0"/>
-              <a:t>Soignez l'intro (open gambit) et la conclusion (restez positifs)</a:t>
+              <a:t>C'est quoi votre </a:t>
+            </a:r>
+            <a:r>
+              <a:rPr lang="fr-FR" dirty="0" err="1"/>
+              <a:t>target</a:t>
+            </a:r>
+            <a:r>
+              <a:rPr lang="fr-FR" dirty="0"/>
+              <a:t> ?</a:t>
             </a:r>
           </a:p>
           <a:p>
             <a:pPr lvl="1"/>
             <a:r>
               <a:rPr lang="fr-FR" dirty="0"/>
-              <a:t>Prenez le temps d'exposer le sujet </a:t>
+              <a:t>Donc les autres ce sont les </a:t>
+            </a:r>
+            <a:r>
+              <a:rPr lang="fr-FR" dirty="0" err="1"/>
+              <a:t>features</a:t>
+            </a:r>
+            <a:endParaRPr lang="fr-FR" dirty="0"/>
+          </a:p>
+          <a:p>
+            <a:r>
+              <a:rPr lang="fr-FR" dirty="0"/>
+              <a:t>C'est de la régression ou du classement?</a:t>
+            </a:r>
+          </a:p>
+          <a:p>
+            <a:r>
+              <a:rPr lang="fr-FR" dirty="0"/>
+              <a:t>Passez du temps sur l'EDA</a:t>
             </a:r>
           </a:p>
           <a:p>
             <a:pPr lvl="1"/>
             <a:r>
               <a:rPr lang="fr-FR" dirty="0"/>
-              <a:t>Vous êtes dessus depuis 2 jours, pas votre auditoire</a:t>
-            </a:r>
-          </a:p>
-          <a:p>
-            <a:r>
-              <a:rPr lang="fr-FR" dirty="0"/>
-              <a:t>Les slides ne sont PAS la présentation </a:t>
+              <a:t>Revoyez l'exemple Titanic</a:t>
             </a:r>
           </a:p>
           <a:p>
             <a:pPr lvl="1"/>
             <a:r>
               <a:rPr lang="fr-FR" dirty="0"/>
-              <a:t>c'est ce que vous dites qui compte</a:t>
-            </a:r>
-          </a:p>
-          <a:p>
-            <a:r>
-              <a:rPr lang="fr-FR" dirty="0"/>
-              <a:t>Si il y a des graphes expliquez les axes, les unités, le contenu</a:t>
-            </a:r>
-          </a:p>
-          <a:p>
-            <a:pPr lvl="1"/>
-            <a:r>
-              <a:rPr lang="fr-FR" dirty="0"/>
-              <a:t>Simplifiez, simplifiez, simplifiez</a:t>
-            </a:r>
-          </a:p>
-          <a:p>
-            <a:pPr lvl="1"/>
-            <a:r>
-              <a:rPr lang="fr-FR" dirty="0"/>
-              <a:t>Les infographies c'est comme les blagues, si il faut expliquer c'est raté</a:t>
+              <a:t>Affichez la </a:t>
+            </a:r>
+            <a:r>
+              <a:rPr lang="fr-FR" dirty="0" err="1"/>
+              <a:t>target</a:t>
+            </a:r>
+            <a:r>
+              <a:rPr lang="fr-FR" dirty="0"/>
+              <a:t> en fonction des </a:t>
+            </a:r>
+            <a:r>
+              <a:rPr lang="fr-FR" dirty="0" err="1"/>
+              <a:t>features</a:t>
+            </a:r>
+            <a:r>
+              <a:rPr lang="fr-FR" dirty="0"/>
+              <a:t>, appropriez-vous les données</a:t>
+            </a:r>
+          </a:p>
+          <a:p>
+            <a:r>
+              <a:rPr lang="fr-FR" dirty="0"/>
+              <a:t>Analysez, critiquez les scores</a:t>
+            </a:r>
+          </a:p>
+          <a:p>
+            <a:r>
+              <a:rPr lang="fr-FR" dirty="0"/>
+              <a:t>Y a-t-il d'autres modèles, en plus de ceux vus en cours, à tester ?</a:t>
+            </a:r>
+          </a:p>
+          <a:p>
+            <a:r>
+              <a:rPr lang="fr-FR" dirty="0"/>
+              <a:t>Y a-t-il des </a:t>
+            </a:r>
+            <a:r>
+              <a:rPr lang="fr-FR" dirty="0" err="1"/>
+              <a:t>scorings</a:t>
+            </a:r>
+            <a:r>
+              <a:rPr lang="fr-FR" dirty="0"/>
+              <a:t>, pas vu en cours, utilisables ?</a:t>
             </a:r>
           </a:p>
           <a:p>
@@ -18161,7 +19982,94 @@
     </p:spTree>
     <p:extLst>
       <p:ext uri="{BB962C8B-B14F-4D97-AF65-F5344CB8AC3E}">
-        <p14:creationId xmlns:p14="http://schemas.microsoft.com/office/powerpoint/2010/main" val="3721109662"/>
+        <p14:creationId xmlns:p14="http://schemas.microsoft.com/office/powerpoint/2010/main" val="2196644587"/>
+      </p:ext>
+    </p:extLst>
+  </p:cSld>
+  <p:clrMapOvr>
+    <a:masterClrMapping/>
+  </p:clrMapOvr>
+</p:sld>
+</file>
+
+<file path=ppt/slides/slide49.xml><?xml version="1.0" encoding="utf-8"?>
+<p:sld xmlns:a="http://schemas.openxmlformats.org/drawingml/2006/main" xmlns:r="http://schemas.openxmlformats.org/officeDocument/2006/relationships" xmlns:p="http://schemas.openxmlformats.org/presentationml/2006/main">
+  <p:cSld>
+    <p:spTree>
+      <p:nvGrpSpPr>
+        <p:cNvPr id="1" name=""/>
+        <p:cNvGrpSpPr/>
+        <p:nvPr/>
+      </p:nvGrpSpPr>
+      <p:grpSpPr>
+        <a:xfrm>
+          <a:off x="0" y="0"/>
+          <a:ext cx="0" cy="0"/>
+          <a:chOff x="0" y="0"/>
+          <a:chExt cx="0" cy="0"/>
+        </a:xfrm>
+      </p:grpSpPr>
+      <p:sp>
+        <p:nvSpPr>
+          <p:cNvPr id="2" name="Titre 1">
+            <a:extLst>
+              <a:ext uri="{FF2B5EF4-FFF2-40B4-BE49-F238E27FC236}">
+                <a16:creationId xmlns:a16="http://schemas.microsoft.com/office/drawing/2014/main" id="{FA6243E6-E350-4836-3E9F-D3814475FD2C}"/>
+              </a:ext>
+            </a:extLst>
+          </p:cNvPr>
+          <p:cNvSpPr>
+            <a:spLocks noGrp="1"/>
+          </p:cNvSpPr>
+          <p:nvPr>
+            <p:ph type="title"/>
+          </p:nvPr>
+        </p:nvSpPr>
+        <p:spPr/>
+        <p:txBody>
+          <a:bodyPr/>
+          <a:lstStyle/>
+          <a:p>
+            <a:r>
+              <a:rPr lang="fr-FR"/>
+              <a:t>Jour 10 </a:t>
+            </a:r>
+            <a:r>
+              <a:rPr lang="fr-FR" dirty="0"/>
+              <a:t>- Présentations</a:t>
+            </a:r>
+          </a:p>
+        </p:txBody>
+      </p:sp>
+      <p:sp>
+        <p:nvSpPr>
+          <p:cNvPr id="4" name="Espace réservé du texte 3">
+            <a:extLst>
+              <a:ext uri="{FF2B5EF4-FFF2-40B4-BE49-F238E27FC236}">
+                <a16:creationId xmlns:a16="http://schemas.microsoft.com/office/drawing/2014/main" id="{3D678D7E-8072-8B66-6EB7-C0CECFAF9EAE}"/>
+              </a:ext>
+            </a:extLst>
+          </p:cNvPr>
+          <p:cNvSpPr>
+            <a:spLocks noGrp="1"/>
+          </p:cNvSpPr>
+          <p:nvPr>
+            <p:ph type="body" idx="1"/>
+          </p:nvPr>
+        </p:nvSpPr>
+        <p:spPr/>
+        <p:txBody>
+          <a:bodyPr/>
+          <a:lstStyle/>
+          <a:p>
+            <a:endParaRPr lang="fr-FR"/>
+          </a:p>
+        </p:txBody>
+      </p:sp>
+    </p:spTree>
+    <p:extLst>
+      <p:ext uri="{BB962C8B-B14F-4D97-AF65-F5344CB8AC3E}">
+        <p14:creationId xmlns:p14="http://schemas.microsoft.com/office/powerpoint/2010/main" val="1230004352"/>
       </p:ext>
     </p:extLst>
   </p:cSld>
@@ -18614,6 +20522,308 @@
     <p:extLst>
       <p:ext uri="{BB962C8B-B14F-4D97-AF65-F5344CB8AC3E}">
         <p14:creationId xmlns:p14="http://schemas.microsoft.com/office/powerpoint/2010/main" val="833408160"/>
+      </p:ext>
+    </p:extLst>
+  </p:cSld>
+  <p:clrMapOvr>
+    <a:masterClrMapping/>
+  </p:clrMapOvr>
+</p:sld>
+</file>
+
+<file path=ppt/slides/slide50.xml><?xml version="1.0" encoding="utf-8"?>
+<p:sld xmlns:a="http://schemas.openxmlformats.org/drawingml/2006/main" xmlns:r="http://schemas.openxmlformats.org/officeDocument/2006/relationships" xmlns:p="http://schemas.openxmlformats.org/presentationml/2006/main">
+  <p:cSld>
+    <p:spTree>
+      <p:nvGrpSpPr>
+        <p:cNvPr id="1" name=""/>
+        <p:cNvGrpSpPr/>
+        <p:nvPr/>
+      </p:nvGrpSpPr>
+      <p:grpSpPr>
+        <a:xfrm>
+          <a:off x="0" y="0"/>
+          <a:ext cx="0" cy="0"/>
+          <a:chOff x="0" y="0"/>
+          <a:chExt cx="0" cy="0"/>
+        </a:xfrm>
+      </p:grpSpPr>
+      <p:sp>
+        <p:nvSpPr>
+          <p:cNvPr id="2" name="Titre 1">
+            <a:extLst>
+              <a:ext uri="{FF2B5EF4-FFF2-40B4-BE49-F238E27FC236}">
+                <a16:creationId xmlns:a16="http://schemas.microsoft.com/office/drawing/2014/main" id="{370F5FAD-9F53-AAE9-AB90-BF22980F842C}"/>
+              </a:ext>
+            </a:extLst>
+          </p:cNvPr>
+          <p:cNvSpPr>
+            <a:spLocks noGrp="1"/>
+          </p:cNvSpPr>
+          <p:nvPr>
+            <p:ph type="title"/>
+          </p:nvPr>
+        </p:nvSpPr>
+        <p:spPr/>
+        <p:txBody>
+          <a:bodyPr/>
+          <a:lstStyle/>
+          <a:p>
+            <a:r>
+              <a:rPr lang="fr-FR" dirty="0"/>
+              <a:t>Présentation</a:t>
+            </a:r>
+          </a:p>
+        </p:txBody>
+      </p:sp>
+      <p:sp>
+        <p:nvSpPr>
+          <p:cNvPr id="3" name="Espace réservé du contenu 2">
+            <a:extLst>
+              <a:ext uri="{FF2B5EF4-FFF2-40B4-BE49-F238E27FC236}">
+                <a16:creationId xmlns:a16="http://schemas.microsoft.com/office/drawing/2014/main" id="{913331AE-0180-6BC1-67DA-C0635E1BC504}"/>
+              </a:ext>
+            </a:extLst>
+          </p:cNvPr>
+          <p:cNvSpPr>
+            <a:spLocks noGrp="1"/>
+          </p:cNvSpPr>
+          <p:nvPr>
+            <p:ph idx="1"/>
+          </p:nvPr>
+        </p:nvSpPr>
+        <p:spPr>
+          <a:xfrm>
+            <a:off x="838200" y="1825625"/>
+            <a:ext cx="10595708" cy="4351338"/>
+          </a:xfrm>
+        </p:spPr>
+        <p:txBody>
+          <a:bodyPr>
+            <a:normAutofit lnSpcReduction="10000"/>
+          </a:bodyPr>
+          <a:lstStyle/>
+          <a:p>
+            <a:r>
+              <a:rPr lang="fr-FR" dirty="0"/>
+              <a:t>10' + 5' de questions</a:t>
+            </a:r>
+          </a:p>
+          <a:p>
+            <a:r>
+              <a:rPr lang="fr-FR" dirty="0"/>
+              <a:t>=&gt; 5-6 slides</a:t>
+            </a:r>
+          </a:p>
+          <a:p>
+            <a:r>
+              <a:rPr lang="fr-FR" dirty="0"/>
+              <a:t>Pensez au slide qui va rester à l'écran pendant les Q&amp;A</a:t>
+            </a:r>
+          </a:p>
+          <a:p>
+            <a:pPr lvl="1"/>
+            <a:r>
+              <a:rPr lang="fr-FR" dirty="0"/>
+              <a:t>Vous passez quoi comme message pendant ce temps?</a:t>
+            </a:r>
+          </a:p>
+          <a:p>
+            <a:r>
+              <a:rPr lang="fr-FR" dirty="0"/>
+              <a:t>Imaginez que vous présentez à vos parents</a:t>
+            </a:r>
+          </a:p>
+          <a:p>
+            <a:pPr lvl="1"/>
+            <a:r>
+              <a:rPr lang="fr-FR" dirty="0"/>
+              <a:t>Assurez-vous que l'auditoire vous suit</a:t>
+            </a:r>
+          </a:p>
+          <a:p>
+            <a:pPr lvl="1"/>
+            <a:r>
+              <a:rPr lang="fr-FR" dirty="0"/>
+              <a:t>Pas (trop) de technique, des images, des dessins des conclusions simples</a:t>
+            </a:r>
+          </a:p>
+          <a:p>
+            <a:r>
+              <a:rPr lang="fr-FR" dirty="0"/>
+              <a:t>Pas trop de texte sur les slides</a:t>
+            </a:r>
+          </a:p>
+          <a:p>
+            <a:pPr lvl="1"/>
+            <a:r>
+              <a:rPr lang="fr-FR" dirty="0"/>
+              <a:t>5 phrases max</a:t>
+            </a:r>
+          </a:p>
+          <a:p>
+            <a:pPr lvl="1"/>
+            <a:r>
+              <a:rPr lang="fr-FR" dirty="0"/>
+              <a:t>5 mots par phrase</a:t>
+            </a:r>
+          </a:p>
+        </p:txBody>
+      </p:sp>
+    </p:spTree>
+    <p:extLst>
+      <p:ext uri="{BB962C8B-B14F-4D97-AF65-F5344CB8AC3E}">
+        <p14:creationId xmlns:p14="http://schemas.microsoft.com/office/powerpoint/2010/main" val="670108457"/>
+      </p:ext>
+    </p:extLst>
+  </p:cSld>
+  <p:clrMapOvr>
+    <a:masterClrMapping/>
+  </p:clrMapOvr>
+</p:sld>
+</file>
+
+<file path=ppt/slides/slide51.xml><?xml version="1.0" encoding="utf-8"?>
+<p:sld xmlns:a="http://schemas.openxmlformats.org/drawingml/2006/main" xmlns:r="http://schemas.openxmlformats.org/officeDocument/2006/relationships" xmlns:p="http://schemas.openxmlformats.org/presentationml/2006/main">
+  <p:cSld>
+    <p:spTree>
+      <p:nvGrpSpPr>
+        <p:cNvPr id="1" name=""/>
+        <p:cNvGrpSpPr/>
+        <p:nvPr/>
+      </p:nvGrpSpPr>
+      <p:grpSpPr>
+        <a:xfrm>
+          <a:off x="0" y="0"/>
+          <a:ext cx="0" cy="0"/>
+          <a:chOff x="0" y="0"/>
+          <a:chExt cx="0" cy="0"/>
+        </a:xfrm>
+      </p:grpSpPr>
+      <p:sp>
+        <p:nvSpPr>
+          <p:cNvPr id="2" name="Titre 1">
+            <a:extLst>
+              <a:ext uri="{FF2B5EF4-FFF2-40B4-BE49-F238E27FC236}">
+                <a16:creationId xmlns:a16="http://schemas.microsoft.com/office/drawing/2014/main" id="{6F0D182C-1E5D-ED58-7153-E1A941AD5452}"/>
+              </a:ext>
+            </a:extLst>
+          </p:cNvPr>
+          <p:cNvSpPr>
+            <a:spLocks noGrp="1"/>
+          </p:cNvSpPr>
+          <p:nvPr>
+            <p:ph type="title"/>
+          </p:nvPr>
+        </p:nvSpPr>
+        <p:spPr/>
+        <p:txBody>
+          <a:bodyPr/>
+          <a:lstStyle/>
+          <a:p>
+            <a:r>
+              <a:rPr lang="fr-FR" dirty="0"/>
+              <a:t>Répétitions</a:t>
+            </a:r>
+          </a:p>
+        </p:txBody>
+      </p:sp>
+      <p:sp>
+        <p:nvSpPr>
+          <p:cNvPr id="3" name="Espace réservé du contenu 2">
+            <a:extLst>
+              <a:ext uri="{FF2B5EF4-FFF2-40B4-BE49-F238E27FC236}">
+                <a16:creationId xmlns:a16="http://schemas.microsoft.com/office/drawing/2014/main" id="{C6C930C7-903E-CFFA-C59E-99506DCC3630}"/>
+              </a:ext>
+            </a:extLst>
+          </p:cNvPr>
+          <p:cNvSpPr>
+            <a:spLocks noGrp="1"/>
+          </p:cNvSpPr>
+          <p:nvPr>
+            <p:ph idx="1"/>
+          </p:nvPr>
+        </p:nvSpPr>
+        <p:spPr/>
+        <p:txBody>
+          <a:bodyPr>
+            <a:normAutofit lnSpcReduction="10000"/>
+          </a:bodyPr>
+          <a:lstStyle/>
+          <a:p>
+            <a:r>
+              <a:rPr lang="fr-FR" dirty="0"/>
+              <a:t>La répétition se fait debout devant un écran…</a:t>
+            </a:r>
+          </a:p>
+          <a:p>
+            <a:r>
+              <a:rPr lang="fr-FR" dirty="0"/>
+              <a:t>Chaque membre doit parler</a:t>
+            </a:r>
+          </a:p>
+          <a:p>
+            <a:r>
+              <a:rPr lang="fr-FR" dirty="0"/>
+              <a:t>Soignez l'intro (open gambit) et la conclusion (restez positifs)</a:t>
+            </a:r>
+          </a:p>
+          <a:p>
+            <a:pPr lvl="1"/>
+            <a:r>
+              <a:rPr lang="fr-FR" dirty="0"/>
+              <a:t>Prenez le temps d'exposer le sujet </a:t>
+            </a:r>
+          </a:p>
+          <a:p>
+            <a:pPr lvl="1"/>
+            <a:r>
+              <a:rPr lang="fr-FR" dirty="0"/>
+              <a:t>Vous êtes dessus depuis 2 jours, pas votre auditoire</a:t>
+            </a:r>
+          </a:p>
+          <a:p>
+            <a:r>
+              <a:rPr lang="fr-FR" dirty="0"/>
+              <a:t>Les slides ne sont PAS la présentation </a:t>
+            </a:r>
+          </a:p>
+          <a:p>
+            <a:pPr lvl="1"/>
+            <a:r>
+              <a:rPr lang="fr-FR" dirty="0"/>
+              <a:t>c'est ce que vous dites qui compte</a:t>
+            </a:r>
+          </a:p>
+          <a:p>
+            <a:r>
+              <a:rPr lang="fr-FR" dirty="0"/>
+              <a:t>Si il y a des graphes expliquez les axes, les unités, le contenu</a:t>
+            </a:r>
+          </a:p>
+          <a:p>
+            <a:pPr lvl="1"/>
+            <a:r>
+              <a:rPr lang="fr-FR" dirty="0"/>
+              <a:t>Simplifiez, simplifiez, simplifiez</a:t>
+            </a:r>
+          </a:p>
+          <a:p>
+            <a:pPr lvl="1"/>
+            <a:r>
+              <a:rPr lang="fr-FR" dirty="0"/>
+              <a:t>Les infographies c'est comme les blagues, si il faut expliquer c'est raté</a:t>
+            </a:r>
+          </a:p>
+          <a:p>
+            <a:endParaRPr lang="fr-FR" dirty="0"/>
+          </a:p>
+        </p:txBody>
+      </p:sp>
+    </p:spTree>
+    <p:extLst>
+      <p:ext uri="{BB962C8B-B14F-4D97-AF65-F5344CB8AC3E}">
+        <p14:creationId xmlns:p14="http://schemas.microsoft.com/office/powerpoint/2010/main" val="3721109662"/>
       </p:ext>
     </p:extLst>
   </p:cSld>

--- a/00_notes_de_stage.pptx
+++ b/00_notes_de_stage.pptx
@@ -5,7 +5,7 @@
     <p:sldMasterId id="2147483648" r:id="rId1"/>
   </p:sldMasterIdLst>
   <p:notesMasterIdLst>
-    <p:notesMasterId r:id="rId53"/>
+    <p:notesMasterId r:id="rId55"/>
   </p:notesMasterIdLst>
   <p:sldIdLst>
     <p:sldId id="256" r:id="rId2"/>
@@ -38,27 +38,29 @@
     <p:sldId id="280" r:id="rId29"/>
     <p:sldId id="302" r:id="rId30"/>
     <p:sldId id="288" r:id="rId31"/>
-    <p:sldId id="303" r:id="rId32"/>
-    <p:sldId id="304" r:id="rId33"/>
-    <p:sldId id="305" r:id="rId34"/>
-    <p:sldId id="281" r:id="rId35"/>
-    <p:sldId id="269" r:id="rId36"/>
-    <p:sldId id="270" r:id="rId37"/>
-    <p:sldId id="271" r:id="rId38"/>
-    <p:sldId id="268" r:id="rId39"/>
-    <p:sldId id="272" r:id="rId40"/>
-    <p:sldId id="277" r:id="rId41"/>
-    <p:sldId id="282" r:id="rId42"/>
-    <p:sldId id="286" r:id="rId43"/>
-    <p:sldId id="287" r:id="rId44"/>
-    <p:sldId id="283" r:id="rId45"/>
-    <p:sldId id="290" r:id="rId46"/>
-    <p:sldId id="294" r:id="rId47"/>
-    <p:sldId id="284" r:id="rId48"/>
-    <p:sldId id="292" r:id="rId49"/>
-    <p:sldId id="285" r:id="rId50"/>
-    <p:sldId id="291" r:id="rId51"/>
-    <p:sldId id="293" r:id="rId52"/>
+    <p:sldId id="307" r:id="rId32"/>
+    <p:sldId id="308" r:id="rId33"/>
+    <p:sldId id="303" r:id="rId34"/>
+    <p:sldId id="304" r:id="rId35"/>
+    <p:sldId id="305" r:id="rId36"/>
+    <p:sldId id="281" r:id="rId37"/>
+    <p:sldId id="269" r:id="rId38"/>
+    <p:sldId id="270" r:id="rId39"/>
+    <p:sldId id="271" r:id="rId40"/>
+    <p:sldId id="268" r:id="rId41"/>
+    <p:sldId id="272" r:id="rId42"/>
+    <p:sldId id="277" r:id="rId43"/>
+    <p:sldId id="282" r:id="rId44"/>
+    <p:sldId id="286" r:id="rId45"/>
+    <p:sldId id="287" r:id="rId46"/>
+    <p:sldId id="283" r:id="rId47"/>
+    <p:sldId id="290" r:id="rId48"/>
+    <p:sldId id="294" r:id="rId49"/>
+    <p:sldId id="284" r:id="rId50"/>
+    <p:sldId id="292" r:id="rId51"/>
+    <p:sldId id="285" r:id="rId52"/>
+    <p:sldId id="291" r:id="rId53"/>
+    <p:sldId id="293" r:id="rId54"/>
   </p:sldIdLst>
   <p:sldSz cx="12192000" cy="6858000"/>
   <p:notesSz cx="6858000" cy="9144000"/>
@@ -168,7 +170,7 @@
 <file path=ppt/revisionInfo.xml><?xml version="1.0" encoding="utf-8"?>
 <p1510:revInfo xmlns:a="http://schemas.openxmlformats.org/drawingml/2006/main" xmlns:r="http://schemas.openxmlformats.org/officeDocument/2006/relationships" xmlns:p1510="http://schemas.microsoft.com/office/powerpoint/2015/10/main">
   <p1510:revLst>
-    <p1510:client id="{01E73667-2BEF-4007-AD34-DC26F6381063}" v="130" dt="2024-01-12T09:21:50.847"/>
+    <p1510:client id="{01E73667-2BEF-4007-AD34-DC26F6381063}" v="168" dt="2024-01-12T10:58:59.315"/>
   </p1510:revLst>
 </p1510:revInfo>
 </file>
@@ -202,7 +204,7 @@
   <pc:docChgLst>
     <pc:chgData name="Philippe Baucour" userId="5102170ae7533958" providerId="LiveId" clId="{01E73667-2BEF-4007-AD34-DC26F6381063}"/>
     <pc:docChg chg="undo custSel addSld delSld modSld sldOrd">
-      <pc:chgData name="Philippe Baucour" userId="5102170ae7533958" providerId="LiveId" clId="{01E73667-2BEF-4007-AD34-DC26F6381063}" dt="2024-01-12T09:25:36.533" v="17890" actId="20577"/>
+      <pc:chgData name="Philippe Baucour" userId="5102170ae7533958" providerId="LiveId" clId="{01E73667-2BEF-4007-AD34-DC26F6381063}" dt="2024-01-12T10:59:18.633" v="19074" actId="1076"/>
       <pc:docMkLst>
         <pc:docMk/>
       </pc:docMkLst>
@@ -2644,6 +2646,100 @@
             <ac:picMk id="7" creationId="{D68EE20C-8DE7-2A02-13EC-EC15B6F141F8}"/>
           </ac:picMkLst>
         </pc:picChg>
+      </pc:sldChg>
+      <pc:sldChg chg="addSp delSp modSp new mod modClrScheme chgLayout">
+        <pc:chgData name="Philippe Baucour" userId="5102170ae7533958" providerId="LiveId" clId="{01E73667-2BEF-4007-AD34-DC26F6381063}" dt="2024-01-12T10:55:53.356" v="18964" actId="20577"/>
+        <pc:sldMkLst>
+          <pc:docMk/>
+          <pc:sldMk cId="3988344638" sldId="307"/>
+        </pc:sldMkLst>
+        <pc:spChg chg="del mod ord">
+          <ac:chgData name="Philippe Baucour" userId="5102170ae7533958" providerId="LiveId" clId="{01E73667-2BEF-4007-AD34-DC26F6381063}" dt="2024-01-12T10:38:41.373" v="17892" actId="700"/>
+          <ac:spMkLst>
+            <pc:docMk/>
+            <pc:sldMk cId="3988344638" sldId="307"/>
+            <ac:spMk id="2" creationId="{44D01671-7280-D0D8-EB37-C82059AE065B}"/>
+          </ac:spMkLst>
+        </pc:spChg>
+        <pc:spChg chg="del mod ord">
+          <ac:chgData name="Philippe Baucour" userId="5102170ae7533958" providerId="LiveId" clId="{01E73667-2BEF-4007-AD34-DC26F6381063}" dt="2024-01-12T10:38:41.373" v="17892" actId="700"/>
+          <ac:spMkLst>
+            <pc:docMk/>
+            <pc:sldMk cId="3988344638" sldId="307"/>
+            <ac:spMk id="3" creationId="{F771A587-0575-CCF9-49D5-E712DAF547E4}"/>
+          </ac:spMkLst>
+        </pc:spChg>
+        <pc:spChg chg="add mod ord">
+          <ac:chgData name="Philippe Baucour" userId="5102170ae7533958" providerId="LiveId" clId="{01E73667-2BEF-4007-AD34-DC26F6381063}" dt="2024-01-12T10:39:04.055" v="17915" actId="20577"/>
+          <ac:spMkLst>
+            <pc:docMk/>
+            <pc:sldMk cId="3988344638" sldId="307"/>
+            <ac:spMk id="4" creationId="{CFCE96CC-83BE-7293-B8A5-93CB0FE5F99D}"/>
+          </ac:spMkLst>
+        </pc:spChg>
+        <pc:spChg chg="add mod ord">
+          <ac:chgData name="Philippe Baucour" userId="5102170ae7533958" providerId="LiveId" clId="{01E73667-2BEF-4007-AD34-DC26F6381063}" dt="2024-01-12T10:55:53.356" v="18964" actId="20577"/>
+          <ac:spMkLst>
+            <pc:docMk/>
+            <pc:sldMk cId="3988344638" sldId="307"/>
+            <ac:spMk id="5" creationId="{F9AA8CA6-D211-6D0C-3554-68B66E0FC9F1}"/>
+          </ac:spMkLst>
+        </pc:spChg>
+        <pc:picChg chg="add mod">
+          <ac:chgData name="Philippe Baucour" userId="5102170ae7533958" providerId="LiveId" clId="{01E73667-2BEF-4007-AD34-DC26F6381063}" dt="2024-01-12T10:40:48.723" v="17959" actId="1076"/>
+          <ac:picMkLst>
+            <pc:docMk/>
+            <pc:sldMk cId="3988344638" sldId="307"/>
+            <ac:picMk id="7" creationId="{264D5D5E-2408-2532-E307-4352E2623753}"/>
+          </ac:picMkLst>
+        </pc:picChg>
+        <pc:picChg chg="add mod">
+          <ac:chgData name="Philippe Baucour" userId="5102170ae7533958" providerId="LiveId" clId="{01E73667-2BEF-4007-AD34-DC26F6381063}" dt="2024-01-12T10:40:28.504" v="17955" actId="1076"/>
+          <ac:picMkLst>
+            <pc:docMk/>
+            <pc:sldMk cId="3988344638" sldId="307"/>
+            <ac:picMk id="9" creationId="{C04BF8D8-DA50-2A7A-FEF5-E871B6679854}"/>
+          </ac:picMkLst>
+        </pc:picChg>
+      </pc:sldChg>
+      <pc:sldChg chg="addSp modSp new mod">
+        <pc:chgData name="Philippe Baucour" userId="5102170ae7533958" providerId="LiveId" clId="{01E73667-2BEF-4007-AD34-DC26F6381063}" dt="2024-01-12T10:59:18.633" v="19074" actId="1076"/>
+        <pc:sldMkLst>
+          <pc:docMk/>
+          <pc:sldMk cId="2991937999" sldId="308"/>
+        </pc:sldMkLst>
+        <pc:spChg chg="mod">
+          <ac:chgData name="Philippe Baucour" userId="5102170ae7533958" providerId="LiveId" clId="{01E73667-2BEF-4007-AD34-DC26F6381063}" dt="2024-01-12T10:42:09.909" v="17993" actId="20577"/>
+          <ac:spMkLst>
+            <pc:docMk/>
+            <pc:sldMk cId="2991937999" sldId="308"/>
+            <ac:spMk id="2" creationId="{38E3ED61-E20F-ED75-B897-A3F2D9D1DC43}"/>
+          </ac:spMkLst>
+        </pc:spChg>
+        <pc:spChg chg="mod">
+          <ac:chgData name="Philippe Baucour" userId="5102170ae7533958" providerId="LiveId" clId="{01E73667-2BEF-4007-AD34-DC26F6381063}" dt="2024-01-12T10:57:43.474" v="19061" actId="20577"/>
+          <ac:spMkLst>
+            <pc:docMk/>
+            <pc:sldMk cId="2991937999" sldId="308"/>
+            <ac:spMk id="3" creationId="{985178BC-02E5-5488-5B5A-197586F8B293}"/>
+          </ac:spMkLst>
+        </pc:spChg>
+        <pc:spChg chg="add mod">
+          <ac:chgData name="Philippe Baucour" userId="5102170ae7533958" providerId="LiveId" clId="{01E73667-2BEF-4007-AD34-DC26F6381063}" dt="2024-01-12T10:57:08.400" v="19031" actId="1036"/>
+          <ac:spMkLst>
+            <pc:docMk/>
+            <pc:sldMk cId="2991937999" sldId="308"/>
+            <ac:spMk id="4" creationId="{8230DA6C-37A2-B26F-9821-B40244793051}"/>
+          </ac:spMkLst>
+        </pc:spChg>
+        <pc:spChg chg="add mod">
+          <ac:chgData name="Philippe Baucour" userId="5102170ae7533958" providerId="LiveId" clId="{01E73667-2BEF-4007-AD34-DC26F6381063}" dt="2024-01-12T10:59:18.633" v="19074" actId="1076"/>
+          <ac:spMkLst>
+            <pc:docMk/>
+            <pc:sldMk cId="2991937999" sldId="308"/>
+            <ac:spMk id="5" creationId="{88E5C831-1133-8184-A786-3313CF754253}"/>
+          </ac:spMkLst>
+        </pc:spChg>
       </pc:sldChg>
     </pc:docChg>
   </pc:docChgLst>
@@ -3138,7 +3234,7 @@
           <a:p>
             <a:fld id="{CA52ACDA-CAD7-4952-B2DF-2528E011DCB5}" type="slidenum">
               <a:rPr lang="fr-FR" smtClean="0"/>
-              <a:t>37</a:t>
+              <a:t>39</a:t>
             </a:fld>
             <a:endParaRPr lang="fr-FR"/>
           </a:p>
@@ -3365,7 +3461,7 @@
           <a:p>
             <a:fld id="{CA52ACDA-CAD7-4952-B2DF-2528E011DCB5}" type="slidenum">
               <a:rPr lang="fr-FR" smtClean="0"/>
-              <a:t>42</a:t>
+              <a:t>44</a:t>
             </a:fld>
             <a:endParaRPr lang="fr-FR"/>
           </a:p>
@@ -3455,7 +3551,7 @@
           <a:p>
             <a:fld id="{CA52ACDA-CAD7-4952-B2DF-2528E011DCB5}" type="slidenum">
               <a:rPr lang="fr-FR" smtClean="0"/>
-              <a:t>50</a:t>
+              <a:t>52</a:t>
             </a:fld>
             <a:endParaRPr lang="fr-FR"/>
           </a:p>
@@ -13049,6 +13145,716 @@
           <p:cNvPr id="4" name="Titre 3">
             <a:extLst>
               <a:ext uri="{FF2B5EF4-FFF2-40B4-BE49-F238E27FC236}">
+                <a16:creationId xmlns:a16="http://schemas.microsoft.com/office/drawing/2014/main" id="{CFCE96CC-83BE-7293-B8A5-93CB0FE5F99D}"/>
+              </a:ext>
+            </a:extLst>
+          </p:cNvPr>
+          <p:cNvSpPr>
+            <a:spLocks noGrp="1"/>
+          </p:cNvSpPr>
+          <p:nvPr>
+            <p:ph type="title"/>
+          </p:nvPr>
+        </p:nvSpPr>
+        <p:spPr/>
+        <p:txBody>
+          <a:bodyPr/>
+          <a:lstStyle/>
+          <a:p>
+            <a:r>
+              <a:rPr lang="fr-FR" dirty="0"/>
+              <a:t>Z-Score pour la moyenne</a:t>
+            </a:r>
+          </a:p>
+        </p:txBody>
+      </p:sp>
+      <p:sp>
+        <p:nvSpPr>
+          <p:cNvPr id="5" name="Espace réservé du contenu 4">
+            <a:extLst>
+              <a:ext uri="{FF2B5EF4-FFF2-40B4-BE49-F238E27FC236}">
+                <a16:creationId xmlns:a16="http://schemas.microsoft.com/office/drawing/2014/main" id="{F9AA8CA6-D211-6D0C-3554-68B66E0FC9F1}"/>
+              </a:ext>
+            </a:extLst>
+          </p:cNvPr>
+          <p:cNvSpPr>
+            <a:spLocks noGrp="1"/>
+          </p:cNvSpPr>
+          <p:nvPr>
+            <p:ph idx="1"/>
+          </p:nvPr>
+        </p:nvSpPr>
+        <p:spPr/>
+        <p:txBody>
+          <a:bodyPr/>
+          <a:lstStyle/>
+          <a:p>
+            <a:r>
+              <a:rPr lang="fr-FR" dirty="0"/>
+              <a:t>Hier on a dit</a:t>
+            </a:r>
+          </a:p>
+          <a:p>
+            <a:endParaRPr lang="fr-FR" dirty="0"/>
+          </a:p>
+          <a:p>
+            <a:r>
+              <a:rPr lang="fr-FR" dirty="0"/>
+              <a:t>Aujourd'hui on dit</a:t>
+            </a:r>
+          </a:p>
+          <a:p>
+            <a:endParaRPr lang="fr-FR" dirty="0"/>
+          </a:p>
+          <a:p>
+            <a:r>
+              <a:rPr lang="fr-FR" dirty="0"/>
+              <a:t>Est-ce que la </a:t>
+            </a:r>
+            <a:r>
+              <a:rPr lang="fr-FR" dirty="0" err="1"/>
+              <a:t>signifiaction</a:t>
+            </a:r>
+            <a:r>
+              <a:rPr lang="fr-FR" dirty="0"/>
+              <a:t> de Z est claire ?</a:t>
+            </a:r>
+          </a:p>
+          <a:p>
+            <a:pPr lvl="1"/>
+            <a:r>
+              <a:rPr lang="fr-FR" dirty="0"/>
+              <a:t>Si Z grand (5 </a:t>
+            </a:r>
+            <a:r>
+              <a:rPr lang="fr-FR" dirty="0" err="1"/>
+              <a:t>ecart</a:t>
+            </a:r>
+            <a:r>
+              <a:rPr lang="fr-FR" dirty="0"/>
+              <a:t> type) alors on est loin de la moyenne.</a:t>
+            </a:r>
+            <a:br>
+              <a:rPr lang="fr-FR" dirty="0"/>
+            </a:br>
+            <a:r>
+              <a:rPr lang="fr-FR" dirty="0"/>
+              <a:t>L'écart est significatif. Il y a une différence l'échantillon et la population</a:t>
+            </a:r>
+            <a:br>
+              <a:rPr lang="fr-FR" dirty="0"/>
+            </a:br>
+            <a:endParaRPr lang="fr-FR" dirty="0"/>
+          </a:p>
+          <a:p>
+            <a:pPr lvl="1"/>
+            <a:r>
+              <a:rPr lang="fr-FR" dirty="0"/>
+              <a:t>Si Z petit (0.1 écart type) alors on est proche de la moyenne</a:t>
+            </a:r>
+            <a:br>
+              <a:rPr lang="fr-FR" dirty="0"/>
+            </a:br>
+            <a:r>
+              <a:rPr lang="fr-FR" dirty="0"/>
+              <a:t>L'écart n'est pas significatif. Il n'y a pas de différence </a:t>
+            </a:r>
+          </a:p>
+        </p:txBody>
+      </p:sp>
+      <p:pic>
+        <p:nvPicPr>
+          <p:cNvPr id="7" name="Image 6">
+            <a:extLst>
+              <a:ext uri="{FF2B5EF4-FFF2-40B4-BE49-F238E27FC236}">
+                <a16:creationId xmlns:a16="http://schemas.microsoft.com/office/drawing/2014/main" id="{264D5D5E-2408-2532-E307-4352E2623753}"/>
+              </a:ext>
+            </a:extLst>
+          </p:cNvPr>
+          <p:cNvPicPr>
+            <a:picLocks noChangeAspect="1"/>
+          </p:cNvPicPr>
+          <p:nvPr/>
+        </p:nvPicPr>
+        <p:blipFill>
+          <a:blip r:embed="rId2"/>
+          <a:stretch>
+            <a:fillRect/>
+          </a:stretch>
+        </p:blipFill>
+        <p:spPr>
+          <a:xfrm>
+            <a:off x="3570441" y="1556078"/>
+            <a:ext cx="1876596" cy="944739"/>
+          </a:xfrm>
+          <a:prstGeom prst="rect">
+            <a:avLst/>
+          </a:prstGeom>
+        </p:spPr>
+      </p:pic>
+      <p:pic>
+        <p:nvPicPr>
+          <p:cNvPr id="9" name="Image 8">
+            <a:extLst>
+              <a:ext uri="{FF2B5EF4-FFF2-40B4-BE49-F238E27FC236}">
+                <a16:creationId xmlns:a16="http://schemas.microsoft.com/office/drawing/2014/main" id="{C04BF8D8-DA50-2A7A-FEF5-E871B6679854}"/>
+              </a:ext>
+            </a:extLst>
+          </p:cNvPr>
+          <p:cNvPicPr>
+            <a:picLocks noChangeAspect="1"/>
+          </p:cNvPicPr>
+          <p:nvPr/>
+        </p:nvPicPr>
+        <p:blipFill>
+          <a:blip r:embed="rId3"/>
+          <a:stretch>
+            <a:fillRect/>
+          </a:stretch>
+        </p:blipFill>
+        <p:spPr>
+          <a:xfrm>
+            <a:off x="4493272" y="2635754"/>
+            <a:ext cx="1907530" cy="944739"/>
+          </a:xfrm>
+          <a:prstGeom prst="rect">
+            <a:avLst/>
+          </a:prstGeom>
+        </p:spPr>
+      </p:pic>
+    </p:spTree>
+    <p:extLst>
+      <p:ext uri="{BB962C8B-B14F-4D97-AF65-F5344CB8AC3E}">
+        <p14:creationId xmlns:p14="http://schemas.microsoft.com/office/powerpoint/2010/main" val="3988344638"/>
+      </p:ext>
+    </p:extLst>
+  </p:cSld>
+  <p:clrMapOvr>
+    <a:masterClrMapping/>
+  </p:clrMapOvr>
+</p:sld>
+</file>
+
+<file path=ppt/slides/slide32.xml><?xml version="1.0" encoding="utf-8"?>
+<p:sld xmlns:a="http://schemas.openxmlformats.org/drawingml/2006/main" xmlns:r="http://schemas.openxmlformats.org/officeDocument/2006/relationships" xmlns:p="http://schemas.openxmlformats.org/presentationml/2006/main">
+  <p:cSld>
+    <p:spTree>
+      <p:nvGrpSpPr>
+        <p:cNvPr id="1" name=""/>
+        <p:cNvGrpSpPr/>
+        <p:nvPr/>
+      </p:nvGrpSpPr>
+      <p:grpSpPr>
+        <a:xfrm>
+          <a:off x="0" y="0"/>
+          <a:ext cx="0" cy="0"/>
+          <a:chOff x="0" y="0"/>
+          <a:chExt cx="0" cy="0"/>
+        </a:xfrm>
+      </p:grpSpPr>
+      <p:sp>
+        <p:nvSpPr>
+          <p:cNvPr id="2" name="Titre 1">
+            <a:extLst>
+              <a:ext uri="{FF2B5EF4-FFF2-40B4-BE49-F238E27FC236}">
+                <a16:creationId xmlns:a16="http://schemas.microsoft.com/office/drawing/2014/main" id="{38E3ED61-E20F-ED75-B897-A3F2D9D1DC43}"/>
+              </a:ext>
+            </a:extLst>
+          </p:cNvPr>
+          <p:cNvSpPr>
+            <a:spLocks noGrp="1"/>
+          </p:cNvSpPr>
+          <p:nvPr>
+            <p:ph type="title"/>
+          </p:nvPr>
+        </p:nvSpPr>
+        <p:spPr/>
+        <p:txBody>
+          <a:bodyPr/>
+          <a:lstStyle/>
+          <a:p>
+            <a:r>
+              <a:rPr lang="fr-FR" dirty="0"/>
+              <a:t>Z score (en général)</a:t>
+            </a:r>
+          </a:p>
+        </p:txBody>
+      </p:sp>
+      <p:sp>
+        <p:nvSpPr>
+          <p:cNvPr id="3" name="Espace réservé du contenu 2">
+            <a:extLst>
+              <a:ext uri="{FF2B5EF4-FFF2-40B4-BE49-F238E27FC236}">
+                <a16:creationId xmlns:a16="http://schemas.microsoft.com/office/drawing/2014/main" id="{985178BC-02E5-5488-5B5A-197586F8B293}"/>
+              </a:ext>
+            </a:extLst>
+          </p:cNvPr>
+          <p:cNvSpPr>
+            <a:spLocks noGrp="1"/>
+          </p:cNvSpPr>
+          <p:nvPr>
+            <p:ph idx="1"/>
+          </p:nvPr>
+        </p:nvSpPr>
+        <p:spPr/>
+        <p:txBody>
+          <a:bodyPr>
+            <a:normAutofit fontScale="92500" lnSpcReduction="10000"/>
+          </a:bodyPr>
+          <a:lstStyle/>
+          <a:p>
+            <a:r>
+              <a:rPr lang="fr-FR" b="0" i="0" dirty="0">
+                <a:solidFill>
+                  <a:srgbClr val="374151"/>
+                </a:solidFill>
+                <a:effectLst/>
+                <a:latin typeface="Söhne"/>
+              </a:rPr>
+              <a:t>Une mesure de </a:t>
+            </a:r>
+          </a:p>
+          <a:p>
+            <a:pPr lvl="1"/>
+            <a:r>
+              <a:rPr lang="fr-FR" b="0" i="0" dirty="0">
+                <a:solidFill>
+                  <a:srgbClr val="374151"/>
+                </a:solidFill>
+                <a:effectLst/>
+                <a:latin typeface="Söhne"/>
+              </a:rPr>
+              <a:t>l'</a:t>
+            </a:r>
+            <a:r>
+              <a:rPr lang="fr-FR" dirty="0">
+                <a:solidFill>
+                  <a:srgbClr val="374151"/>
+                </a:solidFill>
+                <a:latin typeface="Söhne"/>
+              </a:rPr>
+              <a:t>é</a:t>
+            </a:r>
+            <a:r>
+              <a:rPr lang="fr-FR" b="0" i="0" dirty="0">
+                <a:solidFill>
+                  <a:srgbClr val="374151"/>
+                </a:solidFill>
+                <a:effectLst/>
+                <a:latin typeface="Söhne"/>
+              </a:rPr>
+              <a:t>cart d'une valeur par rapport à la moyenne </a:t>
+            </a:r>
+          </a:p>
+          <a:p>
+            <a:pPr lvl="1"/>
+            <a:r>
+              <a:rPr lang="fr-FR" b="0" i="0" dirty="0">
+                <a:solidFill>
+                  <a:srgbClr val="374151"/>
+                </a:solidFill>
+                <a:effectLst/>
+                <a:latin typeface="Söhne"/>
+              </a:rPr>
+              <a:t>mesurée en écart-type</a:t>
+            </a:r>
+          </a:p>
+          <a:p>
+            <a:pPr lvl="1"/>
+            <a:endParaRPr lang="fr-FR" dirty="0">
+              <a:solidFill>
+                <a:srgbClr val="374151"/>
+              </a:solidFill>
+              <a:latin typeface="Söhne"/>
+            </a:endParaRPr>
+          </a:p>
+          <a:p>
+            <a:r>
+              <a:rPr lang="fr-FR" dirty="0">
+                <a:solidFill>
+                  <a:srgbClr val="374151"/>
+                </a:solidFill>
+                <a:latin typeface="Söhne"/>
+              </a:rPr>
+              <a:t>Si la valeur et µ sont des vitesses</a:t>
+            </a:r>
+          </a:p>
+          <a:p>
+            <a:pPr lvl="1"/>
+            <a:r>
+              <a:rPr lang="fr-FR" dirty="0">
+                <a:solidFill>
+                  <a:srgbClr val="374151"/>
+                </a:solidFill>
+                <a:latin typeface="Söhne"/>
+              </a:rPr>
+              <a:t>L'écart entre la valeur et la µ est toujours en km h</a:t>
+            </a:r>
+            <a:r>
+              <a:rPr lang="fr-FR" baseline="30000" dirty="0">
+                <a:solidFill>
+                  <a:srgbClr val="374151"/>
+                </a:solidFill>
+                <a:latin typeface="Söhne"/>
+              </a:rPr>
+              <a:t>-1 </a:t>
+            </a:r>
+          </a:p>
+          <a:p>
+            <a:pPr lvl="1"/>
+            <a:r>
+              <a:rPr lang="fr-FR" dirty="0">
+                <a:solidFill>
+                  <a:srgbClr val="374151"/>
+                </a:solidFill>
+                <a:latin typeface="Söhne"/>
+              </a:rPr>
+              <a:t>Pas facile de savoir si c'est significatif ou pas</a:t>
+            </a:r>
+          </a:p>
+          <a:p>
+            <a:pPr lvl="2"/>
+            <a:r>
+              <a:rPr lang="fr-FR" dirty="0">
+                <a:solidFill>
+                  <a:srgbClr val="374151"/>
+                </a:solidFill>
+                <a:latin typeface="Söhne"/>
+              </a:rPr>
+              <a:t>10 km/h quand on roule à 130, ou 1 000 km/h quand on est à ½ de la vitesse lumière</a:t>
+            </a:r>
+          </a:p>
+          <a:p>
+            <a:pPr lvl="1"/>
+            <a:r>
+              <a:rPr lang="fr-FR" dirty="0">
+                <a:solidFill>
+                  <a:srgbClr val="374151"/>
+                </a:solidFill>
+                <a:latin typeface="Söhne"/>
+              </a:rPr>
+              <a:t>L'écart type est aussi en km/h</a:t>
+            </a:r>
+          </a:p>
+          <a:p>
+            <a:pPr lvl="1"/>
+            <a:r>
+              <a:rPr lang="fr-FR" dirty="0">
+                <a:solidFill>
+                  <a:srgbClr val="374151"/>
+                </a:solidFill>
+                <a:latin typeface="Söhne"/>
+              </a:rPr>
+              <a:t>Quand on divise par l'écart type</a:t>
+            </a:r>
+          </a:p>
+          <a:p>
+            <a:pPr lvl="2"/>
+            <a:r>
+              <a:rPr lang="fr-FR" dirty="0">
+                <a:solidFill>
+                  <a:srgbClr val="374151"/>
+                </a:solidFill>
+                <a:latin typeface="Söhne"/>
+              </a:rPr>
+              <a:t>il n'y a plus d'unité </a:t>
+            </a:r>
+          </a:p>
+          <a:p>
+            <a:pPr lvl="2"/>
+            <a:r>
+              <a:rPr lang="fr-FR" dirty="0">
+                <a:solidFill>
+                  <a:srgbClr val="374151"/>
+                </a:solidFill>
+                <a:latin typeface="Söhne"/>
+              </a:rPr>
+              <a:t>mais on sait de combien d'écart type on est éloigné de la moyenne (5 écarts type, -0.2, 10…) </a:t>
+            </a:r>
+          </a:p>
+        </p:txBody>
+      </p:sp>
+      <mc:AlternateContent xmlns:mc="http://schemas.openxmlformats.org/markup-compatibility/2006">
+        <mc:Choice xmlns:a14="http://schemas.microsoft.com/office/drawing/2010/main" Requires="a14">
+          <p:sp>
+            <p:nvSpPr>
+              <p:cNvPr id="4" name="ZoneTexte 3">
+                <a:extLst>
+                  <a:ext uri="{FF2B5EF4-FFF2-40B4-BE49-F238E27FC236}">
+                    <a16:creationId xmlns:a16="http://schemas.microsoft.com/office/drawing/2014/main" id="{8230DA6C-37A2-B26F-9821-B40244793051}"/>
+                  </a:ext>
+                </a:extLst>
+              </p:cNvPr>
+              <p:cNvSpPr txBox="1"/>
+              <p:nvPr/>
+            </p:nvSpPr>
+            <p:spPr>
+              <a:xfrm>
+                <a:off x="8925859" y="3784055"/>
+                <a:ext cx="1653786" cy="276999"/>
+              </a:xfrm>
+              <a:prstGeom prst="rect">
+                <a:avLst/>
+              </a:prstGeom>
+              <a:noFill/>
+            </p:spPr>
+            <p:txBody>
+              <a:bodyPr wrap="none" lIns="0" tIns="0" rIns="0" bIns="0" rtlCol="0">
+                <a:spAutoFit/>
+              </a:bodyPr>
+              <a:lstStyle/>
+              <a:p>
+                <a14:m>
+                  <m:oMathPara xmlns:m="http://schemas.openxmlformats.org/officeDocument/2006/math">
+                    <m:oMathParaPr>
+                      <m:jc m:val="centerGroup"/>
+                    </m:oMathParaPr>
+                    <m:oMath xmlns:m="http://schemas.openxmlformats.org/officeDocument/2006/math">
+                      <m:r>
+                        <a:rPr lang="fr-FR" b="0" i="1" smtClean="0">
+                          <a:latin typeface="Cambria Math" panose="02040503050406030204" pitchFamily="18" charset="0"/>
+                        </a:rPr>
+                        <m:t>𝑍</m:t>
+                      </m:r>
+                      <m:r>
+                        <a:rPr lang="fr-FR" b="0" i="1" smtClean="0">
+                          <a:latin typeface="Cambria Math" panose="02040503050406030204" pitchFamily="18" charset="0"/>
+                        </a:rPr>
+                        <m:t>=</m:t>
+                      </m:r>
+                      <m:r>
+                        <a:rPr lang="fr-FR" b="0" i="1" smtClean="0">
+                          <a:latin typeface="Cambria Math" panose="02040503050406030204" pitchFamily="18" charset="0"/>
+                        </a:rPr>
+                        <m:t>𝑉𝑎𝑙𝑒𝑢𝑟</m:t>
+                      </m:r>
+                      <m:r>
+                        <a:rPr lang="fr-FR" b="0" i="1" smtClean="0">
+                          <a:latin typeface="Cambria Math" panose="02040503050406030204" pitchFamily="18" charset="0"/>
+                        </a:rPr>
+                        <m:t> −µ</m:t>
+                      </m:r>
+                    </m:oMath>
+                  </m:oMathPara>
+                </a14:m>
+                <a:endParaRPr lang="fr-FR" dirty="0"/>
+              </a:p>
+            </p:txBody>
+          </p:sp>
+        </mc:Choice>
+        <mc:Fallback>
+          <p:sp>
+            <p:nvSpPr>
+              <p:cNvPr id="4" name="ZoneTexte 3">
+                <a:extLst>
+                  <a:ext uri="{FF2B5EF4-FFF2-40B4-BE49-F238E27FC236}">
+                    <a16:creationId xmlns:a16="http://schemas.microsoft.com/office/drawing/2014/main" id="{8230DA6C-37A2-B26F-9821-B40244793051}"/>
+                  </a:ext>
+                </a:extLst>
+              </p:cNvPr>
+              <p:cNvSpPr txBox="1">
+                <a:spLocks noRot="1" noChangeAspect="1" noMove="1" noResize="1" noEditPoints="1" noAdjustHandles="1" noChangeArrowheads="1" noChangeShapeType="1" noTextEdit="1"/>
+              </p:cNvSpPr>
+              <p:nvPr/>
+            </p:nvSpPr>
+            <p:spPr>
+              <a:xfrm>
+                <a:off x="8925859" y="3784055"/>
+                <a:ext cx="1653786" cy="276999"/>
+              </a:xfrm>
+              <a:prstGeom prst="rect">
+                <a:avLst/>
+              </a:prstGeom>
+              <a:blipFill>
+                <a:blip r:embed="rId2"/>
+                <a:stretch>
+                  <a:fillRect l="-2574" r="-2941" b="-22222"/>
+                </a:stretch>
+              </a:blipFill>
+            </p:spPr>
+            <p:txBody>
+              <a:bodyPr/>
+              <a:lstStyle/>
+              <a:p>
+                <a:r>
+                  <a:rPr lang="fr-FR">
+                    <a:noFill/>
+                  </a:rPr>
+                  <a:t> </a:t>
+                </a:r>
+              </a:p>
+            </p:txBody>
+          </p:sp>
+        </mc:Fallback>
+      </mc:AlternateContent>
+      <mc:AlternateContent xmlns:mc="http://schemas.openxmlformats.org/markup-compatibility/2006">
+        <mc:Choice xmlns:a14="http://schemas.microsoft.com/office/drawing/2010/main" Requires="a14">
+          <p:sp>
+            <p:nvSpPr>
+              <p:cNvPr id="5" name="ZoneTexte 4">
+                <a:extLst>
+                  <a:ext uri="{FF2B5EF4-FFF2-40B4-BE49-F238E27FC236}">
+                    <a16:creationId xmlns:a16="http://schemas.microsoft.com/office/drawing/2014/main" id="{88E5C831-1133-8184-A786-3313CF754253}"/>
+                  </a:ext>
+                </a:extLst>
+              </p:cNvPr>
+              <p:cNvSpPr txBox="1"/>
+              <p:nvPr/>
+            </p:nvSpPr>
+            <p:spPr>
+              <a:xfrm>
+                <a:off x="8925859" y="4776887"/>
+                <a:ext cx="1653786" cy="525978"/>
+              </a:xfrm>
+              <a:prstGeom prst="rect">
+                <a:avLst/>
+              </a:prstGeom>
+              <a:noFill/>
+            </p:spPr>
+            <p:txBody>
+              <a:bodyPr wrap="none" lIns="0" tIns="0" rIns="0" bIns="0" rtlCol="0">
+                <a:spAutoFit/>
+              </a:bodyPr>
+              <a:lstStyle/>
+              <a:p>
+                <a14:m>
+                  <m:oMathPara xmlns:m="http://schemas.openxmlformats.org/officeDocument/2006/math">
+                    <m:oMathParaPr>
+                      <m:jc m:val="centerGroup"/>
+                    </m:oMathParaPr>
+                    <m:oMath xmlns:m="http://schemas.openxmlformats.org/officeDocument/2006/math">
+                      <m:r>
+                        <a:rPr lang="fr-FR" b="0" i="1" smtClean="0">
+                          <a:latin typeface="Cambria Math" panose="02040503050406030204" pitchFamily="18" charset="0"/>
+                        </a:rPr>
+                        <m:t>𝑍</m:t>
+                      </m:r>
+                      <m:r>
+                        <a:rPr lang="fr-FR" b="0" i="1" smtClean="0">
+                          <a:latin typeface="Cambria Math" panose="02040503050406030204" pitchFamily="18" charset="0"/>
+                        </a:rPr>
+                        <m:t>=</m:t>
+                      </m:r>
+                      <m:f>
+                        <m:fPr>
+                          <m:ctrlPr>
+                            <a:rPr lang="fr-FR" b="0" i="1" smtClean="0">
+                              <a:latin typeface="Cambria Math" panose="02040503050406030204" pitchFamily="18" charset="0"/>
+                            </a:rPr>
+                          </m:ctrlPr>
+                        </m:fPr>
+                        <m:num>
+                          <m:r>
+                            <a:rPr lang="fr-FR" b="0" i="1" smtClean="0">
+                              <a:latin typeface="Cambria Math" panose="02040503050406030204" pitchFamily="18" charset="0"/>
+                            </a:rPr>
+                            <m:t>𝑉𝑎𝑙𝑒𝑢𝑟</m:t>
+                          </m:r>
+                          <m:r>
+                            <a:rPr lang="fr-FR" b="0" i="1" smtClean="0">
+                              <a:latin typeface="Cambria Math" panose="02040503050406030204" pitchFamily="18" charset="0"/>
+                            </a:rPr>
+                            <m:t> −µ</m:t>
+                          </m:r>
+                        </m:num>
+                        <m:den>
+                          <m:r>
+                            <a:rPr lang="fr-FR" b="0" i="1" smtClean="0">
+                              <a:latin typeface="Cambria Math" panose="02040503050406030204" pitchFamily="18" charset="0"/>
+                              <a:ea typeface="Cambria Math" panose="02040503050406030204" pitchFamily="18" charset="0"/>
+                            </a:rPr>
+                            <m:t>𝜎</m:t>
+                          </m:r>
+                        </m:den>
+                      </m:f>
+                    </m:oMath>
+                  </m:oMathPara>
+                </a14:m>
+                <a:endParaRPr lang="fr-FR" b="0" dirty="0"/>
+              </a:p>
+            </p:txBody>
+          </p:sp>
+        </mc:Choice>
+        <mc:Fallback>
+          <p:sp>
+            <p:nvSpPr>
+              <p:cNvPr id="5" name="ZoneTexte 4">
+                <a:extLst>
+                  <a:ext uri="{FF2B5EF4-FFF2-40B4-BE49-F238E27FC236}">
+                    <a16:creationId xmlns:a16="http://schemas.microsoft.com/office/drawing/2014/main" id="{88E5C831-1133-8184-A786-3313CF754253}"/>
+                  </a:ext>
+                </a:extLst>
+              </p:cNvPr>
+              <p:cNvSpPr txBox="1">
+                <a:spLocks noRot="1" noChangeAspect="1" noMove="1" noResize="1" noEditPoints="1" noAdjustHandles="1" noChangeArrowheads="1" noChangeShapeType="1" noTextEdit="1"/>
+              </p:cNvSpPr>
+              <p:nvPr/>
+            </p:nvSpPr>
+            <p:spPr>
+              <a:xfrm>
+                <a:off x="8925859" y="4776887"/>
+                <a:ext cx="1653786" cy="525978"/>
+              </a:xfrm>
+              <a:prstGeom prst="rect">
+                <a:avLst/>
+              </a:prstGeom>
+              <a:blipFill>
+                <a:blip r:embed="rId3"/>
+                <a:stretch>
+                  <a:fillRect/>
+                </a:stretch>
+              </a:blipFill>
+            </p:spPr>
+            <p:txBody>
+              <a:bodyPr/>
+              <a:lstStyle/>
+              <a:p>
+                <a:r>
+                  <a:rPr lang="fr-FR">
+                    <a:noFill/>
+                  </a:rPr>
+                  <a:t> </a:t>
+                </a:r>
+              </a:p>
+            </p:txBody>
+          </p:sp>
+        </mc:Fallback>
+      </mc:AlternateContent>
+    </p:spTree>
+    <p:extLst>
+      <p:ext uri="{BB962C8B-B14F-4D97-AF65-F5344CB8AC3E}">
+        <p14:creationId xmlns:p14="http://schemas.microsoft.com/office/powerpoint/2010/main" val="2991937999"/>
+      </p:ext>
+    </p:extLst>
+  </p:cSld>
+  <p:clrMapOvr>
+    <a:masterClrMapping/>
+  </p:clrMapOvr>
+</p:sld>
+</file>
+
+<file path=ppt/slides/slide33.xml><?xml version="1.0" encoding="utf-8"?>
+<p:sld xmlns:a="http://schemas.openxmlformats.org/drawingml/2006/main" xmlns:r="http://schemas.openxmlformats.org/officeDocument/2006/relationships" xmlns:p="http://schemas.openxmlformats.org/presentationml/2006/main">
+  <p:cSld>
+    <p:spTree>
+      <p:nvGrpSpPr>
+        <p:cNvPr id="1" name=""/>
+        <p:cNvGrpSpPr/>
+        <p:nvPr/>
+      </p:nvGrpSpPr>
+      <p:grpSpPr>
+        <a:xfrm>
+          <a:off x="0" y="0"/>
+          <a:ext cx="0" cy="0"/>
+          <a:chOff x="0" y="0"/>
+          <a:chExt cx="0" cy="0"/>
+        </a:xfrm>
+      </p:grpSpPr>
+      <p:sp>
+        <p:nvSpPr>
+          <p:cNvPr id="4" name="Titre 3">
+            <a:extLst>
+              <a:ext uri="{FF2B5EF4-FFF2-40B4-BE49-F238E27FC236}">
                 <a16:creationId xmlns:a16="http://schemas.microsoft.com/office/drawing/2014/main" id="{9FC0D694-C02A-47C0-357F-3D7E72E80DC3}"/>
               </a:ext>
             </a:extLst>
@@ -13528,7 +14334,7 @@
 </p:sld>
 </file>
 
-<file path=ppt/slides/slide32.xml><?xml version="1.0" encoding="utf-8"?>
+<file path=ppt/slides/slide34.xml><?xml version="1.0" encoding="utf-8"?>
 <p:sld xmlns:a="http://schemas.openxmlformats.org/drawingml/2006/main" xmlns:r="http://schemas.openxmlformats.org/officeDocument/2006/relationships" xmlns:p="http://schemas.openxmlformats.org/presentationml/2006/main">
   <p:cSld>
     <p:spTree>
@@ -13978,7 +14784,7 @@
 </p:sld>
 </file>
 
-<file path=ppt/slides/slide33.xml><?xml version="1.0" encoding="utf-8"?>
+<file path=ppt/slides/slide35.xml><?xml version="1.0" encoding="utf-8"?>
 <p:sld xmlns:a="http://schemas.openxmlformats.org/drawingml/2006/main" xmlns:r="http://schemas.openxmlformats.org/officeDocument/2006/relationships" xmlns:p="http://schemas.openxmlformats.org/presentationml/2006/main">
   <p:cSld>
     <p:spTree>
@@ -14776,7 +15582,7 @@
 </p:sld>
 </file>
 
-<file path=ppt/slides/slide34.xml><?xml version="1.0" encoding="utf-8"?>
+<file path=ppt/slides/slide36.xml><?xml version="1.0" encoding="utf-8"?>
 <p:sld xmlns:a="http://schemas.openxmlformats.org/drawingml/2006/main" xmlns:r="http://schemas.openxmlformats.org/officeDocument/2006/relationships" xmlns:p="http://schemas.openxmlformats.org/presentationml/2006/main">
   <p:cSld>
     <p:spTree>
@@ -14859,7 +15665,7 @@
 </p:sld>
 </file>
 
-<file path=ppt/slides/slide35.xml><?xml version="1.0" encoding="utf-8"?>
+<file path=ppt/slides/slide37.xml><?xml version="1.0" encoding="utf-8"?>
 <p:sld xmlns:a="http://schemas.openxmlformats.org/drawingml/2006/main" xmlns:r="http://schemas.openxmlformats.org/officeDocument/2006/relationships" xmlns:p="http://schemas.openxmlformats.org/presentationml/2006/main">
   <p:cSld>
     <p:spTree>
@@ -15285,7 +16091,7 @@
 </p:sld>
 </file>
 
-<file path=ppt/slides/slide36.xml><?xml version="1.0" encoding="utf-8"?>
+<file path=ppt/slides/slide38.xml><?xml version="1.0" encoding="utf-8"?>
 <p:sld xmlns:a="http://schemas.openxmlformats.org/drawingml/2006/main" xmlns:r="http://schemas.openxmlformats.org/officeDocument/2006/relationships" xmlns:p="http://schemas.openxmlformats.org/presentationml/2006/main">
   <p:cSld>
     <p:spTree>
@@ -16895,7 +17701,7 @@
 </p:sld>
 </file>
 
-<file path=ppt/slides/slide37.xml><?xml version="1.0" encoding="utf-8"?>
+<file path=ppt/slides/slide39.xml><?xml version="1.0" encoding="utf-8"?>
 <p:sld xmlns:a="http://schemas.openxmlformats.org/drawingml/2006/main" xmlns:r="http://schemas.openxmlformats.org/officeDocument/2006/relationships" xmlns:p="http://schemas.openxmlformats.org/presentationml/2006/main">
   <p:cSld>
     <p:spTree>
@@ -17139,525 +17945,6 @@
     <p:extLst>
       <p:ext uri="{BB962C8B-B14F-4D97-AF65-F5344CB8AC3E}">
         <p14:creationId xmlns:p14="http://schemas.microsoft.com/office/powerpoint/2010/main" val="2053994929"/>
-      </p:ext>
-    </p:extLst>
-  </p:cSld>
-  <p:clrMapOvr>
-    <a:masterClrMapping/>
-  </p:clrMapOvr>
-</p:sld>
-</file>
-
-<file path=ppt/slides/slide38.xml><?xml version="1.0" encoding="utf-8"?>
-<p:sld xmlns:a="http://schemas.openxmlformats.org/drawingml/2006/main" xmlns:r="http://schemas.openxmlformats.org/officeDocument/2006/relationships" xmlns:p="http://schemas.openxmlformats.org/presentationml/2006/main">
-  <p:cSld>
-    <p:spTree>
-      <p:nvGrpSpPr>
-        <p:cNvPr id="1" name=""/>
-        <p:cNvGrpSpPr/>
-        <p:nvPr/>
-      </p:nvGrpSpPr>
-      <p:grpSpPr>
-        <a:xfrm>
-          <a:off x="0" y="0"/>
-          <a:ext cx="0" cy="0"/>
-          <a:chOff x="0" y="0"/>
-          <a:chExt cx="0" cy="0"/>
-        </a:xfrm>
-      </p:grpSpPr>
-      <p:sp>
-        <p:nvSpPr>
-          <p:cNvPr id="2" name="Titre 1">
-            <a:extLst>
-              <a:ext uri="{FF2B5EF4-FFF2-40B4-BE49-F238E27FC236}">
-                <a16:creationId xmlns:a16="http://schemas.microsoft.com/office/drawing/2014/main" id="{67D76BF7-5DA0-96C7-C5A3-DE9373E58BCA}"/>
-              </a:ext>
-            </a:extLst>
-          </p:cNvPr>
-          <p:cNvSpPr>
-            <a:spLocks noGrp="1"/>
-          </p:cNvSpPr>
-          <p:nvPr>
-            <p:ph type="title"/>
-          </p:nvPr>
-        </p:nvSpPr>
-        <p:spPr/>
-        <p:txBody>
-          <a:bodyPr/>
-          <a:lstStyle/>
-          <a:p>
-            <a:r>
-              <a:rPr lang="fr-FR" dirty="0"/>
-              <a:t>FAQ</a:t>
-            </a:r>
-          </a:p>
-        </p:txBody>
-      </p:sp>
-      <p:sp>
-        <p:nvSpPr>
-          <p:cNvPr id="3" name="Espace réservé du contenu 2">
-            <a:extLst>
-              <a:ext uri="{FF2B5EF4-FFF2-40B4-BE49-F238E27FC236}">
-                <a16:creationId xmlns:a16="http://schemas.microsoft.com/office/drawing/2014/main" id="{7408F3CF-1168-6251-666C-AA299171FDBD}"/>
-              </a:ext>
-            </a:extLst>
-          </p:cNvPr>
-          <p:cNvSpPr>
-            <a:spLocks noGrp="1"/>
-          </p:cNvSpPr>
-          <p:nvPr>
-            <p:ph idx="1"/>
-          </p:nvPr>
-        </p:nvSpPr>
-        <p:spPr/>
-        <p:txBody>
-          <a:bodyPr>
-            <a:normAutofit/>
-          </a:bodyPr>
-          <a:lstStyle/>
-          <a:p>
-            <a:r>
-              <a:rPr lang="fr-FR" dirty="0"/>
-              <a:t>Quand utiliser les indices vs les noms des colonnes ?</a:t>
-            </a:r>
-          </a:p>
-          <a:p>
-            <a:pPr lvl="1"/>
-            <a:r>
-              <a:rPr lang="it-IT" sz="1600" dirty="0">
-                <a:latin typeface="Courier New" panose="02070309020205020404" pitchFamily="49" charset="0"/>
-                <a:cs typeface="Courier New" panose="02070309020205020404" pitchFamily="49" charset="0"/>
-              </a:rPr>
-              <a:t>X_prime = df.iloc[:, [0,1,2]]</a:t>
-            </a:r>
-          </a:p>
-          <a:p>
-            <a:pPr lvl="1"/>
-            <a:r>
-              <a:rPr lang="en-US" sz="1600" dirty="0" err="1">
-                <a:latin typeface="Courier New" panose="02070309020205020404" pitchFamily="49" charset="0"/>
-                <a:cs typeface="Courier New" panose="02070309020205020404" pitchFamily="49" charset="0"/>
-              </a:rPr>
-              <a:t>features_list</a:t>
-            </a:r>
-            <a:r>
-              <a:rPr lang="en-US" sz="1600" dirty="0">
-                <a:latin typeface="Courier New" panose="02070309020205020404" pitchFamily="49" charset="0"/>
-                <a:cs typeface="Courier New" panose="02070309020205020404" pitchFamily="49" charset="0"/>
-              </a:rPr>
-              <a:t> = ["Country", "Age", "Salary"]</a:t>
-            </a:r>
-            <a:br>
-              <a:rPr lang="en-US" sz="1600" dirty="0">
-                <a:latin typeface="Courier New" panose="02070309020205020404" pitchFamily="49" charset="0"/>
-                <a:cs typeface="Courier New" panose="02070309020205020404" pitchFamily="49" charset="0"/>
-              </a:rPr>
-            </a:br>
-            <a:r>
-              <a:rPr lang="en-US" sz="1600" dirty="0">
-                <a:latin typeface="Courier New" panose="02070309020205020404" pitchFamily="49" charset="0"/>
-                <a:cs typeface="Courier New" panose="02070309020205020404" pitchFamily="49" charset="0"/>
-              </a:rPr>
-              <a:t>X = </a:t>
-            </a:r>
-            <a:r>
-              <a:rPr lang="en-US" sz="1600" dirty="0" err="1">
-                <a:latin typeface="Courier New" panose="02070309020205020404" pitchFamily="49" charset="0"/>
-                <a:cs typeface="Courier New" panose="02070309020205020404" pitchFamily="49" charset="0"/>
-              </a:rPr>
-              <a:t>df.loc</a:t>
-            </a:r>
-            <a:r>
-              <a:rPr lang="en-US" sz="1600" dirty="0">
-                <a:latin typeface="Courier New" panose="02070309020205020404" pitchFamily="49" charset="0"/>
-                <a:cs typeface="Courier New" panose="02070309020205020404" pitchFamily="49" charset="0"/>
-              </a:rPr>
-              <a:t>[:, </a:t>
-            </a:r>
-            <a:r>
-              <a:rPr lang="en-US" sz="1600" dirty="0" err="1">
-                <a:latin typeface="Courier New" panose="02070309020205020404" pitchFamily="49" charset="0"/>
-                <a:cs typeface="Courier New" panose="02070309020205020404" pitchFamily="49" charset="0"/>
-              </a:rPr>
-              <a:t>features_list</a:t>
-            </a:r>
-            <a:r>
-              <a:rPr lang="en-US" sz="1600" dirty="0">
-                <a:latin typeface="Courier New" panose="02070309020205020404" pitchFamily="49" charset="0"/>
-                <a:cs typeface="Courier New" panose="02070309020205020404" pitchFamily="49" charset="0"/>
-              </a:rPr>
-              <a:t>]</a:t>
-            </a:r>
-          </a:p>
-          <a:p>
-            <a:pPr lvl="1"/>
-            <a:r>
-              <a:rPr lang="en-US" dirty="0"/>
-              <a:t>Si on </a:t>
-            </a:r>
-            <a:r>
-              <a:rPr lang="en-US" dirty="0" err="1"/>
-              <a:t>supprime</a:t>
-            </a:r>
-            <a:r>
-              <a:rPr lang="en-US" dirty="0"/>
-              <a:t> </a:t>
-            </a:r>
-            <a:r>
-              <a:rPr lang="en-US" dirty="0" err="1"/>
-              <a:t>d’autres</a:t>
-            </a:r>
-            <a:r>
-              <a:rPr lang="en-US" dirty="0"/>
-              <a:t> </a:t>
-            </a:r>
-            <a:r>
-              <a:rPr lang="en-US" dirty="0" err="1"/>
-              <a:t>colonnes</a:t>
-            </a:r>
-            <a:r>
-              <a:rPr lang="en-US" dirty="0"/>
-              <a:t>, </a:t>
-            </a:r>
-            <a:r>
-              <a:rPr lang="en-US" dirty="0" err="1"/>
-              <a:t>tous</a:t>
-            </a:r>
-            <a:r>
-              <a:rPr lang="en-US" dirty="0"/>
-              <a:t> les indices </a:t>
-            </a:r>
-            <a:r>
-              <a:rPr lang="en-US" dirty="0" err="1"/>
-              <a:t>changent</a:t>
-            </a:r>
-            <a:r>
-              <a:rPr lang="en-US" dirty="0"/>
-              <a:t>. Pas facile </a:t>
-            </a:r>
-            <a:r>
-              <a:rPr lang="en-US" dirty="0" err="1"/>
-              <a:t>alors</a:t>
-            </a:r>
-            <a:r>
-              <a:rPr lang="en-US" dirty="0"/>
-              <a:t> de faire un </a:t>
-            </a:r>
-            <a:r>
-              <a:rPr lang="en-US" sz="1600" dirty="0" err="1">
-                <a:latin typeface="Courier New" panose="02070309020205020404" pitchFamily="49" charset="0"/>
-                <a:cs typeface="Courier New" panose="02070309020205020404" pitchFamily="49" charset="0"/>
-              </a:rPr>
-              <a:t>ax.scatter</a:t>
-            </a:r>
-            <a:r>
-              <a:rPr lang="en-US" sz="1600" dirty="0">
-                <a:latin typeface="Courier New" panose="02070309020205020404" pitchFamily="49" charset="0"/>
-                <a:cs typeface="Courier New" panose="02070309020205020404" pitchFamily="49" charset="0"/>
-              </a:rPr>
-              <a:t>(</a:t>
-            </a:r>
-            <a:r>
-              <a:rPr lang="en-US" sz="1600" dirty="0" err="1">
-                <a:latin typeface="Courier New" panose="02070309020205020404" pitchFamily="49" charset="0"/>
-                <a:cs typeface="Courier New" panose="02070309020205020404" pitchFamily="49" charset="0"/>
-              </a:rPr>
-              <a:t>X_test</a:t>
-            </a:r>
-            <a:r>
-              <a:rPr lang="en-US" sz="1600" dirty="0">
-                <a:latin typeface="Courier New" panose="02070309020205020404" pitchFamily="49" charset="0"/>
-                <a:cs typeface="Courier New" panose="02070309020205020404" pitchFamily="49" charset="0"/>
-              </a:rPr>
-              <a:t>[:,3], </a:t>
-            </a:r>
-            <a:r>
-              <a:rPr lang="en-US" sz="1600" dirty="0" err="1">
-                <a:latin typeface="Courier New" panose="02070309020205020404" pitchFamily="49" charset="0"/>
-                <a:cs typeface="Courier New" panose="02070309020205020404" pitchFamily="49" charset="0"/>
-              </a:rPr>
-              <a:t>y_test</a:t>
-            </a:r>
-            <a:r>
-              <a:rPr lang="en-US" sz="1600" dirty="0">
-                <a:latin typeface="Courier New" panose="02070309020205020404" pitchFamily="49" charset="0"/>
-                <a:cs typeface="Courier New" panose="02070309020205020404" pitchFamily="49" charset="0"/>
-              </a:rPr>
-              <a:t>)</a:t>
-            </a:r>
-            <a:r>
-              <a:rPr lang="en-US" dirty="0"/>
-              <a:t> </a:t>
-            </a:r>
-          </a:p>
-          <a:p>
-            <a:pPr lvl="1"/>
-            <a:r>
-              <a:rPr lang="en-US" dirty="0" err="1"/>
-              <a:t>Pensez</a:t>
-            </a:r>
-            <a:r>
-              <a:rPr lang="en-US" dirty="0"/>
-              <a:t> à la </a:t>
-            </a:r>
-            <a:r>
-              <a:rPr lang="en-US" dirty="0" err="1"/>
-              <a:t>relecture</a:t>
-            </a:r>
-            <a:r>
-              <a:rPr lang="en-US" dirty="0"/>
-              <a:t> du code dans 6 </a:t>
-            </a:r>
-            <a:r>
-              <a:rPr lang="en-US" dirty="0" err="1"/>
-              <a:t>mois</a:t>
-            </a:r>
-            <a:r>
-              <a:rPr lang="en-US" dirty="0"/>
-              <a:t>. </a:t>
-            </a:r>
-            <a:r>
-              <a:rPr lang="en-US" dirty="0" err="1"/>
-              <a:t>Qu’est-ce</a:t>
-            </a:r>
-            <a:r>
-              <a:rPr lang="en-US" dirty="0"/>
-              <a:t> qui </a:t>
-            </a:r>
-            <a:r>
-              <a:rPr lang="en-US" dirty="0" err="1"/>
-              <a:t>est</a:t>
-            </a:r>
-            <a:r>
-              <a:rPr lang="en-US" dirty="0"/>
-              <a:t> le plus facile à </a:t>
-            </a:r>
-            <a:r>
-              <a:rPr lang="en-US" dirty="0" err="1"/>
-              <a:t>relire</a:t>
-            </a:r>
-            <a:r>
-              <a:rPr lang="en-US" dirty="0"/>
-              <a:t> ?</a:t>
-            </a:r>
-          </a:p>
-          <a:p>
-            <a:r>
-              <a:rPr lang="en-US" dirty="0" err="1"/>
-              <a:t>LabelEncoder</a:t>
-            </a:r>
-            <a:r>
-              <a:rPr lang="en-US" dirty="0"/>
-              <a:t> ?</a:t>
-            </a:r>
-          </a:p>
-          <a:p>
-            <a:pPr lvl="1"/>
-            <a:r>
-              <a:rPr lang="fr-FR" sz="1600" dirty="0" err="1">
-                <a:latin typeface="Courier New" panose="02070309020205020404" pitchFamily="49" charset="0"/>
-                <a:cs typeface="Courier New" panose="02070309020205020404" pitchFamily="49" charset="0"/>
-              </a:rPr>
-              <a:t>y_train</a:t>
-            </a:r>
-            <a:r>
-              <a:rPr lang="fr-FR" sz="1600" dirty="0">
-                <a:latin typeface="Courier New" panose="02070309020205020404" pitchFamily="49" charset="0"/>
-                <a:cs typeface="Courier New" panose="02070309020205020404" pitchFamily="49" charset="0"/>
-              </a:rPr>
-              <a:t> = </a:t>
-            </a:r>
-            <a:r>
-              <a:rPr lang="fr-FR" sz="1600" dirty="0" err="1">
-                <a:latin typeface="Courier New" panose="02070309020205020404" pitchFamily="49" charset="0"/>
-                <a:cs typeface="Courier New" panose="02070309020205020404" pitchFamily="49" charset="0"/>
-              </a:rPr>
-              <a:t>labelencoder.fit_transform</a:t>
-            </a:r>
-            <a:r>
-              <a:rPr lang="fr-FR" sz="1600" dirty="0">
-                <a:latin typeface="Courier New" panose="02070309020205020404" pitchFamily="49" charset="0"/>
-                <a:cs typeface="Courier New" panose="02070309020205020404" pitchFamily="49" charset="0"/>
-              </a:rPr>
-              <a:t>(</a:t>
-            </a:r>
-            <a:r>
-              <a:rPr lang="fr-FR" sz="1600" dirty="0" err="1">
-                <a:latin typeface="Courier New" panose="02070309020205020404" pitchFamily="49" charset="0"/>
-                <a:cs typeface="Courier New" panose="02070309020205020404" pitchFamily="49" charset="0"/>
-              </a:rPr>
-              <a:t>y_train</a:t>
-            </a:r>
-            <a:r>
-              <a:rPr lang="fr-FR" sz="1600" dirty="0">
-                <a:latin typeface="Courier New" panose="02070309020205020404" pitchFamily="49" charset="0"/>
-                <a:cs typeface="Courier New" panose="02070309020205020404" pitchFamily="49" charset="0"/>
-              </a:rPr>
-              <a:t>)</a:t>
-            </a:r>
-          </a:p>
-          <a:p>
-            <a:pPr lvl="1"/>
-            <a:r>
-              <a:rPr lang="fr-FR" dirty="0"/>
-              <a:t>Uniquement sur la </a:t>
-            </a:r>
-            <a:r>
-              <a:rPr lang="fr-FR" dirty="0" err="1"/>
-              <a:t>target</a:t>
-            </a:r>
-            <a:r>
-              <a:rPr lang="fr-FR" dirty="0"/>
-              <a:t> quand celle-ci est de type </a:t>
-            </a:r>
-            <a:r>
-              <a:rPr lang="fr-FR" dirty="0" err="1"/>
-              <a:t>discrete</a:t>
-            </a:r>
-            <a:r>
-              <a:rPr lang="fr-FR" dirty="0"/>
-              <a:t> (chien, chat…) </a:t>
-            </a:r>
-          </a:p>
-        </p:txBody>
-      </p:sp>
-    </p:spTree>
-    <p:extLst>
-      <p:ext uri="{BB962C8B-B14F-4D97-AF65-F5344CB8AC3E}">
-        <p14:creationId xmlns:p14="http://schemas.microsoft.com/office/powerpoint/2010/main" val="1725587933"/>
-      </p:ext>
-    </p:extLst>
-  </p:cSld>
-  <p:clrMapOvr>
-    <a:masterClrMapping/>
-  </p:clrMapOvr>
-</p:sld>
-</file>
-
-<file path=ppt/slides/slide39.xml><?xml version="1.0" encoding="utf-8"?>
-<p:sld xmlns:a="http://schemas.openxmlformats.org/drawingml/2006/main" xmlns:r="http://schemas.openxmlformats.org/officeDocument/2006/relationships" xmlns:p="http://schemas.openxmlformats.org/presentationml/2006/main">
-  <p:cSld>
-    <p:spTree>
-      <p:nvGrpSpPr>
-        <p:cNvPr id="1" name=""/>
-        <p:cNvGrpSpPr/>
-        <p:nvPr/>
-      </p:nvGrpSpPr>
-      <p:grpSpPr>
-        <a:xfrm>
-          <a:off x="0" y="0"/>
-          <a:ext cx="0" cy="0"/>
-          <a:chOff x="0" y="0"/>
-          <a:chExt cx="0" cy="0"/>
-        </a:xfrm>
-      </p:grpSpPr>
-      <p:sp>
-        <p:nvSpPr>
-          <p:cNvPr id="2" name="Titre 1">
-            <a:extLst>
-              <a:ext uri="{FF2B5EF4-FFF2-40B4-BE49-F238E27FC236}">
-                <a16:creationId xmlns:a16="http://schemas.microsoft.com/office/drawing/2014/main" id="{18E5830E-96ED-9DF4-359F-F1CBFD6C7517}"/>
-              </a:ext>
-            </a:extLst>
-          </p:cNvPr>
-          <p:cNvSpPr>
-            <a:spLocks noGrp="1"/>
-          </p:cNvSpPr>
-          <p:nvPr>
-            <p:ph type="title"/>
-          </p:nvPr>
-        </p:nvSpPr>
-        <p:spPr/>
-        <p:txBody>
-          <a:bodyPr/>
-          <a:lstStyle/>
-          <a:p>
-            <a:r>
-              <a:rPr lang="fr-FR" dirty="0"/>
-              <a:t>FAQ</a:t>
-            </a:r>
-          </a:p>
-        </p:txBody>
-      </p:sp>
-      <p:sp>
-        <p:nvSpPr>
-          <p:cNvPr id="3" name="Espace réservé du contenu 2">
-            <a:extLst>
-              <a:ext uri="{FF2B5EF4-FFF2-40B4-BE49-F238E27FC236}">
-                <a16:creationId xmlns:a16="http://schemas.microsoft.com/office/drawing/2014/main" id="{FB2F845B-A441-D492-A6B6-4DC959609C23}"/>
-              </a:ext>
-            </a:extLst>
-          </p:cNvPr>
-          <p:cNvSpPr>
-            <a:spLocks noGrp="1"/>
-          </p:cNvSpPr>
-          <p:nvPr>
-            <p:ph idx="1"/>
-          </p:nvPr>
-        </p:nvSpPr>
-        <p:spPr/>
-        <p:txBody>
-          <a:bodyPr/>
-          <a:lstStyle/>
-          <a:p>
-            <a:r>
-              <a:rPr lang="fr-FR" dirty="0"/>
-              <a:t>Pourquoi on fait </a:t>
-            </a:r>
-            <a:r>
-              <a:rPr lang="fr-FR" dirty="0" err="1">
-                <a:latin typeface="Courier New" panose="02070309020205020404" pitchFamily="49" charset="0"/>
-                <a:cs typeface="Courier New" panose="02070309020205020404" pitchFamily="49" charset="0"/>
-              </a:rPr>
-              <a:t>featureencoder</a:t>
-            </a:r>
-            <a:r>
-              <a:rPr lang="fr-FR" dirty="0"/>
-              <a:t> sur </a:t>
-            </a:r>
-            <a:r>
-              <a:rPr lang="fr-FR" dirty="0" err="1"/>
-              <a:t>X_train</a:t>
-            </a:r>
-            <a:r>
-              <a:rPr lang="fr-FR" dirty="0"/>
-              <a:t> puis sur </a:t>
-            </a:r>
-            <a:r>
-              <a:rPr lang="fr-FR" dirty="0" err="1"/>
-              <a:t>X_test</a:t>
-            </a:r>
-            <a:r>
-              <a:rPr lang="fr-FR" dirty="0"/>
-              <a:t> et pas sur X tout entier avant de splitter?</a:t>
-            </a:r>
-          </a:p>
-          <a:p>
-            <a:pPr lvl="1"/>
-            <a:r>
-              <a:rPr lang="fr-FR" dirty="0"/>
-              <a:t>Si on remplace une valeur manquante par la moyenne on utilise la moyenne de toute la colonne et pas la moyenne de </a:t>
-            </a:r>
-            <a:r>
-              <a:rPr lang="fr-FR" dirty="0" err="1"/>
-              <a:t>X_train</a:t>
-            </a:r>
-            <a:r>
-              <a:rPr lang="fr-FR" dirty="0"/>
-              <a:t> ou de </a:t>
-            </a:r>
-            <a:r>
-              <a:rPr lang="fr-FR" dirty="0" err="1"/>
-              <a:t>X_test</a:t>
-            </a:r>
-            <a:endParaRPr lang="fr-FR" dirty="0"/>
-          </a:p>
-        </p:txBody>
-      </p:sp>
-    </p:spTree>
-    <p:extLst>
-      <p:ext uri="{BB962C8B-B14F-4D97-AF65-F5344CB8AC3E}">
-        <p14:creationId xmlns:p14="http://schemas.microsoft.com/office/powerpoint/2010/main" val="4183092790"/>
       </p:ext>
     </p:extLst>
   </p:cSld>
@@ -17955,6 +18242,525 @@
 </file>
 
 <file path=ppt/slides/slide40.xml><?xml version="1.0" encoding="utf-8"?>
+<p:sld xmlns:a="http://schemas.openxmlformats.org/drawingml/2006/main" xmlns:r="http://schemas.openxmlformats.org/officeDocument/2006/relationships" xmlns:p="http://schemas.openxmlformats.org/presentationml/2006/main">
+  <p:cSld>
+    <p:spTree>
+      <p:nvGrpSpPr>
+        <p:cNvPr id="1" name=""/>
+        <p:cNvGrpSpPr/>
+        <p:nvPr/>
+      </p:nvGrpSpPr>
+      <p:grpSpPr>
+        <a:xfrm>
+          <a:off x="0" y="0"/>
+          <a:ext cx="0" cy="0"/>
+          <a:chOff x="0" y="0"/>
+          <a:chExt cx="0" cy="0"/>
+        </a:xfrm>
+      </p:grpSpPr>
+      <p:sp>
+        <p:nvSpPr>
+          <p:cNvPr id="2" name="Titre 1">
+            <a:extLst>
+              <a:ext uri="{FF2B5EF4-FFF2-40B4-BE49-F238E27FC236}">
+                <a16:creationId xmlns:a16="http://schemas.microsoft.com/office/drawing/2014/main" id="{67D76BF7-5DA0-96C7-C5A3-DE9373E58BCA}"/>
+              </a:ext>
+            </a:extLst>
+          </p:cNvPr>
+          <p:cNvSpPr>
+            <a:spLocks noGrp="1"/>
+          </p:cNvSpPr>
+          <p:nvPr>
+            <p:ph type="title"/>
+          </p:nvPr>
+        </p:nvSpPr>
+        <p:spPr/>
+        <p:txBody>
+          <a:bodyPr/>
+          <a:lstStyle/>
+          <a:p>
+            <a:r>
+              <a:rPr lang="fr-FR" dirty="0"/>
+              <a:t>FAQ</a:t>
+            </a:r>
+          </a:p>
+        </p:txBody>
+      </p:sp>
+      <p:sp>
+        <p:nvSpPr>
+          <p:cNvPr id="3" name="Espace réservé du contenu 2">
+            <a:extLst>
+              <a:ext uri="{FF2B5EF4-FFF2-40B4-BE49-F238E27FC236}">
+                <a16:creationId xmlns:a16="http://schemas.microsoft.com/office/drawing/2014/main" id="{7408F3CF-1168-6251-666C-AA299171FDBD}"/>
+              </a:ext>
+            </a:extLst>
+          </p:cNvPr>
+          <p:cNvSpPr>
+            <a:spLocks noGrp="1"/>
+          </p:cNvSpPr>
+          <p:nvPr>
+            <p:ph idx="1"/>
+          </p:nvPr>
+        </p:nvSpPr>
+        <p:spPr/>
+        <p:txBody>
+          <a:bodyPr>
+            <a:normAutofit/>
+          </a:bodyPr>
+          <a:lstStyle/>
+          <a:p>
+            <a:r>
+              <a:rPr lang="fr-FR" dirty="0"/>
+              <a:t>Quand utiliser les indices vs les noms des colonnes ?</a:t>
+            </a:r>
+          </a:p>
+          <a:p>
+            <a:pPr lvl="1"/>
+            <a:r>
+              <a:rPr lang="it-IT" sz="1600" dirty="0">
+                <a:latin typeface="Courier New" panose="02070309020205020404" pitchFamily="49" charset="0"/>
+                <a:cs typeface="Courier New" panose="02070309020205020404" pitchFamily="49" charset="0"/>
+              </a:rPr>
+              <a:t>X_prime = df.iloc[:, [0,1,2]]</a:t>
+            </a:r>
+          </a:p>
+          <a:p>
+            <a:pPr lvl="1"/>
+            <a:r>
+              <a:rPr lang="en-US" sz="1600" dirty="0" err="1">
+                <a:latin typeface="Courier New" panose="02070309020205020404" pitchFamily="49" charset="0"/>
+                <a:cs typeface="Courier New" panose="02070309020205020404" pitchFamily="49" charset="0"/>
+              </a:rPr>
+              <a:t>features_list</a:t>
+            </a:r>
+            <a:r>
+              <a:rPr lang="en-US" sz="1600" dirty="0">
+                <a:latin typeface="Courier New" panose="02070309020205020404" pitchFamily="49" charset="0"/>
+                <a:cs typeface="Courier New" panose="02070309020205020404" pitchFamily="49" charset="0"/>
+              </a:rPr>
+              <a:t> = ["Country", "Age", "Salary"]</a:t>
+            </a:r>
+            <a:br>
+              <a:rPr lang="en-US" sz="1600" dirty="0">
+                <a:latin typeface="Courier New" panose="02070309020205020404" pitchFamily="49" charset="0"/>
+                <a:cs typeface="Courier New" panose="02070309020205020404" pitchFamily="49" charset="0"/>
+              </a:rPr>
+            </a:br>
+            <a:r>
+              <a:rPr lang="en-US" sz="1600" dirty="0">
+                <a:latin typeface="Courier New" panose="02070309020205020404" pitchFamily="49" charset="0"/>
+                <a:cs typeface="Courier New" panose="02070309020205020404" pitchFamily="49" charset="0"/>
+              </a:rPr>
+              <a:t>X = </a:t>
+            </a:r>
+            <a:r>
+              <a:rPr lang="en-US" sz="1600" dirty="0" err="1">
+                <a:latin typeface="Courier New" panose="02070309020205020404" pitchFamily="49" charset="0"/>
+                <a:cs typeface="Courier New" panose="02070309020205020404" pitchFamily="49" charset="0"/>
+              </a:rPr>
+              <a:t>df.loc</a:t>
+            </a:r>
+            <a:r>
+              <a:rPr lang="en-US" sz="1600" dirty="0">
+                <a:latin typeface="Courier New" panose="02070309020205020404" pitchFamily="49" charset="0"/>
+                <a:cs typeface="Courier New" panose="02070309020205020404" pitchFamily="49" charset="0"/>
+              </a:rPr>
+              <a:t>[:, </a:t>
+            </a:r>
+            <a:r>
+              <a:rPr lang="en-US" sz="1600" dirty="0" err="1">
+                <a:latin typeface="Courier New" panose="02070309020205020404" pitchFamily="49" charset="0"/>
+                <a:cs typeface="Courier New" panose="02070309020205020404" pitchFamily="49" charset="0"/>
+              </a:rPr>
+              <a:t>features_list</a:t>
+            </a:r>
+            <a:r>
+              <a:rPr lang="en-US" sz="1600" dirty="0">
+                <a:latin typeface="Courier New" panose="02070309020205020404" pitchFamily="49" charset="0"/>
+                <a:cs typeface="Courier New" panose="02070309020205020404" pitchFamily="49" charset="0"/>
+              </a:rPr>
+              <a:t>]</a:t>
+            </a:r>
+          </a:p>
+          <a:p>
+            <a:pPr lvl="1"/>
+            <a:r>
+              <a:rPr lang="en-US" dirty="0"/>
+              <a:t>Si on </a:t>
+            </a:r>
+            <a:r>
+              <a:rPr lang="en-US" dirty="0" err="1"/>
+              <a:t>supprime</a:t>
+            </a:r>
+            <a:r>
+              <a:rPr lang="en-US" dirty="0"/>
+              <a:t> </a:t>
+            </a:r>
+            <a:r>
+              <a:rPr lang="en-US" dirty="0" err="1"/>
+              <a:t>d’autres</a:t>
+            </a:r>
+            <a:r>
+              <a:rPr lang="en-US" dirty="0"/>
+              <a:t> </a:t>
+            </a:r>
+            <a:r>
+              <a:rPr lang="en-US" dirty="0" err="1"/>
+              <a:t>colonnes</a:t>
+            </a:r>
+            <a:r>
+              <a:rPr lang="en-US" dirty="0"/>
+              <a:t>, </a:t>
+            </a:r>
+            <a:r>
+              <a:rPr lang="en-US" dirty="0" err="1"/>
+              <a:t>tous</a:t>
+            </a:r>
+            <a:r>
+              <a:rPr lang="en-US" dirty="0"/>
+              <a:t> les indices </a:t>
+            </a:r>
+            <a:r>
+              <a:rPr lang="en-US" dirty="0" err="1"/>
+              <a:t>changent</a:t>
+            </a:r>
+            <a:r>
+              <a:rPr lang="en-US" dirty="0"/>
+              <a:t>. Pas facile </a:t>
+            </a:r>
+            <a:r>
+              <a:rPr lang="en-US" dirty="0" err="1"/>
+              <a:t>alors</a:t>
+            </a:r>
+            <a:r>
+              <a:rPr lang="en-US" dirty="0"/>
+              <a:t> de faire un </a:t>
+            </a:r>
+            <a:r>
+              <a:rPr lang="en-US" sz="1600" dirty="0" err="1">
+                <a:latin typeface="Courier New" panose="02070309020205020404" pitchFamily="49" charset="0"/>
+                <a:cs typeface="Courier New" panose="02070309020205020404" pitchFamily="49" charset="0"/>
+              </a:rPr>
+              <a:t>ax.scatter</a:t>
+            </a:r>
+            <a:r>
+              <a:rPr lang="en-US" sz="1600" dirty="0">
+                <a:latin typeface="Courier New" panose="02070309020205020404" pitchFamily="49" charset="0"/>
+                <a:cs typeface="Courier New" panose="02070309020205020404" pitchFamily="49" charset="0"/>
+              </a:rPr>
+              <a:t>(</a:t>
+            </a:r>
+            <a:r>
+              <a:rPr lang="en-US" sz="1600" dirty="0" err="1">
+                <a:latin typeface="Courier New" panose="02070309020205020404" pitchFamily="49" charset="0"/>
+                <a:cs typeface="Courier New" panose="02070309020205020404" pitchFamily="49" charset="0"/>
+              </a:rPr>
+              <a:t>X_test</a:t>
+            </a:r>
+            <a:r>
+              <a:rPr lang="en-US" sz="1600" dirty="0">
+                <a:latin typeface="Courier New" panose="02070309020205020404" pitchFamily="49" charset="0"/>
+                <a:cs typeface="Courier New" panose="02070309020205020404" pitchFamily="49" charset="0"/>
+              </a:rPr>
+              <a:t>[:,3], </a:t>
+            </a:r>
+            <a:r>
+              <a:rPr lang="en-US" sz="1600" dirty="0" err="1">
+                <a:latin typeface="Courier New" panose="02070309020205020404" pitchFamily="49" charset="0"/>
+                <a:cs typeface="Courier New" panose="02070309020205020404" pitchFamily="49" charset="0"/>
+              </a:rPr>
+              <a:t>y_test</a:t>
+            </a:r>
+            <a:r>
+              <a:rPr lang="en-US" sz="1600" dirty="0">
+                <a:latin typeface="Courier New" panose="02070309020205020404" pitchFamily="49" charset="0"/>
+                <a:cs typeface="Courier New" panose="02070309020205020404" pitchFamily="49" charset="0"/>
+              </a:rPr>
+              <a:t>)</a:t>
+            </a:r>
+            <a:r>
+              <a:rPr lang="en-US" dirty="0"/>
+              <a:t> </a:t>
+            </a:r>
+          </a:p>
+          <a:p>
+            <a:pPr lvl="1"/>
+            <a:r>
+              <a:rPr lang="en-US" dirty="0" err="1"/>
+              <a:t>Pensez</a:t>
+            </a:r>
+            <a:r>
+              <a:rPr lang="en-US" dirty="0"/>
+              <a:t> à la </a:t>
+            </a:r>
+            <a:r>
+              <a:rPr lang="en-US" dirty="0" err="1"/>
+              <a:t>relecture</a:t>
+            </a:r>
+            <a:r>
+              <a:rPr lang="en-US" dirty="0"/>
+              <a:t> du code dans 6 </a:t>
+            </a:r>
+            <a:r>
+              <a:rPr lang="en-US" dirty="0" err="1"/>
+              <a:t>mois</a:t>
+            </a:r>
+            <a:r>
+              <a:rPr lang="en-US" dirty="0"/>
+              <a:t>. </a:t>
+            </a:r>
+            <a:r>
+              <a:rPr lang="en-US" dirty="0" err="1"/>
+              <a:t>Qu’est-ce</a:t>
+            </a:r>
+            <a:r>
+              <a:rPr lang="en-US" dirty="0"/>
+              <a:t> qui </a:t>
+            </a:r>
+            <a:r>
+              <a:rPr lang="en-US" dirty="0" err="1"/>
+              <a:t>est</a:t>
+            </a:r>
+            <a:r>
+              <a:rPr lang="en-US" dirty="0"/>
+              <a:t> le plus facile à </a:t>
+            </a:r>
+            <a:r>
+              <a:rPr lang="en-US" dirty="0" err="1"/>
+              <a:t>relire</a:t>
+            </a:r>
+            <a:r>
+              <a:rPr lang="en-US" dirty="0"/>
+              <a:t> ?</a:t>
+            </a:r>
+          </a:p>
+          <a:p>
+            <a:r>
+              <a:rPr lang="en-US" dirty="0" err="1"/>
+              <a:t>LabelEncoder</a:t>
+            </a:r>
+            <a:r>
+              <a:rPr lang="en-US" dirty="0"/>
+              <a:t> ?</a:t>
+            </a:r>
+          </a:p>
+          <a:p>
+            <a:pPr lvl="1"/>
+            <a:r>
+              <a:rPr lang="fr-FR" sz="1600" dirty="0" err="1">
+                <a:latin typeface="Courier New" panose="02070309020205020404" pitchFamily="49" charset="0"/>
+                <a:cs typeface="Courier New" panose="02070309020205020404" pitchFamily="49" charset="0"/>
+              </a:rPr>
+              <a:t>y_train</a:t>
+            </a:r>
+            <a:r>
+              <a:rPr lang="fr-FR" sz="1600" dirty="0">
+                <a:latin typeface="Courier New" panose="02070309020205020404" pitchFamily="49" charset="0"/>
+                <a:cs typeface="Courier New" panose="02070309020205020404" pitchFamily="49" charset="0"/>
+              </a:rPr>
+              <a:t> = </a:t>
+            </a:r>
+            <a:r>
+              <a:rPr lang="fr-FR" sz="1600" dirty="0" err="1">
+                <a:latin typeface="Courier New" panose="02070309020205020404" pitchFamily="49" charset="0"/>
+                <a:cs typeface="Courier New" panose="02070309020205020404" pitchFamily="49" charset="0"/>
+              </a:rPr>
+              <a:t>labelencoder.fit_transform</a:t>
+            </a:r>
+            <a:r>
+              <a:rPr lang="fr-FR" sz="1600" dirty="0">
+                <a:latin typeface="Courier New" panose="02070309020205020404" pitchFamily="49" charset="0"/>
+                <a:cs typeface="Courier New" panose="02070309020205020404" pitchFamily="49" charset="0"/>
+              </a:rPr>
+              <a:t>(</a:t>
+            </a:r>
+            <a:r>
+              <a:rPr lang="fr-FR" sz="1600" dirty="0" err="1">
+                <a:latin typeface="Courier New" panose="02070309020205020404" pitchFamily="49" charset="0"/>
+                <a:cs typeface="Courier New" panose="02070309020205020404" pitchFamily="49" charset="0"/>
+              </a:rPr>
+              <a:t>y_train</a:t>
+            </a:r>
+            <a:r>
+              <a:rPr lang="fr-FR" sz="1600" dirty="0">
+                <a:latin typeface="Courier New" panose="02070309020205020404" pitchFamily="49" charset="0"/>
+                <a:cs typeface="Courier New" panose="02070309020205020404" pitchFamily="49" charset="0"/>
+              </a:rPr>
+              <a:t>)</a:t>
+            </a:r>
+          </a:p>
+          <a:p>
+            <a:pPr lvl="1"/>
+            <a:r>
+              <a:rPr lang="fr-FR" dirty="0"/>
+              <a:t>Uniquement sur la </a:t>
+            </a:r>
+            <a:r>
+              <a:rPr lang="fr-FR" dirty="0" err="1"/>
+              <a:t>target</a:t>
+            </a:r>
+            <a:r>
+              <a:rPr lang="fr-FR" dirty="0"/>
+              <a:t> quand celle-ci est de type </a:t>
+            </a:r>
+            <a:r>
+              <a:rPr lang="fr-FR" dirty="0" err="1"/>
+              <a:t>discrete</a:t>
+            </a:r>
+            <a:r>
+              <a:rPr lang="fr-FR" dirty="0"/>
+              <a:t> (chien, chat…) </a:t>
+            </a:r>
+          </a:p>
+        </p:txBody>
+      </p:sp>
+    </p:spTree>
+    <p:extLst>
+      <p:ext uri="{BB962C8B-B14F-4D97-AF65-F5344CB8AC3E}">
+        <p14:creationId xmlns:p14="http://schemas.microsoft.com/office/powerpoint/2010/main" val="1725587933"/>
+      </p:ext>
+    </p:extLst>
+  </p:cSld>
+  <p:clrMapOvr>
+    <a:masterClrMapping/>
+  </p:clrMapOvr>
+</p:sld>
+</file>
+
+<file path=ppt/slides/slide41.xml><?xml version="1.0" encoding="utf-8"?>
+<p:sld xmlns:a="http://schemas.openxmlformats.org/drawingml/2006/main" xmlns:r="http://schemas.openxmlformats.org/officeDocument/2006/relationships" xmlns:p="http://schemas.openxmlformats.org/presentationml/2006/main">
+  <p:cSld>
+    <p:spTree>
+      <p:nvGrpSpPr>
+        <p:cNvPr id="1" name=""/>
+        <p:cNvGrpSpPr/>
+        <p:nvPr/>
+      </p:nvGrpSpPr>
+      <p:grpSpPr>
+        <a:xfrm>
+          <a:off x="0" y="0"/>
+          <a:ext cx="0" cy="0"/>
+          <a:chOff x="0" y="0"/>
+          <a:chExt cx="0" cy="0"/>
+        </a:xfrm>
+      </p:grpSpPr>
+      <p:sp>
+        <p:nvSpPr>
+          <p:cNvPr id="2" name="Titre 1">
+            <a:extLst>
+              <a:ext uri="{FF2B5EF4-FFF2-40B4-BE49-F238E27FC236}">
+                <a16:creationId xmlns:a16="http://schemas.microsoft.com/office/drawing/2014/main" id="{18E5830E-96ED-9DF4-359F-F1CBFD6C7517}"/>
+              </a:ext>
+            </a:extLst>
+          </p:cNvPr>
+          <p:cNvSpPr>
+            <a:spLocks noGrp="1"/>
+          </p:cNvSpPr>
+          <p:nvPr>
+            <p:ph type="title"/>
+          </p:nvPr>
+        </p:nvSpPr>
+        <p:spPr/>
+        <p:txBody>
+          <a:bodyPr/>
+          <a:lstStyle/>
+          <a:p>
+            <a:r>
+              <a:rPr lang="fr-FR" dirty="0"/>
+              <a:t>FAQ</a:t>
+            </a:r>
+          </a:p>
+        </p:txBody>
+      </p:sp>
+      <p:sp>
+        <p:nvSpPr>
+          <p:cNvPr id="3" name="Espace réservé du contenu 2">
+            <a:extLst>
+              <a:ext uri="{FF2B5EF4-FFF2-40B4-BE49-F238E27FC236}">
+                <a16:creationId xmlns:a16="http://schemas.microsoft.com/office/drawing/2014/main" id="{FB2F845B-A441-D492-A6B6-4DC959609C23}"/>
+              </a:ext>
+            </a:extLst>
+          </p:cNvPr>
+          <p:cNvSpPr>
+            <a:spLocks noGrp="1"/>
+          </p:cNvSpPr>
+          <p:nvPr>
+            <p:ph idx="1"/>
+          </p:nvPr>
+        </p:nvSpPr>
+        <p:spPr/>
+        <p:txBody>
+          <a:bodyPr/>
+          <a:lstStyle/>
+          <a:p>
+            <a:r>
+              <a:rPr lang="fr-FR" dirty="0"/>
+              <a:t>Pourquoi on fait </a:t>
+            </a:r>
+            <a:r>
+              <a:rPr lang="fr-FR" dirty="0" err="1">
+                <a:latin typeface="Courier New" panose="02070309020205020404" pitchFamily="49" charset="0"/>
+                <a:cs typeface="Courier New" panose="02070309020205020404" pitchFamily="49" charset="0"/>
+              </a:rPr>
+              <a:t>featureencoder</a:t>
+            </a:r>
+            <a:r>
+              <a:rPr lang="fr-FR" dirty="0"/>
+              <a:t> sur </a:t>
+            </a:r>
+            <a:r>
+              <a:rPr lang="fr-FR" dirty="0" err="1"/>
+              <a:t>X_train</a:t>
+            </a:r>
+            <a:r>
+              <a:rPr lang="fr-FR" dirty="0"/>
+              <a:t> puis sur </a:t>
+            </a:r>
+            <a:r>
+              <a:rPr lang="fr-FR" dirty="0" err="1"/>
+              <a:t>X_test</a:t>
+            </a:r>
+            <a:r>
+              <a:rPr lang="fr-FR" dirty="0"/>
+              <a:t> et pas sur X tout entier avant de splitter?</a:t>
+            </a:r>
+          </a:p>
+          <a:p>
+            <a:pPr lvl="1"/>
+            <a:r>
+              <a:rPr lang="fr-FR" dirty="0"/>
+              <a:t>Si on remplace une valeur manquante par la moyenne on utilise la moyenne de toute la colonne et pas la moyenne de </a:t>
+            </a:r>
+            <a:r>
+              <a:rPr lang="fr-FR" dirty="0" err="1"/>
+              <a:t>X_train</a:t>
+            </a:r>
+            <a:r>
+              <a:rPr lang="fr-FR" dirty="0"/>
+              <a:t> ou de </a:t>
+            </a:r>
+            <a:r>
+              <a:rPr lang="fr-FR" dirty="0" err="1"/>
+              <a:t>X_test</a:t>
+            </a:r>
+            <a:endParaRPr lang="fr-FR" dirty="0"/>
+          </a:p>
+        </p:txBody>
+      </p:sp>
+    </p:spTree>
+    <p:extLst>
+      <p:ext uri="{BB962C8B-B14F-4D97-AF65-F5344CB8AC3E}">
+        <p14:creationId xmlns:p14="http://schemas.microsoft.com/office/powerpoint/2010/main" val="4183092790"/>
+      </p:ext>
+    </p:extLst>
+  </p:cSld>
+  <p:clrMapOvr>
+    <a:masterClrMapping/>
+  </p:clrMapOvr>
+</p:sld>
+</file>
+
+<file path=ppt/slides/slide42.xml><?xml version="1.0" encoding="utf-8"?>
 <p:sld xmlns:a="http://schemas.openxmlformats.org/drawingml/2006/main" xmlns:r="http://schemas.openxmlformats.org/officeDocument/2006/relationships" xmlns:p="http://schemas.openxmlformats.org/presentationml/2006/main">
   <p:cSld>
     <p:bg>
@@ -18121,7 +18927,7 @@
 </p:sld>
 </file>
 
-<file path=ppt/slides/slide41.xml><?xml version="1.0" encoding="utf-8"?>
+<file path=ppt/slides/slide43.xml><?xml version="1.0" encoding="utf-8"?>
 <p:sld xmlns:a="http://schemas.openxmlformats.org/drawingml/2006/main" xmlns:r="http://schemas.openxmlformats.org/officeDocument/2006/relationships" xmlns:p="http://schemas.openxmlformats.org/presentationml/2006/main">
   <p:cSld>
     <p:spTree>
@@ -18204,7 +19010,7 @@
 </p:sld>
 </file>
 
-<file path=ppt/slides/slide42.xml><?xml version="1.0" encoding="utf-8"?>
+<file path=ppt/slides/slide44.xml><?xml version="1.0" encoding="utf-8"?>
 <p:sld xmlns:a="http://schemas.openxmlformats.org/drawingml/2006/main" xmlns:r="http://schemas.openxmlformats.org/officeDocument/2006/relationships" xmlns:p="http://schemas.openxmlformats.org/presentationml/2006/main">
   <p:cSld>
     <p:spTree>
@@ -18892,532 +19698,6 @@
 </p:sld>
 </file>
 
-<file path=ppt/slides/slide43.xml><?xml version="1.0" encoding="utf-8"?>
-<p:sld xmlns:a="http://schemas.openxmlformats.org/drawingml/2006/main" xmlns:r="http://schemas.openxmlformats.org/officeDocument/2006/relationships" xmlns:p="http://schemas.openxmlformats.org/presentationml/2006/main">
-  <p:cSld>
-    <p:spTree>
-      <p:nvGrpSpPr>
-        <p:cNvPr id="1" name=""/>
-        <p:cNvGrpSpPr/>
-        <p:nvPr/>
-      </p:nvGrpSpPr>
-      <p:grpSpPr>
-        <a:xfrm>
-          <a:off x="0" y="0"/>
-          <a:ext cx="0" cy="0"/>
-          <a:chOff x="0" y="0"/>
-          <a:chExt cx="0" cy="0"/>
-        </a:xfrm>
-      </p:grpSpPr>
-      <p:sp>
-        <p:nvSpPr>
-          <p:cNvPr id="2" name="Titre 1">
-            <a:extLst>
-              <a:ext uri="{FF2B5EF4-FFF2-40B4-BE49-F238E27FC236}">
-                <a16:creationId xmlns:a16="http://schemas.microsoft.com/office/drawing/2014/main" id="{77EAEFC5-77FE-9822-72C3-62FB2337FE34}"/>
-              </a:ext>
-            </a:extLst>
-          </p:cNvPr>
-          <p:cNvSpPr>
-            <a:spLocks noGrp="1"/>
-          </p:cNvSpPr>
-          <p:nvPr>
-            <p:ph type="title"/>
-          </p:nvPr>
-        </p:nvSpPr>
-        <p:spPr/>
-        <p:txBody>
-          <a:bodyPr/>
-          <a:lstStyle/>
-          <a:p>
-            <a:endParaRPr lang="fr-FR"/>
-          </a:p>
-        </p:txBody>
-      </p:sp>
-      <p:sp>
-        <p:nvSpPr>
-          <p:cNvPr id="3" name="Espace réservé du contenu 2">
-            <a:extLst>
-              <a:ext uri="{FF2B5EF4-FFF2-40B4-BE49-F238E27FC236}">
-                <a16:creationId xmlns:a16="http://schemas.microsoft.com/office/drawing/2014/main" id="{F27994BF-B3DE-D405-1556-56C36862DB7A}"/>
-              </a:ext>
-            </a:extLst>
-          </p:cNvPr>
-          <p:cNvSpPr>
-            <a:spLocks noGrp="1"/>
-          </p:cNvSpPr>
-          <p:nvPr>
-            <p:ph idx="1"/>
-          </p:nvPr>
-        </p:nvSpPr>
-        <p:spPr/>
-        <p:txBody>
-          <a:bodyPr/>
-          <a:lstStyle/>
-          <a:p>
-            <a:pPr marL="0" marR="0" indent="0">
-              <a:spcBef>
-                <a:spcPts val="0"/>
-              </a:spcBef>
-              <a:spcAft>
-                <a:spcPts val="0"/>
-              </a:spcAft>
-              <a:buNone/>
-            </a:pPr>
-            <a:r>
-              <a:rPr lang="fr-FR" sz="1800" dirty="0">
-                <a:effectLst/>
-                <a:latin typeface="Courier New" panose="02070309020205020404" pitchFamily="49" charset="0"/>
-              </a:rPr>
-              <a:t>Fraude carte bancaire</a:t>
-            </a:r>
-          </a:p>
-          <a:p>
-            <a:pPr marL="457200" lvl="1">
-              <a:spcBef>
-                <a:spcPts val="0"/>
-              </a:spcBef>
-            </a:pPr>
-            <a:r>
-              <a:rPr lang="fr-FR" sz="1400" dirty="0">
-                <a:effectLst/>
-                <a:latin typeface="Courier New" panose="02070309020205020404" pitchFamily="49" charset="0"/>
-              </a:rPr>
-              <a:t>On ne veut pas manquer une fausse carte</a:t>
-            </a:r>
-          </a:p>
-          <a:p>
-            <a:pPr marL="457200" lvl="1">
-              <a:spcBef>
-                <a:spcPts val="0"/>
-              </a:spcBef>
-            </a:pPr>
-            <a:r>
-              <a:rPr lang="fr-FR" sz="1400" dirty="0">
-                <a:effectLst/>
-                <a:latin typeface="Courier New" panose="02070309020205020404" pitchFamily="49" charset="0"/>
-              </a:rPr>
-              <a:t>Donc on veut un Faux </a:t>
-            </a:r>
-            <a:r>
-              <a:rPr lang="fr-FR" sz="1400" dirty="0" err="1">
-                <a:effectLst/>
-                <a:latin typeface="Courier New" panose="02070309020205020404" pitchFamily="49" charset="0"/>
-              </a:rPr>
-              <a:t>Negatif</a:t>
-            </a:r>
-            <a:r>
-              <a:rPr lang="fr-FR" sz="1400" dirty="0">
-                <a:effectLst/>
-                <a:latin typeface="Courier New" panose="02070309020205020404" pitchFamily="49" charset="0"/>
-              </a:rPr>
-              <a:t> bas</a:t>
-            </a:r>
-          </a:p>
-          <a:p>
-            <a:pPr marL="457200" lvl="1">
-              <a:spcBef>
-                <a:spcPts val="0"/>
-              </a:spcBef>
-            </a:pPr>
-            <a:r>
-              <a:rPr lang="fr-FR" sz="1400" dirty="0" err="1">
-                <a:effectLst/>
-                <a:latin typeface="Courier New" panose="02070309020205020404" pitchFamily="49" charset="0"/>
-              </a:rPr>
-              <a:t>Recall</a:t>
-            </a:r>
-            <a:r>
-              <a:rPr lang="fr-FR" sz="1400" dirty="0">
-                <a:effectLst/>
-                <a:latin typeface="Courier New" panose="02070309020205020404" pitchFamily="49" charset="0"/>
-              </a:rPr>
-              <a:t>    doit être proche de 1</a:t>
-            </a:r>
-          </a:p>
-          <a:p>
-            <a:pPr marL="457200" lvl="1">
-              <a:spcBef>
-                <a:spcPts val="0"/>
-              </a:spcBef>
-            </a:pPr>
-            <a:r>
-              <a:rPr lang="fr-FR" sz="1400" dirty="0" err="1">
-                <a:effectLst/>
-                <a:latin typeface="Courier New" panose="02070309020205020404" pitchFamily="49" charset="0"/>
-              </a:rPr>
-              <a:t>Precision</a:t>
-            </a:r>
-            <a:r>
-              <a:rPr lang="fr-FR" sz="1400" dirty="0">
-                <a:effectLst/>
-                <a:latin typeface="Courier New" panose="02070309020205020404" pitchFamily="49" charset="0"/>
-              </a:rPr>
-              <a:t> peut être moyen </a:t>
-            </a:r>
-          </a:p>
-          <a:p>
-            <a:pPr marL="0" marR="0" indent="0">
-              <a:spcBef>
-                <a:spcPts val="0"/>
-              </a:spcBef>
-              <a:spcAft>
-                <a:spcPts val="0"/>
-              </a:spcAft>
-              <a:buNone/>
-            </a:pPr>
-            <a:r>
-              <a:rPr lang="fr-FR" sz="1800" dirty="0">
-                <a:effectLst/>
-                <a:latin typeface="Courier New" panose="02070309020205020404" pitchFamily="49" charset="0"/>
-              </a:rPr>
-              <a:t> </a:t>
-            </a:r>
-          </a:p>
-          <a:p>
-            <a:pPr marL="0" marR="0" indent="0">
-              <a:spcBef>
-                <a:spcPts val="0"/>
-              </a:spcBef>
-              <a:spcAft>
-                <a:spcPts val="0"/>
-              </a:spcAft>
-              <a:buNone/>
-            </a:pPr>
-            <a:endParaRPr lang="fr-FR" sz="1800" dirty="0">
-              <a:effectLst/>
-              <a:latin typeface="Courier New" panose="02070309020205020404" pitchFamily="49" charset="0"/>
-            </a:endParaRPr>
-          </a:p>
-          <a:p>
-            <a:pPr marL="0" marR="0" indent="0">
-              <a:spcBef>
-                <a:spcPts val="0"/>
-              </a:spcBef>
-              <a:spcAft>
-                <a:spcPts val="0"/>
-              </a:spcAft>
-              <a:buNone/>
-            </a:pPr>
-            <a:endParaRPr lang="fr-FR" sz="1800" dirty="0">
-              <a:latin typeface="Courier New" panose="02070309020205020404" pitchFamily="49" charset="0"/>
-            </a:endParaRPr>
-          </a:p>
-          <a:p>
-            <a:pPr marL="0" marR="0" indent="0">
-              <a:spcBef>
-                <a:spcPts val="0"/>
-              </a:spcBef>
-              <a:spcAft>
-                <a:spcPts val="0"/>
-              </a:spcAft>
-              <a:buNone/>
-            </a:pPr>
-            <a:endParaRPr lang="fr-FR" sz="1800" dirty="0">
-              <a:effectLst/>
-              <a:latin typeface="Courier New" panose="02070309020205020404" pitchFamily="49" charset="0"/>
-            </a:endParaRPr>
-          </a:p>
-          <a:p>
-            <a:pPr marL="0" marR="0" indent="0">
-              <a:spcBef>
-                <a:spcPts val="0"/>
-              </a:spcBef>
-              <a:spcAft>
-                <a:spcPts val="0"/>
-              </a:spcAft>
-              <a:buNone/>
-            </a:pPr>
-            <a:r>
-              <a:rPr lang="fr-FR" sz="1800" dirty="0">
-                <a:effectLst/>
-                <a:latin typeface="Courier New" panose="02070309020205020404" pitchFamily="49" charset="0"/>
-              </a:rPr>
-              <a:t>Spam</a:t>
-            </a:r>
-          </a:p>
-          <a:p>
-            <a:pPr marL="457200" lvl="1">
-              <a:spcBef>
-                <a:spcPts val="0"/>
-              </a:spcBef>
-            </a:pPr>
-            <a:r>
-              <a:rPr lang="fr-FR" sz="1400" dirty="0">
-                <a:effectLst/>
-                <a:latin typeface="Courier New" panose="02070309020205020404" pitchFamily="49" charset="0"/>
-              </a:rPr>
-              <a:t>On ne veut pas de vrai mail classé en spam</a:t>
-            </a:r>
-          </a:p>
-          <a:p>
-            <a:pPr marL="457200" lvl="1">
-              <a:spcBef>
-                <a:spcPts val="0"/>
-              </a:spcBef>
-            </a:pPr>
-            <a:r>
-              <a:rPr lang="fr-FR" sz="1400" dirty="0">
-                <a:effectLst/>
-                <a:latin typeface="Courier New" panose="02070309020205020404" pitchFamily="49" charset="0"/>
-              </a:rPr>
-              <a:t>Donc on veut un Faux Positif bas</a:t>
-            </a:r>
-          </a:p>
-          <a:p>
-            <a:pPr marL="457200" lvl="1">
-              <a:spcBef>
-                <a:spcPts val="0"/>
-              </a:spcBef>
-            </a:pPr>
-            <a:r>
-              <a:rPr lang="fr-FR" sz="1400" dirty="0" err="1">
-                <a:effectLst/>
-                <a:latin typeface="Courier New" panose="02070309020205020404" pitchFamily="49" charset="0"/>
-              </a:rPr>
-              <a:t>Recall</a:t>
-            </a:r>
-            <a:r>
-              <a:rPr lang="fr-FR" sz="1400" dirty="0">
-                <a:effectLst/>
-                <a:latin typeface="Courier New" panose="02070309020205020404" pitchFamily="49" charset="0"/>
-              </a:rPr>
-              <a:t>    peut être moyen</a:t>
-            </a:r>
-          </a:p>
-          <a:p>
-            <a:pPr marL="457200" lvl="1">
-              <a:spcBef>
-                <a:spcPts val="0"/>
-              </a:spcBef>
-            </a:pPr>
-            <a:r>
-              <a:rPr lang="fr-FR" sz="1400" dirty="0" err="1">
-                <a:effectLst/>
-                <a:latin typeface="Courier New" panose="02070309020205020404" pitchFamily="49" charset="0"/>
-              </a:rPr>
-              <a:t>Precision</a:t>
-            </a:r>
-            <a:r>
-              <a:rPr lang="fr-FR" sz="1400" dirty="0">
-                <a:effectLst/>
-                <a:latin typeface="Courier New" panose="02070309020205020404" pitchFamily="49" charset="0"/>
-              </a:rPr>
-              <a:t> doit être proche de 1 </a:t>
-            </a:r>
-          </a:p>
-          <a:p>
-            <a:endParaRPr lang="fr-FR" dirty="0"/>
-          </a:p>
-        </p:txBody>
-      </p:sp>
-      <p:sp>
-        <p:nvSpPr>
-          <p:cNvPr id="4" name="ZoneTexte 3">
-            <a:extLst>
-              <a:ext uri="{FF2B5EF4-FFF2-40B4-BE49-F238E27FC236}">
-                <a16:creationId xmlns:a16="http://schemas.microsoft.com/office/drawing/2014/main" id="{BC769971-6696-B68B-7A7E-C22BD1307536}"/>
-              </a:ext>
-            </a:extLst>
-          </p:cNvPr>
-          <p:cNvSpPr txBox="1"/>
-          <p:nvPr/>
-        </p:nvSpPr>
-        <p:spPr>
-          <a:xfrm>
-            <a:off x="5104356" y="4606447"/>
-            <a:ext cx="1563248" cy="646331"/>
-          </a:xfrm>
-          <a:prstGeom prst="rect">
-            <a:avLst/>
-          </a:prstGeom>
-          <a:noFill/>
-        </p:spPr>
-        <p:txBody>
-          <a:bodyPr wrap="none" rtlCol="0">
-            <a:spAutoFit/>
-          </a:bodyPr>
-          <a:lstStyle/>
-          <a:p>
-            <a:pPr algn="ctr"/>
-            <a:r>
-              <a:rPr lang="fr-FR" sz="1800" dirty="0" err="1">
-                <a:effectLst/>
-                <a:latin typeface="Courier New" panose="02070309020205020404" pitchFamily="49" charset="0"/>
-              </a:rPr>
-              <a:t>Precision</a:t>
-            </a:r>
-            <a:endParaRPr lang="fr-FR" sz="1800" dirty="0">
-              <a:effectLst/>
-              <a:latin typeface="Courier New" panose="02070309020205020404" pitchFamily="49" charset="0"/>
-            </a:endParaRPr>
-          </a:p>
-          <a:p>
-            <a:pPr algn="ctr"/>
-            <a:r>
-              <a:rPr lang="fr-FR" sz="1800" dirty="0">
-                <a:effectLst/>
-                <a:latin typeface="Courier New" panose="02070309020205020404" pitchFamily="49" charset="0"/>
-              </a:rPr>
-              <a:t>TP/(TP+FP)</a:t>
-            </a:r>
-            <a:endParaRPr lang="fr-FR" dirty="0"/>
-          </a:p>
-        </p:txBody>
-      </p:sp>
-      <p:sp>
-        <p:nvSpPr>
-          <p:cNvPr id="5" name="ZoneTexte 4">
-            <a:extLst>
-              <a:ext uri="{FF2B5EF4-FFF2-40B4-BE49-F238E27FC236}">
-                <a16:creationId xmlns:a16="http://schemas.microsoft.com/office/drawing/2014/main" id="{6722959C-02DD-0821-1CC0-81C189230146}"/>
-              </a:ext>
-            </a:extLst>
-          </p:cNvPr>
-          <p:cNvSpPr txBox="1"/>
-          <p:nvPr/>
-        </p:nvSpPr>
-        <p:spPr>
-          <a:xfrm>
-            <a:off x="5404982" y="2458426"/>
-            <a:ext cx="1563248" cy="646331"/>
-          </a:xfrm>
-          <a:prstGeom prst="rect">
-            <a:avLst/>
-          </a:prstGeom>
-          <a:noFill/>
-        </p:spPr>
-        <p:txBody>
-          <a:bodyPr wrap="none" rtlCol="0">
-            <a:spAutoFit/>
-          </a:bodyPr>
-          <a:lstStyle/>
-          <a:p>
-            <a:pPr algn="ctr"/>
-            <a:r>
-              <a:rPr lang="fr-FR" sz="1800" dirty="0" err="1">
-                <a:effectLst/>
-                <a:latin typeface="Courier New" panose="02070309020205020404" pitchFamily="49" charset="0"/>
-              </a:rPr>
-              <a:t>Recall</a:t>
-            </a:r>
-            <a:r>
-              <a:rPr lang="fr-FR" sz="1800" dirty="0">
-                <a:effectLst/>
-                <a:latin typeface="Courier New" panose="02070309020205020404" pitchFamily="49" charset="0"/>
-              </a:rPr>
-              <a:t> </a:t>
-            </a:r>
-          </a:p>
-          <a:p>
-            <a:pPr algn="ctr"/>
-            <a:r>
-              <a:rPr lang="fr-FR" sz="1800" dirty="0">
-                <a:effectLst/>
-                <a:latin typeface="Courier New" panose="02070309020205020404" pitchFamily="49" charset="0"/>
-              </a:rPr>
-              <a:t>TP/(TP+FN)</a:t>
-            </a:r>
-            <a:endParaRPr lang="fr-FR" dirty="0"/>
-          </a:p>
-        </p:txBody>
-      </p:sp>
-    </p:spTree>
-    <p:extLst>
-      <p:ext uri="{BB962C8B-B14F-4D97-AF65-F5344CB8AC3E}">
-        <p14:creationId xmlns:p14="http://schemas.microsoft.com/office/powerpoint/2010/main" val="2203231843"/>
-      </p:ext>
-    </p:extLst>
-  </p:cSld>
-  <p:clrMapOvr>
-    <a:masterClrMapping/>
-  </p:clrMapOvr>
-</p:sld>
-</file>
-
-<file path=ppt/slides/slide44.xml><?xml version="1.0" encoding="utf-8"?>
-<p:sld xmlns:a="http://schemas.openxmlformats.org/drawingml/2006/main" xmlns:r="http://schemas.openxmlformats.org/officeDocument/2006/relationships" xmlns:p="http://schemas.openxmlformats.org/presentationml/2006/main">
-  <p:cSld>
-    <p:spTree>
-      <p:nvGrpSpPr>
-        <p:cNvPr id="1" name=""/>
-        <p:cNvGrpSpPr/>
-        <p:nvPr/>
-      </p:nvGrpSpPr>
-      <p:grpSpPr>
-        <a:xfrm>
-          <a:off x="0" y="0"/>
-          <a:ext cx="0" cy="0"/>
-          <a:chOff x="0" y="0"/>
-          <a:chExt cx="0" cy="0"/>
-        </a:xfrm>
-      </p:grpSpPr>
-      <p:sp>
-        <p:nvSpPr>
-          <p:cNvPr id="2" name="Titre 1">
-            <a:extLst>
-              <a:ext uri="{FF2B5EF4-FFF2-40B4-BE49-F238E27FC236}">
-                <a16:creationId xmlns:a16="http://schemas.microsoft.com/office/drawing/2014/main" id="{FA6243E6-E350-4836-3E9F-D3814475FD2C}"/>
-              </a:ext>
-            </a:extLst>
-          </p:cNvPr>
-          <p:cNvSpPr>
-            <a:spLocks noGrp="1"/>
-          </p:cNvSpPr>
-          <p:nvPr>
-            <p:ph type="title"/>
-          </p:nvPr>
-        </p:nvSpPr>
-        <p:spPr/>
-        <p:txBody>
-          <a:bodyPr/>
-          <a:lstStyle/>
-          <a:p>
-            <a:r>
-              <a:rPr lang="fr-FR" dirty="0"/>
-              <a:t>Jour 8 - Projet</a:t>
-            </a:r>
-          </a:p>
-        </p:txBody>
-      </p:sp>
-      <p:sp>
-        <p:nvSpPr>
-          <p:cNvPr id="4" name="Espace réservé du texte 3">
-            <a:extLst>
-              <a:ext uri="{FF2B5EF4-FFF2-40B4-BE49-F238E27FC236}">
-                <a16:creationId xmlns:a16="http://schemas.microsoft.com/office/drawing/2014/main" id="{D15B72BF-F68A-0242-113B-2926D9E09185}"/>
-              </a:ext>
-            </a:extLst>
-          </p:cNvPr>
-          <p:cNvSpPr>
-            <a:spLocks noGrp="1"/>
-          </p:cNvSpPr>
-          <p:nvPr>
-            <p:ph type="body" idx="1"/>
-          </p:nvPr>
-        </p:nvSpPr>
-        <p:spPr/>
-        <p:txBody>
-          <a:bodyPr/>
-          <a:lstStyle/>
-          <a:p>
-            <a:endParaRPr lang="fr-FR"/>
-          </a:p>
-        </p:txBody>
-      </p:sp>
-    </p:spTree>
-    <p:extLst>
-      <p:ext uri="{BB962C8B-B14F-4D97-AF65-F5344CB8AC3E}">
-        <p14:creationId xmlns:p14="http://schemas.microsoft.com/office/powerpoint/2010/main" val="3791528499"/>
-      </p:ext>
-    </p:extLst>
-  </p:cSld>
-  <p:clrMapOvr>
-    <a:masterClrMapping/>
-  </p:clrMapOvr>
-</p:sld>
-</file>
-
 <file path=ppt/slides/slide45.xml><?xml version="1.0" encoding="utf-8"?>
 <p:sld xmlns:a="http://schemas.openxmlformats.org/drawingml/2006/main" xmlns:r="http://schemas.openxmlformats.org/officeDocument/2006/relationships" xmlns:p="http://schemas.openxmlformats.org/presentationml/2006/main">
   <p:cSld>
@@ -19437,10 +19717,10 @@
       </p:grpSpPr>
       <p:sp>
         <p:nvSpPr>
-          <p:cNvPr id="4" name="Titre 3">
-            <a:extLst>
-              <a:ext uri="{FF2B5EF4-FFF2-40B4-BE49-F238E27FC236}">
-                <a16:creationId xmlns:a16="http://schemas.microsoft.com/office/drawing/2014/main" id="{E0EF6534-E2A9-B8D6-2479-C32AFD155124}"/>
+          <p:cNvPr id="2" name="Titre 1">
+            <a:extLst>
+              <a:ext uri="{FF2B5EF4-FFF2-40B4-BE49-F238E27FC236}">
+                <a16:creationId xmlns:a16="http://schemas.microsoft.com/office/drawing/2014/main" id="{77EAEFC5-77FE-9822-72C3-62FB2337FE34}"/>
               </a:ext>
             </a:extLst>
           </p:cNvPr>
@@ -19456,19 +19736,16 @@
           <a:bodyPr/>
           <a:lstStyle/>
           <a:p>
-            <a:r>
-              <a:rPr lang="fr-FR" dirty="0"/>
-              <a:t>Rétro planning</a:t>
-            </a:r>
-          </a:p>
-        </p:txBody>
-      </p:sp>
-      <p:sp>
-        <p:nvSpPr>
-          <p:cNvPr id="5" name="Espace réservé du contenu 4">
-            <a:extLst>
-              <a:ext uri="{FF2B5EF4-FFF2-40B4-BE49-F238E27FC236}">
-                <a16:creationId xmlns:a16="http://schemas.microsoft.com/office/drawing/2014/main" id="{E7243C4C-A2DA-48C8-744A-8AB1E7248236}"/>
+            <a:endParaRPr lang="fr-FR"/>
+          </a:p>
+        </p:txBody>
+      </p:sp>
+      <p:sp>
+        <p:nvSpPr>
+          <p:cNvPr id="3" name="Espace réservé du contenu 2">
+            <a:extLst>
+              <a:ext uri="{FF2B5EF4-FFF2-40B4-BE49-F238E27FC236}">
+                <a16:creationId xmlns:a16="http://schemas.microsoft.com/office/drawing/2014/main" id="{F27994BF-B3DE-D405-1556-56C36862DB7A}"/>
               </a:ext>
             </a:extLst>
           </p:cNvPr>
@@ -19481,61 +19758,380 @@
         </p:nvSpPr>
         <p:spPr/>
         <p:txBody>
-          <a:bodyPr>
-            <a:normAutofit/>
+          <a:bodyPr/>
+          <a:lstStyle/>
+          <a:p>
+            <a:pPr marL="0" marR="0" indent="0">
+              <a:spcBef>
+                <a:spcPts val="0"/>
+              </a:spcBef>
+              <a:spcAft>
+                <a:spcPts val="0"/>
+              </a:spcAft>
+              <a:buNone/>
+            </a:pPr>
+            <a:r>
+              <a:rPr lang="fr-FR" sz="1800" dirty="0">
+                <a:effectLst/>
+                <a:latin typeface="Courier New" panose="02070309020205020404" pitchFamily="49" charset="0"/>
+              </a:rPr>
+              <a:t>Fraude carte bancaire</a:t>
+            </a:r>
+          </a:p>
+          <a:p>
+            <a:pPr marL="457200" lvl="1">
+              <a:spcBef>
+                <a:spcPts val="0"/>
+              </a:spcBef>
+            </a:pPr>
+            <a:r>
+              <a:rPr lang="fr-FR" sz="1400" dirty="0">
+                <a:effectLst/>
+                <a:latin typeface="Courier New" panose="02070309020205020404" pitchFamily="49" charset="0"/>
+              </a:rPr>
+              <a:t>On ne veut pas manquer une fausse carte</a:t>
+            </a:r>
+          </a:p>
+          <a:p>
+            <a:pPr marL="457200" lvl="1">
+              <a:spcBef>
+                <a:spcPts val="0"/>
+              </a:spcBef>
+            </a:pPr>
+            <a:r>
+              <a:rPr lang="fr-FR" sz="1400" dirty="0">
+                <a:effectLst/>
+                <a:latin typeface="Courier New" panose="02070309020205020404" pitchFamily="49" charset="0"/>
+              </a:rPr>
+              <a:t>Donc on veut un Faux </a:t>
+            </a:r>
+            <a:r>
+              <a:rPr lang="fr-FR" sz="1400" dirty="0" err="1">
+                <a:effectLst/>
+                <a:latin typeface="Courier New" panose="02070309020205020404" pitchFamily="49" charset="0"/>
+              </a:rPr>
+              <a:t>Negatif</a:t>
+            </a:r>
+            <a:r>
+              <a:rPr lang="fr-FR" sz="1400" dirty="0">
+                <a:effectLst/>
+                <a:latin typeface="Courier New" panose="02070309020205020404" pitchFamily="49" charset="0"/>
+              </a:rPr>
+              <a:t> bas</a:t>
+            </a:r>
+          </a:p>
+          <a:p>
+            <a:pPr marL="457200" lvl="1">
+              <a:spcBef>
+                <a:spcPts val="0"/>
+              </a:spcBef>
+            </a:pPr>
+            <a:r>
+              <a:rPr lang="fr-FR" sz="1400" dirty="0" err="1">
+                <a:effectLst/>
+                <a:latin typeface="Courier New" panose="02070309020205020404" pitchFamily="49" charset="0"/>
+              </a:rPr>
+              <a:t>Recall</a:t>
+            </a:r>
+            <a:r>
+              <a:rPr lang="fr-FR" sz="1400" dirty="0">
+                <a:effectLst/>
+                <a:latin typeface="Courier New" panose="02070309020205020404" pitchFamily="49" charset="0"/>
+              </a:rPr>
+              <a:t>    doit être proche de 1</a:t>
+            </a:r>
+          </a:p>
+          <a:p>
+            <a:pPr marL="457200" lvl="1">
+              <a:spcBef>
+                <a:spcPts val="0"/>
+              </a:spcBef>
+            </a:pPr>
+            <a:r>
+              <a:rPr lang="fr-FR" sz="1400" dirty="0" err="1">
+                <a:effectLst/>
+                <a:latin typeface="Courier New" panose="02070309020205020404" pitchFamily="49" charset="0"/>
+              </a:rPr>
+              <a:t>Precision</a:t>
+            </a:r>
+            <a:r>
+              <a:rPr lang="fr-FR" sz="1400" dirty="0">
+                <a:effectLst/>
+                <a:latin typeface="Courier New" panose="02070309020205020404" pitchFamily="49" charset="0"/>
+              </a:rPr>
+              <a:t> peut être moyen </a:t>
+            </a:r>
+          </a:p>
+          <a:p>
+            <a:pPr marL="0" marR="0" indent="0">
+              <a:spcBef>
+                <a:spcPts val="0"/>
+              </a:spcBef>
+              <a:spcAft>
+                <a:spcPts val="0"/>
+              </a:spcAft>
+              <a:buNone/>
+            </a:pPr>
+            <a:r>
+              <a:rPr lang="fr-FR" sz="1800" dirty="0">
+                <a:effectLst/>
+                <a:latin typeface="Courier New" panose="02070309020205020404" pitchFamily="49" charset="0"/>
+              </a:rPr>
+              <a:t> </a:t>
+            </a:r>
+          </a:p>
+          <a:p>
+            <a:pPr marL="0" marR="0" indent="0">
+              <a:spcBef>
+                <a:spcPts val="0"/>
+              </a:spcBef>
+              <a:spcAft>
+                <a:spcPts val="0"/>
+              </a:spcAft>
+              <a:buNone/>
+            </a:pPr>
+            <a:endParaRPr lang="fr-FR" sz="1800" dirty="0">
+              <a:effectLst/>
+              <a:latin typeface="Courier New" panose="02070309020205020404" pitchFamily="49" charset="0"/>
+            </a:endParaRPr>
+          </a:p>
+          <a:p>
+            <a:pPr marL="0" marR="0" indent="0">
+              <a:spcBef>
+                <a:spcPts val="0"/>
+              </a:spcBef>
+              <a:spcAft>
+                <a:spcPts val="0"/>
+              </a:spcAft>
+              <a:buNone/>
+            </a:pPr>
+            <a:endParaRPr lang="fr-FR" sz="1800" dirty="0">
+              <a:latin typeface="Courier New" panose="02070309020205020404" pitchFamily="49" charset="0"/>
+            </a:endParaRPr>
+          </a:p>
+          <a:p>
+            <a:pPr marL="0" marR="0" indent="0">
+              <a:spcBef>
+                <a:spcPts val="0"/>
+              </a:spcBef>
+              <a:spcAft>
+                <a:spcPts val="0"/>
+              </a:spcAft>
+              <a:buNone/>
+            </a:pPr>
+            <a:endParaRPr lang="fr-FR" sz="1800" dirty="0">
+              <a:effectLst/>
+              <a:latin typeface="Courier New" panose="02070309020205020404" pitchFamily="49" charset="0"/>
+            </a:endParaRPr>
+          </a:p>
+          <a:p>
+            <a:pPr marL="0" marR="0" indent="0">
+              <a:spcBef>
+                <a:spcPts val="0"/>
+              </a:spcBef>
+              <a:spcAft>
+                <a:spcPts val="0"/>
+              </a:spcAft>
+              <a:buNone/>
+            </a:pPr>
+            <a:r>
+              <a:rPr lang="fr-FR" sz="1800" dirty="0">
+                <a:effectLst/>
+                <a:latin typeface="Courier New" panose="02070309020205020404" pitchFamily="49" charset="0"/>
+              </a:rPr>
+              <a:t>Spam</a:t>
+            </a:r>
+          </a:p>
+          <a:p>
+            <a:pPr marL="457200" lvl="1">
+              <a:spcBef>
+                <a:spcPts val="0"/>
+              </a:spcBef>
+            </a:pPr>
+            <a:r>
+              <a:rPr lang="fr-FR" sz="1400" dirty="0">
+                <a:effectLst/>
+                <a:latin typeface="Courier New" panose="02070309020205020404" pitchFamily="49" charset="0"/>
+              </a:rPr>
+              <a:t>On ne veut pas de vrai mail classé en spam</a:t>
+            </a:r>
+          </a:p>
+          <a:p>
+            <a:pPr marL="457200" lvl="1">
+              <a:spcBef>
+                <a:spcPts val="0"/>
+              </a:spcBef>
+            </a:pPr>
+            <a:r>
+              <a:rPr lang="fr-FR" sz="1400" dirty="0">
+                <a:effectLst/>
+                <a:latin typeface="Courier New" panose="02070309020205020404" pitchFamily="49" charset="0"/>
+              </a:rPr>
+              <a:t>Donc on veut un Faux Positif bas</a:t>
+            </a:r>
+          </a:p>
+          <a:p>
+            <a:pPr marL="457200" lvl="1">
+              <a:spcBef>
+                <a:spcPts val="0"/>
+              </a:spcBef>
+            </a:pPr>
+            <a:r>
+              <a:rPr lang="fr-FR" sz="1400" dirty="0" err="1">
+                <a:effectLst/>
+                <a:latin typeface="Courier New" panose="02070309020205020404" pitchFamily="49" charset="0"/>
+              </a:rPr>
+              <a:t>Recall</a:t>
+            </a:r>
+            <a:r>
+              <a:rPr lang="fr-FR" sz="1400" dirty="0">
+                <a:effectLst/>
+                <a:latin typeface="Courier New" panose="02070309020205020404" pitchFamily="49" charset="0"/>
+              </a:rPr>
+              <a:t>    peut être moyen</a:t>
+            </a:r>
+          </a:p>
+          <a:p>
+            <a:pPr marL="457200" lvl="1">
+              <a:spcBef>
+                <a:spcPts val="0"/>
+              </a:spcBef>
+            </a:pPr>
+            <a:r>
+              <a:rPr lang="fr-FR" sz="1400" dirty="0" err="1">
+                <a:effectLst/>
+                <a:latin typeface="Courier New" panose="02070309020205020404" pitchFamily="49" charset="0"/>
+              </a:rPr>
+              <a:t>Precision</a:t>
+            </a:r>
+            <a:r>
+              <a:rPr lang="fr-FR" sz="1400" dirty="0">
+                <a:effectLst/>
+                <a:latin typeface="Courier New" panose="02070309020205020404" pitchFamily="49" charset="0"/>
+              </a:rPr>
+              <a:t> doit être proche de 1 </a:t>
+            </a:r>
+          </a:p>
+          <a:p>
+            <a:endParaRPr lang="fr-FR" dirty="0"/>
+          </a:p>
+        </p:txBody>
+      </p:sp>
+      <p:sp>
+        <p:nvSpPr>
+          <p:cNvPr id="4" name="ZoneTexte 3">
+            <a:extLst>
+              <a:ext uri="{FF2B5EF4-FFF2-40B4-BE49-F238E27FC236}">
+                <a16:creationId xmlns:a16="http://schemas.microsoft.com/office/drawing/2014/main" id="{BC769971-6696-B68B-7A7E-C22BD1307536}"/>
+              </a:ext>
+            </a:extLst>
+          </p:cNvPr>
+          <p:cNvSpPr txBox="1"/>
+          <p:nvPr/>
+        </p:nvSpPr>
+        <p:spPr>
+          <a:xfrm>
+            <a:off x="5104356" y="4606447"/>
+            <a:ext cx="1563248" cy="646331"/>
+          </a:xfrm>
+          <a:prstGeom prst="rect">
+            <a:avLst/>
+          </a:prstGeom>
+          <a:noFill/>
+        </p:spPr>
+        <p:txBody>
+          <a:bodyPr wrap="none" rtlCol="0">
+            <a:spAutoFit/>
           </a:bodyPr>
           <a:lstStyle/>
           <a:p>
-            <a:r>
-              <a:rPr lang="fr-FR" dirty="0"/>
-              <a:t>Présentations Vendredi après-midi</a:t>
-            </a:r>
-          </a:p>
-          <a:p>
-            <a:r>
-              <a:rPr lang="fr-FR" dirty="0"/>
-              <a:t>=&gt; Répétitions Vendredi entre 12 et 14H</a:t>
-            </a:r>
-          </a:p>
-          <a:p>
-            <a:r>
-              <a:rPr lang="fr-FR" dirty="0"/>
-              <a:t>=&gt; Slides terminés, relus etc. à 12H</a:t>
-            </a:r>
-          </a:p>
-          <a:p>
-            <a:r>
-              <a:rPr lang="fr-FR" dirty="0"/>
-              <a:t>=&gt; Jeudi soir tous les graphes, scores, conclusions sont sortis</a:t>
-            </a:r>
-          </a:p>
-          <a:p>
-            <a:pPr lvl="1"/>
-            <a:r>
-              <a:rPr lang="fr-FR" dirty="0"/>
-              <a:t>Vendredi matin on pourra sortir 1 ou 2 trucs mais pas beaucoup plus</a:t>
-            </a:r>
-          </a:p>
-          <a:p>
-            <a:r>
-              <a:rPr lang="fr-FR" dirty="0"/>
-              <a:t>=&gt; Cherchez des </a:t>
-            </a:r>
-            <a:r>
-              <a:rPr lang="fr-FR" dirty="0" err="1"/>
-              <a:t>datasets</a:t>
-            </a:r>
-            <a:r>
-              <a:rPr lang="fr-FR" dirty="0"/>
-              <a:t> et des idées de sujet le week-end précédent</a:t>
-            </a:r>
+            <a:pPr algn="ctr"/>
+            <a:r>
+              <a:rPr lang="fr-FR" sz="1800" dirty="0" err="1">
+                <a:effectLst/>
+                <a:latin typeface="Courier New" panose="02070309020205020404" pitchFamily="49" charset="0"/>
+              </a:rPr>
+              <a:t>Precision</a:t>
+            </a:r>
+            <a:endParaRPr lang="fr-FR" sz="1800" dirty="0">
+              <a:effectLst/>
+              <a:latin typeface="Courier New" panose="02070309020205020404" pitchFamily="49" charset="0"/>
+            </a:endParaRPr>
+          </a:p>
+          <a:p>
+            <a:pPr algn="ctr"/>
+            <a:r>
+              <a:rPr lang="fr-FR" sz="1800" dirty="0">
+                <a:effectLst/>
+                <a:latin typeface="Courier New" panose="02070309020205020404" pitchFamily="49" charset="0"/>
+              </a:rPr>
+              <a:t>TP/(TP+FP)</a:t>
+            </a:r>
+            <a:endParaRPr lang="fr-FR" dirty="0"/>
+          </a:p>
+        </p:txBody>
+      </p:sp>
+      <p:sp>
+        <p:nvSpPr>
+          <p:cNvPr id="5" name="ZoneTexte 4">
+            <a:extLst>
+              <a:ext uri="{FF2B5EF4-FFF2-40B4-BE49-F238E27FC236}">
+                <a16:creationId xmlns:a16="http://schemas.microsoft.com/office/drawing/2014/main" id="{6722959C-02DD-0821-1CC0-81C189230146}"/>
+              </a:ext>
+            </a:extLst>
+          </p:cNvPr>
+          <p:cNvSpPr txBox="1"/>
+          <p:nvPr/>
+        </p:nvSpPr>
+        <p:spPr>
+          <a:xfrm>
+            <a:off x="5404982" y="2458426"/>
+            <a:ext cx="1563248" cy="646331"/>
+          </a:xfrm>
+          <a:prstGeom prst="rect">
+            <a:avLst/>
+          </a:prstGeom>
+          <a:noFill/>
+        </p:spPr>
+        <p:txBody>
+          <a:bodyPr wrap="none" rtlCol="0">
+            <a:spAutoFit/>
+          </a:bodyPr>
+          <a:lstStyle/>
+          <a:p>
+            <a:pPr algn="ctr"/>
+            <a:r>
+              <a:rPr lang="fr-FR" sz="1800" dirty="0" err="1">
+                <a:effectLst/>
+                <a:latin typeface="Courier New" panose="02070309020205020404" pitchFamily="49" charset="0"/>
+              </a:rPr>
+              <a:t>Recall</a:t>
+            </a:r>
+            <a:r>
+              <a:rPr lang="fr-FR" sz="1800" dirty="0">
+                <a:effectLst/>
+                <a:latin typeface="Courier New" panose="02070309020205020404" pitchFamily="49" charset="0"/>
+              </a:rPr>
+              <a:t> </a:t>
+            </a:r>
+          </a:p>
+          <a:p>
+            <a:pPr algn="ctr"/>
+            <a:r>
+              <a:rPr lang="fr-FR" sz="1800" dirty="0">
+                <a:effectLst/>
+                <a:latin typeface="Courier New" panose="02070309020205020404" pitchFamily="49" charset="0"/>
+              </a:rPr>
+              <a:t>TP/(TP+FN)</a:t>
+            </a:r>
+            <a:endParaRPr lang="fr-FR" dirty="0"/>
           </a:p>
         </p:txBody>
       </p:sp>
     </p:spTree>
     <p:extLst>
       <p:ext uri="{BB962C8B-B14F-4D97-AF65-F5344CB8AC3E}">
-        <p14:creationId xmlns:p14="http://schemas.microsoft.com/office/powerpoint/2010/main" val="2196411414"/>
+        <p14:creationId xmlns:p14="http://schemas.microsoft.com/office/powerpoint/2010/main" val="2203231843"/>
       </p:ext>
     </p:extLst>
   </p:cSld>
@@ -19567,7 +20163,7 @@
           <p:cNvPr id="2" name="Titre 1">
             <a:extLst>
               <a:ext uri="{FF2B5EF4-FFF2-40B4-BE49-F238E27FC236}">
-                <a16:creationId xmlns:a16="http://schemas.microsoft.com/office/drawing/2014/main" id="{91D577C0-85A9-8612-8D5E-F221D19DDEA3}"/>
+                <a16:creationId xmlns:a16="http://schemas.microsoft.com/office/drawing/2014/main" id="{FA6243E6-E350-4836-3E9F-D3814475FD2C}"/>
               </a:ext>
             </a:extLst>
           </p:cNvPr>
@@ -19585,17 +20181,17 @@
           <a:p>
             <a:r>
               <a:rPr lang="fr-FR" dirty="0"/>
-              <a:t>Conduite du projet</a:t>
-            </a:r>
-          </a:p>
-        </p:txBody>
-      </p:sp>
-      <p:sp>
-        <p:nvSpPr>
-          <p:cNvPr id="3" name="Espace réservé du contenu 2">
-            <a:extLst>
-              <a:ext uri="{FF2B5EF4-FFF2-40B4-BE49-F238E27FC236}">
-                <a16:creationId xmlns:a16="http://schemas.microsoft.com/office/drawing/2014/main" id="{EB0FC026-327D-475F-13A4-A3A9BB6066E7}"/>
+              <a:t>Jour 8 - Projet</a:t>
+            </a:r>
+          </a:p>
+        </p:txBody>
+      </p:sp>
+      <p:sp>
+        <p:nvSpPr>
+          <p:cNvPr id="4" name="Espace réservé du texte 3">
+            <a:extLst>
+              <a:ext uri="{FF2B5EF4-FFF2-40B4-BE49-F238E27FC236}">
+                <a16:creationId xmlns:a16="http://schemas.microsoft.com/office/drawing/2014/main" id="{D15B72BF-F68A-0242-113B-2926D9E09185}"/>
               </a:ext>
             </a:extLst>
           </p:cNvPr>
@@ -19603,124 +20199,22 @@
             <a:spLocks noGrp="1"/>
           </p:cNvSpPr>
           <p:nvPr>
-            <p:ph idx="1"/>
+            <p:ph type="body" idx="1"/>
           </p:nvPr>
         </p:nvSpPr>
         <p:spPr/>
         <p:txBody>
-          <a:bodyPr>
-            <a:normAutofit fontScale="92500"/>
-          </a:bodyPr>
+          <a:bodyPr/>
           <a:lstStyle/>
           <a:p>
-            <a:r>
-              <a:rPr lang="fr-FR" dirty="0"/>
-              <a:t>Ce n'est pas un concours, c'est une validation des acquis</a:t>
-            </a:r>
-          </a:p>
-          <a:p>
-            <a:pPr lvl="1"/>
-            <a:r>
-              <a:rPr lang="fr-FR" dirty="0"/>
-              <a:t>Montrez que vous savez appliquer ce que vous avez appris</a:t>
-            </a:r>
-          </a:p>
-          <a:p>
-            <a:pPr lvl="1"/>
-            <a:r>
-              <a:rPr lang="fr-FR" dirty="0"/>
-              <a:t>Vous êtes là pour prouver, pas pour trouver</a:t>
-            </a:r>
-          </a:p>
-          <a:p>
-            <a:r>
-              <a:rPr lang="fr-FR" dirty="0" err="1"/>
-              <a:t>Dataset</a:t>
-            </a:r>
-            <a:endParaRPr lang="fr-FR" dirty="0"/>
-          </a:p>
-          <a:p>
-            <a:pPr lvl="1"/>
-            <a:r>
-              <a:rPr lang="fr-FR" dirty="0"/>
-              <a:t>Il vaut mieux un excellent </a:t>
-            </a:r>
-            <a:r>
-              <a:rPr lang="fr-FR" dirty="0" err="1"/>
-              <a:t>dataset</a:t>
-            </a:r>
-            <a:r>
-              <a:rPr lang="fr-FR" dirty="0"/>
-              <a:t> sur un sujet "moyen"</a:t>
-            </a:r>
-          </a:p>
-          <a:p>
-            <a:pPr lvl="1"/>
-            <a:r>
-              <a:rPr lang="fr-FR" dirty="0"/>
-              <a:t>Plutôt qu'un "formidable" sujet mais aucune donnée à traiter</a:t>
-            </a:r>
-          </a:p>
-          <a:p>
-            <a:pPr lvl="1"/>
-            <a:r>
-              <a:rPr lang="fr-FR" dirty="0"/>
-              <a:t>Garbage in =&gt; Garbage Out</a:t>
-            </a:r>
-          </a:p>
-          <a:p>
-            <a:r>
-              <a:rPr lang="fr-FR" dirty="0" err="1"/>
-              <a:t>Dataset</a:t>
-            </a:r>
-            <a:endParaRPr lang="fr-FR" dirty="0"/>
-          </a:p>
-          <a:p>
-            <a:pPr lvl="1"/>
-            <a:r>
-              <a:rPr lang="fr-FR" dirty="0"/>
-              <a:t>Vous allez passer 2/3 du temps sur les </a:t>
-            </a:r>
-            <a:r>
-              <a:rPr lang="fr-FR" dirty="0" err="1"/>
-              <a:t>datasets</a:t>
-            </a:r>
-            <a:r>
-              <a:rPr lang="fr-FR" dirty="0"/>
-              <a:t>, l'EDA</a:t>
-            </a:r>
-          </a:p>
-          <a:p>
-            <a:pPr lvl="1"/>
-            <a:r>
-              <a:rPr lang="fr-FR" dirty="0"/>
-              <a:t>Faire tourner des modèles c'est facile et rapide</a:t>
-            </a:r>
-          </a:p>
-          <a:p>
-            <a:pPr lvl="1"/>
-            <a:r>
-              <a:rPr lang="fr-FR" dirty="0"/>
-              <a:t>Si les données sont trop pourries changez de </a:t>
-            </a:r>
-            <a:r>
-              <a:rPr lang="fr-FR" dirty="0" err="1"/>
-              <a:t>dataset</a:t>
-            </a:r>
-            <a:r>
-              <a:rPr lang="fr-FR" dirty="0"/>
-              <a:t> . Quitte à changer de sujet</a:t>
-            </a:r>
-          </a:p>
-          <a:p>
-            <a:endParaRPr lang="fr-FR" dirty="0"/>
+            <a:endParaRPr lang="fr-FR"/>
           </a:p>
         </p:txBody>
       </p:sp>
     </p:spTree>
     <p:extLst>
       <p:ext uri="{BB962C8B-B14F-4D97-AF65-F5344CB8AC3E}">
-        <p14:creationId xmlns:p14="http://schemas.microsoft.com/office/powerpoint/2010/main" val="2540323896"/>
+        <p14:creationId xmlns:p14="http://schemas.microsoft.com/office/powerpoint/2010/main" val="3791528499"/>
       </p:ext>
     </p:extLst>
   </p:cSld>
@@ -19749,10 +20243,10 @@
       </p:grpSpPr>
       <p:sp>
         <p:nvSpPr>
-          <p:cNvPr id="2" name="Titre 1">
-            <a:extLst>
-              <a:ext uri="{FF2B5EF4-FFF2-40B4-BE49-F238E27FC236}">
-                <a16:creationId xmlns:a16="http://schemas.microsoft.com/office/drawing/2014/main" id="{FA6243E6-E350-4836-3E9F-D3814475FD2C}"/>
+          <p:cNvPr id="4" name="Titre 3">
+            <a:extLst>
+              <a:ext uri="{FF2B5EF4-FFF2-40B4-BE49-F238E27FC236}">
+                <a16:creationId xmlns:a16="http://schemas.microsoft.com/office/drawing/2014/main" id="{E0EF6534-E2A9-B8D6-2479-C32AFD155124}"/>
               </a:ext>
             </a:extLst>
           </p:cNvPr>
@@ -19770,17 +20264,17 @@
           <a:p>
             <a:r>
               <a:rPr lang="fr-FR" dirty="0"/>
-              <a:t>Jour 9 - Projet</a:t>
-            </a:r>
-          </a:p>
-        </p:txBody>
-      </p:sp>
-      <p:sp>
-        <p:nvSpPr>
-          <p:cNvPr id="4" name="Espace réservé du texte 3">
-            <a:extLst>
-              <a:ext uri="{FF2B5EF4-FFF2-40B4-BE49-F238E27FC236}">
-                <a16:creationId xmlns:a16="http://schemas.microsoft.com/office/drawing/2014/main" id="{24E22D90-D352-DD92-3A88-32EB8E2D63FA}"/>
+              <a:t>Rétro planning</a:t>
+            </a:r>
+          </a:p>
+        </p:txBody>
+      </p:sp>
+      <p:sp>
+        <p:nvSpPr>
+          <p:cNvPr id="5" name="Espace réservé du contenu 4">
+            <a:extLst>
+              <a:ext uri="{FF2B5EF4-FFF2-40B4-BE49-F238E27FC236}">
+                <a16:creationId xmlns:a16="http://schemas.microsoft.com/office/drawing/2014/main" id="{E7243C4C-A2DA-48C8-744A-8AB1E7248236}"/>
               </a:ext>
             </a:extLst>
           </p:cNvPr>
@@ -19788,22 +20282,66 @@
             <a:spLocks noGrp="1"/>
           </p:cNvSpPr>
           <p:nvPr>
-            <p:ph type="body" idx="1"/>
+            <p:ph idx="1"/>
           </p:nvPr>
         </p:nvSpPr>
         <p:spPr/>
         <p:txBody>
-          <a:bodyPr/>
+          <a:bodyPr>
+            <a:normAutofit/>
+          </a:bodyPr>
           <a:lstStyle/>
           <a:p>
-            <a:endParaRPr lang="fr-FR"/>
+            <a:r>
+              <a:rPr lang="fr-FR" dirty="0"/>
+              <a:t>Présentations Vendredi après-midi</a:t>
+            </a:r>
+          </a:p>
+          <a:p>
+            <a:r>
+              <a:rPr lang="fr-FR" dirty="0"/>
+              <a:t>=&gt; Répétitions Vendredi entre 12 et 14H</a:t>
+            </a:r>
+          </a:p>
+          <a:p>
+            <a:r>
+              <a:rPr lang="fr-FR" dirty="0"/>
+              <a:t>=&gt; Slides terminés, relus etc. à 12H</a:t>
+            </a:r>
+          </a:p>
+          <a:p>
+            <a:r>
+              <a:rPr lang="fr-FR" dirty="0"/>
+              <a:t>=&gt; Jeudi soir tous les graphes, scores, conclusions sont sortis</a:t>
+            </a:r>
+          </a:p>
+          <a:p>
+            <a:pPr lvl="1"/>
+            <a:r>
+              <a:rPr lang="fr-FR" dirty="0"/>
+              <a:t>Vendredi matin on pourra sortir 1 ou 2 trucs mais pas beaucoup plus</a:t>
+            </a:r>
+          </a:p>
+          <a:p>
+            <a:r>
+              <a:rPr lang="fr-FR" dirty="0"/>
+              <a:t>=&gt; Cherchez des </a:t>
+            </a:r>
+            <a:r>
+              <a:rPr lang="fr-FR" dirty="0" err="1"/>
+              <a:t>datasets</a:t>
+            </a:r>
+            <a:r>
+              <a:rPr lang="fr-FR" dirty="0"/>
+              <a:t> et des idées de sujet le week-end précédent</a:t>
+            </a:r>
           </a:p>
         </p:txBody>
       </p:sp>
     </p:spTree>
     <p:extLst>
       <p:ext uri="{BB962C8B-B14F-4D97-AF65-F5344CB8AC3E}">
-        <p14:creationId xmlns:p14="http://schemas.microsoft.com/office/powerpoint/2010/main" val="80189523"/>
+        <p14:creationId xmlns:p14="http://schemas.microsoft.com/office/powerpoint/2010/main" val="2196411414"/>
       </p:ext>
     </p:extLst>
   </p:cSld>
@@ -19835,7 +20373,7 @@
           <p:cNvPr id="2" name="Titre 1">
             <a:extLst>
               <a:ext uri="{FF2B5EF4-FFF2-40B4-BE49-F238E27FC236}">
-                <a16:creationId xmlns:a16="http://schemas.microsoft.com/office/drawing/2014/main" id="{43027863-5F12-C0FC-41B6-6A37F08C783C}"/>
+                <a16:creationId xmlns:a16="http://schemas.microsoft.com/office/drawing/2014/main" id="{91D577C0-85A9-8612-8D5E-F221D19DDEA3}"/>
               </a:ext>
             </a:extLst>
           </p:cNvPr>
@@ -19853,7 +20391,7 @@
           <a:p>
             <a:r>
               <a:rPr lang="fr-FR" dirty="0"/>
-              <a:t>Analyse</a:t>
+              <a:t>Conduite du projet</a:t>
             </a:r>
           </a:p>
         </p:txBody>
@@ -19863,7 +20401,7 @@
           <p:cNvPr id="3" name="Espace réservé du contenu 2">
             <a:extLst>
               <a:ext uri="{FF2B5EF4-FFF2-40B4-BE49-F238E27FC236}">
-                <a16:creationId xmlns:a16="http://schemas.microsoft.com/office/drawing/2014/main" id="{7343D8EC-44D1-AF04-E6CC-7986F8B14507}"/>
+                <a16:creationId xmlns:a16="http://schemas.microsoft.com/office/drawing/2014/main" id="{EB0FC026-327D-475F-13A4-A3A9BB6066E7}"/>
               </a:ext>
             </a:extLst>
           </p:cNvPr>
@@ -19877,101 +20415,107 @@
         <p:spPr/>
         <p:txBody>
           <a:bodyPr>
-            <a:normAutofit/>
+            <a:normAutofit fontScale="92500"/>
           </a:bodyPr>
           <a:lstStyle/>
           <a:p>
             <a:r>
               <a:rPr lang="fr-FR" dirty="0"/>
-              <a:t>C'est quoi votre </a:t>
-            </a:r>
+              <a:t>Ce n'est pas un concours, c'est une validation des acquis</a:t>
+            </a:r>
+          </a:p>
+          <a:p>
+            <a:pPr lvl="1"/>
+            <a:r>
+              <a:rPr lang="fr-FR" dirty="0"/>
+              <a:t>Montrez que vous savez appliquer ce que vous avez appris</a:t>
+            </a:r>
+          </a:p>
+          <a:p>
+            <a:pPr lvl="1"/>
+            <a:r>
+              <a:rPr lang="fr-FR" dirty="0"/>
+              <a:t>Vous êtes là pour prouver, pas pour trouver</a:t>
+            </a:r>
+          </a:p>
+          <a:p>
             <a:r>
               <a:rPr lang="fr-FR" dirty="0" err="1"/>
-              <a:t>target</a:t>
-            </a:r>
-            <a:r>
-              <a:rPr lang="fr-FR" dirty="0"/>
-              <a:t> ?</a:t>
-            </a:r>
+              <a:t>Dataset</a:t>
+            </a:r>
+            <a:endParaRPr lang="fr-FR" dirty="0"/>
           </a:p>
           <a:p>
             <a:pPr lvl="1"/>
             <a:r>
               <a:rPr lang="fr-FR" dirty="0"/>
-              <a:t>Donc les autres ce sont les </a:t>
+              <a:t>Il vaut mieux un excellent </a:t>
             </a:r>
             <a:r>
               <a:rPr lang="fr-FR" dirty="0" err="1"/>
-              <a:t>features</a:t>
+              <a:t>dataset</a:t>
+            </a:r>
+            <a:r>
+              <a:rPr lang="fr-FR" dirty="0"/>
+              <a:t> sur un sujet "moyen"</a:t>
+            </a:r>
+          </a:p>
+          <a:p>
+            <a:pPr lvl="1"/>
+            <a:r>
+              <a:rPr lang="fr-FR" dirty="0"/>
+              <a:t>Plutôt qu'un "formidable" sujet mais aucune donnée à traiter</a:t>
+            </a:r>
+          </a:p>
+          <a:p>
+            <a:pPr lvl="1"/>
+            <a:r>
+              <a:rPr lang="fr-FR" dirty="0"/>
+              <a:t>Garbage in =&gt; Garbage Out</a:t>
+            </a:r>
+          </a:p>
+          <a:p>
+            <a:r>
+              <a:rPr lang="fr-FR" dirty="0" err="1"/>
+              <a:t>Dataset</a:t>
             </a:r>
             <a:endParaRPr lang="fr-FR" dirty="0"/>
           </a:p>
           <a:p>
-            <a:r>
-              <a:rPr lang="fr-FR" dirty="0"/>
-              <a:t>C'est de la régression ou du classement?</a:t>
-            </a:r>
-          </a:p>
-          <a:p>
-            <a:r>
-              <a:rPr lang="fr-FR" dirty="0"/>
-              <a:t>Passez du temps sur l'EDA</a:t>
-            </a:r>
-          </a:p>
-          <a:p>
             <a:pPr lvl="1"/>
             <a:r>
               <a:rPr lang="fr-FR" dirty="0"/>
-              <a:t>Revoyez l'exemple Titanic</a:t>
+              <a:t>Vous allez passer 2/3 du temps sur les </a:t>
+            </a:r>
+            <a:r>
+              <a:rPr lang="fr-FR" dirty="0" err="1"/>
+              <a:t>datasets</a:t>
+            </a:r>
+            <a:r>
+              <a:rPr lang="fr-FR" dirty="0"/>
+              <a:t>, l'EDA</a:t>
             </a:r>
           </a:p>
           <a:p>
             <a:pPr lvl="1"/>
             <a:r>
               <a:rPr lang="fr-FR" dirty="0"/>
-              <a:t>Affichez la </a:t>
+              <a:t>Faire tourner des modèles c'est facile et rapide</a:t>
+            </a:r>
+          </a:p>
+          <a:p>
+            <a:pPr lvl="1"/>
+            <a:r>
+              <a:rPr lang="fr-FR" dirty="0"/>
+              <a:t>Si les données sont trop pourries changez de </a:t>
             </a:r>
             <a:r>
               <a:rPr lang="fr-FR" dirty="0" err="1"/>
-              <a:t>target</a:t>
-            </a:r>
-            <a:r>
-              <a:rPr lang="fr-FR" dirty="0"/>
-              <a:t> en fonction des </a:t>
-            </a:r>
-            <a:r>
-              <a:rPr lang="fr-FR" dirty="0" err="1"/>
-              <a:t>features</a:t>
-            </a:r>
-            <a:r>
-              <a:rPr lang="fr-FR" dirty="0"/>
-              <a:t>, appropriez-vous les données</a:t>
-            </a:r>
-          </a:p>
-          <a:p>
-            <a:r>
-              <a:rPr lang="fr-FR" dirty="0"/>
-              <a:t>Analysez, critiquez les scores</a:t>
-            </a:r>
-          </a:p>
-          <a:p>
-            <a:r>
-              <a:rPr lang="fr-FR" dirty="0"/>
-              <a:t>Y a-t-il d'autres modèles, en plus de ceux vus en cours, à tester ?</a:t>
-            </a:r>
-          </a:p>
-          <a:p>
-            <a:r>
-              <a:rPr lang="fr-FR" dirty="0"/>
-              <a:t>Y a-t-il des </a:t>
-            </a:r>
-            <a:r>
-              <a:rPr lang="fr-FR" dirty="0" err="1"/>
-              <a:t>scorings</a:t>
-            </a:r>
-            <a:r>
-              <a:rPr lang="fr-FR" dirty="0"/>
-              <a:t>, pas vu en cours, utilisables ?</a:t>
+              <a:t>dataset</a:t>
+            </a:r>
+            <a:r>
+              <a:rPr lang="fr-FR" dirty="0"/>
+              <a:t> . Quitte à changer de sujet</a:t>
             </a:r>
           </a:p>
           <a:p>
@@ -19982,7 +20526,7 @@
     </p:spTree>
     <p:extLst>
       <p:ext uri="{BB962C8B-B14F-4D97-AF65-F5344CB8AC3E}">
-        <p14:creationId xmlns:p14="http://schemas.microsoft.com/office/powerpoint/2010/main" val="2196644587"/>
+        <p14:creationId xmlns:p14="http://schemas.microsoft.com/office/powerpoint/2010/main" val="2540323896"/>
       </p:ext>
     </p:extLst>
   </p:cSld>
@@ -20031,12 +20575,8 @@
           <a:lstStyle/>
           <a:p>
             <a:r>
-              <a:rPr lang="fr-FR"/>
-              <a:t>Jour 10 </a:t>
-            </a:r>
-            <a:r>
-              <a:rPr lang="fr-FR" dirty="0"/>
-              <a:t>- Présentations</a:t>
+              <a:rPr lang="fr-FR" dirty="0"/>
+              <a:t>Jour 9 - Projet</a:t>
             </a:r>
           </a:p>
         </p:txBody>
@@ -20046,7 +20586,7 @@
           <p:cNvPr id="4" name="Espace réservé du texte 3">
             <a:extLst>
               <a:ext uri="{FF2B5EF4-FFF2-40B4-BE49-F238E27FC236}">
-                <a16:creationId xmlns:a16="http://schemas.microsoft.com/office/drawing/2014/main" id="{3D678D7E-8072-8B66-6EB7-C0CECFAF9EAE}"/>
+                <a16:creationId xmlns:a16="http://schemas.microsoft.com/office/drawing/2014/main" id="{24E22D90-D352-DD92-3A88-32EB8E2D63FA}"/>
               </a:ext>
             </a:extLst>
           </p:cNvPr>
@@ -20069,7 +20609,7 @@
     </p:spTree>
     <p:extLst>
       <p:ext uri="{BB962C8B-B14F-4D97-AF65-F5344CB8AC3E}">
-        <p14:creationId xmlns:p14="http://schemas.microsoft.com/office/powerpoint/2010/main" val="1230004352"/>
+        <p14:creationId xmlns:p14="http://schemas.microsoft.com/office/powerpoint/2010/main" val="80189523"/>
       </p:ext>
     </p:extLst>
   </p:cSld>
@@ -20553,6 +21093,272 @@
           <p:cNvPr id="2" name="Titre 1">
             <a:extLst>
               <a:ext uri="{FF2B5EF4-FFF2-40B4-BE49-F238E27FC236}">
+                <a16:creationId xmlns:a16="http://schemas.microsoft.com/office/drawing/2014/main" id="{43027863-5F12-C0FC-41B6-6A37F08C783C}"/>
+              </a:ext>
+            </a:extLst>
+          </p:cNvPr>
+          <p:cNvSpPr>
+            <a:spLocks noGrp="1"/>
+          </p:cNvSpPr>
+          <p:nvPr>
+            <p:ph type="title"/>
+          </p:nvPr>
+        </p:nvSpPr>
+        <p:spPr/>
+        <p:txBody>
+          <a:bodyPr/>
+          <a:lstStyle/>
+          <a:p>
+            <a:r>
+              <a:rPr lang="fr-FR" dirty="0"/>
+              <a:t>Analyse</a:t>
+            </a:r>
+          </a:p>
+        </p:txBody>
+      </p:sp>
+      <p:sp>
+        <p:nvSpPr>
+          <p:cNvPr id="3" name="Espace réservé du contenu 2">
+            <a:extLst>
+              <a:ext uri="{FF2B5EF4-FFF2-40B4-BE49-F238E27FC236}">
+                <a16:creationId xmlns:a16="http://schemas.microsoft.com/office/drawing/2014/main" id="{7343D8EC-44D1-AF04-E6CC-7986F8B14507}"/>
+              </a:ext>
+            </a:extLst>
+          </p:cNvPr>
+          <p:cNvSpPr>
+            <a:spLocks noGrp="1"/>
+          </p:cNvSpPr>
+          <p:nvPr>
+            <p:ph idx="1"/>
+          </p:nvPr>
+        </p:nvSpPr>
+        <p:spPr/>
+        <p:txBody>
+          <a:bodyPr>
+            <a:normAutofit/>
+          </a:bodyPr>
+          <a:lstStyle/>
+          <a:p>
+            <a:r>
+              <a:rPr lang="fr-FR" dirty="0"/>
+              <a:t>C'est quoi votre </a:t>
+            </a:r>
+            <a:r>
+              <a:rPr lang="fr-FR" dirty="0" err="1"/>
+              <a:t>target</a:t>
+            </a:r>
+            <a:r>
+              <a:rPr lang="fr-FR" dirty="0"/>
+              <a:t> ?</a:t>
+            </a:r>
+          </a:p>
+          <a:p>
+            <a:pPr lvl="1"/>
+            <a:r>
+              <a:rPr lang="fr-FR" dirty="0"/>
+              <a:t>Donc les autres ce sont les </a:t>
+            </a:r>
+            <a:r>
+              <a:rPr lang="fr-FR" dirty="0" err="1"/>
+              <a:t>features</a:t>
+            </a:r>
+            <a:endParaRPr lang="fr-FR" dirty="0"/>
+          </a:p>
+          <a:p>
+            <a:r>
+              <a:rPr lang="fr-FR" dirty="0"/>
+              <a:t>C'est de la régression ou du classement?</a:t>
+            </a:r>
+          </a:p>
+          <a:p>
+            <a:r>
+              <a:rPr lang="fr-FR" dirty="0"/>
+              <a:t>Passez du temps sur l'EDA</a:t>
+            </a:r>
+          </a:p>
+          <a:p>
+            <a:pPr lvl="1"/>
+            <a:r>
+              <a:rPr lang="fr-FR" dirty="0"/>
+              <a:t>Revoyez l'exemple Titanic</a:t>
+            </a:r>
+          </a:p>
+          <a:p>
+            <a:pPr lvl="1"/>
+            <a:r>
+              <a:rPr lang="fr-FR" dirty="0"/>
+              <a:t>Affichez la </a:t>
+            </a:r>
+            <a:r>
+              <a:rPr lang="fr-FR" dirty="0" err="1"/>
+              <a:t>target</a:t>
+            </a:r>
+            <a:r>
+              <a:rPr lang="fr-FR" dirty="0"/>
+              <a:t> en fonction des </a:t>
+            </a:r>
+            <a:r>
+              <a:rPr lang="fr-FR" dirty="0" err="1"/>
+              <a:t>features</a:t>
+            </a:r>
+            <a:r>
+              <a:rPr lang="fr-FR" dirty="0"/>
+              <a:t>, appropriez-vous les données</a:t>
+            </a:r>
+          </a:p>
+          <a:p>
+            <a:r>
+              <a:rPr lang="fr-FR" dirty="0"/>
+              <a:t>Analysez, critiquez les scores</a:t>
+            </a:r>
+          </a:p>
+          <a:p>
+            <a:r>
+              <a:rPr lang="fr-FR" dirty="0"/>
+              <a:t>Y a-t-il d'autres modèles, en plus de ceux vus en cours, à tester ?</a:t>
+            </a:r>
+          </a:p>
+          <a:p>
+            <a:r>
+              <a:rPr lang="fr-FR" dirty="0"/>
+              <a:t>Y a-t-il des </a:t>
+            </a:r>
+            <a:r>
+              <a:rPr lang="fr-FR" dirty="0" err="1"/>
+              <a:t>scorings</a:t>
+            </a:r>
+            <a:r>
+              <a:rPr lang="fr-FR" dirty="0"/>
+              <a:t>, pas vu en cours, utilisables ?</a:t>
+            </a:r>
+          </a:p>
+          <a:p>
+            <a:endParaRPr lang="fr-FR" dirty="0"/>
+          </a:p>
+        </p:txBody>
+      </p:sp>
+    </p:spTree>
+    <p:extLst>
+      <p:ext uri="{BB962C8B-B14F-4D97-AF65-F5344CB8AC3E}">
+        <p14:creationId xmlns:p14="http://schemas.microsoft.com/office/powerpoint/2010/main" val="2196644587"/>
+      </p:ext>
+    </p:extLst>
+  </p:cSld>
+  <p:clrMapOvr>
+    <a:masterClrMapping/>
+  </p:clrMapOvr>
+</p:sld>
+</file>
+
+<file path=ppt/slides/slide51.xml><?xml version="1.0" encoding="utf-8"?>
+<p:sld xmlns:a="http://schemas.openxmlformats.org/drawingml/2006/main" xmlns:r="http://schemas.openxmlformats.org/officeDocument/2006/relationships" xmlns:p="http://schemas.openxmlformats.org/presentationml/2006/main">
+  <p:cSld>
+    <p:spTree>
+      <p:nvGrpSpPr>
+        <p:cNvPr id="1" name=""/>
+        <p:cNvGrpSpPr/>
+        <p:nvPr/>
+      </p:nvGrpSpPr>
+      <p:grpSpPr>
+        <a:xfrm>
+          <a:off x="0" y="0"/>
+          <a:ext cx="0" cy="0"/>
+          <a:chOff x="0" y="0"/>
+          <a:chExt cx="0" cy="0"/>
+        </a:xfrm>
+      </p:grpSpPr>
+      <p:sp>
+        <p:nvSpPr>
+          <p:cNvPr id="2" name="Titre 1">
+            <a:extLst>
+              <a:ext uri="{FF2B5EF4-FFF2-40B4-BE49-F238E27FC236}">
+                <a16:creationId xmlns:a16="http://schemas.microsoft.com/office/drawing/2014/main" id="{FA6243E6-E350-4836-3E9F-D3814475FD2C}"/>
+              </a:ext>
+            </a:extLst>
+          </p:cNvPr>
+          <p:cNvSpPr>
+            <a:spLocks noGrp="1"/>
+          </p:cNvSpPr>
+          <p:nvPr>
+            <p:ph type="title"/>
+          </p:nvPr>
+        </p:nvSpPr>
+        <p:spPr/>
+        <p:txBody>
+          <a:bodyPr/>
+          <a:lstStyle/>
+          <a:p>
+            <a:r>
+              <a:rPr lang="fr-FR"/>
+              <a:t>Jour 10 </a:t>
+            </a:r>
+            <a:r>
+              <a:rPr lang="fr-FR" dirty="0"/>
+              <a:t>- Présentations</a:t>
+            </a:r>
+          </a:p>
+        </p:txBody>
+      </p:sp>
+      <p:sp>
+        <p:nvSpPr>
+          <p:cNvPr id="4" name="Espace réservé du texte 3">
+            <a:extLst>
+              <a:ext uri="{FF2B5EF4-FFF2-40B4-BE49-F238E27FC236}">
+                <a16:creationId xmlns:a16="http://schemas.microsoft.com/office/drawing/2014/main" id="{3D678D7E-8072-8B66-6EB7-C0CECFAF9EAE}"/>
+              </a:ext>
+            </a:extLst>
+          </p:cNvPr>
+          <p:cNvSpPr>
+            <a:spLocks noGrp="1"/>
+          </p:cNvSpPr>
+          <p:nvPr>
+            <p:ph type="body" idx="1"/>
+          </p:nvPr>
+        </p:nvSpPr>
+        <p:spPr/>
+        <p:txBody>
+          <a:bodyPr/>
+          <a:lstStyle/>
+          <a:p>
+            <a:endParaRPr lang="fr-FR"/>
+          </a:p>
+        </p:txBody>
+      </p:sp>
+    </p:spTree>
+    <p:extLst>
+      <p:ext uri="{BB962C8B-B14F-4D97-AF65-F5344CB8AC3E}">
+        <p14:creationId xmlns:p14="http://schemas.microsoft.com/office/powerpoint/2010/main" val="1230004352"/>
+      </p:ext>
+    </p:extLst>
+  </p:cSld>
+  <p:clrMapOvr>
+    <a:masterClrMapping/>
+  </p:clrMapOvr>
+</p:sld>
+</file>
+
+<file path=ppt/slides/slide52.xml><?xml version="1.0" encoding="utf-8"?>
+<p:sld xmlns:a="http://schemas.openxmlformats.org/drawingml/2006/main" xmlns:r="http://schemas.openxmlformats.org/officeDocument/2006/relationships" xmlns:p="http://schemas.openxmlformats.org/presentationml/2006/main">
+  <p:cSld>
+    <p:spTree>
+      <p:nvGrpSpPr>
+        <p:cNvPr id="1" name=""/>
+        <p:cNvGrpSpPr/>
+        <p:nvPr/>
+      </p:nvGrpSpPr>
+      <p:grpSpPr>
+        <a:xfrm>
+          <a:off x="0" y="0"/>
+          <a:ext cx="0" cy="0"/>
+          <a:chOff x="0" y="0"/>
+          <a:chExt cx="0" cy="0"/>
+        </a:xfrm>
+      </p:grpSpPr>
+      <p:sp>
+        <p:nvSpPr>
+          <p:cNvPr id="2" name="Titre 1">
+            <a:extLst>
+              <a:ext uri="{FF2B5EF4-FFF2-40B4-BE49-F238E27FC236}">
                 <a16:creationId xmlns:a16="http://schemas.microsoft.com/office/drawing/2014/main" id="{370F5FAD-9F53-AAE9-AB90-BF22980F842C}"/>
               </a:ext>
             </a:extLst>
@@ -20683,7 +21489,7 @@
 </p:sld>
 </file>
 
-<file path=ppt/slides/slide51.xml><?xml version="1.0" encoding="utf-8"?>
+<file path=ppt/slides/slide53.xml><?xml version="1.0" encoding="utf-8"?>
 <p:sld xmlns:a="http://schemas.openxmlformats.org/drawingml/2006/main" xmlns:r="http://schemas.openxmlformats.org/officeDocument/2006/relationships" xmlns:p="http://schemas.openxmlformats.org/presentationml/2006/main">
   <p:cSld>
     <p:spTree>

--- a/00_notes_de_stage.pptx
+++ b/00_notes_de_stage.pptx
@@ -5,7 +5,7 @@
     <p:sldMasterId id="2147483648" r:id="rId1"/>
   </p:sldMasterIdLst>
   <p:notesMasterIdLst>
-    <p:notesMasterId r:id="rId55"/>
+    <p:notesMasterId r:id="rId56"/>
   </p:notesMasterIdLst>
   <p:sldIdLst>
     <p:sldId id="256" r:id="rId2"/>
@@ -56,11 +56,12 @@
     <p:sldId id="283" r:id="rId47"/>
     <p:sldId id="290" r:id="rId48"/>
     <p:sldId id="294" r:id="rId49"/>
-    <p:sldId id="284" r:id="rId50"/>
-    <p:sldId id="292" r:id="rId51"/>
-    <p:sldId id="285" r:id="rId52"/>
-    <p:sldId id="291" r:id="rId53"/>
-    <p:sldId id="293" r:id="rId54"/>
+    <p:sldId id="309" r:id="rId50"/>
+    <p:sldId id="284" r:id="rId51"/>
+    <p:sldId id="292" r:id="rId52"/>
+    <p:sldId id="285" r:id="rId53"/>
+    <p:sldId id="291" r:id="rId54"/>
+    <p:sldId id="293" r:id="rId55"/>
   </p:sldIdLst>
   <p:sldSz cx="12192000" cy="6858000"/>
   <p:notesSz cx="6858000" cy="9144000"/>
@@ -170,7 +171,7 @@
 <file path=ppt/revisionInfo.xml><?xml version="1.0" encoding="utf-8"?>
 <p1510:revInfo xmlns:a="http://schemas.openxmlformats.org/drawingml/2006/main" xmlns:r="http://schemas.openxmlformats.org/officeDocument/2006/relationships" xmlns:p1510="http://schemas.microsoft.com/office/powerpoint/2015/10/main">
   <p1510:revLst>
-    <p1510:client id="{01E73667-2BEF-4007-AD34-DC26F6381063}" v="168" dt="2024-01-12T10:58:59.315"/>
+    <p1510:client id="{01E73667-2BEF-4007-AD34-DC26F6381063}" v="188" dt="2024-01-12T14:12:15.113"/>
   </p1510:revLst>
 </p1510:revInfo>
 </file>
@@ -204,7 +205,7 @@
   <pc:docChgLst>
     <pc:chgData name="Philippe Baucour" userId="5102170ae7533958" providerId="LiveId" clId="{01E73667-2BEF-4007-AD34-DC26F6381063}"/>
     <pc:docChg chg="undo custSel addSld delSld modSld sldOrd">
-      <pc:chgData name="Philippe Baucour" userId="5102170ae7533958" providerId="LiveId" clId="{01E73667-2BEF-4007-AD34-DC26F6381063}" dt="2024-01-12T10:59:18.633" v="19074" actId="1076"/>
+      <pc:chgData name="Philippe Baucour" userId="5102170ae7533958" providerId="LiveId" clId="{01E73667-2BEF-4007-AD34-DC26F6381063}" dt="2024-01-12T14:12:25.030" v="19333" actId="5793"/>
       <pc:docMkLst>
         <pc:docMk/>
       </pc:docMkLst>
@@ -2738,6 +2739,29 @@
             <pc:docMk/>
             <pc:sldMk cId="2991937999" sldId="308"/>
             <ac:spMk id="5" creationId="{88E5C831-1133-8184-A786-3313CF754253}"/>
+          </ac:spMkLst>
+        </pc:spChg>
+      </pc:sldChg>
+      <pc:sldChg chg="modSp new mod">
+        <pc:chgData name="Philippe Baucour" userId="5102170ae7533958" providerId="LiveId" clId="{01E73667-2BEF-4007-AD34-DC26F6381063}" dt="2024-01-12T14:12:25.030" v="19333" actId="5793"/>
+        <pc:sldMkLst>
+          <pc:docMk/>
+          <pc:sldMk cId="31725506" sldId="309"/>
+        </pc:sldMkLst>
+        <pc:spChg chg="mod">
+          <ac:chgData name="Philippe Baucour" userId="5102170ae7533958" providerId="LiveId" clId="{01E73667-2BEF-4007-AD34-DC26F6381063}" dt="2024-01-12T14:12:15.112" v="19326"/>
+          <ac:spMkLst>
+            <pc:docMk/>
+            <pc:sldMk cId="31725506" sldId="309"/>
+            <ac:spMk id="2" creationId="{0BB206F5-E1D2-6A16-C137-B0DE013D834C}"/>
+          </ac:spMkLst>
+        </pc:spChg>
+        <pc:spChg chg="mod">
+          <ac:chgData name="Philippe Baucour" userId="5102170ae7533958" providerId="LiveId" clId="{01E73667-2BEF-4007-AD34-DC26F6381063}" dt="2024-01-12T14:12:25.030" v="19333" actId="5793"/>
+          <ac:spMkLst>
+            <pc:docMk/>
+            <pc:sldMk cId="31725506" sldId="309"/>
+            <ac:spMk id="3" creationId="{DE84A843-2E3B-FB0C-39C1-6890AD806138}"/>
           </ac:spMkLst>
         </pc:spChg>
       </pc:sldChg>
@@ -3551,7 +3575,7 @@
           <a:p>
             <a:fld id="{CA52ACDA-CAD7-4952-B2DF-2528E011DCB5}" type="slidenum">
               <a:rPr lang="fr-FR" smtClean="0"/>
-              <a:t>52</a:t>
+              <a:t>53</a:t>
             </a:fld>
             <a:endParaRPr lang="fr-FR"/>
           </a:p>
@@ -13574,8 +13598,8 @@
           </a:p>
         </p:txBody>
       </p:sp>
-      <mc:AlternateContent xmlns:mc="http://schemas.openxmlformats.org/markup-compatibility/2006">
-        <mc:Choice xmlns:a14="http://schemas.microsoft.com/office/drawing/2010/main" Requires="a14">
+      <mc:AlternateContent xmlns:mc="http://schemas.openxmlformats.org/markup-compatibility/2006" xmlns:a14="http://schemas.microsoft.com/office/drawing/2010/main">
+        <mc:Choice Requires="a14">
           <p:sp>
             <p:nvSpPr>
               <p:cNvPr id="4" name="ZoneTexte 3">
@@ -13604,6 +13628,7 @@
               </a:bodyPr>
               <a:lstStyle/>
               <a:p>
+                <a:pPr/>
                 <a14:m>
                   <m:oMathPara xmlns:m="http://schemas.openxmlformats.org/officeDocument/2006/math">
                     <m:oMathParaPr>
@@ -13642,7 +13667,7 @@
             </p:txBody>
           </p:sp>
         </mc:Choice>
-        <mc:Fallback>
+        <mc:Fallback xmlns="">
           <p:sp>
             <p:nvSpPr>
               <p:cNvPr id="4" name="ZoneTexte 3">
@@ -13687,8 +13712,8 @@
           </p:sp>
         </mc:Fallback>
       </mc:AlternateContent>
-      <mc:AlternateContent xmlns:mc="http://schemas.openxmlformats.org/markup-compatibility/2006">
-        <mc:Choice xmlns:a14="http://schemas.microsoft.com/office/drawing/2010/main" Requires="a14">
+      <mc:AlternateContent xmlns:mc="http://schemas.openxmlformats.org/markup-compatibility/2006" xmlns:a14="http://schemas.microsoft.com/office/drawing/2010/main">
+        <mc:Choice Requires="a14">
           <p:sp>
             <p:nvSpPr>
               <p:cNvPr id="5" name="ZoneTexte 4">
@@ -13717,6 +13742,7 @@
               </a:bodyPr>
               <a:lstStyle/>
               <a:p>
+                <a:pPr/>
                 <a14:m>
                   <m:oMathPara xmlns:m="http://schemas.openxmlformats.org/officeDocument/2006/math">
                     <m:oMathParaPr>
@@ -13775,7 +13801,7 @@
             </p:txBody>
           </p:sp>
         </mc:Choice>
-        <mc:Fallback>
+        <mc:Fallback xmlns="">
           <p:sp>
             <p:nvSpPr>
               <p:cNvPr id="5" name="ZoneTexte 4">
@@ -20558,7 +20584,7 @@
           <p:cNvPr id="2" name="Titre 1">
             <a:extLst>
               <a:ext uri="{FF2B5EF4-FFF2-40B4-BE49-F238E27FC236}">
-                <a16:creationId xmlns:a16="http://schemas.microsoft.com/office/drawing/2014/main" id="{FA6243E6-E350-4836-3E9F-D3814475FD2C}"/>
+                <a16:creationId xmlns:a16="http://schemas.microsoft.com/office/drawing/2014/main" id="{0BB206F5-E1D2-6A16-C137-B0DE013D834C}"/>
               </a:ext>
             </a:extLst>
           </p:cNvPr>
@@ -20575,18 +20601,30 @@
           <a:lstStyle/>
           <a:p>
             <a:r>
-              <a:rPr lang="fr-FR" dirty="0"/>
-              <a:t>Jour 9 - Projet</a:t>
-            </a:r>
-          </a:p>
-        </p:txBody>
-      </p:sp>
-      <p:sp>
-        <p:nvSpPr>
-          <p:cNvPr id="4" name="Espace réservé du texte 3">
-            <a:extLst>
-              <a:ext uri="{FF2B5EF4-FFF2-40B4-BE49-F238E27FC236}">
-                <a16:creationId xmlns:a16="http://schemas.microsoft.com/office/drawing/2014/main" id="{24E22D90-D352-DD92-3A88-32EB8E2D63FA}"/>
+              <a:rPr lang="fr-FR" dirty="0" err="1"/>
+              <a:t>Dataset</a:t>
+            </a:r>
+            <a:r>
+              <a:rPr lang="fr-FR" dirty="0"/>
+              <a:t> – </a:t>
+            </a:r>
+            <a:r>
+              <a:rPr lang="fr-FR" dirty="0" err="1"/>
+              <a:t>Kaggle</a:t>
+            </a:r>
+            <a:r>
+              <a:rPr lang="fr-FR" dirty="0"/>
+              <a:t> mais pas que 🦊</a:t>
+            </a:r>
+          </a:p>
+        </p:txBody>
+      </p:sp>
+      <p:sp>
+        <p:nvSpPr>
+          <p:cNvPr id="3" name="Espace réservé du contenu 2">
+            <a:extLst>
+              <a:ext uri="{FF2B5EF4-FFF2-40B4-BE49-F238E27FC236}">
+                <a16:creationId xmlns:a16="http://schemas.microsoft.com/office/drawing/2014/main" id="{DE84A843-2E3B-FB0C-39C1-6890AD806138}"/>
               </a:ext>
             </a:extLst>
           </p:cNvPr>
@@ -20594,22 +20632,132 @@
             <a:spLocks noGrp="1"/>
           </p:cNvSpPr>
           <p:nvPr>
-            <p:ph type="body" idx="1"/>
+            <p:ph idx="1"/>
           </p:nvPr>
         </p:nvSpPr>
         <p:spPr/>
         <p:txBody>
-          <a:bodyPr/>
+          <a:bodyPr>
+            <a:normAutofit fontScale="92500" lnSpcReduction="10000"/>
+          </a:bodyPr>
           <a:lstStyle/>
           <a:p>
-            <a:endParaRPr lang="fr-FR"/>
+            <a:r>
+              <a:rPr lang="fr-FR" dirty="0" err="1"/>
+              <a:t>Kaggle</a:t>
+            </a:r>
+            <a:endParaRPr lang="fr-FR" dirty="0"/>
+          </a:p>
+          <a:p>
+            <a:pPr lvl="1"/>
+            <a:r>
+              <a:rPr lang="fr-FR" dirty="0">
+                <a:hlinkClick r:id="rId2"/>
+              </a:rPr>
+              <a:t>https://www.kaggle.com/</a:t>
+            </a:r>
+          </a:p>
+          <a:p>
+            <a:r>
+              <a:rPr lang="fr-FR" dirty="0"/>
+              <a:t>AWS</a:t>
+            </a:r>
+            <a:endParaRPr lang="fr-FR" dirty="0">
+              <a:hlinkClick r:id="rId2"/>
+            </a:endParaRPr>
+          </a:p>
+          <a:p>
+            <a:pPr lvl="1"/>
+            <a:r>
+              <a:rPr lang="fr-FR" dirty="0">
+                <a:hlinkClick r:id="rId2"/>
+              </a:rPr>
+              <a:t>https://registry.opendata.aws/</a:t>
+            </a:r>
+          </a:p>
+          <a:p>
+            <a:pPr lvl="1"/>
+            <a:r>
+              <a:rPr lang="fr-FR" dirty="0"/>
+              <a:t>Pensez à aller voir le code </a:t>
+            </a:r>
+          </a:p>
+          <a:p>
+            <a:pPr lvl="1"/>
+            <a:r>
+              <a:rPr lang="fr-FR" dirty="0"/>
+              <a:t>Pensez à aller voir le </a:t>
+            </a:r>
+            <a:r>
+              <a:rPr lang="fr-FR" dirty="0" err="1"/>
+              <a:t>dataset</a:t>
+            </a:r>
+            <a:r>
+              <a:rPr lang="fr-FR" dirty="0"/>
+              <a:t> en détail	</a:t>
+            </a:r>
+          </a:p>
+          <a:p>
+            <a:r>
+              <a:rPr lang="fr-FR" dirty="0"/>
+              <a:t>Google </a:t>
+            </a:r>
+            <a:r>
+              <a:rPr lang="fr-FR" dirty="0" err="1"/>
+              <a:t>Dataset</a:t>
+            </a:r>
+            <a:r>
+              <a:rPr lang="fr-FR" dirty="0"/>
+              <a:t> </a:t>
+            </a:r>
+            <a:r>
+              <a:rPr lang="fr-FR" dirty="0" err="1"/>
+              <a:t>Search</a:t>
+            </a:r>
+            <a:endParaRPr lang="fr-FR" dirty="0"/>
+          </a:p>
+          <a:p>
+            <a:pPr lvl="1"/>
+            <a:r>
+              <a:rPr lang="fr-FR" dirty="0">
+                <a:hlinkClick r:id="rId3"/>
+              </a:rPr>
+              <a:t>https://datasetsearch.research.google.com/</a:t>
+            </a:r>
+            <a:endParaRPr lang="fr-FR" dirty="0"/>
+          </a:p>
+          <a:p>
+            <a:r>
+              <a:rPr lang="fr-FR" dirty="0"/>
+              <a:t>UCI Machine Learning Repository</a:t>
+            </a:r>
+          </a:p>
+          <a:p>
+            <a:pPr lvl="1"/>
+            <a:r>
+              <a:rPr lang="fr-FR" dirty="0">
+                <a:hlinkClick r:id="rId4"/>
+              </a:rPr>
+              <a:t>https://archive.ics.uci.edu/</a:t>
+            </a:r>
+            <a:endParaRPr lang="fr-FR" dirty="0"/>
+          </a:p>
+          <a:p>
+            <a:r>
+              <a:rPr lang="fr-FR" dirty="0"/>
+              <a:t>…</a:t>
+            </a:r>
+          </a:p>
+          <a:p>
+            <a:pPr lvl="1"/>
+            <a:endParaRPr lang="fr-FR" dirty="0"/>
           </a:p>
         </p:txBody>
       </p:sp>
     </p:spTree>
     <p:extLst>
       <p:ext uri="{BB962C8B-B14F-4D97-AF65-F5344CB8AC3E}">
-        <p14:creationId xmlns:p14="http://schemas.microsoft.com/office/powerpoint/2010/main" val="80189523"/>
+        <p14:creationId xmlns:p14="http://schemas.microsoft.com/office/powerpoint/2010/main" val="31725506"/>
       </p:ext>
     </p:extLst>
   </p:cSld>
@@ -21093,7 +21241,7 @@
           <p:cNvPr id="2" name="Titre 1">
             <a:extLst>
               <a:ext uri="{FF2B5EF4-FFF2-40B4-BE49-F238E27FC236}">
-                <a16:creationId xmlns:a16="http://schemas.microsoft.com/office/drawing/2014/main" id="{43027863-5F12-C0FC-41B6-6A37F08C783C}"/>
+                <a16:creationId xmlns:a16="http://schemas.microsoft.com/office/drawing/2014/main" id="{FA6243E6-E350-4836-3E9F-D3814475FD2C}"/>
               </a:ext>
             </a:extLst>
           </p:cNvPr>
@@ -21111,17 +21259,17 @@
           <a:p>
             <a:r>
               <a:rPr lang="fr-FR" dirty="0"/>
-              <a:t>Analyse</a:t>
-            </a:r>
-          </a:p>
-        </p:txBody>
-      </p:sp>
-      <p:sp>
-        <p:nvSpPr>
-          <p:cNvPr id="3" name="Espace réservé du contenu 2">
-            <a:extLst>
-              <a:ext uri="{FF2B5EF4-FFF2-40B4-BE49-F238E27FC236}">
-                <a16:creationId xmlns:a16="http://schemas.microsoft.com/office/drawing/2014/main" id="{7343D8EC-44D1-AF04-E6CC-7986F8B14507}"/>
+              <a:t>Jour 9 - Projet</a:t>
+            </a:r>
+          </a:p>
+        </p:txBody>
+      </p:sp>
+      <p:sp>
+        <p:nvSpPr>
+          <p:cNvPr id="4" name="Espace réservé du texte 3">
+            <a:extLst>
+              <a:ext uri="{FF2B5EF4-FFF2-40B4-BE49-F238E27FC236}">
+                <a16:creationId xmlns:a16="http://schemas.microsoft.com/office/drawing/2014/main" id="{24E22D90-D352-DD92-3A88-32EB8E2D63FA}"/>
               </a:ext>
             </a:extLst>
           </p:cNvPr>
@@ -21129,118 +21277,22 @@
             <a:spLocks noGrp="1"/>
           </p:cNvSpPr>
           <p:nvPr>
-            <p:ph idx="1"/>
+            <p:ph type="body" idx="1"/>
           </p:nvPr>
         </p:nvSpPr>
         <p:spPr/>
         <p:txBody>
-          <a:bodyPr>
-            <a:normAutofit/>
-          </a:bodyPr>
+          <a:bodyPr/>
           <a:lstStyle/>
           <a:p>
-            <a:r>
-              <a:rPr lang="fr-FR" dirty="0"/>
-              <a:t>C'est quoi votre </a:t>
-            </a:r>
-            <a:r>
-              <a:rPr lang="fr-FR" dirty="0" err="1"/>
-              <a:t>target</a:t>
-            </a:r>
-            <a:r>
-              <a:rPr lang="fr-FR" dirty="0"/>
-              <a:t> ?</a:t>
-            </a:r>
-          </a:p>
-          <a:p>
-            <a:pPr lvl="1"/>
-            <a:r>
-              <a:rPr lang="fr-FR" dirty="0"/>
-              <a:t>Donc les autres ce sont les </a:t>
-            </a:r>
-            <a:r>
-              <a:rPr lang="fr-FR" dirty="0" err="1"/>
-              <a:t>features</a:t>
-            </a:r>
-            <a:endParaRPr lang="fr-FR" dirty="0"/>
-          </a:p>
-          <a:p>
-            <a:r>
-              <a:rPr lang="fr-FR" dirty="0"/>
-              <a:t>C'est de la régression ou du classement?</a:t>
-            </a:r>
-          </a:p>
-          <a:p>
-            <a:r>
-              <a:rPr lang="fr-FR" dirty="0"/>
-              <a:t>Passez du temps sur l'EDA</a:t>
-            </a:r>
-          </a:p>
-          <a:p>
-            <a:pPr lvl="1"/>
-            <a:r>
-              <a:rPr lang="fr-FR" dirty="0"/>
-              <a:t>Revoyez l'exemple Titanic</a:t>
-            </a:r>
-          </a:p>
-          <a:p>
-            <a:pPr lvl="1"/>
-            <a:r>
-              <a:rPr lang="fr-FR" dirty="0"/>
-              <a:t>Affichez la </a:t>
-            </a:r>
-            <a:r>
-              <a:rPr lang="fr-FR" dirty="0" err="1"/>
-              <a:t>target</a:t>
-            </a:r>
-            <a:r>
-              <a:rPr lang="fr-FR" dirty="0"/>
-              <a:t> en fonction des </a:t>
-            </a:r>
-            <a:r>
-              <a:rPr lang="fr-FR" dirty="0" err="1"/>
-              <a:t>features</a:t>
-            </a:r>
-            <a:r>
-              <a:rPr lang="fr-FR" dirty="0"/>
-              <a:t>, appropriez-vous les données</a:t>
-            </a:r>
-          </a:p>
-          <a:p>
-            <a:r>
-              <a:rPr lang="fr-FR" dirty="0"/>
-              <a:t>Analysez, critiquez les scores</a:t>
-            </a:r>
-          </a:p>
-          <a:p>
-            <a:r>
-              <a:rPr lang="fr-FR" dirty="0"/>
-              <a:t>Y a-t-il d'autres modèles, en plus de ceux vus en cours, à tester ?</a:t>
-            </a:r>
-          </a:p>
-          <a:p>
-            <a:r>
-              <a:rPr lang="fr-FR" dirty="0"/>
-              <a:t>Y a-t-il des </a:t>
-            </a:r>
-            <a:r>
-              <a:rPr lang="fr-FR" dirty="0" err="1"/>
-              <a:t>scorings</a:t>
-            </a:r>
-            <a:r>
-              <a:rPr lang="fr-FR" dirty="0"/>
-              <a:t>, pas vu en cours, utilisables ?</a:t>
-            </a:r>
-          </a:p>
-          <a:p>
-            <a:endParaRPr lang="fr-FR" dirty="0"/>
+            <a:endParaRPr lang="fr-FR"/>
           </a:p>
         </p:txBody>
       </p:sp>
     </p:spTree>
     <p:extLst>
       <p:ext uri="{BB962C8B-B14F-4D97-AF65-F5344CB8AC3E}">
-        <p14:creationId xmlns:p14="http://schemas.microsoft.com/office/powerpoint/2010/main" val="2196644587"/>
+        <p14:creationId xmlns:p14="http://schemas.microsoft.com/office/powerpoint/2010/main" val="80189523"/>
       </p:ext>
     </p:extLst>
   </p:cSld>
@@ -21272,7 +21324,7 @@
           <p:cNvPr id="2" name="Titre 1">
             <a:extLst>
               <a:ext uri="{FF2B5EF4-FFF2-40B4-BE49-F238E27FC236}">
-                <a16:creationId xmlns:a16="http://schemas.microsoft.com/office/drawing/2014/main" id="{FA6243E6-E350-4836-3E9F-D3814475FD2C}"/>
+                <a16:creationId xmlns:a16="http://schemas.microsoft.com/office/drawing/2014/main" id="{43027863-5F12-C0FC-41B6-6A37F08C783C}"/>
               </a:ext>
             </a:extLst>
           </p:cNvPr>
@@ -21289,22 +21341,18 @@
           <a:lstStyle/>
           <a:p>
             <a:r>
-              <a:rPr lang="fr-FR"/>
-              <a:t>Jour 10 </a:t>
-            </a:r>
-            <a:r>
-              <a:rPr lang="fr-FR" dirty="0"/>
-              <a:t>- Présentations</a:t>
-            </a:r>
-          </a:p>
-        </p:txBody>
-      </p:sp>
-      <p:sp>
-        <p:nvSpPr>
-          <p:cNvPr id="4" name="Espace réservé du texte 3">
-            <a:extLst>
-              <a:ext uri="{FF2B5EF4-FFF2-40B4-BE49-F238E27FC236}">
-                <a16:creationId xmlns:a16="http://schemas.microsoft.com/office/drawing/2014/main" id="{3D678D7E-8072-8B66-6EB7-C0CECFAF9EAE}"/>
+              <a:rPr lang="fr-FR" dirty="0"/>
+              <a:t>Analyse</a:t>
+            </a:r>
+          </a:p>
+        </p:txBody>
+      </p:sp>
+      <p:sp>
+        <p:nvSpPr>
+          <p:cNvPr id="3" name="Espace réservé du contenu 2">
+            <a:extLst>
+              <a:ext uri="{FF2B5EF4-FFF2-40B4-BE49-F238E27FC236}">
+                <a16:creationId xmlns:a16="http://schemas.microsoft.com/office/drawing/2014/main" id="{7343D8EC-44D1-AF04-E6CC-7986F8B14507}"/>
               </a:ext>
             </a:extLst>
           </p:cNvPr>
@@ -21312,22 +21360,118 @@
             <a:spLocks noGrp="1"/>
           </p:cNvSpPr>
           <p:nvPr>
-            <p:ph type="body" idx="1"/>
+            <p:ph idx="1"/>
           </p:nvPr>
         </p:nvSpPr>
         <p:spPr/>
         <p:txBody>
-          <a:bodyPr/>
+          <a:bodyPr>
+            <a:normAutofit/>
+          </a:bodyPr>
           <a:lstStyle/>
           <a:p>
-            <a:endParaRPr lang="fr-FR"/>
+            <a:r>
+              <a:rPr lang="fr-FR" dirty="0"/>
+              <a:t>C'est quoi votre </a:t>
+            </a:r>
+            <a:r>
+              <a:rPr lang="fr-FR" dirty="0" err="1"/>
+              <a:t>target</a:t>
+            </a:r>
+            <a:r>
+              <a:rPr lang="fr-FR" dirty="0"/>
+              <a:t> ?</a:t>
+            </a:r>
+          </a:p>
+          <a:p>
+            <a:pPr lvl="1"/>
+            <a:r>
+              <a:rPr lang="fr-FR" dirty="0"/>
+              <a:t>Donc les autres ce sont les </a:t>
+            </a:r>
+            <a:r>
+              <a:rPr lang="fr-FR" dirty="0" err="1"/>
+              <a:t>features</a:t>
+            </a:r>
+            <a:endParaRPr lang="fr-FR" dirty="0"/>
+          </a:p>
+          <a:p>
+            <a:r>
+              <a:rPr lang="fr-FR" dirty="0"/>
+              <a:t>C'est de la régression ou du classement?</a:t>
+            </a:r>
+          </a:p>
+          <a:p>
+            <a:r>
+              <a:rPr lang="fr-FR" dirty="0"/>
+              <a:t>Passez du temps sur l'EDA</a:t>
+            </a:r>
+          </a:p>
+          <a:p>
+            <a:pPr lvl="1"/>
+            <a:r>
+              <a:rPr lang="fr-FR" dirty="0"/>
+              <a:t>Revoyez l'exemple Titanic</a:t>
+            </a:r>
+          </a:p>
+          <a:p>
+            <a:pPr lvl="1"/>
+            <a:r>
+              <a:rPr lang="fr-FR" dirty="0"/>
+              <a:t>Affichez la </a:t>
+            </a:r>
+            <a:r>
+              <a:rPr lang="fr-FR" dirty="0" err="1"/>
+              <a:t>target</a:t>
+            </a:r>
+            <a:r>
+              <a:rPr lang="fr-FR" dirty="0"/>
+              <a:t> en fonction des </a:t>
+            </a:r>
+            <a:r>
+              <a:rPr lang="fr-FR" dirty="0" err="1"/>
+              <a:t>features</a:t>
+            </a:r>
+            <a:r>
+              <a:rPr lang="fr-FR" dirty="0"/>
+              <a:t>, appropriez-vous les données</a:t>
+            </a:r>
+          </a:p>
+          <a:p>
+            <a:r>
+              <a:rPr lang="fr-FR" dirty="0"/>
+              <a:t>Analysez, critiquez les scores</a:t>
+            </a:r>
+          </a:p>
+          <a:p>
+            <a:r>
+              <a:rPr lang="fr-FR" dirty="0"/>
+              <a:t>Y a-t-il d'autres modèles, en plus de ceux vus en cours, à tester ?</a:t>
+            </a:r>
+          </a:p>
+          <a:p>
+            <a:r>
+              <a:rPr lang="fr-FR" dirty="0"/>
+              <a:t>Y a-t-il des </a:t>
+            </a:r>
+            <a:r>
+              <a:rPr lang="fr-FR" dirty="0" err="1"/>
+              <a:t>scorings</a:t>
+            </a:r>
+            <a:r>
+              <a:rPr lang="fr-FR" dirty="0"/>
+              <a:t>, pas vu en cours, utilisables ?</a:t>
+            </a:r>
+          </a:p>
+          <a:p>
+            <a:endParaRPr lang="fr-FR" dirty="0"/>
           </a:p>
         </p:txBody>
       </p:sp>
     </p:spTree>
     <p:extLst>
       <p:ext uri="{BB962C8B-B14F-4D97-AF65-F5344CB8AC3E}">
-        <p14:creationId xmlns:p14="http://schemas.microsoft.com/office/powerpoint/2010/main" val="1230004352"/>
+        <p14:creationId xmlns:p14="http://schemas.microsoft.com/office/powerpoint/2010/main" val="2196644587"/>
       </p:ext>
     </p:extLst>
   </p:cSld>
@@ -21359,6 +21503,93 @@
           <p:cNvPr id="2" name="Titre 1">
             <a:extLst>
               <a:ext uri="{FF2B5EF4-FFF2-40B4-BE49-F238E27FC236}">
+                <a16:creationId xmlns:a16="http://schemas.microsoft.com/office/drawing/2014/main" id="{FA6243E6-E350-4836-3E9F-D3814475FD2C}"/>
+              </a:ext>
+            </a:extLst>
+          </p:cNvPr>
+          <p:cNvSpPr>
+            <a:spLocks noGrp="1"/>
+          </p:cNvSpPr>
+          <p:nvPr>
+            <p:ph type="title"/>
+          </p:nvPr>
+        </p:nvSpPr>
+        <p:spPr/>
+        <p:txBody>
+          <a:bodyPr/>
+          <a:lstStyle/>
+          <a:p>
+            <a:r>
+              <a:rPr lang="fr-FR"/>
+              <a:t>Jour 10 </a:t>
+            </a:r>
+            <a:r>
+              <a:rPr lang="fr-FR" dirty="0"/>
+              <a:t>- Présentations</a:t>
+            </a:r>
+          </a:p>
+        </p:txBody>
+      </p:sp>
+      <p:sp>
+        <p:nvSpPr>
+          <p:cNvPr id="4" name="Espace réservé du texte 3">
+            <a:extLst>
+              <a:ext uri="{FF2B5EF4-FFF2-40B4-BE49-F238E27FC236}">
+                <a16:creationId xmlns:a16="http://schemas.microsoft.com/office/drawing/2014/main" id="{3D678D7E-8072-8B66-6EB7-C0CECFAF9EAE}"/>
+              </a:ext>
+            </a:extLst>
+          </p:cNvPr>
+          <p:cNvSpPr>
+            <a:spLocks noGrp="1"/>
+          </p:cNvSpPr>
+          <p:nvPr>
+            <p:ph type="body" idx="1"/>
+          </p:nvPr>
+        </p:nvSpPr>
+        <p:spPr/>
+        <p:txBody>
+          <a:bodyPr/>
+          <a:lstStyle/>
+          <a:p>
+            <a:endParaRPr lang="fr-FR"/>
+          </a:p>
+        </p:txBody>
+      </p:sp>
+    </p:spTree>
+    <p:extLst>
+      <p:ext uri="{BB962C8B-B14F-4D97-AF65-F5344CB8AC3E}">
+        <p14:creationId xmlns:p14="http://schemas.microsoft.com/office/powerpoint/2010/main" val="1230004352"/>
+      </p:ext>
+    </p:extLst>
+  </p:cSld>
+  <p:clrMapOvr>
+    <a:masterClrMapping/>
+  </p:clrMapOvr>
+</p:sld>
+</file>
+
+<file path=ppt/slides/slide53.xml><?xml version="1.0" encoding="utf-8"?>
+<p:sld xmlns:a="http://schemas.openxmlformats.org/drawingml/2006/main" xmlns:r="http://schemas.openxmlformats.org/officeDocument/2006/relationships" xmlns:p="http://schemas.openxmlformats.org/presentationml/2006/main">
+  <p:cSld>
+    <p:spTree>
+      <p:nvGrpSpPr>
+        <p:cNvPr id="1" name=""/>
+        <p:cNvGrpSpPr/>
+        <p:nvPr/>
+      </p:nvGrpSpPr>
+      <p:grpSpPr>
+        <a:xfrm>
+          <a:off x="0" y="0"/>
+          <a:ext cx="0" cy="0"/>
+          <a:chOff x="0" y="0"/>
+          <a:chExt cx="0" cy="0"/>
+        </a:xfrm>
+      </p:grpSpPr>
+      <p:sp>
+        <p:nvSpPr>
+          <p:cNvPr id="2" name="Titre 1">
+            <a:extLst>
+              <a:ext uri="{FF2B5EF4-FFF2-40B4-BE49-F238E27FC236}">
                 <a16:creationId xmlns:a16="http://schemas.microsoft.com/office/drawing/2014/main" id="{370F5FAD-9F53-AAE9-AB90-BF22980F842C}"/>
               </a:ext>
             </a:extLst>
@@ -21489,7 +21720,7 @@
 </p:sld>
 </file>
 
-<file path=ppt/slides/slide53.xml><?xml version="1.0" encoding="utf-8"?>
+<file path=ppt/slides/slide54.xml><?xml version="1.0" encoding="utf-8"?>
 <p:sld xmlns:a="http://schemas.openxmlformats.org/drawingml/2006/main" xmlns:r="http://schemas.openxmlformats.org/officeDocument/2006/relationships" xmlns:p="http://schemas.openxmlformats.org/presentationml/2006/main">
   <p:cSld>
     <p:spTree>

--- a/00_notes_de_stage.pptx
+++ b/00_notes_de_stage.pptx
@@ -211,7 +211,7 @@
   <pc:docChgLst>
     <pc:chgData name="Philippe Baucour" userId="5102170ae7533958" providerId="LiveId" clId="{01E73667-2BEF-4007-AD34-DC26F6381063}"/>
     <pc:docChg chg="undo custSel addSld delSld modSld sldOrd">
-      <pc:chgData name="Philippe Baucour" userId="5102170ae7533958" providerId="LiveId" clId="{01E73667-2BEF-4007-AD34-DC26F6381063}" dt="2024-01-15T11:00:02.779" v="24686"/>
+      <pc:chgData name="Philippe Baucour" userId="5102170ae7533958" providerId="LiveId" clId="{01E73667-2BEF-4007-AD34-DC26F6381063}" dt="2024-01-15T15:36:45.423" v="25021" actId="207"/>
       <pc:docMkLst>
         <pc:docMk/>
       </pc:docMkLst>
@@ -3439,13 +3439,13 @@
         </pc:cxnChg>
       </pc:sldChg>
       <pc:sldChg chg="delSp modSp add mod ord">
-        <pc:chgData name="Philippe Baucour" userId="5102170ae7533958" providerId="LiveId" clId="{01E73667-2BEF-4007-AD34-DC26F6381063}" dt="2024-01-15T11:00:02.779" v="24686"/>
+        <pc:chgData name="Philippe Baucour" userId="5102170ae7533958" providerId="LiveId" clId="{01E73667-2BEF-4007-AD34-DC26F6381063}" dt="2024-01-15T14:25:39.933" v="25014" actId="20577"/>
         <pc:sldMkLst>
           <pc:docMk/>
           <pc:sldMk cId="1176226442" sldId="314"/>
         </pc:sldMkLst>
         <pc:spChg chg="mod">
-          <ac:chgData name="Philippe Baucour" userId="5102170ae7533958" providerId="LiveId" clId="{01E73667-2BEF-4007-AD34-DC26F6381063}" dt="2024-01-14T16:08:23.608" v="22134" actId="20577"/>
+          <ac:chgData name="Philippe Baucour" userId="5102170ae7533958" providerId="LiveId" clId="{01E73667-2BEF-4007-AD34-DC26F6381063}" dt="2024-01-15T14:25:39.933" v="25014" actId="20577"/>
           <ac:spMkLst>
             <pc:docMk/>
             <pc:sldMk cId="1176226442" sldId="314"/>
@@ -3491,8 +3491,8 @@
           </ac:spMkLst>
         </pc:spChg>
       </pc:sldChg>
-      <pc:sldChg chg="addSp delSp modSp new mod modAnim">
-        <pc:chgData name="Philippe Baucour" userId="5102170ae7533958" providerId="LiveId" clId="{01E73667-2BEF-4007-AD34-DC26F6381063}" dt="2024-01-15T10:41:52.080" v="24568"/>
+      <pc:sldChg chg="addSp delSp modSp new mod addAnim delAnim modAnim">
+        <pc:chgData name="Philippe Baucour" userId="5102170ae7533958" providerId="LiveId" clId="{01E73667-2BEF-4007-AD34-DC26F6381063}" dt="2024-01-15T15:36:45.423" v="25021" actId="207"/>
         <pc:sldMkLst>
           <pc:docMk/>
           <pc:sldMk cId="2513056592" sldId="316"/>
@@ -3506,7 +3506,7 @@
           </ac:spMkLst>
         </pc:spChg>
         <pc:spChg chg="add mod">
-          <ac:chgData name="Philippe Baucour" userId="5102170ae7533958" providerId="LiveId" clId="{01E73667-2BEF-4007-AD34-DC26F6381063}" dt="2024-01-15T10:25:18.159" v="24314" actId="14100"/>
+          <ac:chgData name="Philippe Baucour" userId="5102170ae7533958" providerId="LiveId" clId="{01E73667-2BEF-4007-AD34-DC26F6381063}" dt="2024-01-15T15:27:39.914" v="25015" actId="207"/>
           <ac:spMkLst>
             <pc:docMk/>
             <pc:sldMk cId="2513056592" sldId="316"/>
@@ -3514,7 +3514,7 @@
           </ac:spMkLst>
         </pc:spChg>
         <pc:spChg chg="add mod">
-          <ac:chgData name="Philippe Baucour" userId="5102170ae7533958" providerId="LiveId" clId="{01E73667-2BEF-4007-AD34-DC26F6381063}" dt="2024-01-15T10:41:13.203" v="24567" actId="1037"/>
+          <ac:chgData name="Philippe Baucour" userId="5102170ae7533958" providerId="LiveId" clId="{01E73667-2BEF-4007-AD34-DC26F6381063}" dt="2024-01-15T15:27:46.855" v="25016" actId="108"/>
           <ac:spMkLst>
             <pc:docMk/>
             <pc:sldMk cId="2513056592" sldId="316"/>
@@ -3530,7 +3530,7 @@
           </ac:spMkLst>
         </pc:spChg>
         <pc:spChg chg="add mod">
-          <ac:chgData name="Philippe Baucour" userId="5102170ae7533958" providerId="LiveId" clId="{01E73667-2BEF-4007-AD34-DC26F6381063}" dt="2024-01-15T10:40:59.293" v="24555" actId="1076"/>
+          <ac:chgData name="Philippe Baucour" userId="5102170ae7533958" providerId="LiveId" clId="{01E73667-2BEF-4007-AD34-DC26F6381063}" dt="2024-01-15T15:28:21.931" v="25019" actId="207"/>
           <ac:spMkLst>
             <pc:docMk/>
             <pc:sldMk cId="2513056592" sldId="316"/>
@@ -3538,7 +3538,7 @@
           </ac:spMkLst>
         </pc:spChg>
         <pc:spChg chg="add mod">
-          <ac:chgData name="Philippe Baucour" userId="5102170ae7533958" providerId="LiveId" clId="{01E73667-2BEF-4007-AD34-DC26F6381063}" dt="2024-01-15T10:28:36.323" v="24392" actId="20577"/>
+          <ac:chgData name="Philippe Baucour" userId="5102170ae7533958" providerId="LiveId" clId="{01E73667-2BEF-4007-AD34-DC26F6381063}" dt="2024-01-15T15:28:30.490" v="25020" actId="207"/>
           <ac:spMkLst>
             <pc:docMk/>
             <pc:sldMk cId="2513056592" sldId="316"/>
@@ -3562,7 +3562,7 @@
           </ac:spMkLst>
         </pc:spChg>
         <pc:spChg chg="add mod">
-          <ac:chgData name="Philippe Baucour" userId="5102170ae7533958" providerId="LiveId" clId="{01E73667-2BEF-4007-AD34-DC26F6381063}" dt="2024-01-15T10:37:32.178" v="24533" actId="14100"/>
+          <ac:chgData name="Philippe Baucour" userId="5102170ae7533958" providerId="LiveId" clId="{01E73667-2BEF-4007-AD34-DC26F6381063}" dt="2024-01-15T15:36:45.423" v="25021" actId="207"/>
           <ac:spMkLst>
             <pc:docMk/>
             <pc:sldMk cId="2513056592" sldId="316"/>
@@ -3713,7 +3713,7 @@
           <a:p>
             <a:fld id="{4471ECC3-BD70-4F1E-B981-43613CDB8BB8}" type="datetimeFigureOut">
               <a:rPr lang="fr-FR" smtClean="0"/>
-              <a:t>14/01/2024</a:t>
+              <a:t>15/01/2024</a:t>
             </a:fld>
             <a:endParaRPr lang="fr-FR"/>
           </a:p>
@@ -6154,7 +6154,7 @@
           <a:p>
             <a:fld id="{814EAAF8-3877-4B4B-B2A5-D637106D66A3}" type="datetimeFigureOut">
               <a:rPr lang="fr-FR" smtClean="0"/>
-              <a:t>14/01/2024</a:t>
+              <a:t>15/01/2024</a:t>
             </a:fld>
             <a:endParaRPr lang="fr-FR"/>
           </a:p>
@@ -6352,7 +6352,7 @@
           <a:p>
             <a:fld id="{814EAAF8-3877-4B4B-B2A5-D637106D66A3}" type="datetimeFigureOut">
               <a:rPr lang="fr-FR" smtClean="0"/>
-              <a:t>14/01/2024</a:t>
+              <a:t>15/01/2024</a:t>
             </a:fld>
             <a:endParaRPr lang="fr-FR"/>
           </a:p>
@@ -6560,7 +6560,7 @@
           <a:p>
             <a:fld id="{814EAAF8-3877-4B4B-B2A5-D637106D66A3}" type="datetimeFigureOut">
               <a:rPr lang="fr-FR" smtClean="0"/>
-              <a:t>14/01/2024</a:t>
+              <a:t>15/01/2024</a:t>
             </a:fld>
             <a:endParaRPr lang="fr-FR"/>
           </a:p>
@@ -6758,7 +6758,7 @@
           <a:p>
             <a:fld id="{814EAAF8-3877-4B4B-B2A5-D637106D66A3}" type="datetimeFigureOut">
               <a:rPr lang="fr-FR" smtClean="0"/>
-              <a:t>14/01/2024</a:t>
+              <a:t>15/01/2024</a:t>
             </a:fld>
             <a:endParaRPr lang="fr-FR"/>
           </a:p>
@@ -7033,7 +7033,7 @@
           <a:p>
             <a:fld id="{814EAAF8-3877-4B4B-B2A5-D637106D66A3}" type="datetimeFigureOut">
               <a:rPr lang="fr-FR" smtClean="0"/>
-              <a:t>14/01/2024</a:t>
+              <a:t>15/01/2024</a:t>
             </a:fld>
             <a:endParaRPr lang="fr-FR"/>
           </a:p>
@@ -7298,7 +7298,7 @@
           <a:p>
             <a:fld id="{814EAAF8-3877-4B4B-B2A5-D637106D66A3}" type="datetimeFigureOut">
               <a:rPr lang="fr-FR" smtClean="0"/>
-              <a:t>14/01/2024</a:t>
+              <a:t>15/01/2024</a:t>
             </a:fld>
             <a:endParaRPr lang="fr-FR"/>
           </a:p>
@@ -7710,7 +7710,7 @@
           <a:p>
             <a:fld id="{814EAAF8-3877-4B4B-B2A5-D637106D66A3}" type="datetimeFigureOut">
               <a:rPr lang="fr-FR" smtClean="0"/>
-              <a:t>14/01/2024</a:t>
+              <a:t>15/01/2024</a:t>
             </a:fld>
             <a:endParaRPr lang="fr-FR"/>
           </a:p>
@@ -7851,7 +7851,7 @@
           <a:p>
             <a:fld id="{814EAAF8-3877-4B4B-B2A5-D637106D66A3}" type="datetimeFigureOut">
               <a:rPr lang="fr-FR" smtClean="0"/>
-              <a:t>14/01/2024</a:t>
+              <a:t>15/01/2024</a:t>
             </a:fld>
             <a:endParaRPr lang="fr-FR"/>
           </a:p>
@@ -7964,7 +7964,7 @@
           <a:p>
             <a:fld id="{814EAAF8-3877-4B4B-B2A5-D637106D66A3}" type="datetimeFigureOut">
               <a:rPr lang="fr-FR" smtClean="0"/>
-              <a:t>14/01/2024</a:t>
+              <a:t>15/01/2024</a:t>
             </a:fld>
             <a:endParaRPr lang="fr-FR"/>
           </a:p>
@@ -8275,7 +8275,7 @@
           <a:p>
             <a:fld id="{814EAAF8-3877-4B4B-B2A5-D637106D66A3}" type="datetimeFigureOut">
               <a:rPr lang="fr-FR" smtClean="0"/>
-              <a:t>14/01/2024</a:t>
+              <a:t>15/01/2024</a:t>
             </a:fld>
             <a:endParaRPr lang="fr-FR"/>
           </a:p>
@@ -8563,7 +8563,7 @@
           <a:p>
             <a:fld id="{814EAAF8-3877-4B4B-B2A5-D637106D66A3}" type="datetimeFigureOut">
               <a:rPr lang="fr-FR" smtClean="0"/>
-              <a:t>14/01/2024</a:t>
+              <a:t>15/01/2024</a:t>
             </a:fld>
             <a:endParaRPr lang="fr-FR"/>
           </a:p>
@@ -8804,7 +8804,7 @@
           <a:p>
             <a:fld id="{814EAAF8-3877-4B4B-B2A5-D637106D66A3}" type="datetimeFigureOut">
               <a:rPr lang="fr-FR" smtClean="0"/>
-              <a:t>14/01/2024</a:t>
+              <a:t>15/01/2024</a:t>
             </a:fld>
             <a:endParaRPr lang="fr-FR"/>
           </a:p>
@@ -18365,8 +18365,8 @@
             </a:fontRef>
           </p:style>
         </p:cxnSp>
-        <mc:AlternateContent xmlns:mc="http://schemas.openxmlformats.org/markup-compatibility/2006">
-          <mc:Choice xmlns:a14="http://schemas.microsoft.com/office/drawing/2010/main" Requires="a14">
+        <mc:AlternateContent xmlns:mc="http://schemas.openxmlformats.org/markup-compatibility/2006" xmlns:a14="http://schemas.microsoft.com/office/drawing/2010/main">
+          <mc:Choice Requires="a14">
             <p:sp>
               <p:nvSpPr>
                 <p:cNvPr id="11" name="ZoneTexte 10">
@@ -18395,6 +18395,7 @@
                 </a:bodyPr>
                 <a:lstStyle/>
                 <a:p>
+                  <a:pPr/>
                   <a14:m>
                     <m:oMathPara xmlns:m="http://schemas.openxmlformats.org/officeDocument/2006/math">
                       <m:oMathParaPr>
@@ -18427,7 +18428,7 @@
               </p:txBody>
             </p:sp>
           </mc:Choice>
-          <mc:Fallback>
+          <mc:Fallback xmlns="">
             <p:sp>
               <p:nvSpPr>
                 <p:cNvPr id="11" name="ZoneTexte 10">
@@ -18473,8 +18474,8 @@
           </mc:Fallback>
         </mc:AlternateContent>
       </p:grpSp>
-      <mc:AlternateContent xmlns:mc="http://schemas.openxmlformats.org/markup-compatibility/2006">
-        <mc:Choice xmlns:a14="http://schemas.microsoft.com/office/drawing/2010/main" Requires="a14">
+      <mc:AlternateContent xmlns:mc="http://schemas.openxmlformats.org/markup-compatibility/2006" xmlns:a14="http://schemas.microsoft.com/office/drawing/2010/main">
+        <mc:Choice Requires="a14">
           <p:sp>
             <p:nvSpPr>
               <p:cNvPr id="13" name="ZoneTexte 12">
@@ -18503,6 +18504,7 @@
               </a:bodyPr>
               <a:lstStyle/>
               <a:p>
+                <a:pPr/>
                 <a14:m>
                   <m:oMathPara xmlns:m="http://schemas.openxmlformats.org/officeDocument/2006/math">
                     <m:oMathParaPr>
@@ -18523,7 +18525,7 @@
             </p:txBody>
           </p:sp>
         </mc:Choice>
-        <mc:Fallback>
+        <mc:Fallback xmlns="">
           <p:sp>
             <p:nvSpPr>
               <p:cNvPr id="13" name="ZoneTexte 12">
@@ -18631,8 +18633,8 @@
             </a:fontRef>
           </p:style>
         </p:cxnSp>
-        <mc:AlternateContent xmlns:mc="http://schemas.openxmlformats.org/markup-compatibility/2006">
-          <mc:Choice xmlns:a14="http://schemas.microsoft.com/office/drawing/2010/main" Requires="a14">
+        <mc:AlternateContent xmlns:mc="http://schemas.openxmlformats.org/markup-compatibility/2006" xmlns:a14="http://schemas.microsoft.com/office/drawing/2010/main">
+          <mc:Choice Requires="a14">
             <p:sp>
               <p:nvSpPr>
                 <p:cNvPr id="18" name="ZoneTexte 17">
@@ -18661,6 +18663,7 @@
                 </a:bodyPr>
                 <a:lstStyle/>
                 <a:p>
+                  <a:pPr/>
                   <a14:m>
                     <m:oMathPara xmlns:m="http://schemas.openxmlformats.org/officeDocument/2006/math">
                       <m:oMathParaPr>
@@ -18693,7 +18696,7 @@
               </p:txBody>
             </p:sp>
           </mc:Choice>
-          <mc:Fallback>
+          <mc:Fallback xmlns="">
             <p:sp>
               <p:nvSpPr>
                 <p:cNvPr id="18" name="ZoneTexte 17">
@@ -19172,8 +19175,8 @@
             </a:fontRef>
           </p:style>
         </p:cxnSp>
-        <mc:AlternateContent xmlns:mc="http://schemas.openxmlformats.org/markup-compatibility/2006">
-          <mc:Choice xmlns:a14="http://schemas.microsoft.com/office/drawing/2010/main" Requires="a14">
+        <mc:AlternateContent xmlns:mc="http://schemas.openxmlformats.org/markup-compatibility/2006" xmlns:a14="http://schemas.microsoft.com/office/drawing/2010/main">
+          <mc:Choice Requires="a14">
             <p:sp>
               <p:nvSpPr>
                 <p:cNvPr id="32" name="ZoneTexte 31">
@@ -19202,6 +19205,7 @@
                 </a:bodyPr>
                 <a:lstStyle/>
                 <a:p>
+                  <a:pPr/>
                   <a14:m>
                     <m:oMathPara xmlns:m="http://schemas.openxmlformats.org/officeDocument/2006/math">
                       <m:oMathParaPr>
@@ -19241,7 +19245,7 @@
               </p:txBody>
             </p:sp>
           </mc:Choice>
-          <mc:Fallback>
+          <mc:Fallback xmlns="">
             <p:sp>
               <p:nvSpPr>
                 <p:cNvPr id="32" name="ZoneTexte 31">
@@ -20226,8 +20230,8 @@
             </a:fontRef>
           </p:style>
         </p:cxnSp>
-        <mc:AlternateContent xmlns:mc="http://schemas.openxmlformats.org/markup-compatibility/2006">
-          <mc:Choice xmlns:a14="http://schemas.microsoft.com/office/drawing/2010/main" Requires="a14">
+        <mc:AlternateContent xmlns:mc="http://schemas.openxmlformats.org/markup-compatibility/2006" xmlns:a14="http://schemas.microsoft.com/office/drawing/2010/main">
+          <mc:Choice Requires="a14">
             <p:sp>
               <p:nvSpPr>
                 <p:cNvPr id="11" name="ZoneTexte 10">
@@ -20256,6 +20260,7 @@
                 </a:bodyPr>
                 <a:lstStyle/>
                 <a:p>
+                  <a:pPr/>
                   <a14:m>
                     <m:oMathPara xmlns:m="http://schemas.openxmlformats.org/officeDocument/2006/math">
                       <m:oMathParaPr>
@@ -20288,7 +20293,7 @@
               </p:txBody>
             </p:sp>
           </mc:Choice>
-          <mc:Fallback>
+          <mc:Fallback xmlns="">
             <p:sp>
               <p:nvSpPr>
                 <p:cNvPr id="11" name="ZoneTexte 10">
@@ -20334,8 +20339,8 @@
           </mc:Fallback>
         </mc:AlternateContent>
       </p:grpSp>
-      <mc:AlternateContent xmlns:mc="http://schemas.openxmlformats.org/markup-compatibility/2006">
-        <mc:Choice xmlns:a14="http://schemas.microsoft.com/office/drawing/2010/main" Requires="a14">
+      <mc:AlternateContent xmlns:mc="http://schemas.openxmlformats.org/markup-compatibility/2006" xmlns:a14="http://schemas.microsoft.com/office/drawing/2010/main">
+        <mc:Choice Requires="a14">
           <p:sp>
             <p:nvSpPr>
               <p:cNvPr id="13" name="ZoneTexte 12">
@@ -20364,6 +20369,7 @@
               </a:bodyPr>
               <a:lstStyle/>
               <a:p>
+                <a:pPr/>
                 <a14:m>
                   <m:oMathPara xmlns:m="http://schemas.openxmlformats.org/officeDocument/2006/math">
                     <m:oMathParaPr>
@@ -20384,7 +20390,7 @@
             </p:txBody>
           </p:sp>
         </mc:Choice>
-        <mc:Fallback>
+        <mc:Fallback xmlns="">
           <p:sp>
             <p:nvSpPr>
               <p:cNvPr id="13" name="ZoneTexte 12">
@@ -20492,8 +20498,8 @@
             </a:fontRef>
           </p:style>
         </p:cxnSp>
-        <mc:AlternateContent xmlns:mc="http://schemas.openxmlformats.org/markup-compatibility/2006">
-          <mc:Choice xmlns:a14="http://schemas.microsoft.com/office/drawing/2010/main" Requires="a14">
+        <mc:AlternateContent xmlns:mc="http://schemas.openxmlformats.org/markup-compatibility/2006" xmlns:a14="http://schemas.microsoft.com/office/drawing/2010/main">
+          <mc:Choice Requires="a14">
             <p:sp>
               <p:nvSpPr>
                 <p:cNvPr id="18" name="ZoneTexte 17">
@@ -20522,6 +20528,7 @@
                 </a:bodyPr>
                 <a:lstStyle/>
                 <a:p>
+                  <a:pPr/>
                   <a14:m>
                     <m:oMathPara xmlns:m="http://schemas.openxmlformats.org/officeDocument/2006/math">
                       <m:oMathParaPr>
@@ -20554,7 +20561,7 @@
               </p:txBody>
             </p:sp>
           </mc:Choice>
-          <mc:Fallback>
+          <mc:Fallback xmlns="">
             <p:sp>
               <p:nvSpPr>
                 <p:cNvPr id="18" name="ZoneTexte 17">
@@ -20915,8 +20922,8 @@
             </a:fontRef>
           </p:style>
         </p:cxnSp>
-        <mc:AlternateContent xmlns:mc="http://schemas.openxmlformats.org/markup-compatibility/2006">
-          <mc:Choice xmlns:a14="http://schemas.microsoft.com/office/drawing/2010/main" Requires="a14">
+        <mc:AlternateContent xmlns:mc="http://schemas.openxmlformats.org/markup-compatibility/2006" xmlns:a14="http://schemas.microsoft.com/office/drawing/2010/main">
+          <mc:Choice Requires="a14">
             <p:sp>
               <p:nvSpPr>
                 <p:cNvPr id="32" name="ZoneTexte 31">
@@ -20945,6 +20952,7 @@
                 </a:bodyPr>
                 <a:lstStyle/>
                 <a:p>
+                  <a:pPr/>
                   <a14:m>
                     <m:oMathPara xmlns:m="http://schemas.openxmlformats.org/officeDocument/2006/math">
                       <m:oMathParaPr>
@@ -20984,7 +20992,7 @@
               </p:txBody>
             </p:sp>
           </mc:Choice>
-          <mc:Fallback>
+          <mc:Fallback xmlns="">
             <p:sp>
               <p:nvSpPr>
                 <p:cNvPr id="32" name="ZoneTexte 31">
@@ -21481,8 +21489,8 @@
           </a:p>
         </p:txBody>
       </p:sp>
-      <mc:AlternateContent xmlns:mc="http://schemas.openxmlformats.org/markup-compatibility/2006">
-        <mc:Choice xmlns:a14="http://schemas.microsoft.com/office/drawing/2010/main" Requires="a14">
+      <mc:AlternateContent xmlns:mc="http://schemas.openxmlformats.org/markup-compatibility/2006" xmlns:a14="http://schemas.microsoft.com/office/drawing/2010/main">
+        <mc:Choice Requires="a14">
           <p:sp>
             <p:nvSpPr>
               <p:cNvPr id="45" name="ZoneTexte 44">
@@ -21511,6 +21519,7 @@
               </a:bodyPr>
               <a:lstStyle/>
               <a:p>
+                <a:pPr/>
                 <a14:m>
                   <m:oMathPara xmlns:m="http://schemas.openxmlformats.org/officeDocument/2006/math">
                     <m:oMathParaPr>
@@ -21631,7 +21640,7 @@
             </p:txBody>
           </p:sp>
         </mc:Choice>
-        <mc:Fallback>
+        <mc:Fallback xmlns="">
           <p:sp>
             <p:nvSpPr>
               <p:cNvPr id="45" name="ZoneTexte 44">
@@ -27622,6 +27631,9 @@
           <a:prstGeom prst="rect">
             <a:avLst/>
           </a:prstGeom>
+          <a:solidFill>
+            <a:srgbClr val="181818"/>
+          </a:solidFill>
         </p:spPr>
         <p:style>
           <a:lnRef idx="2">
@@ -27668,6 +27680,9 @@
           <a:prstGeom prst="rect">
             <a:avLst/>
           </a:prstGeom>
+          <a:solidFill>
+            <a:srgbClr val="181818"/>
+          </a:solidFill>
         </p:spPr>
         <p:style>
           <a:lnRef idx="2">
@@ -27715,7 +27730,7 @@
             <a:avLst/>
           </a:prstGeom>
           <a:solidFill>
-            <a:schemeClr val="tx1"/>
+            <a:srgbClr val="181818"/>
           </a:solidFill>
         </p:spPr>
         <p:txBody>
@@ -27759,7 +27774,7 @@
             <a:avLst/>
           </a:prstGeom>
           <a:solidFill>
-            <a:schemeClr val="tx1"/>
+            <a:srgbClr val="181818"/>
           </a:solidFill>
         </p:spPr>
         <p:txBody>
@@ -28015,6 +28030,9 @@
           <a:prstGeom prst="rect">
             <a:avLst/>
           </a:prstGeom>
+          <a:solidFill>
+            <a:srgbClr val="181818"/>
+          </a:solidFill>
         </p:spPr>
         <p:style>
           <a:lnRef idx="2">
@@ -28914,7 +28932,7 @@
         <p:spPr/>
         <p:txBody>
           <a:bodyPr>
-            <a:normAutofit/>
+            <a:normAutofit fontScale="77500" lnSpcReduction="20000"/>
           </a:bodyPr>
           <a:lstStyle/>
           <a:p>
@@ -28989,6 +29007,113 @@
               <a:t>X_train</a:t>
             </a:r>
             <a:endParaRPr lang="fr-FR" dirty="0"/>
+          </a:p>
+          <a:p>
+            <a:endParaRPr lang="fr-FR" dirty="0"/>
+          </a:p>
+          <a:p>
+            <a:r>
+              <a:rPr lang="fr-FR" dirty="0" err="1">
+                <a:latin typeface="Courier New" panose="02070309020205020404" pitchFamily="49" charset="0"/>
+                <a:cs typeface="Courier New" panose="02070309020205020404" pitchFamily="49" charset="0"/>
+              </a:rPr>
+              <a:t>random_state</a:t>
+            </a:r>
+            <a:r>
+              <a:rPr lang="fr-FR" dirty="0">
+                <a:latin typeface="Courier New" panose="02070309020205020404" pitchFamily="49" charset="0"/>
+                <a:cs typeface="Courier New" panose="02070309020205020404" pitchFamily="49" charset="0"/>
+              </a:rPr>
+              <a:t>=0</a:t>
+            </a:r>
+            <a:r>
+              <a:rPr lang="fr-FR" dirty="0"/>
+              <a:t> </a:t>
+            </a:r>
+          </a:p>
+          <a:p>
+            <a:pPr lvl="1"/>
+            <a:r>
+              <a:rPr lang="fr-FR" dirty="0"/>
+              <a:t>voir </a:t>
+            </a:r>
+            <a:r>
+              <a:rPr lang="fr-FR" dirty="0" err="1"/>
+              <a:t>train_test_split</a:t>
+            </a:r>
+            <a:r>
+              <a:rPr lang="fr-FR" dirty="0"/>
+              <a:t> par ex.</a:t>
+            </a:r>
+          </a:p>
+          <a:p>
+            <a:pPr lvl="1"/>
+            <a:r>
+              <a:rPr lang="fr-FR" dirty="0"/>
+              <a:t>S'assure qu'on aura toujours les mêmes nombres aléatoires générés dans le même ordre.</a:t>
+            </a:r>
+          </a:p>
+          <a:p>
+            <a:pPr lvl="1"/>
+            <a:r>
+              <a:rPr lang="fr-FR" dirty="0"/>
+              <a:t>Permet de comparer les résultats d'un run avec un autre</a:t>
+            </a:r>
+          </a:p>
+          <a:p>
+            <a:endParaRPr lang="fr-FR" dirty="0">
+              <a:latin typeface="Courier New" panose="02070309020205020404" pitchFamily="49" charset="0"/>
+              <a:cs typeface="Courier New" panose="02070309020205020404" pitchFamily="49" charset="0"/>
+            </a:endParaRPr>
+          </a:p>
+          <a:p>
+            <a:r>
+              <a:rPr lang="fr-FR" dirty="0" err="1">
+                <a:latin typeface="Courier New" panose="02070309020205020404" pitchFamily="49" charset="0"/>
+                <a:cs typeface="Courier New" panose="02070309020205020404" pitchFamily="49" charset="0"/>
+              </a:rPr>
+              <a:t>stratify</a:t>
+            </a:r>
+            <a:r>
+              <a:rPr lang="fr-FR" dirty="0">
+                <a:latin typeface="Courier New" panose="02070309020205020404" pitchFamily="49" charset="0"/>
+                <a:cs typeface="Courier New" panose="02070309020205020404" pitchFamily="49" charset="0"/>
+              </a:rPr>
+              <a:t> = y </a:t>
+            </a:r>
+          </a:p>
+          <a:p>
+            <a:pPr lvl="1"/>
+            <a:r>
+              <a:rPr lang="fr-FR" dirty="0"/>
+              <a:t>voir </a:t>
+            </a:r>
+            <a:r>
+              <a:rPr lang="fr-FR" dirty="0" err="1"/>
+              <a:t>train_test_split</a:t>
+            </a:r>
+            <a:r>
+              <a:rPr lang="fr-FR" dirty="0"/>
+              <a:t> par ex.</a:t>
+            </a:r>
+          </a:p>
+          <a:p>
+            <a:pPr lvl="1"/>
+            <a:r>
+              <a:rPr lang="fr-FR" dirty="0"/>
+              <a:t>On veut retrouver dans train et test les mêmes proportions de </a:t>
+            </a:r>
+            <a:r>
+              <a:rPr lang="fr-FR" dirty="0">
+                <a:latin typeface="Courier New" panose="02070309020205020404" pitchFamily="49" charset="0"/>
+                <a:cs typeface="Courier New" panose="02070309020205020404" pitchFamily="49" charset="0"/>
+              </a:rPr>
+              <a:t>y</a:t>
+            </a:r>
+            <a:r>
+              <a:rPr lang="fr-FR" dirty="0"/>
+              <a:t> que dans l'ensemble de départ</a:t>
+            </a:r>
           </a:p>
         </p:txBody>
       </p:sp>

--- a/00_notes_de_stage.pptx
+++ b/00_notes_de_stage.pptx
@@ -52,8 +52,8 @@
     <p:sldId id="310" r:id="rId43"/>
     <p:sldId id="315" r:id="rId44"/>
     <p:sldId id="316" r:id="rId45"/>
-    <p:sldId id="314" r:id="rId46"/>
-    <p:sldId id="272" r:id="rId47"/>
+    <p:sldId id="272" r:id="rId46"/>
+    <p:sldId id="314" r:id="rId47"/>
     <p:sldId id="268" r:id="rId48"/>
     <p:sldId id="277" r:id="rId49"/>
     <p:sldId id="282" r:id="rId50"/>
@@ -177,7 +177,7 @@
 <file path=ppt/revisionInfo.xml><?xml version="1.0" encoding="utf-8"?>
 <p1510:revInfo xmlns:a="http://schemas.openxmlformats.org/drawingml/2006/main" xmlns:r="http://schemas.openxmlformats.org/officeDocument/2006/relationships" xmlns:p1510="http://schemas.microsoft.com/office/powerpoint/2015/10/main">
   <p1510:revLst>
-    <p1510:client id="{01E73667-2BEF-4007-AD34-DC26F6381063}" v="840" dt="2024-01-15T10:41:52.080"/>
+    <p1510:client id="{01E73667-2BEF-4007-AD34-DC26F6381063}" v="1063" dt="2024-01-16T10:04:51.904"/>
   </p1510:revLst>
 </p1510:revInfo>
 </file>
@@ -211,7 +211,7 @@
   <pc:docChgLst>
     <pc:chgData name="Philippe Baucour" userId="5102170ae7533958" providerId="LiveId" clId="{01E73667-2BEF-4007-AD34-DC26F6381063}"/>
     <pc:docChg chg="undo custSel addSld delSld modSld sldOrd">
-      <pc:chgData name="Philippe Baucour" userId="5102170ae7533958" providerId="LiveId" clId="{01E73667-2BEF-4007-AD34-DC26F6381063}" dt="2024-01-15T15:36:45.423" v="25021" actId="207"/>
+      <pc:chgData name="Philippe Baucour" userId="5102170ae7533958" providerId="LiveId" clId="{01E73667-2BEF-4007-AD34-DC26F6381063}" dt="2024-01-16T10:06:44.402" v="25692" actId="6549"/>
       <pc:docMkLst>
         <pc:docMk/>
       </pc:docMkLst>
@@ -1365,7 +1365,7 @@
         </pc:picChg>
       </pc:sldChg>
       <pc:sldChg chg="addSp modSp new mod ord modNotesTx">
-        <pc:chgData name="Philippe Baucour" userId="5102170ae7533958" providerId="LiveId" clId="{01E73667-2BEF-4007-AD34-DC26F6381063}" dt="2024-01-15T10:59:15.720" v="24684" actId="20577"/>
+        <pc:chgData name="Philippe Baucour" userId="5102170ae7533958" providerId="LiveId" clId="{01E73667-2BEF-4007-AD34-DC26F6381063}" dt="2024-01-16T09:02:11.892" v="25038"/>
         <pc:sldMkLst>
           <pc:docMk/>
           <pc:sldMk cId="4183092790" sldId="272"/>
@@ -1933,7 +1933,7 @@
         </pc:spChg>
       </pc:sldChg>
       <pc:sldChg chg="addSp delSp modSp new mod modAnim modNotesTx">
-        <pc:chgData name="Philippe Baucour" userId="5102170ae7533958" providerId="LiveId" clId="{01E73667-2BEF-4007-AD34-DC26F6381063}" dt="2024-01-14T16:19:17.427" v="22243" actId="20577"/>
+        <pc:chgData name="Philippe Baucour" userId="5102170ae7533958" providerId="LiveId" clId="{01E73667-2BEF-4007-AD34-DC26F6381063}" dt="2024-01-16T09:57:40.838" v="25659"/>
         <pc:sldMkLst>
           <pc:docMk/>
           <pc:sldMk cId="4079956193" sldId="286"/>
@@ -1947,7 +1947,7 @@
           </ac:spMkLst>
         </pc:spChg>
         <pc:spChg chg="mod">
-          <ac:chgData name="Philippe Baucour" userId="5102170ae7533958" providerId="LiveId" clId="{01E73667-2BEF-4007-AD34-DC26F6381063}" dt="2024-01-14T16:19:17.427" v="22243" actId="20577"/>
+          <ac:chgData name="Philippe Baucour" userId="5102170ae7533958" providerId="LiveId" clId="{01E73667-2BEF-4007-AD34-DC26F6381063}" dt="2024-01-16T09:22:08.624" v="25283" actId="20577"/>
           <ac:spMkLst>
             <pc:docMk/>
             <pc:sldMk cId="4079956193" sldId="286"/>
@@ -2035,7 +2035,7 @@
           </ac:spMkLst>
         </pc:spChg>
         <pc:spChg chg="add mod">
-          <ac:chgData name="Philippe Baucour" userId="5102170ae7533958" providerId="LiveId" clId="{01E73667-2BEF-4007-AD34-DC26F6381063}" dt="2023-12-15T15:14:52.997" v="13136" actId="6549"/>
+          <ac:chgData name="Philippe Baucour" userId="5102170ae7533958" providerId="LiveId" clId="{01E73667-2BEF-4007-AD34-DC26F6381063}" dt="2024-01-16T09:21:36.990" v="25281" actId="20577"/>
           <ac:spMkLst>
             <pc:docMk/>
             <pc:sldMk cId="4079956193" sldId="286"/>
@@ -2059,7 +2059,7 @@
           </ac:spMkLst>
         </pc:spChg>
         <pc:spChg chg="add mod">
-          <ac:chgData name="Philippe Baucour" userId="5102170ae7533958" providerId="LiveId" clId="{01E73667-2BEF-4007-AD34-DC26F6381063}" dt="2024-01-14T16:14:06.266" v="22224" actId="1038"/>
+          <ac:chgData name="Philippe Baucour" userId="5102170ae7533958" providerId="LiveId" clId="{01E73667-2BEF-4007-AD34-DC26F6381063}" dt="2024-01-16T09:04:41.044" v="25064" actId="20577"/>
           <ac:spMkLst>
             <pc:docMk/>
             <pc:sldMk cId="4079956193" sldId="286"/>
@@ -2074,6 +2074,14 @@
             <ac:spMk id="14" creationId="{543AA405-4F75-E3D6-6708-ED069BCB2535}"/>
           </ac:spMkLst>
         </pc:spChg>
+        <pc:spChg chg="add del mod">
+          <ac:chgData name="Philippe Baucour" userId="5102170ae7533958" providerId="LiveId" clId="{01E73667-2BEF-4007-AD34-DC26F6381063}" dt="2024-01-16T09:05:44.226" v="25069" actId="478"/>
+          <ac:spMkLst>
+            <pc:docMk/>
+            <pc:sldMk cId="4079956193" sldId="286"/>
+            <ac:spMk id="15" creationId="{D35CBA88-18A1-E84F-ED45-167146F9EBF8}"/>
+          </ac:spMkLst>
+        </pc:spChg>
         <pc:picChg chg="add mod ord modCrop">
           <ac:chgData name="Philippe Baucour" userId="5102170ae7533958" providerId="LiveId" clId="{01E73667-2BEF-4007-AD34-DC26F6381063}" dt="2023-12-13T22:37:46.938" v="7264" actId="1037"/>
           <ac:picMkLst>
@@ -2083,36 +2091,116 @@
           </ac:picMkLst>
         </pc:picChg>
       </pc:sldChg>
-      <pc:sldChg chg="addSp modSp new mod">
-        <pc:chgData name="Philippe Baucour" userId="5102170ae7533958" providerId="LiveId" clId="{01E73667-2BEF-4007-AD34-DC26F6381063}" dt="2024-01-14T16:18:53.019" v="22240" actId="1076"/>
+      <pc:sldChg chg="addSp delSp modSp new mod modAnim modNotesTx">
+        <pc:chgData name="Philippe Baucour" userId="5102170ae7533958" providerId="LiveId" clId="{01E73667-2BEF-4007-AD34-DC26F6381063}" dt="2024-01-16T10:06:44.402" v="25692" actId="6549"/>
         <pc:sldMkLst>
           <pc:docMk/>
           <pc:sldMk cId="2203231843" sldId="287"/>
         </pc:sldMkLst>
         <pc:spChg chg="mod">
-          <ac:chgData name="Philippe Baucour" userId="5102170ae7533958" providerId="LiveId" clId="{01E73667-2BEF-4007-AD34-DC26F6381063}" dt="2023-12-13T10:56:14.403" v="6913" actId="20577"/>
+          <ac:chgData name="Philippe Baucour" userId="5102170ae7533958" providerId="LiveId" clId="{01E73667-2BEF-4007-AD34-DC26F6381063}" dt="2024-01-16T09:49:04.722" v="25585" actId="20577"/>
+          <ac:spMkLst>
+            <pc:docMk/>
+            <pc:sldMk cId="2203231843" sldId="287"/>
+            <ac:spMk id="2" creationId="{77EAEFC5-77FE-9822-72C3-62FB2337FE34}"/>
+          </ac:spMkLst>
+        </pc:spChg>
+        <pc:spChg chg="mod">
+          <ac:chgData name="Philippe Baucour" userId="5102170ae7533958" providerId="LiveId" clId="{01E73667-2BEF-4007-AD34-DC26F6381063}" dt="2024-01-16T10:03:41.648" v="25677" actId="20577"/>
           <ac:spMkLst>
             <pc:docMk/>
             <pc:sldMk cId="2203231843" sldId="287"/>
             <ac:spMk id="3" creationId="{F27994BF-B3DE-D405-1556-56C36862DB7A}"/>
           </ac:spMkLst>
         </pc:spChg>
-        <pc:spChg chg="add mod">
-          <ac:chgData name="Philippe Baucour" userId="5102170ae7533958" providerId="LiveId" clId="{01E73667-2BEF-4007-AD34-DC26F6381063}" dt="2024-01-14T16:18:53.019" v="22240" actId="1076"/>
+        <pc:spChg chg="add del mod">
+          <ac:chgData name="Philippe Baucour" userId="5102170ae7533958" providerId="LiveId" clId="{01E73667-2BEF-4007-AD34-DC26F6381063}" dt="2024-01-16T09:52:19.302" v="25625" actId="478"/>
           <ac:spMkLst>
             <pc:docMk/>
             <pc:sldMk cId="2203231843" sldId="287"/>
             <ac:spMk id="4" creationId="{BC769971-6696-B68B-7A7E-C22BD1307536}"/>
           </ac:spMkLst>
         </pc:spChg>
-        <pc:spChg chg="add mod">
-          <ac:chgData name="Philippe Baucour" userId="5102170ae7533958" providerId="LiveId" clId="{01E73667-2BEF-4007-AD34-DC26F6381063}" dt="2024-01-14T16:18:47.520" v="22239" actId="1076"/>
+        <pc:spChg chg="add del mod">
+          <ac:chgData name="Philippe Baucour" userId="5102170ae7533958" providerId="LiveId" clId="{01E73667-2BEF-4007-AD34-DC26F6381063}" dt="2024-01-16T09:52:22.088" v="25626" actId="478"/>
           <ac:spMkLst>
             <pc:docMk/>
             <pc:sldMk cId="2203231843" sldId="287"/>
             <ac:spMk id="5" creationId="{6722959C-02DD-0821-1CC0-81C189230146}"/>
           </ac:spMkLst>
         </pc:spChg>
+        <pc:spChg chg="add mod">
+          <ac:chgData name="Philippe Baucour" userId="5102170ae7533958" providerId="LiveId" clId="{01E73667-2BEF-4007-AD34-DC26F6381063}" dt="2024-01-16T09:47:58.227" v="25571"/>
+          <ac:spMkLst>
+            <pc:docMk/>
+            <pc:sldMk cId="2203231843" sldId="287"/>
+            <ac:spMk id="7" creationId="{903BB74F-E6CB-B1E7-21B5-F9FC5A4F9262}"/>
+          </ac:spMkLst>
+        </pc:spChg>
+        <pc:spChg chg="add mod">
+          <ac:chgData name="Philippe Baucour" userId="5102170ae7533958" providerId="LiveId" clId="{01E73667-2BEF-4007-AD34-DC26F6381063}" dt="2024-01-16T09:47:58.227" v="25571"/>
+          <ac:spMkLst>
+            <pc:docMk/>
+            <pc:sldMk cId="2203231843" sldId="287"/>
+            <ac:spMk id="8" creationId="{B151808F-66C2-A29F-B517-2E77CB35EA0D}"/>
+          </ac:spMkLst>
+        </pc:spChg>
+        <pc:spChg chg="add mod">
+          <ac:chgData name="Philippe Baucour" userId="5102170ae7533958" providerId="LiveId" clId="{01E73667-2BEF-4007-AD34-DC26F6381063}" dt="2024-01-16T09:47:58.227" v="25571"/>
+          <ac:spMkLst>
+            <pc:docMk/>
+            <pc:sldMk cId="2203231843" sldId="287"/>
+            <ac:spMk id="9" creationId="{2A182E55-D27E-DCE7-C0D2-AD7A05844F32}"/>
+          </ac:spMkLst>
+        </pc:spChg>
+        <pc:spChg chg="add mod">
+          <ac:chgData name="Philippe Baucour" userId="5102170ae7533958" providerId="LiveId" clId="{01E73667-2BEF-4007-AD34-DC26F6381063}" dt="2024-01-16T09:47:58.227" v="25571"/>
+          <ac:spMkLst>
+            <pc:docMk/>
+            <pc:sldMk cId="2203231843" sldId="287"/>
+            <ac:spMk id="10" creationId="{94C51D79-EF7C-AB50-23B8-8D20A261FECE}"/>
+          </ac:spMkLst>
+        </pc:spChg>
+        <pc:spChg chg="add mod">
+          <ac:chgData name="Philippe Baucour" userId="5102170ae7533958" providerId="LiveId" clId="{01E73667-2BEF-4007-AD34-DC26F6381063}" dt="2024-01-16T09:47:58.227" v="25571"/>
+          <ac:spMkLst>
+            <pc:docMk/>
+            <pc:sldMk cId="2203231843" sldId="287"/>
+            <ac:spMk id="11" creationId="{34E0538E-23B4-71CE-3C2D-9817412EE88A}"/>
+          </ac:spMkLst>
+        </pc:spChg>
+        <pc:spChg chg="add mod">
+          <ac:chgData name="Philippe Baucour" userId="5102170ae7533958" providerId="LiveId" clId="{01E73667-2BEF-4007-AD34-DC26F6381063}" dt="2024-01-16T09:47:58.227" v="25571"/>
+          <ac:spMkLst>
+            <pc:docMk/>
+            <pc:sldMk cId="2203231843" sldId="287"/>
+            <ac:spMk id="12" creationId="{2B2780A1-6B03-466D-6689-6AACCC9C683D}"/>
+          </ac:spMkLst>
+        </pc:spChg>
+        <pc:spChg chg="add mod">
+          <ac:chgData name="Philippe Baucour" userId="5102170ae7533958" providerId="LiveId" clId="{01E73667-2BEF-4007-AD34-DC26F6381063}" dt="2024-01-16T09:47:58.227" v="25571"/>
+          <ac:spMkLst>
+            <pc:docMk/>
+            <pc:sldMk cId="2203231843" sldId="287"/>
+            <ac:spMk id="13" creationId="{75A7DDCB-B46A-C143-0CBA-80767CE342F5}"/>
+          </ac:spMkLst>
+        </pc:spChg>
+        <pc:spChg chg="add mod">
+          <ac:chgData name="Philippe Baucour" userId="5102170ae7533958" providerId="LiveId" clId="{01E73667-2BEF-4007-AD34-DC26F6381063}" dt="2024-01-16T09:47:58.227" v="25571"/>
+          <ac:spMkLst>
+            <pc:docMk/>
+            <pc:sldMk cId="2203231843" sldId="287"/>
+            <ac:spMk id="14" creationId="{9866827D-2133-07C8-A144-3F2EC112ED77}"/>
+          </ac:spMkLst>
+        </pc:spChg>
+        <pc:picChg chg="add mod">
+          <ac:chgData name="Philippe Baucour" userId="5102170ae7533958" providerId="LiveId" clId="{01E73667-2BEF-4007-AD34-DC26F6381063}" dt="2024-01-16T09:47:58.227" v="25571"/>
+          <ac:picMkLst>
+            <pc:docMk/>
+            <pc:sldMk cId="2203231843" sldId="287"/>
+            <ac:picMk id="6" creationId="{16232193-5BE7-0ACA-60D2-87BC5AE0EB8A}"/>
+          </ac:picMkLst>
+        </pc:picChg>
       </pc:sldChg>
       <pc:sldChg chg="modSp add mod">
         <pc:chgData name="Philippe Baucour" userId="5102170ae7533958" providerId="LiveId" clId="{01E73667-2BEF-4007-AD34-DC26F6381063}" dt="2023-12-13T22:55:41.826" v="7410" actId="20577"/>
@@ -3439,13 +3527,13 @@
         </pc:cxnChg>
       </pc:sldChg>
       <pc:sldChg chg="delSp modSp add mod ord">
-        <pc:chgData name="Philippe Baucour" userId="5102170ae7533958" providerId="LiveId" clId="{01E73667-2BEF-4007-AD34-DC26F6381063}" dt="2024-01-15T14:25:39.933" v="25014" actId="20577"/>
+        <pc:chgData name="Philippe Baucour" userId="5102170ae7533958" providerId="LiveId" clId="{01E73667-2BEF-4007-AD34-DC26F6381063}" dt="2024-01-16T09:01:36.922" v="25036" actId="20577"/>
         <pc:sldMkLst>
           <pc:docMk/>
           <pc:sldMk cId="1176226442" sldId="314"/>
         </pc:sldMkLst>
         <pc:spChg chg="mod">
-          <ac:chgData name="Philippe Baucour" userId="5102170ae7533958" providerId="LiveId" clId="{01E73667-2BEF-4007-AD34-DC26F6381063}" dt="2024-01-15T14:25:39.933" v="25014" actId="20577"/>
+          <ac:chgData name="Philippe Baucour" userId="5102170ae7533958" providerId="LiveId" clId="{01E73667-2BEF-4007-AD34-DC26F6381063}" dt="2024-01-16T09:01:36.922" v="25036" actId="20577"/>
           <ac:spMkLst>
             <pc:docMk/>
             <pc:sldMk cId="1176226442" sldId="314"/>
@@ -3713,7 +3801,7 @@
           <a:p>
             <a:fld id="{4471ECC3-BD70-4F1E-B981-43613CDB8BB8}" type="datetimeFigureOut">
               <a:rPr lang="fr-FR" smtClean="0"/>
-              <a:t>15/01/2024</a:t>
+              <a:t>16/01/2024</a:t>
             </a:fld>
             <a:endParaRPr lang="fr-FR"/>
           </a:p>
@@ -4117,6 +4205,96 @@
 </p:notes>
 </file>
 
+<file path=ppt/notesSlides/notesSlide10.xml><?xml version="1.0" encoding="utf-8"?>
+<p:notes xmlns:a="http://schemas.openxmlformats.org/drawingml/2006/main" xmlns:r="http://schemas.openxmlformats.org/officeDocument/2006/relationships" xmlns:p="http://schemas.openxmlformats.org/presentationml/2006/main">
+  <p:cSld>
+    <p:spTree>
+      <p:nvGrpSpPr>
+        <p:cNvPr id="1" name=""/>
+        <p:cNvGrpSpPr/>
+        <p:nvPr/>
+      </p:nvGrpSpPr>
+      <p:grpSpPr>
+        <a:xfrm>
+          <a:off x="0" y="0"/>
+          <a:ext cx="0" cy="0"/>
+          <a:chOff x="0" y="0"/>
+          <a:chExt cx="0" cy="0"/>
+        </a:xfrm>
+      </p:grpSpPr>
+      <p:sp>
+        <p:nvSpPr>
+          <p:cNvPr id="2" name="Espace réservé de l'image des diapositives 1"/>
+          <p:cNvSpPr>
+            <a:spLocks noGrp="1" noRot="1" noChangeAspect="1"/>
+          </p:cNvSpPr>
+          <p:nvPr>
+            <p:ph type="sldImg"/>
+          </p:nvPr>
+        </p:nvSpPr>
+        <p:spPr/>
+      </p:sp>
+      <p:sp>
+        <p:nvSpPr>
+          <p:cNvPr id="3" name="Espace réservé des notes 2"/>
+          <p:cNvSpPr>
+            <a:spLocks noGrp="1"/>
+          </p:cNvSpPr>
+          <p:nvPr>
+            <p:ph type="body" idx="1"/>
+          </p:nvPr>
+        </p:nvSpPr>
+        <p:spPr/>
+        <p:txBody>
+          <a:bodyPr/>
+          <a:lstStyle/>
+          <a:p>
+            <a:r>
+              <a:rPr lang="fr-FR" dirty="0"/>
+              <a:t>Open Gambit : https://www.oreilly.com/library/view/presentation-skills-that/9780133443035/book3_ch05s02.html</a:t>
+            </a:r>
+          </a:p>
+          <a:p>
+            <a:endParaRPr lang="fr-FR" dirty="0"/>
+          </a:p>
+        </p:txBody>
+      </p:sp>
+      <p:sp>
+        <p:nvSpPr>
+          <p:cNvPr id="4" name="Espace réservé du numéro de diapositive 3"/>
+          <p:cNvSpPr>
+            <a:spLocks noGrp="1"/>
+          </p:cNvSpPr>
+          <p:nvPr>
+            <p:ph type="sldNum" sz="quarter" idx="5"/>
+          </p:nvPr>
+        </p:nvSpPr>
+        <p:spPr/>
+        <p:txBody>
+          <a:bodyPr/>
+          <a:lstStyle/>
+          <a:p>
+            <a:fld id="{CA52ACDA-CAD7-4952-B2DF-2528E011DCB5}" type="slidenum">
+              <a:rPr lang="fr-FR" smtClean="0"/>
+              <a:t>59</a:t>
+            </a:fld>
+            <a:endParaRPr lang="fr-FR"/>
+          </a:p>
+        </p:txBody>
+      </p:sp>
+    </p:spTree>
+    <p:extLst>
+      <p:ext uri="{BB962C8B-B14F-4D97-AF65-F5344CB8AC3E}">
+        <p14:creationId xmlns:p14="http://schemas.microsoft.com/office/powerpoint/2010/main" val="2069620183"/>
+      </p:ext>
+    </p:extLst>
+  </p:cSld>
+  <p:clrMapOvr>
+    <a:masterClrMapping/>
+  </p:clrMapOvr>
+</p:notes>
+</file>
+
 <file path=ppt/notesSlides/notesSlide2.xml><?xml version="1.0" encoding="utf-8"?>
 <p:notes xmlns:a="http://schemas.openxmlformats.org/drawingml/2006/main" xmlns:r="http://schemas.openxmlformats.org/officeDocument/2006/relationships" xmlns:p="http://schemas.openxmlformats.org/presentationml/2006/main">
   <p:cSld>
@@ -5671,7 +5849,7 @@
           <a:p>
             <a:fld id="{CA52ACDA-CAD7-4952-B2DF-2528E011DCB5}" type="slidenum">
               <a:rPr lang="fr-FR" smtClean="0"/>
-              <a:t>46</a:t>
+              <a:t>45</a:t>
             </a:fld>
             <a:endParaRPr lang="fr-FR"/>
           </a:p>
@@ -5734,149 +5912,6 @@
           <a:bodyPr/>
           <a:lstStyle/>
           <a:p>
-            <a:r>
-              <a:rPr lang="fr-FR" dirty="0"/>
-              <a:t>Pour le cancer (=1)</a:t>
-            </a:r>
-          </a:p>
-          <a:p>
-            <a:r>
-              <a:rPr lang="fr-FR" dirty="0"/>
-              <a:t>On se place en TP</a:t>
-            </a:r>
-          </a:p>
-          <a:p>
-            <a:r>
-              <a:rPr lang="fr-FR" dirty="0"/>
-              <a:t>On veut un FP faible ?  On observe pas de cancer (=0) alors qu'on a prédit cancer ? Je sais pas   </a:t>
-            </a:r>
-          </a:p>
-          <a:p>
-            <a:r>
-              <a:rPr lang="fr-FR" dirty="0"/>
-              <a:t>On veut un FN faible ? On observe un cancer (=1)        alors qu'on a prédit pas de cancer ? Non ! =&gt; FN=0 =&gt; </a:t>
-            </a:r>
-            <a:r>
-              <a:rPr lang="fr-FR" dirty="0" err="1"/>
-              <a:t>Recall</a:t>
-            </a:r>
-            <a:r>
-              <a:rPr lang="fr-FR" dirty="0"/>
-              <a:t> = 1</a:t>
-            </a:r>
-          </a:p>
-          <a:p>
-            <a:endParaRPr lang="fr-FR" dirty="0"/>
-          </a:p>
-          <a:p>
-            <a:r>
-              <a:rPr lang="fr-FR" dirty="0"/>
-              <a:t>Carte bancaire identifiée comme fausse (=1)</a:t>
-            </a:r>
-          </a:p>
-          <a:p>
-            <a:r>
-              <a:rPr lang="fr-FR" dirty="0"/>
-              <a:t>On se place en TP </a:t>
-            </a:r>
-          </a:p>
-          <a:p>
-            <a:r>
-              <a:rPr lang="fr-FR" dirty="0"/>
-              <a:t>On veut un FN faible? Carte identifiée fausse alors qu'elle est vraie ? Je ne sais pas</a:t>
-            </a:r>
-          </a:p>
-          <a:p>
-            <a:r>
-              <a:rPr lang="fr-FR" dirty="0"/>
-              <a:t>On veut un FP faible? Carte identifiée vraie alors qu'elle est observée comme fausse ? Non ! =&gt; FP=0 =&gt; </a:t>
-            </a:r>
-            <a:r>
-              <a:rPr lang="fr-FR" dirty="0" err="1"/>
-              <a:t>Precision</a:t>
-            </a:r>
-            <a:r>
-              <a:rPr lang="fr-FR" dirty="0"/>
-              <a:t> =1</a:t>
-            </a:r>
-          </a:p>
-          <a:p>
-            <a:endParaRPr lang="fr-FR" dirty="0"/>
-          </a:p>
-          <a:p>
-            <a:r>
-              <a:rPr lang="fr-FR" dirty="0"/>
-              <a:t>Mails identifiés comme SPAM (=1)</a:t>
-            </a:r>
-          </a:p>
-          <a:p>
-            <a:r>
-              <a:rPr lang="fr-FR" dirty="0"/>
-              <a:t>On se place en TP</a:t>
-            </a:r>
-          </a:p>
-          <a:p>
-            <a:r>
-              <a:rPr lang="fr-FR" dirty="0"/>
-              <a:t>On veut un FN faible ? Mail observé comme SPAM alors qu'on l'a prédit comme BON ? Je sais pas</a:t>
-            </a:r>
-          </a:p>
-          <a:p>
-            <a:r>
-              <a:rPr lang="fr-FR" dirty="0"/>
-              <a:t>On veut un FP faible ? Mail observé comme BON alors qu'on l'a prédit comme SPAM ? Non ! =&gt; FP=0 =&gt; </a:t>
-            </a:r>
-            <a:r>
-              <a:rPr lang="fr-FR" dirty="0" err="1"/>
-              <a:t>Precision</a:t>
-            </a:r>
-            <a:r>
-              <a:rPr lang="fr-FR" dirty="0"/>
-              <a:t> = 1 </a:t>
-            </a:r>
-          </a:p>
-          <a:p>
-            <a:endParaRPr lang="fr-FR" dirty="0"/>
-          </a:p>
-          <a:p>
-            <a:r>
-              <a:rPr lang="fr-FR" dirty="0"/>
-              <a:t>Mails identifiés comme BON (=1)</a:t>
-            </a:r>
-          </a:p>
-          <a:p>
-            <a:r>
-              <a:rPr lang="fr-FR" dirty="0"/>
-              <a:t>On se place en TP</a:t>
-            </a:r>
-          </a:p>
-          <a:p>
-            <a:r>
-              <a:rPr lang="fr-FR" dirty="0"/>
-              <a:t>On veut un FP faible ?  Mail observé comme SPAM alors qu'on l'a prédit comme BON ?  Je sais pas   </a:t>
-            </a:r>
-          </a:p>
-          <a:p>
-            <a:r>
-              <a:rPr lang="fr-FR" dirty="0"/>
-              <a:t>On veut un FN faible ? Mail observé BON                alors qu'on l'a prédit comme SPAM ? Non ! =&gt; FN=0 =&gt; </a:t>
-            </a:r>
-            <a:r>
-              <a:rPr lang="fr-FR" dirty="0" err="1"/>
-              <a:t>Recall</a:t>
-            </a:r>
-            <a:r>
-              <a:rPr lang="fr-FR" dirty="0"/>
-              <a:t> = 1</a:t>
-            </a:r>
-          </a:p>
-          <a:p>
-            <a:endParaRPr lang="fr-FR" dirty="0"/>
-          </a:p>
-          <a:p>
-            <a:endParaRPr lang="fr-FR" dirty="0"/>
-          </a:p>
-          <a:p>
             <a:endParaRPr lang="fr-FR" dirty="0"/>
           </a:p>
         </p:txBody>
@@ -5962,9 +5997,234 @@
           <a:lstStyle/>
           <a:p>
             <a:r>
+              <a:rPr lang="en-US" b="1" i="1" dirty="0">
+                <a:solidFill>
+                  <a:srgbClr val="292929"/>
+                </a:solidFill>
+                <a:effectLst/>
+                <a:latin typeface="Inter"/>
+              </a:rPr>
+              <a:t>Precision</a:t>
+            </a:r>
+            <a:r>
+              <a:rPr lang="en-US" b="0" i="1" dirty="0">
+                <a:solidFill>
+                  <a:srgbClr val="292929"/>
+                </a:solidFill>
+                <a:effectLst/>
+                <a:latin typeface="Inter"/>
+              </a:rPr>
+              <a:t> is important when </a:t>
+            </a:r>
+            <a:r>
+              <a:rPr lang="en-US" b="1" i="1" dirty="0">
+                <a:solidFill>
+                  <a:srgbClr val="292929"/>
+                </a:solidFill>
+                <a:effectLst/>
+                <a:latin typeface="Inter"/>
+              </a:rPr>
+              <a:t>False Positives</a:t>
+            </a:r>
+            <a:r>
+              <a:rPr lang="en-US" b="0" i="1" dirty="0">
+                <a:solidFill>
+                  <a:srgbClr val="292929"/>
+                </a:solidFill>
+                <a:effectLst/>
+                <a:latin typeface="Inter"/>
+              </a:rPr>
+              <a:t> are costly. </a:t>
+            </a:r>
+          </a:p>
+          <a:p>
+            <a:r>
+              <a:rPr lang="en-US" b="1" i="1" dirty="0">
+                <a:solidFill>
+                  <a:srgbClr val="292929"/>
+                </a:solidFill>
+                <a:effectLst/>
+                <a:latin typeface="Inter"/>
+              </a:rPr>
+              <a:t>Recall</a:t>
+            </a:r>
+            <a:r>
+              <a:rPr lang="en-US" b="0" i="1" dirty="0">
+                <a:solidFill>
+                  <a:srgbClr val="292929"/>
+                </a:solidFill>
+                <a:effectLst/>
+                <a:latin typeface="Inter"/>
+              </a:rPr>
+              <a:t> is important in scenarios where </a:t>
+            </a:r>
+            <a:r>
+              <a:rPr lang="en-US" b="1" i="1" dirty="0">
+                <a:solidFill>
+                  <a:srgbClr val="292929"/>
+                </a:solidFill>
+                <a:effectLst/>
+                <a:latin typeface="Inter"/>
+              </a:rPr>
+              <a:t>False Negatives</a:t>
+            </a:r>
+            <a:r>
+              <a:rPr lang="en-US" b="0" i="1" dirty="0">
+                <a:solidFill>
+                  <a:srgbClr val="292929"/>
+                </a:solidFill>
+                <a:effectLst/>
+                <a:latin typeface="Inter"/>
+              </a:rPr>
+              <a:t> are costly.</a:t>
+            </a:r>
+            <a:endParaRPr lang="fr-FR" dirty="0"/>
+          </a:p>
+          <a:p>
+            <a:endParaRPr lang="fr-FR" dirty="0"/>
+          </a:p>
+          <a:p>
+            <a:r>
               <a:rPr lang="fr-FR" dirty="0"/>
-              <a:t>Open Gambit : https://www.oreilly.com/library/view/presentation-skills-that/9780133443035/book3_ch05s02.html</a:t>
-            </a:r>
+              <a:t>Carte bancaire identifiée comme fausse (=1)</a:t>
+            </a:r>
+          </a:p>
+          <a:p>
+            <a:r>
+              <a:rPr lang="fr-FR" dirty="0"/>
+              <a:t>On se place en TP </a:t>
+            </a:r>
+          </a:p>
+          <a:p>
+            <a:r>
+              <a:rPr lang="fr-FR" dirty="0"/>
+              <a:t>On peut accepter FP non nul? Carte observée vraie alors qu'on a prédit fausse ? Je ne sais pas</a:t>
+            </a:r>
+          </a:p>
+          <a:p>
+            <a:r>
+              <a:rPr lang="fr-FR" dirty="0"/>
+              <a:t>On peut accepter FN non nul? Carte observée fausse alors qu'on a prédit vraie ? Non ! =&gt; FN=0 =&gt; </a:t>
+            </a:r>
+            <a:r>
+              <a:rPr lang="fr-FR" dirty="0" err="1"/>
+              <a:t>Recall</a:t>
+            </a:r>
+            <a:r>
+              <a:rPr lang="fr-FR" dirty="0"/>
+              <a:t> =1</a:t>
+            </a:r>
+          </a:p>
+          <a:p>
+            <a:endParaRPr lang="fr-FR" dirty="0"/>
+          </a:p>
+          <a:p>
+            <a:r>
+              <a:rPr lang="fr-FR" dirty="0"/>
+              <a:t>Mails identifiés comme SPAM (=1)</a:t>
+            </a:r>
+          </a:p>
+          <a:p>
+            <a:r>
+              <a:rPr lang="fr-FR" dirty="0"/>
+              <a:t>On se place en TP</a:t>
+            </a:r>
+          </a:p>
+          <a:p>
+            <a:r>
+              <a:rPr lang="fr-FR" dirty="0"/>
+              <a:t>On peut accepter FN non nul? Mail observé comme SPAM alors qu'on l'a prédit comme BON ? Je sais pas</a:t>
+            </a:r>
+          </a:p>
+          <a:p>
+            <a:r>
+              <a:rPr lang="fr-FR" dirty="0"/>
+              <a:t>On peut accepter FP non nul ? Mail observé comme BON alors qu'on l'a prédit comme SPAM ? Non ! =&gt; FP=0 =&gt; </a:t>
+            </a:r>
+            <a:r>
+              <a:rPr lang="fr-FR" dirty="0" err="1"/>
+              <a:t>Precision</a:t>
+            </a:r>
+            <a:r>
+              <a:rPr lang="fr-FR" dirty="0"/>
+              <a:t> = 1 </a:t>
+            </a:r>
+          </a:p>
+          <a:p>
+            <a:endParaRPr lang="fr-FR" dirty="0"/>
+          </a:p>
+          <a:p>
+            <a:r>
+              <a:rPr lang="fr-FR" dirty="0"/>
+              <a:t>Pour le cancer (=1)</a:t>
+            </a:r>
+          </a:p>
+          <a:p>
+            <a:r>
+              <a:rPr lang="fr-FR" dirty="0"/>
+              <a:t>On se place en TP</a:t>
+            </a:r>
+          </a:p>
+          <a:p>
+            <a:r>
+              <a:rPr lang="fr-FR" dirty="0"/>
+              <a:t>On peut accepter FP non nul?  On n'observe pas de cancer (=0) alors qu'on a prédit cancer ? Je ne sais pas   </a:t>
+            </a:r>
+          </a:p>
+          <a:p>
+            <a:r>
+              <a:rPr lang="fr-FR" dirty="0"/>
+              <a:t>On peut accepter FN non nul? On observe un cancer (=1)        alors qu'on a prédit "pas de cancer" ? Non ! =&gt; FN=0 =&gt; </a:t>
+            </a:r>
+            <a:r>
+              <a:rPr lang="fr-FR" dirty="0" err="1"/>
+              <a:t>Recall</a:t>
+            </a:r>
+            <a:r>
+              <a:rPr lang="fr-FR" dirty="0"/>
+              <a:t> = 1</a:t>
+            </a:r>
+          </a:p>
+          <a:p>
+            <a:endParaRPr lang="fr-FR" dirty="0"/>
+          </a:p>
+          <a:p>
+            <a:r>
+              <a:rPr lang="fr-FR" dirty="0"/>
+              <a:t>Mails identifiés comme BON (=1)</a:t>
+            </a:r>
+          </a:p>
+          <a:p>
+            <a:r>
+              <a:rPr lang="fr-FR" dirty="0"/>
+              <a:t>On se place en TP</a:t>
+            </a:r>
+          </a:p>
+          <a:p>
+            <a:r>
+              <a:rPr lang="fr-FR" dirty="0"/>
+              <a:t>On peut accepter FP non nul ? Mail observé comme SPAM alors qu'on l'a prédit comme BON ?  Je sais pas   </a:t>
+            </a:r>
+          </a:p>
+          <a:p>
+            <a:r>
+              <a:rPr lang="fr-FR" dirty="0"/>
+              <a:t>On peut accepter FN non nul? Mail observé BON                alors qu'on l'a prédit comme SPAM ? Non ! =&gt; FN=0 =&gt; </a:t>
+            </a:r>
+            <a:r>
+              <a:rPr lang="fr-FR" dirty="0" err="1"/>
+              <a:t>Recall</a:t>
+            </a:r>
+            <a:r>
+              <a:rPr lang="fr-FR" dirty="0"/>
+              <a:t> = 1</a:t>
+            </a:r>
+          </a:p>
+          <a:p>
+            <a:endParaRPr lang="fr-FR" dirty="0"/>
+          </a:p>
+          <a:p>
+            <a:endParaRPr lang="fr-FR" dirty="0"/>
           </a:p>
           <a:p>
             <a:endParaRPr lang="fr-FR" dirty="0"/>
@@ -5988,7 +6248,7 @@
           <a:p>
             <a:fld id="{CA52ACDA-CAD7-4952-B2DF-2528E011DCB5}" type="slidenum">
               <a:rPr lang="fr-FR" smtClean="0"/>
-              <a:t>59</a:t>
+              <a:t>51</a:t>
             </a:fld>
             <a:endParaRPr lang="fr-FR"/>
           </a:p>
@@ -5997,7 +6257,7 @@
     </p:spTree>
     <p:extLst>
       <p:ext uri="{BB962C8B-B14F-4D97-AF65-F5344CB8AC3E}">
-        <p14:creationId xmlns:p14="http://schemas.microsoft.com/office/powerpoint/2010/main" val="2069620183"/>
+        <p14:creationId xmlns:p14="http://schemas.microsoft.com/office/powerpoint/2010/main" val="737341901"/>
       </p:ext>
     </p:extLst>
   </p:cSld>
@@ -6154,7 +6414,7 @@
           <a:p>
             <a:fld id="{814EAAF8-3877-4B4B-B2A5-D637106D66A3}" type="datetimeFigureOut">
               <a:rPr lang="fr-FR" smtClean="0"/>
-              <a:t>15/01/2024</a:t>
+              <a:t>16/01/2024</a:t>
             </a:fld>
             <a:endParaRPr lang="fr-FR"/>
           </a:p>
@@ -6352,7 +6612,7 @@
           <a:p>
             <a:fld id="{814EAAF8-3877-4B4B-B2A5-D637106D66A3}" type="datetimeFigureOut">
               <a:rPr lang="fr-FR" smtClean="0"/>
-              <a:t>15/01/2024</a:t>
+              <a:t>16/01/2024</a:t>
             </a:fld>
             <a:endParaRPr lang="fr-FR"/>
           </a:p>
@@ -6560,7 +6820,7 @@
           <a:p>
             <a:fld id="{814EAAF8-3877-4B4B-B2A5-D637106D66A3}" type="datetimeFigureOut">
               <a:rPr lang="fr-FR" smtClean="0"/>
-              <a:t>15/01/2024</a:t>
+              <a:t>16/01/2024</a:t>
             </a:fld>
             <a:endParaRPr lang="fr-FR"/>
           </a:p>
@@ -6758,7 +7018,7 @@
           <a:p>
             <a:fld id="{814EAAF8-3877-4B4B-B2A5-D637106D66A3}" type="datetimeFigureOut">
               <a:rPr lang="fr-FR" smtClean="0"/>
-              <a:t>15/01/2024</a:t>
+              <a:t>16/01/2024</a:t>
             </a:fld>
             <a:endParaRPr lang="fr-FR"/>
           </a:p>
@@ -7033,7 +7293,7 @@
           <a:p>
             <a:fld id="{814EAAF8-3877-4B4B-B2A5-D637106D66A3}" type="datetimeFigureOut">
               <a:rPr lang="fr-FR" smtClean="0"/>
-              <a:t>15/01/2024</a:t>
+              <a:t>16/01/2024</a:t>
             </a:fld>
             <a:endParaRPr lang="fr-FR"/>
           </a:p>
@@ -7298,7 +7558,7 @@
           <a:p>
             <a:fld id="{814EAAF8-3877-4B4B-B2A5-D637106D66A3}" type="datetimeFigureOut">
               <a:rPr lang="fr-FR" smtClean="0"/>
-              <a:t>15/01/2024</a:t>
+              <a:t>16/01/2024</a:t>
             </a:fld>
             <a:endParaRPr lang="fr-FR"/>
           </a:p>
@@ -7710,7 +7970,7 @@
           <a:p>
             <a:fld id="{814EAAF8-3877-4B4B-B2A5-D637106D66A3}" type="datetimeFigureOut">
               <a:rPr lang="fr-FR" smtClean="0"/>
-              <a:t>15/01/2024</a:t>
+              <a:t>16/01/2024</a:t>
             </a:fld>
             <a:endParaRPr lang="fr-FR"/>
           </a:p>
@@ -7851,7 +8111,7 @@
           <a:p>
             <a:fld id="{814EAAF8-3877-4B4B-B2A5-D637106D66A3}" type="datetimeFigureOut">
               <a:rPr lang="fr-FR" smtClean="0"/>
-              <a:t>15/01/2024</a:t>
+              <a:t>16/01/2024</a:t>
             </a:fld>
             <a:endParaRPr lang="fr-FR"/>
           </a:p>
@@ -7964,7 +8224,7 @@
           <a:p>
             <a:fld id="{814EAAF8-3877-4B4B-B2A5-D637106D66A3}" type="datetimeFigureOut">
               <a:rPr lang="fr-FR" smtClean="0"/>
-              <a:t>15/01/2024</a:t>
+              <a:t>16/01/2024</a:t>
             </a:fld>
             <a:endParaRPr lang="fr-FR"/>
           </a:p>
@@ -8275,7 +8535,7 @@
           <a:p>
             <a:fld id="{814EAAF8-3877-4B4B-B2A5-D637106D66A3}" type="datetimeFigureOut">
               <a:rPr lang="fr-FR" smtClean="0"/>
-              <a:t>15/01/2024</a:t>
+              <a:t>16/01/2024</a:t>
             </a:fld>
             <a:endParaRPr lang="fr-FR"/>
           </a:p>
@@ -8563,7 +8823,7 @@
           <a:p>
             <a:fld id="{814EAAF8-3877-4B4B-B2A5-D637106D66A3}" type="datetimeFigureOut">
               <a:rPr lang="fr-FR" smtClean="0"/>
-              <a:t>15/01/2024</a:t>
+              <a:t>16/01/2024</a:t>
             </a:fld>
             <a:endParaRPr lang="fr-FR"/>
           </a:p>
@@ -8804,7 +9064,7 @@
           <a:p>
             <a:fld id="{814EAAF8-3877-4B4B-B2A5-D637106D66A3}" type="datetimeFigureOut">
               <a:rPr lang="fr-FR" smtClean="0"/>
-              <a:t>15/01/2024</a:t>
+              <a:t>16/01/2024</a:t>
             </a:fld>
             <a:endParaRPr lang="fr-FR"/>
           </a:p>
@@ -28908,268 +29168,6 @@
           <a:p>
             <a:r>
               <a:rPr lang="fr-FR" dirty="0"/>
-              <a:t>FAQ</a:t>
-            </a:r>
-          </a:p>
-        </p:txBody>
-      </p:sp>
-      <p:sp>
-        <p:nvSpPr>
-          <p:cNvPr id="3" name="Espace réservé du contenu 2">
-            <a:extLst>
-              <a:ext uri="{FF2B5EF4-FFF2-40B4-BE49-F238E27FC236}">
-                <a16:creationId xmlns:a16="http://schemas.microsoft.com/office/drawing/2014/main" id="{FB2F845B-A441-D492-A6B6-4DC959609C23}"/>
-              </a:ext>
-            </a:extLst>
-          </p:cNvPr>
-          <p:cNvSpPr>
-            <a:spLocks noGrp="1"/>
-          </p:cNvSpPr>
-          <p:nvPr>
-            <p:ph idx="1"/>
-          </p:nvPr>
-        </p:nvSpPr>
-        <p:spPr/>
-        <p:txBody>
-          <a:bodyPr>
-            <a:normAutofit fontScale="77500" lnSpcReduction="20000"/>
-          </a:bodyPr>
-          <a:lstStyle/>
-          <a:p>
-            <a:r>
-              <a:rPr lang="fr-FR" dirty="0"/>
-              <a:t>Pourquoi on fait </a:t>
-            </a:r>
-            <a:r>
-              <a:rPr lang="fr-FR" dirty="0" err="1">
-                <a:latin typeface="Courier New" panose="02070309020205020404" pitchFamily="49" charset="0"/>
-                <a:cs typeface="Courier New" panose="02070309020205020404" pitchFamily="49" charset="0"/>
-              </a:rPr>
-              <a:t>feature_encoder</a:t>
-            </a:r>
-            <a:r>
-              <a:rPr lang="fr-FR" dirty="0"/>
-              <a:t> sur </a:t>
-            </a:r>
-            <a:r>
-              <a:rPr lang="fr-FR" dirty="0" err="1"/>
-              <a:t>X_train</a:t>
-            </a:r>
-            <a:r>
-              <a:rPr lang="fr-FR" dirty="0"/>
-              <a:t> puis sur </a:t>
-            </a:r>
-            <a:r>
-              <a:rPr lang="fr-FR" dirty="0" err="1"/>
-              <a:t>X_test</a:t>
-            </a:r>
-            <a:r>
-              <a:rPr lang="fr-FR" dirty="0"/>
-              <a:t> et pas sur X tout entier avant de splitter?</a:t>
-            </a:r>
-          </a:p>
-          <a:p>
-            <a:pPr lvl="1"/>
-            <a:r>
-              <a:rPr lang="fr-FR" dirty="0"/>
-              <a:t>Si on remplace une valeur manquante par la moyenne on utilise la moyenne de toute la colonne et pas la moyenne de </a:t>
-            </a:r>
-            <a:r>
-              <a:rPr lang="fr-FR" dirty="0" err="1"/>
-              <a:t>X_train</a:t>
-            </a:r>
-            <a:r>
-              <a:rPr lang="fr-FR" dirty="0"/>
-              <a:t> ou de </a:t>
-            </a:r>
-            <a:r>
-              <a:rPr lang="fr-FR" dirty="0" err="1"/>
-              <a:t>X_test</a:t>
-            </a:r>
-            <a:endParaRPr lang="fr-FR" dirty="0"/>
-          </a:p>
-          <a:p>
-            <a:pPr lvl="1"/>
-            <a:r>
-              <a:rPr lang="fr-FR" dirty="0"/>
-              <a:t>On "influence" alors le contenu de </a:t>
-            </a:r>
-            <a:r>
-              <a:rPr lang="fr-FR" dirty="0" err="1"/>
-              <a:t>X_test</a:t>
-            </a:r>
-            <a:r>
-              <a:rPr lang="fr-FR" dirty="0"/>
-              <a:t> avec le contenu de </a:t>
-            </a:r>
-            <a:r>
-              <a:rPr lang="fr-FR" dirty="0" err="1"/>
-              <a:t>X_train</a:t>
-            </a:r>
-            <a:endParaRPr lang="fr-FR" dirty="0"/>
-          </a:p>
-          <a:p>
-            <a:endParaRPr lang="fr-FR" dirty="0"/>
-          </a:p>
-          <a:p>
-            <a:r>
-              <a:rPr lang="fr-FR" dirty="0" err="1">
-                <a:latin typeface="Courier New" panose="02070309020205020404" pitchFamily="49" charset="0"/>
-                <a:cs typeface="Courier New" panose="02070309020205020404" pitchFamily="49" charset="0"/>
-              </a:rPr>
-              <a:t>random_state</a:t>
-            </a:r>
-            <a:r>
-              <a:rPr lang="fr-FR" dirty="0">
-                <a:latin typeface="Courier New" panose="02070309020205020404" pitchFamily="49" charset="0"/>
-                <a:cs typeface="Courier New" panose="02070309020205020404" pitchFamily="49" charset="0"/>
-              </a:rPr>
-              <a:t>=0</a:t>
-            </a:r>
-            <a:r>
-              <a:rPr lang="fr-FR" dirty="0"/>
-              <a:t> </a:t>
-            </a:r>
-          </a:p>
-          <a:p>
-            <a:pPr lvl="1"/>
-            <a:r>
-              <a:rPr lang="fr-FR" dirty="0"/>
-              <a:t>voir </a:t>
-            </a:r>
-            <a:r>
-              <a:rPr lang="fr-FR" dirty="0" err="1"/>
-              <a:t>train_test_split</a:t>
-            </a:r>
-            <a:r>
-              <a:rPr lang="fr-FR" dirty="0"/>
-              <a:t> par ex.</a:t>
-            </a:r>
-          </a:p>
-          <a:p>
-            <a:pPr lvl="1"/>
-            <a:r>
-              <a:rPr lang="fr-FR" dirty="0"/>
-              <a:t>S'assure qu'on aura toujours les mêmes nombres aléatoires générés dans le même ordre.</a:t>
-            </a:r>
-          </a:p>
-          <a:p>
-            <a:pPr lvl="1"/>
-            <a:r>
-              <a:rPr lang="fr-FR" dirty="0"/>
-              <a:t>Permet de comparer les résultats d'un run avec un autre</a:t>
-            </a:r>
-          </a:p>
-          <a:p>
-            <a:endParaRPr lang="fr-FR" dirty="0">
-              <a:latin typeface="Courier New" panose="02070309020205020404" pitchFamily="49" charset="0"/>
-              <a:cs typeface="Courier New" panose="02070309020205020404" pitchFamily="49" charset="0"/>
-            </a:endParaRPr>
-          </a:p>
-          <a:p>
-            <a:r>
-              <a:rPr lang="fr-FR" dirty="0" err="1">
-                <a:latin typeface="Courier New" panose="02070309020205020404" pitchFamily="49" charset="0"/>
-                <a:cs typeface="Courier New" panose="02070309020205020404" pitchFamily="49" charset="0"/>
-              </a:rPr>
-              <a:t>stratify</a:t>
-            </a:r>
-            <a:r>
-              <a:rPr lang="fr-FR" dirty="0">
-                <a:latin typeface="Courier New" panose="02070309020205020404" pitchFamily="49" charset="0"/>
-                <a:cs typeface="Courier New" panose="02070309020205020404" pitchFamily="49" charset="0"/>
-              </a:rPr>
-              <a:t> = y </a:t>
-            </a:r>
-          </a:p>
-          <a:p>
-            <a:pPr lvl="1"/>
-            <a:r>
-              <a:rPr lang="fr-FR" dirty="0"/>
-              <a:t>voir </a:t>
-            </a:r>
-            <a:r>
-              <a:rPr lang="fr-FR" dirty="0" err="1"/>
-              <a:t>train_test_split</a:t>
-            </a:r>
-            <a:r>
-              <a:rPr lang="fr-FR" dirty="0"/>
-              <a:t> par ex.</a:t>
-            </a:r>
-          </a:p>
-          <a:p>
-            <a:pPr lvl="1"/>
-            <a:r>
-              <a:rPr lang="fr-FR" dirty="0"/>
-              <a:t>On veut retrouver dans train et test les mêmes proportions de </a:t>
-            </a:r>
-            <a:r>
-              <a:rPr lang="fr-FR" dirty="0">
-                <a:latin typeface="Courier New" panose="02070309020205020404" pitchFamily="49" charset="0"/>
-                <a:cs typeface="Courier New" panose="02070309020205020404" pitchFamily="49" charset="0"/>
-              </a:rPr>
-              <a:t>y</a:t>
-            </a:r>
-            <a:r>
-              <a:rPr lang="fr-FR" dirty="0"/>
-              <a:t> que dans l'ensemble de départ</a:t>
-            </a:r>
-          </a:p>
-        </p:txBody>
-      </p:sp>
-    </p:spTree>
-    <p:extLst>
-      <p:ext uri="{BB962C8B-B14F-4D97-AF65-F5344CB8AC3E}">
-        <p14:creationId xmlns:p14="http://schemas.microsoft.com/office/powerpoint/2010/main" val="1176226442"/>
-      </p:ext>
-    </p:extLst>
-  </p:cSld>
-  <p:clrMapOvr>
-    <a:masterClrMapping/>
-  </p:clrMapOvr>
-</p:sld>
-</file>
-
-<file path=ppt/slides/slide46.xml><?xml version="1.0" encoding="utf-8"?>
-<p:sld xmlns:a="http://schemas.openxmlformats.org/drawingml/2006/main" xmlns:r="http://schemas.openxmlformats.org/officeDocument/2006/relationships" xmlns:p="http://schemas.openxmlformats.org/presentationml/2006/main">
-  <p:cSld>
-    <p:spTree>
-      <p:nvGrpSpPr>
-        <p:cNvPr id="1" name=""/>
-        <p:cNvGrpSpPr/>
-        <p:nvPr/>
-      </p:nvGrpSpPr>
-      <p:grpSpPr>
-        <a:xfrm>
-          <a:off x="0" y="0"/>
-          <a:ext cx="0" cy="0"/>
-          <a:chOff x="0" y="0"/>
-          <a:chExt cx="0" cy="0"/>
-        </a:xfrm>
-      </p:grpSpPr>
-      <p:sp>
-        <p:nvSpPr>
-          <p:cNvPr id="2" name="Titre 1">
-            <a:extLst>
-              <a:ext uri="{FF2B5EF4-FFF2-40B4-BE49-F238E27FC236}">
-                <a16:creationId xmlns:a16="http://schemas.microsoft.com/office/drawing/2014/main" id="{18E5830E-96ED-9DF4-359F-F1CBFD6C7517}"/>
-              </a:ext>
-            </a:extLst>
-          </p:cNvPr>
-          <p:cNvSpPr>
-            <a:spLocks noGrp="1"/>
-          </p:cNvSpPr>
-          <p:nvPr>
-            <p:ph type="title"/>
-          </p:nvPr>
-        </p:nvSpPr>
-        <p:spPr/>
-        <p:txBody>
-          <a:bodyPr/>
-          <a:lstStyle/>
-          <a:p>
-            <a:r>
-              <a:rPr lang="fr-FR" dirty="0"/>
               <a:t>FAQ </a:t>
             </a:r>
             <a:r>
@@ -30008,6 +30006,288 @@
 </p:sld>
 </file>
 
+<file path=ppt/slides/slide46.xml><?xml version="1.0" encoding="utf-8"?>
+<p:sld xmlns:a="http://schemas.openxmlformats.org/drawingml/2006/main" xmlns:r="http://schemas.openxmlformats.org/officeDocument/2006/relationships" xmlns:p="http://schemas.openxmlformats.org/presentationml/2006/main">
+  <p:cSld>
+    <p:spTree>
+      <p:nvGrpSpPr>
+        <p:cNvPr id="1" name=""/>
+        <p:cNvGrpSpPr/>
+        <p:nvPr/>
+      </p:nvGrpSpPr>
+      <p:grpSpPr>
+        <a:xfrm>
+          <a:off x="0" y="0"/>
+          <a:ext cx="0" cy="0"/>
+          <a:chOff x="0" y="0"/>
+          <a:chExt cx="0" cy="0"/>
+        </a:xfrm>
+      </p:grpSpPr>
+      <p:sp>
+        <p:nvSpPr>
+          <p:cNvPr id="2" name="Titre 1">
+            <a:extLst>
+              <a:ext uri="{FF2B5EF4-FFF2-40B4-BE49-F238E27FC236}">
+                <a16:creationId xmlns:a16="http://schemas.microsoft.com/office/drawing/2014/main" id="{18E5830E-96ED-9DF4-359F-F1CBFD6C7517}"/>
+              </a:ext>
+            </a:extLst>
+          </p:cNvPr>
+          <p:cNvSpPr>
+            <a:spLocks noGrp="1"/>
+          </p:cNvSpPr>
+          <p:nvPr>
+            <p:ph type="title"/>
+          </p:nvPr>
+        </p:nvSpPr>
+        <p:spPr/>
+        <p:txBody>
+          <a:bodyPr/>
+          <a:lstStyle/>
+          <a:p>
+            <a:r>
+              <a:rPr lang="fr-FR" dirty="0"/>
+              <a:t>FAQ</a:t>
+            </a:r>
+          </a:p>
+        </p:txBody>
+      </p:sp>
+      <p:sp>
+        <p:nvSpPr>
+          <p:cNvPr id="3" name="Espace réservé du contenu 2">
+            <a:extLst>
+              <a:ext uri="{FF2B5EF4-FFF2-40B4-BE49-F238E27FC236}">
+                <a16:creationId xmlns:a16="http://schemas.microsoft.com/office/drawing/2014/main" id="{FB2F845B-A441-D492-A6B6-4DC959609C23}"/>
+              </a:ext>
+            </a:extLst>
+          </p:cNvPr>
+          <p:cNvSpPr>
+            <a:spLocks noGrp="1"/>
+          </p:cNvSpPr>
+          <p:nvPr>
+            <p:ph idx="1"/>
+          </p:nvPr>
+        </p:nvSpPr>
+        <p:spPr/>
+        <p:txBody>
+          <a:bodyPr>
+            <a:normAutofit fontScale="77500" lnSpcReduction="20000"/>
+          </a:bodyPr>
+          <a:lstStyle/>
+          <a:p>
+            <a:r>
+              <a:rPr lang="fr-FR" dirty="0"/>
+              <a:t>Pourquoi on fait </a:t>
+            </a:r>
+            <a:r>
+              <a:rPr lang="fr-FR" dirty="0" err="1">
+                <a:latin typeface="Courier New" panose="02070309020205020404" pitchFamily="49" charset="0"/>
+                <a:cs typeface="Courier New" panose="02070309020205020404" pitchFamily="49" charset="0"/>
+              </a:rPr>
+              <a:t>feature_encoder</a:t>
+            </a:r>
+            <a:r>
+              <a:rPr lang="fr-FR" dirty="0"/>
+              <a:t> sur </a:t>
+            </a:r>
+            <a:r>
+              <a:rPr lang="fr-FR" dirty="0" err="1"/>
+              <a:t>X_train</a:t>
+            </a:r>
+            <a:r>
+              <a:rPr lang="fr-FR" dirty="0"/>
+              <a:t> puis sur </a:t>
+            </a:r>
+            <a:r>
+              <a:rPr lang="fr-FR" dirty="0" err="1"/>
+              <a:t>X_test</a:t>
+            </a:r>
+            <a:r>
+              <a:rPr lang="fr-FR" dirty="0"/>
+              <a:t> et pas sur X tout entier avant de splitter?</a:t>
+            </a:r>
+          </a:p>
+          <a:p>
+            <a:pPr lvl="1"/>
+            <a:r>
+              <a:rPr lang="fr-FR" dirty="0"/>
+              <a:t>Si on remplace une valeur manquante par la moyenne on utilise la moyenne de toute la colonne et pas la moyenne de </a:t>
+            </a:r>
+            <a:r>
+              <a:rPr lang="fr-FR" dirty="0" err="1"/>
+              <a:t>X_train</a:t>
+            </a:r>
+            <a:r>
+              <a:rPr lang="fr-FR" dirty="0"/>
+              <a:t> ou de </a:t>
+            </a:r>
+            <a:r>
+              <a:rPr lang="fr-FR" dirty="0" err="1"/>
+              <a:t>X_test</a:t>
+            </a:r>
+            <a:endParaRPr lang="fr-FR" dirty="0"/>
+          </a:p>
+          <a:p>
+            <a:pPr lvl="1"/>
+            <a:r>
+              <a:rPr lang="fr-FR" dirty="0"/>
+              <a:t>On "influence" alors le contenu de </a:t>
+            </a:r>
+            <a:r>
+              <a:rPr lang="fr-FR" dirty="0" err="1"/>
+              <a:t>X_test</a:t>
+            </a:r>
+            <a:r>
+              <a:rPr lang="fr-FR" dirty="0"/>
+              <a:t> avec le contenu de </a:t>
+            </a:r>
+            <a:r>
+              <a:rPr lang="fr-FR" dirty="0" err="1"/>
+              <a:t>X_train</a:t>
+            </a:r>
+            <a:endParaRPr lang="fr-FR" dirty="0"/>
+          </a:p>
+          <a:p>
+            <a:endParaRPr lang="fr-FR" dirty="0"/>
+          </a:p>
+          <a:p>
+            <a:r>
+              <a:rPr lang="fr-FR" dirty="0" err="1">
+                <a:latin typeface="Courier New" panose="02070309020205020404" pitchFamily="49" charset="0"/>
+                <a:cs typeface="Courier New" panose="02070309020205020404" pitchFamily="49" charset="0"/>
+              </a:rPr>
+              <a:t>random_state</a:t>
+            </a:r>
+            <a:r>
+              <a:rPr lang="fr-FR" dirty="0">
+                <a:latin typeface="Courier New" panose="02070309020205020404" pitchFamily="49" charset="0"/>
+                <a:cs typeface="Courier New" panose="02070309020205020404" pitchFamily="49" charset="0"/>
+              </a:rPr>
+              <a:t>=0</a:t>
+            </a:r>
+            <a:r>
+              <a:rPr lang="fr-FR" dirty="0"/>
+              <a:t> </a:t>
+            </a:r>
+          </a:p>
+          <a:p>
+            <a:pPr lvl="1"/>
+            <a:r>
+              <a:rPr lang="fr-FR" dirty="0"/>
+              <a:t>voir </a:t>
+            </a:r>
+            <a:r>
+              <a:rPr lang="fr-FR" dirty="0" err="1">
+                <a:latin typeface="Courier New" panose="02070309020205020404" pitchFamily="49" charset="0"/>
+                <a:cs typeface="Courier New" panose="02070309020205020404" pitchFamily="49" charset="0"/>
+              </a:rPr>
+              <a:t>train_test_split</a:t>
+            </a:r>
+            <a:r>
+              <a:rPr lang="fr-FR" dirty="0">
+                <a:latin typeface="Courier New" panose="02070309020205020404" pitchFamily="49" charset="0"/>
+                <a:cs typeface="Courier New" panose="02070309020205020404" pitchFamily="49" charset="0"/>
+              </a:rPr>
+              <a:t>()</a:t>
+            </a:r>
+            <a:r>
+              <a:rPr lang="fr-FR" dirty="0"/>
+              <a:t> par ex.</a:t>
+            </a:r>
+          </a:p>
+          <a:p>
+            <a:pPr lvl="1"/>
+            <a:r>
+              <a:rPr lang="fr-FR" dirty="0"/>
+              <a:t>S'assure qu'on aura toujours les mêmes nombres aléatoires générés dans le même ordre.</a:t>
+            </a:r>
+          </a:p>
+          <a:p>
+            <a:pPr lvl="1"/>
+            <a:r>
+              <a:rPr lang="fr-FR" dirty="0"/>
+              <a:t>Permet de comparer les résultats d'un run avec un autre</a:t>
+            </a:r>
+          </a:p>
+          <a:p>
+            <a:endParaRPr lang="fr-FR" dirty="0">
+              <a:latin typeface="Courier New" panose="02070309020205020404" pitchFamily="49" charset="0"/>
+              <a:cs typeface="Courier New" panose="02070309020205020404" pitchFamily="49" charset="0"/>
+            </a:endParaRPr>
+          </a:p>
+          <a:p>
+            <a:r>
+              <a:rPr lang="fr-FR" dirty="0" err="1">
+                <a:latin typeface="Courier New" panose="02070309020205020404" pitchFamily="49" charset="0"/>
+                <a:cs typeface="Courier New" panose="02070309020205020404" pitchFamily="49" charset="0"/>
+              </a:rPr>
+              <a:t>stratify</a:t>
+            </a:r>
+            <a:r>
+              <a:rPr lang="fr-FR" dirty="0">
+                <a:latin typeface="Courier New" panose="02070309020205020404" pitchFamily="49" charset="0"/>
+                <a:cs typeface="Courier New" panose="02070309020205020404" pitchFamily="49" charset="0"/>
+              </a:rPr>
+              <a:t> = y </a:t>
+            </a:r>
+          </a:p>
+          <a:p>
+            <a:pPr lvl="1"/>
+            <a:r>
+              <a:rPr lang="fr-FR" dirty="0"/>
+              <a:t>voir </a:t>
+            </a:r>
+            <a:r>
+              <a:rPr lang="fr-FR" sz="2500" dirty="0" err="1">
+                <a:latin typeface="Courier New" panose="02070309020205020404" pitchFamily="49" charset="0"/>
+                <a:cs typeface="Courier New" panose="02070309020205020404" pitchFamily="49" charset="0"/>
+              </a:rPr>
+              <a:t>train_test_split</a:t>
+            </a:r>
+            <a:r>
+              <a:rPr lang="fr-FR" sz="2500" dirty="0">
+                <a:latin typeface="Courier New" panose="02070309020205020404" pitchFamily="49" charset="0"/>
+                <a:cs typeface="Courier New" panose="02070309020205020404" pitchFamily="49" charset="0"/>
+              </a:rPr>
+              <a:t>() </a:t>
+            </a:r>
+            <a:r>
+              <a:rPr lang="fr-FR" dirty="0"/>
+              <a:t>par ex.</a:t>
+            </a:r>
+          </a:p>
+          <a:p>
+            <a:pPr lvl="1"/>
+            <a:r>
+              <a:rPr lang="fr-FR" dirty="0"/>
+              <a:t>On veut retrouver dans les train et test sets les mêmes proportions de </a:t>
+            </a:r>
+            <a:r>
+              <a:rPr lang="fr-FR" dirty="0">
+                <a:latin typeface="Courier New" panose="02070309020205020404" pitchFamily="49" charset="0"/>
+                <a:cs typeface="Courier New" panose="02070309020205020404" pitchFamily="49" charset="0"/>
+              </a:rPr>
+              <a:t>y</a:t>
+            </a:r>
+            <a:r>
+              <a:rPr lang="fr-FR" dirty="0"/>
+              <a:t> que dans l'ensemble de départ</a:t>
+            </a:r>
+          </a:p>
+        </p:txBody>
+      </p:sp>
+    </p:spTree>
+    <p:extLst>
+      <p:ext uri="{BB962C8B-B14F-4D97-AF65-F5344CB8AC3E}">
+        <p14:creationId xmlns:p14="http://schemas.microsoft.com/office/powerpoint/2010/main" val="1176226442"/>
+      </p:ext>
+    </p:extLst>
+  </p:cSld>
+  <p:clrMapOvr>
+    <a:masterClrMapping/>
+  </p:clrMapOvr>
+</p:sld>
+</file>
+
 <file path=ppt/slides/slide47.xml><?xml version="1.0" encoding="utf-8"?>
 <p:sld xmlns:a="http://schemas.openxmlformats.org/drawingml/2006/main" xmlns:r="http://schemas.openxmlformats.org/officeDocument/2006/relationships" xmlns:p="http://schemas.openxmlformats.org/presentationml/2006/main">
   <p:cSld>
@@ -31211,8 +31491,16 @@
           <a:lstStyle/>
           <a:p>
             <a:r>
+              <a:rPr lang="en-US" dirty="0">
+                <a:highlight>
+                  <a:srgbClr val="00FF00"/>
+                </a:highlight>
+              </a:rPr>
+              <a:t>Pre</a:t>
+            </a:r>
+            <a:r>
               <a:rPr lang="en-US" dirty="0"/>
-              <a:t>Precision :</a:t>
+              <a:t>cision :</a:t>
             </a:r>
           </a:p>
           <a:p>
@@ -31230,20 +31518,92 @@
               <a:t> des </a:t>
             </a:r>
             <a:r>
+              <a:rPr lang="en-US" dirty="0" err="1">
+                <a:highlight>
+                  <a:srgbClr val="00FF00"/>
+                </a:highlight>
+              </a:rPr>
+              <a:t>pré</a:t>
+            </a:r>
+            <a:r>
               <a:rPr lang="en-US" dirty="0" err="1"/>
-              <a:t>prédictions</a:t>
+              <a:t>dictions</a:t>
             </a:r>
             <a:endParaRPr lang="en-US" dirty="0"/>
           </a:p>
           <a:p>
             <a:pPr lvl="1"/>
             <a:r>
-              <a:rPr lang="en-US" dirty="0"/>
+              <a:rPr lang="en-US" i="1" dirty="0">
+                <a:highlight>
+                  <a:srgbClr val="FFFF00"/>
+                </a:highlight>
+              </a:rPr>
               <a:t>De </a:t>
             </a:r>
             <a:r>
+              <a:rPr lang="en-US" i="1" dirty="0" err="1">
+                <a:highlight>
+                  <a:srgbClr val="FFFF00"/>
+                </a:highlight>
+              </a:rPr>
+              <a:t>tous</a:t>
+            </a:r>
+            <a:r>
+              <a:rPr lang="en-US" i="1" dirty="0">
+                <a:highlight>
+                  <a:srgbClr val="FFFF00"/>
+                </a:highlight>
+              </a:rPr>
+              <a:t> </a:t>
+            </a:r>
+            <a:r>
+              <a:rPr lang="en-US" i="1" dirty="0" err="1">
+                <a:highlight>
+                  <a:srgbClr val="FFFF00"/>
+                </a:highlight>
+              </a:rPr>
+              <a:t>ceux</a:t>
+            </a:r>
+            <a:r>
+              <a:rPr lang="en-US" i="1" dirty="0">
+                <a:highlight>
+                  <a:srgbClr val="FFFF00"/>
+                </a:highlight>
+              </a:rPr>
+              <a:t> </a:t>
+            </a:r>
+            <a:r>
+              <a:rPr lang="en-US" i="1" dirty="0" err="1">
+                <a:highlight>
+                  <a:srgbClr val="FFFF00"/>
+                </a:highlight>
+              </a:rPr>
+              <a:t>qu'on</a:t>
+            </a:r>
+            <a:r>
+              <a:rPr lang="en-US" i="1" dirty="0">
+                <a:highlight>
+                  <a:srgbClr val="FFFF00"/>
+                </a:highlight>
+              </a:rPr>
+              <a:t> </a:t>
+            </a:r>
+            <a:r>
+              <a:rPr lang="en-US" i="1" dirty="0" err="1">
+                <a:highlight>
+                  <a:srgbClr val="FFFF00"/>
+                </a:highlight>
+              </a:rPr>
+              <a:t>prédit</a:t>
+            </a:r>
+            <a:r>
+              <a:rPr lang="en-US" i="1" dirty="0"/>
+              <a:t> </a:t>
+            </a:r>
+            <a:r>
               <a:rPr lang="en-US" dirty="0" err="1"/>
-              <a:t>tous</a:t>
+              <a:t>comme</a:t>
             </a:r>
             <a:r>
               <a:rPr lang="en-US" dirty="0"/>
@@ -31251,19 +31611,11 @@
             </a:r>
             <a:r>
               <a:rPr lang="en-US" dirty="0" err="1"/>
-              <a:t>ceux</a:t>
+              <a:t>cancéreux</a:t>
             </a:r>
             <a:r>
               <a:rPr lang="en-US" dirty="0"/>
-              <a:t> à qui on a </a:t>
-            </a:r>
-            <a:r>
-              <a:rPr lang="en-US" dirty="0" err="1"/>
-              <a:t>prédit</a:t>
-            </a:r>
-            <a:r>
-              <a:rPr lang="en-US" dirty="0"/>
-              <a:t> le cancer </a:t>
+              <a:t>, </a:t>
             </a:r>
             <a:r>
               <a:rPr lang="en-US" dirty="0" err="1"/>
@@ -31297,12 +31649,12 @@
               <a:t>TP/(TP+FP) : </a:t>
             </a:r>
             <a:r>
-              <a:rPr lang="fr-FR" dirty="0"/>
-              <a:t>Right </a:t>
+              <a:rPr lang="en-US" dirty="0" err="1"/>
+              <a:t>colonne</a:t>
             </a:r>
             <a:r>
               <a:rPr lang="en-US" dirty="0"/>
-              <a:t>column</a:t>
+              <a:t> de droite</a:t>
             </a:r>
           </a:p>
           <a:p>
@@ -31337,12 +31689,64 @@
           <a:p>
             <a:pPr lvl="1"/>
             <a:r>
-              <a:rPr lang="en-US" dirty="0"/>
+              <a:rPr lang="en-US" i="1" dirty="0">
+                <a:highlight>
+                  <a:srgbClr val="FFFF00"/>
+                </a:highlight>
+              </a:rPr>
               <a:t>De </a:t>
             </a:r>
             <a:r>
+              <a:rPr lang="en-US" i="1" dirty="0" err="1">
+                <a:highlight>
+                  <a:srgbClr val="FFFF00"/>
+                </a:highlight>
+              </a:rPr>
+              <a:t>tous</a:t>
+            </a:r>
+            <a:r>
+              <a:rPr lang="en-US" i="1" dirty="0">
+                <a:highlight>
+                  <a:srgbClr val="FFFF00"/>
+                </a:highlight>
+              </a:rPr>
+              <a:t> </a:t>
+            </a:r>
+            <a:r>
+              <a:rPr lang="en-US" i="1" dirty="0" err="1">
+                <a:highlight>
+                  <a:srgbClr val="FFFF00"/>
+                </a:highlight>
+              </a:rPr>
+              <a:t>ceux</a:t>
+            </a:r>
+            <a:r>
+              <a:rPr lang="en-US" i="1" dirty="0">
+                <a:highlight>
+                  <a:srgbClr val="FFFF00"/>
+                </a:highlight>
+              </a:rPr>
+              <a:t> </a:t>
+            </a:r>
+            <a:r>
+              <a:rPr lang="en-US" i="1" dirty="0" err="1">
+                <a:highlight>
+                  <a:srgbClr val="FFFF00"/>
+                </a:highlight>
+              </a:rPr>
+              <a:t>qu'on</a:t>
+            </a:r>
+            <a:r>
+              <a:rPr lang="en-US" i="1" dirty="0">
+                <a:highlight>
+                  <a:srgbClr val="FFFF00"/>
+                </a:highlight>
+              </a:rPr>
+              <a:t> observe </a:t>
+            </a:r>
+            <a:r>
               <a:rPr lang="en-US" dirty="0" err="1"/>
-              <a:t>tous</a:t>
+              <a:t>comme</a:t>
             </a:r>
             <a:r>
               <a:rPr lang="en-US" dirty="0"/>
@@ -31350,7 +31754,15 @@
             </a:r>
             <a:r>
               <a:rPr lang="en-US" dirty="0" err="1"/>
-              <a:t>ceux</a:t>
+              <a:t>cancéreux</a:t>
+            </a:r>
+            <a:r>
+              <a:rPr lang="en-US" dirty="0"/>
+              <a:t>, </a:t>
+            </a:r>
+            <a:r>
+              <a:rPr lang="en-US" dirty="0" err="1"/>
+              <a:t>combien</a:t>
             </a:r>
             <a:r>
               <a:rPr lang="en-US" dirty="0"/>
@@ -31358,15 +31770,7 @@
             </a:r>
             <a:r>
               <a:rPr lang="en-US" dirty="0" err="1"/>
-              <a:t>qu'on</a:t>
-            </a:r>
-            <a:r>
-              <a:rPr lang="en-US" dirty="0"/>
-              <a:t> observe </a:t>
-            </a:r>
-            <a:r>
-              <a:rPr lang="en-US" dirty="0" err="1"/>
-              <a:t>comme</a:t>
+              <a:t>ont</a:t>
             </a:r>
             <a:r>
               <a:rPr lang="en-US" dirty="0"/>
@@ -31374,30 +31778,6 @@
             </a:r>
             <a:r>
               <a:rPr lang="en-US" dirty="0" err="1"/>
-              <a:t>cancéreux</a:t>
-            </a:r>
-            <a:r>
-              <a:rPr lang="en-US" dirty="0"/>
-              <a:t>, </a:t>
-            </a:r>
-            <a:r>
-              <a:rPr lang="en-US" dirty="0" err="1"/>
-              <a:t>combien</a:t>
-            </a:r>
-            <a:r>
-              <a:rPr lang="en-US" dirty="0"/>
-              <a:t> </a:t>
-            </a:r>
-            <a:r>
-              <a:rPr lang="en-US" dirty="0" err="1"/>
-              <a:t>ont</a:t>
-            </a:r>
-            <a:r>
-              <a:rPr lang="en-US" dirty="0"/>
-              <a:t> </a:t>
-            </a:r>
-            <a:r>
-              <a:rPr lang="en-US" dirty="0" err="1"/>
               <a:t>été</a:t>
             </a:r>
             <a:r>
@@ -31417,7 +31797,15 @@
             <a:pPr lvl="1"/>
             <a:r>
               <a:rPr lang="en-US" dirty="0"/>
-              <a:t>TP/(TP+FN) : Bottom line</a:t>
+              <a:t>TP/(TP+FN) : </a:t>
+            </a:r>
+            <a:r>
+              <a:rPr lang="en-US" dirty="0" err="1"/>
+              <a:t>ligne</a:t>
+            </a:r>
+            <a:r>
+              <a:rPr lang="en-US" dirty="0"/>
+              <a:t> du bas</a:t>
             </a:r>
           </a:p>
           <a:p>
@@ -31438,7 +31826,15 @@
             <a:pPr lvl="1"/>
             <a:r>
               <a:rPr lang="en-US" dirty="0"/>
-              <a:t>Harmonic average between Recall &amp; Precision </a:t>
+              <a:t>Moyenne </a:t>
+            </a:r>
+            <a:r>
+              <a:rPr lang="en-US" dirty="0" err="1"/>
+              <a:t>harmonique</a:t>
+            </a:r>
+            <a:r>
+              <a:rPr lang="en-US" dirty="0"/>
+              <a:t> entre Recall &amp; Precision </a:t>
             </a:r>
           </a:p>
           <a:p>
@@ -31463,7 +31859,15 @@
             </a:r>
             <a:r>
               <a:rPr lang="fr-FR" dirty="0"/>
-              <a:t>Diag over Total</a:t>
+              <a:t> </a:t>
+            </a:r>
+            <a:r>
+              <a:rPr lang="fr-FR" dirty="0" err="1"/>
+              <a:t>diag</a:t>
+            </a:r>
+            <a:r>
+              <a:rPr lang="fr-FR" dirty="0"/>
+              <a:t> over Total</a:t>
             </a:r>
           </a:p>
         </p:txBody>
@@ -31762,11 +32166,11 @@
           <a:lstStyle/>
           <a:p>
             <a:r>
-              <a:rPr lang="fr-FR" sz="1400" dirty="0">
+              <a:rPr lang="fr-FR" sz="1400" i="1" dirty="0">
                 <a:latin typeface="Times New Roman" panose="02020603050405020304" pitchFamily="18" charset="0"/>
                 <a:cs typeface="Times New Roman" panose="02020603050405020304" pitchFamily="18" charset="0"/>
               </a:rPr>
-              <a:t>Depuis l'extérieur, regarde la ligne ou la colonne du 1</a:t>
+              <a:t>On compare TP au total de la ligne ou de la colonne.</a:t>
             </a:r>
           </a:p>
         </p:txBody>
@@ -31972,6 +32376,715 @@
                       </p:childTnLst>
                     </p:cTn>
                   </p:par>
+                  <p:par>
+                    <p:cTn id="7" fill="hold">
+                      <p:stCondLst>
+                        <p:cond delay="indefinite"/>
+                      </p:stCondLst>
+                      <p:childTnLst>
+                        <p:par>
+                          <p:cTn id="8" fill="hold">
+                            <p:stCondLst>
+                              <p:cond delay="0"/>
+                            </p:stCondLst>
+                            <p:childTnLst>
+                              <p:par>
+                                <p:cTn id="9" presetID="10" presetClass="entr" presetSubtype="0" fill="hold" grpId="0" nodeType="clickEffect">
+                                  <p:stCondLst>
+                                    <p:cond delay="0"/>
+                                  </p:stCondLst>
+                                  <p:childTnLst>
+                                    <p:set>
+                                      <p:cBhvr>
+                                        <p:cTn id="10" dur="1" fill="hold">
+                                          <p:stCondLst>
+                                            <p:cond delay="0"/>
+                                          </p:stCondLst>
+                                        </p:cTn>
+                                        <p:tgtEl>
+                                          <p:spTgt spid="14"/>
+                                        </p:tgtEl>
+                                        <p:attrNameLst>
+                                          <p:attrName>style.visibility</p:attrName>
+                                        </p:attrNameLst>
+                                      </p:cBhvr>
+                                      <p:to>
+                                        <p:strVal val="visible"/>
+                                      </p:to>
+                                    </p:set>
+                                    <p:animEffect transition="in" filter="fade">
+                                      <p:cBhvr>
+                                        <p:cTn id="11" dur="500"/>
+                                        <p:tgtEl>
+                                          <p:spTgt spid="14"/>
+                                        </p:tgtEl>
+                                      </p:cBhvr>
+                                    </p:animEffect>
+                                  </p:childTnLst>
+                                </p:cTn>
+                              </p:par>
+                            </p:childTnLst>
+                          </p:cTn>
+                        </p:par>
+                      </p:childTnLst>
+                    </p:cTn>
+                  </p:par>
+                  <p:par>
+                    <p:cTn id="12" fill="hold">
+                      <p:stCondLst>
+                        <p:cond delay="indefinite"/>
+                      </p:stCondLst>
+                      <p:childTnLst>
+                        <p:par>
+                          <p:cTn id="13" fill="hold">
+                            <p:stCondLst>
+                              <p:cond delay="0"/>
+                            </p:stCondLst>
+                            <p:childTnLst>
+                              <p:par>
+                                <p:cTn id="14" presetID="10" presetClass="entr" presetSubtype="0" fill="hold" grpId="0" nodeType="clickEffect">
+                                  <p:stCondLst>
+                                    <p:cond delay="0"/>
+                                  </p:stCondLst>
+                                  <p:childTnLst>
+                                    <p:set>
+                                      <p:cBhvr>
+                                        <p:cTn id="15" dur="1" fill="hold">
+                                          <p:stCondLst>
+                                            <p:cond delay="0"/>
+                                          </p:stCondLst>
+                                        </p:cTn>
+                                        <p:tgtEl>
+                                          <p:spTgt spid="10"/>
+                                        </p:tgtEl>
+                                        <p:attrNameLst>
+                                          <p:attrName>style.visibility</p:attrName>
+                                        </p:attrNameLst>
+                                      </p:cBhvr>
+                                      <p:to>
+                                        <p:strVal val="visible"/>
+                                      </p:to>
+                                    </p:set>
+                                    <p:animEffect transition="in" filter="fade">
+                                      <p:cBhvr>
+                                        <p:cTn id="16" dur="500"/>
+                                        <p:tgtEl>
+                                          <p:spTgt spid="10"/>
+                                        </p:tgtEl>
+                                      </p:cBhvr>
+                                    </p:animEffect>
+                                  </p:childTnLst>
+                                </p:cTn>
+                              </p:par>
+                            </p:childTnLst>
+                          </p:cTn>
+                        </p:par>
+                      </p:childTnLst>
+                    </p:cTn>
+                  </p:par>
+                  <p:par>
+                    <p:cTn id="17" fill="hold">
+                      <p:stCondLst>
+                        <p:cond delay="indefinite"/>
+                      </p:stCondLst>
+                      <p:childTnLst>
+                        <p:par>
+                          <p:cTn id="18" fill="hold">
+                            <p:stCondLst>
+                              <p:cond delay="0"/>
+                            </p:stCondLst>
+                            <p:childTnLst>
+                              <p:par>
+                                <p:cTn id="19" presetID="10" presetClass="entr" presetSubtype="0" fill="hold" grpId="0" nodeType="clickEffect">
+                                  <p:stCondLst>
+                                    <p:cond delay="0"/>
+                                  </p:stCondLst>
+                                  <p:childTnLst>
+                                    <p:set>
+                                      <p:cBhvr>
+                                        <p:cTn id="20" dur="1" fill="hold">
+                                          <p:stCondLst>
+                                            <p:cond delay="0"/>
+                                          </p:stCondLst>
+                                        </p:cTn>
+                                        <p:tgtEl>
+                                          <p:spTgt spid="12"/>
+                                        </p:tgtEl>
+                                        <p:attrNameLst>
+                                          <p:attrName>style.visibility</p:attrName>
+                                        </p:attrNameLst>
+                                      </p:cBhvr>
+                                      <p:to>
+                                        <p:strVal val="visible"/>
+                                      </p:to>
+                                    </p:set>
+                                    <p:animEffect transition="in" filter="fade">
+                                      <p:cBhvr>
+                                        <p:cTn id="21" dur="500"/>
+                                        <p:tgtEl>
+                                          <p:spTgt spid="12"/>
+                                        </p:tgtEl>
+                                      </p:cBhvr>
+                                    </p:animEffect>
+                                  </p:childTnLst>
+                                </p:cTn>
+                              </p:par>
+                            </p:childTnLst>
+                          </p:cTn>
+                        </p:par>
+                      </p:childTnLst>
+                    </p:cTn>
+                  </p:par>
+                  <p:par>
+                    <p:cTn id="22" fill="hold">
+                      <p:stCondLst>
+                        <p:cond delay="indefinite"/>
+                      </p:stCondLst>
+                      <p:childTnLst>
+                        <p:par>
+                          <p:cTn id="23" fill="hold">
+                            <p:stCondLst>
+                              <p:cond delay="0"/>
+                            </p:stCondLst>
+                            <p:childTnLst>
+                              <p:par>
+                                <p:cTn id="24" presetID="22" presetClass="entr" presetSubtype="4" fill="hold" grpId="0" nodeType="clickEffect">
+                                  <p:stCondLst>
+                                    <p:cond delay="0"/>
+                                  </p:stCondLst>
+                                  <p:childTnLst>
+                                    <p:set>
+                                      <p:cBhvr>
+                                        <p:cTn id="25" dur="1" fill="hold">
+                                          <p:stCondLst>
+                                            <p:cond delay="0"/>
+                                          </p:stCondLst>
+                                        </p:cTn>
+                                        <p:tgtEl>
+                                          <p:spTgt spid="13"/>
+                                        </p:tgtEl>
+                                        <p:attrNameLst>
+                                          <p:attrName>style.visibility</p:attrName>
+                                        </p:attrNameLst>
+                                      </p:cBhvr>
+                                      <p:to>
+                                        <p:strVal val="visible"/>
+                                      </p:to>
+                                    </p:set>
+                                    <p:animEffect transition="in" filter="wipe(down)">
+                                      <p:cBhvr>
+                                        <p:cTn id="26" dur="500"/>
+                                        <p:tgtEl>
+                                          <p:spTgt spid="13"/>
+                                        </p:tgtEl>
+                                      </p:cBhvr>
+                                    </p:animEffect>
+                                  </p:childTnLst>
+                                </p:cTn>
+                              </p:par>
+                            </p:childTnLst>
+                          </p:cTn>
+                        </p:par>
+                      </p:childTnLst>
+                    </p:cTn>
+                  </p:par>
+                  <p:par>
+                    <p:cTn id="27" fill="hold">
+                      <p:stCondLst>
+                        <p:cond delay="indefinite"/>
+                      </p:stCondLst>
+                      <p:childTnLst>
+                        <p:par>
+                          <p:cTn id="28" fill="hold">
+                            <p:stCondLst>
+                              <p:cond delay="0"/>
+                            </p:stCondLst>
+                            <p:childTnLst>
+                              <p:par>
+                                <p:cTn id="29" presetID="22" presetClass="entr" presetSubtype="8" fill="hold" grpId="0" nodeType="clickEffect">
+                                  <p:stCondLst>
+                                    <p:cond delay="0"/>
+                                  </p:stCondLst>
+                                  <p:childTnLst>
+                                    <p:set>
+                                      <p:cBhvr>
+                                        <p:cTn id="30" dur="1" fill="hold">
+                                          <p:stCondLst>
+                                            <p:cond delay="0"/>
+                                          </p:stCondLst>
+                                        </p:cTn>
+                                        <p:tgtEl>
+                                          <p:spTgt spid="11"/>
+                                        </p:tgtEl>
+                                        <p:attrNameLst>
+                                          <p:attrName>style.visibility</p:attrName>
+                                        </p:attrNameLst>
+                                      </p:cBhvr>
+                                      <p:to>
+                                        <p:strVal val="visible"/>
+                                      </p:to>
+                                    </p:set>
+                                    <p:animEffect transition="in" filter="wipe(left)">
+                                      <p:cBhvr>
+                                        <p:cTn id="31" dur="500"/>
+                                        <p:tgtEl>
+                                          <p:spTgt spid="11"/>
+                                        </p:tgtEl>
+                                      </p:cBhvr>
+                                    </p:animEffect>
+                                  </p:childTnLst>
+                                </p:cTn>
+                              </p:par>
+                            </p:childTnLst>
+                          </p:cTn>
+                        </p:par>
+                      </p:childTnLst>
+                    </p:cTn>
+                  </p:par>
+                  <p:par>
+                    <p:cTn id="32" fill="hold">
+                      <p:stCondLst>
+                        <p:cond delay="indefinite"/>
+                      </p:stCondLst>
+                      <p:childTnLst>
+                        <p:par>
+                          <p:cTn id="33" fill="hold">
+                            <p:stCondLst>
+                              <p:cond delay="0"/>
+                            </p:stCondLst>
+                            <p:childTnLst>
+                              <p:par>
+                                <p:cTn id="34" presetID="1" presetClass="entr" presetSubtype="0" fill="hold" grpId="0" nodeType="clickEffect">
+                                  <p:stCondLst>
+                                    <p:cond delay="0"/>
+                                  </p:stCondLst>
+                                  <p:childTnLst>
+                                    <p:set>
+                                      <p:cBhvr>
+                                        <p:cTn id="35" dur="1" fill="hold">
+                                          <p:stCondLst>
+                                            <p:cond delay="0"/>
+                                          </p:stCondLst>
+                                        </p:cTn>
+                                        <p:tgtEl>
+                                          <p:spTgt spid="3">
+                                            <p:txEl>
+                                              <p:pRg st="0" end="0"/>
+                                            </p:txEl>
+                                          </p:spTgt>
+                                        </p:tgtEl>
+                                        <p:attrNameLst>
+                                          <p:attrName>style.visibility</p:attrName>
+                                        </p:attrNameLst>
+                                      </p:cBhvr>
+                                      <p:to>
+                                        <p:strVal val="visible"/>
+                                      </p:to>
+                                    </p:set>
+                                  </p:childTnLst>
+                                </p:cTn>
+                              </p:par>
+                              <p:par>
+                                <p:cTn id="36" presetID="1" presetClass="entr" presetSubtype="0" fill="hold" grpId="0" nodeType="withEffect">
+                                  <p:stCondLst>
+                                    <p:cond delay="0"/>
+                                  </p:stCondLst>
+                                  <p:childTnLst>
+                                    <p:set>
+                                      <p:cBhvr>
+                                        <p:cTn id="37" dur="1" fill="hold">
+                                          <p:stCondLst>
+                                            <p:cond delay="0"/>
+                                          </p:stCondLst>
+                                        </p:cTn>
+                                        <p:tgtEl>
+                                          <p:spTgt spid="3">
+                                            <p:txEl>
+                                              <p:pRg st="1" end="1"/>
+                                            </p:txEl>
+                                          </p:spTgt>
+                                        </p:tgtEl>
+                                        <p:attrNameLst>
+                                          <p:attrName>style.visibility</p:attrName>
+                                        </p:attrNameLst>
+                                      </p:cBhvr>
+                                      <p:to>
+                                        <p:strVal val="visible"/>
+                                      </p:to>
+                                    </p:set>
+                                  </p:childTnLst>
+                                </p:cTn>
+                              </p:par>
+                              <p:par>
+                                <p:cTn id="38" presetID="1" presetClass="entr" presetSubtype="0" fill="hold" grpId="0" nodeType="withEffect">
+                                  <p:stCondLst>
+                                    <p:cond delay="0"/>
+                                  </p:stCondLst>
+                                  <p:childTnLst>
+                                    <p:set>
+                                      <p:cBhvr>
+                                        <p:cTn id="39" dur="1" fill="hold">
+                                          <p:stCondLst>
+                                            <p:cond delay="0"/>
+                                          </p:stCondLst>
+                                        </p:cTn>
+                                        <p:tgtEl>
+                                          <p:spTgt spid="3">
+                                            <p:txEl>
+                                              <p:pRg st="2" end="2"/>
+                                            </p:txEl>
+                                          </p:spTgt>
+                                        </p:tgtEl>
+                                        <p:attrNameLst>
+                                          <p:attrName>style.visibility</p:attrName>
+                                        </p:attrNameLst>
+                                      </p:cBhvr>
+                                      <p:to>
+                                        <p:strVal val="visible"/>
+                                      </p:to>
+                                    </p:set>
+                                  </p:childTnLst>
+                                </p:cTn>
+                              </p:par>
+                              <p:par>
+                                <p:cTn id="40" presetID="1" presetClass="entr" presetSubtype="0" fill="hold" grpId="0" nodeType="withEffect">
+                                  <p:stCondLst>
+                                    <p:cond delay="0"/>
+                                  </p:stCondLst>
+                                  <p:childTnLst>
+                                    <p:set>
+                                      <p:cBhvr>
+                                        <p:cTn id="41" dur="1" fill="hold">
+                                          <p:stCondLst>
+                                            <p:cond delay="0"/>
+                                          </p:stCondLst>
+                                        </p:cTn>
+                                        <p:tgtEl>
+                                          <p:spTgt spid="3">
+                                            <p:txEl>
+                                              <p:pRg st="3" end="3"/>
+                                            </p:txEl>
+                                          </p:spTgt>
+                                        </p:tgtEl>
+                                        <p:attrNameLst>
+                                          <p:attrName>style.visibility</p:attrName>
+                                        </p:attrNameLst>
+                                      </p:cBhvr>
+                                      <p:to>
+                                        <p:strVal val="visible"/>
+                                      </p:to>
+                                    </p:set>
+                                  </p:childTnLst>
+                                </p:cTn>
+                              </p:par>
+                            </p:childTnLst>
+                          </p:cTn>
+                        </p:par>
+                      </p:childTnLst>
+                    </p:cTn>
+                  </p:par>
+                  <p:par>
+                    <p:cTn id="42" fill="hold">
+                      <p:stCondLst>
+                        <p:cond delay="indefinite"/>
+                      </p:stCondLst>
+                      <p:childTnLst>
+                        <p:par>
+                          <p:cTn id="43" fill="hold">
+                            <p:stCondLst>
+                              <p:cond delay="0"/>
+                            </p:stCondLst>
+                            <p:childTnLst>
+                              <p:par>
+                                <p:cTn id="44" presetID="1" presetClass="entr" presetSubtype="0" fill="hold" grpId="0" nodeType="clickEffect">
+                                  <p:stCondLst>
+                                    <p:cond delay="0"/>
+                                  </p:stCondLst>
+                                  <p:childTnLst>
+                                    <p:set>
+                                      <p:cBhvr>
+                                        <p:cTn id="45" dur="1" fill="hold">
+                                          <p:stCondLst>
+                                            <p:cond delay="0"/>
+                                          </p:stCondLst>
+                                        </p:cTn>
+                                        <p:tgtEl>
+                                          <p:spTgt spid="3">
+                                            <p:txEl>
+                                              <p:pRg st="4" end="4"/>
+                                            </p:txEl>
+                                          </p:spTgt>
+                                        </p:tgtEl>
+                                        <p:attrNameLst>
+                                          <p:attrName>style.visibility</p:attrName>
+                                        </p:attrNameLst>
+                                      </p:cBhvr>
+                                      <p:to>
+                                        <p:strVal val="visible"/>
+                                      </p:to>
+                                    </p:set>
+                                  </p:childTnLst>
+                                </p:cTn>
+                              </p:par>
+                              <p:par>
+                                <p:cTn id="46" presetID="1" presetClass="entr" presetSubtype="0" fill="hold" grpId="0" nodeType="withEffect">
+                                  <p:stCondLst>
+                                    <p:cond delay="0"/>
+                                  </p:stCondLst>
+                                  <p:childTnLst>
+                                    <p:set>
+                                      <p:cBhvr>
+                                        <p:cTn id="47" dur="1" fill="hold">
+                                          <p:stCondLst>
+                                            <p:cond delay="0"/>
+                                          </p:stCondLst>
+                                        </p:cTn>
+                                        <p:tgtEl>
+                                          <p:spTgt spid="3">
+                                            <p:txEl>
+                                              <p:pRg st="5" end="5"/>
+                                            </p:txEl>
+                                          </p:spTgt>
+                                        </p:tgtEl>
+                                        <p:attrNameLst>
+                                          <p:attrName>style.visibility</p:attrName>
+                                        </p:attrNameLst>
+                                      </p:cBhvr>
+                                      <p:to>
+                                        <p:strVal val="visible"/>
+                                      </p:to>
+                                    </p:set>
+                                  </p:childTnLst>
+                                </p:cTn>
+                              </p:par>
+                              <p:par>
+                                <p:cTn id="48" presetID="1" presetClass="entr" presetSubtype="0" fill="hold" grpId="0" nodeType="withEffect">
+                                  <p:stCondLst>
+                                    <p:cond delay="0"/>
+                                  </p:stCondLst>
+                                  <p:childTnLst>
+                                    <p:set>
+                                      <p:cBhvr>
+                                        <p:cTn id="49" dur="1" fill="hold">
+                                          <p:stCondLst>
+                                            <p:cond delay="0"/>
+                                          </p:stCondLst>
+                                        </p:cTn>
+                                        <p:tgtEl>
+                                          <p:spTgt spid="3">
+                                            <p:txEl>
+                                              <p:pRg st="6" end="6"/>
+                                            </p:txEl>
+                                          </p:spTgt>
+                                        </p:tgtEl>
+                                        <p:attrNameLst>
+                                          <p:attrName>style.visibility</p:attrName>
+                                        </p:attrNameLst>
+                                      </p:cBhvr>
+                                      <p:to>
+                                        <p:strVal val="visible"/>
+                                      </p:to>
+                                    </p:set>
+                                  </p:childTnLst>
+                                </p:cTn>
+                              </p:par>
+                              <p:par>
+                                <p:cTn id="50" presetID="1" presetClass="entr" presetSubtype="0" fill="hold" grpId="0" nodeType="withEffect">
+                                  <p:stCondLst>
+                                    <p:cond delay="0"/>
+                                  </p:stCondLst>
+                                  <p:childTnLst>
+                                    <p:set>
+                                      <p:cBhvr>
+                                        <p:cTn id="51" dur="1" fill="hold">
+                                          <p:stCondLst>
+                                            <p:cond delay="0"/>
+                                          </p:stCondLst>
+                                        </p:cTn>
+                                        <p:tgtEl>
+                                          <p:spTgt spid="3">
+                                            <p:txEl>
+                                              <p:pRg st="7" end="7"/>
+                                            </p:txEl>
+                                          </p:spTgt>
+                                        </p:tgtEl>
+                                        <p:attrNameLst>
+                                          <p:attrName>style.visibility</p:attrName>
+                                        </p:attrNameLst>
+                                      </p:cBhvr>
+                                      <p:to>
+                                        <p:strVal val="visible"/>
+                                      </p:to>
+                                    </p:set>
+                                  </p:childTnLst>
+                                </p:cTn>
+                              </p:par>
+                            </p:childTnLst>
+                          </p:cTn>
+                        </p:par>
+                      </p:childTnLst>
+                    </p:cTn>
+                  </p:par>
+                  <p:par>
+                    <p:cTn id="52" fill="hold">
+                      <p:stCondLst>
+                        <p:cond delay="indefinite"/>
+                      </p:stCondLst>
+                      <p:childTnLst>
+                        <p:par>
+                          <p:cTn id="53" fill="hold">
+                            <p:stCondLst>
+                              <p:cond delay="0"/>
+                            </p:stCondLst>
+                            <p:childTnLst>
+                              <p:par>
+                                <p:cTn id="54" presetID="1" presetClass="entr" presetSubtype="0" fill="hold" grpId="0" nodeType="clickEffect">
+                                  <p:stCondLst>
+                                    <p:cond delay="0"/>
+                                  </p:stCondLst>
+                                  <p:childTnLst>
+                                    <p:set>
+                                      <p:cBhvr>
+                                        <p:cTn id="55" dur="1" fill="hold">
+                                          <p:stCondLst>
+                                            <p:cond delay="0"/>
+                                          </p:stCondLst>
+                                        </p:cTn>
+                                        <p:tgtEl>
+                                          <p:spTgt spid="3">
+                                            <p:txEl>
+                                              <p:pRg st="8" end="8"/>
+                                            </p:txEl>
+                                          </p:spTgt>
+                                        </p:tgtEl>
+                                        <p:attrNameLst>
+                                          <p:attrName>style.visibility</p:attrName>
+                                        </p:attrNameLst>
+                                      </p:cBhvr>
+                                      <p:to>
+                                        <p:strVal val="visible"/>
+                                      </p:to>
+                                    </p:set>
+                                  </p:childTnLst>
+                                </p:cTn>
+                              </p:par>
+                              <p:par>
+                                <p:cTn id="56" presetID="1" presetClass="entr" presetSubtype="0" fill="hold" grpId="0" nodeType="withEffect">
+                                  <p:stCondLst>
+                                    <p:cond delay="0"/>
+                                  </p:stCondLst>
+                                  <p:childTnLst>
+                                    <p:set>
+                                      <p:cBhvr>
+                                        <p:cTn id="57" dur="1" fill="hold">
+                                          <p:stCondLst>
+                                            <p:cond delay="0"/>
+                                          </p:stCondLst>
+                                        </p:cTn>
+                                        <p:tgtEl>
+                                          <p:spTgt spid="3">
+                                            <p:txEl>
+                                              <p:pRg st="9" end="9"/>
+                                            </p:txEl>
+                                          </p:spTgt>
+                                        </p:tgtEl>
+                                        <p:attrNameLst>
+                                          <p:attrName>style.visibility</p:attrName>
+                                        </p:attrNameLst>
+                                      </p:cBhvr>
+                                      <p:to>
+                                        <p:strVal val="visible"/>
+                                      </p:to>
+                                    </p:set>
+                                  </p:childTnLst>
+                                </p:cTn>
+                              </p:par>
+                            </p:childTnLst>
+                          </p:cTn>
+                        </p:par>
+                      </p:childTnLst>
+                    </p:cTn>
+                  </p:par>
+                  <p:par>
+                    <p:cTn id="58" fill="hold">
+                      <p:stCondLst>
+                        <p:cond delay="indefinite"/>
+                      </p:stCondLst>
+                      <p:childTnLst>
+                        <p:par>
+                          <p:cTn id="59" fill="hold">
+                            <p:stCondLst>
+                              <p:cond delay="0"/>
+                            </p:stCondLst>
+                            <p:childTnLst>
+                              <p:par>
+                                <p:cTn id="60" presetID="1" presetClass="entr" presetSubtype="0" fill="hold" grpId="0" nodeType="clickEffect">
+                                  <p:stCondLst>
+                                    <p:cond delay="0"/>
+                                  </p:stCondLst>
+                                  <p:childTnLst>
+                                    <p:set>
+                                      <p:cBhvr>
+                                        <p:cTn id="61" dur="1" fill="hold">
+                                          <p:stCondLst>
+                                            <p:cond delay="0"/>
+                                          </p:stCondLst>
+                                        </p:cTn>
+                                        <p:tgtEl>
+                                          <p:spTgt spid="3">
+                                            <p:txEl>
+                                              <p:pRg st="10" end="10"/>
+                                            </p:txEl>
+                                          </p:spTgt>
+                                        </p:tgtEl>
+                                        <p:attrNameLst>
+                                          <p:attrName>style.visibility</p:attrName>
+                                        </p:attrNameLst>
+                                      </p:cBhvr>
+                                      <p:to>
+                                        <p:strVal val="visible"/>
+                                      </p:to>
+                                    </p:set>
+                                  </p:childTnLst>
+                                </p:cTn>
+                              </p:par>
+                              <p:par>
+                                <p:cTn id="62" presetID="1" presetClass="entr" presetSubtype="0" fill="hold" grpId="0" nodeType="withEffect">
+                                  <p:stCondLst>
+                                    <p:cond delay="0"/>
+                                  </p:stCondLst>
+                                  <p:childTnLst>
+                                    <p:set>
+                                      <p:cBhvr>
+                                        <p:cTn id="63" dur="1" fill="hold">
+                                          <p:stCondLst>
+                                            <p:cond delay="0"/>
+                                          </p:stCondLst>
+                                        </p:cTn>
+                                        <p:tgtEl>
+                                          <p:spTgt spid="3">
+                                            <p:txEl>
+                                              <p:pRg st="11" end="11"/>
+                                            </p:txEl>
+                                          </p:spTgt>
+                                        </p:tgtEl>
+                                        <p:attrNameLst>
+                                          <p:attrName>style.visibility</p:attrName>
+                                        </p:attrNameLst>
+                                      </p:cBhvr>
+                                      <p:to>
+                                        <p:strVal val="visible"/>
+                                      </p:to>
+                                    </p:set>
+                                  </p:childTnLst>
+                                </p:cTn>
+                              </p:par>
+                            </p:childTnLst>
+                          </p:cTn>
+                        </p:par>
+                      </p:childTnLst>
+                    </p:cTn>
+                  </p:par>
                 </p:childTnLst>
               </p:cTn>
               <p:prevCondLst>
@@ -31994,7 +33107,13 @@
       </p:par>
     </p:tnLst>
     <p:bldLst>
+      <p:bldP spid="3" grpId="0" build="p"/>
+      <p:bldP spid="11" grpId="0" animBg="1"/>
+      <p:bldP spid="13" grpId="0" animBg="1"/>
+      <p:bldP spid="12" grpId="0" animBg="1"/>
       <p:bldP spid="4" grpId="0" animBg="1"/>
+      <p:bldP spid="10" grpId="0" animBg="1"/>
+      <p:bldP spid="14" grpId="0" animBg="1"/>
     </p:bldLst>
   </p:timing>
 </p:sld>
@@ -32038,7 +33157,10 @@
           <a:bodyPr/>
           <a:lstStyle/>
           <a:p>
-            <a:endParaRPr lang="fr-FR"/>
+            <a:r>
+              <a:rPr lang="fr-FR" dirty="0"/>
+              <a:t>Exemples</a:t>
+            </a:r>
           </a:p>
         </p:txBody>
       </p:sp>
@@ -32058,9 +33180,16 @@
             <p:ph idx="1"/>
           </p:nvPr>
         </p:nvSpPr>
-        <p:spPr/>
+        <p:spPr>
+          <a:xfrm>
+            <a:off x="838200" y="1825624"/>
+            <a:ext cx="10515600" cy="5032375"/>
+          </a:xfrm>
+        </p:spPr>
         <p:txBody>
-          <a:bodyPr/>
+          <a:bodyPr>
+            <a:normAutofit/>
+          </a:bodyPr>
           <a:lstStyle/>
           <a:p>
             <a:pPr marL="0" marR="0" indent="0">
@@ -32077,91 +33206,131 @@
                 <a:effectLst/>
                 <a:latin typeface="Courier New" panose="02070309020205020404" pitchFamily="49" charset="0"/>
               </a:rPr>
-              <a:t>Fraude carte bancaire</a:t>
-            </a:r>
-          </a:p>
-          <a:p>
-            <a:pPr marL="457200" lvl="1">
+              <a:t>Carte bancaire identifiée comme fausse (=1)</a:t>
+            </a:r>
+          </a:p>
+          <a:p>
+            <a:pPr marL="0" marR="0" indent="0">
+              <a:spcBef>
+                <a:spcPts val="0"/>
+              </a:spcBef>
+              <a:spcAft>
+                <a:spcPts val="0"/>
+              </a:spcAft>
+              <a:buNone/>
+            </a:pPr>
+            <a:r>
+              <a:rPr lang="fr-FR" sz="1800" dirty="0">
+                <a:effectLst/>
+                <a:latin typeface="Courier New" panose="02070309020205020404" pitchFamily="49" charset="0"/>
+              </a:rPr>
+              <a:t>On se place en TP </a:t>
+            </a:r>
+          </a:p>
+          <a:p>
+            <a:pPr marL="0" marR="0" indent="0">
+              <a:spcBef>
+                <a:spcPts val="0"/>
+              </a:spcBef>
+              <a:spcAft>
+                <a:spcPts val="0"/>
+              </a:spcAft>
+              <a:buNone/>
+            </a:pPr>
+            <a:r>
+              <a:rPr lang="fr-FR" sz="1800" dirty="0">
+                <a:effectLst/>
+                <a:latin typeface="Courier New" panose="02070309020205020404" pitchFamily="49" charset="0"/>
+              </a:rPr>
+              <a:t>On peut accepter FP non nul? </a:t>
+            </a:r>
+          </a:p>
+          <a:p>
+            <a:pPr>
               <a:spcBef>
                 <a:spcPts val="0"/>
               </a:spcBef>
             </a:pPr>
             <a:r>
-              <a:rPr lang="fr-FR" sz="1400" dirty="0">
+              <a:rPr lang="fr-FR" sz="1800" dirty="0">
                 <a:effectLst/>
                 <a:latin typeface="Courier New" panose="02070309020205020404" pitchFamily="49" charset="0"/>
               </a:rPr>
-              <a:t>On ne veut pas manquer une fausse carte</a:t>
-            </a:r>
-          </a:p>
-          <a:p>
-            <a:pPr marL="457200" lvl="1">
+              <a:t>Carte observée vraie alors qu'on a prédit fausse? </a:t>
+            </a:r>
+          </a:p>
+          <a:p>
+            <a:pPr>
               <a:spcBef>
                 <a:spcPts val="0"/>
               </a:spcBef>
             </a:pPr>
             <a:r>
-              <a:rPr lang="fr-FR" sz="1400" dirty="0">
+              <a:rPr lang="fr-FR" sz="1800" dirty="0">
                 <a:effectLst/>
                 <a:latin typeface="Courier New" panose="02070309020205020404" pitchFamily="49" charset="0"/>
               </a:rPr>
-              <a:t>Donc on veut un Faux </a:t>
-            </a:r>
-            <a:r>
-              <a:rPr lang="fr-FR" sz="1400" dirty="0" err="1">
+              <a:t>Je ne sais pas</a:t>
+            </a:r>
+          </a:p>
+          <a:p>
+            <a:pPr marL="0" marR="0" indent="0">
+              <a:spcBef>
+                <a:spcPts val="0"/>
+              </a:spcBef>
+              <a:spcAft>
+                <a:spcPts val="0"/>
+              </a:spcAft>
+              <a:buNone/>
+            </a:pPr>
+            <a:r>
+              <a:rPr lang="fr-FR" sz="1800" dirty="0">
                 <a:effectLst/>
                 <a:latin typeface="Courier New" panose="02070309020205020404" pitchFamily="49" charset="0"/>
               </a:rPr>
-              <a:t>Negatif</a:t>
-            </a:r>
-            <a:r>
-              <a:rPr lang="fr-FR" sz="1400" dirty="0">
-                <a:effectLst/>
-                <a:latin typeface="Courier New" panose="02070309020205020404" pitchFamily="49" charset="0"/>
-              </a:rPr>
-              <a:t> bas</a:t>
-            </a:r>
-          </a:p>
-          <a:p>
-            <a:pPr marL="457200" lvl="1">
+              <a:t>On peut accepter FN non nul? </a:t>
+            </a:r>
+          </a:p>
+          <a:p>
+            <a:pPr>
               <a:spcBef>
                 <a:spcPts val="0"/>
               </a:spcBef>
             </a:pPr>
             <a:r>
-              <a:rPr lang="fr-FR" sz="1400" dirty="0" err="1">
+              <a:rPr lang="fr-FR" sz="1800" dirty="0">
                 <a:effectLst/>
                 <a:latin typeface="Courier New" panose="02070309020205020404" pitchFamily="49" charset="0"/>
               </a:rPr>
-              <a:t>Recall</a:t>
-            </a:r>
-            <a:r>
-              <a:rPr lang="fr-FR" sz="1400" dirty="0">
-                <a:effectLst/>
-                <a:latin typeface="Courier New" panose="02070309020205020404" pitchFamily="49" charset="0"/>
-              </a:rPr>
-              <a:t>    doit être proche de 1</a:t>
-            </a:r>
-          </a:p>
-          <a:p>
-            <a:pPr marL="457200" lvl="1">
+              <a:t>Carte observée fausse alors qu'on a prédit vraie? </a:t>
+            </a:r>
+          </a:p>
+          <a:p>
+            <a:pPr>
               <a:spcBef>
                 <a:spcPts val="0"/>
               </a:spcBef>
             </a:pPr>
             <a:r>
-              <a:rPr lang="fr-FR" sz="1400" dirty="0" err="1">
+              <a:rPr lang="fr-FR" sz="1800" dirty="0">
                 <a:effectLst/>
                 <a:latin typeface="Courier New" panose="02070309020205020404" pitchFamily="49" charset="0"/>
               </a:rPr>
-              <a:t>Precision</a:t>
-            </a:r>
-            <a:r>
-              <a:rPr lang="fr-FR" sz="1400" dirty="0">
+              <a:t>Non ! =&gt; FN=0 =&gt; </a:t>
+            </a:r>
+            <a:r>
+              <a:rPr lang="fr-FR" sz="1800" dirty="0" err="1">
                 <a:effectLst/>
                 <a:latin typeface="Courier New" panose="02070309020205020404" pitchFamily="49" charset="0"/>
               </a:rPr>
-              <a:t> peut être moyen </a:t>
+              <a:t>Recall</a:t>
+            </a:r>
+            <a:r>
+              <a:rPr lang="fr-FR" sz="1800" dirty="0">
+                <a:effectLst/>
+                <a:latin typeface="Courier New" panose="02070309020205020404" pitchFamily="49" charset="0"/>
+              </a:rPr>
+              <a:t> =1</a:t>
             </a:r>
           </a:p>
           <a:p>
@@ -32208,6 +33377,7 @@
               <a:buNone/>
             </a:pPr>
             <a:endParaRPr lang="fr-FR" sz="1800" dirty="0">
+              <a:effectLst/>
               <a:latin typeface="Courier New" panose="02070309020205020404" pitchFamily="49" charset="0"/>
             </a:endParaRPr>
           </a:p>
@@ -32221,10 +33391,13 @@
               </a:spcAft>
               <a:buNone/>
             </a:pPr>
-            <a:endParaRPr lang="fr-FR" sz="1800" dirty="0">
-              <a:effectLst/>
-              <a:latin typeface="Courier New" panose="02070309020205020404" pitchFamily="49" charset="0"/>
-            </a:endParaRPr>
+            <a:r>
+              <a:rPr lang="fr-FR" sz="1800" dirty="0">
+                <a:effectLst/>
+                <a:latin typeface="Courier New" panose="02070309020205020404" pitchFamily="49" charset="0"/>
+              </a:rPr>
+              <a:t>Mails identifiés comme SPAM (=1)</a:t>
+            </a:r>
           </a:p>
           <a:p>
             <a:pPr marL="0" marR="0" indent="0">
@@ -32241,77 +33414,113 @@
                 <a:effectLst/>
                 <a:latin typeface="Courier New" panose="02070309020205020404" pitchFamily="49" charset="0"/>
               </a:rPr>
-              <a:t>Spam</a:t>
-            </a:r>
-          </a:p>
-          <a:p>
-            <a:pPr marL="457200" lvl="1">
+              <a:t>On se place en TP</a:t>
+            </a:r>
+          </a:p>
+          <a:p>
+            <a:pPr marL="0" marR="0" indent="0">
+              <a:spcBef>
+                <a:spcPts val="0"/>
+              </a:spcBef>
+              <a:spcAft>
+                <a:spcPts val="0"/>
+              </a:spcAft>
+              <a:buNone/>
+            </a:pPr>
+            <a:r>
+              <a:rPr lang="fr-FR" sz="1800" dirty="0">
+                <a:effectLst/>
+                <a:latin typeface="Courier New" panose="02070309020205020404" pitchFamily="49" charset="0"/>
+              </a:rPr>
+              <a:t>On peut accepter FN non nul? </a:t>
+            </a:r>
+          </a:p>
+          <a:p>
+            <a:pPr>
               <a:spcBef>
                 <a:spcPts val="0"/>
               </a:spcBef>
             </a:pPr>
             <a:r>
-              <a:rPr lang="fr-FR" sz="1400" dirty="0">
+              <a:rPr lang="fr-FR" sz="1800" dirty="0">
                 <a:effectLst/>
                 <a:latin typeface="Courier New" panose="02070309020205020404" pitchFamily="49" charset="0"/>
               </a:rPr>
-              <a:t>On ne veut pas de vrai mail classé en spam</a:t>
-            </a:r>
-          </a:p>
-          <a:p>
-            <a:pPr marL="457200" lvl="1">
+              <a:t>Mail observé comme SPAM alors qu'on l'a prédit comme BON? </a:t>
+            </a:r>
+          </a:p>
+          <a:p>
+            <a:pPr>
               <a:spcBef>
                 <a:spcPts val="0"/>
               </a:spcBef>
             </a:pPr>
             <a:r>
-              <a:rPr lang="fr-FR" sz="1400" dirty="0">
+              <a:rPr lang="fr-FR" sz="1800" dirty="0">
                 <a:effectLst/>
                 <a:latin typeface="Courier New" panose="02070309020205020404" pitchFamily="49" charset="0"/>
               </a:rPr>
-              <a:t>Donc on veut un Faux Positif bas</a:t>
-            </a:r>
-          </a:p>
-          <a:p>
-            <a:pPr marL="457200" lvl="1">
+              <a:t>Je ne sais pas</a:t>
+            </a:r>
+          </a:p>
+          <a:p>
+            <a:pPr marL="0" marR="0" indent="0">
+              <a:spcBef>
+                <a:spcPts val="0"/>
+              </a:spcBef>
+              <a:spcAft>
+                <a:spcPts val="0"/>
+              </a:spcAft>
+              <a:buNone/>
+            </a:pPr>
+            <a:r>
+              <a:rPr lang="fr-FR" sz="1800" dirty="0">
+                <a:effectLst/>
+                <a:latin typeface="Courier New" panose="02070309020205020404" pitchFamily="49" charset="0"/>
+              </a:rPr>
+              <a:t>On peut accepter FP non nul? </a:t>
+            </a:r>
+          </a:p>
+          <a:p>
+            <a:pPr>
               <a:spcBef>
                 <a:spcPts val="0"/>
               </a:spcBef>
             </a:pPr>
             <a:r>
-              <a:rPr lang="fr-FR" sz="1400" dirty="0" err="1">
+              <a:rPr lang="fr-FR" sz="1800" dirty="0">
                 <a:effectLst/>
                 <a:latin typeface="Courier New" panose="02070309020205020404" pitchFamily="49" charset="0"/>
               </a:rPr>
-              <a:t>Recall</a:t>
-            </a:r>
-            <a:r>
-              <a:rPr lang="fr-FR" sz="1400" dirty="0">
-                <a:effectLst/>
-                <a:latin typeface="Courier New" panose="02070309020205020404" pitchFamily="49" charset="0"/>
-              </a:rPr>
-              <a:t>    peut être moyen</a:t>
-            </a:r>
-          </a:p>
-          <a:p>
-            <a:pPr marL="457200" lvl="1">
+              <a:t>Mail observé comme BON alors qu'on l'a prédit comme SPAM? </a:t>
+            </a:r>
+          </a:p>
+          <a:p>
+            <a:pPr>
               <a:spcBef>
                 <a:spcPts val="0"/>
               </a:spcBef>
             </a:pPr>
             <a:r>
-              <a:rPr lang="fr-FR" sz="1400" dirty="0" err="1">
+              <a:rPr lang="fr-FR" sz="1800" dirty="0">
                 <a:effectLst/>
                 <a:latin typeface="Courier New" panose="02070309020205020404" pitchFamily="49" charset="0"/>
               </a:rPr>
-              <a:t>Precision</a:t>
-            </a:r>
-            <a:r>
-              <a:rPr lang="fr-FR" sz="1400" dirty="0">
+              <a:t>Non ! =&gt; FP=0 =&gt; </a:t>
+            </a:r>
+            <a:r>
+              <a:rPr lang="fr-FR" sz="1800" dirty="0" err="1">
                 <a:effectLst/>
                 <a:latin typeface="Courier New" panose="02070309020205020404" pitchFamily="49" charset="0"/>
               </a:rPr>
-              <a:t> doit être proche de 1 </a:t>
+              <a:t>Precision</a:t>
+            </a:r>
+            <a:r>
+              <a:rPr lang="fr-FR" sz="1800" dirty="0">
+                <a:effectLst/>
+                <a:latin typeface="Courier New" panose="02070309020205020404" pitchFamily="49" charset="0"/>
+              </a:rPr>
+              <a:t> = 1 </a:t>
             </a:r>
           </a:p>
           <a:p>
@@ -32319,12 +33528,41 @@
           </a:p>
         </p:txBody>
       </p:sp>
+      <p:pic>
+        <p:nvPicPr>
+          <p:cNvPr id="6" name="Image 5">
+            <a:extLst>
+              <a:ext uri="{FF2B5EF4-FFF2-40B4-BE49-F238E27FC236}">
+                <a16:creationId xmlns:a16="http://schemas.microsoft.com/office/drawing/2014/main" id="{16232193-5BE7-0ACA-60D2-87BC5AE0EB8A}"/>
+              </a:ext>
+            </a:extLst>
+          </p:cNvPr>
+          <p:cNvPicPr>
+            <a:picLocks noChangeAspect="1"/>
+          </p:cNvPicPr>
+          <p:nvPr/>
+        </p:nvPicPr>
+        <p:blipFill rotWithShape="1">
+          <a:blip r:embed="rId3"/>
+          <a:srcRect r="12822"/>
+          <a:stretch/>
+        </p:blipFill>
+        <p:spPr>
+          <a:xfrm>
+            <a:off x="8706499" y="2143612"/>
+            <a:ext cx="2945088" cy="3041509"/>
+          </a:xfrm>
+          <a:prstGeom prst="rect">
+            <a:avLst/>
+          </a:prstGeom>
+        </p:spPr>
+      </p:pic>
       <p:sp>
         <p:nvSpPr>
-          <p:cNvPr id="4" name="ZoneTexte 3">
+          <p:cNvPr id="7" name="ZoneTexte 6">
             <a:extLst>
               <a:ext uri="{FF2B5EF4-FFF2-40B4-BE49-F238E27FC236}">
-                <a16:creationId xmlns:a16="http://schemas.microsoft.com/office/drawing/2014/main" id="{BC769971-6696-B68B-7A7E-C22BD1307536}"/>
+                <a16:creationId xmlns:a16="http://schemas.microsoft.com/office/drawing/2014/main" id="{903BB74F-E6CB-B1E7-21B5-F9FC5A4F9262}"/>
               </a:ext>
             </a:extLst>
           </p:cNvPr>
@@ -32333,8 +33571,8 @@
         </p:nvSpPr>
         <p:spPr>
           <a:xfrm>
-            <a:off x="7419717" y="4598058"/>
-            <a:ext cx="1563248" cy="646331"/>
+            <a:off x="10977568" y="4285899"/>
+            <a:ext cx="415498" cy="369332"/>
           </a:xfrm>
           <a:prstGeom prst="rect">
             <a:avLst/>
@@ -32347,38 +33585,24 @@
           </a:bodyPr>
           <a:lstStyle/>
           <a:p>
-            <a:pPr algn="ctr"/>
-            <a:r>
-              <a:rPr lang="fr-FR" sz="1800" dirty="0" err="1">
-                <a:effectLst/>
-                <a:latin typeface="Courier New" panose="02070309020205020404" pitchFamily="49" charset="0"/>
-              </a:rPr>
-              <a:t>Precision</a:t>
-            </a:r>
-            <a:endParaRPr lang="fr-FR" sz="1800" dirty="0">
-              <a:effectLst/>
-              <a:latin typeface="Courier New" panose="02070309020205020404" pitchFamily="49" charset="0"/>
-            </a:endParaRPr>
-          </a:p>
-          <a:p>
-            <a:pPr algn="ctr"/>
-            <a:r>
-              <a:rPr lang="fr-FR" sz="1800" dirty="0">
-                <a:effectLst/>
-                <a:latin typeface="Courier New" panose="02070309020205020404" pitchFamily="49" charset="0"/>
-              </a:rPr>
-              <a:t>TP/(TP+FP)</a:t>
-            </a:r>
-            <a:endParaRPr lang="fr-FR" dirty="0"/>
+            <a:r>
+              <a:rPr lang="fr-FR" dirty="0">
+                <a:solidFill>
+                  <a:schemeClr val="bg1"/>
+                </a:solidFill>
+                <a:latin typeface="Impact" panose="020B0806030902050204" pitchFamily="34" charset="0"/>
+              </a:rPr>
+              <a:t>TP</a:t>
+            </a:r>
           </a:p>
         </p:txBody>
       </p:sp>
       <p:sp>
         <p:nvSpPr>
-          <p:cNvPr id="5" name="ZoneTexte 4">
+          <p:cNvPr id="8" name="ZoneTexte 7">
             <a:extLst>
               <a:ext uri="{FF2B5EF4-FFF2-40B4-BE49-F238E27FC236}">
-                <a16:creationId xmlns:a16="http://schemas.microsoft.com/office/drawing/2014/main" id="{6722959C-02DD-0821-1CC0-81C189230146}"/>
+                <a16:creationId xmlns:a16="http://schemas.microsoft.com/office/drawing/2014/main" id="{B151808F-66C2-A29F-B517-2E77CB35EA0D}"/>
               </a:ext>
             </a:extLst>
           </p:cNvPr>
@@ -32387,8 +33611,8 @@
         </p:nvSpPr>
         <p:spPr>
           <a:xfrm>
-            <a:off x="7586119" y="2441648"/>
-            <a:ext cx="1563248" cy="646331"/>
+            <a:off x="9440479" y="3047902"/>
+            <a:ext cx="415498" cy="369332"/>
           </a:xfrm>
           <a:prstGeom prst="rect">
             <a:avLst/>
@@ -32401,32 +33625,275 @@
           </a:bodyPr>
           <a:lstStyle/>
           <a:p>
+            <a:r>
+              <a:rPr lang="fr-FR" dirty="0">
+                <a:latin typeface="Impact" panose="020B0806030902050204" pitchFamily="34" charset="0"/>
+              </a:rPr>
+              <a:t>TN</a:t>
+            </a:r>
+          </a:p>
+        </p:txBody>
+      </p:sp>
+      <p:sp>
+        <p:nvSpPr>
+          <p:cNvPr id="9" name="ZoneTexte 8">
+            <a:extLst>
+              <a:ext uri="{FF2B5EF4-FFF2-40B4-BE49-F238E27FC236}">
+                <a16:creationId xmlns:a16="http://schemas.microsoft.com/office/drawing/2014/main" id="{2A182E55-D27E-DCE7-C0D2-AD7A05844F32}"/>
+              </a:ext>
+            </a:extLst>
+          </p:cNvPr>
+          <p:cNvSpPr txBox="1"/>
+          <p:nvPr/>
+        </p:nvSpPr>
+        <p:spPr>
+          <a:xfrm>
+            <a:off x="10944534" y="3150242"/>
+            <a:ext cx="391454" cy="369332"/>
+          </a:xfrm>
+          <a:prstGeom prst="rect">
+            <a:avLst/>
+          </a:prstGeom>
+          <a:noFill/>
+        </p:spPr>
+        <p:txBody>
+          <a:bodyPr wrap="none" rtlCol="0">
+            <a:spAutoFit/>
+          </a:bodyPr>
+          <a:lstStyle/>
+          <a:p>
+            <a:r>
+              <a:rPr lang="fr-FR" dirty="0">
+                <a:solidFill>
+                  <a:schemeClr val="bg1"/>
+                </a:solidFill>
+                <a:latin typeface="Impact" panose="020B0806030902050204" pitchFamily="34" charset="0"/>
+              </a:rPr>
+              <a:t>FP</a:t>
+            </a:r>
+          </a:p>
+        </p:txBody>
+      </p:sp>
+      <p:sp>
+        <p:nvSpPr>
+          <p:cNvPr id="10" name="ZoneTexte 9">
+            <a:extLst>
+              <a:ext uri="{FF2B5EF4-FFF2-40B4-BE49-F238E27FC236}">
+                <a16:creationId xmlns:a16="http://schemas.microsoft.com/office/drawing/2014/main" id="{94C51D79-EF7C-AB50-23B8-8D20A261FECE}"/>
+              </a:ext>
+            </a:extLst>
+          </p:cNvPr>
+          <p:cNvSpPr txBox="1"/>
+          <p:nvPr/>
+        </p:nvSpPr>
+        <p:spPr>
+          <a:xfrm>
+            <a:off x="9429741" y="4327133"/>
+            <a:ext cx="401072" cy="369332"/>
+          </a:xfrm>
+          <a:prstGeom prst="rect">
+            <a:avLst/>
+          </a:prstGeom>
+          <a:noFill/>
+        </p:spPr>
+        <p:txBody>
+          <a:bodyPr wrap="none" rtlCol="0">
+            <a:spAutoFit/>
+          </a:bodyPr>
+          <a:lstStyle/>
+          <a:p>
+            <a:r>
+              <a:rPr lang="fr-FR" dirty="0">
+                <a:solidFill>
+                  <a:schemeClr val="bg1"/>
+                </a:solidFill>
+                <a:latin typeface="Impact" panose="020B0806030902050204" pitchFamily="34" charset="0"/>
+              </a:rPr>
+              <a:t>FN</a:t>
+            </a:r>
+          </a:p>
+        </p:txBody>
+      </p:sp>
+      <p:sp>
+        <p:nvSpPr>
+          <p:cNvPr id="11" name="Flèche : droite 10">
+            <a:extLst>
+              <a:ext uri="{FF2B5EF4-FFF2-40B4-BE49-F238E27FC236}">
+                <a16:creationId xmlns:a16="http://schemas.microsoft.com/office/drawing/2014/main" id="{34E0538E-23B4-71CE-3C2D-9817412EE88A}"/>
+              </a:ext>
+            </a:extLst>
+          </p:cNvPr>
+          <p:cNvSpPr/>
+          <p:nvPr/>
+        </p:nvSpPr>
+        <p:spPr>
+          <a:xfrm>
+            <a:off x="9071115" y="4945594"/>
+            <a:ext cx="2462709" cy="415126"/>
+          </a:xfrm>
+          <a:prstGeom prst="rightArrow">
+            <a:avLst/>
+          </a:prstGeom>
+          <a:ln>
+            <a:noFill/>
+          </a:ln>
+        </p:spPr>
+        <p:style>
+          <a:lnRef idx="2">
+            <a:schemeClr val="accent2">
+              <a:shade val="15000"/>
+            </a:schemeClr>
+          </a:lnRef>
+          <a:fillRef idx="1">
+            <a:schemeClr val="accent2"/>
+          </a:fillRef>
+          <a:effectRef idx="0">
+            <a:schemeClr val="accent2"/>
+          </a:effectRef>
+          <a:fontRef idx="minor">
+            <a:schemeClr val="lt1"/>
+          </a:fontRef>
+        </p:style>
+        <p:txBody>
+          <a:bodyPr rtlCol="0" anchor="ctr"/>
+          <a:lstStyle/>
+          <a:p>
             <a:pPr algn="ctr"/>
             <a:r>
-              <a:rPr lang="fr-FR" sz="1800" dirty="0" err="1">
-                <a:effectLst/>
+              <a:rPr lang="fr-FR" sz="1400" dirty="0" err="1"/>
+              <a:t>Recall</a:t>
+            </a:r>
+            <a:endParaRPr lang="fr-FR" sz="1400" dirty="0"/>
+          </a:p>
+        </p:txBody>
+      </p:sp>
+      <p:sp>
+        <p:nvSpPr>
+          <p:cNvPr id="12" name="Flèche : haut 11">
+            <a:extLst>
+              <a:ext uri="{FF2B5EF4-FFF2-40B4-BE49-F238E27FC236}">
+                <a16:creationId xmlns:a16="http://schemas.microsoft.com/office/drawing/2014/main" id="{2B2780A1-6B03-466D-6689-6AACCC9C683D}"/>
+              </a:ext>
+            </a:extLst>
+          </p:cNvPr>
+          <p:cNvSpPr/>
+          <p:nvPr/>
+        </p:nvSpPr>
+        <p:spPr>
+          <a:xfrm>
+            <a:off x="11651587" y="2445328"/>
+            <a:ext cx="448785" cy="2405186"/>
+          </a:xfrm>
+          <a:prstGeom prst="upArrow">
+            <a:avLst/>
+          </a:prstGeom>
+        </p:spPr>
+        <p:style>
+          <a:lnRef idx="2">
+            <a:schemeClr val="accent1">
+              <a:shade val="15000"/>
+            </a:schemeClr>
+          </a:lnRef>
+          <a:fillRef idx="1">
+            <a:schemeClr val="accent1"/>
+          </a:fillRef>
+          <a:effectRef idx="0">
+            <a:schemeClr val="accent1"/>
+          </a:effectRef>
+          <a:fontRef idx="minor">
+            <a:schemeClr val="lt1"/>
+          </a:fontRef>
+        </p:style>
+        <p:txBody>
+          <a:bodyPr vert="vert270" rtlCol="0" anchor="ctr"/>
+          <a:lstStyle/>
+          <a:p>
+            <a:pPr algn="ctr"/>
+            <a:r>
+              <a:rPr lang="fr-FR" sz="1400" dirty="0" err="1"/>
+              <a:t>Precision</a:t>
+            </a:r>
+            <a:endParaRPr lang="fr-FR" sz="1400" dirty="0"/>
+          </a:p>
+        </p:txBody>
+      </p:sp>
+      <p:sp>
+        <p:nvSpPr>
+          <p:cNvPr id="13" name="ZoneTexte 12">
+            <a:extLst>
+              <a:ext uri="{FF2B5EF4-FFF2-40B4-BE49-F238E27FC236}">
+                <a16:creationId xmlns:a16="http://schemas.microsoft.com/office/drawing/2014/main" id="{75A7DDCB-B46A-C143-0CBA-80767CE342F5}"/>
+              </a:ext>
+            </a:extLst>
+          </p:cNvPr>
+          <p:cNvSpPr txBox="1"/>
+          <p:nvPr/>
+        </p:nvSpPr>
+        <p:spPr>
+          <a:xfrm>
+            <a:off x="9439930" y="1926271"/>
+            <a:ext cx="1701107" cy="369332"/>
+          </a:xfrm>
+          <a:prstGeom prst="rect">
+            <a:avLst/>
+          </a:prstGeom>
+          <a:solidFill>
+            <a:schemeClr val="bg1"/>
+          </a:solidFill>
+        </p:spPr>
+        <p:txBody>
+          <a:bodyPr wrap="none" rtlCol="0">
+            <a:spAutoFit/>
+          </a:bodyPr>
+          <a:lstStyle/>
+          <a:p>
+            <a:r>
+              <a:rPr lang="fr-FR" dirty="0">
                 <a:latin typeface="Courier New" panose="02070309020205020404" pitchFamily="49" charset="0"/>
-              </a:rPr>
-              <a:t>Recall</a:t>
-            </a:r>
-            <a:r>
-              <a:rPr lang="fr-FR" sz="1800" dirty="0">
-                <a:effectLst/>
+                <a:cs typeface="Courier New" panose="02070309020205020404" pitchFamily="49" charset="0"/>
+              </a:rPr>
+              <a:t>Prédictions</a:t>
+            </a:r>
+          </a:p>
+        </p:txBody>
+      </p:sp>
+      <p:sp>
+        <p:nvSpPr>
+          <p:cNvPr id="14" name="ZoneTexte 13">
+            <a:extLst>
+              <a:ext uri="{FF2B5EF4-FFF2-40B4-BE49-F238E27FC236}">
+                <a16:creationId xmlns:a16="http://schemas.microsoft.com/office/drawing/2014/main" id="{9866827D-2133-07C8-A144-3F2EC112ED77}"/>
+              </a:ext>
+            </a:extLst>
+          </p:cNvPr>
+          <p:cNvSpPr txBox="1"/>
+          <p:nvPr/>
+        </p:nvSpPr>
+        <p:spPr>
+          <a:xfrm rot="16200000">
+            <a:off x="7774542" y="3414423"/>
+            <a:ext cx="1838965" cy="369332"/>
+          </a:xfrm>
+          <a:prstGeom prst="rect">
+            <a:avLst/>
+          </a:prstGeom>
+          <a:solidFill>
+            <a:schemeClr val="bg1"/>
+          </a:solidFill>
+        </p:spPr>
+        <p:txBody>
+          <a:bodyPr wrap="none" rtlCol="0">
+            <a:spAutoFit/>
+          </a:bodyPr>
+          <a:lstStyle/>
+          <a:p>
+            <a:r>
+              <a:rPr lang="fr-FR" dirty="0">
                 <a:latin typeface="Courier New" panose="02070309020205020404" pitchFamily="49" charset="0"/>
-              </a:rPr>
-              <a:t> </a:t>
-            </a:r>
-          </a:p>
-          <a:p>
-            <a:pPr algn="ctr"/>
-            <a:r>
-              <a:rPr lang="fr-FR" sz="1800" dirty="0">
-                <a:effectLst/>
-                <a:latin typeface="Courier New" panose="02070309020205020404" pitchFamily="49" charset="0"/>
-              </a:rPr>
-              <a:t>TP/(TP+FN)</a:t>
-            </a:r>
-            <a:endParaRPr lang="fr-FR" dirty="0"/>
+                <a:cs typeface="Courier New" panose="02070309020205020404" pitchFamily="49" charset="0"/>
+              </a:rPr>
+              <a:t>Observations</a:t>
+            </a:r>
           </a:p>
         </p:txBody>
       </p:sp>
@@ -32440,6 +33907,254 @@
   <p:clrMapOvr>
     <a:masterClrMapping/>
   </p:clrMapOvr>
+  <p:timing>
+    <p:tnLst>
+      <p:par>
+        <p:cTn id="1" dur="indefinite" restart="never" nodeType="tmRoot">
+          <p:childTnLst>
+            <p:seq concurrent="1" nextAc="seek">
+              <p:cTn id="2" dur="indefinite" nodeType="mainSeq">
+                <p:childTnLst>
+                  <p:par>
+                    <p:cTn id="3" fill="hold">
+                      <p:stCondLst>
+                        <p:cond delay="indefinite"/>
+                      </p:stCondLst>
+                      <p:childTnLst>
+                        <p:par>
+                          <p:cTn id="4" fill="hold">
+                            <p:stCondLst>
+                              <p:cond delay="0"/>
+                            </p:stCondLst>
+                            <p:childTnLst>
+                              <p:par>
+                                <p:cTn id="5" presetID="10" presetClass="entr" presetSubtype="0" fill="hold" grpId="0" nodeType="clickEffect">
+                                  <p:stCondLst>
+                                    <p:cond delay="0"/>
+                                  </p:stCondLst>
+                                  <p:childTnLst>
+                                    <p:set>
+                                      <p:cBhvr>
+                                        <p:cTn id="6" dur="1" fill="hold">
+                                          <p:stCondLst>
+                                            <p:cond delay="0"/>
+                                          </p:stCondLst>
+                                        </p:cTn>
+                                        <p:tgtEl>
+                                          <p:spTgt spid="14"/>
+                                        </p:tgtEl>
+                                        <p:attrNameLst>
+                                          <p:attrName>style.visibility</p:attrName>
+                                        </p:attrNameLst>
+                                      </p:cBhvr>
+                                      <p:to>
+                                        <p:strVal val="visible"/>
+                                      </p:to>
+                                    </p:set>
+                                    <p:animEffect transition="in" filter="fade">
+                                      <p:cBhvr>
+                                        <p:cTn id="7" dur="500"/>
+                                        <p:tgtEl>
+                                          <p:spTgt spid="14"/>
+                                        </p:tgtEl>
+                                      </p:cBhvr>
+                                    </p:animEffect>
+                                  </p:childTnLst>
+                                </p:cTn>
+                              </p:par>
+                            </p:childTnLst>
+                          </p:cTn>
+                        </p:par>
+                      </p:childTnLst>
+                    </p:cTn>
+                  </p:par>
+                  <p:par>
+                    <p:cTn id="8" fill="hold">
+                      <p:stCondLst>
+                        <p:cond delay="indefinite"/>
+                      </p:stCondLst>
+                      <p:childTnLst>
+                        <p:par>
+                          <p:cTn id="9" fill="hold">
+                            <p:stCondLst>
+                              <p:cond delay="0"/>
+                            </p:stCondLst>
+                            <p:childTnLst>
+                              <p:par>
+                                <p:cTn id="10" presetID="10" presetClass="entr" presetSubtype="0" fill="hold" grpId="0" nodeType="clickEffect">
+                                  <p:stCondLst>
+                                    <p:cond delay="0"/>
+                                  </p:stCondLst>
+                                  <p:childTnLst>
+                                    <p:set>
+                                      <p:cBhvr>
+                                        <p:cTn id="11" dur="1" fill="hold">
+                                          <p:stCondLst>
+                                            <p:cond delay="0"/>
+                                          </p:stCondLst>
+                                        </p:cTn>
+                                        <p:tgtEl>
+                                          <p:spTgt spid="13"/>
+                                        </p:tgtEl>
+                                        <p:attrNameLst>
+                                          <p:attrName>style.visibility</p:attrName>
+                                        </p:attrNameLst>
+                                      </p:cBhvr>
+                                      <p:to>
+                                        <p:strVal val="visible"/>
+                                      </p:to>
+                                    </p:set>
+                                    <p:animEffect transition="in" filter="fade">
+                                      <p:cBhvr>
+                                        <p:cTn id="12" dur="500"/>
+                                        <p:tgtEl>
+                                          <p:spTgt spid="13"/>
+                                        </p:tgtEl>
+                                      </p:cBhvr>
+                                    </p:animEffect>
+                                  </p:childTnLst>
+                                </p:cTn>
+                              </p:par>
+                            </p:childTnLst>
+                          </p:cTn>
+                        </p:par>
+                      </p:childTnLst>
+                    </p:cTn>
+                  </p:par>
+                  <p:par>
+                    <p:cTn id="13" fill="hold">
+                      <p:stCondLst>
+                        <p:cond delay="indefinite"/>
+                      </p:stCondLst>
+                      <p:childTnLst>
+                        <p:par>
+                          <p:cTn id="14" fill="hold">
+                            <p:stCondLst>
+                              <p:cond delay="0"/>
+                            </p:stCondLst>
+                            <p:childTnLst>
+                              <p:par>
+                                <p:cTn id="15" presetID="22" presetClass="entr" presetSubtype="4" fill="hold" grpId="0" nodeType="clickEffect">
+                                  <p:stCondLst>
+                                    <p:cond delay="0"/>
+                                  </p:stCondLst>
+                                  <p:childTnLst>
+                                    <p:set>
+                                      <p:cBhvr>
+                                        <p:cTn id="16" dur="1" fill="hold">
+                                          <p:stCondLst>
+                                            <p:cond delay="0"/>
+                                          </p:stCondLst>
+                                        </p:cTn>
+                                        <p:tgtEl>
+                                          <p:spTgt spid="12"/>
+                                        </p:tgtEl>
+                                        <p:attrNameLst>
+                                          <p:attrName>style.visibility</p:attrName>
+                                        </p:attrNameLst>
+                                      </p:cBhvr>
+                                      <p:to>
+                                        <p:strVal val="visible"/>
+                                      </p:to>
+                                    </p:set>
+                                    <p:animEffect transition="in" filter="wipe(down)">
+                                      <p:cBhvr>
+                                        <p:cTn id="17" dur="500"/>
+                                        <p:tgtEl>
+                                          <p:spTgt spid="12"/>
+                                        </p:tgtEl>
+                                      </p:cBhvr>
+                                    </p:animEffect>
+                                  </p:childTnLst>
+                                </p:cTn>
+                              </p:par>
+                            </p:childTnLst>
+                          </p:cTn>
+                        </p:par>
+                      </p:childTnLst>
+                    </p:cTn>
+                  </p:par>
+                  <p:par>
+                    <p:cTn id="18" fill="hold">
+                      <p:stCondLst>
+                        <p:cond delay="indefinite"/>
+                      </p:stCondLst>
+                      <p:childTnLst>
+                        <p:par>
+                          <p:cTn id="19" fill="hold">
+                            <p:stCondLst>
+                              <p:cond delay="0"/>
+                            </p:stCondLst>
+                            <p:childTnLst>
+                              <p:par>
+                                <p:cTn id="20" presetID="22" presetClass="entr" presetSubtype="8" fill="hold" grpId="0" nodeType="clickEffect">
+                                  <p:stCondLst>
+                                    <p:cond delay="0"/>
+                                  </p:stCondLst>
+                                  <p:childTnLst>
+                                    <p:set>
+                                      <p:cBhvr>
+                                        <p:cTn id="21" dur="1" fill="hold">
+                                          <p:stCondLst>
+                                            <p:cond delay="0"/>
+                                          </p:stCondLst>
+                                        </p:cTn>
+                                        <p:tgtEl>
+                                          <p:spTgt spid="11"/>
+                                        </p:tgtEl>
+                                        <p:attrNameLst>
+                                          <p:attrName>style.visibility</p:attrName>
+                                        </p:attrNameLst>
+                                      </p:cBhvr>
+                                      <p:to>
+                                        <p:strVal val="visible"/>
+                                      </p:to>
+                                    </p:set>
+                                    <p:animEffect transition="in" filter="wipe(left)">
+                                      <p:cBhvr>
+                                        <p:cTn id="22" dur="500"/>
+                                        <p:tgtEl>
+                                          <p:spTgt spid="11"/>
+                                        </p:tgtEl>
+                                      </p:cBhvr>
+                                    </p:animEffect>
+                                  </p:childTnLst>
+                                </p:cTn>
+                              </p:par>
+                            </p:childTnLst>
+                          </p:cTn>
+                        </p:par>
+                      </p:childTnLst>
+                    </p:cTn>
+                  </p:par>
+                </p:childTnLst>
+              </p:cTn>
+              <p:prevCondLst>
+                <p:cond evt="onPrev" delay="0">
+                  <p:tgtEl>
+                    <p:sldTgt/>
+                  </p:tgtEl>
+                </p:cond>
+              </p:prevCondLst>
+              <p:nextCondLst>
+                <p:cond evt="onNext" delay="0">
+                  <p:tgtEl>
+                    <p:sldTgt/>
+                  </p:tgtEl>
+                </p:cond>
+              </p:nextCondLst>
+            </p:seq>
+          </p:childTnLst>
+        </p:cTn>
+      </p:par>
+    </p:tnLst>
+    <p:bldLst>
+      <p:bldP spid="11" grpId="0" animBg="1"/>
+      <p:bldP spid="12" grpId="0" animBg="1"/>
+      <p:bldP spid="13" grpId="0" animBg="1"/>
+      <p:bldP spid="14" grpId="0" animBg="1"/>
+    </p:bldLst>
+  </p:timing>
 </p:sld>
 </file>
 

--- a/00_notes_de_stage.pptx
+++ b/00_notes_de_stage.pptx
@@ -5,7 +5,7 @@
     <p:sldMasterId id="2147483648" r:id="rId1"/>
   </p:sldMasterIdLst>
   <p:notesMasterIdLst>
-    <p:notesMasterId r:id="rId62"/>
+    <p:notesMasterId r:id="rId65"/>
   </p:notesMasterIdLst>
   <p:sldIdLst>
     <p:sldId id="256" r:id="rId2"/>
@@ -55,19 +55,22 @@
     <p:sldId id="272" r:id="rId46"/>
     <p:sldId id="314" r:id="rId47"/>
     <p:sldId id="268" r:id="rId48"/>
-    <p:sldId id="277" r:id="rId49"/>
-    <p:sldId id="282" r:id="rId50"/>
-    <p:sldId id="286" r:id="rId51"/>
-    <p:sldId id="287" r:id="rId52"/>
-    <p:sldId id="283" r:id="rId53"/>
-    <p:sldId id="290" r:id="rId54"/>
-    <p:sldId id="294" r:id="rId55"/>
-    <p:sldId id="309" r:id="rId56"/>
-    <p:sldId id="284" r:id="rId57"/>
-    <p:sldId id="292" r:id="rId58"/>
-    <p:sldId id="285" r:id="rId59"/>
-    <p:sldId id="291" r:id="rId60"/>
-    <p:sldId id="293" r:id="rId61"/>
+    <p:sldId id="318" r:id="rId49"/>
+    <p:sldId id="319" r:id="rId50"/>
+    <p:sldId id="317" r:id="rId51"/>
+    <p:sldId id="277" r:id="rId52"/>
+    <p:sldId id="282" r:id="rId53"/>
+    <p:sldId id="286" r:id="rId54"/>
+    <p:sldId id="287" r:id="rId55"/>
+    <p:sldId id="283" r:id="rId56"/>
+    <p:sldId id="290" r:id="rId57"/>
+    <p:sldId id="294" r:id="rId58"/>
+    <p:sldId id="309" r:id="rId59"/>
+    <p:sldId id="284" r:id="rId60"/>
+    <p:sldId id="292" r:id="rId61"/>
+    <p:sldId id="285" r:id="rId62"/>
+    <p:sldId id="291" r:id="rId63"/>
+    <p:sldId id="293" r:id="rId64"/>
   </p:sldIdLst>
   <p:sldSz cx="12192000" cy="6858000"/>
   <p:notesSz cx="6858000" cy="9144000"/>
@@ -177,7 +180,7 @@
 <file path=ppt/revisionInfo.xml><?xml version="1.0" encoding="utf-8"?>
 <p1510:revInfo xmlns:a="http://schemas.openxmlformats.org/drawingml/2006/main" xmlns:r="http://schemas.openxmlformats.org/officeDocument/2006/relationships" xmlns:p1510="http://schemas.microsoft.com/office/powerpoint/2015/10/main">
   <p1510:revLst>
-    <p1510:client id="{01E73667-2BEF-4007-AD34-DC26F6381063}" v="1063" dt="2024-01-16T10:04:51.904"/>
+    <p1510:client id="{01E73667-2BEF-4007-AD34-DC26F6381063}" v="1445" dt="2024-01-16T23:02:22.118"/>
   </p1510:revLst>
 </p1510:revInfo>
 </file>
@@ -211,7 +214,7 @@
   <pc:docChgLst>
     <pc:chgData name="Philippe Baucour" userId="5102170ae7533958" providerId="LiveId" clId="{01E73667-2BEF-4007-AD34-DC26F6381063}"/>
     <pc:docChg chg="undo custSel addSld delSld modSld sldOrd">
-      <pc:chgData name="Philippe Baucour" userId="5102170ae7533958" providerId="LiveId" clId="{01E73667-2BEF-4007-AD34-DC26F6381063}" dt="2024-01-16T10:06:44.402" v="25692" actId="6549"/>
+      <pc:chgData name="Philippe Baucour" userId="5102170ae7533958" providerId="LiveId" clId="{01E73667-2BEF-4007-AD34-DC26F6381063}" dt="2024-01-16T23:02:22.118" v="27975" actId="1076"/>
       <pc:docMkLst>
         <pc:docMk/>
       </pc:docMkLst>
@@ -1638,13 +1641,13 @@
         </pc:picChg>
       </pc:sldChg>
       <pc:sldChg chg="addSp delSp modSp new mod ord setBg">
-        <pc:chgData name="Philippe Baucour" userId="5102170ae7533958" providerId="LiveId" clId="{01E73667-2BEF-4007-AD34-DC26F6381063}" dt="2024-01-11T09:34:44.524" v="15379"/>
+        <pc:chgData name="Philippe Baucour" userId="5102170ae7533958" providerId="LiveId" clId="{01E73667-2BEF-4007-AD34-DC26F6381063}" dt="2024-01-16T23:02:22.118" v="27975" actId="1076"/>
         <pc:sldMkLst>
           <pc:docMk/>
           <pc:sldMk cId="2519583685" sldId="277"/>
         </pc:sldMkLst>
         <pc:spChg chg="mod">
-          <ac:chgData name="Philippe Baucour" userId="5102170ae7533958" providerId="LiveId" clId="{01E73667-2BEF-4007-AD34-DC26F6381063}" dt="2023-12-13T08:40:21.189" v="6118"/>
+          <ac:chgData name="Philippe Baucour" userId="5102170ae7533958" providerId="LiveId" clId="{01E73667-2BEF-4007-AD34-DC26F6381063}" dt="2024-01-16T22:51:16.746" v="27645" actId="20577"/>
           <ac:spMkLst>
             <pc:docMk/>
             <pc:sldMk cId="2519583685" sldId="277"/>
@@ -1652,7 +1655,7 @@
           </ac:spMkLst>
         </pc:spChg>
         <pc:spChg chg="mod">
-          <ac:chgData name="Philippe Baucour" userId="5102170ae7533958" providerId="LiveId" clId="{01E73667-2BEF-4007-AD34-DC26F6381063}" dt="2023-12-13T08:51:10.743" v="6418" actId="20577"/>
+          <ac:chgData name="Philippe Baucour" userId="5102170ae7533958" providerId="LiveId" clId="{01E73667-2BEF-4007-AD34-DC26F6381063}" dt="2024-01-16T23:02:08.425" v="27973" actId="12"/>
           <ac:spMkLst>
             <pc:docMk/>
             <pc:sldMk cId="2519583685" sldId="277"/>
@@ -1676,7 +1679,7 @@
           </ac:picMkLst>
         </pc:picChg>
         <pc:picChg chg="add mod">
-          <ac:chgData name="Philippe Baucour" userId="5102170ae7533958" providerId="LiveId" clId="{01E73667-2BEF-4007-AD34-DC26F6381063}" dt="2023-12-13T08:40:39.230" v="6177" actId="1038"/>
+          <ac:chgData name="Philippe Baucour" userId="5102170ae7533958" providerId="LiveId" clId="{01E73667-2BEF-4007-AD34-DC26F6381063}" dt="2024-01-16T23:02:22.118" v="27975" actId="1076"/>
           <ac:picMkLst>
             <pc:docMk/>
             <pc:sldMk cId="2519583685" sldId="277"/>
@@ -3714,9 +3717,5184 @@
           </ac:cxnSpMkLst>
         </pc:cxnChg>
       </pc:sldChg>
+      <pc:sldChg chg="addSp delSp modSp new mod modClrScheme chgLayout">
+        <pc:chgData name="Philippe Baucour" userId="5102170ae7533958" providerId="LiveId" clId="{01E73667-2BEF-4007-AD34-DC26F6381063}" dt="2024-01-16T22:52:31.706" v="27663" actId="20577"/>
+        <pc:sldMkLst>
+          <pc:docMk/>
+          <pc:sldMk cId="115119004" sldId="317"/>
+        </pc:sldMkLst>
+        <pc:spChg chg="del mod ord">
+          <ac:chgData name="Philippe Baucour" userId="5102170ae7533958" providerId="LiveId" clId="{01E73667-2BEF-4007-AD34-DC26F6381063}" dt="2024-01-16T21:50:58.678" v="25694" actId="700"/>
+          <ac:spMkLst>
+            <pc:docMk/>
+            <pc:sldMk cId="115119004" sldId="317"/>
+            <ac:spMk id="2" creationId="{70710202-A7F7-3DE4-F217-3B3586E690A3}"/>
+          </ac:spMkLst>
+        </pc:spChg>
+        <pc:spChg chg="del">
+          <ac:chgData name="Philippe Baucour" userId="5102170ae7533958" providerId="LiveId" clId="{01E73667-2BEF-4007-AD34-DC26F6381063}" dt="2024-01-16T21:50:58.678" v="25694" actId="700"/>
+          <ac:spMkLst>
+            <pc:docMk/>
+            <pc:sldMk cId="115119004" sldId="317"/>
+            <ac:spMk id="3" creationId="{3240CC0E-CA04-72AC-F6B3-770083432FEF}"/>
+          </ac:spMkLst>
+        </pc:spChg>
+        <pc:spChg chg="add del mod ord">
+          <ac:chgData name="Philippe Baucour" userId="5102170ae7533958" providerId="LiveId" clId="{01E73667-2BEF-4007-AD34-DC26F6381063}" dt="2024-01-16T21:55:58.977" v="25937" actId="700"/>
+          <ac:spMkLst>
+            <pc:docMk/>
+            <pc:sldMk cId="115119004" sldId="317"/>
+            <ac:spMk id="4" creationId="{BD39A40A-611F-A1E5-08FA-8F79C6EA73F1}"/>
+          </ac:spMkLst>
+        </pc:spChg>
+        <pc:spChg chg="add mod">
+          <ac:chgData name="Philippe Baucour" userId="5102170ae7533958" providerId="LiveId" clId="{01E73667-2BEF-4007-AD34-DC26F6381063}" dt="2024-01-16T22:06:11.630" v="25996" actId="1035"/>
+          <ac:spMkLst>
+            <pc:docMk/>
+            <pc:sldMk cId="115119004" sldId="317"/>
+            <ac:spMk id="8" creationId="{857EBE8B-07B3-4D22-A9EF-887C2DD4FF32}"/>
+          </ac:spMkLst>
+        </pc:spChg>
+        <pc:spChg chg="add mod">
+          <ac:chgData name="Philippe Baucour" userId="5102170ae7533958" providerId="LiveId" clId="{01E73667-2BEF-4007-AD34-DC26F6381063}" dt="2024-01-16T22:06:02.101" v="25993" actId="1076"/>
+          <ac:spMkLst>
+            <pc:docMk/>
+            <pc:sldMk cId="115119004" sldId="317"/>
+            <ac:spMk id="9" creationId="{AC785F8A-C304-1180-FC1D-83176B61604C}"/>
+          </ac:spMkLst>
+        </pc:spChg>
+        <pc:spChg chg="add mod">
+          <ac:chgData name="Philippe Baucour" userId="5102170ae7533958" providerId="LiveId" clId="{01E73667-2BEF-4007-AD34-DC26F6381063}" dt="2024-01-16T22:06:23.378" v="25998" actId="1076"/>
+          <ac:spMkLst>
+            <pc:docMk/>
+            <pc:sldMk cId="115119004" sldId="317"/>
+            <ac:spMk id="10" creationId="{70E00C58-8214-3387-051E-D8149360B271}"/>
+          </ac:spMkLst>
+        </pc:spChg>
+        <pc:spChg chg="add mod">
+          <ac:chgData name="Philippe Baucour" userId="5102170ae7533958" providerId="LiveId" clId="{01E73667-2BEF-4007-AD34-DC26F6381063}" dt="2024-01-16T22:06:36.145" v="26008" actId="1038"/>
+          <ac:spMkLst>
+            <pc:docMk/>
+            <pc:sldMk cId="115119004" sldId="317"/>
+            <ac:spMk id="11" creationId="{C169C622-482F-9EEA-27BE-EE848EE38D50}"/>
+          </ac:spMkLst>
+        </pc:spChg>
+        <pc:spChg chg="add mod">
+          <ac:chgData name="Philippe Baucour" userId="5102170ae7533958" providerId="LiveId" clId="{01E73667-2BEF-4007-AD34-DC26F6381063}" dt="2024-01-16T22:07:06.021" v="26037" actId="1037"/>
+          <ac:spMkLst>
+            <pc:docMk/>
+            <pc:sldMk cId="115119004" sldId="317"/>
+            <ac:spMk id="12" creationId="{92248E2C-1616-0021-4D51-60C9B6081655}"/>
+          </ac:spMkLst>
+        </pc:spChg>
+        <pc:spChg chg="add mod">
+          <ac:chgData name="Philippe Baucour" userId="5102170ae7533958" providerId="LiveId" clId="{01E73667-2BEF-4007-AD34-DC26F6381063}" dt="2024-01-16T22:07:18.304" v="26049" actId="1037"/>
+          <ac:spMkLst>
+            <pc:docMk/>
+            <pc:sldMk cId="115119004" sldId="317"/>
+            <ac:spMk id="13" creationId="{728006F3-CD67-8CF6-748B-A6991818A2DC}"/>
+          </ac:spMkLst>
+        </pc:spChg>
+        <pc:spChg chg="add mod">
+          <ac:chgData name="Philippe Baucour" userId="5102170ae7533958" providerId="LiveId" clId="{01E73667-2BEF-4007-AD34-DC26F6381063}" dt="2024-01-16T22:07:13.651" v="26038" actId="571"/>
+          <ac:spMkLst>
+            <pc:docMk/>
+            <pc:sldMk cId="115119004" sldId="317"/>
+            <ac:spMk id="14" creationId="{04183295-18F2-5CE0-FC8B-402FDAAEABDC}"/>
+          </ac:spMkLst>
+        </pc:spChg>
+        <pc:spChg chg="add mod">
+          <ac:chgData name="Philippe Baucour" userId="5102170ae7533958" providerId="LiveId" clId="{01E73667-2BEF-4007-AD34-DC26F6381063}" dt="2024-01-16T22:07:23.867" v="26050" actId="571"/>
+          <ac:spMkLst>
+            <pc:docMk/>
+            <pc:sldMk cId="115119004" sldId="317"/>
+            <ac:spMk id="15" creationId="{0EFAD305-E0EB-728E-85C7-454BF8DB0E48}"/>
+          </ac:spMkLst>
+        </pc:spChg>
+        <pc:spChg chg="add mod">
+          <ac:chgData name="Philippe Baucour" userId="5102170ae7533958" providerId="LiveId" clId="{01E73667-2BEF-4007-AD34-DC26F6381063}" dt="2024-01-16T22:07:38.738" v="26051" actId="571"/>
+          <ac:spMkLst>
+            <pc:docMk/>
+            <pc:sldMk cId="115119004" sldId="317"/>
+            <ac:spMk id="16" creationId="{0A26F3F7-A90D-88C2-2954-2A12C341B947}"/>
+          </ac:spMkLst>
+        </pc:spChg>
+        <pc:spChg chg="add mod">
+          <ac:chgData name="Philippe Baucour" userId="5102170ae7533958" providerId="LiveId" clId="{01E73667-2BEF-4007-AD34-DC26F6381063}" dt="2024-01-16T22:08:20.507" v="26059" actId="1037"/>
+          <ac:spMkLst>
+            <pc:docMk/>
+            <pc:sldMk cId="115119004" sldId="317"/>
+            <ac:spMk id="17" creationId="{B34069D3-FAFD-23D5-1A91-C79194230EA3}"/>
+          </ac:spMkLst>
+        </pc:spChg>
+        <pc:spChg chg="add mod">
+          <ac:chgData name="Philippe Baucour" userId="5102170ae7533958" providerId="LiveId" clId="{01E73667-2BEF-4007-AD34-DC26F6381063}" dt="2024-01-16T22:45:38.746" v="27562" actId="1076"/>
+          <ac:spMkLst>
+            <pc:docMk/>
+            <pc:sldMk cId="115119004" sldId="317"/>
+            <ac:spMk id="18" creationId="{92836352-2169-1DAD-5FFA-7A7B3774FF01}"/>
+          </ac:spMkLst>
+        </pc:spChg>
+        <pc:spChg chg="add mod">
+          <ac:chgData name="Philippe Baucour" userId="5102170ae7533958" providerId="LiveId" clId="{01E73667-2BEF-4007-AD34-DC26F6381063}" dt="2024-01-16T22:46:15.820" v="27567" actId="20577"/>
+          <ac:spMkLst>
+            <pc:docMk/>
+            <pc:sldMk cId="115119004" sldId="317"/>
+            <ac:spMk id="19" creationId="{C1823719-35E9-732D-6DBE-AA04E03920EE}"/>
+          </ac:spMkLst>
+        </pc:spChg>
+        <pc:spChg chg="add mod">
+          <ac:chgData name="Philippe Baucour" userId="5102170ae7533958" providerId="LiveId" clId="{01E73667-2BEF-4007-AD34-DC26F6381063}" dt="2024-01-16T22:48:20.145" v="27615" actId="1076"/>
+          <ac:spMkLst>
+            <pc:docMk/>
+            <pc:sldMk cId="115119004" sldId="317"/>
+            <ac:spMk id="20" creationId="{05D0E764-5FF5-9660-E8A6-808F66E7021E}"/>
+          </ac:spMkLst>
+        </pc:spChg>
+        <pc:spChg chg="add del mod">
+          <ac:chgData name="Philippe Baucour" userId="5102170ae7533958" providerId="LiveId" clId="{01E73667-2BEF-4007-AD34-DC26F6381063}" dt="2024-01-16T22:49:44.358" v="27637" actId="478"/>
+          <ac:spMkLst>
+            <pc:docMk/>
+            <pc:sldMk cId="115119004" sldId="317"/>
+            <ac:spMk id="21" creationId="{C20F0FA8-5E6B-0B55-A5D8-3D3A9E692637}"/>
+          </ac:spMkLst>
+        </pc:spChg>
+        <pc:graphicFrameChg chg="add mod modGraphic">
+          <ac:chgData name="Philippe Baucour" userId="5102170ae7533958" providerId="LiveId" clId="{01E73667-2BEF-4007-AD34-DC26F6381063}" dt="2024-01-16T22:52:31.706" v="27663" actId="20577"/>
+          <ac:graphicFrameMkLst>
+            <pc:docMk/>
+            <pc:sldMk cId="115119004" sldId="317"/>
+            <ac:graphicFrameMk id="7" creationId="{DFC3CB11-8C2F-1C7B-5C2D-38EEA17D2042}"/>
+          </ac:graphicFrameMkLst>
+        </pc:graphicFrameChg>
+        <pc:picChg chg="add del mod">
+          <ac:chgData name="Philippe Baucour" userId="5102170ae7533958" providerId="LiveId" clId="{01E73667-2BEF-4007-AD34-DC26F6381063}" dt="2024-01-16T22:42:35.427" v="27483" actId="478"/>
+          <ac:picMkLst>
+            <pc:docMk/>
+            <pc:sldMk cId="115119004" sldId="317"/>
+            <ac:picMk id="6" creationId="{E5349C6E-4FD4-302E-063C-DF4822D73814}"/>
+          </ac:picMkLst>
+        </pc:picChg>
+      </pc:sldChg>
+      <pc:sldChg chg="addSp modSp new mod modNotesTx">
+        <pc:chgData name="Philippe Baucour" userId="5102170ae7533958" providerId="LiveId" clId="{01E73667-2BEF-4007-AD34-DC26F6381063}" dt="2024-01-16T23:01:08.025" v="27970" actId="1076"/>
+        <pc:sldMkLst>
+          <pc:docMk/>
+          <pc:sldMk cId="721237993" sldId="318"/>
+        </pc:sldMkLst>
+        <pc:spChg chg="mod">
+          <ac:chgData name="Philippe Baucour" userId="5102170ae7533958" providerId="LiveId" clId="{01E73667-2BEF-4007-AD34-DC26F6381063}" dt="2024-01-16T22:51:22.992" v="27649" actId="20577"/>
+          <ac:spMkLst>
+            <pc:docMk/>
+            <pc:sldMk cId="721237993" sldId="318"/>
+            <ac:spMk id="2" creationId="{56A319F3-9F0F-2FCA-3F8D-3370980E2ACC}"/>
+          </ac:spMkLst>
+        </pc:spChg>
+        <pc:spChg chg="mod">
+          <ac:chgData name="Philippe Baucour" userId="5102170ae7533958" providerId="LiveId" clId="{01E73667-2BEF-4007-AD34-DC26F6381063}" dt="2024-01-16T22:56:42.494" v="27825" actId="20577"/>
+          <ac:spMkLst>
+            <pc:docMk/>
+            <pc:sldMk cId="721237993" sldId="318"/>
+            <ac:spMk id="3" creationId="{4245F667-5E9A-17B1-0504-7122F8FD6A49}"/>
+          </ac:spMkLst>
+        </pc:spChg>
+        <pc:spChg chg="add mod">
+          <ac:chgData name="Philippe Baucour" userId="5102170ae7533958" providerId="LiveId" clId="{01E73667-2BEF-4007-AD34-DC26F6381063}" dt="2024-01-16T23:01:08.025" v="27970" actId="1076"/>
+          <ac:spMkLst>
+            <pc:docMk/>
+            <pc:sldMk cId="721237993" sldId="318"/>
+            <ac:spMk id="4" creationId="{C988267D-FB26-AB98-E988-624DA29F4181}"/>
+          </ac:spMkLst>
+        </pc:spChg>
+      </pc:sldChg>
+      <pc:sldChg chg="modSp add mod">
+        <pc:chgData name="Philippe Baucour" userId="5102170ae7533958" providerId="LiveId" clId="{01E73667-2BEF-4007-AD34-DC26F6381063}" dt="2024-01-16T22:41:42.569" v="27482" actId="20577"/>
+        <pc:sldMkLst>
+          <pc:docMk/>
+          <pc:sldMk cId="22722223" sldId="319"/>
+        </pc:sldMkLst>
+        <pc:spChg chg="mod">
+          <ac:chgData name="Philippe Baucour" userId="5102170ae7533958" providerId="LiveId" clId="{01E73667-2BEF-4007-AD34-DC26F6381063}" dt="2024-01-16T22:41:42.569" v="27482" actId="20577"/>
+          <ac:spMkLst>
+            <pc:docMk/>
+            <pc:sldMk cId="22722223" sldId="319"/>
+            <ac:spMk id="3" creationId="{4245F667-5E9A-17B1-0504-7122F8FD6A49}"/>
+          </ac:spMkLst>
+        </pc:spChg>
+      </pc:sldChg>
     </pc:docChg>
   </pc:docChgLst>
 </pc:chgInfo>
+</file>
+
+<file path=ppt/diagrams/colors1.xml><?xml version="1.0" encoding="utf-8"?>
+<dgm:colorsDef xmlns:dgm="http://schemas.openxmlformats.org/drawingml/2006/diagram" xmlns:a="http://schemas.openxmlformats.org/drawingml/2006/main" uniqueId="urn:microsoft.com/office/officeart/2005/8/colors/colorful4">
+  <dgm:title val=""/>
+  <dgm:desc val=""/>
+  <dgm:catLst>
+    <dgm:cat type="colorful" pri="10400"/>
+  </dgm:catLst>
+  <dgm:styleLbl name="node0">
+    <dgm:fillClrLst meth="repeat">
+      <a:schemeClr val="accent3"/>
+    </dgm:fillClrLst>
+    <dgm:linClrLst meth="repeat">
+      <a:schemeClr val="lt1"/>
+    </dgm:linClrLst>
+    <dgm:effectClrLst/>
+    <dgm:txLinClrLst/>
+    <dgm:txFillClrLst/>
+    <dgm:txEffectClrLst/>
+  </dgm:styleLbl>
+  <dgm:styleLbl name="node1">
+    <dgm:fillClrLst>
+      <a:schemeClr val="accent4"/>
+      <a:schemeClr val="accent5"/>
+    </dgm:fillClrLst>
+    <dgm:linClrLst meth="repeat">
+      <a:schemeClr val="lt1"/>
+    </dgm:linClrLst>
+    <dgm:effectClrLst/>
+    <dgm:txLinClrLst/>
+    <dgm:txFillClrLst/>
+    <dgm:txEffectClrLst/>
+  </dgm:styleLbl>
+  <dgm:styleLbl name="alignNode1">
+    <dgm:fillClrLst>
+      <a:schemeClr val="accent4"/>
+      <a:schemeClr val="accent5"/>
+    </dgm:fillClrLst>
+    <dgm:linClrLst>
+      <a:schemeClr val="accent4"/>
+      <a:schemeClr val="accent5"/>
+    </dgm:linClrLst>
+    <dgm:effectClrLst/>
+    <dgm:txLinClrLst/>
+    <dgm:txFillClrLst/>
+    <dgm:txEffectClrLst/>
+  </dgm:styleLbl>
+  <dgm:styleLbl name="lnNode1">
+    <dgm:fillClrLst>
+      <a:schemeClr val="accent4"/>
+      <a:schemeClr val="accent5"/>
+    </dgm:fillClrLst>
+    <dgm:linClrLst meth="repeat">
+      <a:schemeClr val="lt1"/>
+    </dgm:linClrLst>
+    <dgm:effectClrLst/>
+    <dgm:txLinClrLst/>
+    <dgm:txFillClrLst/>
+    <dgm:txEffectClrLst/>
+  </dgm:styleLbl>
+  <dgm:styleLbl name="vennNode1">
+    <dgm:fillClrLst>
+      <a:schemeClr val="accent4">
+        <a:alpha val="50000"/>
+      </a:schemeClr>
+      <a:schemeClr val="accent5">
+        <a:alpha val="50000"/>
+      </a:schemeClr>
+    </dgm:fillClrLst>
+    <dgm:linClrLst meth="repeat">
+      <a:schemeClr val="lt1"/>
+    </dgm:linClrLst>
+    <dgm:effectClrLst/>
+    <dgm:txLinClrLst/>
+    <dgm:txFillClrLst/>
+    <dgm:txEffectClrLst/>
+  </dgm:styleLbl>
+  <dgm:styleLbl name="node2">
+    <dgm:fillClrLst>
+      <a:schemeClr val="accent5"/>
+    </dgm:fillClrLst>
+    <dgm:linClrLst meth="repeat">
+      <a:schemeClr val="lt1"/>
+    </dgm:linClrLst>
+    <dgm:effectClrLst/>
+    <dgm:txLinClrLst/>
+    <dgm:txFillClrLst/>
+    <dgm:txEffectClrLst/>
+  </dgm:styleLbl>
+  <dgm:styleLbl name="node3">
+    <dgm:fillClrLst>
+      <a:schemeClr val="accent6"/>
+    </dgm:fillClrLst>
+    <dgm:linClrLst meth="repeat">
+      <a:schemeClr val="lt1"/>
+    </dgm:linClrLst>
+    <dgm:effectClrLst/>
+    <dgm:txLinClrLst/>
+    <dgm:txFillClrLst/>
+    <dgm:txEffectClrLst/>
+  </dgm:styleLbl>
+  <dgm:styleLbl name="node4">
+    <dgm:fillClrLst>
+      <a:schemeClr val="accent1"/>
+    </dgm:fillClrLst>
+    <dgm:linClrLst meth="repeat">
+      <a:schemeClr val="lt1"/>
+    </dgm:linClrLst>
+    <dgm:effectClrLst/>
+    <dgm:txLinClrLst/>
+    <dgm:txFillClrLst/>
+    <dgm:txEffectClrLst/>
+  </dgm:styleLbl>
+  <dgm:styleLbl name="fgImgPlace1">
+    <dgm:fillClrLst>
+      <a:schemeClr val="accent4">
+        <a:tint val="50000"/>
+      </a:schemeClr>
+      <a:schemeClr val="accent5">
+        <a:tint val="50000"/>
+      </a:schemeClr>
+    </dgm:fillClrLst>
+    <dgm:linClrLst meth="repeat">
+      <a:schemeClr val="lt1"/>
+    </dgm:linClrLst>
+    <dgm:effectClrLst/>
+    <dgm:txLinClrLst/>
+    <dgm:txFillClrLst meth="repeat">
+      <a:schemeClr val="lt1"/>
+    </dgm:txFillClrLst>
+    <dgm:txEffectClrLst/>
+  </dgm:styleLbl>
+  <dgm:styleLbl name="alignImgPlace1">
+    <dgm:fillClrLst>
+      <a:schemeClr val="accent4">
+        <a:tint val="50000"/>
+      </a:schemeClr>
+      <a:schemeClr val="accent5">
+        <a:tint val="20000"/>
+      </a:schemeClr>
+    </dgm:fillClrLst>
+    <dgm:linClrLst meth="repeat">
+      <a:schemeClr val="lt1"/>
+    </dgm:linClrLst>
+    <dgm:effectClrLst/>
+    <dgm:txLinClrLst/>
+    <dgm:txFillClrLst meth="repeat">
+      <a:schemeClr val="lt1"/>
+    </dgm:txFillClrLst>
+    <dgm:txEffectClrLst/>
+  </dgm:styleLbl>
+  <dgm:styleLbl name="bgImgPlace1">
+    <dgm:fillClrLst>
+      <a:schemeClr val="accent4">
+        <a:tint val="50000"/>
+      </a:schemeClr>
+      <a:schemeClr val="accent5">
+        <a:tint val="20000"/>
+      </a:schemeClr>
+    </dgm:fillClrLst>
+    <dgm:linClrLst meth="repeat">
+      <a:schemeClr val="lt1"/>
+    </dgm:linClrLst>
+    <dgm:effectClrLst/>
+    <dgm:txLinClrLst/>
+    <dgm:txFillClrLst meth="repeat">
+      <a:schemeClr val="lt1"/>
+    </dgm:txFillClrLst>
+    <dgm:txEffectClrLst/>
+  </dgm:styleLbl>
+  <dgm:styleLbl name="sibTrans2D1">
+    <dgm:fillClrLst>
+      <a:schemeClr val="accent4"/>
+      <a:schemeClr val="accent5"/>
+    </dgm:fillClrLst>
+    <dgm:linClrLst meth="repeat">
+      <a:schemeClr val="lt1"/>
+    </dgm:linClrLst>
+    <dgm:effectClrLst/>
+    <dgm:txLinClrLst/>
+    <dgm:txFillClrLst/>
+    <dgm:txEffectClrLst/>
+  </dgm:styleLbl>
+  <dgm:styleLbl name="fgSibTrans2D1">
+    <dgm:fillClrLst>
+      <a:schemeClr val="accent4"/>
+      <a:schemeClr val="accent5"/>
+    </dgm:fillClrLst>
+    <dgm:linClrLst meth="repeat">
+      <a:schemeClr val="lt1"/>
+    </dgm:linClrLst>
+    <dgm:effectClrLst/>
+    <dgm:txLinClrLst/>
+    <dgm:txFillClrLst meth="repeat">
+      <a:schemeClr val="lt1"/>
+    </dgm:txFillClrLst>
+    <dgm:txEffectClrLst/>
+  </dgm:styleLbl>
+  <dgm:styleLbl name="bgSibTrans2D1">
+    <dgm:fillClrLst>
+      <a:schemeClr val="accent4"/>
+      <a:schemeClr val="accent5"/>
+    </dgm:fillClrLst>
+    <dgm:linClrLst meth="repeat">
+      <a:schemeClr val="lt1"/>
+    </dgm:linClrLst>
+    <dgm:effectClrLst/>
+    <dgm:txLinClrLst/>
+    <dgm:txFillClrLst meth="repeat">
+      <a:schemeClr val="lt1"/>
+    </dgm:txFillClrLst>
+    <dgm:txEffectClrLst/>
+  </dgm:styleLbl>
+  <dgm:styleLbl name="sibTrans1D1">
+    <dgm:fillClrLst/>
+    <dgm:linClrLst>
+      <a:schemeClr val="accent4"/>
+      <a:schemeClr val="accent5"/>
+    </dgm:linClrLst>
+    <dgm:effectClrLst/>
+    <dgm:txLinClrLst/>
+    <dgm:txFillClrLst meth="repeat">
+      <a:schemeClr val="tx1"/>
+    </dgm:txFillClrLst>
+    <dgm:txEffectClrLst/>
+  </dgm:styleLbl>
+  <dgm:styleLbl name="callout">
+    <dgm:fillClrLst meth="repeat">
+      <a:schemeClr val="accent4"/>
+    </dgm:fillClrLst>
+    <dgm:linClrLst meth="repeat">
+      <a:schemeClr val="accent4">
+        <a:tint val="50000"/>
+      </a:schemeClr>
+    </dgm:linClrLst>
+    <dgm:effectClrLst/>
+    <dgm:txLinClrLst/>
+    <dgm:txFillClrLst meth="repeat">
+      <a:schemeClr val="tx1"/>
+    </dgm:txFillClrLst>
+    <dgm:txEffectClrLst/>
+  </dgm:styleLbl>
+  <dgm:styleLbl name="asst0">
+    <dgm:fillClrLst meth="repeat">
+      <a:schemeClr val="accent4"/>
+    </dgm:fillClrLst>
+    <dgm:linClrLst meth="repeat">
+      <a:schemeClr val="lt1">
+        <a:shade val="80000"/>
+      </a:schemeClr>
+    </dgm:linClrLst>
+    <dgm:effectClrLst/>
+    <dgm:txLinClrLst/>
+    <dgm:txFillClrLst/>
+    <dgm:txEffectClrLst/>
+  </dgm:styleLbl>
+  <dgm:styleLbl name="asst1">
+    <dgm:fillClrLst meth="repeat">
+      <a:schemeClr val="accent5"/>
+    </dgm:fillClrLst>
+    <dgm:linClrLst meth="repeat">
+      <a:schemeClr val="lt1">
+        <a:shade val="80000"/>
+      </a:schemeClr>
+    </dgm:linClrLst>
+    <dgm:effectClrLst/>
+    <dgm:txLinClrLst/>
+    <dgm:txFillClrLst/>
+    <dgm:txEffectClrLst/>
+  </dgm:styleLbl>
+  <dgm:styleLbl name="asst2">
+    <dgm:fillClrLst>
+      <a:schemeClr val="accent6"/>
+    </dgm:fillClrLst>
+    <dgm:linClrLst meth="repeat">
+      <a:schemeClr val="lt1"/>
+    </dgm:linClrLst>
+    <dgm:effectClrLst/>
+    <dgm:txLinClrLst/>
+    <dgm:txFillClrLst/>
+    <dgm:txEffectClrLst/>
+  </dgm:styleLbl>
+  <dgm:styleLbl name="asst3">
+    <dgm:fillClrLst>
+      <a:schemeClr val="accent1"/>
+    </dgm:fillClrLst>
+    <dgm:linClrLst meth="repeat">
+      <a:schemeClr val="lt1"/>
+    </dgm:linClrLst>
+    <dgm:effectClrLst/>
+    <dgm:txLinClrLst/>
+    <dgm:txFillClrLst/>
+    <dgm:txEffectClrLst/>
+  </dgm:styleLbl>
+  <dgm:styleLbl name="asst4">
+    <dgm:fillClrLst>
+      <a:schemeClr val="accent2"/>
+    </dgm:fillClrLst>
+    <dgm:linClrLst meth="repeat">
+      <a:schemeClr val="lt1"/>
+    </dgm:linClrLst>
+    <dgm:effectClrLst/>
+    <dgm:txLinClrLst/>
+    <dgm:txFillClrLst/>
+    <dgm:txEffectClrLst/>
+  </dgm:styleLbl>
+  <dgm:styleLbl name="parChTrans2D1">
+    <dgm:fillClrLst meth="repeat">
+      <a:schemeClr val="accent4"/>
+    </dgm:fillClrLst>
+    <dgm:linClrLst meth="repeat">
+      <a:schemeClr val="lt1"/>
+    </dgm:linClrLst>
+    <dgm:effectClrLst/>
+    <dgm:txLinClrLst/>
+    <dgm:txFillClrLst meth="repeat">
+      <a:schemeClr val="lt1"/>
+    </dgm:txFillClrLst>
+    <dgm:txEffectClrLst/>
+  </dgm:styleLbl>
+  <dgm:styleLbl name="parChTrans2D2">
+    <dgm:fillClrLst meth="repeat">
+      <a:schemeClr val="accent5"/>
+    </dgm:fillClrLst>
+    <dgm:linClrLst meth="repeat">
+      <a:schemeClr val="lt1"/>
+    </dgm:linClrLst>
+    <dgm:effectClrLst/>
+    <dgm:txLinClrLst/>
+    <dgm:txFillClrLst/>
+    <dgm:txEffectClrLst/>
+  </dgm:styleLbl>
+  <dgm:styleLbl name="parChTrans2D3">
+    <dgm:fillClrLst meth="repeat">
+      <a:schemeClr val="accent5"/>
+    </dgm:fillClrLst>
+    <dgm:linClrLst meth="repeat">
+      <a:schemeClr val="lt1"/>
+    </dgm:linClrLst>
+    <dgm:effectClrLst/>
+    <dgm:txLinClrLst/>
+    <dgm:txFillClrLst/>
+    <dgm:txEffectClrLst/>
+  </dgm:styleLbl>
+  <dgm:styleLbl name="parChTrans2D4">
+    <dgm:fillClrLst meth="repeat">
+      <a:schemeClr val="accent6"/>
+    </dgm:fillClrLst>
+    <dgm:linClrLst meth="repeat">
+      <a:schemeClr val="lt1"/>
+    </dgm:linClrLst>
+    <dgm:effectClrLst/>
+    <dgm:txLinClrLst/>
+    <dgm:txFillClrLst meth="repeat">
+      <a:schemeClr val="lt1"/>
+    </dgm:txFillClrLst>
+    <dgm:txEffectClrLst/>
+  </dgm:styleLbl>
+  <dgm:styleLbl name="parChTrans1D1">
+    <dgm:fillClrLst meth="repeat">
+      <a:schemeClr val="accent4"/>
+    </dgm:fillClrLst>
+    <dgm:linClrLst meth="repeat">
+      <a:schemeClr val="accent4"/>
+    </dgm:linClrLst>
+    <dgm:effectClrLst/>
+    <dgm:txLinClrLst/>
+    <dgm:txFillClrLst meth="repeat">
+      <a:schemeClr val="tx1"/>
+    </dgm:txFillClrLst>
+    <dgm:txEffectClrLst/>
+  </dgm:styleLbl>
+  <dgm:styleLbl name="parChTrans1D2">
+    <dgm:fillClrLst meth="repeat">
+      <a:schemeClr val="accent4">
+        <a:tint val="90000"/>
+      </a:schemeClr>
+    </dgm:fillClrLst>
+    <dgm:linClrLst meth="repeat">
+      <a:schemeClr val="accent5"/>
+    </dgm:linClrLst>
+    <dgm:effectClrLst/>
+    <dgm:txLinClrLst/>
+    <dgm:txFillClrLst meth="repeat">
+      <a:schemeClr val="tx1"/>
+    </dgm:txFillClrLst>
+    <dgm:txEffectClrLst/>
+  </dgm:styleLbl>
+  <dgm:styleLbl name="parChTrans1D3">
+    <dgm:fillClrLst meth="repeat">
+      <a:schemeClr val="accent4">
+        <a:tint val="70000"/>
+      </a:schemeClr>
+    </dgm:fillClrLst>
+    <dgm:linClrLst meth="repeat">
+      <a:schemeClr val="accent6"/>
+    </dgm:linClrLst>
+    <dgm:effectClrLst/>
+    <dgm:txLinClrLst/>
+    <dgm:txFillClrLst meth="repeat">
+      <a:schemeClr val="tx1"/>
+    </dgm:txFillClrLst>
+    <dgm:txEffectClrLst/>
+  </dgm:styleLbl>
+  <dgm:styleLbl name="parChTrans1D4">
+    <dgm:fillClrLst meth="repeat">
+      <a:schemeClr val="accent4">
+        <a:tint val="50000"/>
+      </a:schemeClr>
+    </dgm:fillClrLst>
+    <dgm:linClrLst meth="repeat">
+      <a:schemeClr val="accent1"/>
+    </dgm:linClrLst>
+    <dgm:effectClrLst/>
+    <dgm:txLinClrLst/>
+    <dgm:txFillClrLst meth="repeat">
+      <a:schemeClr val="tx1"/>
+    </dgm:txFillClrLst>
+    <dgm:txEffectClrLst/>
+  </dgm:styleLbl>
+  <dgm:styleLbl name="fgAcc1">
+    <dgm:fillClrLst meth="repeat">
+      <a:schemeClr val="lt1">
+        <a:alpha val="90000"/>
+      </a:schemeClr>
+    </dgm:fillClrLst>
+    <dgm:linClrLst>
+      <a:schemeClr val="accent4"/>
+      <a:schemeClr val="accent5"/>
+    </dgm:linClrLst>
+    <dgm:effectClrLst/>
+    <dgm:txLinClrLst/>
+    <dgm:txFillClrLst meth="repeat">
+      <a:schemeClr val="dk1"/>
+    </dgm:txFillClrLst>
+    <dgm:txEffectClrLst/>
+  </dgm:styleLbl>
+  <dgm:styleLbl name="conFgAcc1">
+    <dgm:fillClrLst meth="repeat">
+      <a:schemeClr val="lt1">
+        <a:alpha val="90000"/>
+      </a:schemeClr>
+    </dgm:fillClrLst>
+    <dgm:linClrLst>
+      <a:schemeClr val="accent4"/>
+      <a:schemeClr val="accent5"/>
+    </dgm:linClrLst>
+    <dgm:effectClrLst/>
+    <dgm:txLinClrLst/>
+    <dgm:txFillClrLst meth="repeat">
+      <a:schemeClr val="dk1"/>
+    </dgm:txFillClrLst>
+    <dgm:txEffectClrLst/>
+  </dgm:styleLbl>
+  <dgm:styleLbl name="alignAcc1">
+    <dgm:fillClrLst meth="repeat">
+      <a:schemeClr val="lt1">
+        <a:alpha val="90000"/>
+      </a:schemeClr>
+    </dgm:fillClrLst>
+    <dgm:linClrLst>
+      <a:schemeClr val="accent4"/>
+      <a:schemeClr val="accent5"/>
+    </dgm:linClrLst>
+    <dgm:effectClrLst/>
+    <dgm:txLinClrLst/>
+    <dgm:txFillClrLst meth="repeat">
+      <a:schemeClr val="dk1"/>
+    </dgm:txFillClrLst>
+    <dgm:txEffectClrLst/>
+  </dgm:styleLbl>
+  <dgm:styleLbl name="trAlignAcc1">
+    <dgm:fillClrLst meth="repeat">
+      <a:schemeClr val="lt1">
+        <a:alpha val="40000"/>
+      </a:schemeClr>
+    </dgm:fillClrLst>
+    <dgm:linClrLst meth="repeat">
+      <a:schemeClr val="accent4"/>
+    </dgm:linClrLst>
+    <dgm:effectClrLst/>
+    <dgm:txLinClrLst/>
+    <dgm:txFillClrLst meth="repeat">
+      <a:schemeClr val="dk1"/>
+    </dgm:txFillClrLst>
+    <dgm:txEffectClrLst/>
+  </dgm:styleLbl>
+  <dgm:styleLbl name="bgAcc1">
+    <dgm:fillClrLst meth="repeat">
+      <a:schemeClr val="lt1">
+        <a:alpha val="90000"/>
+      </a:schemeClr>
+    </dgm:fillClrLst>
+    <dgm:linClrLst>
+      <a:schemeClr val="accent4"/>
+      <a:schemeClr val="accent5"/>
+    </dgm:linClrLst>
+    <dgm:effectClrLst/>
+    <dgm:txLinClrLst/>
+    <dgm:txFillClrLst meth="repeat">
+      <a:schemeClr val="dk1"/>
+    </dgm:txFillClrLst>
+    <dgm:txEffectClrLst/>
+  </dgm:styleLbl>
+  <dgm:styleLbl name="solidFgAcc1">
+    <dgm:fillClrLst meth="repeat">
+      <a:schemeClr val="lt1"/>
+    </dgm:fillClrLst>
+    <dgm:linClrLst>
+      <a:schemeClr val="accent4"/>
+      <a:schemeClr val="accent5"/>
+    </dgm:linClrLst>
+    <dgm:effectClrLst/>
+    <dgm:txLinClrLst/>
+    <dgm:txFillClrLst meth="repeat">
+      <a:schemeClr val="dk1"/>
+    </dgm:txFillClrLst>
+    <dgm:txEffectClrLst/>
+  </dgm:styleLbl>
+  <dgm:styleLbl name="solidAlignAcc1">
+    <dgm:fillClrLst meth="repeat">
+      <a:schemeClr val="lt1"/>
+    </dgm:fillClrLst>
+    <dgm:linClrLst>
+      <a:schemeClr val="accent4"/>
+      <a:schemeClr val="accent5"/>
+    </dgm:linClrLst>
+    <dgm:effectClrLst/>
+    <dgm:txLinClrLst/>
+    <dgm:txFillClrLst meth="repeat">
+      <a:schemeClr val="dk1"/>
+    </dgm:txFillClrLst>
+    <dgm:txEffectClrLst/>
+  </dgm:styleLbl>
+  <dgm:styleLbl name="solidBgAcc1">
+    <dgm:fillClrLst meth="repeat">
+      <a:schemeClr val="lt1"/>
+    </dgm:fillClrLst>
+    <dgm:linClrLst>
+      <a:schemeClr val="accent4"/>
+      <a:schemeClr val="accent5"/>
+    </dgm:linClrLst>
+    <dgm:effectClrLst/>
+    <dgm:txLinClrLst/>
+    <dgm:txFillClrLst meth="repeat">
+      <a:schemeClr val="dk1"/>
+    </dgm:txFillClrLst>
+    <dgm:txEffectClrLst/>
+  </dgm:styleLbl>
+  <dgm:styleLbl name="fgAccFollowNode1">
+    <dgm:fillClrLst>
+      <a:schemeClr val="accent4">
+        <a:tint val="40000"/>
+        <a:alpha val="90000"/>
+      </a:schemeClr>
+      <a:schemeClr val="accent5">
+        <a:tint val="40000"/>
+        <a:alpha val="90000"/>
+      </a:schemeClr>
+    </dgm:fillClrLst>
+    <dgm:linClrLst>
+      <a:schemeClr val="accent4">
+        <a:tint val="40000"/>
+        <a:alpha val="90000"/>
+      </a:schemeClr>
+      <a:schemeClr val="accent5">
+        <a:tint val="40000"/>
+        <a:alpha val="90000"/>
+      </a:schemeClr>
+    </dgm:linClrLst>
+    <dgm:effectClrLst/>
+    <dgm:txLinClrLst/>
+    <dgm:txFillClrLst meth="repeat">
+      <a:schemeClr val="dk1"/>
+    </dgm:txFillClrLst>
+    <dgm:txEffectClrLst/>
+  </dgm:styleLbl>
+  <dgm:styleLbl name="alignAccFollowNode1">
+    <dgm:fillClrLst>
+      <a:schemeClr val="accent4">
+        <a:tint val="40000"/>
+        <a:alpha val="90000"/>
+      </a:schemeClr>
+      <a:schemeClr val="accent5">
+        <a:tint val="40000"/>
+        <a:alpha val="90000"/>
+      </a:schemeClr>
+    </dgm:fillClrLst>
+    <dgm:linClrLst>
+      <a:schemeClr val="accent4">
+        <a:tint val="40000"/>
+        <a:alpha val="90000"/>
+      </a:schemeClr>
+      <a:schemeClr val="accent5">
+        <a:tint val="40000"/>
+        <a:alpha val="90000"/>
+      </a:schemeClr>
+    </dgm:linClrLst>
+    <dgm:effectClrLst/>
+    <dgm:txLinClrLst/>
+    <dgm:txFillClrLst meth="repeat">
+      <a:schemeClr val="dk1"/>
+    </dgm:txFillClrLst>
+    <dgm:txEffectClrLst/>
+  </dgm:styleLbl>
+  <dgm:styleLbl name="bgAccFollowNode1">
+    <dgm:fillClrLst>
+      <a:schemeClr val="accent4">
+        <a:tint val="40000"/>
+        <a:alpha val="90000"/>
+      </a:schemeClr>
+      <a:schemeClr val="accent5">
+        <a:tint val="40000"/>
+        <a:alpha val="90000"/>
+      </a:schemeClr>
+    </dgm:fillClrLst>
+    <dgm:linClrLst>
+      <a:schemeClr val="accent4">
+        <a:tint val="40000"/>
+        <a:alpha val="90000"/>
+      </a:schemeClr>
+      <a:schemeClr val="accent5">
+        <a:tint val="40000"/>
+        <a:alpha val="90000"/>
+      </a:schemeClr>
+    </dgm:linClrLst>
+    <dgm:effectClrLst/>
+    <dgm:txLinClrLst/>
+    <dgm:txFillClrLst meth="repeat">
+      <a:schemeClr val="dk1"/>
+    </dgm:txFillClrLst>
+    <dgm:txEffectClrLst/>
+  </dgm:styleLbl>
+  <dgm:styleLbl name="fgAcc0">
+    <dgm:fillClrLst meth="repeat">
+      <a:schemeClr val="lt1">
+        <a:alpha val="90000"/>
+      </a:schemeClr>
+    </dgm:fillClrLst>
+    <dgm:linClrLst>
+      <a:schemeClr val="accent3"/>
+    </dgm:linClrLst>
+    <dgm:effectClrLst/>
+    <dgm:txLinClrLst/>
+    <dgm:txFillClrLst meth="repeat">
+      <a:schemeClr val="dk1"/>
+    </dgm:txFillClrLst>
+    <dgm:txEffectClrLst/>
+  </dgm:styleLbl>
+  <dgm:styleLbl name="fgAcc2">
+    <dgm:fillClrLst meth="repeat">
+      <a:schemeClr val="lt1">
+        <a:alpha val="90000"/>
+      </a:schemeClr>
+    </dgm:fillClrLst>
+    <dgm:linClrLst>
+      <a:schemeClr val="accent5"/>
+    </dgm:linClrLst>
+    <dgm:effectClrLst/>
+    <dgm:txLinClrLst/>
+    <dgm:txFillClrLst meth="repeat">
+      <a:schemeClr val="dk1"/>
+    </dgm:txFillClrLst>
+    <dgm:txEffectClrLst/>
+  </dgm:styleLbl>
+  <dgm:styleLbl name="fgAcc3">
+    <dgm:fillClrLst meth="repeat">
+      <a:schemeClr val="lt1">
+        <a:alpha val="90000"/>
+      </a:schemeClr>
+    </dgm:fillClrLst>
+    <dgm:linClrLst>
+      <a:schemeClr val="accent6"/>
+    </dgm:linClrLst>
+    <dgm:effectClrLst/>
+    <dgm:txLinClrLst/>
+    <dgm:txFillClrLst meth="repeat">
+      <a:schemeClr val="dk1"/>
+    </dgm:txFillClrLst>
+    <dgm:txEffectClrLst/>
+  </dgm:styleLbl>
+  <dgm:styleLbl name="fgAcc4">
+    <dgm:fillClrLst meth="repeat">
+      <a:schemeClr val="lt1">
+        <a:alpha val="90000"/>
+      </a:schemeClr>
+    </dgm:fillClrLst>
+    <dgm:linClrLst>
+      <a:schemeClr val="accent1"/>
+    </dgm:linClrLst>
+    <dgm:effectClrLst/>
+    <dgm:txLinClrLst/>
+    <dgm:txFillClrLst meth="repeat">
+      <a:schemeClr val="dk1"/>
+    </dgm:txFillClrLst>
+    <dgm:txEffectClrLst/>
+  </dgm:styleLbl>
+  <dgm:styleLbl name="bgShp">
+    <dgm:fillClrLst meth="repeat">
+      <a:schemeClr val="accent4">
+        <a:tint val="40000"/>
+      </a:schemeClr>
+    </dgm:fillClrLst>
+    <dgm:linClrLst meth="repeat">
+      <a:schemeClr val="dk1"/>
+    </dgm:linClrLst>
+    <dgm:effectClrLst/>
+    <dgm:txLinClrLst/>
+    <dgm:txFillClrLst meth="repeat">
+      <a:schemeClr val="dk1"/>
+    </dgm:txFillClrLst>
+    <dgm:txEffectClrLst/>
+  </dgm:styleLbl>
+  <dgm:styleLbl name="dkBgShp">
+    <dgm:fillClrLst meth="repeat">
+      <a:schemeClr val="accent4">
+        <a:shade val="90000"/>
+      </a:schemeClr>
+    </dgm:fillClrLst>
+    <dgm:linClrLst meth="repeat">
+      <a:schemeClr val="dk1"/>
+    </dgm:linClrLst>
+    <dgm:effectClrLst/>
+    <dgm:txLinClrLst/>
+    <dgm:txFillClrLst meth="repeat">
+      <a:schemeClr val="lt1"/>
+    </dgm:txFillClrLst>
+    <dgm:txEffectClrLst/>
+  </dgm:styleLbl>
+  <dgm:styleLbl name="trBgShp">
+    <dgm:fillClrLst meth="repeat">
+      <a:schemeClr val="accent4">
+        <a:tint val="50000"/>
+        <a:alpha val="40000"/>
+      </a:schemeClr>
+    </dgm:fillClrLst>
+    <dgm:linClrLst meth="repeat">
+      <a:schemeClr val="accent4"/>
+    </dgm:linClrLst>
+    <dgm:effectClrLst/>
+    <dgm:txLinClrLst/>
+    <dgm:txFillClrLst meth="repeat">
+      <a:schemeClr val="lt1"/>
+    </dgm:txFillClrLst>
+    <dgm:txEffectClrLst/>
+  </dgm:styleLbl>
+  <dgm:styleLbl name="fgShp">
+    <dgm:fillClrLst meth="repeat">
+      <a:schemeClr val="accent4">
+        <a:tint val="40000"/>
+      </a:schemeClr>
+    </dgm:fillClrLst>
+    <dgm:linClrLst meth="repeat">
+      <a:schemeClr val="lt1"/>
+    </dgm:linClrLst>
+    <dgm:effectClrLst/>
+    <dgm:txLinClrLst/>
+    <dgm:txFillClrLst meth="repeat">
+      <a:schemeClr val="dk1"/>
+    </dgm:txFillClrLst>
+    <dgm:txEffectClrLst/>
+  </dgm:styleLbl>
+  <dgm:styleLbl name="revTx">
+    <dgm:fillClrLst meth="repeat">
+      <a:schemeClr val="lt1">
+        <a:alpha val="0"/>
+      </a:schemeClr>
+    </dgm:fillClrLst>
+    <dgm:linClrLst meth="repeat">
+      <a:schemeClr val="dk1">
+        <a:alpha val="0"/>
+      </a:schemeClr>
+    </dgm:linClrLst>
+    <dgm:effectClrLst/>
+    <dgm:txLinClrLst/>
+    <dgm:txFillClrLst meth="repeat">
+      <a:schemeClr val="tx1"/>
+    </dgm:txFillClrLst>
+    <dgm:txEffectClrLst/>
+  </dgm:styleLbl>
+</dgm:colorsDef>
+</file>
+
+<file path=ppt/diagrams/data1.xml><?xml version="1.0" encoding="utf-8"?>
+<dgm:dataModel xmlns:dgm="http://schemas.openxmlformats.org/drawingml/2006/diagram" xmlns:a="http://schemas.openxmlformats.org/drawingml/2006/main">
+  <dgm:ptLst>
+    <dgm:pt modelId="{B1E21D82-B2B8-413F-AFC5-162C7F1F4AF0}" type="doc">
+      <dgm:prSet loTypeId="urn:microsoft.com/office/officeart/2005/8/layout/hierarchy6" loCatId="hierarchy" qsTypeId="urn:microsoft.com/office/officeart/2005/8/quickstyle/simple2" qsCatId="simple" csTypeId="urn:microsoft.com/office/officeart/2005/8/colors/colorful4" csCatId="colorful" phldr="1"/>
+      <dgm:spPr/>
+      <dgm:t>
+        <a:bodyPr/>
+        <a:lstStyle/>
+        <a:p>
+          <a:endParaRPr lang="fr-FR"/>
+        </a:p>
+      </dgm:t>
+    </dgm:pt>
+    <dgm:pt modelId="{C7B5CE3A-23AC-47C5-B913-5788B5B862AF}">
+      <dgm:prSet phldrT="[Texte]" custT="1"/>
+      <dgm:spPr/>
+      <dgm:t>
+        <a:bodyPr/>
+        <a:lstStyle/>
+        <a:p>
+          <a:r>
+            <a:rPr lang="fr-FR" sz="1400" b="1" dirty="0"/>
+            <a:t>+ 100_000 points ?</a:t>
+          </a:r>
+        </a:p>
+      </dgm:t>
+    </dgm:pt>
+    <dgm:pt modelId="{C72E1095-B0C6-4A09-9932-43DED3A0D5DD}" type="parTrans" cxnId="{1AEE69BC-8201-445A-B8D6-B79426343014}">
+      <dgm:prSet/>
+      <dgm:spPr/>
+      <dgm:t>
+        <a:bodyPr/>
+        <a:lstStyle/>
+        <a:p>
+          <a:endParaRPr lang="fr-FR"/>
+        </a:p>
+      </dgm:t>
+    </dgm:pt>
+    <dgm:pt modelId="{E54CD394-946C-4629-8F00-75D889472F91}" type="sibTrans" cxnId="{1AEE69BC-8201-445A-B8D6-B79426343014}">
+      <dgm:prSet/>
+      <dgm:spPr/>
+    </dgm:pt>
+    <dgm:pt modelId="{202A5299-8844-440E-B475-3E1B22FE7171}">
+      <dgm:prSet phldrT="[Texte]" custT="1"/>
+      <dgm:spPr/>
+      <dgm:t>
+        <a:bodyPr/>
+        <a:lstStyle/>
+        <a:p>
+          <a:r>
+            <a:rPr lang="fr-FR" sz="1400" b="1" kern="1200" dirty="0" err="1">
+              <a:solidFill>
+                <a:prstClr val="white"/>
+              </a:solidFill>
+              <a:latin typeface="Calibri" panose="020F0502020204030204"/>
+              <a:ea typeface="+mn-ea"/>
+              <a:cs typeface="+mn-cs"/>
+            </a:rPr>
+            <a:t>Rsx</a:t>
+          </a:r>
+          <a:r>
+            <a:rPr lang="fr-FR" sz="1000" kern="1200" dirty="0"/>
+            <a:t> </a:t>
+          </a:r>
+          <a:r>
+            <a:rPr lang="fr-FR" sz="1400" b="1" kern="1200" dirty="0">
+              <a:solidFill>
+                <a:prstClr val="white"/>
+              </a:solidFill>
+              <a:latin typeface="Calibri" panose="020F0502020204030204"/>
+              <a:ea typeface="+mn-ea"/>
+              <a:cs typeface="+mn-cs"/>
+            </a:rPr>
+            <a:t>neurones</a:t>
+          </a:r>
+        </a:p>
+      </dgm:t>
+    </dgm:pt>
+    <dgm:pt modelId="{E65E7044-027B-441F-BBBD-1E6DB10649C5}" type="parTrans" cxnId="{ED097CA0-7D73-4358-97A9-5A42344E8B0E}">
+      <dgm:prSet/>
+      <dgm:spPr/>
+      <dgm:t>
+        <a:bodyPr/>
+        <a:lstStyle/>
+        <a:p>
+          <a:endParaRPr lang="fr-FR"/>
+        </a:p>
+      </dgm:t>
+    </dgm:pt>
+    <dgm:pt modelId="{C1340542-FE20-4621-9EFD-7BC4E6AB1CDB}" type="sibTrans" cxnId="{ED097CA0-7D73-4358-97A9-5A42344E8B0E}">
+      <dgm:prSet/>
+      <dgm:spPr/>
+      <dgm:t>
+        <a:bodyPr/>
+        <a:lstStyle/>
+        <a:p>
+          <a:endParaRPr lang="fr-FR"/>
+        </a:p>
+      </dgm:t>
+    </dgm:pt>
+    <dgm:pt modelId="{CEFEE625-765B-4DCD-8675-3CF6C6BC0B1F}">
+      <dgm:prSet phldrT="[Texte]" custT="1"/>
+      <dgm:spPr/>
+      <dgm:t>
+        <a:bodyPr/>
+        <a:lstStyle/>
+        <a:p>
+          <a:r>
+            <a:rPr lang="fr-FR" sz="1400" b="1" kern="1200" dirty="0" err="1">
+              <a:solidFill>
+                <a:prstClr val="white"/>
+              </a:solidFill>
+              <a:latin typeface="Calibri" panose="020F0502020204030204"/>
+              <a:ea typeface="+mn-ea"/>
+              <a:cs typeface="+mn-cs"/>
+            </a:rPr>
+            <a:t>SGDRegressor</a:t>
+          </a:r>
+          <a:br>
+            <a:rPr lang="fr-FR" sz="1000" kern="1200" dirty="0"/>
+          </a:br>
+          <a:r>
+            <a:rPr lang="fr-FR" sz="1400" b="1" kern="1200" dirty="0" err="1">
+              <a:solidFill>
+                <a:prstClr val="white"/>
+              </a:solidFill>
+              <a:latin typeface="Calibri" panose="020F0502020204030204"/>
+              <a:ea typeface="+mn-ea"/>
+              <a:cs typeface="+mn-cs"/>
+            </a:rPr>
+            <a:t>SGDClassifier</a:t>
+          </a:r>
+          <a:endParaRPr lang="fr-FR" sz="1400" b="1" kern="1200" dirty="0">
+            <a:solidFill>
+              <a:prstClr val="white"/>
+            </a:solidFill>
+            <a:latin typeface="Calibri" panose="020F0502020204030204"/>
+            <a:ea typeface="+mn-ea"/>
+            <a:cs typeface="+mn-cs"/>
+          </a:endParaRPr>
+        </a:p>
+      </dgm:t>
+    </dgm:pt>
+    <dgm:pt modelId="{3707ACC3-8432-44C5-9F01-8A9F72239F4A}" type="parTrans" cxnId="{C046B93B-AB58-4D58-9E5C-D4EE674F2DB5}">
+      <dgm:prSet/>
+      <dgm:spPr/>
+      <dgm:t>
+        <a:bodyPr/>
+        <a:lstStyle/>
+        <a:p>
+          <a:endParaRPr lang="fr-FR"/>
+        </a:p>
+      </dgm:t>
+    </dgm:pt>
+    <dgm:pt modelId="{8F2D1F27-E667-4484-91AD-56118EA75F93}" type="sibTrans" cxnId="{C046B93B-AB58-4D58-9E5C-D4EE674F2DB5}">
+      <dgm:prSet/>
+      <dgm:spPr/>
+      <dgm:t>
+        <a:bodyPr/>
+        <a:lstStyle/>
+        <a:p>
+          <a:endParaRPr lang="fr-FR"/>
+        </a:p>
+      </dgm:t>
+    </dgm:pt>
+    <dgm:pt modelId="{8678202D-D8FC-4662-9CE5-3BE58F439647}">
+      <dgm:prSet phldrT="[Texte]" custT="1"/>
+      <dgm:spPr/>
+      <dgm:t>
+        <a:bodyPr/>
+        <a:lstStyle/>
+        <a:p>
+          <a:r>
+            <a:rPr lang="fr-FR" sz="1400" b="1" kern="1200" dirty="0">
+              <a:solidFill>
+                <a:prstClr val="white"/>
+              </a:solidFill>
+              <a:latin typeface="Calibri" panose="020F0502020204030204"/>
+              <a:ea typeface="+mn-ea"/>
+              <a:cs typeface="+mn-cs"/>
+            </a:rPr>
+            <a:t>Images, son, texte</a:t>
+          </a:r>
+        </a:p>
+      </dgm:t>
+    </dgm:pt>
+    <dgm:pt modelId="{A966E2A9-E4E9-465D-959A-C6262E640C16}" type="parTrans" cxnId="{E02394F2-D613-4429-A47B-D819E89DE4C2}">
+      <dgm:prSet/>
+      <dgm:spPr/>
+      <dgm:t>
+        <a:bodyPr/>
+        <a:lstStyle/>
+        <a:p>
+          <a:endParaRPr lang="fr-FR"/>
+        </a:p>
+      </dgm:t>
+    </dgm:pt>
+    <dgm:pt modelId="{B9620192-D737-459B-8707-34B3D139121E}" type="sibTrans" cxnId="{E02394F2-D613-4429-A47B-D819E89DE4C2}">
+      <dgm:prSet/>
+      <dgm:spPr/>
+      <dgm:t>
+        <a:bodyPr/>
+        <a:lstStyle/>
+        <a:p>
+          <a:endParaRPr lang="fr-FR"/>
+        </a:p>
+      </dgm:t>
+    </dgm:pt>
+    <dgm:pt modelId="{D36FD293-F7FF-42C1-9221-45B67FDB40EF}">
+      <dgm:prSet phldrT="[Texte]" custT="1"/>
+      <dgm:spPr/>
+      <dgm:t>
+        <a:bodyPr/>
+        <a:lstStyle/>
+        <a:p>
+          <a:r>
+            <a:rPr lang="fr-FR" sz="1400" b="1" kern="1200" dirty="0" err="1">
+              <a:solidFill>
+                <a:prstClr val="white"/>
+              </a:solidFill>
+              <a:latin typeface="Calibri" panose="020F0502020204030204"/>
+              <a:ea typeface="+mn-ea"/>
+              <a:cs typeface="+mn-cs"/>
+            </a:rPr>
+            <a:t>Rsx</a:t>
+          </a:r>
+          <a:r>
+            <a:rPr lang="fr-FR" sz="1400" b="1" kern="1200" dirty="0">
+              <a:solidFill>
+                <a:prstClr val="white"/>
+              </a:solidFill>
+              <a:latin typeface="Calibri" panose="020F0502020204030204"/>
+              <a:ea typeface="+mn-ea"/>
+              <a:cs typeface="+mn-cs"/>
+            </a:rPr>
+            <a:t> Neurones</a:t>
+          </a:r>
+        </a:p>
+      </dgm:t>
+    </dgm:pt>
+    <dgm:pt modelId="{DFA4081A-4B60-412B-9783-37F8E940F4B2}" type="parTrans" cxnId="{9D7CE780-8EDD-428C-9191-F0214166D154}">
+      <dgm:prSet/>
+      <dgm:spPr/>
+      <dgm:t>
+        <a:bodyPr/>
+        <a:lstStyle/>
+        <a:p>
+          <a:endParaRPr lang="fr-FR"/>
+        </a:p>
+      </dgm:t>
+    </dgm:pt>
+    <dgm:pt modelId="{5A1BBD13-3075-40DB-9AB9-381068941FA6}" type="sibTrans" cxnId="{9D7CE780-8EDD-428C-9191-F0214166D154}">
+      <dgm:prSet/>
+      <dgm:spPr/>
+      <dgm:t>
+        <a:bodyPr/>
+        <a:lstStyle/>
+        <a:p>
+          <a:endParaRPr lang="fr-FR"/>
+        </a:p>
+      </dgm:t>
+    </dgm:pt>
+    <dgm:pt modelId="{C597D6E6-6D45-4937-A555-C29E49DACA0C}">
+      <dgm:prSet phldrT="[Texte]" custT="1"/>
+      <dgm:spPr/>
+      <dgm:t>
+        <a:bodyPr/>
+        <a:lstStyle/>
+        <a:p>
+          <a:r>
+            <a:rPr lang="fr-FR" sz="1400" b="1" kern="1200" dirty="0">
+              <a:solidFill>
+                <a:prstClr val="white"/>
+              </a:solidFill>
+              <a:latin typeface="Calibri" panose="020F0502020204030204"/>
+              <a:ea typeface="+mn-ea"/>
+              <a:cs typeface="+mn-cs"/>
+            </a:rPr>
+            <a:t>Données normales</a:t>
+          </a:r>
+        </a:p>
+      </dgm:t>
+    </dgm:pt>
+    <dgm:pt modelId="{D413CE11-131C-42FD-A56E-0A6DBA7C8386}" type="parTrans" cxnId="{9042F2FC-E8F1-4CB1-BE29-6FD9757BCCF2}">
+      <dgm:prSet/>
+      <dgm:spPr/>
+      <dgm:t>
+        <a:bodyPr/>
+        <a:lstStyle/>
+        <a:p>
+          <a:endParaRPr lang="fr-FR"/>
+        </a:p>
+      </dgm:t>
+    </dgm:pt>
+    <dgm:pt modelId="{AB4FFA8D-C3CA-4229-8517-7B835469A44A}" type="sibTrans" cxnId="{9042F2FC-E8F1-4CB1-BE29-6FD9757BCCF2}">
+      <dgm:prSet/>
+      <dgm:spPr/>
+      <dgm:t>
+        <a:bodyPr/>
+        <a:lstStyle/>
+        <a:p>
+          <a:endParaRPr lang="fr-FR"/>
+        </a:p>
+      </dgm:t>
+    </dgm:pt>
+    <dgm:pt modelId="{4E69B237-781E-4548-9BCF-7648F638C159}">
+      <dgm:prSet phldrT="[Texte]"/>
+      <dgm:spPr/>
+      <dgm:t>
+        <a:bodyPr/>
+        <a:lstStyle/>
+        <a:p>
+          <a:r>
+            <a:rPr lang="fr-FR" dirty="0" err="1"/>
+            <a:t>LinearReg</a:t>
+          </a:r>
+          <a:br>
+            <a:rPr lang="fr-FR" dirty="0"/>
+          </a:br>
+          <a:r>
+            <a:rPr lang="fr-FR" dirty="0"/>
+            <a:t>Lasso</a:t>
+          </a:r>
+          <a:br>
+            <a:rPr lang="fr-FR" dirty="0"/>
+          </a:br>
+          <a:r>
+            <a:rPr lang="fr-FR" dirty="0"/>
+            <a:t>Ridge</a:t>
+          </a:r>
+          <a:br>
+            <a:rPr lang="fr-FR" dirty="0"/>
+          </a:br>
+          <a:r>
+            <a:rPr lang="fr-FR" dirty="0" err="1"/>
+            <a:t>LinearSum</a:t>
+          </a:r>
+          <a:br>
+            <a:rPr lang="fr-FR" dirty="0"/>
+          </a:br>
+          <a:r>
+            <a:rPr lang="fr-FR" dirty="0" err="1"/>
+            <a:t>Logistic</a:t>
+          </a:r>
+          <a:r>
+            <a:rPr lang="fr-FR" dirty="0"/>
+            <a:t> Reg SGD Reg</a:t>
+          </a:r>
+          <a:br>
+            <a:rPr lang="fr-FR" dirty="0"/>
+          </a:br>
+          <a:r>
+            <a:rPr lang="fr-FR" dirty="0"/>
+            <a:t>SGD Classifier </a:t>
+          </a:r>
+          <a:r>
+            <a:rPr lang="fr-FR" dirty="0" err="1"/>
+            <a:t>NaiveBayse</a:t>
+          </a:r>
+          <a:endParaRPr lang="fr-FR" dirty="0"/>
+        </a:p>
+      </dgm:t>
+    </dgm:pt>
+    <dgm:pt modelId="{6B1332F4-7686-432E-8ECB-0698A59B65E0}" type="parTrans" cxnId="{A7B96EDE-C6A2-4BA8-AEA0-9C84D599C781}">
+      <dgm:prSet/>
+      <dgm:spPr/>
+      <dgm:t>
+        <a:bodyPr/>
+        <a:lstStyle/>
+        <a:p>
+          <a:endParaRPr lang="fr-FR"/>
+        </a:p>
+      </dgm:t>
+    </dgm:pt>
+    <dgm:pt modelId="{D5DAF83B-F457-43E9-802B-E10EF97EBBFB}" type="sibTrans" cxnId="{A7B96EDE-C6A2-4BA8-AEA0-9C84D599C781}">
+      <dgm:prSet/>
+      <dgm:spPr/>
+      <dgm:t>
+        <a:bodyPr/>
+        <a:lstStyle/>
+        <a:p>
+          <a:endParaRPr lang="fr-FR"/>
+        </a:p>
+      </dgm:t>
+    </dgm:pt>
+    <dgm:pt modelId="{DF658165-C939-4BD8-967F-4A12FF4A0030}">
+      <dgm:prSet phldrT="[Texte]" custT="1"/>
+      <dgm:spPr/>
+      <dgm:t>
+        <a:bodyPr/>
+        <a:lstStyle/>
+        <a:p>
+          <a:r>
+            <a:rPr lang="fr-FR" sz="1400" b="1" kern="1200" dirty="0">
+              <a:solidFill>
+                <a:prstClr val="white"/>
+              </a:solidFill>
+              <a:latin typeface="Calibri" panose="020F0502020204030204"/>
+              <a:ea typeface="+mn-ea"/>
+              <a:cs typeface="+mn-cs"/>
+            </a:rPr>
+            <a:t>Beaucoup de</a:t>
+          </a:r>
+          <a:br>
+            <a:rPr lang="fr-FR" sz="1400" b="1" kern="1200" dirty="0">
+              <a:solidFill>
+                <a:prstClr val="white"/>
+              </a:solidFill>
+              <a:latin typeface="Calibri" panose="020F0502020204030204"/>
+              <a:ea typeface="+mn-ea"/>
+              <a:cs typeface="+mn-cs"/>
+            </a:rPr>
+          </a:br>
+          <a:r>
+            <a:rPr lang="fr-FR" sz="1400" b="1" kern="1200" dirty="0">
+              <a:solidFill>
+                <a:prstClr val="white"/>
+              </a:solidFill>
+              <a:latin typeface="Calibri" panose="020F0502020204030204"/>
+              <a:ea typeface="+mn-ea"/>
+              <a:cs typeface="+mn-cs"/>
+            </a:rPr>
+            <a:t>catégories ?</a:t>
+          </a:r>
+        </a:p>
+      </dgm:t>
+    </dgm:pt>
+    <dgm:pt modelId="{DDF54D67-2BB3-4859-88E1-74B9FAFDCF24}" type="parTrans" cxnId="{043A0C4C-96D4-44B7-A5EB-7291F3721C5E}">
+      <dgm:prSet/>
+      <dgm:spPr/>
+      <dgm:t>
+        <a:bodyPr/>
+        <a:lstStyle/>
+        <a:p>
+          <a:endParaRPr lang="fr-FR"/>
+        </a:p>
+      </dgm:t>
+    </dgm:pt>
+    <dgm:pt modelId="{3EAEFC48-F4A3-4DBF-9C77-FECF9ED06249}" type="sibTrans" cxnId="{043A0C4C-96D4-44B7-A5EB-7291F3721C5E}">
+      <dgm:prSet/>
+      <dgm:spPr/>
+      <dgm:t>
+        <a:bodyPr/>
+        <a:lstStyle/>
+        <a:p>
+          <a:endParaRPr lang="fr-FR"/>
+        </a:p>
+      </dgm:t>
+    </dgm:pt>
+    <dgm:pt modelId="{48FD4DC7-95E8-42ED-A8BB-3EEAC33E4D4D}">
+      <dgm:prSet phldrT="[Texte]" custT="1"/>
+      <dgm:spPr/>
+      <dgm:t>
+        <a:bodyPr/>
+        <a:lstStyle/>
+        <a:p>
+          <a:r>
+            <a:rPr lang="fr-FR" sz="1400" b="1" kern="1200" dirty="0" err="1">
+              <a:solidFill>
+                <a:prstClr val="white"/>
+              </a:solidFill>
+              <a:latin typeface="Calibri" panose="020F0502020204030204"/>
+              <a:ea typeface="+mn-ea"/>
+              <a:cs typeface="+mn-cs"/>
+            </a:rPr>
+            <a:t>Decision</a:t>
+          </a:r>
+          <a:r>
+            <a:rPr lang="fr-FR" sz="1400" b="1" kern="1200" dirty="0">
+              <a:solidFill>
+                <a:prstClr val="white"/>
+              </a:solidFill>
+              <a:latin typeface="Calibri" panose="020F0502020204030204"/>
+              <a:ea typeface="+mn-ea"/>
+              <a:cs typeface="+mn-cs"/>
+            </a:rPr>
+            <a:t> </a:t>
+          </a:r>
+          <a:r>
+            <a:rPr lang="fr-FR" sz="1400" b="1" kern="1200" dirty="0" err="1">
+              <a:solidFill>
+                <a:prstClr val="white"/>
+              </a:solidFill>
+              <a:latin typeface="Calibri" panose="020F0502020204030204"/>
+              <a:ea typeface="+mn-ea"/>
+              <a:cs typeface="+mn-cs"/>
+            </a:rPr>
+            <a:t>tree</a:t>
+          </a:r>
+          <a:endParaRPr lang="fr-FR" sz="1400" b="1" kern="1200" dirty="0">
+            <a:solidFill>
+              <a:prstClr val="white"/>
+            </a:solidFill>
+            <a:latin typeface="Calibri" panose="020F0502020204030204"/>
+            <a:ea typeface="+mn-ea"/>
+            <a:cs typeface="+mn-cs"/>
+          </a:endParaRPr>
+        </a:p>
+      </dgm:t>
+    </dgm:pt>
+    <dgm:pt modelId="{A989AD60-B21C-4616-8E32-0225006E28B3}" type="parTrans" cxnId="{0E72D645-7E90-47F5-A2BC-76A10FF806F1}">
+      <dgm:prSet/>
+      <dgm:spPr/>
+      <dgm:t>
+        <a:bodyPr/>
+        <a:lstStyle/>
+        <a:p>
+          <a:endParaRPr lang="fr-FR"/>
+        </a:p>
+      </dgm:t>
+    </dgm:pt>
+    <dgm:pt modelId="{D10B86B8-B410-4970-BF79-7E325A610E56}" type="sibTrans" cxnId="{0E72D645-7E90-47F5-A2BC-76A10FF806F1}">
+      <dgm:prSet/>
+      <dgm:spPr/>
+      <dgm:t>
+        <a:bodyPr/>
+        <a:lstStyle/>
+        <a:p>
+          <a:endParaRPr lang="fr-FR"/>
+        </a:p>
+      </dgm:t>
+    </dgm:pt>
+    <dgm:pt modelId="{3EA9AD15-83BB-495F-A91E-CEB52E1C1F09}">
+      <dgm:prSet phldrT="[Texte]" custT="1"/>
+      <dgm:spPr/>
+      <dgm:t>
+        <a:bodyPr/>
+        <a:lstStyle/>
+        <a:p>
+          <a:r>
+            <a:rPr lang="fr-FR" sz="1400" b="1" kern="1200" dirty="0">
+              <a:solidFill>
+                <a:prstClr val="white"/>
+              </a:solidFill>
+              <a:latin typeface="Calibri" panose="020F0502020204030204"/>
+              <a:ea typeface="+mn-ea"/>
+              <a:cs typeface="+mn-cs"/>
+            </a:rPr>
+            <a:t>SVM</a:t>
+          </a:r>
+          <a:br>
+            <a:rPr lang="fr-FR" sz="1400" b="1" kern="1200" dirty="0">
+              <a:solidFill>
+                <a:prstClr val="white"/>
+              </a:solidFill>
+              <a:latin typeface="Calibri" panose="020F0502020204030204"/>
+              <a:ea typeface="+mn-ea"/>
+              <a:cs typeface="+mn-cs"/>
+            </a:rPr>
+          </a:br>
+          <a:r>
+            <a:rPr lang="fr-FR" sz="1400" b="1" kern="1200" dirty="0">
+              <a:solidFill>
+                <a:prstClr val="white"/>
+              </a:solidFill>
+              <a:latin typeface="Calibri" panose="020F0502020204030204"/>
+              <a:ea typeface="+mn-ea"/>
+              <a:cs typeface="+mn-cs"/>
+            </a:rPr>
+            <a:t>KNN</a:t>
+          </a:r>
+        </a:p>
+      </dgm:t>
+    </dgm:pt>
+    <dgm:pt modelId="{712FD647-5193-4654-8071-8320F1D2D74B}" type="parTrans" cxnId="{47885B9F-61D4-4363-83C3-207589406215}">
+      <dgm:prSet/>
+      <dgm:spPr/>
+      <dgm:t>
+        <a:bodyPr/>
+        <a:lstStyle/>
+        <a:p>
+          <a:endParaRPr lang="fr-FR"/>
+        </a:p>
+      </dgm:t>
+    </dgm:pt>
+    <dgm:pt modelId="{0A2AFE1D-C390-4A19-BC40-8346213C837C}" type="sibTrans" cxnId="{47885B9F-61D4-4363-83C3-207589406215}">
+      <dgm:prSet/>
+      <dgm:spPr/>
+      <dgm:t>
+        <a:bodyPr/>
+        <a:lstStyle/>
+        <a:p>
+          <a:endParaRPr lang="fr-FR"/>
+        </a:p>
+      </dgm:t>
+    </dgm:pt>
+    <dgm:pt modelId="{AC4B3803-AA67-4706-B2F9-26EBE69CDE8C}">
+      <dgm:prSet phldrT="[Texte]" custT="1"/>
+      <dgm:spPr/>
+      <dgm:t>
+        <a:bodyPr/>
+        <a:lstStyle/>
+        <a:p>
+          <a:r>
+            <a:rPr lang="fr-FR" sz="1400" b="1" dirty="0"/>
+            <a:t>Images, son, texte</a:t>
+          </a:r>
+        </a:p>
+      </dgm:t>
+    </dgm:pt>
+    <dgm:pt modelId="{E0AA039A-06EB-4D27-B732-21ED91449380}" type="sibTrans" cxnId="{A390472F-C952-4DEA-BE78-78FC794F8B6C}">
+      <dgm:prSet/>
+      <dgm:spPr/>
+      <dgm:t>
+        <a:bodyPr/>
+        <a:lstStyle/>
+        <a:p>
+          <a:endParaRPr lang="fr-FR"/>
+        </a:p>
+      </dgm:t>
+    </dgm:pt>
+    <dgm:pt modelId="{BFC9D3F6-2BCD-47E7-959D-0C3B0DB986A2}" type="parTrans" cxnId="{A390472F-C952-4DEA-BE78-78FC794F8B6C}">
+      <dgm:prSet/>
+      <dgm:spPr/>
+      <dgm:t>
+        <a:bodyPr/>
+        <a:lstStyle/>
+        <a:p>
+          <a:endParaRPr lang="fr-FR"/>
+        </a:p>
+      </dgm:t>
+    </dgm:pt>
+    <dgm:pt modelId="{A8E1EDA9-8350-42A1-83EC-00F341902DED}" type="pres">
+      <dgm:prSet presAssocID="{B1E21D82-B2B8-413F-AFC5-162C7F1F4AF0}" presName="mainComposite" presStyleCnt="0">
+        <dgm:presLayoutVars>
+          <dgm:chPref val="1"/>
+          <dgm:dir/>
+          <dgm:animOne val="branch"/>
+          <dgm:animLvl val="lvl"/>
+          <dgm:resizeHandles val="exact"/>
+        </dgm:presLayoutVars>
+      </dgm:prSet>
+      <dgm:spPr/>
+    </dgm:pt>
+    <dgm:pt modelId="{A0EE29B9-729F-4E11-AD0B-628C36C0CE4C}" type="pres">
+      <dgm:prSet presAssocID="{B1E21D82-B2B8-413F-AFC5-162C7F1F4AF0}" presName="hierFlow" presStyleCnt="0"/>
+      <dgm:spPr/>
+    </dgm:pt>
+    <dgm:pt modelId="{B689A1AE-C254-4DD4-B27E-CDD6B9ED5A0C}" type="pres">
+      <dgm:prSet presAssocID="{B1E21D82-B2B8-413F-AFC5-162C7F1F4AF0}" presName="hierChild1" presStyleCnt="0">
+        <dgm:presLayoutVars>
+          <dgm:chPref val="1"/>
+          <dgm:animOne val="branch"/>
+          <dgm:animLvl val="lvl"/>
+        </dgm:presLayoutVars>
+      </dgm:prSet>
+      <dgm:spPr/>
+    </dgm:pt>
+    <dgm:pt modelId="{BC74ACAA-33E5-4DF6-835C-FE442E71CBC6}" type="pres">
+      <dgm:prSet presAssocID="{C7B5CE3A-23AC-47C5-B913-5788B5B862AF}" presName="Name14" presStyleCnt="0"/>
+      <dgm:spPr/>
+    </dgm:pt>
+    <dgm:pt modelId="{7C305046-0BEA-4216-A5FD-FAAFE29E5D3D}" type="pres">
+      <dgm:prSet presAssocID="{C7B5CE3A-23AC-47C5-B913-5788B5B862AF}" presName="level1Shape" presStyleLbl="node0" presStyleIdx="0" presStyleCnt="1">
+        <dgm:presLayoutVars>
+          <dgm:chPref val="3"/>
+        </dgm:presLayoutVars>
+      </dgm:prSet>
+      <dgm:spPr/>
+    </dgm:pt>
+    <dgm:pt modelId="{CA0B9E57-F2BD-40D7-B72F-1D25491BD642}" type="pres">
+      <dgm:prSet presAssocID="{C7B5CE3A-23AC-47C5-B913-5788B5B862AF}" presName="hierChild2" presStyleCnt="0"/>
+      <dgm:spPr/>
+    </dgm:pt>
+    <dgm:pt modelId="{0AA610CB-6BE4-4DC9-9634-13FD1EF2DEF1}" type="pres">
+      <dgm:prSet presAssocID="{BFC9D3F6-2BCD-47E7-959D-0C3B0DB986A2}" presName="Name19" presStyleLbl="parChTrans1D2" presStyleIdx="0" presStyleCnt="2"/>
+      <dgm:spPr/>
+    </dgm:pt>
+    <dgm:pt modelId="{78753606-418A-4900-B1EA-0EFD53F5EE92}" type="pres">
+      <dgm:prSet presAssocID="{AC4B3803-AA67-4706-B2F9-26EBE69CDE8C}" presName="Name21" presStyleCnt="0"/>
+      <dgm:spPr/>
+    </dgm:pt>
+    <dgm:pt modelId="{396B82A4-ADDE-4CF2-A9C0-CC5DF0B45318}" type="pres">
+      <dgm:prSet presAssocID="{AC4B3803-AA67-4706-B2F9-26EBE69CDE8C}" presName="level2Shape" presStyleLbl="node2" presStyleIdx="0" presStyleCnt="2"/>
+      <dgm:spPr/>
+    </dgm:pt>
+    <dgm:pt modelId="{DAAE169F-5422-4650-BC92-8C9DA1B544D0}" type="pres">
+      <dgm:prSet presAssocID="{AC4B3803-AA67-4706-B2F9-26EBE69CDE8C}" presName="hierChild3" presStyleCnt="0"/>
+      <dgm:spPr/>
+    </dgm:pt>
+    <dgm:pt modelId="{1A7DDCC1-9EA5-4BF1-9EA7-5A8FD2CC8DDF}" type="pres">
+      <dgm:prSet presAssocID="{E65E7044-027B-441F-BBBD-1E6DB10649C5}" presName="Name19" presStyleLbl="parChTrans1D3" presStyleIdx="0" presStyleCnt="4"/>
+      <dgm:spPr/>
+    </dgm:pt>
+    <dgm:pt modelId="{878ADC06-B811-441B-8964-24ABE3BDAEF6}" type="pres">
+      <dgm:prSet presAssocID="{202A5299-8844-440E-B475-3E1B22FE7171}" presName="Name21" presStyleCnt="0"/>
+      <dgm:spPr/>
+    </dgm:pt>
+    <dgm:pt modelId="{A34F568B-C97A-4D04-ADA9-3BACBB0266DE}" type="pres">
+      <dgm:prSet presAssocID="{202A5299-8844-440E-B475-3E1B22FE7171}" presName="level2Shape" presStyleLbl="node3" presStyleIdx="0" presStyleCnt="4"/>
+      <dgm:spPr/>
+    </dgm:pt>
+    <dgm:pt modelId="{7F340AC2-0B7E-41E5-A161-CB909C4611B2}" type="pres">
+      <dgm:prSet presAssocID="{202A5299-8844-440E-B475-3E1B22FE7171}" presName="hierChild3" presStyleCnt="0"/>
+      <dgm:spPr/>
+    </dgm:pt>
+    <dgm:pt modelId="{D49136FC-F355-4ED9-A315-8DAFCB2DD67C}" type="pres">
+      <dgm:prSet presAssocID="{3707ACC3-8432-44C5-9F01-8A9F72239F4A}" presName="Name19" presStyleLbl="parChTrans1D3" presStyleIdx="1" presStyleCnt="4"/>
+      <dgm:spPr/>
+    </dgm:pt>
+    <dgm:pt modelId="{2CFA0BA5-79A7-4540-808B-DD232B57E7F1}" type="pres">
+      <dgm:prSet presAssocID="{CEFEE625-765B-4DCD-8675-3CF6C6BC0B1F}" presName="Name21" presStyleCnt="0"/>
+      <dgm:spPr/>
+    </dgm:pt>
+    <dgm:pt modelId="{4C08A698-FD9D-4F5E-AD18-B01DE77539AF}" type="pres">
+      <dgm:prSet presAssocID="{CEFEE625-765B-4DCD-8675-3CF6C6BC0B1F}" presName="level2Shape" presStyleLbl="node3" presStyleIdx="1" presStyleCnt="4"/>
+      <dgm:spPr/>
+    </dgm:pt>
+    <dgm:pt modelId="{5F1E7255-49CD-4FD6-BAC6-DC90590627FD}" type="pres">
+      <dgm:prSet presAssocID="{CEFEE625-765B-4DCD-8675-3CF6C6BC0B1F}" presName="hierChild3" presStyleCnt="0"/>
+      <dgm:spPr/>
+    </dgm:pt>
+    <dgm:pt modelId="{B5D612FC-724B-4A5F-8DED-B29366DCFF0F}" type="pres">
+      <dgm:prSet presAssocID="{A966E2A9-E4E9-465D-959A-C6262E640C16}" presName="Name19" presStyleLbl="parChTrans1D2" presStyleIdx="1" presStyleCnt="2"/>
+      <dgm:spPr/>
+    </dgm:pt>
+    <dgm:pt modelId="{34CB1869-CD5A-404C-84DF-ECB2A8971632}" type="pres">
+      <dgm:prSet presAssocID="{8678202D-D8FC-4662-9CE5-3BE58F439647}" presName="Name21" presStyleCnt="0"/>
+      <dgm:spPr/>
+    </dgm:pt>
+    <dgm:pt modelId="{219F6A5D-D254-45A9-81A9-AE1AD0C66ED0}" type="pres">
+      <dgm:prSet presAssocID="{8678202D-D8FC-4662-9CE5-3BE58F439647}" presName="level2Shape" presStyleLbl="node2" presStyleIdx="1" presStyleCnt="2"/>
+      <dgm:spPr/>
+    </dgm:pt>
+    <dgm:pt modelId="{0A06D45B-7436-4C0F-A99A-3B746980E752}" type="pres">
+      <dgm:prSet presAssocID="{8678202D-D8FC-4662-9CE5-3BE58F439647}" presName="hierChild3" presStyleCnt="0"/>
+      <dgm:spPr/>
+    </dgm:pt>
+    <dgm:pt modelId="{8D9BB9D0-2EBA-4FC8-88E4-A3B2FFE772F2}" type="pres">
+      <dgm:prSet presAssocID="{DFA4081A-4B60-412B-9783-37F8E940F4B2}" presName="Name19" presStyleLbl="parChTrans1D3" presStyleIdx="2" presStyleCnt="4"/>
+      <dgm:spPr/>
+    </dgm:pt>
+    <dgm:pt modelId="{00703E43-B7E5-4FF1-95B7-7811AEA45DC9}" type="pres">
+      <dgm:prSet presAssocID="{D36FD293-F7FF-42C1-9221-45B67FDB40EF}" presName="Name21" presStyleCnt="0"/>
+      <dgm:spPr/>
+    </dgm:pt>
+    <dgm:pt modelId="{F02F87DB-24B3-4E37-967A-C8A7CD9FF7C0}" type="pres">
+      <dgm:prSet presAssocID="{D36FD293-F7FF-42C1-9221-45B67FDB40EF}" presName="level2Shape" presStyleLbl="node3" presStyleIdx="2" presStyleCnt="4"/>
+      <dgm:spPr/>
+    </dgm:pt>
+    <dgm:pt modelId="{648239F9-8D6A-41BF-8F6B-A65D197FDB4F}" type="pres">
+      <dgm:prSet presAssocID="{D36FD293-F7FF-42C1-9221-45B67FDB40EF}" presName="hierChild3" presStyleCnt="0"/>
+      <dgm:spPr/>
+    </dgm:pt>
+    <dgm:pt modelId="{AE3533C2-3D31-4B7F-A342-BAE84802ECB0}" type="pres">
+      <dgm:prSet presAssocID="{D413CE11-131C-42FD-A56E-0A6DBA7C8386}" presName="Name19" presStyleLbl="parChTrans1D3" presStyleIdx="3" presStyleCnt="4"/>
+      <dgm:spPr/>
+    </dgm:pt>
+    <dgm:pt modelId="{2B246E0F-D610-4A64-8DDF-E8CE9B01EFE2}" type="pres">
+      <dgm:prSet presAssocID="{C597D6E6-6D45-4937-A555-C29E49DACA0C}" presName="Name21" presStyleCnt="0"/>
+      <dgm:spPr/>
+    </dgm:pt>
+    <dgm:pt modelId="{987FF5A2-CEEA-4C0F-844C-113329DFC240}" type="pres">
+      <dgm:prSet presAssocID="{C597D6E6-6D45-4937-A555-C29E49DACA0C}" presName="level2Shape" presStyleLbl="node3" presStyleIdx="3" presStyleCnt="4"/>
+      <dgm:spPr/>
+    </dgm:pt>
+    <dgm:pt modelId="{A197BC1C-28B3-4B76-915C-6CF95E9A035D}" type="pres">
+      <dgm:prSet presAssocID="{C597D6E6-6D45-4937-A555-C29E49DACA0C}" presName="hierChild3" presStyleCnt="0"/>
+      <dgm:spPr/>
+    </dgm:pt>
+    <dgm:pt modelId="{9CD7580E-8833-43BB-89CC-F51E6CBF8B9A}" type="pres">
+      <dgm:prSet presAssocID="{6B1332F4-7686-432E-8ECB-0698A59B65E0}" presName="Name19" presStyleLbl="parChTrans1D4" presStyleIdx="0" presStyleCnt="4"/>
+      <dgm:spPr/>
+    </dgm:pt>
+    <dgm:pt modelId="{42ACA703-DF1E-435F-981F-F1816AD7C6D0}" type="pres">
+      <dgm:prSet presAssocID="{4E69B237-781E-4548-9BCF-7648F638C159}" presName="Name21" presStyleCnt="0"/>
+      <dgm:spPr/>
+    </dgm:pt>
+    <dgm:pt modelId="{3FBCD3C0-D5ED-4DEC-9710-4B99D6F1AEDF}" type="pres">
+      <dgm:prSet presAssocID="{4E69B237-781E-4548-9BCF-7648F638C159}" presName="level2Shape" presStyleLbl="node4" presStyleIdx="0" presStyleCnt="4"/>
+      <dgm:spPr/>
+    </dgm:pt>
+    <dgm:pt modelId="{4F6CCD19-F613-49ED-83D7-5367644E9145}" type="pres">
+      <dgm:prSet presAssocID="{4E69B237-781E-4548-9BCF-7648F638C159}" presName="hierChild3" presStyleCnt="0"/>
+      <dgm:spPr/>
+    </dgm:pt>
+    <dgm:pt modelId="{BF77C560-0882-4EE7-9524-C82208EFB4CC}" type="pres">
+      <dgm:prSet presAssocID="{DDF54D67-2BB3-4859-88E1-74B9FAFDCF24}" presName="Name19" presStyleLbl="parChTrans1D4" presStyleIdx="1" presStyleCnt="4"/>
+      <dgm:spPr/>
+    </dgm:pt>
+    <dgm:pt modelId="{E56F1745-3044-4AF9-9195-3321A7F6EC94}" type="pres">
+      <dgm:prSet presAssocID="{DF658165-C939-4BD8-967F-4A12FF4A0030}" presName="Name21" presStyleCnt="0"/>
+      <dgm:spPr/>
+    </dgm:pt>
+    <dgm:pt modelId="{05A3307F-4AD8-4AC8-9581-330633524584}" type="pres">
+      <dgm:prSet presAssocID="{DF658165-C939-4BD8-967F-4A12FF4A0030}" presName="level2Shape" presStyleLbl="node4" presStyleIdx="1" presStyleCnt="4"/>
+      <dgm:spPr/>
+    </dgm:pt>
+    <dgm:pt modelId="{65B267C9-BF27-49E4-A8FF-EC380F41B67B}" type="pres">
+      <dgm:prSet presAssocID="{DF658165-C939-4BD8-967F-4A12FF4A0030}" presName="hierChild3" presStyleCnt="0"/>
+      <dgm:spPr/>
+    </dgm:pt>
+    <dgm:pt modelId="{51549A6A-379B-46B2-8820-199D2E5D103E}" type="pres">
+      <dgm:prSet presAssocID="{A989AD60-B21C-4616-8E32-0225006E28B3}" presName="Name19" presStyleLbl="parChTrans1D4" presStyleIdx="2" presStyleCnt="4"/>
+      <dgm:spPr/>
+    </dgm:pt>
+    <dgm:pt modelId="{8AE7EEB6-B1D4-42BC-B6CB-47B125D40934}" type="pres">
+      <dgm:prSet presAssocID="{48FD4DC7-95E8-42ED-A8BB-3EEAC33E4D4D}" presName="Name21" presStyleCnt="0"/>
+      <dgm:spPr/>
+    </dgm:pt>
+    <dgm:pt modelId="{68CA13DB-579A-47EE-8814-8BDC0E1C30D5}" type="pres">
+      <dgm:prSet presAssocID="{48FD4DC7-95E8-42ED-A8BB-3EEAC33E4D4D}" presName="level2Shape" presStyleLbl="node4" presStyleIdx="2" presStyleCnt="4"/>
+      <dgm:spPr/>
+    </dgm:pt>
+    <dgm:pt modelId="{480F455A-B8BA-4C15-AD53-953AD4CE089F}" type="pres">
+      <dgm:prSet presAssocID="{48FD4DC7-95E8-42ED-A8BB-3EEAC33E4D4D}" presName="hierChild3" presStyleCnt="0"/>
+      <dgm:spPr/>
+    </dgm:pt>
+    <dgm:pt modelId="{0542DBD4-C1F5-49E4-8F65-9165A7EC34EB}" type="pres">
+      <dgm:prSet presAssocID="{712FD647-5193-4654-8071-8320F1D2D74B}" presName="Name19" presStyleLbl="parChTrans1D4" presStyleIdx="3" presStyleCnt="4"/>
+      <dgm:spPr/>
+    </dgm:pt>
+    <dgm:pt modelId="{9AA41A05-642D-4D6D-BF26-0F601AA87B5A}" type="pres">
+      <dgm:prSet presAssocID="{3EA9AD15-83BB-495F-A91E-CEB52E1C1F09}" presName="Name21" presStyleCnt="0"/>
+      <dgm:spPr/>
+    </dgm:pt>
+    <dgm:pt modelId="{26A595CA-405C-479B-8A98-8C413BC78F18}" type="pres">
+      <dgm:prSet presAssocID="{3EA9AD15-83BB-495F-A91E-CEB52E1C1F09}" presName="level2Shape" presStyleLbl="node4" presStyleIdx="3" presStyleCnt="4"/>
+      <dgm:spPr/>
+    </dgm:pt>
+    <dgm:pt modelId="{EE09DB65-EF74-462F-89AC-E7A854C2BF0C}" type="pres">
+      <dgm:prSet presAssocID="{3EA9AD15-83BB-495F-A91E-CEB52E1C1F09}" presName="hierChild3" presStyleCnt="0"/>
+      <dgm:spPr/>
+    </dgm:pt>
+    <dgm:pt modelId="{D00F86E9-1B13-448A-8846-34D6041C5E66}" type="pres">
+      <dgm:prSet presAssocID="{B1E21D82-B2B8-413F-AFC5-162C7F1F4AF0}" presName="bgShapesFlow" presStyleCnt="0"/>
+      <dgm:spPr/>
+    </dgm:pt>
+  </dgm:ptLst>
+  <dgm:cxnLst>
+    <dgm:cxn modelId="{85C7A501-90DE-4A65-9E04-56B53CEE086A}" type="presOf" srcId="{DF658165-C939-4BD8-967F-4A12FF4A0030}" destId="{05A3307F-4AD8-4AC8-9581-330633524584}" srcOrd="0" destOrd="0" presId="urn:microsoft.com/office/officeart/2005/8/layout/hierarchy6"/>
+    <dgm:cxn modelId="{8ED25E13-76F8-4BFD-9242-D438C8A2B107}" type="presOf" srcId="{A966E2A9-E4E9-465D-959A-C6262E640C16}" destId="{B5D612FC-724B-4A5F-8DED-B29366DCFF0F}" srcOrd="0" destOrd="0" presId="urn:microsoft.com/office/officeart/2005/8/layout/hierarchy6"/>
+    <dgm:cxn modelId="{3915E124-2C74-4776-BBD7-89655BF9F521}" type="presOf" srcId="{D36FD293-F7FF-42C1-9221-45B67FDB40EF}" destId="{F02F87DB-24B3-4E37-967A-C8A7CD9FF7C0}" srcOrd="0" destOrd="0" presId="urn:microsoft.com/office/officeart/2005/8/layout/hierarchy6"/>
+    <dgm:cxn modelId="{A390472F-C952-4DEA-BE78-78FC794F8B6C}" srcId="{C7B5CE3A-23AC-47C5-B913-5788B5B862AF}" destId="{AC4B3803-AA67-4706-B2F9-26EBE69CDE8C}" srcOrd="0" destOrd="0" parTransId="{BFC9D3F6-2BCD-47E7-959D-0C3B0DB986A2}" sibTransId="{E0AA039A-06EB-4D27-B732-21ED91449380}"/>
+    <dgm:cxn modelId="{B32A6E38-8D3F-4ED3-BC6C-D0C7C0C9E941}" type="presOf" srcId="{C7B5CE3A-23AC-47C5-B913-5788B5B862AF}" destId="{7C305046-0BEA-4216-A5FD-FAAFE29E5D3D}" srcOrd="0" destOrd="0" presId="urn:microsoft.com/office/officeart/2005/8/layout/hierarchy6"/>
+    <dgm:cxn modelId="{C046B93B-AB58-4D58-9E5C-D4EE674F2DB5}" srcId="{AC4B3803-AA67-4706-B2F9-26EBE69CDE8C}" destId="{CEFEE625-765B-4DCD-8675-3CF6C6BC0B1F}" srcOrd="1" destOrd="0" parTransId="{3707ACC3-8432-44C5-9F01-8A9F72239F4A}" sibTransId="{8F2D1F27-E667-4484-91AD-56118EA75F93}"/>
+    <dgm:cxn modelId="{CED6C93B-7699-4B72-83DD-02A5C85ACA51}" type="presOf" srcId="{BFC9D3F6-2BCD-47E7-959D-0C3B0DB986A2}" destId="{0AA610CB-6BE4-4DC9-9634-13FD1EF2DEF1}" srcOrd="0" destOrd="0" presId="urn:microsoft.com/office/officeart/2005/8/layout/hierarchy6"/>
+    <dgm:cxn modelId="{E309E93D-34F7-4113-A1D5-32C616406841}" type="presOf" srcId="{4E69B237-781E-4548-9BCF-7648F638C159}" destId="{3FBCD3C0-D5ED-4DEC-9710-4B99D6F1AEDF}" srcOrd="0" destOrd="0" presId="urn:microsoft.com/office/officeart/2005/8/layout/hierarchy6"/>
+    <dgm:cxn modelId="{B2FF0163-4D5D-4667-865B-4D1BDD6A96F1}" type="presOf" srcId="{DFA4081A-4B60-412B-9783-37F8E940F4B2}" destId="{8D9BB9D0-2EBA-4FC8-88E4-A3B2FFE772F2}" srcOrd="0" destOrd="0" presId="urn:microsoft.com/office/officeart/2005/8/layout/hierarchy6"/>
+    <dgm:cxn modelId="{BC4D6A63-7E34-49ED-8138-866EF1ABD32D}" type="presOf" srcId="{6B1332F4-7686-432E-8ECB-0698A59B65E0}" destId="{9CD7580E-8833-43BB-89CC-F51E6CBF8B9A}" srcOrd="0" destOrd="0" presId="urn:microsoft.com/office/officeart/2005/8/layout/hierarchy6"/>
+    <dgm:cxn modelId="{C5F8F664-B0B9-4446-8930-C344F1B98BAD}" type="presOf" srcId="{A989AD60-B21C-4616-8E32-0225006E28B3}" destId="{51549A6A-379B-46B2-8820-199D2E5D103E}" srcOrd="0" destOrd="0" presId="urn:microsoft.com/office/officeart/2005/8/layout/hierarchy6"/>
+    <dgm:cxn modelId="{0E72D645-7E90-47F5-A2BC-76A10FF806F1}" srcId="{DF658165-C939-4BD8-967F-4A12FF4A0030}" destId="{48FD4DC7-95E8-42ED-A8BB-3EEAC33E4D4D}" srcOrd="0" destOrd="0" parTransId="{A989AD60-B21C-4616-8E32-0225006E28B3}" sibTransId="{D10B86B8-B410-4970-BF79-7E325A610E56}"/>
+    <dgm:cxn modelId="{043A0C4C-96D4-44B7-A5EB-7291F3721C5E}" srcId="{C597D6E6-6D45-4937-A555-C29E49DACA0C}" destId="{DF658165-C939-4BD8-967F-4A12FF4A0030}" srcOrd="1" destOrd="0" parTransId="{DDF54D67-2BB3-4859-88E1-74B9FAFDCF24}" sibTransId="{3EAEFC48-F4A3-4DBF-9C77-FECF9ED06249}"/>
+    <dgm:cxn modelId="{8E7EDF4C-4915-41B9-858B-5140D343D191}" type="presOf" srcId="{712FD647-5193-4654-8071-8320F1D2D74B}" destId="{0542DBD4-C1F5-49E4-8F65-9165A7EC34EB}" srcOrd="0" destOrd="0" presId="urn:microsoft.com/office/officeart/2005/8/layout/hierarchy6"/>
+    <dgm:cxn modelId="{1A00C058-EC81-4CDC-817D-487A2F09A8DE}" type="presOf" srcId="{DDF54D67-2BB3-4859-88E1-74B9FAFDCF24}" destId="{BF77C560-0882-4EE7-9524-C82208EFB4CC}" srcOrd="0" destOrd="0" presId="urn:microsoft.com/office/officeart/2005/8/layout/hierarchy6"/>
+    <dgm:cxn modelId="{2F37D959-41D1-4481-8EC1-8C5D45136618}" type="presOf" srcId="{B1E21D82-B2B8-413F-AFC5-162C7F1F4AF0}" destId="{A8E1EDA9-8350-42A1-83EC-00F341902DED}" srcOrd="0" destOrd="0" presId="urn:microsoft.com/office/officeart/2005/8/layout/hierarchy6"/>
+    <dgm:cxn modelId="{840D127F-66BA-4B9F-AFCD-39F670537F89}" type="presOf" srcId="{8678202D-D8FC-4662-9CE5-3BE58F439647}" destId="{219F6A5D-D254-45A9-81A9-AE1AD0C66ED0}" srcOrd="0" destOrd="0" presId="urn:microsoft.com/office/officeart/2005/8/layout/hierarchy6"/>
+    <dgm:cxn modelId="{9D7CE780-8EDD-428C-9191-F0214166D154}" srcId="{8678202D-D8FC-4662-9CE5-3BE58F439647}" destId="{D36FD293-F7FF-42C1-9221-45B67FDB40EF}" srcOrd="0" destOrd="0" parTransId="{DFA4081A-4B60-412B-9783-37F8E940F4B2}" sibTransId="{5A1BBD13-3075-40DB-9AB9-381068941FA6}"/>
+    <dgm:cxn modelId="{47885B9F-61D4-4363-83C3-207589406215}" srcId="{DF658165-C939-4BD8-967F-4A12FF4A0030}" destId="{3EA9AD15-83BB-495F-A91E-CEB52E1C1F09}" srcOrd="1" destOrd="0" parTransId="{712FD647-5193-4654-8071-8320F1D2D74B}" sibTransId="{0A2AFE1D-C390-4A19-BC40-8346213C837C}"/>
+    <dgm:cxn modelId="{ED097CA0-7D73-4358-97A9-5A42344E8B0E}" srcId="{AC4B3803-AA67-4706-B2F9-26EBE69CDE8C}" destId="{202A5299-8844-440E-B475-3E1B22FE7171}" srcOrd="0" destOrd="0" parTransId="{E65E7044-027B-441F-BBBD-1E6DB10649C5}" sibTransId="{C1340542-FE20-4621-9EFD-7BC4E6AB1CDB}"/>
+    <dgm:cxn modelId="{9CE305AD-2685-4027-88E5-EF73C5179C5C}" type="presOf" srcId="{E65E7044-027B-441F-BBBD-1E6DB10649C5}" destId="{1A7DDCC1-9EA5-4BF1-9EA7-5A8FD2CC8DDF}" srcOrd="0" destOrd="0" presId="urn:microsoft.com/office/officeart/2005/8/layout/hierarchy6"/>
+    <dgm:cxn modelId="{7FDFF7B7-9032-417A-9255-2948DFF9ADB9}" type="presOf" srcId="{C597D6E6-6D45-4937-A555-C29E49DACA0C}" destId="{987FF5A2-CEEA-4C0F-844C-113329DFC240}" srcOrd="0" destOrd="0" presId="urn:microsoft.com/office/officeart/2005/8/layout/hierarchy6"/>
+    <dgm:cxn modelId="{1AEE69BC-8201-445A-B8D6-B79426343014}" srcId="{B1E21D82-B2B8-413F-AFC5-162C7F1F4AF0}" destId="{C7B5CE3A-23AC-47C5-B913-5788B5B862AF}" srcOrd="0" destOrd="0" parTransId="{C72E1095-B0C6-4A09-9932-43DED3A0D5DD}" sibTransId="{E54CD394-946C-4629-8F00-75D889472F91}"/>
+    <dgm:cxn modelId="{271505CA-DB7E-4217-9216-33D7571C589E}" type="presOf" srcId="{3707ACC3-8432-44C5-9F01-8A9F72239F4A}" destId="{D49136FC-F355-4ED9-A315-8DAFCB2DD67C}" srcOrd="0" destOrd="0" presId="urn:microsoft.com/office/officeart/2005/8/layout/hierarchy6"/>
+    <dgm:cxn modelId="{FAF95DD9-CE2F-483A-A8AF-70A9C27B3AF8}" type="presOf" srcId="{48FD4DC7-95E8-42ED-A8BB-3EEAC33E4D4D}" destId="{68CA13DB-579A-47EE-8814-8BDC0E1C30D5}" srcOrd="0" destOrd="0" presId="urn:microsoft.com/office/officeart/2005/8/layout/hierarchy6"/>
+    <dgm:cxn modelId="{09E5BCDB-D042-45BB-9982-9882C8BFD80F}" type="presOf" srcId="{202A5299-8844-440E-B475-3E1B22FE7171}" destId="{A34F568B-C97A-4D04-ADA9-3BACBB0266DE}" srcOrd="0" destOrd="0" presId="urn:microsoft.com/office/officeart/2005/8/layout/hierarchy6"/>
+    <dgm:cxn modelId="{A7B96EDE-C6A2-4BA8-AEA0-9C84D599C781}" srcId="{C597D6E6-6D45-4937-A555-C29E49DACA0C}" destId="{4E69B237-781E-4548-9BCF-7648F638C159}" srcOrd="0" destOrd="0" parTransId="{6B1332F4-7686-432E-8ECB-0698A59B65E0}" sibTransId="{D5DAF83B-F457-43E9-802B-E10EF97EBBFB}"/>
+    <dgm:cxn modelId="{7D8EE6E6-8B3B-4CA0-AE9E-61D3095BAD69}" type="presOf" srcId="{D413CE11-131C-42FD-A56E-0A6DBA7C8386}" destId="{AE3533C2-3D31-4B7F-A342-BAE84802ECB0}" srcOrd="0" destOrd="0" presId="urn:microsoft.com/office/officeart/2005/8/layout/hierarchy6"/>
+    <dgm:cxn modelId="{E02394F2-D613-4429-A47B-D819E89DE4C2}" srcId="{C7B5CE3A-23AC-47C5-B913-5788B5B862AF}" destId="{8678202D-D8FC-4662-9CE5-3BE58F439647}" srcOrd="1" destOrd="0" parTransId="{A966E2A9-E4E9-465D-959A-C6262E640C16}" sibTransId="{B9620192-D737-459B-8707-34B3D139121E}"/>
+    <dgm:cxn modelId="{382792F5-E317-4AD9-B5F8-DE7E5B720987}" type="presOf" srcId="{CEFEE625-765B-4DCD-8675-3CF6C6BC0B1F}" destId="{4C08A698-FD9D-4F5E-AD18-B01DE77539AF}" srcOrd="0" destOrd="0" presId="urn:microsoft.com/office/officeart/2005/8/layout/hierarchy6"/>
+    <dgm:cxn modelId="{A8CFE0FB-4362-4B22-80AF-3882339B1DB3}" type="presOf" srcId="{3EA9AD15-83BB-495F-A91E-CEB52E1C1F09}" destId="{26A595CA-405C-479B-8A98-8C413BC78F18}" srcOrd="0" destOrd="0" presId="urn:microsoft.com/office/officeart/2005/8/layout/hierarchy6"/>
+    <dgm:cxn modelId="{97FECCFC-F160-4241-B8A5-A95512C4561D}" type="presOf" srcId="{AC4B3803-AA67-4706-B2F9-26EBE69CDE8C}" destId="{396B82A4-ADDE-4CF2-A9C0-CC5DF0B45318}" srcOrd="0" destOrd="0" presId="urn:microsoft.com/office/officeart/2005/8/layout/hierarchy6"/>
+    <dgm:cxn modelId="{9042F2FC-E8F1-4CB1-BE29-6FD9757BCCF2}" srcId="{8678202D-D8FC-4662-9CE5-3BE58F439647}" destId="{C597D6E6-6D45-4937-A555-C29E49DACA0C}" srcOrd="1" destOrd="0" parTransId="{D413CE11-131C-42FD-A56E-0A6DBA7C8386}" sibTransId="{AB4FFA8D-C3CA-4229-8517-7B835469A44A}"/>
+    <dgm:cxn modelId="{67396755-93D1-4F19-A7D6-59AA9AC46FDF}" type="presParOf" srcId="{A8E1EDA9-8350-42A1-83EC-00F341902DED}" destId="{A0EE29B9-729F-4E11-AD0B-628C36C0CE4C}" srcOrd="0" destOrd="0" presId="urn:microsoft.com/office/officeart/2005/8/layout/hierarchy6"/>
+    <dgm:cxn modelId="{A0ED18BF-4C42-4889-9CF6-5D910EEFDE32}" type="presParOf" srcId="{A0EE29B9-729F-4E11-AD0B-628C36C0CE4C}" destId="{B689A1AE-C254-4DD4-B27E-CDD6B9ED5A0C}" srcOrd="0" destOrd="0" presId="urn:microsoft.com/office/officeart/2005/8/layout/hierarchy6"/>
+    <dgm:cxn modelId="{074E0146-219A-4457-9609-2431D418CA23}" type="presParOf" srcId="{B689A1AE-C254-4DD4-B27E-CDD6B9ED5A0C}" destId="{BC74ACAA-33E5-4DF6-835C-FE442E71CBC6}" srcOrd="0" destOrd="0" presId="urn:microsoft.com/office/officeart/2005/8/layout/hierarchy6"/>
+    <dgm:cxn modelId="{1EC7FF30-445A-4AB5-A2A3-F1C5902C65FE}" type="presParOf" srcId="{BC74ACAA-33E5-4DF6-835C-FE442E71CBC6}" destId="{7C305046-0BEA-4216-A5FD-FAAFE29E5D3D}" srcOrd="0" destOrd="0" presId="urn:microsoft.com/office/officeart/2005/8/layout/hierarchy6"/>
+    <dgm:cxn modelId="{39B15344-8611-4B2D-82BE-D43E945E452C}" type="presParOf" srcId="{BC74ACAA-33E5-4DF6-835C-FE442E71CBC6}" destId="{CA0B9E57-F2BD-40D7-B72F-1D25491BD642}" srcOrd="1" destOrd="0" presId="urn:microsoft.com/office/officeart/2005/8/layout/hierarchy6"/>
+    <dgm:cxn modelId="{829B1B9A-4D1F-44D3-86F4-0B2A5F9E4633}" type="presParOf" srcId="{CA0B9E57-F2BD-40D7-B72F-1D25491BD642}" destId="{0AA610CB-6BE4-4DC9-9634-13FD1EF2DEF1}" srcOrd="0" destOrd="0" presId="urn:microsoft.com/office/officeart/2005/8/layout/hierarchy6"/>
+    <dgm:cxn modelId="{30B11DC0-7725-4F13-8374-E20DC1D85061}" type="presParOf" srcId="{CA0B9E57-F2BD-40D7-B72F-1D25491BD642}" destId="{78753606-418A-4900-B1EA-0EFD53F5EE92}" srcOrd="1" destOrd="0" presId="urn:microsoft.com/office/officeart/2005/8/layout/hierarchy6"/>
+    <dgm:cxn modelId="{7AF64155-6E1E-4C53-A314-9BFF92E1712C}" type="presParOf" srcId="{78753606-418A-4900-B1EA-0EFD53F5EE92}" destId="{396B82A4-ADDE-4CF2-A9C0-CC5DF0B45318}" srcOrd="0" destOrd="0" presId="urn:microsoft.com/office/officeart/2005/8/layout/hierarchy6"/>
+    <dgm:cxn modelId="{4EA047B3-F53C-48E7-8200-23AB9FCA1DC8}" type="presParOf" srcId="{78753606-418A-4900-B1EA-0EFD53F5EE92}" destId="{DAAE169F-5422-4650-BC92-8C9DA1B544D0}" srcOrd="1" destOrd="0" presId="urn:microsoft.com/office/officeart/2005/8/layout/hierarchy6"/>
+    <dgm:cxn modelId="{AB30719A-7E19-40F8-B1CF-FEBA3B0DCEE9}" type="presParOf" srcId="{DAAE169F-5422-4650-BC92-8C9DA1B544D0}" destId="{1A7DDCC1-9EA5-4BF1-9EA7-5A8FD2CC8DDF}" srcOrd="0" destOrd="0" presId="urn:microsoft.com/office/officeart/2005/8/layout/hierarchy6"/>
+    <dgm:cxn modelId="{8FD7B90C-8CF2-4A6B-8070-B9F100859159}" type="presParOf" srcId="{DAAE169F-5422-4650-BC92-8C9DA1B544D0}" destId="{878ADC06-B811-441B-8964-24ABE3BDAEF6}" srcOrd="1" destOrd="0" presId="urn:microsoft.com/office/officeart/2005/8/layout/hierarchy6"/>
+    <dgm:cxn modelId="{46B725D0-E780-419B-BD88-2F1B5D327FAC}" type="presParOf" srcId="{878ADC06-B811-441B-8964-24ABE3BDAEF6}" destId="{A34F568B-C97A-4D04-ADA9-3BACBB0266DE}" srcOrd="0" destOrd="0" presId="urn:microsoft.com/office/officeart/2005/8/layout/hierarchy6"/>
+    <dgm:cxn modelId="{44E627D5-4931-4DF7-9F44-CCA9B8B8EB7B}" type="presParOf" srcId="{878ADC06-B811-441B-8964-24ABE3BDAEF6}" destId="{7F340AC2-0B7E-41E5-A161-CB909C4611B2}" srcOrd="1" destOrd="0" presId="urn:microsoft.com/office/officeart/2005/8/layout/hierarchy6"/>
+    <dgm:cxn modelId="{AAEFEE2F-79BB-4EAD-BE4A-4D09F3A163B9}" type="presParOf" srcId="{DAAE169F-5422-4650-BC92-8C9DA1B544D0}" destId="{D49136FC-F355-4ED9-A315-8DAFCB2DD67C}" srcOrd="2" destOrd="0" presId="urn:microsoft.com/office/officeart/2005/8/layout/hierarchy6"/>
+    <dgm:cxn modelId="{F9EBC29F-187F-4369-9971-165DFB180A4D}" type="presParOf" srcId="{DAAE169F-5422-4650-BC92-8C9DA1B544D0}" destId="{2CFA0BA5-79A7-4540-808B-DD232B57E7F1}" srcOrd="3" destOrd="0" presId="urn:microsoft.com/office/officeart/2005/8/layout/hierarchy6"/>
+    <dgm:cxn modelId="{8115B29F-7D0E-4771-BA67-0F63DF989E50}" type="presParOf" srcId="{2CFA0BA5-79A7-4540-808B-DD232B57E7F1}" destId="{4C08A698-FD9D-4F5E-AD18-B01DE77539AF}" srcOrd="0" destOrd="0" presId="urn:microsoft.com/office/officeart/2005/8/layout/hierarchy6"/>
+    <dgm:cxn modelId="{59CAF538-498D-4860-ADF2-9A387973F529}" type="presParOf" srcId="{2CFA0BA5-79A7-4540-808B-DD232B57E7F1}" destId="{5F1E7255-49CD-4FD6-BAC6-DC90590627FD}" srcOrd="1" destOrd="0" presId="urn:microsoft.com/office/officeart/2005/8/layout/hierarchy6"/>
+    <dgm:cxn modelId="{2ABE9B04-25E6-4267-A07A-4BED1ABABCC3}" type="presParOf" srcId="{CA0B9E57-F2BD-40D7-B72F-1D25491BD642}" destId="{B5D612FC-724B-4A5F-8DED-B29366DCFF0F}" srcOrd="2" destOrd="0" presId="urn:microsoft.com/office/officeart/2005/8/layout/hierarchy6"/>
+    <dgm:cxn modelId="{CB6DE63D-86D0-498D-A254-56066F22562F}" type="presParOf" srcId="{CA0B9E57-F2BD-40D7-B72F-1D25491BD642}" destId="{34CB1869-CD5A-404C-84DF-ECB2A8971632}" srcOrd="3" destOrd="0" presId="urn:microsoft.com/office/officeart/2005/8/layout/hierarchy6"/>
+    <dgm:cxn modelId="{9090ADB1-4630-4B42-AB58-BC032C44F798}" type="presParOf" srcId="{34CB1869-CD5A-404C-84DF-ECB2A8971632}" destId="{219F6A5D-D254-45A9-81A9-AE1AD0C66ED0}" srcOrd="0" destOrd="0" presId="urn:microsoft.com/office/officeart/2005/8/layout/hierarchy6"/>
+    <dgm:cxn modelId="{89DB2640-2E54-4BDE-B9AB-C56704996EB6}" type="presParOf" srcId="{34CB1869-CD5A-404C-84DF-ECB2A8971632}" destId="{0A06D45B-7436-4C0F-A99A-3B746980E752}" srcOrd="1" destOrd="0" presId="urn:microsoft.com/office/officeart/2005/8/layout/hierarchy6"/>
+    <dgm:cxn modelId="{D9E21D60-1E3A-40EC-898D-034CAA95BBFE}" type="presParOf" srcId="{0A06D45B-7436-4C0F-A99A-3B746980E752}" destId="{8D9BB9D0-2EBA-4FC8-88E4-A3B2FFE772F2}" srcOrd="0" destOrd="0" presId="urn:microsoft.com/office/officeart/2005/8/layout/hierarchy6"/>
+    <dgm:cxn modelId="{750A595B-7929-4394-933F-DD0B8FF42A27}" type="presParOf" srcId="{0A06D45B-7436-4C0F-A99A-3B746980E752}" destId="{00703E43-B7E5-4FF1-95B7-7811AEA45DC9}" srcOrd="1" destOrd="0" presId="urn:microsoft.com/office/officeart/2005/8/layout/hierarchy6"/>
+    <dgm:cxn modelId="{63E74CC2-4E83-4837-A80C-C8DA1567165A}" type="presParOf" srcId="{00703E43-B7E5-4FF1-95B7-7811AEA45DC9}" destId="{F02F87DB-24B3-4E37-967A-C8A7CD9FF7C0}" srcOrd="0" destOrd="0" presId="urn:microsoft.com/office/officeart/2005/8/layout/hierarchy6"/>
+    <dgm:cxn modelId="{602ED039-93AB-48E6-81B6-F87BB9D1B41D}" type="presParOf" srcId="{00703E43-B7E5-4FF1-95B7-7811AEA45DC9}" destId="{648239F9-8D6A-41BF-8F6B-A65D197FDB4F}" srcOrd="1" destOrd="0" presId="urn:microsoft.com/office/officeart/2005/8/layout/hierarchy6"/>
+    <dgm:cxn modelId="{976CE4C4-F9C2-460F-861C-4D42FF7808C4}" type="presParOf" srcId="{0A06D45B-7436-4C0F-A99A-3B746980E752}" destId="{AE3533C2-3D31-4B7F-A342-BAE84802ECB0}" srcOrd="2" destOrd="0" presId="urn:microsoft.com/office/officeart/2005/8/layout/hierarchy6"/>
+    <dgm:cxn modelId="{2CC71AE3-97F8-4217-9B9A-B55F60DE53A8}" type="presParOf" srcId="{0A06D45B-7436-4C0F-A99A-3B746980E752}" destId="{2B246E0F-D610-4A64-8DDF-E8CE9B01EFE2}" srcOrd="3" destOrd="0" presId="urn:microsoft.com/office/officeart/2005/8/layout/hierarchy6"/>
+    <dgm:cxn modelId="{F9D79007-FA64-47B2-9941-E70BA36E2C07}" type="presParOf" srcId="{2B246E0F-D610-4A64-8DDF-E8CE9B01EFE2}" destId="{987FF5A2-CEEA-4C0F-844C-113329DFC240}" srcOrd="0" destOrd="0" presId="urn:microsoft.com/office/officeart/2005/8/layout/hierarchy6"/>
+    <dgm:cxn modelId="{6D254DE0-9559-4348-A5D3-9DE1D09FB183}" type="presParOf" srcId="{2B246E0F-D610-4A64-8DDF-E8CE9B01EFE2}" destId="{A197BC1C-28B3-4B76-915C-6CF95E9A035D}" srcOrd="1" destOrd="0" presId="urn:microsoft.com/office/officeart/2005/8/layout/hierarchy6"/>
+    <dgm:cxn modelId="{60B1B7EF-078A-4AB7-8B3D-CA299C094C5B}" type="presParOf" srcId="{A197BC1C-28B3-4B76-915C-6CF95E9A035D}" destId="{9CD7580E-8833-43BB-89CC-F51E6CBF8B9A}" srcOrd="0" destOrd="0" presId="urn:microsoft.com/office/officeart/2005/8/layout/hierarchy6"/>
+    <dgm:cxn modelId="{E2A261B4-1942-4CBD-8EF8-505E283F77B4}" type="presParOf" srcId="{A197BC1C-28B3-4B76-915C-6CF95E9A035D}" destId="{42ACA703-DF1E-435F-981F-F1816AD7C6D0}" srcOrd="1" destOrd="0" presId="urn:microsoft.com/office/officeart/2005/8/layout/hierarchy6"/>
+    <dgm:cxn modelId="{F207EB84-A529-4508-ACEF-5C69245D6F06}" type="presParOf" srcId="{42ACA703-DF1E-435F-981F-F1816AD7C6D0}" destId="{3FBCD3C0-D5ED-4DEC-9710-4B99D6F1AEDF}" srcOrd="0" destOrd="0" presId="urn:microsoft.com/office/officeart/2005/8/layout/hierarchy6"/>
+    <dgm:cxn modelId="{E2890E6E-050C-4D2D-993F-E08B028D9F0C}" type="presParOf" srcId="{42ACA703-DF1E-435F-981F-F1816AD7C6D0}" destId="{4F6CCD19-F613-49ED-83D7-5367644E9145}" srcOrd="1" destOrd="0" presId="urn:microsoft.com/office/officeart/2005/8/layout/hierarchy6"/>
+    <dgm:cxn modelId="{EF081FBA-38CA-4547-99E5-A0BCCC9F0F7E}" type="presParOf" srcId="{A197BC1C-28B3-4B76-915C-6CF95E9A035D}" destId="{BF77C560-0882-4EE7-9524-C82208EFB4CC}" srcOrd="2" destOrd="0" presId="urn:microsoft.com/office/officeart/2005/8/layout/hierarchy6"/>
+    <dgm:cxn modelId="{2B74894F-27D2-41C4-8CBE-F9D0892C90F0}" type="presParOf" srcId="{A197BC1C-28B3-4B76-915C-6CF95E9A035D}" destId="{E56F1745-3044-4AF9-9195-3321A7F6EC94}" srcOrd="3" destOrd="0" presId="urn:microsoft.com/office/officeart/2005/8/layout/hierarchy6"/>
+    <dgm:cxn modelId="{12DDFA4B-4449-46E6-BAB6-2FC856258322}" type="presParOf" srcId="{E56F1745-3044-4AF9-9195-3321A7F6EC94}" destId="{05A3307F-4AD8-4AC8-9581-330633524584}" srcOrd="0" destOrd="0" presId="urn:microsoft.com/office/officeart/2005/8/layout/hierarchy6"/>
+    <dgm:cxn modelId="{14ABBF21-550B-438C-A5B6-62A0FD50320F}" type="presParOf" srcId="{E56F1745-3044-4AF9-9195-3321A7F6EC94}" destId="{65B267C9-BF27-49E4-A8FF-EC380F41B67B}" srcOrd="1" destOrd="0" presId="urn:microsoft.com/office/officeart/2005/8/layout/hierarchy6"/>
+    <dgm:cxn modelId="{B17C50F6-9261-4C5A-8D5F-485EAB316D63}" type="presParOf" srcId="{65B267C9-BF27-49E4-A8FF-EC380F41B67B}" destId="{51549A6A-379B-46B2-8820-199D2E5D103E}" srcOrd="0" destOrd="0" presId="urn:microsoft.com/office/officeart/2005/8/layout/hierarchy6"/>
+    <dgm:cxn modelId="{D3A41220-E099-4857-B3D8-D5757161263C}" type="presParOf" srcId="{65B267C9-BF27-49E4-A8FF-EC380F41B67B}" destId="{8AE7EEB6-B1D4-42BC-B6CB-47B125D40934}" srcOrd="1" destOrd="0" presId="urn:microsoft.com/office/officeart/2005/8/layout/hierarchy6"/>
+    <dgm:cxn modelId="{43087BEF-F16F-490B-A35C-B743FE3D05E1}" type="presParOf" srcId="{8AE7EEB6-B1D4-42BC-B6CB-47B125D40934}" destId="{68CA13DB-579A-47EE-8814-8BDC0E1C30D5}" srcOrd="0" destOrd="0" presId="urn:microsoft.com/office/officeart/2005/8/layout/hierarchy6"/>
+    <dgm:cxn modelId="{B213850A-BF40-4397-BAD9-6AF3AAAE09F2}" type="presParOf" srcId="{8AE7EEB6-B1D4-42BC-B6CB-47B125D40934}" destId="{480F455A-B8BA-4C15-AD53-953AD4CE089F}" srcOrd="1" destOrd="0" presId="urn:microsoft.com/office/officeart/2005/8/layout/hierarchy6"/>
+    <dgm:cxn modelId="{0A5E3FB8-1A3A-4999-802A-AB8CF943DA95}" type="presParOf" srcId="{65B267C9-BF27-49E4-A8FF-EC380F41B67B}" destId="{0542DBD4-C1F5-49E4-8F65-9165A7EC34EB}" srcOrd="2" destOrd="0" presId="urn:microsoft.com/office/officeart/2005/8/layout/hierarchy6"/>
+    <dgm:cxn modelId="{32E0D28C-E5EB-47BA-B704-816971B3A7EA}" type="presParOf" srcId="{65B267C9-BF27-49E4-A8FF-EC380F41B67B}" destId="{9AA41A05-642D-4D6D-BF26-0F601AA87B5A}" srcOrd="3" destOrd="0" presId="urn:microsoft.com/office/officeart/2005/8/layout/hierarchy6"/>
+    <dgm:cxn modelId="{3E8CCB49-048C-44FE-AC91-27C487334933}" type="presParOf" srcId="{9AA41A05-642D-4D6D-BF26-0F601AA87B5A}" destId="{26A595CA-405C-479B-8A98-8C413BC78F18}" srcOrd="0" destOrd="0" presId="urn:microsoft.com/office/officeart/2005/8/layout/hierarchy6"/>
+    <dgm:cxn modelId="{131BABD9-F2F7-40D8-8F86-E8C02FE422AC}" type="presParOf" srcId="{9AA41A05-642D-4D6D-BF26-0F601AA87B5A}" destId="{EE09DB65-EF74-462F-89AC-E7A854C2BF0C}" srcOrd="1" destOrd="0" presId="urn:microsoft.com/office/officeart/2005/8/layout/hierarchy6"/>
+    <dgm:cxn modelId="{7F33E85B-EF14-4D1C-B9B7-B6440C460673}" type="presParOf" srcId="{A8E1EDA9-8350-42A1-83EC-00F341902DED}" destId="{D00F86E9-1B13-448A-8846-34D6041C5E66}" srcOrd="1" destOrd="0" presId="urn:microsoft.com/office/officeart/2005/8/layout/hierarchy6"/>
+  </dgm:cxnLst>
+  <dgm:bg/>
+  <dgm:whole/>
+  <dgm:extLst>
+    <a:ext uri="http://schemas.microsoft.com/office/drawing/2008/diagram">
+      <dsp:dataModelExt xmlns:dsp="http://schemas.microsoft.com/office/drawing/2008/diagram" relId="rId7" minVer="http://schemas.openxmlformats.org/drawingml/2006/diagram"/>
+    </a:ext>
+  </dgm:extLst>
+</dgm:dataModel>
+</file>
+
+<file path=ppt/diagrams/drawing1.xml><?xml version="1.0" encoding="utf-8"?>
+<dsp:drawing xmlns:dgm="http://schemas.openxmlformats.org/drawingml/2006/diagram" xmlns:dsp="http://schemas.microsoft.com/office/drawing/2008/diagram" xmlns:a="http://schemas.openxmlformats.org/drawingml/2006/main">
+  <dsp:spTree>
+    <dsp:nvGrpSpPr>
+      <dsp:cNvPr id="0" name=""/>
+      <dsp:cNvGrpSpPr/>
+    </dsp:nvGrpSpPr>
+    <dsp:grpSpPr/>
+    <dsp:sp modelId="{7C305046-0BEA-4216-A5FD-FAAFE29E5D3D}">
+      <dsp:nvSpPr>
+        <dsp:cNvPr id="0" name=""/>
+        <dsp:cNvSpPr/>
+      </dsp:nvSpPr>
+      <dsp:spPr>
+        <a:xfrm>
+          <a:off x="3797024" y="803"/>
+          <a:ext cx="1558271" cy="1038847"/>
+        </a:xfrm>
+        <a:prstGeom prst="roundRect">
+          <a:avLst>
+            <a:gd name="adj" fmla="val 10000"/>
+          </a:avLst>
+        </a:prstGeom>
+        <a:solidFill>
+          <a:schemeClr val="accent3">
+            <a:hueOff val="0"/>
+            <a:satOff val="0"/>
+            <a:lumOff val="0"/>
+            <a:alphaOff val="0"/>
+          </a:schemeClr>
+        </a:solidFill>
+        <a:ln w="19050" cap="flat" cmpd="sng" algn="ctr">
+          <a:solidFill>
+            <a:schemeClr val="lt1">
+              <a:hueOff val="0"/>
+              <a:satOff val="0"/>
+              <a:lumOff val="0"/>
+              <a:alphaOff val="0"/>
+            </a:schemeClr>
+          </a:solidFill>
+          <a:prstDash val="solid"/>
+          <a:miter lim="800000"/>
+        </a:ln>
+        <a:effectLst/>
+      </dsp:spPr>
+      <dsp:style>
+        <a:lnRef idx="3">
+          <a:scrgbClr r="0" g="0" b="0"/>
+        </a:lnRef>
+        <a:fillRef idx="1">
+          <a:scrgbClr r="0" g="0" b="0"/>
+        </a:fillRef>
+        <a:effectRef idx="1">
+          <a:scrgbClr r="0" g="0" b="0"/>
+        </a:effectRef>
+        <a:fontRef idx="minor">
+          <a:schemeClr val="lt1"/>
+        </a:fontRef>
+      </dsp:style>
+      <dsp:txBody>
+        <a:bodyPr spcFirstLastPara="0" vert="horz" wrap="square" lIns="53340" tIns="53340" rIns="53340" bIns="53340" numCol="1" spcCol="1270" anchor="ctr" anchorCtr="0">
+          <a:noAutofit/>
+        </a:bodyPr>
+        <a:lstStyle/>
+        <a:p>
+          <a:pPr marL="0" lvl="0" indent="0" algn="ctr" defTabSz="622300">
+            <a:lnSpc>
+              <a:spcPct val="90000"/>
+            </a:lnSpc>
+            <a:spcBef>
+              <a:spcPct val="0"/>
+            </a:spcBef>
+            <a:spcAft>
+              <a:spcPct val="35000"/>
+            </a:spcAft>
+            <a:buNone/>
+          </a:pPr>
+          <a:r>
+            <a:rPr lang="fr-FR" sz="1400" b="1" kern="1200" dirty="0"/>
+            <a:t>+ 100_000 points ?</a:t>
+          </a:r>
+        </a:p>
+      </dsp:txBody>
+      <dsp:txXfrm>
+        <a:off x="3827451" y="31230"/>
+        <a:ext cx="1497417" cy="977993"/>
+      </dsp:txXfrm>
+    </dsp:sp>
+    <dsp:sp modelId="{0AA610CB-6BE4-4DC9-9634-13FD1EF2DEF1}">
+      <dsp:nvSpPr>
+        <dsp:cNvPr id="0" name=""/>
+        <dsp:cNvSpPr/>
+      </dsp:nvSpPr>
+      <dsp:spPr>
+        <a:xfrm>
+          <a:off x="2550407" y="1039650"/>
+          <a:ext cx="2025752" cy="415539"/>
+        </a:xfrm>
+        <a:custGeom>
+          <a:avLst/>
+          <a:gdLst/>
+          <a:ahLst/>
+          <a:cxnLst/>
+          <a:rect l="0" t="0" r="0" b="0"/>
+          <a:pathLst>
+            <a:path>
+              <a:moveTo>
+                <a:pt x="2025752" y="0"/>
+              </a:moveTo>
+              <a:lnTo>
+                <a:pt x="2025752" y="207769"/>
+              </a:lnTo>
+              <a:lnTo>
+                <a:pt x="0" y="207769"/>
+              </a:lnTo>
+              <a:lnTo>
+                <a:pt x="0" y="415539"/>
+              </a:lnTo>
+            </a:path>
+          </a:pathLst>
+        </a:custGeom>
+        <a:noFill/>
+        <a:ln w="12700" cap="flat" cmpd="sng" algn="ctr">
+          <a:solidFill>
+            <a:schemeClr val="accent5">
+              <a:hueOff val="0"/>
+              <a:satOff val="0"/>
+              <a:lumOff val="0"/>
+              <a:alphaOff val="0"/>
+            </a:schemeClr>
+          </a:solidFill>
+          <a:prstDash val="solid"/>
+          <a:miter lim="800000"/>
+        </a:ln>
+        <a:effectLst/>
+      </dsp:spPr>
+      <dsp:style>
+        <a:lnRef idx="2">
+          <a:scrgbClr r="0" g="0" b="0"/>
+        </a:lnRef>
+        <a:fillRef idx="0">
+          <a:scrgbClr r="0" g="0" b="0"/>
+        </a:fillRef>
+        <a:effectRef idx="0">
+          <a:scrgbClr r="0" g="0" b="0"/>
+        </a:effectRef>
+        <a:fontRef idx="minor"/>
+      </dsp:style>
+    </dsp:sp>
+    <dsp:sp modelId="{396B82A4-ADDE-4CF2-A9C0-CC5DF0B45318}">
+      <dsp:nvSpPr>
+        <dsp:cNvPr id="0" name=""/>
+        <dsp:cNvSpPr/>
+      </dsp:nvSpPr>
+      <dsp:spPr>
+        <a:xfrm>
+          <a:off x="1771271" y="1455189"/>
+          <a:ext cx="1558271" cy="1038847"/>
+        </a:xfrm>
+        <a:prstGeom prst="roundRect">
+          <a:avLst>
+            <a:gd name="adj" fmla="val 10000"/>
+          </a:avLst>
+        </a:prstGeom>
+        <a:solidFill>
+          <a:schemeClr val="accent5">
+            <a:hueOff val="0"/>
+            <a:satOff val="0"/>
+            <a:lumOff val="0"/>
+            <a:alphaOff val="0"/>
+          </a:schemeClr>
+        </a:solidFill>
+        <a:ln w="19050" cap="flat" cmpd="sng" algn="ctr">
+          <a:solidFill>
+            <a:schemeClr val="lt1">
+              <a:hueOff val="0"/>
+              <a:satOff val="0"/>
+              <a:lumOff val="0"/>
+              <a:alphaOff val="0"/>
+            </a:schemeClr>
+          </a:solidFill>
+          <a:prstDash val="solid"/>
+          <a:miter lim="800000"/>
+        </a:ln>
+        <a:effectLst/>
+      </dsp:spPr>
+      <dsp:style>
+        <a:lnRef idx="3">
+          <a:scrgbClr r="0" g="0" b="0"/>
+        </a:lnRef>
+        <a:fillRef idx="1">
+          <a:scrgbClr r="0" g="0" b="0"/>
+        </a:fillRef>
+        <a:effectRef idx="1">
+          <a:scrgbClr r="0" g="0" b="0"/>
+        </a:effectRef>
+        <a:fontRef idx="minor">
+          <a:schemeClr val="lt1"/>
+        </a:fontRef>
+      </dsp:style>
+      <dsp:txBody>
+        <a:bodyPr spcFirstLastPara="0" vert="horz" wrap="square" lIns="53340" tIns="53340" rIns="53340" bIns="53340" numCol="1" spcCol="1270" anchor="ctr" anchorCtr="0">
+          <a:noAutofit/>
+        </a:bodyPr>
+        <a:lstStyle/>
+        <a:p>
+          <a:pPr marL="0" lvl="0" indent="0" algn="ctr" defTabSz="622300">
+            <a:lnSpc>
+              <a:spcPct val="90000"/>
+            </a:lnSpc>
+            <a:spcBef>
+              <a:spcPct val="0"/>
+            </a:spcBef>
+            <a:spcAft>
+              <a:spcPct val="35000"/>
+            </a:spcAft>
+            <a:buNone/>
+          </a:pPr>
+          <a:r>
+            <a:rPr lang="fr-FR" sz="1400" b="1" kern="1200" dirty="0"/>
+            <a:t>Images, son, texte</a:t>
+          </a:r>
+        </a:p>
+      </dsp:txBody>
+      <dsp:txXfrm>
+        <a:off x="1801698" y="1485616"/>
+        <a:ext cx="1497417" cy="977993"/>
+      </dsp:txXfrm>
+    </dsp:sp>
+    <dsp:sp modelId="{1A7DDCC1-9EA5-4BF1-9EA7-5A8FD2CC8DDF}">
+      <dsp:nvSpPr>
+        <dsp:cNvPr id="0" name=""/>
+        <dsp:cNvSpPr/>
+      </dsp:nvSpPr>
+      <dsp:spPr>
+        <a:xfrm>
+          <a:off x="1537530" y="2494037"/>
+          <a:ext cx="1012876" cy="415539"/>
+        </a:xfrm>
+        <a:custGeom>
+          <a:avLst/>
+          <a:gdLst/>
+          <a:ahLst/>
+          <a:cxnLst/>
+          <a:rect l="0" t="0" r="0" b="0"/>
+          <a:pathLst>
+            <a:path>
+              <a:moveTo>
+                <a:pt x="1012876" y="0"/>
+              </a:moveTo>
+              <a:lnTo>
+                <a:pt x="1012876" y="207769"/>
+              </a:lnTo>
+              <a:lnTo>
+                <a:pt x="0" y="207769"/>
+              </a:lnTo>
+              <a:lnTo>
+                <a:pt x="0" y="415539"/>
+              </a:lnTo>
+            </a:path>
+          </a:pathLst>
+        </a:custGeom>
+        <a:noFill/>
+        <a:ln w="12700" cap="flat" cmpd="sng" algn="ctr">
+          <a:solidFill>
+            <a:schemeClr val="accent6">
+              <a:hueOff val="0"/>
+              <a:satOff val="0"/>
+              <a:lumOff val="0"/>
+              <a:alphaOff val="0"/>
+            </a:schemeClr>
+          </a:solidFill>
+          <a:prstDash val="solid"/>
+          <a:miter lim="800000"/>
+        </a:ln>
+        <a:effectLst/>
+      </dsp:spPr>
+      <dsp:style>
+        <a:lnRef idx="2">
+          <a:scrgbClr r="0" g="0" b="0"/>
+        </a:lnRef>
+        <a:fillRef idx="0">
+          <a:scrgbClr r="0" g="0" b="0"/>
+        </a:fillRef>
+        <a:effectRef idx="0">
+          <a:scrgbClr r="0" g="0" b="0"/>
+        </a:effectRef>
+        <a:fontRef idx="minor"/>
+      </dsp:style>
+    </dsp:sp>
+    <dsp:sp modelId="{A34F568B-C97A-4D04-ADA9-3BACBB0266DE}">
+      <dsp:nvSpPr>
+        <dsp:cNvPr id="0" name=""/>
+        <dsp:cNvSpPr/>
+      </dsp:nvSpPr>
+      <dsp:spPr>
+        <a:xfrm>
+          <a:off x="758395" y="2909576"/>
+          <a:ext cx="1558271" cy="1038847"/>
+        </a:xfrm>
+        <a:prstGeom prst="roundRect">
+          <a:avLst>
+            <a:gd name="adj" fmla="val 10000"/>
+          </a:avLst>
+        </a:prstGeom>
+        <a:solidFill>
+          <a:schemeClr val="accent6">
+            <a:hueOff val="0"/>
+            <a:satOff val="0"/>
+            <a:lumOff val="0"/>
+            <a:alphaOff val="0"/>
+          </a:schemeClr>
+        </a:solidFill>
+        <a:ln w="19050" cap="flat" cmpd="sng" algn="ctr">
+          <a:solidFill>
+            <a:schemeClr val="lt1">
+              <a:hueOff val="0"/>
+              <a:satOff val="0"/>
+              <a:lumOff val="0"/>
+              <a:alphaOff val="0"/>
+            </a:schemeClr>
+          </a:solidFill>
+          <a:prstDash val="solid"/>
+          <a:miter lim="800000"/>
+        </a:ln>
+        <a:effectLst/>
+      </dsp:spPr>
+      <dsp:style>
+        <a:lnRef idx="3">
+          <a:scrgbClr r="0" g="0" b="0"/>
+        </a:lnRef>
+        <a:fillRef idx="1">
+          <a:scrgbClr r="0" g="0" b="0"/>
+        </a:fillRef>
+        <a:effectRef idx="1">
+          <a:scrgbClr r="0" g="0" b="0"/>
+        </a:effectRef>
+        <a:fontRef idx="minor">
+          <a:schemeClr val="lt1"/>
+        </a:fontRef>
+      </dsp:style>
+      <dsp:txBody>
+        <a:bodyPr spcFirstLastPara="0" vert="horz" wrap="square" lIns="53340" tIns="53340" rIns="53340" bIns="53340" numCol="1" spcCol="1270" anchor="ctr" anchorCtr="0">
+          <a:noAutofit/>
+        </a:bodyPr>
+        <a:lstStyle/>
+        <a:p>
+          <a:pPr marL="0" lvl="0" indent="0" algn="ctr" defTabSz="622300">
+            <a:lnSpc>
+              <a:spcPct val="90000"/>
+            </a:lnSpc>
+            <a:spcBef>
+              <a:spcPct val="0"/>
+            </a:spcBef>
+            <a:spcAft>
+              <a:spcPct val="35000"/>
+            </a:spcAft>
+            <a:buNone/>
+          </a:pPr>
+          <a:r>
+            <a:rPr lang="fr-FR" sz="1400" b="1" kern="1200" dirty="0" err="1">
+              <a:solidFill>
+                <a:prstClr val="white"/>
+              </a:solidFill>
+              <a:latin typeface="Calibri" panose="020F0502020204030204"/>
+              <a:ea typeface="+mn-ea"/>
+              <a:cs typeface="+mn-cs"/>
+            </a:rPr>
+            <a:t>Rsx</a:t>
+          </a:r>
+          <a:r>
+            <a:rPr lang="fr-FR" sz="1000" kern="1200" dirty="0"/>
+            <a:t> </a:t>
+          </a:r>
+          <a:r>
+            <a:rPr lang="fr-FR" sz="1400" b="1" kern="1200" dirty="0">
+              <a:solidFill>
+                <a:prstClr val="white"/>
+              </a:solidFill>
+              <a:latin typeface="Calibri" panose="020F0502020204030204"/>
+              <a:ea typeface="+mn-ea"/>
+              <a:cs typeface="+mn-cs"/>
+            </a:rPr>
+            <a:t>neurones</a:t>
+          </a:r>
+        </a:p>
+      </dsp:txBody>
+      <dsp:txXfrm>
+        <a:off x="788822" y="2940003"/>
+        <a:ext cx="1497417" cy="977993"/>
+      </dsp:txXfrm>
+    </dsp:sp>
+    <dsp:sp modelId="{D49136FC-F355-4ED9-A315-8DAFCB2DD67C}">
+      <dsp:nvSpPr>
+        <dsp:cNvPr id="0" name=""/>
+        <dsp:cNvSpPr/>
+      </dsp:nvSpPr>
+      <dsp:spPr>
+        <a:xfrm>
+          <a:off x="2550407" y="2494037"/>
+          <a:ext cx="1012876" cy="415539"/>
+        </a:xfrm>
+        <a:custGeom>
+          <a:avLst/>
+          <a:gdLst/>
+          <a:ahLst/>
+          <a:cxnLst/>
+          <a:rect l="0" t="0" r="0" b="0"/>
+          <a:pathLst>
+            <a:path>
+              <a:moveTo>
+                <a:pt x="0" y="0"/>
+              </a:moveTo>
+              <a:lnTo>
+                <a:pt x="0" y="207769"/>
+              </a:lnTo>
+              <a:lnTo>
+                <a:pt x="1012876" y="207769"/>
+              </a:lnTo>
+              <a:lnTo>
+                <a:pt x="1012876" y="415539"/>
+              </a:lnTo>
+            </a:path>
+          </a:pathLst>
+        </a:custGeom>
+        <a:noFill/>
+        <a:ln w="12700" cap="flat" cmpd="sng" algn="ctr">
+          <a:solidFill>
+            <a:schemeClr val="accent6">
+              <a:hueOff val="0"/>
+              <a:satOff val="0"/>
+              <a:lumOff val="0"/>
+              <a:alphaOff val="0"/>
+            </a:schemeClr>
+          </a:solidFill>
+          <a:prstDash val="solid"/>
+          <a:miter lim="800000"/>
+        </a:ln>
+        <a:effectLst/>
+      </dsp:spPr>
+      <dsp:style>
+        <a:lnRef idx="2">
+          <a:scrgbClr r="0" g="0" b="0"/>
+        </a:lnRef>
+        <a:fillRef idx="0">
+          <a:scrgbClr r="0" g="0" b="0"/>
+        </a:fillRef>
+        <a:effectRef idx="0">
+          <a:scrgbClr r="0" g="0" b="0"/>
+        </a:effectRef>
+        <a:fontRef idx="minor"/>
+      </dsp:style>
+    </dsp:sp>
+    <dsp:sp modelId="{4C08A698-FD9D-4F5E-AD18-B01DE77539AF}">
+      <dsp:nvSpPr>
+        <dsp:cNvPr id="0" name=""/>
+        <dsp:cNvSpPr/>
+      </dsp:nvSpPr>
+      <dsp:spPr>
+        <a:xfrm>
+          <a:off x="2784147" y="2909576"/>
+          <a:ext cx="1558271" cy="1038847"/>
+        </a:xfrm>
+        <a:prstGeom prst="roundRect">
+          <a:avLst>
+            <a:gd name="adj" fmla="val 10000"/>
+          </a:avLst>
+        </a:prstGeom>
+        <a:solidFill>
+          <a:schemeClr val="accent6">
+            <a:hueOff val="0"/>
+            <a:satOff val="0"/>
+            <a:lumOff val="0"/>
+            <a:alphaOff val="0"/>
+          </a:schemeClr>
+        </a:solidFill>
+        <a:ln w="19050" cap="flat" cmpd="sng" algn="ctr">
+          <a:solidFill>
+            <a:schemeClr val="lt1">
+              <a:hueOff val="0"/>
+              <a:satOff val="0"/>
+              <a:lumOff val="0"/>
+              <a:alphaOff val="0"/>
+            </a:schemeClr>
+          </a:solidFill>
+          <a:prstDash val="solid"/>
+          <a:miter lim="800000"/>
+        </a:ln>
+        <a:effectLst/>
+      </dsp:spPr>
+      <dsp:style>
+        <a:lnRef idx="3">
+          <a:scrgbClr r="0" g="0" b="0"/>
+        </a:lnRef>
+        <a:fillRef idx="1">
+          <a:scrgbClr r="0" g="0" b="0"/>
+        </a:fillRef>
+        <a:effectRef idx="1">
+          <a:scrgbClr r="0" g="0" b="0"/>
+        </a:effectRef>
+        <a:fontRef idx="minor">
+          <a:schemeClr val="lt1"/>
+        </a:fontRef>
+      </dsp:style>
+      <dsp:txBody>
+        <a:bodyPr spcFirstLastPara="0" vert="horz" wrap="square" lIns="53340" tIns="53340" rIns="53340" bIns="53340" numCol="1" spcCol="1270" anchor="ctr" anchorCtr="0">
+          <a:noAutofit/>
+        </a:bodyPr>
+        <a:lstStyle/>
+        <a:p>
+          <a:pPr marL="0" lvl="0" indent="0" algn="ctr" defTabSz="622300">
+            <a:lnSpc>
+              <a:spcPct val="90000"/>
+            </a:lnSpc>
+            <a:spcBef>
+              <a:spcPct val="0"/>
+            </a:spcBef>
+            <a:spcAft>
+              <a:spcPct val="35000"/>
+            </a:spcAft>
+            <a:buNone/>
+          </a:pPr>
+          <a:r>
+            <a:rPr lang="fr-FR" sz="1400" b="1" kern="1200" dirty="0" err="1">
+              <a:solidFill>
+                <a:prstClr val="white"/>
+              </a:solidFill>
+              <a:latin typeface="Calibri" panose="020F0502020204030204"/>
+              <a:ea typeface="+mn-ea"/>
+              <a:cs typeface="+mn-cs"/>
+            </a:rPr>
+            <a:t>SGDRegressor</a:t>
+          </a:r>
+          <a:br>
+            <a:rPr lang="fr-FR" sz="1000" kern="1200" dirty="0"/>
+          </a:br>
+          <a:r>
+            <a:rPr lang="fr-FR" sz="1400" b="1" kern="1200" dirty="0" err="1">
+              <a:solidFill>
+                <a:prstClr val="white"/>
+              </a:solidFill>
+              <a:latin typeface="Calibri" panose="020F0502020204030204"/>
+              <a:ea typeface="+mn-ea"/>
+              <a:cs typeface="+mn-cs"/>
+            </a:rPr>
+            <a:t>SGDClassifier</a:t>
+          </a:r>
+          <a:endParaRPr lang="fr-FR" sz="1400" b="1" kern="1200" dirty="0">
+            <a:solidFill>
+              <a:prstClr val="white"/>
+            </a:solidFill>
+            <a:latin typeface="Calibri" panose="020F0502020204030204"/>
+            <a:ea typeface="+mn-ea"/>
+            <a:cs typeface="+mn-cs"/>
+          </a:endParaRPr>
+        </a:p>
+      </dsp:txBody>
+      <dsp:txXfrm>
+        <a:off x="2814574" y="2940003"/>
+        <a:ext cx="1497417" cy="977993"/>
+      </dsp:txXfrm>
+    </dsp:sp>
+    <dsp:sp modelId="{B5D612FC-724B-4A5F-8DED-B29366DCFF0F}">
+      <dsp:nvSpPr>
+        <dsp:cNvPr id="0" name=""/>
+        <dsp:cNvSpPr/>
+      </dsp:nvSpPr>
+      <dsp:spPr>
+        <a:xfrm>
+          <a:off x="4576159" y="1039650"/>
+          <a:ext cx="2025752" cy="415539"/>
+        </a:xfrm>
+        <a:custGeom>
+          <a:avLst/>
+          <a:gdLst/>
+          <a:ahLst/>
+          <a:cxnLst/>
+          <a:rect l="0" t="0" r="0" b="0"/>
+          <a:pathLst>
+            <a:path>
+              <a:moveTo>
+                <a:pt x="0" y="0"/>
+              </a:moveTo>
+              <a:lnTo>
+                <a:pt x="0" y="207769"/>
+              </a:lnTo>
+              <a:lnTo>
+                <a:pt x="2025752" y="207769"/>
+              </a:lnTo>
+              <a:lnTo>
+                <a:pt x="2025752" y="415539"/>
+              </a:lnTo>
+            </a:path>
+          </a:pathLst>
+        </a:custGeom>
+        <a:noFill/>
+        <a:ln w="12700" cap="flat" cmpd="sng" algn="ctr">
+          <a:solidFill>
+            <a:schemeClr val="accent5">
+              <a:hueOff val="0"/>
+              <a:satOff val="0"/>
+              <a:lumOff val="0"/>
+              <a:alphaOff val="0"/>
+            </a:schemeClr>
+          </a:solidFill>
+          <a:prstDash val="solid"/>
+          <a:miter lim="800000"/>
+        </a:ln>
+        <a:effectLst/>
+      </dsp:spPr>
+      <dsp:style>
+        <a:lnRef idx="2">
+          <a:scrgbClr r="0" g="0" b="0"/>
+        </a:lnRef>
+        <a:fillRef idx="0">
+          <a:scrgbClr r="0" g="0" b="0"/>
+        </a:fillRef>
+        <a:effectRef idx="0">
+          <a:scrgbClr r="0" g="0" b="0"/>
+        </a:effectRef>
+        <a:fontRef idx="minor"/>
+      </dsp:style>
+    </dsp:sp>
+    <dsp:sp modelId="{219F6A5D-D254-45A9-81A9-AE1AD0C66ED0}">
+      <dsp:nvSpPr>
+        <dsp:cNvPr id="0" name=""/>
+        <dsp:cNvSpPr/>
+      </dsp:nvSpPr>
+      <dsp:spPr>
+        <a:xfrm>
+          <a:off x="5822776" y="1455189"/>
+          <a:ext cx="1558271" cy="1038847"/>
+        </a:xfrm>
+        <a:prstGeom prst="roundRect">
+          <a:avLst>
+            <a:gd name="adj" fmla="val 10000"/>
+          </a:avLst>
+        </a:prstGeom>
+        <a:solidFill>
+          <a:schemeClr val="accent5">
+            <a:hueOff val="0"/>
+            <a:satOff val="0"/>
+            <a:lumOff val="0"/>
+            <a:alphaOff val="0"/>
+          </a:schemeClr>
+        </a:solidFill>
+        <a:ln w="19050" cap="flat" cmpd="sng" algn="ctr">
+          <a:solidFill>
+            <a:schemeClr val="lt1">
+              <a:hueOff val="0"/>
+              <a:satOff val="0"/>
+              <a:lumOff val="0"/>
+              <a:alphaOff val="0"/>
+            </a:schemeClr>
+          </a:solidFill>
+          <a:prstDash val="solid"/>
+          <a:miter lim="800000"/>
+        </a:ln>
+        <a:effectLst/>
+      </dsp:spPr>
+      <dsp:style>
+        <a:lnRef idx="3">
+          <a:scrgbClr r="0" g="0" b="0"/>
+        </a:lnRef>
+        <a:fillRef idx="1">
+          <a:scrgbClr r="0" g="0" b="0"/>
+        </a:fillRef>
+        <a:effectRef idx="1">
+          <a:scrgbClr r="0" g="0" b="0"/>
+        </a:effectRef>
+        <a:fontRef idx="minor">
+          <a:schemeClr val="lt1"/>
+        </a:fontRef>
+      </dsp:style>
+      <dsp:txBody>
+        <a:bodyPr spcFirstLastPara="0" vert="horz" wrap="square" lIns="53340" tIns="53340" rIns="53340" bIns="53340" numCol="1" spcCol="1270" anchor="ctr" anchorCtr="0">
+          <a:noAutofit/>
+        </a:bodyPr>
+        <a:lstStyle/>
+        <a:p>
+          <a:pPr marL="0" lvl="0" indent="0" algn="ctr" defTabSz="622300">
+            <a:lnSpc>
+              <a:spcPct val="90000"/>
+            </a:lnSpc>
+            <a:spcBef>
+              <a:spcPct val="0"/>
+            </a:spcBef>
+            <a:spcAft>
+              <a:spcPct val="35000"/>
+            </a:spcAft>
+            <a:buNone/>
+          </a:pPr>
+          <a:r>
+            <a:rPr lang="fr-FR" sz="1400" b="1" kern="1200" dirty="0">
+              <a:solidFill>
+                <a:prstClr val="white"/>
+              </a:solidFill>
+              <a:latin typeface="Calibri" panose="020F0502020204030204"/>
+              <a:ea typeface="+mn-ea"/>
+              <a:cs typeface="+mn-cs"/>
+            </a:rPr>
+            <a:t>Images, son, texte</a:t>
+          </a:r>
+        </a:p>
+      </dsp:txBody>
+      <dsp:txXfrm>
+        <a:off x="5853203" y="1485616"/>
+        <a:ext cx="1497417" cy="977993"/>
+      </dsp:txXfrm>
+    </dsp:sp>
+    <dsp:sp modelId="{8D9BB9D0-2EBA-4FC8-88E4-A3B2FFE772F2}">
+      <dsp:nvSpPr>
+        <dsp:cNvPr id="0" name=""/>
+        <dsp:cNvSpPr/>
+      </dsp:nvSpPr>
+      <dsp:spPr>
+        <a:xfrm>
+          <a:off x="5589036" y="2494037"/>
+          <a:ext cx="1012876" cy="415539"/>
+        </a:xfrm>
+        <a:custGeom>
+          <a:avLst/>
+          <a:gdLst/>
+          <a:ahLst/>
+          <a:cxnLst/>
+          <a:rect l="0" t="0" r="0" b="0"/>
+          <a:pathLst>
+            <a:path>
+              <a:moveTo>
+                <a:pt x="1012876" y="0"/>
+              </a:moveTo>
+              <a:lnTo>
+                <a:pt x="1012876" y="207769"/>
+              </a:lnTo>
+              <a:lnTo>
+                <a:pt x="0" y="207769"/>
+              </a:lnTo>
+              <a:lnTo>
+                <a:pt x="0" y="415539"/>
+              </a:lnTo>
+            </a:path>
+          </a:pathLst>
+        </a:custGeom>
+        <a:noFill/>
+        <a:ln w="12700" cap="flat" cmpd="sng" algn="ctr">
+          <a:solidFill>
+            <a:schemeClr val="accent6">
+              <a:hueOff val="0"/>
+              <a:satOff val="0"/>
+              <a:lumOff val="0"/>
+              <a:alphaOff val="0"/>
+            </a:schemeClr>
+          </a:solidFill>
+          <a:prstDash val="solid"/>
+          <a:miter lim="800000"/>
+        </a:ln>
+        <a:effectLst/>
+      </dsp:spPr>
+      <dsp:style>
+        <a:lnRef idx="2">
+          <a:scrgbClr r="0" g="0" b="0"/>
+        </a:lnRef>
+        <a:fillRef idx="0">
+          <a:scrgbClr r="0" g="0" b="0"/>
+        </a:fillRef>
+        <a:effectRef idx="0">
+          <a:scrgbClr r="0" g="0" b="0"/>
+        </a:effectRef>
+        <a:fontRef idx="minor"/>
+      </dsp:style>
+    </dsp:sp>
+    <dsp:sp modelId="{F02F87DB-24B3-4E37-967A-C8A7CD9FF7C0}">
+      <dsp:nvSpPr>
+        <dsp:cNvPr id="0" name=""/>
+        <dsp:cNvSpPr/>
+      </dsp:nvSpPr>
+      <dsp:spPr>
+        <a:xfrm>
+          <a:off x="4809900" y="2909576"/>
+          <a:ext cx="1558271" cy="1038847"/>
+        </a:xfrm>
+        <a:prstGeom prst="roundRect">
+          <a:avLst>
+            <a:gd name="adj" fmla="val 10000"/>
+          </a:avLst>
+        </a:prstGeom>
+        <a:solidFill>
+          <a:schemeClr val="accent6">
+            <a:hueOff val="0"/>
+            <a:satOff val="0"/>
+            <a:lumOff val="0"/>
+            <a:alphaOff val="0"/>
+          </a:schemeClr>
+        </a:solidFill>
+        <a:ln w="19050" cap="flat" cmpd="sng" algn="ctr">
+          <a:solidFill>
+            <a:schemeClr val="lt1">
+              <a:hueOff val="0"/>
+              <a:satOff val="0"/>
+              <a:lumOff val="0"/>
+              <a:alphaOff val="0"/>
+            </a:schemeClr>
+          </a:solidFill>
+          <a:prstDash val="solid"/>
+          <a:miter lim="800000"/>
+        </a:ln>
+        <a:effectLst/>
+      </dsp:spPr>
+      <dsp:style>
+        <a:lnRef idx="3">
+          <a:scrgbClr r="0" g="0" b="0"/>
+        </a:lnRef>
+        <a:fillRef idx="1">
+          <a:scrgbClr r="0" g="0" b="0"/>
+        </a:fillRef>
+        <a:effectRef idx="1">
+          <a:scrgbClr r="0" g="0" b="0"/>
+        </a:effectRef>
+        <a:fontRef idx="minor">
+          <a:schemeClr val="lt1"/>
+        </a:fontRef>
+      </dsp:style>
+      <dsp:txBody>
+        <a:bodyPr spcFirstLastPara="0" vert="horz" wrap="square" lIns="53340" tIns="53340" rIns="53340" bIns="53340" numCol="1" spcCol="1270" anchor="ctr" anchorCtr="0">
+          <a:noAutofit/>
+        </a:bodyPr>
+        <a:lstStyle/>
+        <a:p>
+          <a:pPr marL="0" lvl="0" indent="0" algn="ctr" defTabSz="622300">
+            <a:lnSpc>
+              <a:spcPct val="90000"/>
+            </a:lnSpc>
+            <a:spcBef>
+              <a:spcPct val="0"/>
+            </a:spcBef>
+            <a:spcAft>
+              <a:spcPct val="35000"/>
+            </a:spcAft>
+            <a:buNone/>
+          </a:pPr>
+          <a:r>
+            <a:rPr lang="fr-FR" sz="1400" b="1" kern="1200" dirty="0" err="1">
+              <a:solidFill>
+                <a:prstClr val="white"/>
+              </a:solidFill>
+              <a:latin typeface="Calibri" panose="020F0502020204030204"/>
+              <a:ea typeface="+mn-ea"/>
+              <a:cs typeface="+mn-cs"/>
+            </a:rPr>
+            <a:t>Rsx</a:t>
+          </a:r>
+          <a:r>
+            <a:rPr lang="fr-FR" sz="1400" b="1" kern="1200" dirty="0">
+              <a:solidFill>
+                <a:prstClr val="white"/>
+              </a:solidFill>
+              <a:latin typeface="Calibri" panose="020F0502020204030204"/>
+              <a:ea typeface="+mn-ea"/>
+              <a:cs typeface="+mn-cs"/>
+            </a:rPr>
+            <a:t> Neurones</a:t>
+          </a:r>
+        </a:p>
+      </dsp:txBody>
+      <dsp:txXfrm>
+        <a:off x="4840327" y="2940003"/>
+        <a:ext cx="1497417" cy="977993"/>
+      </dsp:txXfrm>
+    </dsp:sp>
+    <dsp:sp modelId="{AE3533C2-3D31-4B7F-A342-BAE84802ECB0}">
+      <dsp:nvSpPr>
+        <dsp:cNvPr id="0" name=""/>
+        <dsp:cNvSpPr/>
+      </dsp:nvSpPr>
+      <dsp:spPr>
+        <a:xfrm>
+          <a:off x="6601912" y="2494037"/>
+          <a:ext cx="1012876" cy="415539"/>
+        </a:xfrm>
+        <a:custGeom>
+          <a:avLst/>
+          <a:gdLst/>
+          <a:ahLst/>
+          <a:cxnLst/>
+          <a:rect l="0" t="0" r="0" b="0"/>
+          <a:pathLst>
+            <a:path>
+              <a:moveTo>
+                <a:pt x="0" y="0"/>
+              </a:moveTo>
+              <a:lnTo>
+                <a:pt x="0" y="207769"/>
+              </a:lnTo>
+              <a:lnTo>
+                <a:pt x="1012876" y="207769"/>
+              </a:lnTo>
+              <a:lnTo>
+                <a:pt x="1012876" y="415539"/>
+              </a:lnTo>
+            </a:path>
+          </a:pathLst>
+        </a:custGeom>
+        <a:noFill/>
+        <a:ln w="12700" cap="flat" cmpd="sng" algn="ctr">
+          <a:solidFill>
+            <a:schemeClr val="accent6">
+              <a:hueOff val="0"/>
+              <a:satOff val="0"/>
+              <a:lumOff val="0"/>
+              <a:alphaOff val="0"/>
+            </a:schemeClr>
+          </a:solidFill>
+          <a:prstDash val="solid"/>
+          <a:miter lim="800000"/>
+        </a:ln>
+        <a:effectLst/>
+      </dsp:spPr>
+      <dsp:style>
+        <a:lnRef idx="2">
+          <a:scrgbClr r="0" g="0" b="0"/>
+        </a:lnRef>
+        <a:fillRef idx="0">
+          <a:scrgbClr r="0" g="0" b="0"/>
+        </a:fillRef>
+        <a:effectRef idx="0">
+          <a:scrgbClr r="0" g="0" b="0"/>
+        </a:effectRef>
+        <a:fontRef idx="minor"/>
+      </dsp:style>
+    </dsp:sp>
+    <dsp:sp modelId="{987FF5A2-CEEA-4C0F-844C-113329DFC240}">
+      <dsp:nvSpPr>
+        <dsp:cNvPr id="0" name=""/>
+        <dsp:cNvSpPr/>
+      </dsp:nvSpPr>
+      <dsp:spPr>
+        <a:xfrm>
+          <a:off x="6835653" y="2909576"/>
+          <a:ext cx="1558271" cy="1038847"/>
+        </a:xfrm>
+        <a:prstGeom prst="roundRect">
+          <a:avLst>
+            <a:gd name="adj" fmla="val 10000"/>
+          </a:avLst>
+        </a:prstGeom>
+        <a:solidFill>
+          <a:schemeClr val="accent6">
+            <a:hueOff val="0"/>
+            <a:satOff val="0"/>
+            <a:lumOff val="0"/>
+            <a:alphaOff val="0"/>
+          </a:schemeClr>
+        </a:solidFill>
+        <a:ln w="19050" cap="flat" cmpd="sng" algn="ctr">
+          <a:solidFill>
+            <a:schemeClr val="lt1">
+              <a:hueOff val="0"/>
+              <a:satOff val="0"/>
+              <a:lumOff val="0"/>
+              <a:alphaOff val="0"/>
+            </a:schemeClr>
+          </a:solidFill>
+          <a:prstDash val="solid"/>
+          <a:miter lim="800000"/>
+        </a:ln>
+        <a:effectLst/>
+      </dsp:spPr>
+      <dsp:style>
+        <a:lnRef idx="3">
+          <a:scrgbClr r="0" g="0" b="0"/>
+        </a:lnRef>
+        <a:fillRef idx="1">
+          <a:scrgbClr r="0" g="0" b="0"/>
+        </a:fillRef>
+        <a:effectRef idx="1">
+          <a:scrgbClr r="0" g="0" b="0"/>
+        </a:effectRef>
+        <a:fontRef idx="minor">
+          <a:schemeClr val="lt1"/>
+        </a:fontRef>
+      </dsp:style>
+      <dsp:txBody>
+        <a:bodyPr spcFirstLastPara="0" vert="horz" wrap="square" lIns="53340" tIns="53340" rIns="53340" bIns="53340" numCol="1" spcCol="1270" anchor="ctr" anchorCtr="0">
+          <a:noAutofit/>
+        </a:bodyPr>
+        <a:lstStyle/>
+        <a:p>
+          <a:pPr marL="0" lvl="0" indent="0" algn="ctr" defTabSz="622300">
+            <a:lnSpc>
+              <a:spcPct val="90000"/>
+            </a:lnSpc>
+            <a:spcBef>
+              <a:spcPct val="0"/>
+            </a:spcBef>
+            <a:spcAft>
+              <a:spcPct val="35000"/>
+            </a:spcAft>
+            <a:buNone/>
+          </a:pPr>
+          <a:r>
+            <a:rPr lang="fr-FR" sz="1400" b="1" kern="1200" dirty="0">
+              <a:solidFill>
+                <a:prstClr val="white"/>
+              </a:solidFill>
+              <a:latin typeface="Calibri" panose="020F0502020204030204"/>
+              <a:ea typeface="+mn-ea"/>
+              <a:cs typeface="+mn-cs"/>
+            </a:rPr>
+            <a:t>Données normales</a:t>
+          </a:r>
+        </a:p>
+      </dsp:txBody>
+      <dsp:txXfrm>
+        <a:off x="6866080" y="2940003"/>
+        <a:ext cx="1497417" cy="977993"/>
+      </dsp:txXfrm>
+    </dsp:sp>
+    <dsp:sp modelId="{9CD7580E-8833-43BB-89CC-F51E6CBF8B9A}">
+      <dsp:nvSpPr>
+        <dsp:cNvPr id="0" name=""/>
+        <dsp:cNvSpPr/>
+      </dsp:nvSpPr>
+      <dsp:spPr>
+        <a:xfrm>
+          <a:off x="6601912" y="3948423"/>
+          <a:ext cx="1012876" cy="415539"/>
+        </a:xfrm>
+        <a:custGeom>
+          <a:avLst/>
+          <a:gdLst/>
+          <a:ahLst/>
+          <a:cxnLst/>
+          <a:rect l="0" t="0" r="0" b="0"/>
+          <a:pathLst>
+            <a:path>
+              <a:moveTo>
+                <a:pt x="1012876" y="0"/>
+              </a:moveTo>
+              <a:lnTo>
+                <a:pt x="1012876" y="207769"/>
+              </a:lnTo>
+              <a:lnTo>
+                <a:pt x="0" y="207769"/>
+              </a:lnTo>
+              <a:lnTo>
+                <a:pt x="0" y="415539"/>
+              </a:lnTo>
+            </a:path>
+          </a:pathLst>
+        </a:custGeom>
+        <a:noFill/>
+        <a:ln w="12700" cap="flat" cmpd="sng" algn="ctr">
+          <a:solidFill>
+            <a:schemeClr val="accent1">
+              <a:hueOff val="0"/>
+              <a:satOff val="0"/>
+              <a:lumOff val="0"/>
+              <a:alphaOff val="0"/>
+            </a:schemeClr>
+          </a:solidFill>
+          <a:prstDash val="solid"/>
+          <a:miter lim="800000"/>
+        </a:ln>
+        <a:effectLst/>
+      </dsp:spPr>
+      <dsp:style>
+        <a:lnRef idx="2">
+          <a:scrgbClr r="0" g="0" b="0"/>
+        </a:lnRef>
+        <a:fillRef idx="0">
+          <a:scrgbClr r="0" g="0" b="0"/>
+        </a:fillRef>
+        <a:effectRef idx="0">
+          <a:scrgbClr r="0" g="0" b="0"/>
+        </a:effectRef>
+        <a:fontRef idx="minor"/>
+      </dsp:style>
+    </dsp:sp>
+    <dsp:sp modelId="{3FBCD3C0-D5ED-4DEC-9710-4B99D6F1AEDF}">
+      <dsp:nvSpPr>
+        <dsp:cNvPr id="0" name=""/>
+        <dsp:cNvSpPr/>
+      </dsp:nvSpPr>
+      <dsp:spPr>
+        <a:xfrm>
+          <a:off x="5822776" y="4363962"/>
+          <a:ext cx="1558271" cy="1038847"/>
+        </a:xfrm>
+        <a:prstGeom prst="roundRect">
+          <a:avLst>
+            <a:gd name="adj" fmla="val 10000"/>
+          </a:avLst>
+        </a:prstGeom>
+        <a:solidFill>
+          <a:schemeClr val="accent1">
+            <a:hueOff val="0"/>
+            <a:satOff val="0"/>
+            <a:lumOff val="0"/>
+            <a:alphaOff val="0"/>
+          </a:schemeClr>
+        </a:solidFill>
+        <a:ln w="19050" cap="flat" cmpd="sng" algn="ctr">
+          <a:solidFill>
+            <a:schemeClr val="lt1">
+              <a:hueOff val="0"/>
+              <a:satOff val="0"/>
+              <a:lumOff val="0"/>
+              <a:alphaOff val="0"/>
+            </a:schemeClr>
+          </a:solidFill>
+          <a:prstDash val="solid"/>
+          <a:miter lim="800000"/>
+        </a:ln>
+        <a:effectLst/>
+      </dsp:spPr>
+      <dsp:style>
+        <a:lnRef idx="3">
+          <a:scrgbClr r="0" g="0" b="0"/>
+        </a:lnRef>
+        <a:fillRef idx="1">
+          <a:scrgbClr r="0" g="0" b="0"/>
+        </a:fillRef>
+        <a:effectRef idx="1">
+          <a:scrgbClr r="0" g="0" b="0"/>
+        </a:effectRef>
+        <a:fontRef idx="minor">
+          <a:schemeClr val="lt1"/>
+        </a:fontRef>
+      </dsp:style>
+      <dsp:txBody>
+        <a:bodyPr spcFirstLastPara="0" vert="horz" wrap="square" lIns="38100" tIns="38100" rIns="38100" bIns="38100" numCol="1" spcCol="1270" anchor="ctr" anchorCtr="0">
+          <a:noAutofit/>
+        </a:bodyPr>
+        <a:lstStyle/>
+        <a:p>
+          <a:pPr marL="0" lvl="0" indent="0" algn="ctr" defTabSz="444500">
+            <a:lnSpc>
+              <a:spcPct val="90000"/>
+            </a:lnSpc>
+            <a:spcBef>
+              <a:spcPct val="0"/>
+            </a:spcBef>
+            <a:spcAft>
+              <a:spcPct val="35000"/>
+            </a:spcAft>
+            <a:buNone/>
+          </a:pPr>
+          <a:r>
+            <a:rPr lang="fr-FR" sz="1000" kern="1200" dirty="0" err="1"/>
+            <a:t>LinearReg</a:t>
+          </a:r>
+          <a:br>
+            <a:rPr lang="fr-FR" sz="1000" kern="1200" dirty="0"/>
+          </a:br>
+          <a:r>
+            <a:rPr lang="fr-FR" sz="1000" kern="1200" dirty="0"/>
+            <a:t>Lasso</a:t>
+          </a:r>
+          <a:br>
+            <a:rPr lang="fr-FR" sz="1000" kern="1200" dirty="0"/>
+          </a:br>
+          <a:r>
+            <a:rPr lang="fr-FR" sz="1000" kern="1200" dirty="0"/>
+            <a:t>Ridge</a:t>
+          </a:r>
+          <a:br>
+            <a:rPr lang="fr-FR" sz="1000" kern="1200" dirty="0"/>
+          </a:br>
+          <a:r>
+            <a:rPr lang="fr-FR" sz="1000" kern="1200" dirty="0" err="1"/>
+            <a:t>LinearSum</a:t>
+          </a:r>
+          <a:br>
+            <a:rPr lang="fr-FR" sz="1000" kern="1200" dirty="0"/>
+          </a:br>
+          <a:r>
+            <a:rPr lang="fr-FR" sz="1000" kern="1200" dirty="0" err="1"/>
+            <a:t>Logistic</a:t>
+          </a:r>
+          <a:r>
+            <a:rPr lang="fr-FR" sz="1000" kern="1200" dirty="0"/>
+            <a:t> Reg SGD Reg</a:t>
+          </a:r>
+          <a:br>
+            <a:rPr lang="fr-FR" sz="1000" kern="1200" dirty="0"/>
+          </a:br>
+          <a:r>
+            <a:rPr lang="fr-FR" sz="1000" kern="1200" dirty="0"/>
+            <a:t>SGD Classifier </a:t>
+          </a:r>
+          <a:r>
+            <a:rPr lang="fr-FR" sz="1000" kern="1200" dirty="0" err="1"/>
+            <a:t>NaiveBayse</a:t>
+          </a:r>
+          <a:endParaRPr lang="fr-FR" sz="1000" kern="1200" dirty="0"/>
+        </a:p>
+      </dsp:txBody>
+      <dsp:txXfrm>
+        <a:off x="5853203" y="4394389"/>
+        <a:ext cx="1497417" cy="977993"/>
+      </dsp:txXfrm>
+    </dsp:sp>
+    <dsp:sp modelId="{BF77C560-0882-4EE7-9524-C82208EFB4CC}">
+      <dsp:nvSpPr>
+        <dsp:cNvPr id="0" name=""/>
+        <dsp:cNvSpPr/>
+      </dsp:nvSpPr>
+      <dsp:spPr>
+        <a:xfrm>
+          <a:off x="7614788" y="3948423"/>
+          <a:ext cx="1012876" cy="415539"/>
+        </a:xfrm>
+        <a:custGeom>
+          <a:avLst/>
+          <a:gdLst/>
+          <a:ahLst/>
+          <a:cxnLst/>
+          <a:rect l="0" t="0" r="0" b="0"/>
+          <a:pathLst>
+            <a:path>
+              <a:moveTo>
+                <a:pt x="0" y="0"/>
+              </a:moveTo>
+              <a:lnTo>
+                <a:pt x="0" y="207769"/>
+              </a:lnTo>
+              <a:lnTo>
+                <a:pt x="1012876" y="207769"/>
+              </a:lnTo>
+              <a:lnTo>
+                <a:pt x="1012876" y="415539"/>
+              </a:lnTo>
+            </a:path>
+          </a:pathLst>
+        </a:custGeom>
+        <a:noFill/>
+        <a:ln w="12700" cap="flat" cmpd="sng" algn="ctr">
+          <a:solidFill>
+            <a:schemeClr val="accent1">
+              <a:hueOff val="0"/>
+              <a:satOff val="0"/>
+              <a:lumOff val="0"/>
+              <a:alphaOff val="0"/>
+            </a:schemeClr>
+          </a:solidFill>
+          <a:prstDash val="solid"/>
+          <a:miter lim="800000"/>
+        </a:ln>
+        <a:effectLst/>
+      </dsp:spPr>
+      <dsp:style>
+        <a:lnRef idx="2">
+          <a:scrgbClr r="0" g="0" b="0"/>
+        </a:lnRef>
+        <a:fillRef idx="0">
+          <a:scrgbClr r="0" g="0" b="0"/>
+        </a:fillRef>
+        <a:effectRef idx="0">
+          <a:scrgbClr r="0" g="0" b="0"/>
+        </a:effectRef>
+        <a:fontRef idx="minor"/>
+      </dsp:style>
+    </dsp:sp>
+    <dsp:sp modelId="{05A3307F-4AD8-4AC8-9581-330633524584}">
+      <dsp:nvSpPr>
+        <dsp:cNvPr id="0" name=""/>
+        <dsp:cNvSpPr/>
+      </dsp:nvSpPr>
+      <dsp:spPr>
+        <a:xfrm>
+          <a:off x="7848529" y="4363962"/>
+          <a:ext cx="1558271" cy="1038847"/>
+        </a:xfrm>
+        <a:prstGeom prst="roundRect">
+          <a:avLst>
+            <a:gd name="adj" fmla="val 10000"/>
+          </a:avLst>
+        </a:prstGeom>
+        <a:solidFill>
+          <a:schemeClr val="accent1">
+            <a:hueOff val="0"/>
+            <a:satOff val="0"/>
+            <a:lumOff val="0"/>
+            <a:alphaOff val="0"/>
+          </a:schemeClr>
+        </a:solidFill>
+        <a:ln w="19050" cap="flat" cmpd="sng" algn="ctr">
+          <a:solidFill>
+            <a:schemeClr val="lt1">
+              <a:hueOff val="0"/>
+              <a:satOff val="0"/>
+              <a:lumOff val="0"/>
+              <a:alphaOff val="0"/>
+            </a:schemeClr>
+          </a:solidFill>
+          <a:prstDash val="solid"/>
+          <a:miter lim="800000"/>
+        </a:ln>
+        <a:effectLst/>
+      </dsp:spPr>
+      <dsp:style>
+        <a:lnRef idx="3">
+          <a:scrgbClr r="0" g="0" b="0"/>
+        </a:lnRef>
+        <a:fillRef idx="1">
+          <a:scrgbClr r="0" g="0" b="0"/>
+        </a:fillRef>
+        <a:effectRef idx="1">
+          <a:scrgbClr r="0" g="0" b="0"/>
+        </a:effectRef>
+        <a:fontRef idx="minor">
+          <a:schemeClr val="lt1"/>
+        </a:fontRef>
+      </dsp:style>
+      <dsp:txBody>
+        <a:bodyPr spcFirstLastPara="0" vert="horz" wrap="square" lIns="53340" tIns="53340" rIns="53340" bIns="53340" numCol="1" spcCol="1270" anchor="ctr" anchorCtr="0">
+          <a:noAutofit/>
+        </a:bodyPr>
+        <a:lstStyle/>
+        <a:p>
+          <a:pPr marL="0" lvl="0" indent="0" algn="ctr" defTabSz="622300">
+            <a:lnSpc>
+              <a:spcPct val="90000"/>
+            </a:lnSpc>
+            <a:spcBef>
+              <a:spcPct val="0"/>
+            </a:spcBef>
+            <a:spcAft>
+              <a:spcPct val="35000"/>
+            </a:spcAft>
+            <a:buNone/>
+          </a:pPr>
+          <a:r>
+            <a:rPr lang="fr-FR" sz="1400" b="1" kern="1200" dirty="0">
+              <a:solidFill>
+                <a:prstClr val="white"/>
+              </a:solidFill>
+              <a:latin typeface="Calibri" panose="020F0502020204030204"/>
+              <a:ea typeface="+mn-ea"/>
+              <a:cs typeface="+mn-cs"/>
+            </a:rPr>
+            <a:t>Beaucoup de</a:t>
+          </a:r>
+          <a:br>
+            <a:rPr lang="fr-FR" sz="1400" b="1" kern="1200" dirty="0">
+              <a:solidFill>
+                <a:prstClr val="white"/>
+              </a:solidFill>
+              <a:latin typeface="Calibri" panose="020F0502020204030204"/>
+              <a:ea typeface="+mn-ea"/>
+              <a:cs typeface="+mn-cs"/>
+            </a:rPr>
+          </a:br>
+          <a:r>
+            <a:rPr lang="fr-FR" sz="1400" b="1" kern="1200" dirty="0">
+              <a:solidFill>
+                <a:prstClr val="white"/>
+              </a:solidFill>
+              <a:latin typeface="Calibri" panose="020F0502020204030204"/>
+              <a:ea typeface="+mn-ea"/>
+              <a:cs typeface="+mn-cs"/>
+            </a:rPr>
+            <a:t>catégories ?</a:t>
+          </a:r>
+        </a:p>
+      </dsp:txBody>
+      <dsp:txXfrm>
+        <a:off x="7878956" y="4394389"/>
+        <a:ext cx="1497417" cy="977993"/>
+      </dsp:txXfrm>
+    </dsp:sp>
+    <dsp:sp modelId="{51549A6A-379B-46B2-8820-199D2E5D103E}">
+      <dsp:nvSpPr>
+        <dsp:cNvPr id="0" name=""/>
+        <dsp:cNvSpPr/>
+      </dsp:nvSpPr>
+      <dsp:spPr>
+        <a:xfrm>
+          <a:off x="7614788" y="5402810"/>
+          <a:ext cx="1012876" cy="415539"/>
+        </a:xfrm>
+        <a:custGeom>
+          <a:avLst/>
+          <a:gdLst/>
+          <a:ahLst/>
+          <a:cxnLst/>
+          <a:rect l="0" t="0" r="0" b="0"/>
+          <a:pathLst>
+            <a:path>
+              <a:moveTo>
+                <a:pt x="1012876" y="0"/>
+              </a:moveTo>
+              <a:lnTo>
+                <a:pt x="1012876" y="207769"/>
+              </a:lnTo>
+              <a:lnTo>
+                <a:pt x="0" y="207769"/>
+              </a:lnTo>
+              <a:lnTo>
+                <a:pt x="0" y="415539"/>
+              </a:lnTo>
+            </a:path>
+          </a:pathLst>
+        </a:custGeom>
+        <a:noFill/>
+        <a:ln w="12700" cap="flat" cmpd="sng" algn="ctr">
+          <a:solidFill>
+            <a:schemeClr val="accent1">
+              <a:hueOff val="0"/>
+              <a:satOff val="0"/>
+              <a:lumOff val="0"/>
+              <a:alphaOff val="0"/>
+            </a:schemeClr>
+          </a:solidFill>
+          <a:prstDash val="solid"/>
+          <a:miter lim="800000"/>
+        </a:ln>
+        <a:effectLst/>
+      </dsp:spPr>
+      <dsp:style>
+        <a:lnRef idx="2">
+          <a:scrgbClr r="0" g="0" b="0"/>
+        </a:lnRef>
+        <a:fillRef idx="0">
+          <a:scrgbClr r="0" g="0" b="0"/>
+        </a:fillRef>
+        <a:effectRef idx="0">
+          <a:scrgbClr r="0" g="0" b="0"/>
+        </a:effectRef>
+        <a:fontRef idx="minor"/>
+      </dsp:style>
+    </dsp:sp>
+    <dsp:sp modelId="{68CA13DB-579A-47EE-8814-8BDC0E1C30D5}">
+      <dsp:nvSpPr>
+        <dsp:cNvPr id="0" name=""/>
+        <dsp:cNvSpPr/>
+      </dsp:nvSpPr>
+      <dsp:spPr>
+        <a:xfrm>
+          <a:off x="6835653" y="5818349"/>
+          <a:ext cx="1558271" cy="1038847"/>
+        </a:xfrm>
+        <a:prstGeom prst="roundRect">
+          <a:avLst>
+            <a:gd name="adj" fmla="val 10000"/>
+          </a:avLst>
+        </a:prstGeom>
+        <a:solidFill>
+          <a:schemeClr val="accent1">
+            <a:hueOff val="0"/>
+            <a:satOff val="0"/>
+            <a:lumOff val="0"/>
+            <a:alphaOff val="0"/>
+          </a:schemeClr>
+        </a:solidFill>
+        <a:ln w="19050" cap="flat" cmpd="sng" algn="ctr">
+          <a:solidFill>
+            <a:schemeClr val="lt1">
+              <a:hueOff val="0"/>
+              <a:satOff val="0"/>
+              <a:lumOff val="0"/>
+              <a:alphaOff val="0"/>
+            </a:schemeClr>
+          </a:solidFill>
+          <a:prstDash val="solid"/>
+          <a:miter lim="800000"/>
+        </a:ln>
+        <a:effectLst/>
+      </dsp:spPr>
+      <dsp:style>
+        <a:lnRef idx="3">
+          <a:scrgbClr r="0" g="0" b="0"/>
+        </a:lnRef>
+        <a:fillRef idx="1">
+          <a:scrgbClr r="0" g="0" b="0"/>
+        </a:fillRef>
+        <a:effectRef idx="1">
+          <a:scrgbClr r="0" g="0" b="0"/>
+        </a:effectRef>
+        <a:fontRef idx="minor">
+          <a:schemeClr val="lt1"/>
+        </a:fontRef>
+      </dsp:style>
+      <dsp:txBody>
+        <a:bodyPr spcFirstLastPara="0" vert="horz" wrap="square" lIns="53340" tIns="53340" rIns="53340" bIns="53340" numCol="1" spcCol="1270" anchor="ctr" anchorCtr="0">
+          <a:noAutofit/>
+        </a:bodyPr>
+        <a:lstStyle/>
+        <a:p>
+          <a:pPr marL="0" lvl="0" indent="0" algn="ctr" defTabSz="622300">
+            <a:lnSpc>
+              <a:spcPct val="90000"/>
+            </a:lnSpc>
+            <a:spcBef>
+              <a:spcPct val="0"/>
+            </a:spcBef>
+            <a:spcAft>
+              <a:spcPct val="35000"/>
+            </a:spcAft>
+            <a:buNone/>
+          </a:pPr>
+          <a:r>
+            <a:rPr lang="fr-FR" sz="1400" b="1" kern="1200" dirty="0" err="1">
+              <a:solidFill>
+                <a:prstClr val="white"/>
+              </a:solidFill>
+              <a:latin typeface="Calibri" panose="020F0502020204030204"/>
+              <a:ea typeface="+mn-ea"/>
+              <a:cs typeface="+mn-cs"/>
+            </a:rPr>
+            <a:t>Decision</a:t>
+          </a:r>
+          <a:r>
+            <a:rPr lang="fr-FR" sz="1400" b="1" kern="1200" dirty="0">
+              <a:solidFill>
+                <a:prstClr val="white"/>
+              </a:solidFill>
+              <a:latin typeface="Calibri" panose="020F0502020204030204"/>
+              <a:ea typeface="+mn-ea"/>
+              <a:cs typeface="+mn-cs"/>
+            </a:rPr>
+            <a:t> </a:t>
+          </a:r>
+          <a:r>
+            <a:rPr lang="fr-FR" sz="1400" b="1" kern="1200" dirty="0" err="1">
+              <a:solidFill>
+                <a:prstClr val="white"/>
+              </a:solidFill>
+              <a:latin typeface="Calibri" panose="020F0502020204030204"/>
+              <a:ea typeface="+mn-ea"/>
+              <a:cs typeface="+mn-cs"/>
+            </a:rPr>
+            <a:t>tree</a:t>
+          </a:r>
+          <a:endParaRPr lang="fr-FR" sz="1400" b="1" kern="1200" dirty="0">
+            <a:solidFill>
+              <a:prstClr val="white"/>
+            </a:solidFill>
+            <a:latin typeface="Calibri" panose="020F0502020204030204"/>
+            <a:ea typeface="+mn-ea"/>
+            <a:cs typeface="+mn-cs"/>
+          </a:endParaRPr>
+        </a:p>
+      </dsp:txBody>
+      <dsp:txXfrm>
+        <a:off x="6866080" y="5848776"/>
+        <a:ext cx="1497417" cy="977993"/>
+      </dsp:txXfrm>
+    </dsp:sp>
+    <dsp:sp modelId="{0542DBD4-C1F5-49E4-8F65-9165A7EC34EB}">
+      <dsp:nvSpPr>
+        <dsp:cNvPr id="0" name=""/>
+        <dsp:cNvSpPr/>
+      </dsp:nvSpPr>
+      <dsp:spPr>
+        <a:xfrm>
+          <a:off x="8627664" y="5402810"/>
+          <a:ext cx="1012876" cy="415539"/>
+        </a:xfrm>
+        <a:custGeom>
+          <a:avLst/>
+          <a:gdLst/>
+          <a:ahLst/>
+          <a:cxnLst/>
+          <a:rect l="0" t="0" r="0" b="0"/>
+          <a:pathLst>
+            <a:path>
+              <a:moveTo>
+                <a:pt x="0" y="0"/>
+              </a:moveTo>
+              <a:lnTo>
+                <a:pt x="0" y="207769"/>
+              </a:lnTo>
+              <a:lnTo>
+                <a:pt x="1012876" y="207769"/>
+              </a:lnTo>
+              <a:lnTo>
+                <a:pt x="1012876" y="415539"/>
+              </a:lnTo>
+            </a:path>
+          </a:pathLst>
+        </a:custGeom>
+        <a:noFill/>
+        <a:ln w="12700" cap="flat" cmpd="sng" algn="ctr">
+          <a:solidFill>
+            <a:schemeClr val="accent1">
+              <a:hueOff val="0"/>
+              <a:satOff val="0"/>
+              <a:lumOff val="0"/>
+              <a:alphaOff val="0"/>
+            </a:schemeClr>
+          </a:solidFill>
+          <a:prstDash val="solid"/>
+          <a:miter lim="800000"/>
+        </a:ln>
+        <a:effectLst/>
+      </dsp:spPr>
+      <dsp:style>
+        <a:lnRef idx="2">
+          <a:scrgbClr r="0" g="0" b="0"/>
+        </a:lnRef>
+        <a:fillRef idx="0">
+          <a:scrgbClr r="0" g="0" b="0"/>
+        </a:fillRef>
+        <a:effectRef idx="0">
+          <a:scrgbClr r="0" g="0" b="0"/>
+        </a:effectRef>
+        <a:fontRef idx="minor"/>
+      </dsp:style>
+    </dsp:sp>
+    <dsp:sp modelId="{26A595CA-405C-479B-8A98-8C413BC78F18}">
+      <dsp:nvSpPr>
+        <dsp:cNvPr id="0" name=""/>
+        <dsp:cNvSpPr/>
+      </dsp:nvSpPr>
+      <dsp:spPr>
+        <a:xfrm>
+          <a:off x="8861405" y="5818349"/>
+          <a:ext cx="1558271" cy="1038847"/>
+        </a:xfrm>
+        <a:prstGeom prst="roundRect">
+          <a:avLst>
+            <a:gd name="adj" fmla="val 10000"/>
+          </a:avLst>
+        </a:prstGeom>
+        <a:solidFill>
+          <a:schemeClr val="accent1">
+            <a:hueOff val="0"/>
+            <a:satOff val="0"/>
+            <a:lumOff val="0"/>
+            <a:alphaOff val="0"/>
+          </a:schemeClr>
+        </a:solidFill>
+        <a:ln w="19050" cap="flat" cmpd="sng" algn="ctr">
+          <a:solidFill>
+            <a:schemeClr val="lt1">
+              <a:hueOff val="0"/>
+              <a:satOff val="0"/>
+              <a:lumOff val="0"/>
+              <a:alphaOff val="0"/>
+            </a:schemeClr>
+          </a:solidFill>
+          <a:prstDash val="solid"/>
+          <a:miter lim="800000"/>
+        </a:ln>
+        <a:effectLst/>
+      </dsp:spPr>
+      <dsp:style>
+        <a:lnRef idx="3">
+          <a:scrgbClr r="0" g="0" b="0"/>
+        </a:lnRef>
+        <a:fillRef idx="1">
+          <a:scrgbClr r="0" g="0" b="0"/>
+        </a:fillRef>
+        <a:effectRef idx="1">
+          <a:scrgbClr r="0" g="0" b="0"/>
+        </a:effectRef>
+        <a:fontRef idx="minor">
+          <a:schemeClr val="lt1"/>
+        </a:fontRef>
+      </dsp:style>
+      <dsp:txBody>
+        <a:bodyPr spcFirstLastPara="0" vert="horz" wrap="square" lIns="53340" tIns="53340" rIns="53340" bIns="53340" numCol="1" spcCol="1270" anchor="ctr" anchorCtr="0">
+          <a:noAutofit/>
+        </a:bodyPr>
+        <a:lstStyle/>
+        <a:p>
+          <a:pPr marL="0" lvl="0" indent="0" algn="ctr" defTabSz="622300">
+            <a:lnSpc>
+              <a:spcPct val="90000"/>
+            </a:lnSpc>
+            <a:spcBef>
+              <a:spcPct val="0"/>
+            </a:spcBef>
+            <a:spcAft>
+              <a:spcPct val="35000"/>
+            </a:spcAft>
+            <a:buNone/>
+          </a:pPr>
+          <a:r>
+            <a:rPr lang="fr-FR" sz="1400" b="1" kern="1200" dirty="0">
+              <a:solidFill>
+                <a:prstClr val="white"/>
+              </a:solidFill>
+              <a:latin typeface="Calibri" panose="020F0502020204030204"/>
+              <a:ea typeface="+mn-ea"/>
+              <a:cs typeface="+mn-cs"/>
+            </a:rPr>
+            <a:t>SVM</a:t>
+          </a:r>
+          <a:br>
+            <a:rPr lang="fr-FR" sz="1400" b="1" kern="1200" dirty="0">
+              <a:solidFill>
+                <a:prstClr val="white"/>
+              </a:solidFill>
+              <a:latin typeface="Calibri" panose="020F0502020204030204"/>
+              <a:ea typeface="+mn-ea"/>
+              <a:cs typeface="+mn-cs"/>
+            </a:rPr>
+          </a:br>
+          <a:r>
+            <a:rPr lang="fr-FR" sz="1400" b="1" kern="1200" dirty="0">
+              <a:solidFill>
+                <a:prstClr val="white"/>
+              </a:solidFill>
+              <a:latin typeface="Calibri" panose="020F0502020204030204"/>
+              <a:ea typeface="+mn-ea"/>
+              <a:cs typeface="+mn-cs"/>
+            </a:rPr>
+            <a:t>KNN</a:t>
+          </a:r>
+        </a:p>
+      </dsp:txBody>
+      <dsp:txXfrm>
+        <a:off x="8891832" y="5848776"/>
+        <a:ext cx="1497417" cy="977993"/>
+      </dsp:txXfrm>
+    </dsp:sp>
+  </dsp:spTree>
+</dsp:drawing>
+</file>
+
+<file path=ppt/diagrams/layout1.xml><?xml version="1.0" encoding="utf-8"?>
+<dgm:layoutDef xmlns:dgm="http://schemas.openxmlformats.org/drawingml/2006/diagram" xmlns:a="http://schemas.openxmlformats.org/drawingml/2006/main" uniqueId="urn:microsoft.com/office/officeart/2005/8/layout/hierarchy6">
+  <dgm:title val=""/>
+  <dgm:desc val=""/>
+  <dgm:catLst>
+    <dgm:cat type="hierarchy" pri="3000"/>
+  </dgm:catLst>
+  <dgm:sampData>
+    <dgm:dataModel>
+      <dgm:ptLst>
+        <dgm:pt modelId="0" type="doc"/>
+        <dgm:pt modelId="1">
+          <dgm:prSet phldr="1"/>
+        </dgm:pt>
+        <dgm:pt modelId="2">
+          <dgm:prSet phldr="1"/>
+        </dgm:pt>
+        <dgm:pt modelId="21">
+          <dgm:prSet phldr="1"/>
+        </dgm:pt>
+        <dgm:pt modelId="22">
+          <dgm:prSet phldr="1"/>
+        </dgm:pt>
+        <dgm:pt modelId="3">
+          <dgm:prSet phldr="1"/>
+        </dgm:pt>
+        <dgm:pt modelId="31">
+          <dgm:prSet phldr="1"/>
+        </dgm:pt>
+        <dgm:pt modelId="4">
+          <dgm:prSet phldr="1"/>
+        </dgm:pt>
+        <dgm:pt modelId="5">
+          <dgm:prSet phldr="1"/>
+        </dgm:pt>
+        <dgm:pt modelId="6">
+          <dgm:prSet phldr="1"/>
+        </dgm:pt>
+      </dgm:ptLst>
+      <dgm:cxnLst>
+        <dgm:cxn modelId="7" srcId="0" destId="1" srcOrd="0" destOrd="0"/>
+        <dgm:cxn modelId="8" srcId="1" destId="2" srcOrd="0" destOrd="0"/>
+        <dgm:cxn modelId="9" srcId="1" destId="3" srcOrd="1" destOrd="0"/>
+        <dgm:cxn modelId="23" srcId="2" destId="21" srcOrd="0" destOrd="0"/>
+        <dgm:cxn modelId="24" srcId="2" destId="22" srcOrd="1" destOrd="0"/>
+        <dgm:cxn modelId="33" srcId="3" destId="31" srcOrd="0" destOrd="0"/>
+        <dgm:cxn modelId="10" srcId="0" destId="4" srcOrd="1" destOrd="0"/>
+        <dgm:cxn modelId="11" srcId="0" destId="5" srcOrd="2" destOrd="0"/>
+        <dgm:cxn modelId="12" srcId="0" destId="6" srcOrd="3" destOrd="0"/>
+      </dgm:cxnLst>
+      <dgm:bg/>
+      <dgm:whole/>
+    </dgm:dataModel>
+  </dgm:sampData>
+  <dgm:styleData>
+    <dgm:dataModel>
+      <dgm:ptLst>
+        <dgm:pt modelId="0" type="doc"/>
+        <dgm:pt modelId="1"/>
+        <dgm:pt modelId="11"/>
+        <dgm:pt modelId="12"/>
+        <dgm:pt modelId="2"/>
+        <dgm:pt modelId="3"/>
+      </dgm:ptLst>
+      <dgm:cxnLst>
+        <dgm:cxn modelId="4" srcId="0" destId="1" srcOrd="0" destOrd="0"/>
+        <dgm:cxn modelId="13" srcId="1" destId="11" srcOrd="0" destOrd="0"/>
+        <dgm:cxn modelId="14" srcId="1" destId="12" srcOrd="1" destOrd="0"/>
+        <dgm:cxn modelId="5" srcId="0" destId="2" srcOrd="1" destOrd="0"/>
+        <dgm:cxn modelId="6" srcId="0" destId="3" srcOrd="2" destOrd="0"/>
+      </dgm:cxnLst>
+      <dgm:bg/>
+      <dgm:whole/>
+    </dgm:dataModel>
+  </dgm:styleData>
+  <dgm:clrData>
+    <dgm:dataModel>
+      <dgm:ptLst>
+        <dgm:pt modelId="0" type="doc"/>
+        <dgm:pt modelId="1"/>
+        <dgm:pt modelId="2"/>
+        <dgm:pt modelId="21"/>
+        <dgm:pt modelId="211"/>
+        <dgm:pt modelId="3"/>
+        <dgm:pt modelId="31"/>
+        <dgm:pt modelId="311"/>
+        <dgm:pt modelId="4"/>
+        <dgm:pt modelId="5"/>
+        <dgm:pt modelId="6"/>
+        <dgm:pt modelId="7"/>
+      </dgm:ptLst>
+      <dgm:cxnLst>
+        <dgm:cxn modelId="8" srcId="0" destId="1" srcOrd="0" destOrd="0"/>
+        <dgm:cxn modelId="9" srcId="1" destId="2" srcOrd="0" destOrd="0"/>
+        <dgm:cxn modelId="10" srcId="1" destId="3" srcOrd="1" destOrd="0"/>
+        <dgm:cxn modelId="23" srcId="2" destId="21" srcOrd="0" destOrd="0"/>
+        <dgm:cxn modelId="24" srcId="21" destId="211" srcOrd="0" destOrd="0"/>
+        <dgm:cxn modelId="33" srcId="3" destId="31" srcOrd="0" destOrd="0"/>
+        <dgm:cxn modelId="34" srcId="31" destId="311" srcOrd="0" destOrd="0"/>
+        <dgm:cxn modelId="11" srcId="0" destId="4" srcOrd="1" destOrd="0"/>
+        <dgm:cxn modelId="12" srcId="0" destId="5" srcOrd="2" destOrd="0"/>
+        <dgm:cxn modelId="13" srcId="0" destId="6" srcOrd="3" destOrd="0"/>
+        <dgm:cxn modelId="14" srcId="0" destId="7" srcOrd="4" destOrd="0"/>
+      </dgm:cxnLst>
+      <dgm:bg/>
+      <dgm:whole/>
+    </dgm:dataModel>
+  </dgm:clrData>
+  <dgm:layoutNode name="mainComposite">
+    <dgm:varLst>
+      <dgm:chPref val="1"/>
+      <dgm:dir/>
+      <dgm:animOne val="branch"/>
+      <dgm:animLvl val="lvl"/>
+      <dgm:resizeHandles val="exact"/>
+    </dgm:varLst>
+    <dgm:alg type="composite">
+      <dgm:param type="vertAlign" val="mid"/>
+      <dgm:param type="horzAlign" val="ctr"/>
+    </dgm:alg>
+    <dgm:shape xmlns:r="http://schemas.openxmlformats.org/officeDocument/2006/relationships" r:blip="">
+      <dgm:adjLst/>
+    </dgm:shape>
+    <dgm:presOf/>
+    <dgm:choose name="Name0">
+      <dgm:if name="Name1" axis="ch" ptType="node" func="cnt" op="gte" val="2">
+        <dgm:choose name="Name2">
+          <dgm:if name="Name3" func="var" arg="dir" op="equ" val="norm">
+            <dgm:constrLst>
+              <dgm:constr type="l" for="ch" forName="hierFlow" refType="w" fact="0.3"/>
+              <dgm:constr type="t" for="ch" forName="hierFlow"/>
+              <dgm:constr type="r" for="ch" forName="hierFlow" refType="w" fact="0.98"/>
+              <dgm:constr type="b" for="ch" forName="hierFlow" refType="h" fact="0.98"/>
+              <dgm:constr type="l" for="ch" forName="bgShapesFlow"/>
+              <dgm:constr type="t" for="ch" forName="bgShapesFlow"/>
+              <dgm:constr type="r" for="ch" forName="bgShapesFlow" refType="w"/>
+              <dgm:constr type="b" for="ch" forName="bgShapesFlow" refType="h"/>
+              <dgm:constr type="w" for="des" forName="level1Shape" refType="w"/>
+              <dgm:constr type="h" for="des" forName="level1Shape" refType="w" refFor="des" refForName="level1Shape" fact="0.66667"/>
+              <dgm:constr type="w" for="des" forName="level2Shape" refType="w" refFor="des" refForName="level1Shape" op="equ"/>
+              <dgm:constr type="h" for="des" forName="level2Shape" refType="h" refFor="des" refForName="level1Shape" op="equ"/>
+              <dgm:constr type="sp" for="des" refType="h" refFor="des" refForName="level1Shape" op="equ" fact="0.4"/>
+              <dgm:constr type="sibSp" for="des" forName="hierChild1" refType="w" refFor="des" refForName="level1Shape" op="equ" fact="0.3"/>
+              <dgm:constr type="sibSp" for="des" forName="hierChild2" refType="sibSp" refFor="des" refForName="hierChild1" op="equ"/>
+              <dgm:constr type="sibSp" for="des" forName="hierChild3" refType="sibSp" refFor="des" refForName="hierChild1" op="equ"/>
+              <dgm:constr type="userA" for="des" refType="h" refFor="des" refForName="level1Shape" op="equ"/>
+              <dgm:constr type="userB" for="des" refType="sp" refFor="des" op="equ"/>
+              <dgm:constr type="h" for="des" forName="firstBuf" refType="h" refFor="des" refForName="level1Shape" fact="0.1"/>
+            </dgm:constrLst>
+          </dgm:if>
+          <dgm:else name="Name4">
+            <dgm:constrLst>
+              <dgm:constr type="l" for="ch" forName="hierFlow" refType="w" fact="0.02"/>
+              <dgm:constr type="t" for="ch" forName="hierFlow"/>
+              <dgm:constr type="r" for="ch" forName="hierFlow" refType="w" fact="0.7"/>
+              <dgm:constr type="b" for="ch" forName="hierFlow" refType="h" fact="0.98"/>
+              <dgm:constr type="l" for="ch" forName="bgShapesFlow"/>
+              <dgm:constr type="t" for="ch" forName="bgShapesFlow"/>
+              <dgm:constr type="r" for="ch" forName="bgShapesFlow" refType="w"/>
+              <dgm:constr type="b" for="ch" forName="bgShapesFlow" refType="h"/>
+              <dgm:constr type="w" for="des" forName="level1Shape" refType="w"/>
+              <dgm:constr type="h" for="des" forName="level1Shape" refType="w" refFor="des" refForName="level1Shape" fact="0.66667"/>
+              <dgm:constr type="w" for="des" forName="level2Shape" refType="w" refFor="des" refForName="level1Shape" op="equ"/>
+              <dgm:constr type="h" for="des" forName="level2Shape" refType="h" refFor="des" refForName="level1Shape" op="equ"/>
+              <dgm:constr type="sp" for="des" refType="h" refFor="des" refForName="level1Shape" op="equ" fact="0.4"/>
+              <dgm:constr type="sibSp" for="des" forName="hierChild1" refType="w" refFor="des" refForName="level1Shape" op="equ" fact="0.3"/>
+              <dgm:constr type="sibSp" for="des" forName="hierChild2" refType="sibSp" refFor="des" refForName="hierChild1" op="equ"/>
+              <dgm:constr type="sibSp" for="des" forName="hierChild3" refType="sibSp" refFor="des" refForName="hierChild1" op="equ"/>
+              <dgm:constr type="userA" for="des" refType="h" refFor="des" refForName="level1Shape" op="equ"/>
+              <dgm:constr type="userB" for="des" refType="sp" refFor="des" op="equ"/>
+              <dgm:constr type="h" for="des" forName="firstBuf" refType="h" refFor="des" refForName="level1Shape" fact="0.1"/>
+            </dgm:constrLst>
+          </dgm:else>
+        </dgm:choose>
+      </dgm:if>
+      <dgm:else name="Name5">
+        <dgm:constrLst>
+          <dgm:constr type="l" for="ch" forName="hierFlow"/>
+          <dgm:constr type="t" for="ch" forName="hierFlow"/>
+          <dgm:constr type="r" for="ch" forName="hierFlow" refType="w"/>
+          <dgm:constr type="b" for="ch" forName="hierFlow" refType="h"/>
+          <dgm:constr type="l" for="ch" forName="bgShapesFlow"/>
+          <dgm:constr type="t" for="ch" forName="bgShapesFlow"/>
+          <dgm:constr type="r" for="ch" forName="bgShapesFlow" refType="w"/>
+          <dgm:constr type="b" for="ch" forName="bgShapesFlow" refType="h"/>
+          <dgm:constr type="w" for="des" forName="level1Shape" refType="w"/>
+          <dgm:constr type="h" for="des" forName="level1Shape" refType="w" refFor="des" refForName="level1Shape" fact="0.66667"/>
+          <dgm:constr type="w" for="des" forName="level2Shape" refType="w" refFor="des" refForName="level1Shape" op="equ"/>
+          <dgm:constr type="h" for="des" forName="level2Shape" refType="h" refFor="des" refForName="level1Shape" op="equ"/>
+          <dgm:constr type="sp" for="des" refType="h" refFor="des" refForName="level1Shape" op="equ" fact="0.4"/>
+          <dgm:constr type="sibSp" for="des" forName="hierChild1" refType="w" refFor="des" refForName="level1Shape" op="equ" fact="0.3"/>
+          <dgm:constr type="sibSp" for="des" forName="hierChild2" refType="sibSp" refFor="des" refForName="hierChild1" op="equ"/>
+          <dgm:constr type="sibSp" for="des" forName="hierChild3" refType="sibSp" refFor="des" refForName="hierChild1" op="equ"/>
+          <dgm:constr type="userA" for="des" refType="h" refFor="des" refForName="level1Shape" op="equ"/>
+          <dgm:constr type="userB" for="des" refType="sp" refFor="des" op="equ"/>
+          <dgm:constr type="h" for="des" forName="firstBuf" refType="h" refFor="des" refForName="level1Shape" fact="0.1"/>
+        </dgm:constrLst>
+      </dgm:else>
+    </dgm:choose>
+    <dgm:ruleLst/>
+    <dgm:layoutNode name="hierFlow">
+      <dgm:alg type="lin">
+        <dgm:param type="linDir" val="fromT"/>
+        <dgm:param type="nodeVertAlign" val="t"/>
+        <dgm:param type="vertAlign" val="t"/>
+        <dgm:param type="nodeHorzAlign" val="ctr"/>
+        <dgm:param type="fallback" val="2D"/>
+      </dgm:alg>
+      <dgm:shape xmlns:r="http://schemas.openxmlformats.org/officeDocument/2006/relationships" r:blip="">
+        <dgm:adjLst/>
+      </dgm:shape>
+      <dgm:presOf/>
+      <dgm:constrLst/>
+      <dgm:ruleLst/>
+      <dgm:choose name="Name6">
+        <dgm:if name="Name7" axis="ch" ptType="node" func="cnt" op="gte" val="2">
+          <dgm:layoutNode name="firstBuf">
+            <dgm:alg type="sp"/>
+            <dgm:shape xmlns:r="http://schemas.openxmlformats.org/officeDocument/2006/relationships" r:blip="">
+              <dgm:adjLst/>
+            </dgm:shape>
+            <dgm:presOf/>
+            <dgm:constrLst/>
+            <dgm:ruleLst/>
+          </dgm:layoutNode>
+        </dgm:if>
+        <dgm:else name="Name8"/>
+      </dgm:choose>
+      <dgm:layoutNode name="hierChild1">
+        <dgm:varLst>
+          <dgm:chPref val="1"/>
+          <dgm:animOne val="branch"/>
+          <dgm:animLvl val="lvl"/>
+        </dgm:varLst>
+        <dgm:choose name="Name9">
+          <dgm:if name="Name10" func="var" arg="dir" op="equ" val="norm">
+            <dgm:alg type="hierChild">
+              <dgm:param type="linDir" val="fromL"/>
+              <dgm:param type="vertAlign" val="t"/>
+            </dgm:alg>
+          </dgm:if>
+          <dgm:else name="Name11">
+            <dgm:alg type="hierChild">
+              <dgm:param type="linDir" val="fromR"/>
+              <dgm:param type="vertAlign" val="t"/>
+            </dgm:alg>
+          </dgm:else>
+        </dgm:choose>
+        <dgm:shape xmlns:r="http://schemas.openxmlformats.org/officeDocument/2006/relationships" r:blip="">
+          <dgm:adjLst/>
+        </dgm:shape>
+        <dgm:presOf/>
+        <dgm:constrLst>
+          <dgm:constr type="primFontSz" for="des" ptType="node" op="equ"/>
+        </dgm:constrLst>
+        <dgm:ruleLst/>
+        <dgm:forEach name="Name12" axis="ch" cnt="3">
+          <dgm:forEach name="Name13" axis="self" ptType="node">
+            <dgm:layoutNode name="Name14">
+              <dgm:alg type="hierRoot"/>
+              <dgm:shape xmlns:r="http://schemas.openxmlformats.org/officeDocument/2006/relationships" r:blip="">
+                <dgm:adjLst/>
+              </dgm:shape>
+              <dgm:presOf/>
+              <dgm:constrLst/>
+              <dgm:ruleLst/>
+              <dgm:layoutNode name="level1Shape" styleLbl="node0">
+                <dgm:varLst>
+                  <dgm:chPref val="3"/>
+                </dgm:varLst>
+                <dgm:alg type="tx"/>
+                <dgm:shape xmlns:r="http://schemas.openxmlformats.org/officeDocument/2006/relationships" type="roundRect" r:blip="">
+                  <dgm:adjLst>
+                    <dgm:adj idx="1" val="0.1"/>
+                  </dgm:adjLst>
+                </dgm:shape>
+                <dgm:presOf axis="self"/>
+                <dgm:constrLst>
+                  <dgm:constr type="primFontSz" val="65"/>
+                  <dgm:constr type="tMarg" refType="primFontSz" fact="0.3"/>
+                  <dgm:constr type="bMarg" refType="primFontSz" fact="0.3"/>
+                  <dgm:constr type="lMarg" refType="primFontSz" fact="0.3"/>
+                  <dgm:constr type="rMarg" refType="primFontSz" fact="0.3"/>
+                </dgm:constrLst>
+                <dgm:ruleLst>
+                  <dgm:rule type="primFontSz" val="5" fact="NaN" max="NaN"/>
+                </dgm:ruleLst>
+              </dgm:layoutNode>
+              <dgm:layoutNode name="hierChild2">
+                <dgm:choose name="Name15">
+                  <dgm:if name="Name16" func="var" arg="dir" op="equ" val="norm">
+                    <dgm:alg type="hierChild">
+                      <dgm:param type="linDir" val="fromL"/>
+                    </dgm:alg>
+                  </dgm:if>
+                  <dgm:else name="Name17">
+                    <dgm:alg type="hierChild">
+                      <dgm:param type="linDir" val="fromR"/>
+                    </dgm:alg>
+                  </dgm:else>
+                </dgm:choose>
+                <dgm:shape xmlns:r="http://schemas.openxmlformats.org/officeDocument/2006/relationships" r:blip="">
+                  <dgm:adjLst/>
+                </dgm:shape>
+                <dgm:presOf/>
+                <dgm:constrLst/>
+                <dgm:ruleLst/>
+                <dgm:forEach name="repeat" axis="ch">
+                  <dgm:forEach name="Name18" axis="self" ptType="parTrans" cnt="1">
+                    <dgm:layoutNode name="Name19">
+                      <dgm:alg type="conn">
+                        <dgm:param type="dim" val="1D"/>
+                        <dgm:param type="endSty" val="noArr"/>
+                        <dgm:param type="connRout" val="bend"/>
+                        <dgm:param type="begPts" val="bCtr"/>
+                        <dgm:param type="endPts" val="tCtr"/>
+                      </dgm:alg>
+                      <dgm:shape xmlns:r="http://schemas.openxmlformats.org/officeDocument/2006/relationships" type="conn" r:blip="">
+                        <dgm:adjLst/>
+                      </dgm:shape>
+                      <dgm:presOf axis="self"/>
+                      <dgm:constrLst>
+                        <dgm:constr type="w" val="1"/>
+                        <dgm:constr type="h" val="1"/>
+                        <dgm:constr type="begPad"/>
+                        <dgm:constr type="endPad"/>
+                      </dgm:constrLst>
+                      <dgm:ruleLst/>
+                    </dgm:layoutNode>
+                  </dgm:forEach>
+                  <dgm:forEach name="Name20" axis="self" ptType="node">
+                    <dgm:layoutNode name="Name21">
+                      <dgm:alg type="hierRoot"/>
+                      <dgm:shape xmlns:r="http://schemas.openxmlformats.org/officeDocument/2006/relationships" r:blip="">
+                        <dgm:adjLst/>
+                      </dgm:shape>
+                      <dgm:presOf/>
+                      <dgm:constrLst/>
+                      <dgm:ruleLst/>
+                      <dgm:layoutNode name="level2Shape">
+                        <dgm:alg type="tx"/>
+                        <dgm:shape xmlns:r="http://schemas.openxmlformats.org/officeDocument/2006/relationships" type="roundRect" r:blip="">
+                          <dgm:adjLst>
+                            <dgm:adj idx="1" val="0.1"/>
+                          </dgm:adjLst>
+                        </dgm:shape>
+                        <dgm:presOf axis="self"/>
+                        <dgm:constrLst>
+                          <dgm:constr type="primFontSz" val="65"/>
+                          <dgm:constr type="tMarg" refType="primFontSz" fact="0.3"/>
+                          <dgm:constr type="bMarg" refType="primFontSz" fact="0.3"/>
+                          <dgm:constr type="lMarg" refType="primFontSz" fact="0.3"/>
+                          <dgm:constr type="rMarg" refType="primFontSz" fact="0.3"/>
+                        </dgm:constrLst>
+                        <dgm:ruleLst>
+                          <dgm:rule type="primFontSz" val="5" fact="NaN" max="NaN"/>
+                        </dgm:ruleLst>
+                      </dgm:layoutNode>
+                      <dgm:layoutNode name="hierChild3">
+                        <dgm:choose name="Name22">
+                          <dgm:if name="Name23" func="var" arg="dir" op="equ" val="norm">
+                            <dgm:alg type="hierChild">
+                              <dgm:param type="linDir" val="fromL"/>
+                            </dgm:alg>
+                          </dgm:if>
+                          <dgm:else name="Name24">
+                            <dgm:alg type="hierChild">
+                              <dgm:param type="linDir" val="fromR"/>
+                            </dgm:alg>
+                          </dgm:else>
+                        </dgm:choose>
+                        <dgm:shape xmlns:r="http://schemas.openxmlformats.org/officeDocument/2006/relationships" r:blip="">
+                          <dgm:adjLst/>
+                        </dgm:shape>
+                        <dgm:presOf/>
+                        <dgm:constrLst/>
+                        <dgm:ruleLst/>
+                        <dgm:forEach name="Name25" ref="repeat"/>
+                      </dgm:layoutNode>
+                    </dgm:layoutNode>
+                  </dgm:forEach>
+                </dgm:forEach>
+              </dgm:layoutNode>
+            </dgm:layoutNode>
+          </dgm:forEach>
+        </dgm:forEach>
+      </dgm:layoutNode>
+    </dgm:layoutNode>
+    <dgm:layoutNode name="bgShapesFlow">
+      <dgm:alg type="lin">
+        <dgm:param type="linDir" val="fromT"/>
+        <dgm:param type="nodeVertAlign" val="t"/>
+        <dgm:param type="vertAlign" val="t"/>
+        <dgm:param type="nodeHorzAlign" val="ctr"/>
+      </dgm:alg>
+      <dgm:shape xmlns:r="http://schemas.openxmlformats.org/officeDocument/2006/relationships" r:blip="">
+        <dgm:adjLst/>
+      </dgm:shape>
+      <dgm:presOf/>
+      <dgm:constrLst>
+        <dgm:constr type="userB"/>
+        <dgm:constr type="w" for="ch" forName="rectComp" refType="w"/>
+        <dgm:constr type="h" for="ch" forName="rectComp" refType="h"/>
+        <dgm:constr type="w" for="des" forName="bgRect" refType="w"/>
+        <dgm:constr type="primFontSz" for="des" forName="bgRectTx" op="equ"/>
+      </dgm:constrLst>
+      <dgm:ruleLst/>
+      <dgm:forEach name="Name26" axis="ch" ptType="node" st="2">
+        <dgm:layoutNode name="rectComp">
+          <dgm:alg type="composite">
+            <dgm:param type="vertAlign" val="t"/>
+            <dgm:param type="horzAlign" val="ctr"/>
+          </dgm:alg>
+          <dgm:shape xmlns:r="http://schemas.openxmlformats.org/officeDocument/2006/relationships" r:blip="">
+            <dgm:adjLst/>
+          </dgm:shape>
+          <dgm:presOf/>
+          <dgm:choose name="Name27">
+            <dgm:if name="Name28" func="var" arg="dir" op="equ" val="norm">
+              <dgm:constrLst>
+                <dgm:constr type="userA"/>
+                <dgm:constr type="l" for="ch" forName="bgRect"/>
+                <dgm:constr type="t" for="ch" forName="bgRect"/>
+                <dgm:constr type="h" for="ch" forName="bgRect" refType="userA" fact="1.2"/>
+                <dgm:constr type="l" for="ch" forName="bgRectTx"/>
+                <dgm:constr type="t" for="ch" forName="bgRectTx"/>
+                <dgm:constr type="w" for="ch" forName="bgRectTx" refType="w" refFor="ch" refForName="bgRect" fact="0.3"/>
+                <dgm:constr type="h" for="ch" forName="bgRectTx" refType="h" refFor="ch" refForName="bgRect" op="equ"/>
+              </dgm:constrLst>
+            </dgm:if>
+            <dgm:else name="Name29">
+              <dgm:constrLst>
+                <dgm:constr type="userA"/>
+                <dgm:constr type="l" for="ch" forName="bgRect"/>
+                <dgm:constr type="t" for="ch" forName="bgRect"/>
+                <dgm:constr type="h" for="ch" forName="bgRect" refType="userA" fact="1.2"/>
+                <dgm:constr type="r" for="ch" forName="bgRectTx" refType="w"/>
+                <dgm:constr type="t" for="ch" forName="bgRectTx"/>
+                <dgm:constr type="w" for="ch" forName="bgRectTx" refType="w" refFor="ch" refForName="bgRect" fact="0.3"/>
+                <dgm:constr type="h" for="ch" forName="bgRectTx" refType="h" refFor="ch" refForName="bgRect" op="equ"/>
+              </dgm:constrLst>
+            </dgm:else>
+          </dgm:choose>
+          <dgm:ruleLst/>
+          <dgm:layoutNode name="bgRect" styleLbl="bgShp">
+            <dgm:alg type="sp"/>
+            <dgm:shape xmlns:r="http://schemas.openxmlformats.org/officeDocument/2006/relationships" type="roundRect" r:blip="" zOrderOff="-999">
+              <dgm:adjLst>
+                <dgm:adj idx="1" val="0.1"/>
+              </dgm:adjLst>
+            </dgm:shape>
+            <dgm:presOf axis="desOrSelf" ptType="node"/>
+            <dgm:constrLst/>
+            <dgm:ruleLst/>
+          </dgm:layoutNode>
+          <dgm:layoutNode name="bgRectTx" styleLbl="bgShp">
+            <dgm:varLst>
+              <dgm:bulletEnabled val="1"/>
+            </dgm:varLst>
+            <dgm:alg type="tx"/>
+            <dgm:presOf axis="desOrSelf" ptType="node"/>
+            <dgm:shape xmlns:r="http://schemas.openxmlformats.org/officeDocument/2006/relationships" type="rect" r:blip="" zOrderOff="-999" hideGeom="1">
+              <dgm:adjLst/>
+            </dgm:shape>
+            <dgm:constrLst>
+              <dgm:constr type="primFontSz" val="65"/>
+            </dgm:constrLst>
+            <dgm:ruleLst>
+              <dgm:rule type="primFontSz" val="5" fact="NaN" max="NaN"/>
+            </dgm:ruleLst>
+          </dgm:layoutNode>
+        </dgm:layoutNode>
+        <dgm:choose name="Name30">
+          <dgm:if name="Name31" axis="self" ptType="node" func="revPos" op="gte" val="2">
+            <dgm:layoutNode name="spComp">
+              <dgm:alg type="composite">
+                <dgm:param type="vertAlign" val="t"/>
+                <dgm:param type="horzAlign" val="ctr"/>
+              </dgm:alg>
+              <dgm:shape xmlns:r="http://schemas.openxmlformats.org/officeDocument/2006/relationships" r:blip="">
+                <dgm:adjLst/>
+              </dgm:shape>
+              <dgm:presOf/>
+              <dgm:constrLst>
+                <dgm:constr type="userA"/>
+                <dgm:constr type="userB"/>
+                <dgm:constr type="l" for="ch" forName="vSp"/>
+                <dgm:constr type="t" for="ch" forName="vSp"/>
+                <dgm:constr type="h" for="ch" forName="vSp" refType="userB"/>
+                <dgm:constr type="hOff" for="ch" forName="vSp" refType="userA" fact="-0.2"/>
+              </dgm:constrLst>
+              <dgm:ruleLst/>
+              <dgm:layoutNode name="vSp">
+                <dgm:alg type="sp"/>
+                <dgm:shape xmlns:r="http://schemas.openxmlformats.org/officeDocument/2006/relationships" r:blip="">
+                  <dgm:adjLst/>
+                </dgm:shape>
+                <dgm:presOf/>
+                <dgm:constrLst/>
+                <dgm:ruleLst/>
+              </dgm:layoutNode>
+            </dgm:layoutNode>
+          </dgm:if>
+          <dgm:else name="Name32"/>
+        </dgm:choose>
+      </dgm:forEach>
+    </dgm:layoutNode>
+  </dgm:layoutNode>
+</dgm:layoutDef>
+</file>
+
+<file path=ppt/diagrams/quickStyle1.xml><?xml version="1.0" encoding="utf-8"?>
+<dgm:styleDef xmlns:dgm="http://schemas.openxmlformats.org/drawingml/2006/diagram" xmlns:a="http://schemas.openxmlformats.org/drawingml/2006/main" uniqueId="urn:microsoft.com/office/officeart/2005/8/quickstyle/simple2">
+  <dgm:title val=""/>
+  <dgm:desc val=""/>
+  <dgm:catLst>
+    <dgm:cat type="simple" pri="10200"/>
+  </dgm:catLst>
+  <dgm:scene3d>
+    <a:camera prst="orthographicFront"/>
+    <a:lightRig rig="threePt" dir="t"/>
+  </dgm:scene3d>
+  <dgm:styleLbl name="node0">
+    <dgm:scene3d>
+      <a:camera prst="orthographicFront"/>
+      <a:lightRig rig="threePt" dir="t"/>
+    </dgm:scene3d>
+    <dgm:sp3d/>
+    <dgm:txPr/>
+    <dgm:style>
+      <a:lnRef idx="3">
+        <a:scrgbClr r="0" g="0" b="0"/>
+      </a:lnRef>
+      <a:fillRef idx="1">
+        <a:scrgbClr r="0" g="0" b="0"/>
+      </a:fillRef>
+      <a:effectRef idx="1">
+        <a:scrgbClr r="0" g="0" b="0"/>
+      </a:effectRef>
+      <a:fontRef idx="minor">
+        <a:schemeClr val="lt1"/>
+      </a:fontRef>
+    </dgm:style>
+  </dgm:styleLbl>
+  <dgm:styleLbl name="lnNode1">
+    <dgm:scene3d>
+      <a:camera prst="orthographicFront"/>
+      <a:lightRig rig="threePt" dir="t"/>
+    </dgm:scene3d>
+    <dgm:sp3d/>
+    <dgm:txPr/>
+    <dgm:style>
+      <a:lnRef idx="3">
+        <a:scrgbClr r="0" g="0" b="0"/>
+      </a:lnRef>
+      <a:fillRef idx="1">
+        <a:scrgbClr r="0" g="0" b="0"/>
+      </a:fillRef>
+      <a:effectRef idx="1">
+        <a:scrgbClr r="0" g="0" b="0"/>
+      </a:effectRef>
+      <a:fontRef idx="minor">
+        <a:schemeClr val="lt1"/>
+      </a:fontRef>
+    </dgm:style>
+  </dgm:styleLbl>
+  <dgm:styleLbl name="vennNode1">
+    <dgm:scene3d>
+      <a:camera prst="orthographicFront"/>
+      <a:lightRig rig="threePt" dir="t"/>
+    </dgm:scene3d>
+    <dgm:sp3d/>
+    <dgm:txPr/>
+    <dgm:style>
+      <a:lnRef idx="3">
+        <a:scrgbClr r="0" g="0" b="0"/>
+      </a:lnRef>
+      <a:fillRef idx="1">
+        <a:scrgbClr r="0" g="0" b="0"/>
+      </a:fillRef>
+      <a:effectRef idx="0">
+        <a:scrgbClr r="0" g="0" b="0"/>
+      </a:effectRef>
+      <a:fontRef idx="minor">
+        <a:schemeClr val="tx1"/>
+      </a:fontRef>
+    </dgm:style>
+  </dgm:styleLbl>
+  <dgm:styleLbl name="alignNode1">
+    <dgm:scene3d>
+      <a:camera prst="orthographicFront"/>
+      <a:lightRig rig="threePt" dir="t"/>
+    </dgm:scene3d>
+    <dgm:sp3d/>
+    <dgm:txPr/>
+    <dgm:style>
+      <a:lnRef idx="2">
+        <a:scrgbClr r="0" g="0" b="0"/>
+      </a:lnRef>
+      <a:fillRef idx="1">
+        <a:scrgbClr r="0" g="0" b="0"/>
+      </a:fillRef>
+      <a:effectRef idx="1">
+        <a:scrgbClr r="0" g="0" b="0"/>
+      </a:effectRef>
+      <a:fontRef idx="minor">
+        <a:schemeClr val="lt1"/>
+      </a:fontRef>
+    </dgm:style>
+  </dgm:styleLbl>
+  <dgm:styleLbl name="node1">
+    <dgm:scene3d>
+      <a:camera prst="orthographicFront"/>
+      <a:lightRig rig="threePt" dir="t"/>
+    </dgm:scene3d>
+    <dgm:sp3d/>
+    <dgm:txPr/>
+    <dgm:style>
+      <a:lnRef idx="3">
+        <a:scrgbClr r="0" g="0" b="0"/>
+      </a:lnRef>
+      <a:fillRef idx="1">
+        <a:scrgbClr r="0" g="0" b="0"/>
+      </a:fillRef>
+      <a:effectRef idx="1">
+        <a:scrgbClr r="0" g="0" b="0"/>
+      </a:effectRef>
+      <a:fontRef idx="minor">
+        <a:schemeClr val="lt1"/>
+      </a:fontRef>
+    </dgm:style>
+  </dgm:styleLbl>
+  <dgm:styleLbl name="node2">
+    <dgm:scene3d>
+      <a:camera prst="orthographicFront"/>
+      <a:lightRig rig="threePt" dir="t"/>
+    </dgm:scene3d>
+    <dgm:sp3d/>
+    <dgm:txPr/>
+    <dgm:style>
+      <a:lnRef idx="3">
+        <a:scrgbClr r="0" g="0" b="0"/>
+      </a:lnRef>
+      <a:fillRef idx="1">
+        <a:scrgbClr r="0" g="0" b="0"/>
+      </a:fillRef>
+      <a:effectRef idx="1">
+        <a:scrgbClr r="0" g="0" b="0"/>
+      </a:effectRef>
+      <a:fontRef idx="minor">
+        <a:schemeClr val="lt1"/>
+      </a:fontRef>
+    </dgm:style>
+  </dgm:styleLbl>
+  <dgm:styleLbl name="node3">
+    <dgm:scene3d>
+      <a:camera prst="orthographicFront"/>
+      <a:lightRig rig="threePt" dir="t"/>
+    </dgm:scene3d>
+    <dgm:sp3d/>
+    <dgm:txPr/>
+    <dgm:style>
+      <a:lnRef idx="3">
+        <a:scrgbClr r="0" g="0" b="0"/>
+      </a:lnRef>
+      <a:fillRef idx="1">
+        <a:scrgbClr r="0" g="0" b="0"/>
+      </a:fillRef>
+      <a:effectRef idx="1">
+        <a:scrgbClr r="0" g="0" b="0"/>
+      </a:effectRef>
+      <a:fontRef idx="minor">
+        <a:schemeClr val="lt1"/>
+      </a:fontRef>
+    </dgm:style>
+  </dgm:styleLbl>
+  <dgm:styleLbl name="node4">
+    <dgm:scene3d>
+      <a:camera prst="orthographicFront"/>
+      <a:lightRig rig="threePt" dir="t"/>
+    </dgm:scene3d>
+    <dgm:sp3d/>
+    <dgm:txPr/>
+    <dgm:style>
+      <a:lnRef idx="3">
+        <a:scrgbClr r="0" g="0" b="0"/>
+      </a:lnRef>
+      <a:fillRef idx="1">
+        <a:scrgbClr r="0" g="0" b="0"/>
+      </a:fillRef>
+      <a:effectRef idx="1">
+        <a:scrgbClr r="0" g="0" b="0"/>
+      </a:effectRef>
+      <a:fontRef idx="minor">
+        <a:schemeClr val="lt1"/>
+      </a:fontRef>
+    </dgm:style>
+  </dgm:styleLbl>
+  <dgm:styleLbl name="fgImgPlace1">
+    <dgm:scene3d>
+      <a:camera prst="orthographicFront"/>
+      <a:lightRig rig="threePt" dir="t"/>
+    </dgm:scene3d>
+    <dgm:sp3d/>
+    <dgm:txPr/>
+    <dgm:style>
+      <a:lnRef idx="3">
+        <a:scrgbClr r="0" g="0" b="0"/>
+      </a:lnRef>
+      <a:fillRef idx="1">
+        <a:scrgbClr r="0" g="0" b="0"/>
+      </a:fillRef>
+      <a:effectRef idx="1">
+        <a:scrgbClr r="0" g="0" b="0"/>
+      </a:effectRef>
+      <a:fontRef idx="minor"/>
+    </dgm:style>
+  </dgm:styleLbl>
+  <dgm:styleLbl name="alignImgPlace1">
+    <dgm:scene3d>
+      <a:camera prst="orthographicFront"/>
+      <a:lightRig rig="threePt" dir="t"/>
+    </dgm:scene3d>
+    <dgm:sp3d/>
+    <dgm:txPr/>
+    <dgm:style>
+      <a:lnRef idx="3">
+        <a:scrgbClr r="0" g="0" b="0"/>
+      </a:lnRef>
+      <a:fillRef idx="1">
+        <a:scrgbClr r="0" g="0" b="0"/>
+      </a:fillRef>
+      <a:effectRef idx="1">
+        <a:scrgbClr r="0" g="0" b="0"/>
+      </a:effectRef>
+      <a:fontRef idx="minor"/>
+    </dgm:style>
+  </dgm:styleLbl>
+  <dgm:styleLbl name="bgImgPlace1">
+    <dgm:scene3d>
+      <a:camera prst="orthographicFront"/>
+      <a:lightRig rig="threePt" dir="t"/>
+    </dgm:scene3d>
+    <dgm:sp3d/>
+    <dgm:txPr/>
+    <dgm:style>
+      <a:lnRef idx="3">
+        <a:scrgbClr r="0" g="0" b="0"/>
+      </a:lnRef>
+      <a:fillRef idx="1">
+        <a:scrgbClr r="0" g="0" b="0"/>
+      </a:fillRef>
+      <a:effectRef idx="1">
+        <a:scrgbClr r="0" g="0" b="0"/>
+      </a:effectRef>
+      <a:fontRef idx="minor"/>
+    </dgm:style>
+  </dgm:styleLbl>
+  <dgm:styleLbl name="sibTrans2D1">
+    <dgm:scene3d>
+      <a:camera prst="orthographicFront"/>
+      <a:lightRig rig="threePt" dir="t"/>
+    </dgm:scene3d>
+    <dgm:sp3d/>
+    <dgm:txPr/>
+    <dgm:style>
+      <a:lnRef idx="0">
+        <a:scrgbClr r="0" g="0" b="0"/>
+      </a:lnRef>
+      <a:fillRef idx="1">
+        <a:scrgbClr r="0" g="0" b="0"/>
+      </a:fillRef>
+      <a:effectRef idx="1">
+        <a:scrgbClr r="0" g="0" b="0"/>
+      </a:effectRef>
+      <a:fontRef idx="minor">
+        <a:schemeClr val="lt1"/>
+      </a:fontRef>
+    </dgm:style>
+  </dgm:styleLbl>
+  <dgm:styleLbl name="fgSibTrans2D1">
+    <dgm:scene3d>
+      <a:camera prst="orthographicFront"/>
+      <a:lightRig rig="threePt" dir="t"/>
+    </dgm:scene3d>
+    <dgm:sp3d/>
+    <dgm:txPr/>
+    <dgm:style>
+      <a:lnRef idx="0">
+        <a:scrgbClr r="0" g="0" b="0"/>
+      </a:lnRef>
+      <a:fillRef idx="1">
+        <a:scrgbClr r="0" g="0" b="0"/>
+      </a:fillRef>
+      <a:effectRef idx="1">
+        <a:scrgbClr r="0" g="0" b="0"/>
+      </a:effectRef>
+      <a:fontRef idx="minor">
+        <a:schemeClr val="lt1"/>
+      </a:fontRef>
+    </dgm:style>
+  </dgm:styleLbl>
+  <dgm:styleLbl name="bgSibTrans2D1">
+    <dgm:scene3d>
+      <a:camera prst="orthographicFront"/>
+      <a:lightRig rig="threePt" dir="t"/>
+    </dgm:scene3d>
+    <dgm:sp3d/>
+    <dgm:txPr/>
+    <dgm:style>
+      <a:lnRef idx="0">
+        <a:scrgbClr r="0" g="0" b="0"/>
+      </a:lnRef>
+      <a:fillRef idx="1">
+        <a:scrgbClr r="0" g="0" b="0"/>
+      </a:fillRef>
+      <a:effectRef idx="1">
+        <a:scrgbClr r="0" g="0" b="0"/>
+      </a:effectRef>
+      <a:fontRef idx="minor">
+        <a:schemeClr val="lt1"/>
+      </a:fontRef>
+    </dgm:style>
+  </dgm:styleLbl>
+  <dgm:styleLbl name="sibTrans1D1">
+    <dgm:scene3d>
+      <a:camera prst="orthographicFront"/>
+      <a:lightRig rig="threePt" dir="t"/>
+    </dgm:scene3d>
+    <dgm:sp3d/>
+    <dgm:txPr/>
+    <dgm:style>
+      <a:lnRef idx="1">
+        <a:scrgbClr r="0" g="0" b="0"/>
+      </a:lnRef>
+      <a:fillRef idx="0">
+        <a:scrgbClr r="0" g="0" b="0"/>
+      </a:fillRef>
+      <a:effectRef idx="0">
+        <a:scrgbClr r="0" g="0" b="0"/>
+      </a:effectRef>
+      <a:fontRef idx="minor"/>
+    </dgm:style>
+  </dgm:styleLbl>
+  <dgm:styleLbl name="callout">
+    <dgm:scene3d>
+      <a:camera prst="orthographicFront"/>
+      <a:lightRig rig="threePt" dir="t"/>
+    </dgm:scene3d>
+    <dgm:sp3d/>
+    <dgm:txPr/>
+    <dgm:style>
+      <a:lnRef idx="2">
+        <a:scrgbClr r="0" g="0" b="0"/>
+      </a:lnRef>
+      <a:fillRef idx="1">
+        <a:scrgbClr r="0" g="0" b="0"/>
+      </a:fillRef>
+      <a:effectRef idx="1">
+        <a:scrgbClr r="0" g="0" b="0"/>
+      </a:effectRef>
+      <a:fontRef idx="minor"/>
+    </dgm:style>
+  </dgm:styleLbl>
+  <dgm:styleLbl name="asst0">
+    <dgm:scene3d>
+      <a:camera prst="orthographicFront"/>
+      <a:lightRig rig="threePt" dir="t"/>
+    </dgm:scene3d>
+    <dgm:sp3d/>
+    <dgm:txPr/>
+    <dgm:style>
+      <a:lnRef idx="3">
+        <a:scrgbClr r="0" g="0" b="0"/>
+      </a:lnRef>
+      <a:fillRef idx="1">
+        <a:scrgbClr r="0" g="0" b="0"/>
+      </a:fillRef>
+      <a:effectRef idx="1">
+        <a:scrgbClr r="0" g="0" b="0"/>
+      </a:effectRef>
+      <a:fontRef idx="minor">
+        <a:schemeClr val="lt1"/>
+      </a:fontRef>
+    </dgm:style>
+  </dgm:styleLbl>
+  <dgm:styleLbl name="asst1">
+    <dgm:scene3d>
+      <a:camera prst="orthographicFront"/>
+      <a:lightRig rig="threePt" dir="t"/>
+    </dgm:scene3d>
+    <dgm:sp3d/>
+    <dgm:txPr/>
+    <dgm:style>
+      <a:lnRef idx="3">
+        <a:scrgbClr r="0" g="0" b="0"/>
+      </a:lnRef>
+      <a:fillRef idx="1">
+        <a:scrgbClr r="0" g="0" b="0"/>
+      </a:fillRef>
+      <a:effectRef idx="1">
+        <a:scrgbClr r="0" g="0" b="0"/>
+      </a:effectRef>
+      <a:fontRef idx="minor">
+        <a:schemeClr val="lt1"/>
+      </a:fontRef>
+    </dgm:style>
+  </dgm:styleLbl>
+  <dgm:styleLbl name="asst2">
+    <dgm:scene3d>
+      <a:camera prst="orthographicFront"/>
+      <a:lightRig rig="threePt" dir="t"/>
+    </dgm:scene3d>
+    <dgm:sp3d/>
+    <dgm:txPr/>
+    <dgm:style>
+      <a:lnRef idx="3">
+        <a:scrgbClr r="0" g="0" b="0"/>
+      </a:lnRef>
+      <a:fillRef idx="1">
+        <a:scrgbClr r="0" g="0" b="0"/>
+      </a:fillRef>
+      <a:effectRef idx="1">
+        <a:scrgbClr r="0" g="0" b="0"/>
+      </a:effectRef>
+      <a:fontRef idx="minor">
+        <a:schemeClr val="lt1"/>
+      </a:fontRef>
+    </dgm:style>
+  </dgm:styleLbl>
+  <dgm:styleLbl name="asst3">
+    <dgm:scene3d>
+      <a:camera prst="orthographicFront"/>
+      <a:lightRig rig="threePt" dir="t"/>
+    </dgm:scene3d>
+    <dgm:sp3d/>
+    <dgm:txPr/>
+    <dgm:style>
+      <a:lnRef idx="3">
+        <a:scrgbClr r="0" g="0" b="0"/>
+      </a:lnRef>
+      <a:fillRef idx="1">
+        <a:scrgbClr r="0" g="0" b="0"/>
+      </a:fillRef>
+      <a:effectRef idx="1">
+        <a:scrgbClr r="0" g="0" b="0"/>
+      </a:effectRef>
+      <a:fontRef idx="minor">
+        <a:schemeClr val="lt1"/>
+      </a:fontRef>
+    </dgm:style>
+  </dgm:styleLbl>
+  <dgm:styleLbl name="asst4">
+    <dgm:scene3d>
+      <a:camera prst="orthographicFront"/>
+      <a:lightRig rig="threePt" dir="t"/>
+    </dgm:scene3d>
+    <dgm:sp3d/>
+    <dgm:txPr/>
+    <dgm:style>
+      <a:lnRef idx="3">
+        <a:scrgbClr r="0" g="0" b="0"/>
+      </a:lnRef>
+      <a:fillRef idx="1">
+        <a:scrgbClr r="0" g="0" b="0"/>
+      </a:fillRef>
+      <a:effectRef idx="1">
+        <a:scrgbClr r="0" g="0" b="0"/>
+      </a:effectRef>
+      <a:fontRef idx="minor">
+        <a:schemeClr val="lt1"/>
+      </a:fontRef>
+    </dgm:style>
+  </dgm:styleLbl>
+  <dgm:styleLbl name="parChTrans2D1">
+    <dgm:scene3d>
+      <a:camera prst="orthographicFront"/>
+      <a:lightRig rig="threePt" dir="t"/>
+    </dgm:scene3d>
+    <dgm:sp3d/>
+    <dgm:txPr/>
+    <dgm:style>
+      <a:lnRef idx="3">
+        <a:scrgbClr r="0" g="0" b="0"/>
+      </a:lnRef>
+      <a:fillRef idx="1">
+        <a:scrgbClr r="0" g="0" b="0"/>
+      </a:fillRef>
+      <a:effectRef idx="1">
+        <a:scrgbClr r="0" g="0" b="0"/>
+      </a:effectRef>
+      <a:fontRef idx="minor">
+        <a:schemeClr val="lt1"/>
+      </a:fontRef>
+    </dgm:style>
+  </dgm:styleLbl>
+  <dgm:styleLbl name="parChTrans2D2">
+    <dgm:scene3d>
+      <a:camera prst="orthographicFront"/>
+      <a:lightRig rig="threePt" dir="t"/>
+    </dgm:scene3d>
+    <dgm:sp3d/>
+    <dgm:txPr/>
+    <dgm:style>
+      <a:lnRef idx="3">
+        <a:scrgbClr r="0" g="0" b="0"/>
+      </a:lnRef>
+      <a:fillRef idx="1">
+        <a:scrgbClr r="0" g="0" b="0"/>
+      </a:fillRef>
+      <a:effectRef idx="1">
+        <a:scrgbClr r="0" g="0" b="0"/>
+      </a:effectRef>
+      <a:fontRef idx="minor">
+        <a:schemeClr val="lt1"/>
+      </a:fontRef>
+    </dgm:style>
+  </dgm:styleLbl>
+  <dgm:styleLbl name="parChTrans2D3">
+    <dgm:scene3d>
+      <a:camera prst="orthographicFront"/>
+      <a:lightRig rig="threePt" dir="t"/>
+    </dgm:scene3d>
+    <dgm:sp3d/>
+    <dgm:txPr/>
+    <dgm:style>
+      <a:lnRef idx="3">
+        <a:scrgbClr r="0" g="0" b="0"/>
+      </a:lnRef>
+      <a:fillRef idx="1">
+        <a:scrgbClr r="0" g="0" b="0"/>
+      </a:fillRef>
+      <a:effectRef idx="1">
+        <a:scrgbClr r="0" g="0" b="0"/>
+      </a:effectRef>
+      <a:fontRef idx="minor">
+        <a:schemeClr val="lt1"/>
+      </a:fontRef>
+    </dgm:style>
+  </dgm:styleLbl>
+  <dgm:styleLbl name="parChTrans2D4">
+    <dgm:scene3d>
+      <a:camera prst="orthographicFront"/>
+      <a:lightRig rig="threePt" dir="t"/>
+    </dgm:scene3d>
+    <dgm:sp3d/>
+    <dgm:txPr/>
+    <dgm:style>
+      <a:lnRef idx="3">
+        <a:scrgbClr r="0" g="0" b="0"/>
+      </a:lnRef>
+      <a:fillRef idx="1">
+        <a:scrgbClr r="0" g="0" b="0"/>
+      </a:fillRef>
+      <a:effectRef idx="1">
+        <a:scrgbClr r="0" g="0" b="0"/>
+      </a:effectRef>
+      <a:fontRef idx="minor">
+        <a:schemeClr val="lt1"/>
+      </a:fontRef>
+    </dgm:style>
+  </dgm:styleLbl>
+  <dgm:styleLbl name="parChTrans1D1">
+    <dgm:scene3d>
+      <a:camera prst="orthographicFront"/>
+      <a:lightRig rig="threePt" dir="t"/>
+    </dgm:scene3d>
+    <dgm:sp3d/>
+    <dgm:txPr/>
+    <dgm:style>
+      <a:lnRef idx="2">
+        <a:scrgbClr r="0" g="0" b="0"/>
+      </a:lnRef>
+      <a:fillRef idx="0">
+        <a:scrgbClr r="0" g="0" b="0"/>
+      </a:fillRef>
+      <a:effectRef idx="0">
+        <a:scrgbClr r="0" g="0" b="0"/>
+      </a:effectRef>
+      <a:fontRef idx="minor"/>
+    </dgm:style>
+  </dgm:styleLbl>
+  <dgm:styleLbl name="parChTrans1D2">
+    <dgm:scene3d>
+      <a:camera prst="orthographicFront"/>
+      <a:lightRig rig="threePt" dir="t"/>
+    </dgm:scene3d>
+    <dgm:sp3d/>
+    <dgm:txPr/>
+    <dgm:style>
+      <a:lnRef idx="2">
+        <a:scrgbClr r="0" g="0" b="0"/>
+      </a:lnRef>
+      <a:fillRef idx="0">
+        <a:scrgbClr r="0" g="0" b="0"/>
+      </a:fillRef>
+      <a:effectRef idx="0">
+        <a:scrgbClr r="0" g="0" b="0"/>
+      </a:effectRef>
+      <a:fontRef idx="minor"/>
+    </dgm:style>
+  </dgm:styleLbl>
+  <dgm:styleLbl name="parChTrans1D3">
+    <dgm:scene3d>
+      <a:camera prst="orthographicFront"/>
+      <a:lightRig rig="threePt" dir="t"/>
+    </dgm:scene3d>
+    <dgm:sp3d/>
+    <dgm:txPr/>
+    <dgm:style>
+      <a:lnRef idx="2">
+        <a:scrgbClr r="0" g="0" b="0"/>
+      </a:lnRef>
+      <a:fillRef idx="0">
+        <a:scrgbClr r="0" g="0" b="0"/>
+      </a:fillRef>
+      <a:effectRef idx="0">
+        <a:scrgbClr r="0" g="0" b="0"/>
+      </a:effectRef>
+      <a:fontRef idx="minor"/>
+    </dgm:style>
+  </dgm:styleLbl>
+  <dgm:styleLbl name="parChTrans1D4">
+    <dgm:scene3d>
+      <a:camera prst="orthographicFront"/>
+      <a:lightRig rig="threePt" dir="t"/>
+    </dgm:scene3d>
+    <dgm:sp3d/>
+    <dgm:txPr/>
+    <dgm:style>
+      <a:lnRef idx="2">
+        <a:scrgbClr r="0" g="0" b="0"/>
+      </a:lnRef>
+      <a:fillRef idx="0">
+        <a:scrgbClr r="0" g="0" b="0"/>
+      </a:fillRef>
+      <a:effectRef idx="0">
+        <a:scrgbClr r="0" g="0" b="0"/>
+      </a:effectRef>
+      <a:fontRef idx="minor"/>
+    </dgm:style>
+  </dgm:styleLbl>
+  <dgm:styleLbl name="fgAcc1">
+    <dgm:scene3d>
+      <a:camera prst="orthographicFront"/>
+      <a:lightRig rig="threePt" dir="t"/>
+    </dgm:scene3d>
+    <dgm:sp3d/>
+    <dgm:txPr/>
+    <dgm:style>
+      <a:lnRef idx="2">
+        <a:scrgbClr r="0" g="0" b="0"/>
+      </a:lnRef>
+      <a:fillRef idx="1">
+        <a:scrgbClr r="0" g="0" b="0"/>
+      </a:fillRef>
+      <a:effectRef idx="0">
+        <a:scrgbClr r="0" g="0" b="0"/>
+      </a:effectRef>
+      <a:fontRef idx="minor"/>
+    </dgm:style>
+  </dgm:styleLbl>
+  <dgm:styleLbl name="conFgAcc1">
+    <dgm:scene3d>
+      <a:camera prst="orthographicFront"/>
+      <a:lightRig rig="threePt" dir="t"/>
+    </dgm:scene3d>
+    <dgm:sp3d/>
+    <dgm:txPr/>
+    <dgm:style>
+      <a:lnRef idx="2">
+        <a:scrgbClr r="0" g="0" b="0"/>
+      </a:lnRef>
+      <a:fillRef idx="1">
+        <a:scrgbClr r="0" g="0" b="0"/>
+      </a:fillRef>
+      <a:effectRef idx="0">
+        <a:scrgbClr r="0" g="0" b="0"/>
+      </a:effectRef>
+      <a:fontRef idx="minor"/>
+    </dgm:style>
+  </dgm:styleLbl>
+  <dgm:styleLbl name="alignAcc1">
+    <dgm:scene3d>
+      <a:camera prst="orthographicFront"/>
+      <a:lightRig rig="threePt" dir="t"/>
+    </dgm:scene3d>
+    <dgm:sp3d/>
+    <dgm:txPr/>
+    <dgm:style>
+      <a:lnRef idx="2">
+        <a:scrgbClr r="0" g="0" b="0"/>
+      </a:lnRef>
+      <a:fillRef idx="1">
+        <a:scrgbClr r="0" g="0" b="0"/>
+      </a:fillRef>
+      <a:effectRef idx="0">
+        <a:scrgbClr r="0" g="0" b="0"/>
+      </a:effectRef>
+      <a:fontRef idx="minor"/>
+    </dgm:style>
+  </dgm:styleLbl>
+  <dgm:styleLbl name="trAlignAcc1">
+    <dgm:scene3d>
+      <a:camera prst="orthographicFront"/>
+      <a:lightRig rig="threePt" dir="t"/>
+    </dgm:scene3d>
+    <dgm:sp3d/>
+    <dgm:txPr/>
+    <dgm:style>
+      <a:lnRef idx="1">
+        <a:scrgbClr r="0" g="0" b="0"/>
+      </a:lnRef>
+      <a:fillRef idx="1">
+        <a:scrgbClr r="0" g="0" b="0"/>
+      </a:fillRef>
+      <a:effectRef idx="0">
+        <a:scrgbClr r="0" g="0" b="0"/>
+      </a:effectRef>
+      <a:fontRef idx="minor"/>
+    </dgm:style>
+  </dgm:styleLbl>
+  <dgm:styleLbl name="bgAcc1">
+    <dgm:scene3d>
+      <a:camera prst="orthographicFront"/>
+      <a:lightRig rig="threePt" dir="t"/>
+    </dgm:scene3d>
+    <dgm:sp3d/>
+    <dgm:txPr/>
+    <dgm:style>
+      <a:lnRef idx="2">
+        <a:scrgbClr r="0" g="0" b="0"/>
+      </a:lnRef>
+      <a:fillRef idx="1">
+        <a:scrgbClr r="0" g="0" b="0"/>
+      </a:fillRef>
+      <a:effectRef idx="0">
+        <a:scrgbClr r="0" g="0" b="0"/>
+      </a:effectRef>
+      <a:fontRef idx="minor"/>
+    </dgm:style>
+  </dgm:styleLbl>
+  <dgm:styleLbl name="solidFgAcc1">
+    <dgm:scene3d>
+      <a:camera prst="orthographicFront"/>
+      <a:lightRig rig="threePt" dir="t"/>
+    </dgm:scene3d>
+    <dgm:sp3d/>
+    <dgm:txPr/>
+    <dgm:style>
+      <a:lnRef idx="2">
+        <a:scrgbClr r="0" g="0" b="0"/>
+      </a:lnRef>
+      <a:fillRef idx="1">
+        <a:scrgbClr r="0" g="0" b="0"/>
+      </a:fillRef>
+      <a:effectRef idx="0">
+        <a:scrgbClr r="0" g="0" b="0"/>
+      </a:effectRef>
+      <a:fontRef idx="minor"/>
+    </dgm:style>
+  </dgm:styleLbl>
+  <dgm:styleLbl name="solidAlignAcc1">
+    <dgm:scene3d>
+      <a:camera prst="orthographicFront"/>
+      <a:lightRig rig="threePt" dir="t"/>
+    </dgm:scene3d>
+    <dgm:sp3d/>
+    <dgm:txPr/>
+    <dgm:style>
+      <a:lnRef idx="2">
+        <a:scrgbClr r="0" g="0" b="0"/>
+      </a:lnRef>
+      <a:fillRef idx="1">
+        <a:scrgbClr r="0" g="0" b="0"/>
+      </a:fillRef>
+      <a:effectRef idx="0">
+        <a:scrgbClr r="0" g="0" b="0"/>
+      </a:effectRef>
+      <a:fontRef idx="minor"/>
+    </dgm:style>
+  </dgm:styleLbl>
+  <dgm:styleLbl name="solidBgAcc1">
+    <dgm:scene3d>
+      <a:camera prst="orthographicFront"/>
+      <a:lightRig rig="threePt" dir="t"/>
+    </dgm:scene3d>
+    <dgm:sp3d/>
+    <dgm:txPr/>
+    <dgm:style>
+      <a:lnRef idx="2">
+        <a:scrgbClr r="0" g="0" b="0"/>
+      </a:lnRef>
+      <a:fillRef idx="1">
+        <a:scrgbClr r="0" g="0" b="0"/>
+      </a:fillRef>
+      <a:effectRef idx="0">
+        <a:scrgbClr r="0" g="0" b="0"/>
+      </a:effectRef>
+      <a:fontRef idx="minor"/>
+    </dgm:style>
+  </dgm:styleLbl>
+  <dgm:styleLbl name="fgAccFollowNode1">
+    <dgm:scene3d>
+      <a:camera prst="orthographicFront"/>
+      <a:lightRig rig="threePt" dir="t"/>
+    </dgm:scene3d>
+    <dgm:sp3d/>
+    <dgm:txPr/>
+    <dgm:style>
+      <a:lnRef idx="2">
+        <a:scrgbClr r="0" g="0" b="0"/>
+      </a:lnRef>
+      <a:fillRef idx="1">
+        <a:scrgbClr r="0" g="0" b="0"/>
+      </a:fillRef>
+      <a:effectRef idx="0">
+        <a:scrgbClr r="0" g="0" b="0"/>
+      </a:effectRef>
+      <a:fontRef idx="minor"/>
+    </dgm:style>
+  </dgm:styleLbl>
+  <dgm:styleLbl name="alignAccFollowNode1">
+    <dgm:scene3d>
+      <a:camera prst="orthographicFront"/>
+      <a:lightRig rig="threePt" dir="t"/>
+    </dgm:scene3d>
+    <dgm:sp3d/>
+    <dgm:txPr/>
+    <dgm:style>
+      <a:lnRef idx="2">
+        <a:scrgbClr r="0" g="0" b="0"/>
+      </a:lnRef>
+      <a:fillRef idx="1">
+        <a:scrgbClr r="0" g="0" b="0"/>
+      </a:fillRef>
+      <a:effectRef idx="0">
+        <a:scrgbClr r="0" g="0" b="0"/>
+      </a:effectRef>
+      <a:fontRef idx="minor"/>
+    </dgm:style>
+  </dgm:styleLbl>
+  <dgm:styleLbl name="bgAccFollowNode1">
+    <dgm:scene3d>
+      <a:camera prst="orthographicFront"/>
+      <a:lightRig rig="threePt" dir="t"/>
+    </dgm:scene3d>
+    <dgm:sp3d/>
+    <dgm:txPr/>
+    <dgm:style>
+      <a:lnRef idx="2">
+        <a:scrgbClr r="0" g="0" b="0"/>
+      </a:lnRef>
+      <a:fillRef idx="1">
+        <a:scrgbClr r="0" g="0" b="0"/>
+      </a:fillRef>
+      <a:effectRef idx="0">
+        <a:scrgbClr r="0" g="0" b="0"/>
+      </a:effectRef>
+      <a:fontRef idx="minor"/>
+    </dgm:style>
+  </dgm:styleLbl>
+  <dgm:styleLbl name="fgAcc0">
+    <dgm:scene3d>
+      <a:camera prst="orthographicFront"/>
+      <a:lightRig rig="threePt" dir="t"/>
+    </dgm:scene3d>
+    <dgm:sp3d/>
+    <dgm:txPr/>
+    <dgm:style>
+      <a:lnRef idx="2">
+        <a:scrgbClr r="0" g="0" b="0"/>
+      </a:lnRef>
+      <a:fillRef idx="1">
+        <a:scrgbClr r="0" g="0" b="0"/>
+      </a:fillRef>
+      <a:effectRef idx="0">
+        <a:scrgbClr r="0" g="0" b="0"/>
+      </a:effectRef>
+      <a:fontRef idx="minor"/>
+    </dgm:style>
+  </dgm:styleLbl>
+  <dgm:styleLbl name="fgAcc2">
+    <dgm:scene3d>
+      <a:camera prst="orthographicFront"/>
+      <a:lightRig rig="threePt" dir="t"/>
+    </dgm:scene3d>
+    <dgm:sp3d/>
+    <dgm:txPr/>
+    <dgm:style>
+      <a:lnRef idx="2">
+        <a:scrgbClr r="0" g="0" b="0"/>
+      </a:lnRef>
+      <a:fillRef idx="1">
+        <a:scrgbClr r="0" g="0" b="0"/>
+      </a:fillRef>
+      <a:effectRef idx="0">
+        <a:scrgbClr r="0" g="0" b="0"/>
+      </a:effectRef>
+      <a:fontRef idx="minor"/>
+    </dgm:style>
+  </dgm:styleLbl>
+  <dgm:styleLbl name="fgAcc3">
+    <dgm:scene3d>
+      <a:camera prst="orthographicFront"/>
+      <a:lightRig rig="threePt" dir="t"/>
+    </dgm:scene3d>
+    <dgm:sp3d/>
+    <dgm:txPr/>
+    <dgm:style>
+      <a:lnRef idx="2">
+        <a:scrgbClr r="0" g="0" b="0"/>
+      </a:lnRef>
+      <a:fillRef idx="1">
+        <a:scrgbClr r="0" g="0" b="0"/>
+      </a:fillRef>
+      <a:effectRef idx="0">
+        <a:scrgbClr r="0" g="0" b="0"/>
+      </a:effectRef>
+      <a:fontRef idx="minor"/>
+    </dgm:style>
+  </dgm:styleLbl>
+  <dgm:styleLbl name="fgAcc4">
+    <dgm:scene3d>
+      <a:camera prst="orthographicFront"/>
+      <a:lightRig rig="threePt" dir="t"/>
+    </dgm:scene3d>
+    <dgm:sp3d/>
+    <dgm:txPr/>
+    <dgm:style>
+      <a:lnRef idx="2">
+        <a:scrgbClr r="0" g="0" b="0"/>
+      </a:lnRef>
+      <a:fillRef idx="1">
+        <a:scrgbClr r="0" g="0" b="0"/>
+      </a:fillRef>
+      <a:effectRef idx="0">
+        <a:scrgbClr r="0" g="0" b="0"/>
+      </a:effectRef>
+      <a:fontRef idx="minor"/>
+    </dgm:style>
+  </dgm:styleLbl>
+  <dgm:styleLbl name="bgShp">
+    <dgm:scene3d>
+      <a:camera prst="orthographicFront"/>
+      <a:lightRig rig="threePt" dir="t"/>
+    </dgm:scene3d>
+    <dgm:sp3d/>
+    <dgm:txPr/>
+    <dgm:style>
+      <a:lnRef idx="0">
+        <a:scrgbClr r="0" g="0" b="0"/>
+      </a:lnRef>
+      <a:fillRef idx="1">
+        <a:scrgbClr r="0" g="0" b="0"/>
+      </a:fillRef>
+      <a:effectRef idx="0">
+        <a:scrgbClr r="0" g="0" b="0"/>
+      </a:effectRef>
+      <a:fontRef idx="minor"/>
+    </dgm:style>
+  </dgm:styleLbl>
+  <dgm:styleLbl name="dkBgShp">
+    <dgm:scene3d>
+      <a:camera prst="orthographicFront"/>
+      <a:lightRig rig="threePt" dir="t"/>
+    </dgm:scene3d>
+    <dgm:sp3d/>
+    <dgm:txPr/>
+    <dgm:style>
+      <a:lnRef idx="0">
+        <a:scrgbClr r="0" g="0" b="0"/>
+      </a:lnRef>
+      <a:fillRef idx="1">
+        <a:scrgbClr r="0" g="0" b="0"/>
+      </a:fillRef>
+      <a:effectRef idx="0">
+        <a:scrgbClr r="0" g="0" b="0"/>
+      </a:effectRef>
+      <a:fontRef idx="minor"/>
+    </dgm:style>
+  </dgm:styleLbl>
+  <dgm:styleLbl name="trBgShp">
+    <dgm:scene3d>
+      <a:camera prst="orthographicFront"/>
+      <a:lightRig rig="threePt" dir="t"/>
+    </dgm:scene3d>
+    <dgm:sp3d/>
+    <dgm:txPr/>
+    <dgm:style>
+      <a:lnRef idx="0">
+        <a:scrgbClr r="0" g="0" b="0"/>
+      </a:lnRef>
+      <a:fillRef idx="1">
+        <a:scrgbClr r="0" g="0" b="0"/>
+      </a:fillRef>
+      <a:effectRef idx="0">
+        <a:scrgbClr r="0" g="0" b="0"/>
+      </a:effectRef>
+      <a:fontRef idx="minor"/>
+    </dgm:style>
+  </dgm:styleLbl>
+  <dgm:styleLbl name="fgShp">
+    <dgm:scene3d>
+      <a:camera prst="orthographicFront"/>
+      <a:lightRig rig="threePt" dir="t"/>
+    </dgm:scene3d>
+    <dgm:sp3d/>
+    <dgm:txPr/>
+    <dgm:style>
+      <a:lnRef idx="3">
+        <a:scrgbClr r="0" g="0" b="0"/>
+      </a:lnRef>
+      <a:fillRef idx="1">
+        <a:scrgbClr r="0" g="0" b="0"/>
+      </a:fillRef>
+      <a:effectRef idx="1">
+        <a:scrgbClr r="0" g="0" b="0"/>
+      </a:effectRef>
+      <a:fontRef idx="minor"/>
+    </dgm:style>
+  </dgm:styleLbl>
+  <dgm:styleLbl name="revTx">
+    <dgm:scene3d>
+      <a:camera prst="orthographicFront"/>
+      <a:lightRig rig="threePt" dir="t"/>
+    </dgm:scene3d>
+    <dgm:sp3d/>
+    <dgm:txPr/>
+    <dgm:style>
+      <a:lnRef idx="0">
+        <a:scrgbClr r="0" g="0" b="0"/>
+      </a:lnRef>
+      <a:fillRef idx="0">
+        <a:scrgbClr r="0" g="0" b="0"/>
+      </a:fillRef>
+      <a:effectRef idx="0">
+        <a:scrgbClr r="0" g="0" b="0"/>
+      </a:effectRef>
+      <a:fontRef idx="minor"/>
+    </dgm:style>
+  </dgm:styleLbl>
+</dgm:styleDef>
 </file>
 
 <file path=ppt/notesMasters/notesMaster1.xml><?xml version="1.0" encoding="utf-8"?>
@@ -4249,12 +9427,6 @@
           <a:bodyPr/>
           <a:lstStyle/>
           <a:p>
-            <a:r>
-              <a:rPr lang="fr-FR" dirty="0"/>
-              <a:t>Open Gambit : https://www.oreilly.com/library/view/presentation-skills-that/9780133443035/book3_ch05s02.html</a:t>
-            </a:r>
-          </a:p>
-          <a:p>
             <a:endParaRPr lang="fr-FR" dirty="0"/>
           </a:p>
         </p:txBody>
@@ -4276,7 +9448,496 @@
           <a:p>
             <a:fld id="{CA52ACDA-CAD7-4952-B2DF-2528E011DCB5}" type="slidenum">
               <a:rPr lang="fr-FR" smtClean="0"/>
-              <a:t>59</a:t>
+              <a:t>50</a:t>
+            </a:fld>
+            <a:endParaRPr lang="fr-FR"/>
+          </a:p>
+        </p:txBody>
+      </p:sp>
+    </p:spTree>
+    <p:extLst>
+      <p:ext uri="{BB962C8B-B14F-4D97-AF65-F5344CB8AC3E}">
+        <p14:creationId xmlns:p14="http://schemas.microsoft.com/office/powerpoint/2010/main" val="204067766"/>
+      </p:ext>
+    </p:extLst>
+  </p:cSld>
+  <p:clrMapOvr>
+    <a:masterClrMapping/>
+  </p:clrMapOvr>
+</p:notes>
+</file>
+
+<file path=ppt/notesSlides/notesSlide11.xml><?xml version="1.0" encoding="utf-8"?>
+<p:notes xmlns:a="http://schemas.openxmlformats.org/drawingml/2006/main" xmlns:r="http://schemas.openxmlformats.org/officeDocument/2006/relationships" xmlns:p="http://schemas.openxmlformats.org/presentationml/2006/main">
+  <p:cSld>
+    <p:spTree>
+      <p:nvGrpSpPr>
+        <p:cNvPr id="1" name=""/>
+        <p:cNvGrpSpPr/>
+        <p:nvPr/>
+      </p:nvGrpSpPr>
+      <p:grpSpPr>
+        <a:xfrm>
+          <a:off x="0" y="0"/>
+          <a:ext cx="0" cy="0"/>
+          <a:chOff x="0" y="0"/>
+          <a:chExt cx="0" cy="0"/>
+        </a:xfrm>
+      </p:grpSpPr>
+      <p:sp>
+        <p:nvSpPr>
+          <p:cNvPr id="2" name="Espace réservé de l'image des diapositives 1"/>
+          <p:cNvSpPr>
+            <a:spLocks noGrp="1" noRot="1" noChangeAspect="1"/>
+          </p:cNvSpPr>
+          <p:nvPr>
+            <p:ph type="sldImg"/>
+          </p:nvPr>
+        </p:nvSpPr>
+        <p:spPr/>
+      </p:sp>
+      <p:sp>
+        <p:nvSpPr>
+          <p:cNvPr id="3" name="Espace réservé des notes 2"/>
+          <p:cNvSpPr>
+            <a:spLocks noGrp="1"/>
+          </p:cNvSpPr>
+          <p:nvPr>
+            <p:ph type="body" idx="1"/>
+          </p:nvPr>
+        </p:nvSpPr>
+        <p:spPr/>
+        <p:txBody>
+          <a:bodyPr/>
+          <a:lstStyle/>
+          <a:p>
+            <a:endParaRPr lang="fr-FR" dirty="0"/>
+          </a:p>
+        </p:txBody>
+      </p:sp>
+      <p:sp>
+        <p:nvSpPr>
+          <p:cNvPr id="4" name="Espace réservé du numéro de diapositive 3"/>
+          <p:cNvSpPr>
+            <a:spLocks noGrp="1"/>
+          </p:cNvSpPr>
+          <p:nvPr>
+            <p:ph type="sldNum" sz="quarter" idx="5"/>
+          </p:nvPr>
+        </p:nvSpPr>
+        <p:spPr/>
+        <p:txBody>
+          <a:bodyPr/>
+          <a:lstStyle/>
+          <a:p>
+            <a:fld id="{CA52ACDA-CAD7-4952-B2DF-2528E011DCB5}" type="slidenum">
+              <a:rPr lang="fr-FR" smtClean="0"/>
+              <a:t>53</a:t>
+            </a:fld>
+            <a:endParaRPr lang="fr-FR"/>
+          </a:p>
+        </p:txBody>
+      </p:sp>
+    </p:spTree>
+    <p:extLst>
+      <p:ext uri="{BB962C8B-B14F-4D97-AF65-F5344CB8AC3E}">
+        <p14:creationId xmlns:p14="http://schemas.microsoft.com/office/powerpoint/2010/main" val="583671224"/>
+      </p:ext>
+    </p:extLst>
+  </p:cSld>
+  <p:clrMapOvr>
+    <a:masterClrMapping/>
+  </p:clrMapOvr>
+</p:notes>
+</file>
+
+<file path=ppt/notesSlides/notesSlide12.xml><?xml version="1.0" encoding="utf-8"?>
+<p:notes xmlns:a="http://schemas.openxmlformats.org/drawingml/2006/main" xmlns:r="http://schemas.openxmlformats.org/officeDocument/2006/relationships" xmlns:p="http://schemas.openxmlformats.org/presentationml/2006/main">
+  <p:cSld>
+    <p:spTree>
+      <p:nvGrpSpPr>
+        <p:cNvPr id="1" name=""/>
+        <p:cNvGrpSpPr/>
+        <p:nvPr/>
+      </p:nvGrpSpPr>
+      <p:grpSpPr>
+        <a:xfrm>
+          <a:off x="0" y="0"/>
+          <a:ext cx="0" cy="0"/>
+          <a:chOff x="0" y="0"/>
+          <a:chExt cx="0" cy="0"/>
+        </a:xfrm>
+      </p:grpSpPr>
+      <p:sp>
+        <p:nvSpPr>
+          <p:cNvPr id="2" name="Espace réservé de l'image des diapositives 1"/>
+          <p:cNvSpPr>
+            <a:spLocks noGrp="1" noRot="1" noChangeAspect="1"/>
+          </p:cNvSpPr>
+          <p:nvPr>
+            <p:ph type="sldImg"/>
+          </p:nvPr>
+        </p:nvSpPr>
+        <p:spPr/>
+      </p:sp>
+      <p:sp>
+        <p:nvSpPr>
+          <p:cNvPr id="3" name="Espace réservé des notes 2"/>
+          <p:cNvSpPr>
+            <a:spLocks noGrp="1"/>
+          </p:cNvSpPr>
+          <p:nvPr>
+            <p:ph type="body" idx="1"/>
+          </p:nvPr>
+        </p:nvSpPr>
+        <p:spPr/>
+        <p:txBody>
+          <a:bodyPr/>
+          <a:lstStyle/>
+          <a:p>
+            <a:r>
+              <a:rPr lang="en-US" b="1" i="1" dirty="0">
+                <a:solidFill>
+                  <a:srgbClr val="292929"/>
+                </a:solidFill>
+                <a:effectLst/>
+                <a:latin typeface="Inter"/>
+              </a:rPr>
+              <a:t>Precision</a:t>
+            </a:r>
+            <a:r>
+              <a:rPr lang="en-US" b="0" i="1" dirty="0">
+                <a:solidFill>
+                  <a:srgbClr val="292929"/>
+                </a:solidFill>
+                <a:effectLst/>
+                <a:latin typeface="Inter"/>
+              </a:rPr>
+              <a:t> is important when </a:t>
+            </a:r>
+            <a:r>
+              <a:rPr lang="en-US" b="1" i="1" dirty="0">
+                <a:solidFill>
+                  <a:srgbClr val="292929"/>
+                </a:solidFill>
+                <a:effectLst/>
+                <a:latin typeface="Inter"/>
+              </a:rPr>
+              <a:t>False Positives</a:t>
+            </a:r>
+            <a:r>
+              <a:rPr lang="en-US" b="0" i="1" dirty="0">
+                <a:solidFill>
+                  <a:srgbClr val="292929"/>
+                </a:solidFill>
+                <a:effectLst/>
+                <a:latin typeface="Inter"/>
+              </a:rPr>
+              <a:t> are costly. </a:t>
+            </a:r>
+          </a:p>
+          <a:p>
+            <a:r>
+              <a:rPr lang="en-US" b="1" i="1" dirty="0">
+                <a:solidFill>
+                  <a:srgbClr val="292929"/>
+                </a:solidFill>
+                <a:effectLst/>
+                <a:latin typeface="Inter"/>
+              </a:rPr>
+              <a:t>Recall</a:t>
+            </a:r>
+            <a:r>
+              <a:rPr lang="en-US" b="0" i="1" dirty="0">
+                <a:solidFill>
+                  <a:srgbClr val="292929"/>
+                </a:solidFill>
+                <a:effectLst/>
+                <a:latin typeface="Inter"/>
+              </a:rPr>
+              <a:t> is important in scenarios where </a:t>
+            </a:r>
+            <a:r>
+              <a:rPr lang="en-US" b="1" i="1" dirty="0">
+                <a:solidFill>
+                  <a:srgbClr val="292929"/>
+                </a:solidFill>
+                <a:effectLst/>
+                <a:latin typeface="Inter"/>
+              </a:rPr>
+              <a:t>False Negatives</a:t>
+            </a:r>
+            <a:r>
+              <a:rPr lang="en-US" b="0" i="1" dirty="0">
+                <a:solidFill>
+                  <a:srgbClr val="292929"/>
+                </a:solidFill>
+                <a:effectLst/>
+                <a:latin typeface="Inter"/>
+              </a:rPr>
+              <a:t> are costly.</a:t>
+            </a:r>
+            <a:endParaRPr lang="fr-FR" dirty="0"/>
+          </a:p>
+          <a:p>
+            <a:endParaRPr lang="fr-FR" dirty="0"/>
+          </a:p>
+          <a:p>
+            <a:r>
+              <a:rPr lang="fr-FR" dirty="0"/>
+              <a:t>Carte bancaire identifiée comme fausse (=1)</a:t>
+            </a:r>
+          </a:p>
+          <a:p>
+            <a:r>
+              <a:rPr lang="fr-FR" dirty="0"/>
+              <a:t>On se place en TP </a:t>
+            </a:r>
+          </a:p>
+          <a:p>
+            <a:r>
+              <a:rPr lang="fr-FR" dirty="0"/>
+              <a:t>On peut accepter FP non nul? Carte observée vraie alors qu'on a prédit fausse ? Je ne sais pas</a:t>
+            </a:r>
+          </a:p>
+          <a:p>
+            <a:r>
+              <a:rPr lang="fr-FR" dirty="0"/>
+              <a:t>On peut accepter FN non nul? Carte observée fausse alors qu'on a prédit vraie ? Non ! =&gt; FN=0 =&gt; </a:t>
+            </a:r>
+            <a:r>
+              <a:rPr lang="fr-FR" dirty="0" err="1"/>
+              <a:t>Recall</a:t>
+            </a:r>
+            <a:r>
+              <a:rPr lang="fr-FR" dirty="0"/>
+              <a:t> =1</a:t>
+            </a:r>
+          </a:p>
+          <a:p>
+            <a:endParaRPr lang="fr-FR" dirty="0"/>
+          </a:p>
+          <a:p>
+            <a:r>
+              <a:rPr lang="fr-FR" dirty="0"/>
+              <a:t>Mails identifiés comme SPAM (=1)</a:t>
+            </a:r>
+          </a:p>
+          <a:p>
+            <a:r>
+              <a:rPr lang="fr-FR" dirty="0"/>
+              <a:t>On se place en TP</a:t>
+            </a:r>
+          </a:p>
+          <a:p>
+            <a:r>
+              <a:rPr lang="fr-FR" dirty="0"/>
+              <a:t>On peut accepter FN non nul? Mail observé comme SPAM alors qu'on l'a prédit comme BON ? Je sais pas</a:t>
+            </a:r>
+          </a:p>
+          <a:p>
+            <a:r>
+              <a:rPr lang="fr-FR" dirty="0"/>
+              <a:t>On peut accepter FP non nul ? Mail observé comme BON alors qu'on l'a prédit comme SPAM ? Non ! =&gt; FP=0 =&gt; </a:t>
+            </a:r>
+            <a:r>
+              <a:rPr lang="fr-FR" dirty="0" err="1"/>
+              <a:t>Precision</a:t>
+            </a:r>
+            <a:r>
+              <a:rPr lang="fr-FR" dirty="0"/>
+              <a:t> = 1 </a:t>
+            </a:r>
+          </a:p>
+          <a:p>
+            <a:endParaRPr lang="fr-FR" dirty="0"/>
+          </a:p>
+          <a:p>
+            <a:r>
+              <a:rPr lang="fr-FR" dirty="0"/>
+              <a:t>Pour le cancer (=1)</a:t>
+            </a:r>
+          </a:p>
+          <a:p>
+            <a:r>
+              <a:rPr lang="fr-FR" dirty="0"/>
+              <a:t>On se place en TP</a:t>
+            </a:r>
+          </a:p>
+          <a:p>
+            <a:r>
+              <a:rPr lang="fr-FR" dirty="0"/>
+              <a:t>On peut accepter FP non nul?  On n'observe pas de cancer (=0) alors qu'on a prédit cancer ? Je ne sais pas   </a:t>
+            </a:r>
+          </a:p>
+          <a:p>
+            <a:r>
+              <a:rPr lang="fr-FR" dirty="0"/>
+              <a:t>On peut accepter FN non nul? On observe un cancer (=1)        alors qu'on a prédit "pas de cancer" ? Non ! =&gt; FN=0 =&gt; </a:t>
+            </a:r>
+            <a:r>
+              <a:rPr lang="fr-FR" dirty="0" err="1"/>
+              <a:t>Recall</a:t>
+            </a:r>
+            <a:r>
+              <a:rPr lang="fr-FR" dirty="0"/>
+              <a:t> = 1</a:t>
+            </a:r>
+          </a:p>
+          <a:p>
+            <a:endParaRPr lang="fr-FR" dirty="0"/>
+          </a:p>
+          <a:p>
+            <a:r>
+              <a:rPr lang="fr-FR" dirty="0"/>
+              <a:t>Mails identifiés comme BON (=1)</a:t>
+            </a:r>
+          </a:p>
+          <a:p>
+            <a:r>
+              <a:rPr lang="fr-FR" dirty="0"/>
+              <a:t>On se place en TP</a:t>
+            </a:r>
+          </a:p>
+          <a:p>
+            <a:r>
+              <a:rPr lang="fr-FR" dirty="0"/>
+              <a:t>On peut accepter FP non nul ? Mail observé comme SPAM alors qu'on l'a prédit comme BON ?  Je sais pas   </a:t>
+            </a:r>
+          </a:p>
+          <a:p>
+            <a:r>
+              <a:rPr lang="fr-FR" dirty="0"/>
+              <a:t>On peut accepter FN non nul? Mail observé BON                alors qu'on l'a prédit comme SPAM ? Non ! =&gt; FN=0 =&gt; </a:t>
+            </a:r>
+            <a:r>
+              <a:rPr lang="fr-FR" dirty="0" err="1"/>
+              <a:t>Recall</a:t>
+            </a:r>
+            <a:r>
+              <a:rPr lang="fr-FR" dirty="0"/>
+              <a:t> = 1</a:t>
+            </a:r>
+          </a:p>
+          <a:p>
+            <a:endParaRPr lang="fr-FR" dirty="0"/>
+          </a:p>
+          <a:p>
+            <a:endParaRPr lang="fr-FR" dirty="0"/>
+          </a:p>
+          <a:p>
+            <a:endParaRPr lang="fr-FR" dirty="0"/>
+          </a:p>
+        </p:txBody>
+      </p:sp>
+      <p:sp>
+        <p:nvSpPr>
+          <p:cNvPr id="4" name="Espace réservé du numéro de diapositive 3"/>
+          <p:cNvSpPr>
+            <a:spLocks noGrp="1"/>
+          </p:cNvSpPr>
+          <p:nvPr>
+            <p:ph type="sldNum" sz="quarter" idx="5"/>
+          </p:nvPr>
+        </p:nvSpPr>
+        <p:spPr/>
+        <p:txBody>
+          <a:bodyPr/>
+          <a:lstStyle/>
+          <a:p>
+            <a:fld id="{CA52ACDA-CAD7-4952-B2DF-2528E011DCB5}" type="slidenum">
+              <a:rPr lang="fr-FR" smtClean="0"/>
+              <a:t>54</a:t>
+            </a:fld>
+            <a:endParaRPr lang="fr-FR"/>
+          </a:p>
+        </p:txBody>
+      </p:sp>
+    </p:spTree>
+    <p:extLst>
+      <p:ext uri="{BB962C8B-B14F-4D97-AF65-F5344CB8AC3E}">
+        <p14:creationId xmlns:p14="http://schemas.microsoft.com/office/powerpoint/2010/main" val="737341901"/>
+      </p:ext>
+    </p:extLst>
+  </p:cSld>
+  <p:clrMapOvr>
+    <a:masterClrMapping/>
+  </p:clrMapOvr>
+</p:notes>
+</file>
+
+<file path=ppt/notesSlides/notesSlide13.xml><?xml version="1.0" encoding="utf-8"?>
+<p:notes xmlns:a="http://schemas.openxmlformats.org/drawingml/2006/main" xmlns:r="http://schemas.openxmlformats.org/officeDocument/2006/relationships" xmlns:p="http://schemas.openxmlformats.org/presentationml/2006/main">
+  <p:cSld>
+    <p:spTree>
+      <p:nvGrpSpPr>
+        <p:cNvPr id="1" name=""/>
+        <p:cNvGrpSpPr/>
+        <p:nvPr/>
+      </p:nvGrpSpPr>
+      <p:grpSpPr>
+        <a:xfrm>
+          <a:off x="0" y="0"/>
+          <a:ext cx="0" cy="0"/>
+          <a:chOff x="0" y="0"/>
+          <a:chExt cx="0" cy="0"/>
+        </a:xfrm>
+      </p:grpSpPr>
+      <p:sp>
+        <p:nvSpPr>
+          <p:cNvPr id="2" name="Espace réservé de l'image des diapositives 1"/>
+          <p:cNvSpPr>
+            <a:spLocks noGrp="1" noRot="1" noChangeAspect="1"/>
+          </p:cNvSpPr>
+          <p:nvPr>
+            <p:ph type="sldImg"/>
+          </p:nvPr>
+        </p:nvSpPr>
+        <p:spPr/>
+      </p:sp>
+      <p:sp>
+        <p:nvSpPr>
+          <p:cNvPr id="3" name="Espace réservé des notes 2"/>
+          <p:cNvSpPr>
+            <a:spLocks noGrp="1"/>
+          </p:cNvSpPr>
+          <p:nvPr>
+            <p:ph type="body" idx="1"/>
+          </p:nvPr>
+        </p:nvSpPr>
+        <p:spPr/>
+        <p:txBody>
+          <a:bodyPr/>
+          <a:lstStyle/>
+          <a:p>
+            <a:r>
+              <a:rPr lang="fr-FR" dirty="0"/>
+              <a:t>Open Gambit : https://www.oreilly.com/library/view/presentation-skills-that/9780133443035/book3_ch05s02.html</a:t>
+            </a:r>
+          </a:p>
+          <a:p>
+            <a:endParaRPr lang="fr-FR" dirty="0"/>
+          </a:p>
+        </p:txBody>
+      </p:sp>
+      <p:sp>
+        <p:nvSpPr>
+          <p:cNvPr id="4" name="Espace réservé du numéro de diapositive 3"/>
+          <p:cNvSpPr>
+            <a:spLocks noGrp="1"/>
+          </p:cNvSpPr>
+          <p:nvPr>
+            <p:ph type="sldNum" sz="quarter" idx="5"/>
+          </p:nvPr>
+        </p:nvSpPr>
+        <p:spPr/>
+        <p:txBody>
+          <a:bodyPr/>
+          <a:lstStyle/>
+          <a:p>
+            <a:fld id="{CA52ACDA-CAD7-4952-B2DF-2528E011DCB5}" type="slidenum">
+              <a:rPr lang="fr-FR" smtClean="0"/>
+              <a:t>62</a:t>
             </a:fld>
             <a:endParaRPr lang="fr-FR"/>
           </a:p>
@@ -5912,6 +11573,236 @@
           <a:bodyPr/>
           <a:lstStyle/>
           <a:p>
+            <a:r>
+              <a:rPr lang="fr-FR" dirty="0"/>
+              <a:t>Modèles simples</a:t>
+            </a:r>
+          </a:p>
+          <a:p>
+            <a:r>
+              <a:rPr lang="fr-FR" b="1" dirty="0" err="1"/>
+              <a:t>Regression</a:t>
+            </a:r>
+            <a:endParaRPr lang="fr-FR" b="1" dirty="0"/>
+          </a:p>
+          <a:p>
+            <a:pPr marL="171450" indent="-171450">
+              <a:buFont typeface="Arial" panose="020B0604020202020204" pitchFamily="34" charset="0"/>
+              <a:buChar char="•"/>
+            </a:pPr>
+            <a:r>
+              <a:rPr lang="fr-FR" dirty="0" err="1"/>
+              <a:t>LinearReg</a:t>
+            </a:r>
+            <a:endParaRPr lang="fr-FR" dirty="0"/>
+          </a:p>
+          <a:p>
+            <a:pPr marL="171450" indent="-171450">
+              <a:buFont typeface="Arial" panose="020B0604020202020204" pitchFamily="34" charset="0"/>
+              <a:buChar char="•"/>
+            </a:pPr>
+            <a:r>
+              <a:rPr lang="fr-FR" dirty="0"/>
+              <a:t>Lasso</a:t>
+            </a:r>
+          </a:p>
+          <a:p>
+            <a:pPr marL="171450" indent="-171450">
+              <a:buFont typeface="Arial" panose="020B0604020202020204" pitchFamily="34" charset="0"/>
+              <a:buChar char="•"/>
+            </a:pPr>
+            <a:r>
+              <a:rPr lang="fr-FR" dirty="0"/>
+              <a:t>Ridge</a:t>
+            </a:r>
+          </a:p>
+          <a:p>
+            <a:endParaRPr lang="fr-FR" dirty="0"/>
+          </a:p>
+          <a:p>
+            <a:r>
+              <a:rPr lang="fr-FR" b="1" dirty="0"/>
+              <a:t>Classification</a:t>
+            </a:r>
+          </a:p>
+          <a:p>
+            <a:pPr marL="171450" indent="-171450">
+              <a:buFont typeface="Arial" panose="020B0604020202020204" pitchFamily="34" charset="0"/>
+              <a:buChar char="•"/>
+            </a:pPr>
+            <a:r>
+              <a:rPr lang="fr-FR" dirty="0" err="1"/>
+              <a:t>LogisticReg</a:t>
+            </a:r>
+            <a:endParaRPr lang="fr-FR" dirty="0"/>
+          </a:p>
+          <a:p>
+            <a:pPr marL="171450" indent="-171450">
+              <a:buFont typeface="Arial" panose="020B0604020202020204" pitchFamily="34" charset="0"/>
+              <a:buChar char="•"/>
+            </a:pPr>
+            <a:r>
+              <a:rPr lang="fr-FR" dirty="0" err="1"/>
+              <a:t>LinearSVC</a:t>
+            </a:r>
+            <a:endParaRPr lang="fr-FR" dirty="0"/>
+          </a:p>
+          <a:p>
+            <a:pPr marL="171450" indent="-171450">
+              <a:buFont typeface="Arial" panose="020B0604020202020204" pitchFamily="34" charset="0"/>
+              <a:buChar char="•"/>
+            </a:pPr>
+            <a:r>
+              <a:rPr lang="fr-FR" dirty="0" err="1"/>
+              <a:t>KNeighborsClassifier</a:t>
+            </a:r>
+            <a:endParaRPr lang="fr-FR" dirty="0"/>
+          </a:p>
+          <a:p>
+            <a:pPr marL="171450" indent="-171450">
+              <a:buFont typeface="Arial" panose="020B0604020202020204" pitchFamily="34" charset="0"/>
+              <a:buChar char="•"/>
+            </a:pPr>
+            <a:endParaRPr lang="fr-FR" dirty="0"/>
+          </a:p>
+          <a:p>
+            <a:pPr marL="0" indent="0">
+              <a:buFont typeface="Arial" panose="020B0604020202020204" pitchFamily="34" charset="0"/>
+              <a:buNone/>
+            </a:pPr>
+            <a:r>
+              <a:rPr lang="fr-FR" dirty="0"/>
+              <a:t>Pas efficaces quand y a beaucoup de données</a:t>
+            </a:r>
+          </a:p>
+          <a:p>
+            <a:pPr marL="0" indent="0">
+              <a:buFont typeface="Arial" panose="020B0604020202020204" pitchFamily="34" charset="0"/>
+              <a:buNone/>
+            </a:pPr>
+            <a:r>
+              <a:rPr lang="fr-FR" dirty="0"/>
+              <a:t>Support </a:t>
+            </a:r>
+            <a:r>
+              <a:rPr lang="fr-FR" dirty="0" err="1"/>
+              <a:t>Vector</a:t>
+            </a:r>
+            <a:r>
+              <a:rPr lang="fr-FR" dirty="0"/>
+              <a:t> Machines &amp; K </a:t>
+            </a:r>
+            <a:r>
+              <a:rPr lang="fr-FR" dirty="0" err="1"/>
+              <a:t>Nearrest</a:t>
+            </a:r>
+            <a:r>
+              <a:rPr lang="fr-FR" dirty="0"/>
+              <a:t> </a:t>
+            </a:r>
+            <a:r>
+              <a:rPr lang="fr-FR" dirty="0" err="1"/>
+              <a:t>Neightbors</a:t>
+            </a:r>
+            <a:endParaRPr lang="fr-FR" dirty="0"/>
+          </a:p>
+          <a:p>
+            <a:pPr marL="0" indent="0">
+              <a:buFont typeface="Arial" panose="020B0604020202020204" pitchFamily="34" charset="0"/>
+              <a:buNone/>
+            </a:pPr>
+            <a:endParaRPr lang="fr-FR" dirty="0"/>
+          </a:p>
+          <a:p>
+            <a:pPr marL="0" indent="0">
+              <a:buFont typeface="Arial" panose="020B0604020202020204" pitchFamily="34" charset="0"/>
+              <a:buNone/>
+            </a:pPr>
+            <a:r>
+              <a:rPr lang="fr-FR" dirty="0"/>
+              <a:t>Efficaces avec beaucoup de données</a:t>
+            </a:r>
+          </a:p>
+          <a:p>
+            <a:pPr marL="0" indent="0">
+              <a:buFont typeface="Arial" panose="020B0604020202020204" pitchFamily="34" charset="0"/>
+              <a:buNone/>
+            </a:pPr>
+            <a:r>
+              <a:rPr lang="fr-FR" dirty="0" err="1"/>
+              <a:t>SGDRegressor</a:t>
+            </a:r>
+            <a:r>
+              <a:rPr lang="fr-FR" dirty="0"/>
+              <a:t>, </a:t>
+            </a:r>
+          </a:p>
+          <a:p>
+            <a:pPr marL="0" indent="0">
+              <a:buFont typeface="Arial" panose="020B0604020202020204" pitchFamily="34" charset="0"/>
+              <a:buNone/>
+            </a:pPr>
+            <a:r>
+              <a:rPr lang="fr-FR" dirty="0" err="1"/>
+              <a:t>SGDClassifier</a:t>
+            </a:r>
+            <a:r>
+              <a:rPr lang="fr-FR" dirty="0"/>
+              <a:t>, </a:t>
+            </a:r>
+          </a:p>
+          <a:p>
+            <a:pPr marL="0" indent="0">
+              <a:buFont typeface="Arial" panose="020B0604020202020204" pitchFamily="34" charset="0"/>
+              <a:buNone/>
+            </a:pPr>
+            <a:r>
+              <a:rPr lang="fr-FR" dirty="0"/>
+              <a:t>Reg </a:t>
+            </a:r>
+            <a:r>
+              <a:rPr lang="fr-FR" dirty="0" err="1"/>
+              <a:t>Logistic</a:t>
+            </a:r>
+            <a:r>
+              <a:rPr lang="fr-FR" dirty="0"/>
+              <a:t> (descente de gradient) </a:t>
+            </a:r>
+          </a:p>
+          <a:p>
+            <a:pPr marL="0" indent="0">
+              <a:buFont typeface="Arial" panose="020B0604020202020204" pitchFamily="34" charset="0"/>
+              <a:buNone/>
+            </a:pPr>
+            <a:r>
+              <a:rPr lang="fr-FR" dirty="0" err="1"/>
+              <a:t>Rsx</a:t>
+            </a:r>
+            <a:r>
+              <a:rPr lang="fr-FR" dirty="0"/>
+              <a:t> de neurones</a:t>
+            </a:r>
+          </a:p>
+          <a:p>
+            <a:pPr marL="0" indent="0">
+              <a:buFont typeface="Arial" panose="020B0604020202020204" pitchFamily="34" charset="0"/>
+              <a:buNone/>
+            </a:pPr>
+            <a:r>
+              <a:rPr lang="fr-FR" dirty="0" err="1"/>
+              <a:t>Tensorflow</a:t>
+            </a:r>
+            <a:endParaRPr lang="fr-FR" dirty="0"/>
+          </a:p>
+          <a:p>
+            <a:pPr marL="0" indent="0">
+              <a:buFont typeface="Arial" panose="020B0604020202020204" pitchFamily="34" charset="0"/>
+              <a:buNone/>
+            </a:pPr>
+            <a:r>
+              <a:rPr lang="fr-FR" dirty="0" err="1"/>
+              <a:t>Torch</a:t>
+            </a:r>
             <a:endParaRPr lang="fr-FR" dirty="0"/>
           </a:p>
         </p:txBody>
@@ -5933,7 +11824,7 @@
           <a:p>
             <a:fld id="{CA52ACDA-CAD7-4952-B2DF-2528E011DCB5}" type="slidenum">
               <a:rPr lang="fr-FR" smtClean="0"/>
-              <a:t>50</a:t>
+              <a:t>48</a:t>
             </a:fld>
             <a:endParaRPr lang="fr-FR"/>
           </a:p>
@@ -5942,7 +11833,7 @@
     </p:spTree>
     <p:extLst>
       <p:ext uri="{BB962C8B-B14F-4D97-AF65-F5344CB8AC3E}">
-        <p14:creationId xmlns:p14="http://schemas.microsoft.com/office/powerpoint/2010/main" val="583671224"/>
+        <p14:creationId xmlns:p14="http://schemas.microsoft.com/office/powerpoint/2010/main" val="859550588"/>
       </p:ext>
     </p:extLst>
   </p:cSld>
@@ -5997,236 +11888,235 @@
           <a:lstStyle/>
           <a:p>
             <a:r>
-              <a:rPr lang="en-US" b="1" i="1" dirty="0">
-                <a:solidFill>
-                  <a:srgbClr val="292929"/>
-                </a:solidFill>
-                <a:effectLst/>
-                <a:latin typeface="Inter"/>
-              </a:rPr>
-              <a:t>Precision</a:t>
-            </a:r>
-            <a:r>
-              <a:rPr lang="en-US" b="0" i="1" dirty="0">
-                <a:solidFill>
-                  <a:srgbClr val="292929"/>
-                </a:solidFill>
-                <a:effectLst/>
-                <a:latin typeface="Inter"/>
-              </a:rPr>
-              <a:t> is important when </a:t>
-            </a:r>
-            <a:r>
-              <a:rPr lang="en-US" b="1" i="1" dirty="0">
-                <a:solidFill>
-                  <a:srgbClr val="292929"/>
-                </a:solidFill>
-                <a:effectLst/>
-                <a:latin typeface="Inter"/>
-              </a:rPr>
-              <a:t>False Positives</a:t>
-            </a:r>
-            <a:r>
-              <a:rPr lang="en-US" b="0" i="1" dirty="0">
-                <a:solidFill>
-                  <a:srgbClr val="292929"/>
-                </a:solidFill>
-                <a:effectLst/>
-                <a:latin typeface="Inter"/>
-              </a:rPr>
-              <a:t> are costly. </a:t>
-            </a:r>
-          </a:p>
-          <a:p>
-            <a:r>
-              <a:rPr lang="en-US" b="1" i="1" dirty="0">
-                <a:solidFill>
-                  <a:srgbClr val="292929"/>
-                </a:solidFill>
-                <a:effectLst/>
-                <a:latin typeface="Inter"/>
-              </a:rPr>
-              <a:t>Recall</a:t>
-            </a:r>
-            <a:r>
-              <a:rPr lang="en-US" b="0" i="1" dirty="0">
-                <a:solidFill>
-                  <a:srgbClr val="292929"/>
-                </a:solidFill>
-                <a:effectLst/>
-                <a:latin typeface="Inter"/>
-              </a:rPr>
-              <a:t> is important in scenarios where </a:t>
-            </a:r>
-            <a:r>
-              <a:rPr lang="en-US" b="1" i="1" dirty="0">
-                <a:solidFill>
-                  <a:srgbClr val="292929"/>
-                </a:solidFill>
-                <a:effectLst/>
-                <a:latin typeface="Inter"/>
-              </a:rPr>
-              <a:t>False Negatives</a:t>
-            </a:r>
-            <a:r>
-              <a:rPr lang="en-US" b="0" i="1" dirty="0">
-                <a:solidFill>
-                  <a:srgbClr val="292929"/>
-                </a:solidFill>
-                <a:effectLst/>
-                <a:latin typeface="Inter"/>
-              </a:rPr>
-              <a:t> are costly.</a:t>
+              <a:rPr lang="fr-FR" dirty="0"/>
+              <a:t>Modèles simples</a:t>
+            </a:r>
+          </a:p>
+          <a:p>
+            <a:r>
+              <a:rPr lang="fr-FR" b="1" dirty="0" err="1"/>
+              <a:t>Regression</a:t>
+            </a:r>
+            <a:endParaRPr lang="fr-FR" b="1" dirty="0"/>
+          </a:p>
+          <a:p>
+            <a:pPr marL="171450" indent="-171450">
+              <a:buFont typeface="Arial" panose="020B0604020202020204" pitchFamily="34" charset="0"/>
+              <a:buChar char="•"/>
+            </a:pPr>
+            <a:r>
+              <a:rPr lang="fr-FR" dirty="0" err="1"/>
+              <a:t>LinearReg</a:t>
             </a:r>
             <a:endParaRPr lang="fr-FR" dirty="0"/>
           </a:p>
           <a:p>
+            <a:pPr marL="171450" indent="-171450">
+              <a:buFont typeface="Arial" panose="020B0604020202020204" pitchFamily="34" charset="0"/>
+              <a:buChar char="•"/>
+            </a:pPr>
+            <a:r>
+              <a:rPr lang="fr-FR" dirty="0"/>
+              <a:t>Lasso</a:t>
+            </a:r>
+          </a:p>
+          <a:p>
+            <a:pPr marL="171450" indent="-171450">
+              <a:buFont typeface="Arial" panose="020B0604020202020204" pitchFamily="34" charset="0"/>
+              <a:buChar char="•"/>
+            </a:pPr>
+            <a:r>
+              <a:rPr lang="fr-FR" dirty="0"/>
+              <a:t>Ridge</a:t>
+            </a:r>
+          </a:p>
+          <a:p>
             <a:endParaRPr lang="fr-FR" dirty="0"/>
           </a:p>
           <a:p>
             <a:r>
+              <a:rPr lang="fr-FR" b="1" dirty="0"/>
+              <a:t>Classification</a:t>
+            </a:r>
+          </a:p>
+          <a:p>
+            <a:pPr marL="171450" indent="-171450">
+              <a:buFont typeface="Arial" panose="020B0604020202020204" pitchFamily="34" charset="0"/>
+              <a:buChar char="•"/>
+            </a:pPr>
+            <a:r>
+              <a:rPr lang="fr-FR" dirty="0" err="1"/>
+              <a:t>LogisticReg</a:t>
+            </a:r>
+            <a:endParaRPr lang="fr-FR" dirty="0"/>
+          </a:p>
+          <a:p>
+            <a:pPr marL="171450" indent="-171450">
+              <a:buFont typeface="Arial" panose="020B0604020202020204" pitchFamily="34" charset="0"/>
+              <a:buChar char="•"/>
+            </a:pPr>
+            <a:r>
+              <a:rPr lang="fr-FR" dirty="0" err="1"/>
+              <a:t>LinearSVC</a:t>
+            </a:r>
+            <a:endParaRPr lang="fr-FR" dirty="0"/>
+          </a:p>
+          <a:p>
+            <a:pPr marL="171450" indent="-171450">
+              <a:buFont typeface="Arial" panose="020B0604020202020204" pitchFamily="34" charset="0"/>
+              <a:buChar char="•"/>
+            </a:pPr>
+            <a:r>
+              <a:rPr lang="fr-FR" dirty="0" err="1"/>
+              <a:t>KNeighborsClassifier</a:t>
+            </a:r>
+            <a:endParaRPr lang="fr-FR" dirty="0"/>
+          </a:p>
+          <a:p>
+            <a:pPr marL="171450" indent="-171450">
+              <a:buFont typeface="Arial" panose="020B0604020202020204" pitchFamily="34" charset="0"/>
+              <a:buChar char="•"/>
+            </a:pPr>
+            <a:endParaRPr lang="fr-FR" dirty="0"/>
+          </a:p>
+          <a:p>
+            <a:pPr marL="0" indent="0">
+              <a:buFont typeface="Arial" panose="020B0604020202020204" pitchFamily="34" charset="0"/>
+              <a:buNone/>
+            </a:pPr>
+            <a:r>
               <a:rPr lang="fr-FR" dirty="0"/>
-              <a:t>Carte bancaire identifiée comme fausse (=1)</a:t>
-            </a:r>
-          </a:p>
-          <a:p>
+              <a:t>Pas efficaces quand y a beaucoup de données</a:t>
+            </a:r>
+          </a:p>
+          <a:p>
+            <a:pPr marL="0" indent="0">
+              <a:buFont typeface="Arial" panose="020B0604020202020204" pitchFamily="34" charset="0"/>
+              <a:buNone/>
+            </a:pPr>
             <a:r>
               <a:rPr lang="fr-FR" dirty="0"/>
-              <a:t>On se place en TP </a:t>
-            </a:r>
-          </a:p>
-          <a:p>
+              <a:t>Support </a:t>
+            </a:r>
+            <a:r>
+              <a:rPr lang="fr-FR" dirty="0" err="1"/>
+              <a:t>Vector</a:t>
+            </a:r>
             <a:r>
               <a:rPr lang="fr-FR" dirty="0"/>
-              <a:t>On peut accepter FP non nul? Carte observée vraie alors qu'on a prédit fausse ? Je ne sais pas</a:t>
-            </a:r>
-          </a:p>
-          <a:p>
+              <a:t> Machines &amp; K </a:t>
+            </a:r>
+            <a:r>
+              <a:rPr lang="fr-FR" dirty="0" err="1"/>
+              <a:t>Nearrest</a:t>
+            </a:r>
             <a:r>
               <a:rPr lang="fr-FR" dirty="0"/>
-              <a:t>On peut accepter FN non nul? Carte observée fausse alors qu'on a prédit vraie ? Non ! =&gt; FN=0 =&gt; </a:t>
+              <a:t> </a:t>
             </a:r>
             <a:r>
               <a:rPr lang="fr-FR" dirty="0" err="1"/>
-              <a:t>Recall</a:t>
-            </a:r>
+              <a:t>Neightbors</a:t>
+            </a:r>
+            <a:endParaRPr lang="fr-FR" dirty="0"/>
+          </a:p>
+          <a:p>
+            <a:pPr marL="0" indent="0">
+              <a:buFont typeface="Arial" panose="020B0604020202020204" pitchFamily="34" charset="0"/>
+              <a:buNone/>
+            </a:pPr>
+            <a:endParaRPr lang="fr-FR" dirty="0"/>
+          </a:p>
+          <a:p>
+            <a:pPr marL="0" indent="0">
+              <a:buFont typeface="Arial" panose="020B0604020202020204" pitchFamily="34" charset="0"/>
+              <a:buNone/>
+            </a:pPr>
             <a:r>
               <a:rPr lang="fr-FR" dirty="0"/>
-              <a:t> =1</a:t>
-            </a:r>
-          </a:p>
-          <a:p>
+              <a:t>Efficaces avec beaucoup de données</a:t>
+            </a:r>
+          </a:p>
+          <a:p>
+            <a:pPr marL="0" indent="0">
+              <a:buFont typeface="Arial" panose="020B0604020202020204" pitchFamily="34" charset="0"/>
+              <a:buNone/>
+            </a:pPr>
+            <a:r>
+              <a:rPr lang="fr-FR" dirty="0" err="1"/>
+              <a:t>SGDRegressor</a:t>
+            </a:r>
+            <a:r>
+              <a:rPr lang="fr-FR" dirty="0"/>
+              <a:t>, </a:t>
+            </a:r>
+          </a:p>
+          <a:p>
+            <a:pPr marL="0" indent="0">
+              <a:buFont typeface="Arial" panose="020B0604020202020204" pitchFamily="34" charset="0"/>
+              <a:buNone/>
+            </a:pPr>
+            <a:r>
+              <a:rPr lang="fr-FR" dirty="0" err="1"/>
+              <a:t>SGDClassifier</a:t>
+            </a:r>
+            <a:r>
+              <a:rPr lang="fr-FR" dirty="0"/>
+              <a:t>, </a:t>
+            </a:r>
+          </a:p>
+          <a:p>
+            <a:pPr marL="0" indent="0">
+              <a:buFont typeface="Arial" panose="020B0604020202020204" pitchFamily="34" charset="0"/>
+              <a:buNone/>
+            </a:pPr>
+            <a:r>
+              <a:rPr lang="fr-FR" dirty="0"/>
+              <a:t>Reg </a:t>
+            </a:r>
+            <a:r>
+              <a:rPr lang="fr-FR" dirty="0" err="1"/>
+              <a:t>Logistic</a:t>
+            </a:r>
+            <a:r>
+              <a:rPr lang="fr-FR" dirty="0"/>
+              <a:t> (descente de gradient) </a:t>
+            </a:r>
+          </a:p>
+          <a:p>
+            <a:pPr marL="0" indent="0">
+              <a:buFont typeface="Arial" panose="020B0604020202020204" pitchFamily="34" charset="0"/>
+              <a:buNone/>
+            </a:pPr>
+            <a:r>
+              <a:rPr lang="fr-FR" dirty="0" err="1"/>
+              <a:t>Rsx</a:t>
+            </a:r>
+            <a:r>
+              <a:rPr lang="fr-FR" dirty="0"/>
+              <a:t> de neurones</a:t>
+            </a:r>
+          </a:p>
+          <a:p>
+            <a:pPr marL="0" indent="0">
+              <a:buFont typeface="Arial" panose="020B0604020202020204" pitchFamily="34" charset="0"/>
+              <a:buNone/>
+            </a:pPr>
+            <a:r>
+              <a:rPr lang="fr-FR" dirty="0" err="1"/>
+              <a:t>Tensorflow</a:t>
+            </a:r>
             <a:endParaRPr lang="fr-FR" dirty="0"/>
           </a:p>
           <a:p>
-            <a:r>
-              <a:rPr lang="fr-FR" dirty="0"/>
-              <a:t>Mails identifiés comme SPAM (=1)</a:t>
-            </a:r>
-          </a:p>
-          <a:p>
-            <a:r>
-              <a:rPr lang="fr-FR" dirty="0"/>
-              <a:t>On se place en TP</a:t>
-            </a:r>
-          </a:p>
-          <a:p>
-            <a:r>
-              <a:rPr lang="fr-FR" dirty="0"/>
-              <a:t>On peut accepter FN non nul? Mail observé comme SPAM alors qu'on l'a prédit comme BON ? Je sais pas</a:t>
-            </a:r>
-          </a:p>
-          <a:p>
-            <a:r>
-              <a:rPr lang="fr-FR" dirty="0"/>
-              <a:t>On peut accepter FP non nul ? Mail observé comme BON alors qu'on l'a prédit comme SPAM ? Non ! =&gt; FP=0 =&gt; </a:t>
-            </a:r>
+            <a:pPr marL="0" indent="0">
+              <a:buFont typeface="Arial" panose="020B0604020202020204" pitchFamily="34" charset="0"/>
+              <a:buNone/>
+            </a:pPr>
             <a:r>
               <a:rPr lang="fr-FR" dirty="0" err="1"/>
-              <a:t>Precision</a:t>
-            </a:r>
-            <a:r>
-              <a:rPr lang="fr-FR" dirty="0"/>
-              <a:t> = 1 </a:t>
-            </a:r>
-          </a:p>
-          <a:p>
-            <a:endParaRPr lang="fr-FR" dirty="0"/>
-          </a:p>
-          <a:p>
-            <a:r>
-              <a:rPr lang="fr-FR" dirty="0"/>
-              <a:t>Pour le cancer (=1)</a:t>
-            </a:r>
-          </a:p>
-          <a:p>
-            <a:r>
-              <a:rPr lang="fr-FR" dirty="0"/>
-              <a:t>On se place en TP</a:t>
-            </a:r>
-          </a:p>
-          <a:p>
-            <a:r>
-              <a:rPr lang="fr-FR" dirty="0"/>
-              <a:t>On peut accepter FP non nul?  On n'observe pas de cancer (=0) alors qu'on a prédit cancer ? Je ne sais pas   </a:t>
-            </a:r>
-          </a:p>
-          <a:p>
-            <a:r>
-              <a:rPr lang="fr-FR" dirty="0"/>
-              <a:t>On peut accepter FN non nul? On observe un cancer (=1)        alors qu'on a prédit "pas de cancer" ? Non ! =&gt; FN=0 =&gt; </a:t>
-            </a:r>
-            <a:r>
-              <a:rPr lang="fr-FR" dirty="0" err="1"/>
-              <a:t>Recall</a:t>
-            </a:r>
-            <a:r>
-              <a:rPr lang="fr-FR" dirty="0"/>
-              <a:t> = 1</a:t>
-            </a:r>
-          </a:p>
-          <a:p>
-            <a:endParaRPr lang="fr-FR" dirty="0"/>
-          </a:p>
-          <a:p>
-            <a:r>
-              <a:rPr lang="fr-FR" dirty="0"/>
-              <a:t>Mails identifiés comme BON (=1)</a:t>
-            </a:r>
-          </a:p>
-          <a:p>
-            <a:r>
-              <a:rPr lang="fr-FR" dirty="0"/>
-              <a:t>On se place en TP</a:t>
-            </a:r>
-          </a:p>
-          <a:p>
-            <a:r>
-              <a:rPr lang="fr-FR" dirty="0"/>
-              <a:t>On peut accepter FP non nul ? Mail observé comme SPAM alors qu'on l'a prédit comme BON ?  Je sais pas   </a:t>
-            </a:r>
-          </a:p>
-          <a:p>
-            <a:r>
-              <a:rPr lang="fr-FR" dirty="0"/>
-              <a:t>On peut accepter FN non nul? Mail observé BON                alors qu'on l'a prédit comme SPAM ? Non ! =&gt; FN=0 =&gt; </a:t>
-            </a:r>
-            <a:r>
-              <a:rPr lang="fr-FR" dirty="0" err="1"/>
-              <a:t>Recall</a:t>
-            </a:r>
-            <a:r>
-              <a:rPr lang="fr-FR" dirty="0"/>
-              <a:t> = 1</a:t>
-            </a:r>
-          </a:p>
-          <a:p>
-            <a:endParaRPr lang="fr-FR" dirty="0"/>
-          </a:p>
-          <a:p>
-            <a:endParaRPr lang="fr-FR" dirty="0"/>
-          </a:p>
-          <a:p>
+              <a:t>Torch</a:t>
+            </a:r>
             <a:endParaRPr lang="fr-FR" dirty="0"/>
           </a:p>
         </p:txBody>
@@ -6248,7 +12138,7 @@
           <a:p>
             <a:fld id="{CA52ACDA-CAD7-4952-B2DF-2528E011DCB5}" type="slidenum">
               <a:rPr lang="fr-FR" smtClean="0"/>
-              <a:t>51</a:t>
+              <a:t>49</a:t>
             </a:fld>
             <a:endParaRPr lang="fr-FR"/>
           </a:p>
@@ -6257,7 +12147,7 @@
     </p:spTree>
     <p:extLst>
       <p:ext uri="{BB962C8B-B14F-4D97-AF65-F5344CB8AC3E}">
-        <p14:creationId xmlns:p14="http://schemas.microsoft.com/office/powerpoint/2010/main" val="737341901"/>
+        <p14:creationId xmlns:p14="http://schemas.microsoft.com/office/powerpoint/2010/main" val="571246686"/>
       </p:ext>
     </p:extLst>
   </p:cSld>
@@ -30677,11 +36567,6 @@
 <file path=ppt/slides/slide48.xml><?xml version="1.0" encoding="utf-8"?>
 <p:sld xmlns:a="http://schemas.openxmlformats.org/drawingml/2006/main" xmlns:r="http://schemas.openxmlformats.org/officeDocument/2006/relationships" xmlns:p="http://schemas.openxmlformats.org/presentationml/2006/main">
   <p:cSld>
-    <p:bg>
-      <p:bgRef idx="1001">
-        <a:schemeClr val="bg1"/>
-      </p:bgRef>
-    </p:bg>
     <p:spTree>
       <p:nvGrpSpPr>
         <p:cNvPr id="1" name=""/>
@@ -30701,7 +36586,7 @@
           <p:cNvPr id="2" name="Titre 1">
             <a:extLst>
               <a:ext uri="{FF2B5EF4-FFF2-40B4-BE49-F238E27FC236}">
-                <a16:creationId xmlns:a16="http://schemas.microsoft.com/office/drawing/2014/main" id="{562C079C-6E96-0857-BE99-02DF37710FFB}"/>
+                <a16:creationId xmlns:a16="http://schemas.microsoft.com/office/drawing/2014/main" id="{56A319F3-9F0F-2FCA-3F8D-3370980E2ACC}"/>
               </a:ext>
             </a:extLst>
           </p:cNvPr>
@@ -30719,7 +36604,7 @@
           <a:p>
             <a:r>
               <a:rPr lang="fr-FR" dirty="0"/>
-              <a:t>FAQ</a:t>
+              <a:t>FAQ - Comment m'y retrouver ?</a:t>
             </a:r>
           </a:p>
         </p:txBody>
@@ -30729,7 +36614,7 @@
           <p:cNvPr id="3" name="Espace réservé du contenu 2">
             <a:extLst>
               <a:ext uri="{FF2B5EF4-FFF2-40B4-BE49-F238E27FC236}">
-                <a16:creationId xmlns:a16="http://schemas.microsoft.com/office/drawing/2014/main" id="{6519D101-60A4-12D3-B281-12119D7EE5BD}"/>
+                <a16:creationId xmlns:a16="http://schemas.microsoft.com/office/drawing/2014/main" id="{4245F667-5E9A-17B1-0504-7122F8FD6A49}"/>
               </a:ext>
             </a:extLst>
           </p:cNvPr>
@@ -30740,76 +36625,107 @@
             <p:ph idx="1"/>
           </p:nvPr>
         </p:nvSpPr>
-        <p:spPr/>
+        <p:spPr>
+          <a:xfrm>
+            <a:off x="838200" y="1825625"/>
+            <a:ext cx="11209638" cy="4351338"/>
+          </a:xfrm>
+        </p:spPr>
         <p:txBody>
-          <a:bodyPr/>
+          <a:bodyPr>
+            <a:normAutofit/>
+          </a:bodyPr>
           <a:lstStyle/>
           <a:p>
             <a:r>
-              <a:rPr lang="fr-FR" dirty="0"/>
-              <a:t>Comment m'y retrouver dans les modèles à utiliser?</a:t>
-            </a:r>
-          </a:p>
-          <a:p>
-            <a:r>
-              <a:rPr lang="fr-FR" sz="1800" dirty="0">
-                <a:latin typeface="Courier New" panose="02070309020205020404" pitchFamily="49" charset="0"/>
-                <a:cs typeface="Courier New" panose="02070309020205020404" pitchFamily="49" charset="0"/>
+              <a:rPr lang="fr-FR" dirty="0">
                 <a:hlinkClick r:id="rId3"/>
               </a:rPr>
-              <a:t>https://scikit-learn.org/stable/tutorial/machine_learning_map/index.html</a:t>
-            </a:r>
-            <a:endParaRPr lang="fr-FR" sz="1800" dirty="0">
-              <a:latin typeface="Courier New" panose="02070309020205020404" pitchFamily="49" charset="0"/>
-              <a:cs typeface="Courier New" panose="02070309020205020404" pitchFamily="49" charset="0"/>
-            </a:endParaRPr>
-          </a:p>
-          <a:p>
-            <a:endParaRPr lang="fr-FR" sz="1800" dirty="0">
-              <a:latin typeface="Courier New" panose="02070309020205020404" pitchFamily="49" charset="0"/>
-              <a:cs typeface="Courier New" panose="02070309020205020404" pitchFamily="49" charset="0"/>
-            </a:endParaRPr>
+              <a:t>https://youtu.be/4mqKmTbAnHY?si=apBBzwRs0cxdflSO</a:t>
+            </a:r>
+            <a:endParaRPr lang="fr-FR" dirty="0"/>
+          </a:p>
+          <a:p>
+            <a:endParaRPr lang="fr-FR" dirty="0"/>
+          </a:p>
+          <a:p>
+            <a:pPr marL="514350" indent="-514350">
+              <a:buFont typeface="+mj-lt"/>
+              <a:buAutoNum type="arabicPeriod"/>
+            </a:pPr>
+            <a:r>
+              <a:rPr lang="fr-FR" sz="3600" dirty="0"/>
+              <a:t>Travailler avec des modèles qu'on comprend</a:t>
+            </a:r>
+          </a:p>
+          <a:p>
+            <a:pPr marL="514350" indent="-514350">
+              <a:buFont typeface="+mj-lt"/>
+              <a:buAutoNum type="arabicPeriod"/>
+            </a:pPr>
+            <a:r>
+              <a:rPr lang="fr-FR" sz="3600" dirty="0"/>
+              <a:t>Utiliser le modèle le plus simple en premier</a:t>
+            </a:r>
+          </a:p>
+          <a:p>
+            <a:pPr lvl="1"/>
+            <a:r>
+              <a:rPr lang="fr-FR" sz="3200" dirty="0"/>
+              <a:t>Suivre un métrique et voir si il s'améliore</a:t>
+            </a:r>
+          </a:p>
+          <a:p>
+            <a:pPr marL="514350" indent="-514350">
+              <a:buFont typeface="+mj-lt"/>
+              <a:buAutoNum type="arabicPeriod"/>
+            </a:pPr>
+            <a:r>
+              <a:rPr lang="fr-FR" sz="3600" dirty="0"/>
+              <a:t>Tester un max de modèles</a:t>
+            </a:r>
+          </a:p>
+          <a:p>
+            <a:pPr lvl="1"/>
+            <a:r>
+              <a:rPr lang="fr-FR" sz="3200" dirty="0"/>
+              <a:t>Retenir le meilleur à l'aune du métrique </a:t>
+            </a:r>
+          </a:p>
+          <a:p>
+            <a:endParaRPr lang="fr-FR" dirty="0"/>
           </a:p>
           <a:p>
             <a:endParaRPr lang="fr-FR" dirty="0"/>
           </a:p>
         </p:txBody>
       </p:sp>
-      <p:pic>
-        <p:nvPicPr>
-          <p:cNvPr id="1028" name="Picture 4" descr="Move mouse over image">
+      <p:sp>
+        <p:nvSpPr>
+          <p:cNvPr id="4" name="ZoneTexte 3">
             <a:extLst>
               <a:ext uri="{FF2B5EF4-FFF2-40B4-BE49-F238E27FC236}">
-                <a16:creationId xmlns:a16="http://schemas.microsoft.com/office/drawing/2014/main" id="{E774A131-0297-2494-0815-744E00773C04}"/>
+                <a16:creationId xmlns:a16="http://schemas.microsoft.com/office/drawing/2014/main" id="{C988267D-FB26-AB98-E988-624DA29F4181}"/>
               </a:ext>
             </a:extLst>
           </p:cNvPr>
-          <p:cNvPicPr>
-            <a:picLocks noChangeAspect="1" noChangeArrowheads="1"/>
-          </p:cNvPicPr>
+          <p:cNvSpPr txBox="1"/>
           <p:nvPr/>
-        </p:nvPicPr>
-        <p:blipFill>
-          <a:blip r:embed="rId4">
-            <a:extLst>
-              <a:ext uri="{28A0092B-C50C-407E-A947-70E740481C1C}">
-                <a14:useLocalDpi xmlns:a14="http://schemas.microsoft.com/office/drawing/2010/main" val="0"/>
-              </a:ext>
-            </a:extLst>
-          </a:blip>
-          <a:srcRect/>
-          <a:stretch>
-            <a:fillRect/>
-          </a:stretch>
-        </p:blipFill>
-        <p:spPr bwMode="auto">
-          <a:xfrm>
-            <a:off x="2924822" y="2836966"/>
-            <a:ext cx="6188295" cy="3858196"/>
+        </p:nvSpPr>
+        <p:spPr>
+          <a:xfrm rot="20778176">
+            <a:off x="9166970" y="443074"/>
+            <a:ext cx="2706959" cy="830997"/>
           </a:xfrm>
           <a:prstGeom prst="rect">
             <a:avLst/>
           </a:prstGeom>
+          <a:solidFill>
+            <a:schemeClr val="accent4">
+              <a:lumMod val="20000"/>
+              <a:lumOff val="80000"/>
+            </a:schemeClr>
+          </a:solidFill>
           <a:effectLst>
             <a:outerShdw blurRad="50800" dist="38100" dir="2700000" algn="tl" rotWithShape="0">
               <a:prstClr val="black">
@@ -30817,26 +36733,62 @@
               </a:prstClr>
             </a:outerShdw>
           </a:effectLst>
-          <a:extLst>
-            <a:ext uri="{909E8E84-426E-40DD-AFC4-6F175D3DCCD1}">
-              <a14:hiddenFill xmlns:a14="http://schemas.microsoft.com/office/drawing/2010/main">
-                <a:solidFill>
-                  <a:srgbClr val="FFFFFF"/>
-                </a:solidFill>
-              </a14:hiddenFill>
-            </a:ext>
-          </a:extLst>
         </p:spPr>
-      </p:pic>
+        <p:txBody>
+          <a:bodyPr wrap="none" rtlCol="0">
+            <a:spAutoFit/>
+          </a:bodyPr>
+          <a:lstStyle/>
+          <a:p>
+            <a:pPr algn="ctr"/>
+            <a:r>
+              <a:rPr lang="fr-FR" sz="2400" dirty="0">
+                <a:latin typeface="Impact" panose="020B0806030902050204" pitchFamily="34" charset="0"/>
+              </a:rPr>
+              <a:t>Le + important c'est </a:t>
+            </a:r>
+          </a:p>
+          <a:p>
+            <a:pPr algn="ctr"/>
+            <a:r>
+              <a:rPr lang="fr-FR" sz="2400" dirty="0">
+                <a:latin typeface="Impact" panose="020B0806030902050204" pitchFamily="34" charset="0"/>
+              </a:rPr>
+              <a:t>le </a:t>
+            </a:r>
+            <a:r>
+              <a:rPr lang="fr-FR" sz="2400" dirty="0" err="1">
+                <a:latin typeface="Impact" panose="020B0806030902050204" pitchFamily="34" charset="0"/>
+              </a:rPr>
+              <a:t>pre</a:t>
+            </a:r>
+            <a:r>
+              <a:rPr lang="fr-FR" sz="2400" dirty="0">
+                <a:latin typeface="Impact" panose="020B0806030902050204" pitchFamily="34" charset="0"/>
+              </a:rPr>
+              <a:t> </a:t>
+            </a:r>
+            <a:r>
+              <a:rPr lang="fr-FR" sz="2400" dirty="0" err="1">
+                <a:latin typeface="Impact" panose="020B0806030902050204" pitchFamily="34" charset="0"/>
+              </a:rPr>
+              <a:t>processing</a:t>
+            </a:r>
+            <a:endParaRPr lang="fr-FR" sz="2400" dirty="0">
+              <a:latin typeface="Impact" panose="020B0806030902050204" pitchFamily="34" charset="0"/>
+            </a:endParaRPr>
+          </a:p>
+        </p:txBody>
+      </p:sp>
     </p:spTree>
     <p:extLst>
       <p:ext uri="{BB962C8B-B14F-4D97-AF65-F5344CB8AC3E}">
-        <p14:creationId xmlns:p14="http://schemas.microsoft.com/office/powerpoint/2010/main" val="2519583685"/>
+        <p14:creationId xmlns:p14="http://schemas.microsoft.com/office/powerpoint/2010/main" val="721237993"/>
       </p:ext>
     </p:extLst>
   </p:cSld>
   <p:clrMapOvr>
-    <a:overrideClrMapping bg1="lt1" tx1="dk1" bg2="lt2" tx2="dk2" accent1="accent1" accent2="accent2" accent3="accent3" accent4="accent4" accent5="accent5" accent6="accent6" hlink="hlink" folHlink="folHlink"/>
+    <a:masterClrMapping/>
   </p:clrMapOvr>
 </p:sld>
 </file>
@@ -30863,7 +36815,7 @@
           <p:cNvPr id="2" name="Titre 1">
             <a:extLst>
               <a:ext uri="{FF2B5EF4-FFF2-40B4-BE49-F238E27FC236}">
-                <a16:creationId xmlns:a16="http://schemas.microsoft.com/office/drawing/2014/main" id="{97BC7E4F-90AC-4202-74B9-10B2FB34171C}"/>
+                <a16:creationId xmlns:a16="http://schemas.microsoft.com/office/drawing/2014/main" id="{56A319F3-9F0F-2FCA-3F8D-3370980E2ACC}"/>
               </a:ext>
             </a:extLst>
           </p:cNvPr>
@@ -30881,17 +36833,17 @@
           <a:p>
             <a:r>
               <a:rPr lang="fr-FR" dirty="0"/>
-              <a:t>Jour 7 - ML</a:t>
+              <a:t>FAQ – Comment m'y retrouver ?</a:t>
             </a:r>
           </a:p>
         </p:txBody>
       </p:sp>
       <p:sp>
         <p:nvSpPr>
-          <p:cNvPr id="4" name="Espace réservé du texte 3">
+          <p:cNvPr id="3" name="Espace réservé du contenu 2">
             <a:extLst>
               <a:ext uri="{FF2B5EF4-FFF2-40B4-BE49-F238E27FC236}">
-                <a16:creationId xmlns:a16="http://schemas.microsoft.com/office/drawing/2014/main" id="{3615EAE0-2093-D4EE-F7D1-CF6C423E3ACB}"/>
+                <a16:creationId xmlns:a16="http://schemas.microsoft.com/office/drawing/2014/main" id="{4245F667-5E9A-17B1-0504-7122F8FD6A49}"/>
               </a:ext>
             </a:extLst>
           </p:cNvPr>
@@ -30899,22 +36851,162 @@
             <a:spLocks noGrp="1"/>
           </p:cNvSpPr>
           <p:nvPr>
-            <p:ph type="body" idx="1"/>
+            <p:ph idx="1"/>
           </p:nvPr>
         </p:nvSpPr>
-        <p:spPr/>
+        <p:spPr>
+          <a:xfrm>
+            <a:off x="838200" y="1825625"/>
+            <a:ext cx="11209638" cy="4351338"/>
+          </a:xfrm>
+        </p:spPr>
         <p:txBody>
-          <a:bodyPr/>
+          <a:bodyPr>
+            <a:normAutofit fontScale="85000" lnSpcReduction="20000"/>
+          </a:bodyPr>
           <a:lstStyle/>
           <a:p>
-            <a:endParaRPr lang="fr-FR"/>
+            <a:r>
+              <a:rPr lang="fr-FR" dirty="0"/>
+              <a:t>Quantité de données</a:t>
+            </a:r>
+          </a:p>
+          <a:p>
+            <a:pPr lvl="1"/>
+            <a:r>
+              <a:rPr lang="fr-FR" dirty="0"/>
+              <a:t>&lt; 100 000 : n'importe quel modèle</a:t>
+            </a:r>
+          </a:p>
+          <a:p>
+            <a:pPr lvl="1"/>
+            <a:r>
+              <a:rPr lang="fr-FR" dirty="0"/>
+              <a:t>&gt; 100 000 : Descente de gradient (reg </a:t>
+            </a:r>
+            <a:r>
+              <a:rPr lang="fr-FR" dirty="0" err="1"/>
+              <a:t>logistic</a:t>
+            </a:r>
+            <a:r>
+              <a:rPr lang="fr-FR" dirty="0"/>
+              <a:t> par ex)</a:t>
+            </a:r>
+          </a:p>
+          <a:p>
+            <a:r>
+              <a:rPr lang="fr-FR" dirty="0"/>
+              <a:t>Données structurées</a:t>
+            </a:r>
+          </a:p>
+          <a:p>
+            <a:pPr lvl="1"/>
+            <a:r>
+              <a:rPr lang="fr-FR" dirty="0"/>
+              <a:t>Image, son, texte = données non structurées =&gt; Deep </a:t>
+            </a:r>
+            <a:r>
+              <a:rPr lang="fr-FR" dirty="0" err="1"/>
+              <a:t>learning</a:t>
+            </a:r>
+            <a:r>
+              <a:rPr lang="fr-FR" dirty="0"/>
+              <a:t> = </a:t>
+            </a:r>
+            <a:r>
+              <a:rPr lang="fr-FR" dirty="0" err="1"/>
+              <a:t>Rsx</a:t>
+            </a:r>
+            <a:r>
+              <a:rPr lang="fr-FR" dirty="0"/>
+              <a:t> Neurones</a:t>
+            </a:r>
+          </a:p>
+          <a:p>
+            <a:pPr lvl="1"/>
+            <a:r>
+              <a:rPr lang="fr-FR" dirty="0"/>
+              <a:t>Tableaux de données = données structurées =&gt; ML Classique</a:t>
+            </a:r>
+          </a:p>
+          <a:p>
+            <a:r>
+              <a:rPr lang="fr-FR" dirty="0"/>
+              <a:t>Normalité des données</a:t>
+            </a:r>
+          </a:p>
+          <a:p>
+            <a:pPr lvl="1"/>
+            <a:r>
+              <a:rPr lang="fr-FR" dirty="0"/>
+              <a:t>Modèle paramétrique : loi normale. Fonction avec un nb de paramètres fini (reg lin, reg log, </a:t>
+            </a:r>
+            <a:r>
+              <a:rPr lang="fr-FR" dirty="0" err="1"/>
+              <a:t>naive</a:t>
+            </a:r>
+            <a:r>
+              <a:rPr lang="fr-FR" dirty="0"/>
+              <a:t> bayes, petit </a:t>
+            </a:r>
+            <a:r>
+              <a:rPr lang="fr-FR" dirty="0" err="1"/>
+              <a:t>rsx</a:t>
+            </a:r>
+            <a:r>
+              <a:rPr lang="fr-FR" dirty="0"/>
+              <a:t> neurones)</a:t>
+            </a:r>
+          </a:p>
+          <a:p>
+            <a:pPr lvl="1"/>
+            <a:r>
+              <a:rPr lang="fr-FR" dirty="0"/>
+              <a:t>Modèle non paramétrique : pas de loi normale. Nb de para infini et inconnu : SVM, arbres, </a:t>
+            </a:r>
+            <a:r>
+              <a:rPr lang="fr-FR" dirty="0" err="1"/>
+              <a:t>random</a:t>
+            </a:r>
+            <a:r>
+              <a:rPr lang="fr-FR" dirty="0"/>
+              <a:t> </a:t>
+            </a:r>
+            <a:r>
+              <a:rPr lang="fr-FR" dirty="0" err="1"/>
+              <a:t>forest</a:t>
+            </a:r>
+            <a:r>
+              <a:rPr lang="fr-FR" dirty="0"/>
+              <a:t>, KNN</a:t>
+            </a:r>
+          </a:p>
+          <a:p>
+            <a:r>
+              <a:rPr lang="fr-FR" dirty="0"/>
+              <a:t>Variables quantitatives/qualitatives</a:t>
+            </a:r>
+          </a:p>
+          <a:p>
+            <a:pPr lvl="1"/>
+            <a:r>
+              <a:rPr lang="fr-FR" dirty="0"/>
+              <a:t>Les arbres ne sont pas efficaces quand y a bcp de données quantitatives (9:38)</a:t>
+            </a:r>
+          </a:p>
+          <a:p>
+            <a:pPr lvl="1"/>
+            <a:r>
+              <a:rPr lang="fr-FR" dirty="0"/>
+              <a:t>Les arbres sont efficaces quand y a beaucoup de catégories</a:t>
+            </a:r>
           </a:p>
         </p:txBody>
       </p:sp>
     </p:spTree>
     <p:extLst>
       <p:ext uri="{BB962C8B-B14F-4D97-AF65-F5344CB8AC3E}">
-        <p14:creationId xmlns:p14="http://schemas.microsoft.com/office/powerpoint/2010/main" val="2505287027"/>
+        <p14:creationId xmlns:p14="http://schemas.microsoft.com/office/powerpoint/2010/main" val="22722223"/>
       </p:ext>
     </p:extLst>
   </p:cSld>
@@ -31377,6 +37469,853 @@
 </file>
 
 <file path=ppt/slides/slide50.xml><?xml version="1.0" encoding="utf-8"?>
+<p:sld xmlns:a="http://schemas.openxmlformats.org/drawingml/2006/main" xmlns:r="http://schemas.openxmlformats.org/officeDocument/2006/relationships" xmlns:p="http://schemas.openxmlformats.org/presentationml/2006/main">
+  <p:cSld>
+    <p:spTree>
+      <p:nvGrpSpPr>
+        <p:cNvPr id="1" name=""/>
+        <p:cNvGrpSpPr/>
+        <p:nvPr/>
+      </p:nvGrpSpPr>
+      <p:grpSpPr>
+        <a:xfrm>
+          <a:off x="0" y="0"/>
+          <a:ext cx="0" cy="0"/>
+          <a:chOff x="0" y="0"/>
+          <a:chExt cx="0" cy="0"/>
+        </a:xfrm>
+      </p:grpSpPr>
+      <p:graphicFrame>
+        <p:nvGraphicFramePr>
+          <p:cNvPr id="7" name="Diagramme 6">
+            <a:extLst>
+              <a:ext uri="{FF2B5EF4-FFF2-40B4-BE49-F238E27FC236}">
+                <a16:creationId xmlns:a16="http://schemas.microsoft.com/office/drawing/2014/main" id="{DFC3CB11-8C2F-1C7B-5C2D-38EEA17D2042}"/>
+              </a:ext>
+            </a:extLst>
+          </p:cNvPr>
+          <p:cNvGraphicFramePr/>
+          <p:nvPr>
+            <p:extLst>
+              <p:ext uri="{D42A27DB-BD31-4B8C-83A1-F6EECF244321}">
+                <p14:modId xmlns:p14="http://schemas.microsoft.com/office/powerpoint/2010/main" val="2862990117"/>
+              </p:ext>
+            </p:extLst>
+          </p:nvPr>
+        </p:nvGraphicFramePr>
+        <p:xfrm>
+          <a:off x="1" y="0"/>
+          <a:ext cx="11178072" cy="6858000"/>
+        </p:xfrm>
+        <a:graphic>
+          <a:graphicData uri="http://schemas.openxmlformats.org/drawingml/2006/diagram">
+            <dgm:relIds xmlns:dgm="http://schemas.openxmlformats.org/drawingml/2006/diagram" xmlns:r="http://schemas.openxmlformats.org/officeDocument/2006/relationships" r:dm="rId3" r:lo="rId4" r:qs="rId5" r:cs="rId6"/>
+          </a:graphicData>
+        </a:graphic>
+      </p:graphicFrame>
+      <p:sp>
+        <p:nvSpPr>
+          <p:cNvPr id="8" name="ZoneTexte 7">
+            <a:extLst>
+              <a:ext uri="{FF2B5EF4-FFF2-40B4-BE49-F238E27FC236}">
+                <a16:creationId xmlns:a16="http://schemas.microsoft.com/office/drawing/2014/main" id="{857EBE8B-07B3-4D22-A9EF-887C2DD4FF32}"/>
+              </a:ext>
+            </a:extLst>
+          </p:cNvPr>
+          <p:cNvSpPr txBox="1"/>
+          <p:nvPr/>
+        </p:nvSpPr>
+        <p:spPr>
+          <a:xfrm>
+            <a:off x="9212234" y="5318449"/>
+            <a:ext cx="548548" cy="369332"/>
+          </a:xfrm>
+          <a:prstGeom prst="rect">
+            <a:avLst/>
+          </a:prstGeom>
+          <a:noFill/>
+        </p:spPr>
+        <p:txBody>
+          <a:bodyPr wrap="none" rtlCol="0">
+            <a:spAutoFit/>
+          </a:bodyPr>
+          <a:lstStyle/>
+          <a:p>
+            <a:r>
+              <a:rPr lang="fr-FR" dirty="0">
+                <a:solidFill>
+                  <a:srgbClr val="FF0000"/>
+                </a:solidFill>
+                <a:latin typeface="Impact" panose="020B0806030902050204" pitchFamily="34" charset="0"/>
+              </a:rPr>
+              <a:t>Non</a:t>
+            </a:r>
+          </a:p>
+        </p:txBody>
+      </p:sp>
+      <p:sp>
+        <p:nvSpPr>
+          <p:cNvPr id="9" name="ZoneTexte 8">
+            <a:extLst>
+              <a:ext uri="{FF2B5EF4-FFF2-40B4-BE49-F238E27FC236}">
+                <a16:creationId xmlns:a16="http://schemas.microsoft.com/office/drawing/2014/main" id="{AC785F8A-C304-1180-FC1D-83176B61604C}"/>
+              </a:ext>
+            </a:extLst>
+          </p:cNvPr>
+          <p:cNvSpPr txBox="1"/>
+          <p:nvPr/>
+        </p:nvSpPr>
+        <p:spPr>
+          <a:xfrm>
+            <a:off x="7467600" y="5312228"/>
+            <a:ext cx="494046" cy="369332"/>
+          </a:xfrm>
+          <a:prstGeom prst="rect">
+            <a:avLst/>
+          </a:prstGeom>
+          <a:noFill/>
+        </p:spPr>
+        <p:txBody>
+          <a:bodyPr wrap="none" rtlCol="0">
+            <a:spAutoFit/>
+          </a:bodyPr>
+          <a:lstStyle/>
+          <a:p>
+            <a:r>
+              <a:rPr lang="fr-FR" dirty="0">
+                <a:solidFill>
+                  <a:schemeClr val="accent6"/>
+                </a:solidFill>
+                <a:latin typeface="Impact" panose="020B0806030902050204" pitchFamily="34" charset="0"/>
+              </a:rPr>
+              <a:t>Oui</a:t>
+            </a:r>
+          </a:p>
+        </p:txBody>
+      </p:sp>
+      <p:sp>
+        <p:nvSpPr>
+          <p:cNvPr id="10" name="ZoneTexte 9">
+            <a:extLst>
+              <a:ext uri="{FF2B5EF4-FFF2-40B4-BE49-F238E27FC236}">
+                <a16:creationId xmlns:a16="http://schemas.microsoft.com/office/drawing/2014/main" id="{70E00C58-8214-3387-051E-D8149360B271}"/>
+              </a:ext>
+            </a:extLst>
+          </p:cNvPr>
+          <p:cNvSpPr txBox="1"/>
+          <p:nvPr/>
+        </p:nvSpPr>
+        <p:spPr>
+          <a:xfrm>
+            <a:off x="8251181" y="3853543"/>
+            <a:ext cx="548548" cy="369332"/>
+          </a:xfrm>
+          <a:prstGeom prst="rect">
+            <a:avLst/>
+          </a:prstGeom>
+          <a:noFill/>
+        </p:spPr>
+        <p:txBody>
+          <a:bodyPr wrap="none" rtlCol="0">
+            <a:spAutoFit/>
+          </a:bodyPr>
+          <a:lstStyle/>
+          <a:p>
+            <a:r>
+              <a:rPr lang="fr-FR" dirty="0">
+                <a:solidFill>
+                  <a:srgbClr val="FF0000"/>
+                </a:solidFill>
+                <a:latin typeface="Impact" panose="020B0806030902050204" pitchFamily="34" charset="0"/>
+              </a:rPr>
+              <a:t>Non</a:t>
+            </a:r>
+          </a:p>
+        </p:txBody>
+      </p:sp>
+      <p:sp>
+        <p:nvSpPr>
+          <p:cNvPr id="11" name="ZoneTexte 10">
+            <a:extLst>
+              <a:ext uri="{FF2B5EF4-FFF2-40B4-BE49-F238E27FC236}">
+                <a16:creationId xmlns:a16="http://schemas.microsoft.com/office/drawing/2014/main" id="{C169C622-482F-9EEA-27BE-EE848EE38D50}"/>
+              </a:ext>
+            </a:extLst>
+          </p:cNvPr>
+          <p:cNvSpPr txBox="1"/>
+          <p:nvPr/>
+        </p:nvSpPr>
+        <p:spPr>
+          <a:xfrm>
+            <a:off x="6503435" y="3853543"/>
+            <a:ext cx="494046" cy="369332"/>
+          </a:xfrm>
+          <a:prstGeom prst="rect">
+            <a:avLst/>
+          </a:prstGeom>
+          <a:noFill/>
+        </p:spPr>
+        <p:txBody>
+          <a:bodyPr wrap="none" rtlCol="0">
+            <a:spAutoFit/>
+          </a:bodyPr>
+          <a:lstStyle/>
+          <a:p>
+            <a:r>
+              <a:rPr lang="fr-FR" dirty="0">
+                <a:solidFill>
+                  <a:schemeClr val="accent6"/>
+                </a:solidFill>
+                <a:latin typeface="Impact" panose="020B0806030902050204" pitchFamily="34" charset="0"/>
+              </a:rPr>
+              <a:t>Oui</a:t>
+            </a:r>
+          </a:p>
+        </p:txBody>
+      </p:sp>
+      <p:sp>
+        <p:nvSpPr>
+          <p:cNvPr id="12" name="ZoneTexte 11">
+            <a:extLst>
+              <a:ext uri="{FF2B5EF4-FFF2-40B4-BE49-F238E27FC236}">
+                <a16:creationId xmlns:a16="http://schemas.microsoft.com/office/drawing/2014/main" id="{92248E2C-1616-0021-4D51-60C9B6081655}"/>
+              </a:ext>
+            </a:extLst>
+          </p:cNvPr>
+          <p:cNvSpPr txBox="1"/>
+          <p:nvPr/>
+        </p:nvSpPr>
+        <p:spPr>
+          <a:xfrm>
+            <a:off x="7314721" y="2397968"/>
+            <a:ext cx="548548" cy="369332"/>
+          </a:xfrm>
+          <a:prstGeom prst="rect">
+            <a:avLst/>
+          </a:prstGeom>
+          <a:noFill/>
+        </p:spPr>
+        <p:txBody>
+          <a:bodyPr wrap="none" rtlCol="0">
+            <a:spAutoFit/>
+          </a:bodyPr>
+          <a:lstStyle/>
+          <a:p>
+            <a:r>
+              <a:rPr lang="fr-FR" dirty="0">
+                <a:solidFill>
+                  <a:srgbClr val="FF0000"/>
+                </a:solidFill>
+                <a:latin typeface="Impact" panose="020B0806030902050204" pitchFamily="34" charset="0"/>
+              </a:rPr>
+              <a:t>Non</a:t>
+            </a:r>
+          </a:p>
+        </p:txBody>
+      </p:sp>
+      <p:sp>
+        <p:nvSpPr>
+          <p:cNvPr id="13" name="ZoneTexte 12">
+            <a:extLst>
+              <a:ext uri="{FF2B5EF4-FFF2-40B4-BE49-F238E27FC236}">
+                <a16:creationId xmlns:a16="http://schemas.microsoft.com/office/drawing/2014/main" id="{728006F3-CD67-8CF6-748B-A6991818A2DC}"/>
+              </a:ext>
+            </a:extLst>
+          </p:cNvPr>
+          <p:cNvSpPr txBox="1"/>
+          <p:nvPr/>
+        </p:nvSpPr>
+        <p:spPr>
+          <a:xfrm>
+            <a:off x="5384106" y="2397968"/>
+            <a:ext cx="494046" cy="369332"/>
+          </a:xfrm>
+          <a:prstGeom prst="rect">
+            <a:avLst/>
+          </a:prstGeom>
+          <a:noFill/>
+        </p:spPr>
+        <p:txBody>
+          <a:bodyPr wrap="none" rtlCol="0">
+            <a:spAutoFit/>
+          </a:bodyPr>
+          <a:lstStyle/>
+          <a:p>
+            <a:r>
+              <a:rPr lang="fr-FR" dirty="0">
+                <a:solidFill>
+                  <a:schemeClr val="accent6"/>
+                </a:solidFill>
+                <a:latin typeface="Impact" panose="020B0806030902050204" pitchFamily="34" charset="0"/>
+              </a:rPr>
+              <a:t>Oui</a:t>
+            </a:r>
+          </a:p>
+        </p:txBody>
+      </p:sp>
+      <p:sp>
+        <p:nvSpPr>
+          <p:cNvPr id="14" name="ZoneTexte 13">
+            <a:extLst>
+              <a:ext uri="{FF2B5EF4-FFF2-40B4-BE49-F238E27FC236}">
+                <a16:creationId xmlns:a16="http://schemas.microsoft.com/office/drawing/2014/main" id="{04183295-18F2-5CE0-FC8B-402FDAAEABDC}"/>
+              </a:ext>
+            </a:extLst>
+          </p:cNvPr>
+          <p:cNvSpPr txBox="1"/>
+          <p:nvPr/>
+        </p:nvSpPr>
+        <p:spPr>
+          <a:xfrm>
+            <a:off x="5417845" y="936172"/>
+            <a:ext cx="548548" cy="369332"/>
+          </a:xfrm>
+          <a:prstGeom prst="rect">
+            <a:avLst/>
+          </a:prstGeom>
+          <a:noFill/>
+        </p:spPr>
+        <p:txBody>
+          <a:bodyPr wrap="none" rtlCol="0">
+            <a:spAutoFit/>
+          </a:bodyPr>
+          <a:lstStyle/>
+          <a:p>
+            <a:r>
+              <a:rPr lang="fr-FR" dirty="0">
+                <a:solidFill>
+                  <a:srgbClr val="FF0000"/>
+                </a:solidFill>
+                <a:latin typeface="Impact" panose="020B0806030902050204" pitchFamily="34" charset="0"/>
+              </a:rPr>
+              <a:t>Non</a:t>
+            </a:r>
+          </a:p>
+        </p:txBody>
+      </p:sp>
+      <p:sp>
+        <p:nvSpPr>
+          <p:cNvPr id="15" name="ZoneTexte 14">
+            <a:extLst>
+              <a:ext uri="{FF2B5EF4-FFF2-40B4-BE49-F238E27FC236}">
+                <a16:creationId xmlns:a16="http://schemas.microsoft.com/office/drawing/2014/main" id="{0EFAD305-E0EB-728E-85C7-454BF8DB0E48}"/>
+              </a:ext>
+            </a:extLst>
+          </p:cNvPr>
+          <p:cNvSpPr txBox="1"/>
+          <p:nvPr/>
+        </p:nvSpPr>
+        <p:spPr>
+          <a:xfrm>
+            <a:off x="2926298" y="933062"/>
+            <a:ext cx="494046" cy="369332"/>
+          </a:xfrm>
+          <a:prstGeom prst="rect">
+            <a:avLst/>
+          </a:prstGeom>
+          <a:noFill/>
+        </p:spPr>
+        <p:txBody>
+          <a:bodyPr wrap="none" rtlCol="0">
+            <a:spAutoFit/>
+          </a:bodyPr>
+          <a:lstStyle/>
+          <a:p>
+            <a:r>
+              <a:rPr lang="fr-FR" dirty="0">
+                <a:solidFill>
+                  <a:schemeClr val="accent6"/>
+                </a:solidFill>
+                <a:latin typeface="Impact" panose="020B0806030902050204" pitchFamily="34" charset="0"/>
+              </a:rPr>
+              <a:t>Oui</a:t>
+            </a:r>
+          </a:p>
+        </p:txBody>
+      </p:sp>
+      <p:sp>
+        <p:nvSpPr>
+          <p:cNvPr id="16" name="ZoneTexte 15">
+            <a:extLst>
+              <a:ext uri="{FF2B5EF4-FFF2-40B4-BE49-F238E27FC236}">
+                <a16:creationId xmlns:a16="http://schemas.microsoft.com/office/drawing/2014/main" id="{0A26F3F7-A90D-88C2-2954-2A12C341B947}"/>
+              </a:ext>
+            </a:extLst>
+          </p:cNvPr>
+          <p:cNvSpPr txBox="1"/>
+          <p:nvPr/>
+        </p:nvSpPr>
+        <p:spPr>
+          <a:xfrm>
+            <a:off x="3284245" y="2397968"/>
+            <a:ext cx="548548" cy="369332"/>
+          </a:xfrm>
+          <a:prstGeom prst="rect">
+            <a:avLst/>
+          </a:prstGeom>
+          <a:noFill/>
+        </p:spPr>
+        <p:txBody>
+          <a:bodyPr wrap="none" rtlCol="0">
+            <a:spAutoFit/>
+          </a:bodyPr>
+          <a:lstStyle/>
+          <a:p>
+            <a:r>
+              <a:rPr lang="fr-FR" dirty="0">
+                <a:solidFill>
+                  <a:srgbClr val="FF0000"/>
+                </a:solidFill>
+                <a:latin typeface="Impact" panose="020B0806030902050204" pitchFamily="34" charset="0"/>
+              </a:rPr>
+              <a:t>Non</a:t>
+            </a:r>
+          </a:p>
+        </p:txBody>
+      </p:sp>
+      <p:sp>
+        <p:nvSpPr>
+          <p:cNvPr id="17" name="ZoneTexte 16">
+            <a:extLst>
+              <a:ext uri="{FF2B5EF4-FFF2-40B4-BE49-F238E27FC236}">
+                <a16:creationId xmlns:a16="http://schemas.microsoft.com/office/drawing/2014/main" id="{B34069D3-FAFD-23D5-1A91-C79194230EA3}"/>
+              </a:ext>
+            </a:extLst>
+          </p:cNvPr>
+          <p:cNvSpPr txBox="1"/>
+          <p:nvPr/>
+        </p:nvSpPr>
+        <p:spPr>
+          <a:xfrm>
+            <a:off x="1380849" y="2397968"/>
+            <a:ext cx="494046" cy="369332"/>
+          </a:xfrm>
+          <a:prstGeom prst="rect">
+            <a:avLst/>
+          </a:prstGeom>
+          <a:noFill/>
+        </p:spPr>
+        <p:txBody>
+          <a:bodyPr wrap="none" rtlCol="0">
+            <a:spAutoFit/>
+          </a:bodyPr>
+          <a:lstStyle/>
+          <a:p>
+            <a:r>
+              <a:rPr lang="fr-FR" dirty="0">
+                <a:solidFill>
+                  <a:schemeClr val="accent6"/>
+                </a:solidFill>
+                <a:latin typeface="Impact" panose="020B0806030902050204" pitchFamily="34" charset="0"/>
+              </a:rPr>
+              <a:t>Oui</a:t>
+            </a:r>
+          </a:p>
+        </p:txBody>
+      </p:sp>
+      <p:sp>
+        <p:nvSpPr>
+          <p:cNvPr id="18" name="ZoneTexte 17">
+            <a:extLst>
+              <a:ext uri="{FF2B5EF4-FFF2-40B4-BE49-F238E27FC236}">
+                <a16:creationId xmlns:a16="http://schemas.microsoft.com/office/drawing/2014/main" id="{92836352-2169-1DAD-5FFA-7A7B3774FF01}"/>
+              </a:ext>
+            </a:extLst>
+          </p:cNvPr>
+          <p:cNvSpPr txBox="1"/>
+          <p:nvPr/>
+        </p:nvSpPr>
+        <p:spPr>
+          <a:xfrm rot="21214993">
+            <a:off x="2660825" y="4011585"/>
+            <a:ext cx="1268489" cy="276999"/>
+          </a:xfrm>
+          <a:prstGeom prst="rect">
+            <a:avLst/>
+          </a:prstGeom>
+          <a:noFill/>
+        </p:spPr>
+        <p:txBody>
+          <a:bodyPr wrap="none" rtlCol="0">
+            <a:spAutoFit/>
+          </a:bodyPr>
+          <a:lstStyle/>
+          <a:p>
+            <a:r>
+              <a:rPr lang="fr-FR" sz="1200" dirty="0"/>
+              <a:t>Descente de </a:t>
+            </a:r>
+            <a:r>
+              <a:rPr lang="fr-FR" sz="1200" dirty="0" err="1"/>
+              <a:t>grad</a:t>
+            </a:r>
+            <a:endParaRPr lang="fr-FR" sz="1200" dirty="0"/>
+          </a:p>
+        </p:txBody>
+      </p:sp>
+      <p:sp>
+        <p:nvSpPr>
+          <p:cNvPr id="19" name="ZoneTexte 18">
+            <a:extLst>
+              <a:ext uri="{FF2B5EF4-FFF2-40B4-BE49-F238E27FC236}">
+                <a16:creationId xmlns:a16="http://schemas.microsoft.com/office/drawing/2014/main" id="{C1823719-35E9-732D-6DBE-AA04E03920EE}"/>
+              </a:ext>
+            </a:extLst>
+          </p:cNvPr>
+          <p:cNvSpPr txBox="1"/>
+          <p:nvPr/>
+        </p:nvSpPr>
+        <p:spPr>
+          <a:xfrm rot="21214993">
+            <a:off x="4467526" y="3992042"/>
+            <a:ext cx="1453988" cy="461665"/>
+          </a:xfrm>
+          <a:prstGeom prst="rect">
+            <a:avLst/>
+          </a:prstGeom>
+          <a:noFill/>
+        </p:spPr>
+        <p:txBody>
+          <a:bodyPr wrap="none" rtlCol="0">
+            <a:spAutoFit/>
+          </a:bodyPr>
+          <a:lstStyle/>
+          <a:p>
+            <a:r>
+              <a:rPr lang="fr-FR" sz="1200" dirty="0"/>
+              <a:t>Si très peu de points</a:t>
+            </a:r>
+          </a:p>
+          <a:p>
+            <a:r>
+              <a:rPr lang="fr-FR" sz="1200" dirty="0"/>
+              <a:t>SVM, </a:t>
+            </a:r>
+            <a:r>
+              <a:rPr lang="fr-FR" sz="1200" dirty="0" err="1"/>
+              <a:t>Naive</a:t>
+            </a:r>
+            <a:r>
+              <a:rPr lang="fr-FR" sz="1200" dirty="0"/>
+              <a:t> Bayes</a:t>
+            </a:r>
+          </a:p>
+        </p:txBody>
+      </p:sp>
+      <p:sp>
+        <p:nvSpPr>
+          <p:cNvPr id="20" name="ZoneTexte 19">
+            <a:extLst>
+              <a:ext uri="{FF2B5EF4-FFF2-40B4-BE49-F238E27FC236}">
+                <a16:creationId xmlns:a16="http://schemas.microsoft.com/office/drawing/2014/main" id="{05D0E764-5FF5-9660-E8A6-808F66E7021E}"/>
+              </a:ext>
+            </a:extLst>
+          </p:cNvPr>
+          <p:cNvSpPr txBox="1"/>
+          <p:nvPr/>
+        </p:nvSpPr>
+        <p:spPr>
+          <a:xfrm rot="21214993">
+            <a:off x="8326702" y="2651451"/>
+            <a:ext cx="1257395" cy="461665"/>
+          </a:xfrm>
+          <a:prstGeom prst="rect">
+            <a:avLst/>
+          </a:prstGeom>
+          <a:noFill/>
+        </p:spPr>
+        <p:txBody>
+          <a:bodyPr wrap="none" rtlCol="0">
+            <a:spAutoFit/>
+          </a:bodyPr>
+          <a:lstStyle/>
+          <a:p>
+            <a:r>
+              <a:rPr lang="fr-FR" sz="1200" dirty="0"/>
+              <a:t>Données suivent </a:t>
+            </a:r>
+            <a:br>
+              <a:rPr lang="fr-FR" sz="1200" dirty="0"/>
+            </a:br>
+            <a:r>
+              <a:rPr lang="fr-FR" sz="1200" dirty="0"/>
+              <a:t>une loi normale</a:t>
+            </a:r>
+          </a:p>
+        </p:txBody>
+      </p:sp>
+    </p:spTree>
+    <p:extLst>
+      <p:ext uri="{BB962C8B-B14F-4D97-AF65-F5344CB8AC3E}">
+        <p14:creationId xmlns:p14="http://schemas.microsoft.com/office/powerpoint/2010/main" val="115119004"/>
+      </p:ext>
+    </p:extLst>
+  </p:cSld>
+  <p:clrMapOvr>
+    <a:masterClrMapping/>
+  </p:clrMapOvr>
+</p:sld>
+</file>
+
+<file path=ppt/slides/slide51.xml><?xml version="1.0" encoding="utf-8"?>
+<p:sld xmlns:a="http://schemas.openxmlformats.org/drawingml/2006/main" xmlns:r="http://schemas.openxmlformats.org/officeDocument/2006/relationships" xmlns:p="http://schemas.openxmlformats.org/presentationml/2006/main">
+  <p:cSld>
+    <p:bg>
+      <p:bgRef idx="1001">
+        <a:schemeClr val="bg1"/>
+      </p:bgRef>
+    </p:bg>
+    <p:spTree>
+      <p:nvGrpSpPr>
+        <p:cNvPr id="1" name=""/>
+        <p:cNvGrpSpPr/>
+        <p:nvPr/>
+      </p:nvGrpSpPr>
+      <p:grpSpPr>
+        <a:xfrm>
+          <a:off x="0" y="0"/>
+          <a:ext cx="0" cy="0"/>
+          <a:chOff x="0" y="0"/>
+          <a:chExt cx="0" cy="0"/>
+        </a:xfrm>
+      </p:grpSpPr>
+      <p:sp>
+        <p:nvSpPr>
+          <p:cNvPr id="2" name="Titre 1">
+            <a:extLst>
+              <a:ext uri="{FF2B5EF4-FFF2-40B4-BE49-F238E27FC236}">
+                <a16:creationId xmlns:a16="http://schemas.microsoft.com/office/drawing/2014/main" id="{562C079C-6E96-0857-BE99-02DF37710FFB}"/>
+              </a:ext>
+            </a:extLst>
+          </p:cNvPr>
+          <p:cNvSpPr>
+            <a:spLocks noGrp="1"/>
+          </p:cNvSpPr>
+          <p:nvPr>
+            <p:ph type="title"/>
+          </p:nvPr>
+        </p:nvSpPr>
+        <p:spPr/>
+        <p:txBody>
+          <a:bodyPr/>
+          <a:lstStyle/>
+          <a:p>
+            <a:r>
+              <a:rPr lang="fr-FR" dirty="0"/>
+              <a:t>FAQ - Comment m'y retrouver ?</a:t>
+            </a:r>
+          </a:p>
+        </p:txBody>
+      </p:sp>
+      <p:sp>
+        <p:nvSpPr>
+          <p:cNvPr id="3" name="Espace réservé du contenu 2">
+            <a:extLst>
+              <a:ext uri="{FF2B5EF4-FFF2-40B4-BE49-F238E27FC236}">
+                <a16:creationId xmlns:a16="http://schemas.microsoft.com/office/drawing/2014/main" id="{6519D101-60A4-12D3-B281-12119D7EE5BD}"/>
+              </a:ext>
+            </a:extLst>
+          </p:cNvPr>
+          <p:cNvSpPr>
+            <a:spLocks noGrp="1"/>
+          </p:cNvSpPr>
+          <p:nvPr>
+            <p:ph idx="1"/>
+          </p:nvPr>
+        </p:nvSpPr>
+        <p:spPr>
+          <a:xfrm>
+            <a:off x="838200" y="1303867"/>
+            <a:ext cx="10515600" cy="4873096"/>
+          </a:xfrm>
+        </p:spPr>
+        <p:txBody>
+          <a:bodyPr/>
+          <a:lstStyle/>
+          <a:p>
+            <a:pPr marL="0" indent="0">
+              <a:buNone/>
+            </a:pPr>
+            <a:r>
+              <a:rPr lang="fr-FR" sz="1800" dirty="0">
+                <a:latin typeface="Courier New" panose="02070309020205020404" pitchFamily="49" charset="0"/>
+                <a:cs typeface="Courier New" panose="02070309020205020404" pitchFamily="49" charset="0"/>
+                <a:hlinkClick r:id="rId3"/>
+              </a:rPr>
+              <a:t>https://scikit-learn.org/stable/tutorial/machine_learning_map/index.html</a:t>
+            </a:r>
+            <a:endParaRPr lang="fr-FR" sz="1800" dirty="0">
+              <a:latin typeface="Courier New" panose="02070309020205020404" pitchFamily="49" charset="0"/>
+              <a:cs typeface="Courier New" panose="02070309020205020404" pitchFamily="49" charset="0"/>
+            </a:endParaRPr>
+          </a:p>
+          <a:p>
+            <a:pPr marL="0" indent="0">
+              <a:buNone/>
+            </a:pPr>
+            <a:endParaRPr lang="fr-FR" sz="1800" dirty="0">
+              <a:latin typeface="Courier New" panose="02070309020205020404" pitchFamily="49" charset="0"/>
+              <a:cs typeface="Courier New" panose="02070309020205020404" pitchFamily="49" charset="0"/>
+            </a:endParaRPr>
+          </a:p>
+          <a:p>
+            <a:pPr marL="0" indent="0">
+              <a:buNone/>
+            </a:pPr>
+            <a:endParaRPr lang="fr-FR" dirty="0"/>
+          </a:p>
+        </p:txBody>
+      </p:sp>
+      <p:pic>
+        <p:nvPicPr>
+          <p:cNvPr id="1028" name="Picture 4" descr="Move mouse over image">
+            <a:extLst>
+              <a:ext uri="{FF2B5EF4-FFF2-40B4-BE49-F238E27FC236}">
+                <a16:creationId xmlns:a16="http://schemas.microsoft.com/office/drawing/2014/main" id="{E774A131-0297-2494-0815-744E00773C04}"/>
+              </a:ext>
+            </a:extLst>
+          </p:cNvPr>
+          <p:cNvPicPr>
+            <a:picLocks noChangeAspect="1" noChangeArrowheads="1"/>
+          </p:cNvPicPr>
+          <p:nvPr/>
+        </p:nvPicPr>
+        <p:blipFill>
+          <a:blip r:embed="rId4">
+            <a:extLst>
+              <a:ext uri="{28A0092B-C50C-407E-A947-70E740481C1C}">
+                <a14:useLocalDpi xmlns:a14="http://schemas.microsoft.com/office/drawing/2010/main" val="0"/>
+              </a:ext>
+            </a:extLst>
+          </a:blip>
+          <a:srcRect/>
+          <a:stretch>
+            <a:fillRect/>
+          </a:stretch>
+        </p:blipFill>
+        <p:spPr bwMode="auto">
+          <a:xfrm>
+            <a:off x="2387077" y="1787380"/>
+            <a:ext cx="7547307" cy="4705495"/>
+          </a:xfrm>
+          <a:prstGeom prst="rect">
+            <a:avLst/>
+          </a:prstGeom>
+          <a:effectLst>
+            <a:outerShdw blurRad="50800" dist="38100" dir="2700000" algn="tl" rotWithShape="0">
+              <a:prstClr val="black">
+                <a:alpha val="40000"/>
+              </a:prstClr>
+            </a:outerShdw>
+          </a:effectLst>
+          <a:extLst>
+            <a:ext uri="{909E8E84-426E-40DD-AFC4-6F175D3DCCD1}">
+              <a14:hiddenFill xmlns:a14="http://schemas.microsoft.com/office/drawing/2010/main">
+                <a:solidFill>
+                  <a:srgbClr val="FFFFFF"/>
+                </a:solidFill>
+              </a14:hiddenFill>
+            </a:ext>
+          </a:extLst>
+        </p:spPr>
+      </p:pic>
+    </p:spTree>
+    <p:extLst>
+      <p:ext uri="{BB962C8B-B14F-4D97-AF65-F5344CB8AC3E}">
+        <p14:creationId xmlns:p14="http://schemas.microsoft.com/office/powerpoint/2010/main" val="2519583685"/>
+      </p:ext>
+    </p:extLst>
+  </p:cSld>
+  <p:clrMapOvr>
+    <a:overrideClrMapping bg1="lt1" tx1="dk1" bg2="lt2" tx2="dk2" accent1="accent1" accent2="accent2" accent3="accent3" accent4="accent4" accent5="accent5" accent6="accent6" hlink="hlink" folHlink="folHlink"/>
+  </p:clrMapOvr>
+</p:sld>
+</file>
+
+<file path=ppt/slides/slide52.xml><?xml version="1.0" encoding="utf-8"?>
+<p:sld xmlns:a="http://schemas.openxmlformats.org/drawingml/2006/main" xmlns:r="http://schemas.openxmlformats.org/officeDocument/2006/relationships" xmlns:p="http://schemas.openxmlformats.org/presentationml/2006/main">
+  <p:cSld>
+    <p:spTree>
+      <p:nvGrpSpPr>
+        <p:cNvPr id="1" name=""/>
+        <p:cNvGrpSpPr/>
+        <p:nvPr/>
+      </p:nvGrpSpPr>
+      <p:grpSpPr>
+        <a:xfrm>
+          <a:off x="0" y="0"/>
+          <a:ext cx="0" cy="0"/>
+          <a:chOff x="0" y="0"/>
+          <a:chExt cx="0" cy="0"/>
+        </a:xfrm>
+      </p:grpSpPr>
+      <p:sp>
+        <p:nvSpPr>
+          <p:cNvPr id="2" name="Titre 1">
+            <a:extLst>
+              <a:ext uri="{FF2B5EF4-FFF2-40B4-BE49-F238E27FC236}">
+                <a16:creationId xmlns:a16="http://schemas.microsoft.com/office/drawing/2014/main" id="{97BC7E4F-90AC-4202-74B9-10B2FB34171C}"/>
+              </a:ext>
+            </a:extLst>
+          </p:cNvPr>
+          <p:cNvSpPr>
+            <a:spLocks noGrp="1"/>
+          </p:cNvSpPr>
+          <p:nvPr>
+            <p:ph type="title"/>
+          </p:nvPr>
+        </p:nvSpPr>
+        <p:spPr/>
+        <p:txBody>
+          <a:bodyPr/>
+          <a:lstStyle/>
+          <a:p>
+            <a:r>
+              <a:rPr lang="fr-FR" dirty="0"/>
+              <a:t>Jour 7 - ML</a:t>
+            </a:r>
+          </a:p>
+        </p:txBody>
+      </p:sp>
+      <p:sp>
+        <p:nvSpPr>
+          <p:cNvPr id="4" name="Espace réservé du texte 3">
+            <a:extLst>
+              <a:ext uri="{FF2B5EF4-FFF2-40B4-BE49-F238E27FC236}">
+                <a16:creationId xmlns:a16="http://schemas.microsoft.com/office/drawing/2014/main" id="{3615EAE0-2093-D4EE-F7D1-CF6C423E3ACB}"/>
+              </a:ext>
+            </a:extLst>
+          </p:cNvPr>
+          <p:cNvSpPr>
+            <a:spLocks noGrp="1"/>
+          </p:cNvSpPr>
+          <p:nvPr>
+            <p:ph type="body" idx="1"/>
+          </p:nvPr>
+        </p:nvSpPr>
+        <p:spPr/>
+        <p:txBody>
+          <a:bodyPr/>
+          <a:lstStyle/>
+          <a:p>
+            <a:endParaRPr lang="fr-FR"/>
+          </a:p>
+        </p:txBody>
+      </p:sp>
+    </p:spTree>
+    <p:extLst>
+      <p:ext uri="{BB962C8B-B14F-4D97-AF65-F5344CB8AC3E}">
+        <p14:creationId xmlns:p14="http://schemas.microsoft.com/office/powerpoint/2010/main" val="2505287027"/>
+      </p:ext>
+    </p:extLst>
+  </p:cSld>
+  <p:clrMapOvr>
+    <a:masterClrMapping/>
+  </p:clrMapOvr>
+</p:sld>
+</file>
+
+<file path=ppt/slides/slide53.xml><?xml version="1.0" encoding="utf-8"?>
 <p:sld xmlns:a="http://schemas.openxmlformats.org/drawingml/2006/main" xmlns:r="http://schemas.openxmlformats.org/officeDocument/2006/relationships" xmlns:p="http://schemas.openxmlformats.org/presentationml/2006/main">
   <p:cSld>
     <p:spTree>
@@ -33119,7 +40058,7 @@
 </p:sld>
 </file>
 
-<file path=ppt/slides/slide51.xml><?xml version="1.0" encoding="utf-8"?>
+<file path=ppt/slides/slide54.xml><?xml version="1.0" encoding="utf-8"?>
 <p:sld xmlns:a="http://schemas.openxmlformats.org/drawingml/2006/main" xmlns:r="http://schemas.openxmlformats.org/officeDocument/2006/relationships" xmlns:p="http://schemas.openxmlformats.org/presentationml/2006/main">
   <p:cSld>
     <p:spTree>
@@ -34158,7 +41097,7 @@
 </p:sld>
 </file>
 
-<file path=ppt/slides/slide52.xml><?xml version="1.0" encoding="utf-8"?>
+<file path=ppt/slides/slide55.xml><?xml version="1.0" encoding="utf-8"?>
 <p:sld xmlns:a="http://schemas.openxmlformats.org/drawingml/2006/main" xmlns:r="http://schemas.openxmlformats.org/officeDocument/2006/relationships" xmlns:p="http://schemas.openxmlformats.org/presentationml/2006/main">
   <p:cSld>
     <p:spTree>
@@ -34241,7 +41180,7 @@
 </p:sld>
 </file>
 
-<file path=ppt/slides/slide53.xml><?xml version="1.0" encoding="utf-8"?>
+<file path=ppt/slides/slide56.xml><?xml version="1.0" encoding="utf-8"?>
 <p:sld xmlns:a="http://schemas.openxmlformats.org/drawingml/2006/main" xmlns:r="http://schemas.openxmlformats.org/officeDocument/2006/relationships" xmlns:p="http://schemas.openxmlformats.org/presentationml/2006/main">
   <p:cSld>
     <p:spTree>
@@ -34368,7 +41307,7 @@
 </p:sld>
 </file>
 
-<file path=ppt/slides/slide54.xml><?xml version="1.0" encoding="utf-8"?>
+<file path=ppt/slides/slide57.xml><?xml version="1.0" encoding="utf-8"?>
 <p:sld xmlns:a="http://schemas.openxmlformats.org/drawingml/2006/main" xmlns:r="http://schemas.openxmlformats.org/officeDocument/2006/relationships" xmlns:p="http://schemas.openxmlformats.org/presentationml/2006/main">
   <p:cSld>
     <p:spTree>
@@ -34553,7 +41492,7 @@
 </p:sld>
 </file>
 
-<file path=ppt/slides/slide55.xml><?xml version="1.0" encoding="utf-8"?>
+<file path=ppt/slides/slide58.xml><?xml version="1.0" encoding="utf-8"?>
 <p:sld xmlns:a="http://schemas.openxmlformats.org/drawingml/2006/main" xmlns:r="http://schemas.openxmlformats.org/officeDocument/2006/relationships" xmlns:p="http://schemas.openxmlformats.org/presentationml/2006/main">
   <p:cSld>
     <p:spTree>
@@ -34758,7 +41697,7 @@
 </p:sld>
 </file>
 
-<file path=ppt/slides/slide56.xml><?xml version="1.0" encoding="utf-8"?>
+<file path=ppt/slides/slide59.xml><?xml version="1.0" encoding="utf-8"?>
 <p:sld xmlns:a="http://schemas.openxmlformats.org/drawingml/2006/main" xmlns:r="http://schemas.openxmlformats.org/officeDocument/2006/relationships" xmlns:p="http://schemas.openxmlformats.org/presentationml/2006/main">
   <p:cSld>
     <p:spTree>
@@ -34838,602 +41777,6 @@
   <p:clrMapOvr>
     <a:masterClrMapping/>
   </p:clrMapOvr>
-</p:sld>
-</file>
-
-<file path=ppt/slides/slide57.xml><?xml version="1.0" encoding="utf-8"?>
-<p:sld xmlns:a="http://schemas.openxmlformats.org/drawingml/2006/main" xmlns:r="http://schemas.openxmlformats.org/officeDocument/2006/relationships" xmlns:p="http://schemas.openxmlformats.org/presentationml/2006/main">
-  <p:cSld>
-    <p:spTree>
-      <p:nvGrpSpPr>
-        <p:cNvPr id="1" name=""/>
-        <p:cNvGrpSpPr/>
-        <p:nvPr/>
-      </p:nvGrpSpPr>
-      <p:grpSpPr>
-        <a:xfrm>
-          <a:off x="0" y="0"/>
-          <a:ext cx="0" cy="0"/>
-          <a:chOff x="0" y="0"/>
-          <a:chExt cx="0" cy="0"/>
-        </a:xfrm>
-      </p:grpSpPr>
-      <p:sp>
-        <p:nvSpPr>
-          <p:cNvPr id="2" name="Titre 1">
-            <a:extLst>
-              <a:ext uri="{FF2B5EF4-FFF2-40B4-BE49-F238E27FC236}">
-                <a16:creationId xmlns:a16="http://schemas.microsoft.com/office/drawing/2014/main" id="{43027863-5F12-C0FC-41B6-6A37F08C783C}"/>
-              </a:ext>
-            </a:extLst>
-          </p:cNvPr>
-          <p:cNvSpPr>
-            <a:spLocks noGrp="1"/>
-          </p:cNvSpPr>
-          <p:nvPr>
-            <p:ph type="title"/>
-          </p:nvPr>
-        </p:nvSpPr>
-        <p:spPr/>
-        <p:txBody>
-          <a:bodyPr/>
-          <a:lstStyle/>
-          <a:p>
-            <a:r>
-              <a:rPr lang="fr-FR" dirty="0"/>
-              <a:t>Analyse</a:t>
-            </a:r>
-          </a:p>
-        </p:txBody>
-      </p:sp>
-      <p:sp>
-        <p:nvSpPr>
-          <p:cNvPr id="3" name="Espace réservé du contenu 2">
-            <a:extLst>
-              <a:ext uri="{FF2B5EF4-FFF2-40B4-BE49-F238E27FC236}">
-                <a16:creationId xmlns:a16="http://schemas.microsoft.com/office/drawing/2014/main" id="{7343D8EC-44D1-AF04-E6CC-7986F8B14507}"/>
-              </a:ext>
-            </a:extLst>
-          </p:cNvPr>
-          <p:cNvSpPr>
-            <a:spLocks noGrp="1"/>
-          </p:cNvSpPr>
-          <p:nvPr>
-            <p:ph idx="1"/>
-          </p:nvPr>
-        </p:nvSpPr>
-        <p:spPr/>
-        <p:txBody>
-          <a:bodyPr>
-            <a:normAutofit fontScale="92500" lnSpcReduction="10000"/>
-          </a:bodyPr>
-          <a:lstStyle/>
-          <a:p>
-            <a:r>
-              <a:rPr lang="fr-FR" dirty="0"/>
-              <a:t>C'est quoi votre </a:t>
-            </a:r>
-            <a:r>
-              <a:rPr lang="fr-FR" dirty="0" err="1"/>
-              <a:t>target</a:t>
-            </a:r>
-            <a:r>
-              <a:rPr lang="fr-FR" dirty="0"/>
-              <a:t> (y, </a:t>
-            </a:r>
-            <a:r>
-              <a:rPr lang="fr-FR" dirty="0" err="1"/>
-              <a:t>dependant</a:t>
-            </a:r>
-            <a:r>
-              <a:rPr lang="fr-FR" dirty="0"/>
-              <a:t> variable) ?</a:t>
-            </a:r>
-          </a:p>
-          <a:p>
-            <a:pPr lvl="1"/>
-            <a:r>
-              <a:rPr lang="fr-FR" dirty="0"/>
-              <a:t>Donc les autres ce sont les </a:t>
-            </a:r>
-            <a:r>
-              <a:rPr lang="fr-FR" dirty="0" err="1"/>
-              <a:t>features</a:t>
-            </a:r>
-            <a:r>
-              <a:rPr lang="fr-FR" dirty="0"/>
-              <a:t> (x, var indépendantes)</a:t>
-            </a:r>
-          </a:p>
-          <a:p>
-            <a:pPr lvl="1"/>
-            <a:r>
-              <a:rPr lang="fr-FR" dirty="0"/>
-              <a:t>Est-ce que toutes les </a:t>
-            </a:r>
-            <a:r>
-              <a:rPr lang="fr-FR" dirty="0" err="1"/>
-              <a:t>features</a:t>
-            </a:r>
-            <a:r>
-              <a:rPr lang="fr-FR" dirty="0"/>
-              <a:t> sont indépendantes, peut-on, doit-on en supprimer? Créer une nouvelle </a:t>
-            </a:r>
-            <a:r>
-              <a:rPr lang="fr-FR" dirty="0" err="1"/>
-              <a:t>feature</a:t>
-            </a:r>
-            <a:r>
-              <a:rPr lang="fr-FR" dirty="0"/>
-              <a:t> comme combinaison linaire d'autres </a:t>
-            </a:r>
-            <a:r>
-              <a:rPr lang="fr-FR" dirty="0" err="1"/>
-              <a:t>feature</a:t>
-            </a:r>
-            <a:r>
-              <a:rPr lang="fr-FR" dirty="0"/>
-              <a:t>?</a:t>
-            </a:r>
-          </a:p>
-          <a:p>
-            <a:r>
-              <a:rPr lang="fr-FR" dirty="0"/>
-              <a:t>C'est de la régression ou du classement?</a:t>
-            </a:r>
-          </a:p>
-          <a:p>
-            <a:r>
-              <a:rPr lang="fr-FR" dirty="0"/>
-              <a:t>Passez du temps sur l'EDA</a:t>
-            </a:r>
-          </a:p>
-          <a:p>
-            <a:pPr lvl="1"/>
-            <a:r>
-              <a:rPr lang="fr-FR" dirty="0"/>
-              <a:t>Revoyez l'exemple Titanic</a:t>
-            </a:r>
-          </a:p>
-          <a:p>
-            <a:pPr lvl="1"/>
-            <a:r>
-              <a:rPr lang="fr-FR" dirty="0"/>
-              <a:t>Affichez la </a:t>
-            </a:r>
-            <a:r>
-              <a:rPr lang="fr-FR" dirty="0" err="1"/>
-              <a:t>target</a:t>
-            </a:r>
-            <a:r>
-              <a:rPr lang="fr-FR" dirty="0"/>
-              <a:t> en fonction des </a:t>
-            </a:r>
-            <a:r>
-              <a:rPr lang="fr-FR" dirty="0" err="1"/>
-              <a:t>features</a:t>
-            </a:r>
-            <a:r>
-              <a:rPr lang="fr-FR" dirty="0"/>
-              <a:t>, appropriez-vous les données</a:t>
-            </a:r>
-          </a:p>
-          <a:p>
-            <a:r>
-              <a:rPr lang="fr-FR" dirty="0"/>
-              <a:t>Analysez, critiquez les scores</a:t>
-            </a:r>
-          </a:p>
-          <a:p>
-            <a:r>
-              <a:rPr lang="fr-FR" dirty="0"/>
-              <a:t>Y a-t-il d'autres modèles, en plus de ceux vus en cours, à tester ?</a:t>
-            </a:r>
-          </a:p>
-          <a:p>
-            <a:r>
-              <a:rPr lang="fr-FR" dirty="0"/>
-              <a:t>Y a-t-il des </a:t>
-            </a:r>
-            <a:r>
-              <a:rPr lang="fr-FR" dirty="0" err="1"/>
-              <a:t>scorings</a:t>
-            </a:r>
-            <a:r>
-              <a:rPr lang="fr-FR" dirty="0"/>
-              <a:t>, pas vu en cours, utilisables ?</a:t>
-            </a:r>
-          </a:p>
-          <a:p>
-            <a:endParaRPr lang="fr-FR" dirty="0"/>
-          </a:p>
-        </p:txBody>
-      </p:sp>
-    </p:spTree>
-    <p:extLst>
-      <p:ext uri="{BB962C8B-B14F-4D97-AF65-F5344CB8AC3E}">
-        <p14:creationId xmlns:p14="http://schemas.microsoft.com/office/powerpoint/2010/main" val="2196644587"/>
-      </p:ext>
-    </p:extLst>
-  </p:cSld>
-  <p:clrMapOvr>
-    <a:masterClrMapping/>
-  </p:clrMapOvr>
-</p:sld>
-</file>
-
-<file path=ppt/slides/slide58.xml><?xml version="1.0" encoding="utf-8"?>
-<p:sld xmlns:a="http://schemas.openxmlformats.org/drawingml/2006/main" xmlns:r="http://schemas.openxmlformats.org/officeDocument/2006/relationships" xmlns:p="http://schemas.openxmlformats.org/presentationml/2006/main">
-  <p:cSld>
-    <p:spTree>
-      <p:nvGrpSpPr>
-        <p:cNvPr id="1" name=""/>
-        <p:cNvGrpSpPr/>
-        <p:nvPr/>
-      </p:nvGrpSpPr>
-      <p:grpSpPr>
-        <a:xfrm>
-          <a:off x="0" y="0"/>
-          <a:ext cx="0" cy="0"/>
-          <a:chOff x="0" y="0"/>
-          <a:chExt cx="0" cy="0"/>
-        </a:xfrm>
-      </p:grpSpPr>
-      <p:sp>
-        <p:nvSpPr>
-          <p:cNvPr id="2" name="Titre 1">
-            <a:extLst>
-              <a:ext uri="{FF2B5EF4-FFF2-40B4-BE49-F238E27FC236}">
-                <a16:creationId xmlns:a16="http://schemas.microsoft.com/office/drawing/2014/main" id="{FA6243E6-E350-4836-3E9F-D3814475FD2C}"/>
-              </a:ext>
-            </a:extLst>
-          </p:cNvPr>
-          <p:cNvSpPr>
-            <a:spLocks noGrp="1"/>
-          </p:cNvSpPr>
-          <p:nvPr>
-            <p:ph type="title"/>
-          </p:nvPr>
-        </p:nvSpPr>
-        <p:spPr/>
-        <p:txBody>
-          <a:bodyPr/>
-          <a:lstStyle/>
-          <a:p>
-            <a:r>
-              <a:rPr lang="fr-FR"/>
-              <a:t>Jour 10 </a:t>
-            </a:r>
-            <a:r>
-              <a:rPr lang="fr-FR" dirty="0"/>
-              <a:t>- Présentations</a:t>
-            </a:r>
-          </a:p>
-        </p:txBody>
-      </p:sp>
-      <p:sp>
-        <p:nvSpPr>
-          <p:cNvPr id="4" name="Espace réservé du texte 3">
-            <a:extLst>
-              <a:ext uri="{FF2B5EF4-FFF2-40B4-BE49-F238E27FC236}">
-                <a16:creationId xmlns:a16="http://schemas.microsoft.com/office/drawing/2014/main" id="{3D678D7E-8072-8B66-6EB7-C0CECFAF9EAE}"/>
-              </a:ext>
-            </a:extLst>
-          </p:cNvPr>
-          <p:cNvSpPr>
-            <a:spLocks noGrp="1"/>
-          </p:cNvSpPr>
-          <p:nvPr>
-            <p:ph type="body" idx="1"/>
-          </p:nvPr>
-        </p:nvSpPr>
-        <p:spPr/>
-        <p:txBody>
-          <a:bodyPr/>
-          <a:lstStyle/>
-          <a:p>
-            <a:endParaRPr lang="fr-FR"/>
-          </a:p>
-        </p:txBody>
-      </p:sp>
-    </p:spTree>
-    <p:extLst>
-      <p:ext uri="{BB962C8B-B14F-4D97-AF65-F5344CB8AC3E}">
-        <p14:creationId xmlns:p14="http://schemas.microsoft.com/office/powerpoint/2010/main" val="1230004352"/>
-      </p:ext>
-    </p:extLst>
-  </p:cSld>
-  <p:clrMapOvr>
-    <a:masterClrMapping/>
-  </p:clrMapOvr>
-</p:sld>
-</file>
-
-<file path=ppt/slides/slide59.xml><?xml version="1.0" encoding="utf-8"?>
-<p:sld xmlns:a="http://schemas.openxmlformats.org/drawingml/2006/main" xmlns:r="http://schemas.openxmlformats.org/officeDocument/2006/relationships" xmlns:p="http://schemas.openxmlformats.org/presentationml/2006/main">
-  <p:cSld>
-    <p:spTree>
-      <p:nvGrpSpPr>
-        <p:cNvPr id="1" name=""/>
-        <p:cNvGrpSpPr/>
-        <p:nvPr/>
-      </p:nvGrpSpPr>
-      <p:grpSpPr>
-        <a:xfrm>
-          <a:off x="0" y="0"/>
-          <a:ext cx="0" cy="0"/>
-          <a:chOff x="0" y="0"/>
-          <a:chExt cx="0" cy="0"/>
-        </a:xfrm>
-      </p:grpSpPr>
-      <p:sp>
-        <p:nvSpPr>
-          <p:cNvPr id="2" name="Titre 1">
-            <a:extLst>
-              <a:ext uri="{FF2B5EF4-FFF2-40B4-BE49-F238E27FC236}">
-                <a16:creationId xmlns:a16="http://schemas.microsoft.com/office/drawing/2014/main" id="{370F5FAD-9F53-AAE9-AB90-BF22980F842C}"/>
-              </a:ext>
-            </a:extLst>
-          </p:cNvPr>
-          <p:cNvSpPr>
-            <a:spLocks noGrp="1"/>
-          </p:cNvSpPr>
-          <p:nvPr>
-            <p:ph type="title"/>
-          </p:nvPr>
-        </p:nvSpPr>
-        <p:spPr/>
-        <p:txBody>
-          <a:bodyPr/>
-          <a:lstStyle/>
-          <a:p>
-            <a:r>
-              <a:rPr lang="fr-FR" dirty="0"/>
-              <a:t>Présentation</a:t>
-            </a:r>
-          </a:p>
-        </p:txBody>
-      </p:sp>
-      <p:sp>
-        <p:nvSpPr>
-          <p:cNvPr id="3" name="Espace réservé du contenu 2">
-            <a:extLst>
-              <a:ext uri="{FF2B5EF4-FFF2-40B4-BE49-F238E27FC236}">
-                <a16:creationId xmlns:a16="http://schemas.microsoft.com/office/drawing/2014/main" id="{913331AE-0180-6BC1-67DA-C0635E1BC504}"/>
-              </a:ext>
-            </a:extLst>
-          </p:cNvPr>
-          <p:cNvSpPr>
-            <a:spLocks noGrp="1"/>
-          </p:cNvSpPr>
-          <p:nvPr>
-            <p:ph idx="1"/>
-          </p:nvPr>
-        </p:nvSpPr>
-        <p:spPr>
-          <a:xfrm>
-            <a:off x="838200" y="1825625"/>
-            <a:ext cx="10595708" cy="4351338"/>
-          </a:xfrm>
-        </p:spPr>
-        <p:txBody>
-          <a:bodyPr>
-            <a:normAutofit lnSpcReduction="10000"/>
-          </a:bodyPr>
-          <a:lstStyle/>
-          <a:p>
-            <a:r>
-              <a:rPr lang="fr-FR" dirty="0"/>
-              <a:t>10' + 5' de questions</a:t>
-            </a:r>
-          </a:p>
-          <a:p>
-            <a:r>
-              <a:rPr lang="fr-FR" dirty="0"/>
-              <a:t>=&gt; 5-6 slides</a:t>
-            </a:r>
-          </a:p>
-          <a:p>
-            <a:r>
-              <a:rPr lang="fr-FR" dirty="0"/>
-              <a:t>Pensez au slide qui va rester à l'écran pendant les Q&amp;A</a:t>
-            </a:r>
-          </a:p>
-          <a:p>
-            <a:pPr lvl="1"/>
-            <a:r>
-              <a:rPr lang="fr-FR" dirty="0"/>
-              <a:t>Vous passez quoi comme message pendant ce temps?</a:t>
-            </a:r>
-          </a:p>
-          <a:p>
-            <a:r>
-              <a:rPr lang="fr-FR" dirty="0"/>
-              <a:t>Imaginez que vous présentez à vos parents</a:t>
-            </a:r>
-          </a:p>
-          <a:p>
-            <a:pPr lvl="1"/>
-            <a:r>
-              <a:rPr lang="fr-FR" dirty="0"/>
-              <a:t>Assurez-vous que l'auditoire vous suit</a:t>
-            </a:r>
-          </a:p>
-          <a:p>
-            <a:pPr lvl="1"/>
-            <a:r>
-              <a:rPr lang="fr-FR" dirty="0"/>
-              <a:t>Pas (trop) de technique, des images, des dessins des conclusions simples</a:t>
-            </a:r>
-          </a:p>
-          <a:p>
-            <a:r>
-              <a:rPr lang="fr-FR" dirty="0"/>
-              <a:t>Pas trop de texte sur les slides</a:t>
-            </a:r>
-          </a:p>
-          <a:p>
-            <a:pPr lvl="1"/>
-            <a:r>
-              <a:rPr lang="fr-FR" dirty="0"/>
-              <a:t>5 phrases max</a:t>
-            </a:r>
-          </a:p>
-          <a:p>
-            <a:pPr lvl="1"/>
-            <a:r>
-              <a:rPr lang="fr-FR" dirty="0"/>
-              <a:t>5 mots par phrase</a:t>
-            </a:r>
-          </a:p>
-        </p:txBody>
-      </p:sp>
-      <p:sp>
-        <p:nvSpPr>
-          <p:cNvPr id="4" name="Rectangle 3">
-            <a:extLst>
-              <a:ext uri="{FF2B5EF4-FFF2-40B4-BE49-F238E27FC236}">
-                <a16:creationId xmlns:a16="http://schemas.microsoft.com/office/drawing/2014/main" id="{BCEA8BD6-0DDE-5D47-7C19-8D80130371BB}"/>
-              </a:ext>
-            </a:extLst>
-          </p:cNvPr>
-          <p:cNvSpPr/>
-          <p:nvPr/>
-        </p:nvSpPr>
-        <p:spPr>
-          <a:xfrm>
-            <a:off x="10639425" y="13654"/>
-            <a:ext cx="1543050" cy="519484"/>
-          </a:xfrm>
-          <a:prstGeom prst="rect">
-            <a:avLst/>
-          </a:prstGeom>
-          <a:solidFill>
-            <a:schemeClr val="accent6"/>
-          </a:solidFill>
-          <a:ln>
-            <a:noFill/>
-          </a:ln>
-        </p:spPr>
-        <p:style>
-          <a:lnRef idx="2">
-            <a:schemeClr val="accent1">
-              <a:shade val="15000"/>
-            </a:schemeClr>
-          </a:lnRef>
-          <a:fillRef idx="1">
-            <a:schemeClr val="accent1"/>
-          </a:fillRef>
-          <a:effectRef idx="0">
-            <a:schemeClr val="accent1"/>
-          </a:effectRef>
-          <a:fontRef idx="minor">
-            <a:schemeClr val="lt1"/>
-          </a:fontRef>
-        </p:style>
-        <p:txBody>
-          <a:bodyPr rtlCol="0" anchor="ctr"/>
-          <a:lstStyle/>
-          <a:p>
-            <a:pPr algn="ctr"/>
-            <a:r>
-              <a:rPr lang="fr-FR" dirty="0"/>
-              <a:t>Commentaires</a:t>
-            </a:r>
-          </a:p>
-        </p:txBody>
-      </p:sp>
-    </p:spTree>
-    <p:extLst>
-      <p:ext uri="{BB962C8B-B14F-4D97-AF65-F5344CB8AC3E}">
-        <p14:creationId xmlns:p14="http://schemas.microsoft.com/office/powerpoint/2010/main" val="670108457"/>
-      </p:ext>
-    </p:extLst>
-  </p:cSld>
-  <p:clrMapOvr>
-    <a:masterClrMapping/>
-  </p:clrMapOvr>
-  <p:timing>
-    <p:tnLst>
-      <p:par>
-        <p:cTn id="1" dur="indefinite" restart="never" nodeType="tmRoot">
-          <p:childTnLst>
-            <p:seq concurrent="1" nextAc="seek">
-              <p:cTn id="2" dur="indefinite" nodeType="mainSeq">
-                <p:childTnLst>
-                  <p:par>
-                    <p:cTn id="3" fill="hold">
-                      <p:stCondLst>
-                        <p:cond delay="indefinite"/>
-                        <p:cond evt="onBegin" delay="0">
-                          <p:tn val="2"/>
-                        </p:cond>
-                      </p:stCondLst>
-                      <p:childTnLst>
-                        <p:par>
-                          <p:cTn id="4" fill="hold">
-                            <p:stCondLst>
-                              <p:cond delay="0"/>
-                            </p:stCondLst>
-                            <p:childTnLst>
-                              <p:par>
-                                <p:cTn id="5" presetID="1" presetClass="exit" presetSubtype="0" fill="hold" grpId="0" nodeType="withEffect">
-                                  <p:stCondLst>
-                                    <p:cond delay="0"/>
-                                  </p:stCondLst>
-                                  <p:childTnLst>
-                                    <p:set>
-                                      <p:cBhvr>
-                                        <p:cTn id="6" dur="1" fill="hold">
-                                          <p:stCondLst>
-                                            <p:cond delay="0"/>
-                                          </p:stCondLst>
-                                        </p:cTn>
-                                        <p:tgtEl>
-                                          <p:spTgt spid="4"/>
-                                        </p:tgtEl>
-                                        <p:attrNameLst>
-                                          <p:attrName>style.visibility</p:attrName>
-                                        </p:attrNameLst>
-                                      </p:cBhvr>
-                                      <p:to>
-                                        <p:strVal val="hidden"/>
-                                      </p:to>
-                                    </p:set>
-                                  </p:childTnLst>
-                                </p:cTn>
-                              </p:par>
-                            </p:childTnLst>
-                          </p:cTn>
-                        </p:par>
-                      </p:childTnLst>
-                    </p:cTn>
-                  </p:par>
-                </p:childTnLst>
-              </p:cTn>
-              <p:prevCondLst>
-                <p:cond evt="onPrev" delay="0">
-                  <p:tgtEl>
-                    <p:sldTgt/>
-                  </p:tgtEl>
-                </p:cond>
-              </p:prevCondLst>
-              <p:nextCondLst>
-                <p:cond evt="onNext" delay="0">
-                  <p:tgtEl>
-                    <p:sldTgt/>
-                  </p:tgtEl>
-                </p:cond>
-              </p:nextCondLst>
-            </p:seq>
-          </p:childTnLst>
-        </p:cTn>
-      </p:par>
-    </p:tnLst>
-    <p:bldLst>
-      <p:bldP spid="4" grpId="0" animBg="1"/>
-    </p:bldLst>
-  </p:timing>
 </p:sld>
 </file>
 
@@ -35792,6 +42135,602 @@
 </file>
 
 <file path=ppt/slides/slide60.xml><?xml version="1.0" encoding="utf-8"?>
+<p:sld xmlns:a="http://schemas.openxmlformats.org/drawingml/2006/main" xmlns:r="http://schemas.openxmlformats.org/officeDocument/2006/relationships" xmlns:p="http://schemas.openxmlformats.org/presentationml/2006/main">
+  <p:cSld>
+    <p:spTree>
+      <p:nvGrpSpPr>
+        <p:cNvPr id="1" name=""/>
+        <p:cNvGrpSpPr/>
+        <p:nvPr/>
+      </p:nvGrpSpPr>
+      <p:grpSpPr>
+        <a:xfrm>
+          <a:off x="0" y="0"/>
+          <a:ext cx="0" cy="0"/>
+          <a:chOff x="0" y="0"/>
+          <a:chExt cx="0" cy="0"/>
+        </a:xfrm>
+      </p:grpSpPr>
+      <p:sp>
+        <p:nvSpPr>
+          <p:cNvPr id="2" name="Titre 1">
+            <a:extLst>
+              <a:ext uri="{FF2B5EF4-FFF2-40B4-BE49-F238E27FC236}">
+                <a16:creationId xmlns:a16="http://schemas.microsoft.com/office/drawing/2014/main" id="{43027863-5F12-C0FC-41B6-6A37F08C783C}"/>
+              </a:ext>
+            </a:extLst>
+          </p:cNvPr>
+          <p:cNvSpPr>
+            <a:spLocks noGrp="1"/>
+          </p:cNvSpPr>
+          <p:nvPr>
+            <p:ph type="title"/>
+          </p:nvPr>
+        </p:nvSpPr>
+        <p:spPr/>
+        <p:txBody>
+          <a:bodyPr/>
+          <a:lstStyle/>
+          <a:p>
+            <a:r>
+              <a:rPr lang="fr-FR" dirty="0"/>
+              <a:t>Analyse</a:t>
+            </a:r>
+          </a:p>
+        </p:txBody>
+      </p:sp>
+      <p:sp>
+        <p:nvSpPr>
+          <p:cNvPr id="3" name="Espace réservé du contenu 2">
+            <a:extLst>
+              <a:ext uri="{FF2B5EF4-FFF2-40B4-BE49-F238E27FC236}">
+                <a16:creationId xmlns:a16="http://schemas.microsoft.com/office/drawing/2014/main" id="{7343D8EC-44D1-AF04-E6CC-7986F8B14507}"/>
+              </a:ext>
+            </a:extLst>
+          </p:cNvPr>
+          <p:cNvSpPr>
+            <a:spLocks noGrp="1"/>
+          </p:cNvSpPr>
+          <p:nvPr>
+            <p:ph idx="1"/>
+          </p:nvPr>
+        </p:nvSpPr>
+        <p:spPr/>
+        <p:txBody>
+          <a:bodyPr>
+            <a:normAutofit fontScale="92500" lnSpcReduction="10000"/>
+          </a:bodyPr>
+          <a:lstStyle/>
+          <a:p>
+            <a:r>
+              <a:rPr lang="fr-FR" dirty="0"/>
+              <a:t>C'est quoi votre </a:t>
+            </a:r>
+            <a:r>
+              <a:rPr lang="fr-FR" dirty="0" err="1"/>
+              <a:t>target</a:t>
+            </a:r>
+            <a:r>
+              <a:rPr lang="fr-FR" dirty="0"/>
+              <a:t> (y, </a:t>
+            </a:r>
+            <a:r>
+              <a:rPr lang="fr-FR" dirty="0" err="1"/>
+              <a:t>dependant</a:t>
+            </a:r>
+            <a:r>
+              <a:rPr lang="fr-FR" dirty="0"/>
+              <a:t> variable) ?</a:t>
+            </a:r>
+          </a:p>
+          <a:p>
+            <a:pPr lvl="1"/>
+            <a:r>
+              <a:rPr lang="fr-FR" dirty="0"/>
+              <a:t>Donc les autres ce sont les </a:t>
+            </a:r>
+            <a:r>
+              <a:rPr lang="fr-FR" dirty="0" err="1"/>
+              <a:t>features</a:t>
+            </a:r>
+            <a:r>
+              <a:rPr lang="fr-FR" dirty="0"/>
+              <a:t> (x, var indépendantes)</a:t>
+            </a:r>
+          </a:p>
+          <a:p>
+            <a:pPr lvl="1"/>
+            <a:r>
+              <a:rPr lang="fr-FR" dirty="0"/>
+              <a:t>Est-ce que toutes les </a:t>
+            </a:r>
+            <a:r>
+              <a:rPr lang="fr-FR" dirty="0" err="1"/>
+              <a:t>features</a:t>
+            </a:r>
+            <a:r>
+              <a:rPr lang="fr-FR" dirty="0"/>
+              <a:t> sont indépendantes, peut-on, doit-on en supprimer? Créer une nouvelle </a:t>
+            </a:r>
+            <a:r>
+              <a:rPr lang="fr-FR" dirty="0" err="1"/>
+              <a:t>feature</a:t>
+            </a:r>
+            <a:r>
+              <a:rPr lang="fr-FR" dirty="0"/>
+              <a:t> comme combinaison linaire d'autres </a:t>
+            </a:r>
+            <a:r>
+              <a:rPr lang="fr-FR" dirty="0" err="1"/>
+              <a:t>feature</a:t>
+            </a:r>
+            <a:r>
+              <a:rPr lang="fr-FR" dirty="0"/>
+              <a:t>?</a:t>
+            </a:r>
+          </a:p>
+          <a:p>
+            <a:r>
+              <a:rPr lang="fr-FR" dirty="0"/>
+              <a:t>C'est de la régression ou du classement?</a:t>
+            </a:r>
+          </a:p>
+          <a:p>
+            <a:r>
+              <a:rPr lang="fr-FR" dirty="0"/>
+              <a:t>Passez du temps sur l'EDA</a:t>
+            </a:r>
+          </a:p>
+          <a:p>
+            <a:pPr lvl="1"/>
+            <a:r>
+              <a:rPr lang="fr-FR" dirty="0"/>
+              <a:t>Revoyez l'exemple Titanic</a:t>
+            </a:r>
+          </a:p>
+          <a:p>
+            <a:pPr lvl="1"/>
+            <a:r>
+              <a:rPr lang="fr-FR" dirty="0"/>
+              <a:t>Affichez la </a:t>
+            </a:r>
+            <a:r>
+              <a:rPr lang="fr-FR" dirty="0" err="1"/>
+              <a:t>target</a:t>
+            </a:r>
+            <a:r>
+              <a:rPr lang="fr-FR" dirty="0"/>
+              <a:t> en fonction des </a:t>
+            </a:r>
+            <a:r>
+              <a:rPr lang="fr-FR" dirty="0" err="1"/>
+              <a:t>features</a:t>
+            </a:r>
+            <a:r>
+              <a:rPr lang="fr-FR" dirty="0"/>
+              <a:t>, appropriez-vous les données</a:t>
+            </a:r>
+          </a:p>
+          <a:p>
+            <a:r>
+              <a:rPr lang="fr-FR" dirty="0"/>
+              <a:t>Analysez, critiquez les scores</a:t>
+            </a:r>
+          </a:p>
+          <a:p>
+            <a:r>
+              <a:rPr lang="fr-FR" dirty="0"/>
+              <a:t>Y a-t-il d'autres modèles, en plus de ceux vus en cours, à tester ?</a:t>
+            </a:r>
+          </a:p>
+          <a:p>
+            <a:r>
+              <a:rPr lang="fr-FR" dirty="0"/>
+              <a:t>Y a-t-il des </a:t>
+            </a:r>
+            <a:r>
+              <a:rPr lang="fr-FR" dirty="0" err="1"/>
+              <a:t>scorings</a:t>
+            </a:r>
+            <a:r>
+              <a:rPr lang="fr-FR" dirty="0"/>
+              <a:t>, pas vu en cours, utilisables ?</a:t>
+            </a:r>
+          </a:p>
+          <a:p>
+            <a:endParaRPr lang="fr-FR" dirty="0"/>
+          </a:p>
+        </p:txBody>
+      </p:sp>
+    </p:spTree>
+    <p:extLst>
+      <p:ext uri="{BB962C8B-B14F-4D97-AF65-F5344CB8AC3E}">
+        <p14:creationId xmlns:p14="http://schemas.microsoft.com/office/powerpoint/2010/main" val="2196644587"/>
+      </p:ext>
+    </p:extLst>
+  </p:cSld>
+  <p:clrMapOvr>
+    <a:masterClrMapping/>
+  </p:clrMapOvr>
+</p:sld>
+</file>
+
+<file path=ppt/slides/slide61.xml><?xml version="1.0" encoding="utf-8"?>
+<p:sld xmlns:a="http://schemas.openxmlformats.org/drawingml/2006/main" xmlns:r="http://schemas.openxmlformats.org/officeDocument/2006/relationships" xmlns:p="http://schemas.openxmlformats.org/presentationml/2006/main">
+  <p:cSld>
+    <p:spTree>
+      <p:nvGrpSpPr>
+        <p:cNvPr id="1" name=""/>
+        <p:cNvGrpSpPr/>
+        <p:nvPr/>
+      </p:nvGrpSpPr>
+      <p:grpSpPr>
+        <a:xfrm>
+          <a:off x="0" y="0"/>
+          <a:ext cx="0" cy="0"/>
+          <a:chOff x="0" y="0"/>
+          <a:chExt cx="0" cy="0"/>
+        </a:xfrm>
+      </p:grpSpPr>
+      <p:sp>
+        <p:nvSpPr>
+          <p:cNvPr id="2" name="Titre 1">
+            <a:extLst>
+              <a:ext uri="{FF2B5EF4-FFF2-40B4-BE49-F238E27FC236}">
+                <a16:creationId xmlns:a16="http://schemas.microsoft.com/office/drawing/2014/main" id="{FA6243E6-E350-4836-3E9F-D3814475FD2C}"/>
+              </a:ext>
+            </a:extLst>
+          </p:cNvPr>
+          <p:cNvSpPr>
+            <a:spLocks noGrp="1"/>
+          </p:cNvSpPr>
+          <p:nvPr>
+            <p:ph type="title"/>
+          </p:nvPr>
+        </p:nvSpPr>
+        <p:spPr/>
+        <p:txBody>
+          <a:bodyPr/>
+          <a:lstStyle/>
+          <a:p>
+            <a:r>
+              <a:rPr lang="fr-FR"/>
+              <a:t>Jour 10 </a:t>
+            </a:r>
+            <a:r>
+              <a:rPr lang="fr-FR" dirty="0"/>
+              <a:t>- Présentations</a:t>
+            </a:r>
+          </a:p>
+        </p:txBody>
+      </p:sp>
+      <p:sp>
+        <p:nvSpPr>
+          <p:cNvPr id="4" name="Espace réservé du texte 3">
+            <a:extLst>
+              <a:ext uri="{FF2B5EF4-FFF2-40B4-BE49-F238E27FC236}">
+                <a16:creationId xmlns:a16="http://schemas.microsoft.com/office/drawing/2014/main" id="{3D678D7E-8072-8B66-6EB7-C0CECFAF9EAE}"/>
+              </a:ext>
+            </a:extLst>
+          </p:cNvPr>
+          <p:cNvSpPr>
+            <a:spLocks noGrp="1"/>
+          </p:cNvSpPr>
+          <p:nvPr>
+            <p:ph type="body" idx="1"/>
+          </p:nvPr>
+        </p:nvSpPr>
+        <p:spPr/>
+        <p:txBody>
+          <a:bodyPr/>
+          <a:lstStyle/>
+          <a:p>
+            <a:endParaRPr lang="fr-FR"/>
+          </a:p>
+        </p:txBody>
+      </p:sp>
+    </p:spTree>
+    <p:extLst>
+      <p:ext uri="{BB962C8B-B14F-4D97-AF65-F5344CB8AC3E}">
+        <p14:creationId xmlns:p14="http://schemas.microsoft.com/office/powerpoint/2010/main" val="1230004352"/>
+      </p:ext>
+    </p:extLst>
+  </p:cSld>
+  <p:clrMapOvr>
+    <a:masterClrMapping/>
+  </p:clrMapOvr>
+</p:sld>
+</file>
+
+<file path=ppt/slides/slide62.xml><?xml version="1.0" encoding="utf-8"?>
+<p:sld xmlns:a="http://schemas.openxmlformats.org/drawingml/2006/main" xmlns:r="http://schemas.openxmlformats.org/officeDocument/2006/relationships" xmlns:p="http://schemas.openxmlformats.org/presentationml/2006/main">
+  <p:cSld>
+    <p:spTree>
+      <p:nvGrpSpPr>
+        <p:cNvPr id="1" name=""/>
+        <p:cNvGrpSpPr/>
+        <p:nvPr/>
+      </p:nvGrpSpPr>
+      <p:grpSpPr>
+        <a:xfrm>
+          <a:off x="0" y="0"/>
+          <a:ext cx="0" cy="0"/>
+          <a:chOff x="0" y="0"/>
+          <a:chExt cx="0" cy="0"/>
+        </a:xfrm>
+      </p:grpSpPr>
+      <p:sp>
+        <p:nvSpPr>
+          <p:cNvPr id="2" name="Titre 1">
+            <a:extLst>
+              <a:ext uri="{FF2B5EF4-FFF2-40B4-BE49-F238E27FC236}">
+                <a16:creationId xmlns:a16="http://schemas.microsoft.com/office/drawing/2014/main" id="{370F5FAD-9F53-AAE9-AB90-BF22980F842C}"/>
+              </a:ext>
+            </a:extLst>
+          </p:cNvPr>
+          <p:cNvSpPr>
+            <a:spLocks noGrp="1"/>
+          </p:cNvSpPr>
+          <p:nvPr>
+            <p:ph type="title"/>
+          </p:nvPr>
+        </p:nvSpPr>
+        <p:spPr/>
+        <p:txBody>
+          <a:bodyPr/>
+          <a:lstStyle/>
+          <a:p>
+            <a:r>
+              <a:rPr lang="fr-FR" dirty="0"/>
+              <a:t>Présentation</a:t>
+            </a:r>
+          </a:p>
+        </p:txBody>
+      </p:sp>
+      <p:sp>
+        <p:nvSpPr>
+          <p:cNvPr id="3" name="Espace réservé du contenu 2">
+            <a:extLst>
+              <a:ext uri="{FF2B5EF4-FFF2-40B4-BE49-F238E27FC236}">
+                <a16:creationId xmlns:a16="http://schemas.microsoft.com/office/drawing/2014/main" id="{913331AE-0180-6BC1-67DA-C0635E1BC504}"/>
+              </a:ext>
+            </a:extLst>
+          </p:cNvPr>
+          <p:cNvSpPr>
+            <a:spLocks noGrp="1"/>
+          </p:cNvSpPr>
+          <p:nvPr>
+            <p:ph idx="1"/>
+          </p:nvPr>
+        </p:nvSpPr>
+        <p:spPr>
+          <a:xfrm>
+            <a:off x="838200" y="1825625"/>
+            <a:ext cx="10595708" cy="4351338"/>
+          </a:xfrm>
+        </p:spPr>
+        <p:txBody>
+          <a:bodyPr>
+            <a:normAutofit lnSpcReduction="10000"/>
+          </a:bodyPr>
+          <a:lstStyle/>
+          <a:p>
+            <a:r>
+              <a:rPr lang="fr-FR" dirty="0"/>
+              <a:t>10' + 5' de questions</a:t>
+            </a:r>
+          </a:p>
+          <a:p>
+            <a:r>
+              <a:rPr lang="fr-FR" dirty="0"/>
+              <a:t>=&gt; 5-6 slides</a:t>
+            </a:r>
+          </a:p>
+          <a:p>
+            <a:r>
+              <a:rPr lang="fr-FR" dirty="0"/>
+              <a:t>Pensez au slide qui va rester à l'écran pendant les Q&amp;A</a:t>
+            </a:r>
+          </a:p>
+          <a:p>
+            <a:pPr lvl="1"/>
+            <a:r>
+              <a:rPr lang="fr-FR" dirty="0"/>
+              <a:t>Vous passez quoi comme message pendant ce temps?</a:t>
+            </a:r>
+          </a:p>
+          <a:p>
+            <a:r>
+              <a:rPr lang="fr-FR" dirty="0"/>
+              <a:t>Imaginez que vous présentez à vos parents</a:t>
+            </a:r>
+          </a:p>
+          <a:p>
+            <a:pPr lvl="1"/>
+            <a:r>
+              <a:rPr lang="fr-FR" dirty="0"/>
+              <a:t>Assurez-vous que l'auditoire vous suit</a:t>
+            </a:r>
+          </a:p>
+          <a:p>
+            <a:pPr lvl="1"/>
+            <a:r>
+              <a:rPr lang="fr-FR" dirty="0"/>
+              <a:t>Pas (trop) de technique, des images, des dessins des conclusions simples</a:t>
+            </a:r>
+          </a:p>
+          <a:p>
+            <a:r>
+              <a:rPr lang="fr-FR" dirty="0"/>
+              <a:t>Pas trop de texte sur les slides</a:t>
+            </a:r>
+          </a:p>
+          <a:p>
+            <a:pPr lvl="1"/>
+            <a:r>
+              <a:rPr lang="fr-FR" dirty="0"/>
+              <a:t>5 phrases max</a:t>
+            </a:r>
+          </a:p>
+          <a:p>
+            <a:pPr lvl="1"/>
+            <a:r>
+              <a:rPr lang="fr-FR" dirty="0"/>
+              <a:t>5 mots par phrase</a:t>
+            </a:r>
+          </a:p>
+        </p:txBody>
+      </p:sp>
+      <p:sp>
+        <p:nvSpPr>
+          <p:cNvPr id="4" name="Rectangle 3">
+            <a:extLst>
+              <a:ext uri="{FF2B5EF4-FFF2-40B4-BE49-F238E27FC236}">
+                <a16:creationId xmlns:a16="http://schemas.microsoft.com/office/drawing/2014/main" id="{BCEA8BD6-0DDE-5D47-7C19-8D80130371BB}"/>
+              </a:ext>
+            </a:extLst>
+          </p:cNvPr>
+          <p:cNvSpPr/>
+          <p:nvPr/>
+        </p:nvSpPr>
+        <p:spPr>
+          <a:xfrm>
+            <a:off x="10639425" y="13654"/>
+            <a:ext cx="1543050" cy="519484"/>
+          </a:xfrm>
+          <a:prstGeom prst="rect">
+            <a:avLst/>
+          </a:prstGeom>
+          <a:solidFill>
+            <a:schemeClr val="accent6"/>
+          </a:solidFill>
+          <a:ln>
+            <a:noFill/>
+          </a:ln>
+        </p:spPr>
+        <p:style>
+          <a:lnRef idx="2">
+            <a:schemeClr val="accent1">
+              <a:shade val="15000"/>
+            </a:schemeClr>
+          </a:lnRef>
+          <a:fillRef idx="1">
+            <a:schemeClr val="accent1"/>
+          </a:fillRef>
+          <a:effectRef idx="0">
+            <a:schemeClr val="accent1"/>
+          </a:effectRef>
+          <a:fontRef idx="minor">
+            <a:schemeClr val="lt1"/>
+          </a:fontRef>
+        </p:style>
+        <p:txBody>
+          <a:bodyPr rtlCol="0" anchor="ctr"/>
+          <a:lstStyle/>
+          <a:p>
+            <a:pPr algn="ctr"/>
+            <a:r>
+              <a:rPr lang="fr-FR" dirty="0"/>
+              <a:t>Commentaires</a:t>
+            </a:r>
+          </a:p>
+        </p:txBody>
+      </p:sp>
+    </p:spTree>
+    <p:extLst>
+      <p:ext uri="{BB962C8B-B14F-4D97-AF65-F5344CB8AC3E}">
+        <p14:creationId xmlns:p14="http://schemas.microsoft.com/office/powerpoint/2010/main" val="670108457"/>
+      </p:ext>
+    </p:extLst>
+  </p:cSld>
+  <p:clrMapOvr>
+    <a:masterClrMapping/>
+  </p:clrMapOvr>
+  <p:timing>
+    <p:tnLst>
+      <p:par>
+        <p:cTn id="1" dur="indefinite" restart="never" nodeType="tmRoot">
+          <p:childTnLst>
+            <p:seq concurrent="1" nextAc="seek">
+              <p:cTn id="2" dur="indefinite" nodeType="mainSeq">
+                <p:childTnLst>
+                  <p:par>
+                    <p:cTn id="3" fill="hold">
+                      <p:stCondLst>
+                        <p:cond delay="indefinite"/>
+                        <p:cond evt="onBegin" delay="0">
+                          <p:tn val="2"/>
+                        </p:cond>
+                      </p:stCondLst>
+                      <p:childTnLst>
+                        <p:par>
+                          <p:cTn id="4" fill="hold">
+                            <p:stCondLst>
+                              <p:cond delay="0"/>
+                            </p:stCondLst>
+                            <p:childTnLst>
+                              <p:par>
+                                <p:cTn id="5" presetID="1" presetClass="exit" presetSubtype="0" fill="hold" grpId="0" nodeType="withEffect">
+                                  <p:stCondLst>
+                                    <p:cond delay="0"/>
+                                  </p:stCondLst>
+                                  <p:childTnLst>
+                                    <p:set>
+                                      <p:cBhvr>
+                                        <p:cTn id="6" dur="1" fill="hold">
+                                          <p:stCondLst>
+                                            <p:cond delay="0"/>
+                                          </p:stCondLst>
+                                        </p:cTn>
+                                        <p:tgtEl>
+                                          <p:spTgt spid="4"/>
+                                        </p:tgtEl>
+                                        <p:attrNameLst>
+                                          <p:attrName>style.visibility</p:attrName>
+                                        </p:attrNameLst>
+                                      </p:cBhvr>
+                                      <p:to>
+                                        <p:strVal val="hidden"/>
+                                      </p:to>
+                                    </p:set>
+                                  </p:childTnLst>
+                                </p:cTn>
+                              </p:par>
+                            </p:childTnLst>
+                          </p:cTn>
+                        </p:par>
+                      </p:childTnLst>
+                    </p:cTn>
+                  </p:par>
+                </p:childTnLst>
+              </p:cTn>
+              <p:prevCondLst>
+                <p:cond evt="onPrev" delay="0">
+                  <p:tgtEl>
+                    <p:sldTgt/>
+                  </p:tgtEl>
+                </p:cond>
+              </p:prevCondLst>
+              <p:nextCondLst>
+                <p:cond evt="onNext" delay="0">
+                  <p:tgtEl>
+                    <p:sldTgt/>
+                  </p:tgtEl>
+                </p:cond>
+              </p:nextCondLst>
+            </p:seq>
+          </p:childTnLst>
+        </p:cTn>
+      </p:par>
+    </p:tnLst>
+    <p:bldLst>
+      <p:bldP spid="4" grpId="0" animBg="1"/>
+    </p:bldLst>
+  </p:timing>
+</p:sld>
+</file>
+
+<file path=ppt/slides/slide63.xml><?xml version="1.0" encoding="utf-8"?>
 <p:sld xmlns:a="http://schemas.openxmlformats.org/drawingml/2006/main" xmlns:r="http://schemas.openxmlformats.org/officeDocument/2006/relationships" xmlns:p="http://schemas.openxmlformats.org/presentationml/2006/main">
   <p:cSld>
     <p:spTree>
